--- a/docs/Präsentation/Project-Presentation.pptx
+++ b/docs/Präsentation/Project-Presentation.pptx
@@ -5,10 +5,10 @@
     <p:sldMasterId id="2147483660" r:id="rId2"/>
   </p:sldMasterIdLst>
   <p:notesMasterIdLst>
-    <p:notesMasterId r:id="rId16"/>
+    <p:notesMasterId r:id="rId20"/>
   </p:notesMasterIdLst>
   <p:handoutMasterIdLst>
-    <p:handoutMasterId r:id="rId17"/>
+    <p:handoutMasterId r:id="rId21"/>
   </p:handoutMasterIdLst>
   <p:sldIdLst>
     <p:sldId id="256" r:id="rId3"/>
@@ -23,7 +23,11 @@
     <p:sldId id="266" r:id="rId12"/>
     <p:sldId id="267" r:id="rId13"/>
     <p:sldId id="268" r:id="rId14"/>
-    <p:sldId id="259" r:id="rId15"/>
+    <p:sldId id="271" r:id="rId15"/>
+    <p:sldId id="272" r:id="rId16"/>
+    <p:sldId id="259" r:id="rId17"/>
+    <p:sldId id="270" r:id="rId18"/>
+    <p:sldId id="269" r:id="rId19"/>
   </p:sldIdLst>
   <p:sldSz cx="12188825" cy="6858000"/>
   <p:notesSz cx="6858000" cy="9144000"/>
@@ -1186,6 +1190,13 @@
         </dgm:presLayoutVars>
       </dgm:prSet>
       <dgm:spPr/>
+      <dgm:t>
+        <a:bodyPr/>
+        <a:lstStyle/>
+        <a:p>
+          <a:endParaRPr lang="en-US"/>
+        </a:p>
+      </dgm:t>
     </dgm:pt>
     <dgm:pt modelId="{485BD1DD-7041-4BCE-AAF8-C84CCDEEBE7A}" type="pres">
       <dgm:prSet presAssocID="{18666B4B-280A-42A5-8866-B9CAB13429B9}" presName="compNode" presStyleCnt="0"/>
@@ -1202,10 +1213,24 @@
         </dgm:presLayoutVars>
       </dgm:prSet>
       <dgm:spPr/>
+      <dgm:t>
+        <a:bodyPr/>
+        <a:lstStyle/>
+        <a:p>
+          <a:endParaRPr lang="en-US"/>
+        </a:p>
+      </dgm:t>
     </dgm:pt>
     <dgm:pt modelId="{868D0333-4692-4AB5-8CAE-8330DB6D5823}" type="pres">
       <dgm:prSet presAssocID="{CFCE1A4D-B8F4-4DFF-AF9D-4FC992C4B268}" presName="sibTrans" presStyleLbl="sibTrans2D1" presStyleIdx="0" presStyleCnt="0"/>
       <dgm:spPr/>
+      <dgm:t>
+        <a:bodyPr/>
+        <a:lstStyle/>
+        <a:p>
+          <a:endParaRPr lang="en-US"/>
+        </a:p>
+      </dgm:t>
     </dgm:pt>
     <dgm:pt modelId="{16678724-4CC8-4DBB-B726-D8A418EE98DE}" type="pres">
       <dgm:prSet presAssocID="{0B904F64-2F0D-4C99-B591-25BD82FC5122}" presName="compNode" presStyleCnt="0"/>
@@ -1233,6 +1258,13 @@
     <dgm:pt modelId="{A1ED580F-4D2A-44EB-85C4-79FE44B5654C}" type="pres">
       <dgm:prSet presAssocID="{567F1739-7381-4F8E-B2EB-29A2F271D61B}" presName="sibTrans" presStyleLbl="sibTrans2D1" presStyleIdx="0" presStyleCnt="0"/>
       <dgm:spPr/>
+      <dgm:t>
+        <a:bodyPr/>
+        <a:lstStyle/>
+        <a:p>
+          <a:endParaRPr lang="en-US"/>
+        </a:p>
+      </dgm:t>
     </dgm:pt>
     <dgm:pt modelId="{2E59C95B-91C3-4FCF-9E6D-D40DF7638BAD}" type="pres">
       <dgm:prSet presAssocID="{6A79A6D5-AC31-43DD-8D51-3886C9205C81}" presName="compNode" presStyleCnt="0"/>
@@ -1249,10 +1281,24 @@
         </dgm:presLayoutVars>
       </dgm:prSet>
       <dgm:spPr/>
+      <dgm:t>
+        <a:bodyPr/>
+        <a:lstStyle/>
+        <a:p>
+          <a:endParaRPr lang="en-US"/>
+        </a:p>
+      </dgm:t>
     </dgm:pt>
     <dgm:pt modelId="{A5A6BAEB-0EF3-4B2C-B4CF-093AEDF5E6A7}" type="pres">
       <dgm:prSet presAssocID="{43F65780-48B0-4FCE-8AF6-EBBFAC3C7357}" presName="sibTrans" presStyleLbl="sibTrans2D1" presStyleIdx="0" presStyleCnt="0"/>
       <dgm:spPr/>
+      <dgm:t>
+        <a:bodyPr/>
+        <a:lstStyle/>
+        <a:p>
+          <a:endParaRPr lang="en-US"/>
+        </a:p>
+      </dgm:t>
     </dgm:pt>
     <dgm:pt modelId="{5CAA5030-582E-482E-AF77-DAFB0A1F40AB}" type="pres">
       <dgm:prSet presAssocID="{3C3BB810-9202-4784-9E6F-0EB93693CCAD}" presName="compNode" presStyleCnt="0"/>
@@ -1279,33 +1325,33 @@
     </dgm:pt>
   </dgm:ptLst>
   <dgm:cxnLst>
-    <dgm:cxn modelId="{D686D2E5-4810-43B5-A835-86F2B30403AB}" type="presOf" srcId="{567F1739-7381-4F8E-B2EB-29A2F271D61B}" destId="{A1ED580F-4D2A-44EB-85C4-79FE44B5654C}" srcOrd="0" destOrd="0" presId="urn:microsoft.com/office/officeart/2005/8/layout/pList1"/>
-    <dgm:cxn modelId="{0BF47986-FE7F-4322-B6CF-98E386C97EDA}" type="presOf" srcId="{0B904F64-2F0D-4C99-B591-25BD82FC5122}" destId="{D335C2A7-E85A-48DA-BEA4-2CA79374D1E1}" srcOrd="0" destOrd="0" presId="urn:microsoft.com/office/officeart/2005/8/layout/pList1"/>
+    <dgm:cxn modelId="{E1496FD1-B7AC-4798-B326-D24F80D2D14E}" type="presOf" srcId="{3C3BB810-9202-4784-9E6F-0EB93693CCAD}" destId="{D2BA077C-B783-4392-A97F-F939D39ED622}" srcOrd="0" destOrd="0" presId="urn:microsoft.com/office/officeart/2005/8/layout/pList1"/>
+    <dgm:cxn modelId="{40373F19-AE93-4F0F-9820-D188E496E8D3}" type="presOf" srcId="{18666B4B-280A-42A5-8866-B9CAB13429B9}" destId="{416A3E39-CB94-44AE-B1B8-E268CC7EDF5A}" srcOrd="0" destOrd="0" presId="urn:microsoft.com/office/officeart/2005/8/layout/pList1"/>
+    <dgm:cxn modelId="{AB94E305-D6FD-4236-AC26-45A2D281A3F5}" type="presOf" srcId="{567F1739-7381-4F8E-B2EB-29A2F271D61B}" destId="{A1ED580F-4D2A-44EB-85C4-79FE44B5654C}" srcOrd="0" destOrd="0" presId="urn:microsoft.com/office/officeart/2005/8/layout/pList1"/>
+    <dgm:cxn modelId="{AB68A825-0BC1-49A7-86B9-6B0136E2A28E}" type="presOf" srcId="{CFCE1A4D-B8F4-4DFF-AF9D-4FC992C4B268}" destId="{868D0333-4692-4AB5-8CAE-8330DB6D5823}" srcOrd="0" destOrd="0" presId="urn:microsoft.com/office/officeart/2005/8/layout/pList1"/>
+    <dgm:cxn modelId="{6B41E439-1A90-475E-B3BB-36DD91DAD9CB}" type="presOf" srcId="{43F65780-48B0-4FCE-8AF6-EBBFAC3C7357}" destId="{A5A6BAEB-0EF3-4B2C-B4CF-093AEDF5E6A7}" srcOrd="0" destOrd="0" presId="urn:microsoft.com/office/officeart/2005/8/layout/pList1"/>
+    <dgm:cxn modelId="{5D830E30-5AF0-4FB8-8840-15E4667BA48F}" srcId="{9879D029-26A6-478C-B171-97EE3A9F156A}" destId="{3C3BB810-9202-4784-9E6F-0EB93693CCAD}" srcOrd="3" destOrd="0" parTransId="{351BE4EE-BEF1-4818-96C8-80740F1B700A}" sibTransId="{6402D75B-D79D-491C-B858-7F8705C69069}"/>
+    <dgm:cxn modelId="{B33F440C-ECF0-4164-9375-01EB10D0B48A}" type="presOf" srcId="{9879D029-26A6-478C-B171-97EE3A9F156A}" destId="{7CEA8BF6-C807-415A-9042-FB1704AD24F4}" srcOrd="0" destOrd="0" presId="urn:microsoft.com/office/officeart/2005/8/layout/pList1"/>
     <dgm:cxn modelId="{0891B44F-B2B0-4F2C-BDD2-A189B157D71C}" srcId="{9879D029-26A6-478C-B171-97EE3A9F156A}" destId="{0B904F64-2F0D-4C99-B591-25BD82FC5122}" srcOrd="1" destOrd="0" parTransId="{3E57E3C3-053D-46CB-9D0F-94BB3DACC1C4}" sibTransId="{567F1739-7381-4F8E-B2EB-29A2F271D61B}"/>
-    <dgm:cxn modelId="{00034097-5A25-4D33-A81B-52D3DF477F96}" type="presOf" srcId="{18666B4B-280A-42A5-8866-B9CAB13429B9}" destId="{416A3E39-CB94-44AE-B1B8-E268CC7EDF5A}" srcOrd="0" destOrd="0" presId="urn:microsoft.com/office/officeart/2005/8/layout/pList1"/>
-    <dgm:cxn modelId="{EA1A6D00-A3A6-4CB8-A86F-A9964C372158}" type="presOf" srcId="{9879D029-26A6-478C-B171-97EE3A9F156A}" destId="{7CEA8BF6-C807-415A-9042-FB1704AD24F4}" srcOrd="0" destOrd="0" presId="urn:microsoft.com/office/officeart/2005/8/layout/pList1"/>
+    <dgm:cxn modelId="{D26A6C23-380C-4C8E-A146-3B58E3ACD18B}" type="presOf" srcId="{0B904F64-2F0D-4C99-B591-25BD82FC5122}" destId="{D335C2A7-E85A-48DA-BEA4-2CA79374D1E1}" srcOrd="0" destOrd="0" presId="urn:microsoft.com/office/officeart/2005/8/layout/pList1"/>
+    <dgm:cxn modelId="{2458E770-C078-4F02-9998-7A5EDED12509}" type="presOf" srcId="{6A79A6D5-AC31-43DD-8D51-3886C9205C81}" destId="{8CE146AE-AE74-40B6-BE47-6B5768D6F72E}" srcOrd="0" destOrd="0" presId="urn:microsoft.com/office/officeart/2005/8/layout/pList1"/>
     <dgm:cxn modelId="{B2D0B0FD-AA9D-4C2A-BAF2-FDB51BA73186}" srcId="{9879D029-26A6-478C-B171-97EE3A9F156A}" destId="{18666B4B-280A-42A5-8866-B9CAB13429B9}" srcOrd="0" destOrd="0" parTransId="{E6FCDD04-2091-4536-B006-6AA110A4548D}" sibTransId="{CFCE1A4D-B8F4-4DFF-AF9D-4FC992C4B268}"/>
-    <dgm:cxn modelId="{5D830E30-5AF0-4FB8-8840-15E4667BA48F}" srcId="{9879D029-26A6-478C-B171-97EE3A9F156A}" destId="{3C3BB810-9202-4784-9E6F-0EB93693CCAD}" srcOrd="3" destOrd="0" parTransId="{351BE4EE-BEF1-4818-96C8-80740F1B700A}" sibTransId="{6402D75B-D79D-491C-B858-7F8705C69069}"/>
-    <dgm:cxn modelId="{A4DE7798-A4E1-4C84-95D4-1DBE2458043B}" type="presOf" srcId="{43F65780-48B0-4FCE-8AF6-EBBFAC3C7357}" destId="{A5A6BAEB-0EF3-4B2C-B4CF-093AEDF5E6A7}" srcOrd="0" destOrd="0" presId="urn:microsoft.com/office/officeart/2005/8/layout/pList1"/>
-    <dgm:cxn modelId="{7FAEADB4-7224-4D8B-9ECB-54AF2AFDCE10}" type="presOf" srcId="{3C3BB810-9202-4784-9E6F-0EB93693CCAD}" destId="{D2BA077C-B783-4392-A97F-F939D39ED622}" srcOrd="0" destOrd="0" presId="urn:microsoft.com/office/officeart/2005/8/layout/pList1"/>
     <dgm:cxn modelId="{BD3BE2D4-B949-40B1-84E1-AE828AE335DB}" srcId="{9879D029-26A6-478C-B171-97EE3A9F156A}" destId="{6A79A6D5-AC31-43DD-8D51-3886C9205C81}" srcOrd="2" destOrd="0" parTransId="{D145E3E8-54DF-4CCD-99BA-B1A9C4B96464}" sibTransId="{43F65780-48B0-4FCE-8AF6-EBBFAC3C7357}"/>
-    <dgm:cxn modelId="{AAE09AC0-E7C1-496C-A9CD-2AC43C750E20}" type="presOf" srcId="{6A79A6D5-AC31-43DD-8D51-3886C9205C81}" destId="{8CE146AE-AE74-40B6-BE47-6B5768D6F72E}" srcOrd="0" destOrd="0" presId="urn:microsoft.com/office/officeart/2005/8/layout/pList1"/>
-    <dgm:cxn modelId="{B09F995B-938A-4988-A195-9873D8AAFF8E}" type="presOf" srcId="{CFCE1A4D-B8F4-4DFF-AF9D-4FC992C4B268}" destId="{868D0333-4692-4AB5-8CAE-8330DB6D5823}" srcOrd="0" destOrd="0" presId="urn:microsoft.com/office/officeart/2005/8/layout/pList1"/>
-    <dgm:cxn modelId="{F653BB0F-3994-423E-A344-3085D743137C}" type="presParOf" srcId="{7CEA8BF6-C807-415A-9042-FB1704AD24F4}" destId="{485BD1DD-7041-4BCE-AAF8-C84CCDEEBE7A}" srcOrd="0" destOrd="0" presId="urn:microsoft.com/office/officeart/2005/8/layout/pList1"/>
-    <dgm:cxn modelId="{69ED3AFD-29BD-4738-9956-BC1FBEB8296D}" type="presParOf" srcId="{485BD1DD-7041-4BCE-AAF8-C84CCDEEBE7A}" destId="{0FB6FA96-47B0-4402-A885-978E117C2597}" srcOrd="0" destOrd="0" presId="urn:microsoft.com/office/officeart/2005/8/layout/pList1"/>
-    <dgm:cxn modelId="{CD566E95-861C-47EA-A903-70512528E605}" type="presParOf" srcId="{485BD1DD-7041-4BCE-AAF8-C84CCDEEBE7A}" destId="{416A3E39-CB94-44AE-B1B8-E268CC7EDF5A}" srcOrd="1" destOrd="0" presId="urn:microsoft.com/office/officeart/2005/8/layout/pList1"/>
-    <dgm:cxn modelId="{ECE8D4E3-479A-4BD5-A79F-8A2FDCCBBE82}" type="presParOf" srcId="{7CEA8BF6-C807-415A-9042-FB1704AD24F4}" destId="{868D0333-4692-4AB5-8CAE-8330DB6D5823}" srcOrd="1" destOrd="0" presId="urn:microsoft.com/office/officeart/2005/8/layout/pList1"/>
-    <dgm:cxn modelId="{5DC49F56-0B80-4DE9-AA23-61673F0A235B}" type="presParOf" srcId="{7CEA8BF6-C807-415A-9042-FB1704AD24F4}" destId="{16678724-4CC8-4DBB-B726-D8A418EE98DE}" srcOrd="2" destOrd="0" presId="urn:microsoft.com/office/officeart/2005/8/layout/pList1"/>
-    <dgm:cxn modelId="{40731A4D-DAB0-4FE8-AB71-F71197D0BF68}" type="presParOf" srcId="{16678724-4CC8-4DBB-B726-D8A418EE98DE}" destId="{52E3FBAA-CF9B-4809-981C-A4EA9E0A2D87}" srcOrd="0" destOrd="0" presId="urn:microsoft.com/office/officeart/2005/8/layout/pList1"/>
-    <dgm:cxn modelId="{60A165F7-B73F-4A3D-983D-4CCDE74D4333}" type="presParOf" srcId="{16678724-4CC8-4DBB-B726-D8A418EE98DE}" destId="{D335C2A7-E85A-48DA-BEA4-2CA79374D1E1}" srcOrd="1" destOrd="0" presId="urn:microsoft.com/office/officeart/2005/8/layout/pList1"/>
-    <dgm:cxn modelId="{FFDDA4EC-589C-4541-86DD-26EB42D88F2B}" type="presParOf" srcId="{7CEA8BF6-C807-415A-9042-FB1704AD24F4}" destId="{A1ED580F-4D2A-44EB-85C4-79FE44B5654C}" srcOrd="3" destOrd="0" presId="urn:microsoft.com/office/officeart/2005/8/layout/pList1"/>
-    <dgm:cxn modelId="{25DC925B-ECD5-42DD-B3FD-728DDA7CFE28}" type="presParOf" srcId="{7CEA8BF6-C807-415A-9042-FB1704AD24F4}" destId="{2E59C95B-91C3-4FCF-9E6D-D40DF7638BAD}" srcOrd="4" destOrd="0" presId="urn:microsoft.com/office/officeart/2005/8/layout/pList1"/>
-    <dgm:cxn modelId="{10290F7E-40C9-4640-8D55-A5E5F91260F1}" type="presParOf" srcId="{2E59C95B-91C3-4FCF-9E6D-D40DF7638BAD}" destId="{07BB94C4-CF91-4B25-AD56-806205F7ECED}" srcOrd="0" destOrd="0" presId="urn:microsoft.com/office/officeart/2005/8/layout/pList1"/>
-    <dgm:cxn modelId="{542C6DE7-1C84-49B3-AA76-6FD53156A54A}" type="presParOf" srcId="{2E59C95B-91C3-4FCF-9E6D-D40DF7638BAD}" destId="{8CE146AE-AE74-40B6-BE47-6B5768D6F72E}" srcOrd="1" destOrd="0" presId="urn:microsoft.com/office/officeart/2005/8/layout/pList1"/>
-    <dgm:cxn modelId="{F56073B5-3E75-44EC-A365-5FB7902A0410}" type="presParOf" srcId="{7CEA8BF6-C807-415A-9042-FB1704AD24F4}" destId="{A5A6BAEB-0EF3-4B2C-B4CF-093AEDF5E6A7}" srcOrd="5" destOrd="0" presId="urn:microsoft.com/office/officeart/2005/8/layout/pList1"/>
-    <dgm:cxn modelId="{0E382F72-564E-45B2-AD0A-1A1F04358552}" type="presParOf" srcId="{7CEA8BF6-C807-415A-9042-FB1704AD24F4}" destId="{5CAA5030-582E-482E-AF77-DAFB0A1F40AB}" srcOrd="6" destOrd="0" presId="urn:microsoft.com/office/officeart/2005/8/layout/pList1"/>
-    <dgm:cxn modelId="{54EBF2B2-A102-4CF7-B1FE-A0D18760844B}" type="presParOf" srcId="{5CAA5030-582E-482E-AF77-DAFB0A1F40AB}" destId="{23379BA0-72C3-4B48-9B67-5AA34105AF71}" srcOrd="0" destOrd="0" presId="urn:microsoft.com/office/officeart/2005/8/layout/pList1"/>
-    <dgm:cxn modelId="{B79EF81F-6D0E-4401-B30A-DF32A72D9231}" type="presParOf" srcId="{5CAA5030-582E-482E-AF77-DAFB0A1F40AB}" destId="{D2BA077C-B783-4392-A97F-F939D39ED622}" srcOrd="1" destOrd="0" presId="urn:microsoft.com/office/officeart/2005/8/layout/pList1"/>
+    <dgm:cxn modelId="{738DE15E-0EB4-482B-A2DC-49D9961ED884}" type="presParOf" srcId="{7CEA8BF6-C807-415A-9042-FB1704AD24F4}" destId="{485BD1DD-7041-4BCE-AAF8-C84CCDEEBE7A}" srcOrd="0" destOrd="0" presId="urn:microsoft.com/office/officeart/2005/8/layout/pList1"/>
+    <dgm:cxn modelId="{0DC6BA37-10DB-4608-8D47-50424D92D2BA}" type="presParOf" srcId="{485BD1DD-7041-4BCE-AAF8-C84CCDEEBE7A}" destId="{0FB6FA96-47B0-4402-A885-978E117C2597}" srcOrd="0" destOrd="0" presId="urn:microsoft.com/office/officeart/2005/8/layout/pList1"/>
+    <dgm:cxn modelId="{FD74F736-C2DB-4BB7-BC1D-926341A63F88}" type="presParOf" srcId="{485BD1DD-7041-4BCE-AAF8-C84CCDEEBE7A}" destId="{416A3E39-CB94-44AE-B1B8-E268CC7EDF5A}" srcOrd="1" destOrd="0" presId="urn:microsoft.com/office/officeart/2005/8/layout/pList1"/>
+    <dgm:cxn modelId="{872F239B-824B-4942-905E-FD36AF5DAE93}" type="presParOf" srcId="{7CEA8BF6-C807-415A-9042-FB1704AD24F4}" destId="{868D0333-4692-4AB5-8CAE-8330DB6D5823}" srcOrd="1" destOrd="0" presId="urn:microsoft.com/office/officeart/2005/8/layout/pList1"/>
+    <dgm:cxn modelId="{D2D20CA9-F063-42A7-BFD3-62ABD952B3B9}" type="presParOf" srcId="{7CEA8BF6-C807-415A-9042-FB1704AD24F4}" destId="{16678724-4CC8-4DBB-B726-D8A418EE98DE}" srcOrd="2" destOrd="0" presId="urn:microsoft.com/office/officeart/2005/8/layout/pList1"/>
+    <dgm:cxn modelId="{867E2E91-E337-4B44-B643-AD106714CEF1}" type="presParOf" srcId="{16678724-4CC8-4DBB-B726-D8A418EE98DE}" destId="{52E3FBAA-CF9B-4809-981C-A4EA9E0A2D87}" srcOrd="0" destOrd="0" presId="urn:microsoft.com/office/officeart/2005/8/layout/pList1"/>
+    <dgm:cxn modelId="{1ACFE252-39D4-4BAE-88EB-1FB6E8638F9E}" type="presParOf" srcId="{16678724-4CC8-4DBB-B726-D8A418EE98DE}" destId="{D335C2A7-E85A-48DA-BEA4-2CA79374D1E1}" srcOrd="1" destOrd="0" presId="urn:microsoft.com/office/officeart/2005/8/layout/pList1"/>
+    <dgm:cxn modelId="{12441C8B-C266-4C33-B3C2-EBEAF10E7CFC}" type="presParOf" srcId="{7CEA8BF6-C807-415A-9042-FB1704AD24F4}" destId="{A1ED580F-4D2A-44EB-85C4-79FE44B5654C}" srcOrd="3" destOrd="0" presId="urn:microsoft.com/office/officeart/2005/8/layout/pList1"/>
+    <dgm:cxn modelId="{EB72793F-F34F-47C4-ADF3-C59EBAB9CE15}" type="presParOf" srcId="{7CEA8BF6-C807-415A-9042-FB1704AD24F4}" destId="{2E59C95B-91C3-4FCF-9E6D-D40DF7638BAD}" srcOrd="4" destOrd="0" presId="urn:microsoft.com/office/officeart/2005/8/layout/pList1"/>
+    <dgm:cxn modelId="{CDF313E8-202F-44FD-BBCD-AE3DF203DCD8}" type="presParOf" srcId="{2E59C95B-91C3-4FCF-9E6D-D40DF7638BAD}" destId="{07BB94C4-CF91-4B25-AD56-806205F7ECED}" srcOrd="0" destOrd="0" presId="urn:microsoft.com/office/officeart/2005/8/layout/pList1"/>
+    <dgm:cxn modelId="{79926F7F-6377-4A99-A2DE-5E267844968B}" type="presParOf" srcId="{2E59C95B-91C3-4FCF-9E6D-D40DF7638BAD}" destId="{8CE146AE-AE74-40B6-BE47-6B5768D6F72E}" srcOrd="1" destOrd="0" presId="urn:microsoft.com/office/officeart/2005/8/layout/pList1"/>
+    <dgm:cxn modelId="{A804509B-323E-46B3-BB94-DA70968F5276}" type="presParOf" srcId="{7CEA8BF6-C807-415A-9042-FB1704AD24F4}" destId="{A5A6BAEB-0EF3-4B2C-B4CF-093AEDF5E6A7}" srcOrd="5" destOrd="0" presId="urn:microsoft.com/office/officeart/2005/8/layout/pList1"/>
+    <dgm:cxn modelId="{8740330D-D3F2-4598-BF65-381D6542E154}" type="presParOf" srcId="{7CEA8BF6-C807-415A-9042-FB1704AD24F4}" destId="{5CAA5030-582E-482E-AF77-DAFB0A1F40AB}" srcOrd="6" destOrd="0" presId="urn:microsoft.com/office/officeart/2005/8/layout/pList1"/>
+    <dgm:cxn modelId="{EA98DFE7-4004-44C2-B655-9BCFAB13971D}" type="presParOf" srcId="{5CAA5030-582E-482E-AF77-DAFB0A1F40AB}" destId="{23379BA0-72C3-4B48-9B67-5AA34105AF71}" srcOrd="0" destOrd="0" presId="urn:microsoft.com/office/officeart/2005/8/layout/pList1"/>
+    <dgm:cxn modelId="{357A39C7-EE74-4CBB-BEDB-562A7BCD0A3F}" type="presParOf" srcId="{5CAA5030-582E-482E-AF77-DAFB0A1F40AB}" destId="{D2BA077C-B783-4392-A97F-F939D39ED622}" srcOrd="1" destOrd="0" presId="urn:microsoft.com/office/officeart/2005/8/layout/pList1"/>
   </dgm:cxnLst>
   <dgm:bg/>
   <dgm:whole/>
@@ -1332,8 +1378,8 @@
       </dsp:nvSpPr>
       <dsp:spPr>
         <a:xfrm>
-          <a:off x="109285" y="1420"/>
-          <a:ext cx="1901575" cy="1310185"/>
+          <a:off x="34866" y="937"/>
+          <a:ext cx="1902010" cy="1310485"/>
         </a:xfrm>
         <a:prstGeom prst="roundRect">
           <a:avLst/>
@@ -1381,8 +1427,8 @@
       </dsp:nvSpPr>
       <dsp:spPr>
         <a:xfrm>
-          <a:off x="109285" y="1311605"/>
-          <a:ext cx="1901575" cy="705484"/>
+          <a:off x="34866" y="1311422"/>
+          <a:ext cx="1902010" cy="705645"/>
         </a:xfrm>
         <a:prstGeom prst="rect">
           <a:avLst/>
@@ -1438,8 +1484,8 @@
         </a:p>
       </dsp:txBody>
       <dsp:txXfrm>
-        <a:off x="109285" y="1311605"/>
-        <a:ext cx="1901575" cy="705484"/>
+        <a:off x="34866" y="1311422"/>
+        <a:ext cx="1902010" cy="705645"/>
       </dsp:txXfrm>
     </dsp:sp>
     <dsp:sp modelId="{52E3FBAA-CF9B-4809-981C-A4EA9E0A2D87}">
@@ -1449,8 +1495,8 @@
       </dsp:nvSpPr>
       <dsp:spPr>
         <a:xfrm>
-          <a:off x="2201098" y="1420"/>
-          <a:ext cx="1901575" cy="1310185"/>
+          <a:off x="2127157" y="937"/>
+          <a:ext cx="1902010" cy="1310485"/>
         </a:xfrm>
         <a:prstGeom prst="roundRect">
           <a:avLst/>
@@ -1498,8 +1544,8 @@
       </dsp:nvSpPr>
       <dsp:spPr>
         <a:xfrm>
-          <a:off x="2201098" y="1311605"/>
-          <a:ext cx="1901575" cy="705484"/>
+          <a:off x="2127157" y="1311422"/>
+          <a:ext cx="1902010" cy="705645"/>
         </a:xfrm>
         <a:prstGeom prst="rect">
           <a:avLst/>
@@ -1555,8 +1601,8 @@
         </a:p>
       </dsp:txBody>
       <dsp:txXfrm>
-        <a:off x="2201098" y="1311605"/>
-        <a:ext cx="1901575" cy="705484"/>
+        <a:off x="2127157" y="1311422"/>
+        <a:ext cx="1902010" cy="705645"/>
       </dsp:txXfrm>
     </dsp:sp>
     <dsp:sp modelId="{07BB94C4-CF91-4B25-AD56-806205F7ECED}">
@@ -1566,8 +1612,8 @@
       </dsp:nvSpPr>
       <dsp:spPr>
         <a:xfrm>
-          <a:off x="109285" y="2207247"/>
-          <a:ext cx="1901575" cy="1310185"/>
+          <a:off x="4219448" y="937"/>
+          <a:ext cx="1902010" cy="1310485"/>
         </a:xfrm>
         <a:prstGeom prst="roundRect">
           <a:avLst/>
@@ -1615,8 +1661,8 @@
       </dsp:nvSpPr>
       <dsp:spPr>
         <a:xfrm>
-          <a:off x="109285" y="3517432"/>
-          <a:ext cx="1901575" cy="705484"/>
+          <a:off x="4219448" y="1311422"/>
+          <a:ext cx="1902010" cy="705645"/>
         </a:xfrm>
         <a:prstGeom prst="rect">
           <a:avLst/>
@@ -1672,8 +1718,8 @@
         </a:p>
       </dsp:txBody>
       <dsp:txXfrm>
-        <a:off x="109285" y="3517432"/>
-        <a:ext cx="1901575" cy="705484"/>
+        <a:off x="4219448" y="1311422"/>
+        <a:ext cx="1902010" cy="705645"/>
       </dsp:txXfrm>
     </dsp:sp>
     <dsp:sp modelId="{23379BA0-72C3-4B48-9B67-5AA34105AF71}">
@@ -1683,8 +1729,8 @@
       </dsp:nvSpPr>
       <dsp:spPr>
         <a:xfrm>
-          <a:off x="2201098" y="2207247"/>
-          <a:ext cx="1901575" cy="1310185"/>
+          <a:off x="2127157" y="2207269"/>
+          <a:ext cx="1902010" cy="1310485"/>
         </a:xfrm>
         <a:prstGeom prst="roundRect">
           <a:avLst/>
@@ -1732,8 +1778,8 @@
       </dsp:nvSpPr>
       <dsp:spPr>
         <a:xfrm>
-          <a:off x="2201098" y="3517432"/>
-          <a:ext cx="1901575" cy="705484"/>
+          <a:off x="2127157" y="3517754"/>
+          <a:ext cx="1902010" cy="705645"/>
         </a:xfrm>
         <a:prstGeom prst="rect">
           <a:avLst/>
@@ -1789,8 +1835,8 @@
         </a:p>
       </dsp:txBody>
       <dsp:txXfrm>
-        <a:off x="2201098" y="3517432"/>
-        <a:ext cx="1901575" cy="705484"/>
+        <a:off x="2127157" y="3517754"/>
+        <a:ext cx="1902010" cy="705645"/>
       </dsp:txXfrm>
     </dsp:sp>
   </dsp:spTree>
@@ -3039,7 +3085,7 @@
             </a:lvl1pPr>
           </a:lstStyle>
           <a:p>
-            <a:endParaRPr/>
+            <a:endParaRPr dirty="0"/>
           </a:p>
         </p:txBody>
       </p:sp>
@@ -3075,7 +3121,7 @@
               <a:pPr/>
               <a:t>06.07.2015</a:t>
             </a:fld>
-            <a:endParaRPr/>
+            <a:endParaRPr dirty="0"/>
           </a:p>
         </p:txBody>
       </p:sp>
@@ -3106,7 +3152,7 @@
             </a:lvl1pPr>
           </a:lstStyle>
           <a:p>
-            <a:endParaRPr/>
+            <a:endParaRPr dirty="0"/>
           </a:p>
         </p:txBody>
       </p:sp>
@@ -3142,7 +3188,7 @@
               <a:pPr/>
               <a:t>‹Nr.›</a:t>
             </a:fld>
-            <a:endParaRPr/>
+            <a:endParaRPr dirty="0"/>
           </a:p>
         </p:txBody>
       </p:sp>
@@ -3206,7 +3252,7 @@
             </a:lvl1pPr>
           </a:lstStyle>
           <a:p>
-            <a:endParaRPr/>
+            <a:endParaRPr dirty="0"/>
           </a:p>
         </p:txBody>
       </p:sp>
@@ -3242,7 +3288,7 @@
               <a:pPr/>
               <a:t>06.07.2015</a:t>
             </a:fld>
-            <a:endParaRPr/>
+            <a:endParaRPr dirty="0"/>
           </a:p>
         </p:txBody>
       </p:sp>
@@ -3275,7 +3321,7 @@
           <a:bodyPr vert="horz" lIns="91440" tIns="45720" rIns="91440" bIns="45720" rtlCol="0" anchor="ctr"/>
           <a:lstStyle/>
           <a:p>
-            <a:endParaRPr/>
+            <a:endParaRPr dirty="0"/>
           </a:p>
         </p:txBody>
       </p:sp>
@@ -3365,7 +3411,7 @@
             </a:lvl1pPr>
           </a:lstStyle>
           <a:p>
-            <a:endParaRPr/>
+            <a:endParaRPr dirty="0"/>
           </a:p>
         </p:txBody>
       </p:sp>
@@ -3401,7 +3447,7 @@
               <a:pPr/>
               <a:t>‹Nr.›</a:t>
             </a:fld>
-            <a:endParaRPr/>
+            <a:endParaRPr dirty="0"/>
           </a:p>
         </p:txBody>
       </p:sp>
@@ -3722,7 +3768,7 @@
 </file>
 
 <file path=ppt/slideLayouts/slideLayout2.xml><?xml version="1.0" encoding="utf-8"?>
-<p:sldLayout xmlns:a="http://schemas.openxmlformats.org/drawingml/2006/main" xmlns:r="http://schemas.openxmlformats.org/officeDocument/2006/relationships" xmlns:p="http://schemas.openxmlformats.org/presentationml/2006/main" type="obj" preserve="1">
+<p:sldLayout xmlns:a="http://schemas.openxmlformats.org/drawingml/2006/main" xmlns:r="http://schemas.openxmlformats.org/officeDocument/2006/relationships" xmlns:p="http://schemas.openxmlformats.org/presentationml/2006/main" preserve="1" userDrawn="1">
   <p:cSld name="Titel und Inhalt">
     <p:spTree>
       <p:nvGrpSpPr>
@@ -3909,7 +3955,7 @@
         </p:nvSpPr>
         <p:spPr>
           <a:xfrm>
-            <a:off x="9435730" y="6400801"/>
+            <a:off x="9435730" y="6609158"/>
             <a:ext cx="1243859" cy="276226"/>
           </a:xfrm>
         </p:spPr>
@@ -3928,15 +3974,444 @@
       </p:sp>
       <p:sp>
         <p:nvSpPr>
-          <p:cNvPr id="5" name="Fußzeilenplatzhalter 4"/>
+          <p:cNvPr id="6" name="Foliennummernplatzhalter 5"/>
           <p:cNvSpPr>
             <a:spLocks noGrp="1"/>
           </p:cNvSpPr>
           <p:nvPr>
-            <p:ph type="ftr" sz="quarter" idx="11"/>
+            <p:ph type="sldNum" sz="quarter" idx="12"/>
           </p:nvPr>
         </p:nvSpPr>
-        <p:spPr/>
+        <p:spPr>
+          <a:xfrm>
+            <a:off x="10853737" y="6609158"/>
+            <a:ext cx="1143002" cy="276226"/>
+          </a:xfrm>
+        </p:spPr>
+        <p:txBody>
+          <a:bodyPr/>
+          <a:lstStyle>
+            <a:lvl1pPr>
+              <a:defRPr b="1">
+                <a:solidFill>
+                  <a:schemeClr val="bg1">
+                    <a:lumMod val="95000"/>
+                    <a:lumOff val="5000"/>
+                  </a:schemeClr>
+                </a:solidFill>
+              </a:defRPr>
+            </a:lvl1pPr>
+          </a:lstStyle>
+          <a:p>
+            <a:fld id="{25BA54BD-C84D-46CE-8B72-31BFB26ABA43}" type="slidenum">
+              <a:rPr lang="de-DE" smtClean="0"/>
+              <a:pPr/>
+              <a:t>‹Nr.›</a:t>
+            </a:fld>
+            <a:endParaRPr lang="de-DE" dirty="0"/>
+          </a:p>
+        </p:txBody>
+      </p:sp>
+      <p:sp>
+        <p:nvSpPr>
+          <p:cNvPr id="8" name="Rechteck 7"/>
+          <p:cNvSpPr/>
+          <p:nvPr userDrawn="1"/>
+        </p:nvSpPr>
+        <p:spPr>
+          <a:xfrm>
+            <a:off x="0" y="6373661"/>
+            <a:ext cx="2133973" cy="360040"/>
+          </a:xfrm>
+          <a:prstGeom prst="rect">
+            <a:avLst/>
+          </a:prstGeom>
+          <a:ln/>
+        </p:spPr>
+        <p:style>
+          <a:lnRef idx="3">
+            <a:schemeClr val="lt1"/>
+          </a:lnRef>
+          <a:fillRef idx="1">
+            <a:schemeClr val="accent6"/>
+          </a:fillRef>
+          <a:effectRef idx="1">
+            <a:schemeClr val="accent6"/>
+          </a:effectRef>
+          <a:fontRef idx="minor">
+            <a:schemeClr val="lt1"/>
+          </a:fontRef>
+        </p:style>
+        <p:txBody>
+          <a:bodyPr rtlCol="0" anchor="ctr"/>
+          <a:lstStyle/>
+          <a:p>
+            <a:pPr algn="ctr"/>
+            <a:endParaRPr lang="en-US"/>
+          </a:p>
+        </p:txBody>
+      </p:sp>
+      <p:sp>
+        <p:nvSpPr>
+          <p:cNvPr id="9" name="Rechteck 8"/>
+          <p:cNvSpPr/>
+          <p:nvPr userDrawn="1"/>
+        </p:nvSpPr>
+        <p:spPr>
+          <a:xfrm>
+            <a:off x="2520280" y="6373661"/>
+            <a:ext cx="2133973" cy="360040"/>
+          </a:xfrm>
+          <a:prstGeom prst="rect">
+            <a:avLst/>
+          </a:prstGeom>
+          <a:ln/>
+        </p:spPr>
+        <p:style>
+          <a:lnRef idx="3">
+            <a:schemeClr val="lt1"/>
+          </a:lnRef>
+          <a:fillRef idx="1">
+            <a:schemeClr val="accent3"/>
+          </a:fillRef>
+          <a:effectRef idx="1">
+            <a:schemeClr val="accent3"/>
+          </a:effectRef>
+          <a:fontRef idx="minor">
+            <a:schemeClr val="lt1"/>
+          </a:fontRef>
+        </p:style>
+        <p:txBody>
+          <a:bodyPr rtlCol="0" anchor="ctr"/>
+          <a:lstStyle/>
+          <a:p>
+            <a:pPr algn="ctr"/>
+            <a:endParaRPr lang="en-US"/>
+          </a:p>
+        </p:txBody>
+      </p:sp>
+      <p:sp>
+        <p:nvSpPr>
+          <p:cNvPr id="10" name="Rechteck 9"/>
+          <p:cNvSpPr/>
+          <p:nvPr userDrawn="1"/>
+        </p:nvSpPr>
+        <p:spPr>
+          <a:xfrm>
+            <a:off x="5040560" y="6373661"/>
+            <a:ext cx="2133973" cy="360040"/>
+          </a:xfrm>
+          <a:prstGeom prst="rect">
+            <a:avLst/>
+          </a:prstGeom>
+          <a:ln/>
+        </p:spPr>
+        <p:style>
+          <a:lnRef idx="3">
+            <a:schemeClr val="lt1"/>
+          </a:lnRef>
+          <a:fillRef idx="1">
+            <a:schemeClr val="accent4"/>
+          </a:fillRef>
+          <a:effectRef idx="1">
+            <a:schemeClr val="accent4"/>
+          </a:effectRef>
+          <a:fontRef idx="minor">
+            <a:schemeClr val="lt1"/>
+          </a:fontRef>
+        </p:style>
+        <p:txBody>
+          <a:bodyPr rtlCol="0" anchor="ctr"/>
+          <a:lstStyle/>
+          <a:p>
+            <a:pPr algn="ctr"/>
+            <a:endParaRPr lang="en-US"/>
+          </a:p>
+        </p:txBody>
+      </p:sp>
+      <p:sp>
+        <p:nvSpPr>
+          <p:cNvPr id="11" name="Rechteck 10"/>
+          <p:cNvSpPr/>
+          <p:nvPr userDrawn="1"/>
+        </p:nvSpPr>
+        <p:spPr>
+          <a:xfrm>
+            <a:off x="7560840" y="6373661"/>
+            <a:ext cx="2133973" cy="360040"/>
+          </a:xfrm>
+          <a:prstGeom prst="rect">
+            <a:avLst/>
+          </a:prstGeom>
+          <a:ln/>
+        </p:spPr>
+        <p:style>
+          <a:lnRef idx="3">
+            <a:schemeClr val="lt1"/>
+          </a:lnRef>
+          <a:fillRef idx="1">
+            <a:schemeClr val="accent2"/>
+          </a:fillRef>
+          <a:effectRef idx="1">
+            <a:schemeClr val="accent2"/>
+          </a:effectRef>
+          <a:fontRef idx="minor">
+            <a:schemeClr val="lt1"/>
+          </a:fontRef>
+        </p:style>
+        <p:txBody>
+          <a:bodyPr rtlCol="0" anchor="ctr"/>
+          <a:lstStyle/>
+          <a:p>
+            <a:pPr algn="ctr"/>
+            <a:endParaRPr lang="en-US"/>
+          </a:p>
+        </p:txBody>
+      </p:sp>
+      <p:sp>
+        <p:nvSpPr>
+          <p:cNvPr id="13" name="Rechteck 12"/>
+          <p:cNvSpPr/>
+          <p:nvPr userDrawn="1"/>
+        </p:nvSpPr>
+        <p:spPr>
+          <a:xfrm>
+            <a:off x="10054852" y="6373661"/>
+            <a:ext cx="2133973" cy="360040"/>
+          </a:xfrm>
+          <a:prstGeom prst="rect">
+            <a:avLst/>
+          </a:prstGeom>
+          <a:ln/>
+        </p:spPr>
+        <p:style>
+          <a:lnRef idx="3">
+            <a:schemeClr val="lt1"/>
+          </a:lnRef>
+          <a:fillRef idx="1">
+            <a:schemeClr val="accent1"/>
+          </a:fillRef>
+          <a:effectRef idx="1">
+            <a:schemeClr val="accent1"/>
+          </a:effectRef>
+          <a:fontRef idx="minor">
+            <a:schemeClr val="lt1"/>
+          </a:fontRef>
+        </p:style>
+        <p:txBody>
+          <a:bodyPr rtlCol="0" anchor="ctr"/>
+          <a:lstStyle/>
+          <a:p>
+            <a:pPr algn="ctr"/>
+            <a:endParaRPr lang="en-US"/>
+          </a:p>
+        </p:txBody>
+      </p:sp>
+      <p:sp>
+        <p:nvSpPr>
+          <p:cNvPr id="7" name="Rechteck 6"/>
+          <p:cNvSpPr/>
+          <p:nvPr userDrawn="1"/>
+        </p:nvSpPr>
+        <p:spPr>
+          <a:xfrm>
+            <a:off x="0" y="6445669"/>
+            <a:ext cx="12188825" cy="360040"/>
+          </a:xfrm>
+          <a:prstGeom prst="rect">
+            <a:avLst/>
+          </a:prstGeom>
+          <a:ln/>
+        </p:spPr>
+        <p:style>
+          <a:lnRef idx="3">
+            <a:schemeClr val="lt1"/>
+          </a:lnRef>
+          <a:fillRef idx="1">
+            <a:schemeClr val="accent5"/>
+          </a:fillRef>
+          <a:effectRef idx="1">
+            <a:schemeClr val="accent5"/>
+          </a:effectRef>
+          <a:fontRef idx="minor">
+            <a:schemeClr val="lt1"/>
+          </a:fontRef>
+        </p:style>
+        <p:txBody>
+          <a:bodyPr rtlCol="0" anchor="ctr"/>
+          <a:lstStyle/>
+          <a:p>
+            <a:pPr algn="ctr"/>
+            <a:endParaRPr lang="en-US"/>
+          </a:p>
+        </p:txBody>
+      </p:sp>
+      <p:sp>
+        <p:nvSpPr>
+          <p:cNvPr id="19" name="Inhaltsplatzhalter 2"/>
+          <p:cNvSpPr>
+            <a:spLocks noGrp="1"/>
+          </p:cNvSpPr>
+          <p:nvPr>
+            <p:ph idx="13" hasCustomPrompt="1"/>
+          </p:nvPr>
+        </p:nvSpPr>
+        <p:spPr>
+          <a:xfrm>
+            <a:off x="117748" y="6453336"/>
+            <a:ext cx="6156175" cy="404664"/>
+          </a:xfrm>
+        </p:spPr>
+        <p:txBody>
+          <a:bodyPr>
+            <a:normAutofit/>
+          </a:bodyPr>
+          <a:lstStyle>
+            <a:lvl1pPr>
+              <a:defRPr sz="1400">
+                <a:solidFill>
+                  <a:schemeClr val="bg1"/>
+                </a:solidFill>
+                <a:latin typeface="Verdana" pitchFamily="34" charset="0"/>
+                <a:ea typeface="Verdana" pitchFamily="34" charset="0"/>
+                <a:cs typeface="Verdana" pitchFamily="34" charset="0"/>
+              </a:defRPr>
+            </a:lvl1pPr>
+            <a:lvl2pPr marL="548640">
+              <a:buNone/>
+              <a:defRPr>
+                <a:solidFill>
+                  <a:schemeClr val="bg1"/>
+                </a:solidFill>
+                <a:latin typeface="+mj-lt"/>
+              </a:defRPr>
+            </a:lvl2pPr>
+            <a:lvl3pPr marL="777240">
+              <a:defRPr>
+                <a:solidFill>
+                  <a:schemeClr val="bg1"/>
+                </a:solidFill>
+                <a:latin typeface="+mj-lt"/>
+              </a:defRPr>
+            </a:lvl3pPr>
+            <a:lvl4pPr marL="1005840">
+              <a:defRPr>
+                <a:solidFill>
+                  <a:schemeClr val="bg1"/>
+                </a:solidFill>
+                <a:latin typeface="+mj-lt"/>
+              </a:defRPr>
+            </a:lvl4pPr>
+            <a:lvl5pPr marL="1234440">
+              <a:defRPr>
+                <a:solidFill>
+                  <a:schemeClr val="bg1"/>
+                </a:solidFill>
+                <a:latin typeface="+mj-lt"/>
+              </a:defRPr>
+            </a:lvl5pPr>
+            <a:lvl6pPr marL="1463040">
+              <a:defRPr baseline="0"/>
+            </a:lvl6pPr>
+            <a:lvl7pPr marL="1691640">
+              <a:defRPr baseline="0"/>
+            </a:lvl7pPr>
+            <a:lvl8pPr marL="1920240">
+              <a:defRPr baseline="0"/>
+            </a:lvl8pPr>
+            <a:lvl9pPr marL="2148840">
+              <a:defRPr baseline="0"/>
+            </a:lvl9pPr>
+          </a:lstStyle>
+          <a:p>
+            <a:pPr lvl="0"/>
+            <a:r>
+              <a:rPr lang="de-DE" noProof="0" dirty="0" smtClean="0"/>
+              <a:t>Textmasterformat </a:t>
+            </a:r>
+            <a:r>
+              <a:rPr lang="de-DE" noProof="0" dirty="0" smtClean="0"/>
+              <a:t>bearbeiten</a:t>
+            </a:r>
+            <a:endParaRPr lang="de-DE" noProof="0" dirty="0" smtClean="0"/>
+          </a:p>
+        </p:txBody>
+      </p:sp>
+    </p:spTree>
+    <p:extLst>
+      <p:ext uri="{BB962C8B-B14F-4D97-AF65-F5344CB8AC3E}">
+        <p14:creationId xmlns:p14="http://schemas.microsoft.com/office/powerpoint/2010/main" xmlns="" val="2614472672"/>
+      </p:ext>
+    </p:extLst>
+  </p:cSld>
+  <p:clrMapOvr>
+    <a:masterClrMapping/>
+  </p:clrMapOvr>
+  <mc:AlternateContent xmlns:mc="http://schemas.openxmlformats.org/markup-compatibility/2006">
+    <mc:Choice xmlns:p14="http://schemas.microsoft.com/office/powerpoint/2010/main" xmlns="" Requires="p14">
+      <p:transition spd="med" p14:dur="700">
+        <p:fade/>
+      </p:transition>
+    </mc:Choice>
+    <mc:Fallback>
+      <p:transition spd="med">
+        <p:fade/>
+      </p:transition>
+    </mc:Fallback>
+  </mc:AlternateContent>
+  <p:timing>
+    <p:tnLst>
+      <p:par>
+        <p:cTn id="1" dur="indefinite" restart="never" nodeType="tmRoot"/>
+      </p:par>
+    </p:tnLst>
+  </p:timing>
+</p:sldLayout>
+</file>
+
+<file path=ppt/slideLayouts/slideLayout3.xml><?xml version="1.0" encoding="utf-8"?>
+<p:sldLayout xmlns:a="http://schemas.openxmlformats.org/drawingml/2006/main" xmlns:r="http://schemas.openxmlformats.org/officeDocument/2006/relationships" xmlns:p="http://schemas.openxmlformats.org/presentationml/2006/main" preserve="1" userDrawn="1">
+  <p:cSld name="1_Titel und Inhalt">
+    <p:spTree>
+      <p:nvGrpSpPr>
+        <p:cNvPr id="1" name=""/>
+        <p:cNvGrpSpPr/>
+        <p:nvPr/>
+      </p:nvGrpSpPr>
+      <p:grpSpPr>
+        <a:xfrm>
+          <a:off x="0" y="0"/>
+          <a:ext cx="0" cy="0"/>
+          <a:chOff x="0" y="0"/>
+          <a:chExt cx="0" cy="0"/>
+        </a:xfrm>
+      </p:grpSpPr>
+      <p:sp>
+        <p:nvSpPr>
+          <p:cNvPr id="2" name="Titel 1"/>
+          <p:cNvSpPr>
+            <a:spLocks noGrp="1"/>
+          </p:cNvSpPr>
+          <p:nvPr>
+            <p:ph type="title"/>
+          </p:nvPr>
+        </p:nvSpPr>
+        <p:spPr>
+          <a:xfrm>
+            <a:off x="1522414" y="274638"/>
+            <a:ext cx="9143998" cy="1020762"/>
+          </a:xfrm>
+          <a:solidFill>
+            <a:schemeClr val="tx1"/>
+          </a:solidFill>
+          <a:effectLst>
+            <a:outerShdw blurRad="50800" dist="38100" dir="2700000" algn="tl" rotWithShape="0">
+              <a:prstClr val="black">
+                <a:alpha val="40000"/>
+              </a:prstClr>
+            </a:outerShdw>
+          </a:effectLst>
+        </p:spPr>
         <p:txBody>
           <a:bodyPr/>
           <a:lstStyle>
@@ -3952,7 +4427,150 @@
             </a:lvl1pPr>
           </a:lstStyle>
           <a:p>
-            <a:endParaRPr lang="de-DE" dirty="0"/>
+            <a:r>
+              <a:rPr lang="de-DE" noProof="0" dirty="0" smtClean="0"/>
+              <a:t>Titelmasterformat durch Klicken bearbeiten</a:t>
+            </a:r>
+            <a:endParaRPr lang="de-DE" noProof="0" dirty="0"/>
+          </a:p>
+        </p:txBody>
+      </p:sp>
+      <p:sp>
+        <p:nvSpPr>
+          <p:cNvPr id="3" name="Inhaltsplatzhalter 2"/>
+          <p:cNvSpPr>
+            <a:spLocks noGrp="1"/>
+          </p:cNvSpPr>
+          <p:nvPr>
+            <p:ph idx="1"/>
+          </p:nvPr>
+        </p:nvSpPr>
+        <p:spPr>
+          <a:xfrm>
+            <a:off x="1522412" y="1797558"/>
+            <a:ext cx="6156175" cy="4223730"/>
+          </a:xfrm>
+        </p:spPr>
+        <p:txBody>
+          <a:bodyPr/>
+          <a:lstStyle>
+            <a:lvl1pPr>
+              <a:defRPr>
+                <a:solidFill>
+                  <a:schemeClr val="bg1"/>
+                </a:solidFill>
+                <a:latin typeface="+mj-lt"/>
+              </a:defRPr>
+            </a:lvl1pPr>
+            <a:lvl2pPr marL="548640">
+              <a:defRPr>
+                <a:solidFill>
+                  <a:schemeClr val="bg1"/>
+                </a:solidFill>
+                <a:latin typeface="+mj-lt"/>
+              </a:defRPr>
+            </a:lvl2pPr>
+            <a:lvl3pPr marL="777240">
+              <a:defRPr>
+                <a:solidFill>
+                  <a:schemeClr val="bg1"/>
+                </a:solidFill>
+                <a:latin typeface="+mj-lt"/>
+              </a:defRPr>
+            </a:lvl3pPr>
+            <a:lvl4pPr marL="1005840">
+              <a:defRPr>
+                <a:solidFill>
+                  <a:schemeClr val="bg1"/>
+                </a:solidFill>
+                <a:latin typeface="+mj-lt"/>
+              </a:defRPr>
+            </a:lvl4pPr>
+            <a:lvl5pPr marL="1234440">
+              <a:defRPr>
+                <a:solidFill>
+                  <a:schemeClr val="bg1"/>
+                </a:solidFill>
+                <a:latin typeface="+mj-lt"/>
+              </a:defRPr>
+            </a:lvl5pPr>
+            <a:lvl6pPr marL="1463040">
+              <a:defRPr baseline="0"/>
+            </a:lvl6pPr>
+            <a:lvl7pPr marL="1691640">
+              <a:defRPr baseline="0"/>
+            </a:lvl7pPr>
+            <a:lvl8pPr marL="1920240">
+              <a:defRPr baseline="0"/>
+            </a:lvl8pPr>
+            <a:lvl9pPr marL="2148840">
+              <a:defRPr baseline="0"/>
+            </a:lvl9pPr>
+          </a:lstStyle>
+          <a:p>
+            <a:pPr lvl="0"/>
+            <a:r>
+              <a:rPr lang="de-DE" noProof="0" dirty="0" smtClean="0"/>
+              <a:t>Textmasterformat bearbeiten</a:t>
+            </a:r>
+          </a:p>
+          <a:p>
+            <a:pPr lvl="1"/>
+            <a:r>
+              <a:rPr lang="de-DE" noProof="0" dirty="0" smtClean="0"/>
+              <a:t>Zweite Ebene</a:t>
+            </a:r>
+          </a:p>
+          <a:p>
+            <a:pPr lvl="2"/>
+            <a:r>
+              <a:rPr lang="de-DE" noProof="0" dirty="0" smtClean="0"/>
+              <a:t>Dritte Ebene</a:t>
+            </a:r>
+          </a:p>
+          <a:p>
+            <a:pPr lvl="3"/>
+            <a:r>
+              <a:rPr lang="de-DE" noProof="0" dirty="0" smtClean="0"/>
+              <a:t>Vierte Ebene</a:t>
+            </a:r>
+          </a:p>
+          <a:p>
+            <a:pPr lvl="4"/>
+            <a:r>
+              <a:rPr lang="de-DE" noProof="0" dirty="0" smtClean="0"/>
+              <a:t>Fünfte Ebene</a:t>
+            </a:r>
+            <a:endParaRPr lang="de-DE" noProof="0" dirty="0"/>
+          </a:p>
+        </p:txBody>
+      </p:sp>
+      <p:sp>
+        <p:nvSpPr>
+          <p:cNvPr id="4" name="Datumsplatzhalter 3"/>
+          <p:cNvSpPr>
+            <a:spLocks noGrp="1"/>
+          </p:cNvSpPr>
+          <p:nvPr>
+            <p:ph type="dt" sz="half" idx="10"/>
+          </p:nvPr>
+        </p:nvSpPr>
+        <p:spPr>
+          <a:xfrm>
+            <a:off x="9435730" y="6609158"/>
+            <a:ext cx="1243859" cy="276226"/>
+          </a:xfrm>
+        </p:spPr>
+        <p:txBody>
+          <a:bodyPr/>
+          <a:lstStyle/>
+          <a:p>
+            <a:fld id="{9AFE8FB1-0A7A-443E-AAF7-31D4FA1AA312}" type="datetimeFigureOut">
+              <a:rPr lang="de-DE" noProof="0" smtClean="0"/>
+              <a:pPr/>
+              <a:t>06.07.2015</a:t>
+            </a:fld>
+            <a:endParaRPr lang="de-DE" noProof="0" dirty="0"/>
           </a:p>
         </p:txBody>
       </p:sp>
@@ -3968,7 +4586,7 @@
         </p:nvSpPr>
         <p:spPr>
           <a:xfrm>
-            <a:off x="10853737" y="6400801"/>
+            <a:off x="10853737" y="6609158"/>
             <a:ext cx="1143002" cy="276226"/>
           </a:xfrm>
         </p:spPr>
@@ -3993,6 +4611,2744 @@
               <a:t>‹Nr.›</a:t>
             </a:fld>
             <a:endParaRPr lang="de-DE" dirty="0"/>
+          </a:p>
+        </p:txBody>
+      </p:sp>
+      <p:sp>
+        <p:nvSpPr>
+          <p:cNvPr id="8" name="Rechteck 7"/>
+          <p:cNvSpPr/>
+          <p:nvPr userDrawn="1"/>
+        </p:nvSpPr>
+        <p:spPr>
+          <a:xfrm>
+            <a:off x="0" y="6237312"/>
+            <a:ext cx="2133973" cy="496389"/>
+          </a:xfrm>
+          <a:prstGeom prst="rect">
+            <a:avLst/>
+          </a:prstGeom>
+          <a:ln/>
+        </p:spPr>
+        <p:style>
+          <a:lnRef idx="3">
+            <a:schemeClr val="lt1"/>
+          </a:lnRef>
+          <a:fillRef idx="1">
+            <a:schemeClr val="accent6"/>
+          </a:fillRef>
+          <a:effectRef idx="1">
+            <a:schemeClr val="accent6"/>
+          </a:effectRef>
+          <a:fontRef idx="minor">
+            <a:schemeClr val="lt1"/>
+          </a:fontRef>
+        </p:style>
+        <p:txBody>
+          <a:bodyPr rtlCol="0" anchor="ctr"/>
+          <a:lstStyle/>
+          <a:p>
+            <a:pPr algn="ctr"/>
+            <a:endParaRPr lang="en-US"/>
+          </a:p>
+        </p:txBody>
+      </p:sp>
+      <p:sp>
+        <p:nvSpPr>
+          <p:cNvPr id="9" name="Rechteck 8"/>
+          <p:cNvSpPr/>
+          <p:nvPr userDrawn="1"/>
+        </p:nvSpPr>
+        <p:spPr>
+          <a:xfrm>
+            <a:off x="2520280" y="6373661"/>
+            <a:ext cx="2133973" cy="360040"/>
+          </a:xfrm>
+          <a:prstGeom prst="rect">
+            <a:avLst/>
+          </a:prstGeom>
+          <a:ln/>
+        </p:spPr>
+        <p:style>
+          <a:lnRef idx="3">
+            <a:schemeClr val="lt1"/>
+          </a:lnRef>
+          <a:fillRef idx="1">
+            <a:schemeClr val="accent3"/>
+          </a:fillRef>
+          <a:effectRef idx="1">
+            <a:schemeClr val="accent3"/>
+          </a:effectRef>
+          <a:fontRef idx="minor">
+            <a:schemeClr val="lt1"/>
+          </a:fontRef>
+        </p:style>
+        <p:txBody>
+          <a:bodyPr rtlCol="0" anchor="ctr"/>
+          <a:lstStyle/>
+          <a:p>
+            <a:pPr algn="ctr"/>
+            <a:endParaRPr lang="en-US"/>
+          </a:p>
+        </p:txBody>
+      </p:sp>
+      <p:sp>
+        <p:nvSpPr>
+          <p:cNvPr id="10" name="Rechteck 9"/>
+          <p:cNvSpPr/>
+          <p:nvPr userDrawn="1"/>
+        </p:nvSpPr>
+        <p:spPr>
+          <a:xfrm>
+            <a:off x="5040560" y="6373661"/>
+            <a:ext cx="2133973" cy="360040"/>
+          </a:xfrm>
+          <a:prstGeom prst="rect">
+            <a:avLst/>
+          </a:prstGeom>
+          <a:ln/>
+        </p:spPr>
+        <p:style>
+          <a:lnRef idx="3">
+            <a:schemeClr val="lt1"/>
+          </a:lnRef>
+          <a:fillRef idx="1">
+            <a:schemeClr val="accent4"/>
+          </a:fillRef>
+          <a:effectRef idx="1">
+            <a:schemeClr val="accent4"/>
+          </a:effectRef>
+          <a:fontRef idx="minor">
+            <a:schemeClr val="lt1"/>
+          </a:fontRef>
+        </p:style>
+        <p:txBody>
+          <a:bodyPr rtlCol="0" anchor="ctr"/>
+          <a:lstStyle/>
+          <a:p>
+            <a:pPr algn="ctr"/>
+            <a:endParaRPr lang="en-US"/>
+          </a:p>
+        </p:txBody>
+      </p:sp>
+      <p:sp>
+        <p:nvSpPr>
+          <p:cNvPr id="11" name="Rechteck 10"/>
+          <p:cNvSpPr/>
+          <p:nvPr userDrawn="1"/>
+        </p:nvSpPr>
+        <p:spPr>
+          <a:xfrm>
+            <a:off x="7560840" y="6373661"/>
+            <a:ext cx="2133973" cy="360040"/>
+          </a:xfrm>
+          <a:prstGeom prst="rect">
+            <a:avLst/>
+          </a:prstGeom>
+          <a:ln/>
+        </p:spPr>
+        <p:style>
+          <a:lnRef idx="3">
+            <a:schemeClr val="lt1"/>
+          </a:lnRef>
+          <a:fillRef idx="1">
+            <a:schemeClr val="accent2"/>
+          </a:fillRef>
+          <a:effectRef idx="1">
+            <a:schemeClr val="accent2"/>
+          </a:effectRef>
+          <a:fontRef idx="minor">
+            <a:schemeClr val="lt1"/>
+          </a:fontRef>
+        </p:style>
+        <p:txBody>
+          <a:bodyPr rtlCol="0" anchor="ctr"/>
+          <a:lstStyle/>
+          <a:p>
+            <a:pPr algn="ctr"/>
+            <a:endParaRPr lang="en-US"/>
+          </a:p>
+        </p:txBody>
+      </p:sp>
+      <p:sp>
+        <p:nvSpPr>
+          <p:cNvPr id="13" name="Rechteck 12"/>
+          <p:cNvSpPr/>
+          <p:nvPr userDrawn="1"/>
+        </p:nvSpPr>
+        <p:spPr>
+          <a:xfrm>
+            <a:off x="10054852" y="6373661"/>
+            <a:ext cx="2133973" cy="360040"/>
+          </a:xfrm>
+          <a:prstGeom prst="rect">
+            <a:avLst/>
+          </a:prstGeom>
+          <a:ln/>
+        </p:spPr>
+        <p:style>
+          <a:lnRef idx="3">
+            <a:schemeClr val="lt1"/>
+          </a:lnRef>
+          <a:fillRef idx="1">
+            <a:schemeClr val="accent1"/>
+          </a:fillRef>
+          <a:effectRef idx="1">
+            <a:schemeClr val="accent1"/>
+          </a:effectRef>
+          <a:fontRef idx="minor">
+            <a:schemeClr val="lt1"/>
+          </a:fontRef>
+        </p:style>
+        <p:txBody>
+          <a:bodyPr rtlCol="0" anchor="ctr"/>
+          <a:lstStyle/>
+          <a:p>
+            <a:pPr algn="ctr"/>
+            <a:endParaRPr lang="en-US"/>
+          </a:p>
+        </p:txBody>
+      </p:sp>
+      <p:sp>
+        <p:nvSpPr>
+          <p:cNvPr id="7" name="Rechteck 6"/>
+          <p:cNvSpPr/>
+          <p:nvPr userDrawn="1"/>
+        </p:nvSpPr>
+        <p:spPr>
+          <a:xfrm>
+            <a:off x="0" y="6445669"/>
+            <a:ext cx="12188825" cy="360040"/>
+          </a:xfrm>
+          <a:prstGeom prst="rect">
+            <a:avLst/>
+          </a:prstGeom>
+          <a:ln/>
+        </p:spPr>
+        <p:style>
+          <a:lnRef idx="3">
+            <a:schemeClr val="lt1"/>
+          </a:lnRef>
+          <a:fillRef idx="1">
+            <a:schemeClr val="accent5"/>
+          </a:fillRef>
+          <a:effectRef idx="1">
+            <a:schemeClr val="accent5"/>
+          </a:effectRef>
+          <a:fontRef idx="minor">
+            <a:schemeClr val="lt1"/>
+          </a:fontRef>
+        </p:style>
+        <p:txBody>
+          <a:bodyPr rtlCol="0" anchor="ctr"/>
+          <a:lstStyle/>
+          <a:p>
+            <a:pPr algn="ctr"/>
+            <a:endParaRPr lang="en-US"/>
+          </a:p>
+        </p:txBody>
+      </p:sp>
+      <p:sp>
+        <p:nvSpPr>
+          <p:cNvPr id="19" name="Inhaltsplatzhalter 2"/>
+          <p:cNvSpPr>
+            <a:spLocks noGrp="1"/>
+          </p:cNvSpPr>
+          <p:nvPr>
+            <p:ph idx="13" hasCustomPrompt="1"/>
+          </p:nvPr>
+        </p:nvSpPr>
+        <p:spPr>
+          <a:xfrm>
+            <a:off x="117748" y="6453336"/>
+            <a:ext cx="6156175" cy="404664"/>
+          </a:xfrm>
+        </p:spPr>
+        <p:txBody>
+          <a:bodyPr>
+            <a:normAutofit/>
+          </a:bodyPr>
+          <a:lstStyle>
+            <a:lvl1pPr>
+              <a:defRPr sz="1400">
+                <a:solidFill>
+                  <a:schemeClr val="bg1"/>
+                </a:solidFill>
+                <a:latin typeface="Verdana" pitchFamily="34" charset="0"/>
+                <a:ea typeface="Verdana" pitchFamily="34" charset="0"/>
+                <a:cs typeface="Verdana" pitchFamily="34" charset="0"/>
+              </a:defRPr>
+            </a:lvl1pPr>
+            <a:lvl2pPr marL="548640">
+              <a:buNone/>
+              <a:defRPr>
+                <a:solidFill>
+                  <a:schemeClr val="bg1"/>
+                </a:solidFill>
+                <a:latin typeface="+mj-lt"/>
+              </a:defRPr>
+            </a:lvl2pPr>
+            <a:lvl3pPr marL="777240">
+              <a:defRPr>
+                <a:solidFill>
+                  <a:schemeClr val="bg1"/>
+                </a:solidFill>
+                <a:latin typeface="+mj-lt"/>
+              </a:defRPr>
+            </a:lvl3pPr>
+            <a:lvl4pPr marL="1005840">
+              <a:defRPr>
+                <a:solidFill>
+                  <a:schemeClr val="bg1"/>
+                </a:solidFill>
+                <a:latin typeface="+mj-lt"/>
+              </a:defRPr>
+            </a:lvl4pPr>
+            <a:lvl5pPr marL="1234440">
+              <a:defRPr>
+                <a:solidFill>
+                  <a:schemeClr val="bg1"/>
+                </a:solidFill>
+                <a:latin typeface="+mj-lt"/>
+              </a:defRPr>
+            </a:lvl5pPr>
+            <a:lvl6pPr marL="1463040">
+              <a:defRPr baseline="0"/>
+            </a:lvl6pPr>
+            <a:lvl7pPr marL="1691640">
+              <a:defRPr baseline="0"/>
+            </a:lvl7pPr>
+            <a:lvl8pPr marL="1920240">
+              <a:defRPr baseline="0"/>
+            </a:lvl8pPr>
+            <a:lvl9pPr marL="2148840">
+              <a:defRPr baseline="0"/>
+            </a:lvl9pPr>
+          </a:lstStyle>
+          <a:p>
+            <a:pPr lvl="0"/>
+            <a:r>
+              <a:rPr lang="de-DE" noProof="0" dirty="0" smtClean="0"/>
+              <a:t>Textmasterformat </a:t>
+            </a:r>
+            <a:r>
+              <a:rPr lang="de-DE" noProof="0" dirty="0" smtClean="0"/>
+              <a:t>bearbeiten</a:t>
+            </a:r>
+            <a:endParaRPr lang="de-DE" noProof="0" dirty="0" smtClean="0"/>
+          </a:p>
+        </p:txBody>
+      </p:sp>
+    </p:spTree>
+    <p:extLst>
+      <p:ext uri="{BB962C8B-B14F-4D97-AF65-F5344CB8AC3E}">
+        <p14:creationId xmlns:p14="http://schemas.microsoft.com/office/powerpoint/2010/main" xmlns="" val="2614472672"/>
+      </p:ext>
+    </p:extLst>
+  </p:cSld>
+  <p:clrMapOvr>
+    <a:masterClrMapping/>
+  </p:clrMapOvr>
+  <mc:AlternateContent xmlns:mc="http://schemas.openxmlformats.org/markup-compatibility/2006">
+    <mc:Choice xmlns:p14="http://schemas.microsoft.com/office/powerpoint/2010/main" xmlns="" Requires="p14">
+      <p:transition spd="med" p14:dur="700">
+        <p:fade/>
+      </p:transition>
+    </mc:Choice>
+    <mc:Fallback>
+      <p:transition spd="med">
+        <p:fade/>
+      </p:transition>
+    </mc:Fallback>
+  </mc:AlternateContent>
+  <p:timing>
+    <p:tnLst>
+      <p:par>
+        <p:cTn id="1" dur="indefinite" restart="never" nodeType="tmRoot"/>
+      </p:par>
+    </p:tnLst>
+  </p:timing>
+</p:sldLayout>
+</file>
+
+<file path=ppt/slideLayouts/slideLayout4.xml><?xml version="1.0" encoding="utf-8"?>
+<p:sldLayout xmlns:a="http://schemas.openxmlformats.org/drawingml/2006/main" xmlns:r="http://schemas.openxmlformats.org/officeDocument/2006/relationships" xmlns:p="http://schemas.openxmlformats.org/presentationml/2006/main" preserve="1" userDrawn="1">
+  <p:cSld name="2_Titel und Inhalt">
+    <p:spTree>
+      <p:nvGrpSpPr>
+        <p:cNvPr id="1" name=""/>
+        <p:cNvGrpSpPr/>
+        <p:nvPr/>
+      </p:nvGrpSpPr>
+      <p:grpSpPr>
+        <a:xfrm>
+          <a:off x="0" y="0"/>
+          <a:ext cx="0" cy="0"/>
+          <a:chOff x="0" y="0"/>
+          <a:chExt cx="0" cy="0"/>
+        </a:xfrm>
+      </p:grpSpPr>
+      <p:sp>
+        <p:nvSpPr>
+          <p:cNvPr id="2" name="Titel 1"/>
+          <p:cNvSpPr>
+            <a:spLocks noGrp="1"/>
+          </p:cNvSpPr>
+          <p:nvPr>
+            <p:ph type="title"/>
+          </p:nvPr>
+        </p:nvSpPr>
+        <p:spPr>
+          <a:xfrm>
+            <a:off x="1522414" y="274638"/>
+            <a:ext cx="9143998" cy="1020762"/>
+          </a:xfrm>
+          <a:solidFill>
+            <a:schemeClr val="tx1"/>
+          </a:solidFill>
+          <a:effectLst>
+            <a:outerShdw blurRad="50800" dist="38100" dir="2700000" algn="tl" rotWithShape="0">
+              <a:prstClr val="black">
+                <a:alpha val="40000"/>
+              </a:prstClr>
+            </a:outerShdw>
+          </a:effectLst>
+        </p:spPr>
+        <p:txBody>
+          <a:bodyPr/>
+          <a:lstStyle>
+            <a:lvl1pPr>
+              <a:defRPr>
+                <a:solidFill>
+                  <a:schemeClr val="bg1">
+                    <a:lumMod val="95000"/>
+                    <a:lumOff val="5000"/>
+                  </a:schemeClr>
+                </a:solidFill>
+              </a:defRPr>
+            </a:lvl1pPr>
+          </a:lstStyle>
+          <a:p>
+            <a:r>
+              <a:rPr lang="de-DE" noProof="0" dirty="0" smtClean="0"/>
+              <a:t>Titelmasterformat durch Klicken bearbeiten</a:t>
+            </a:r>
+            <a:endParaRPr lang="de-DE" noProof="0" dirty="0"/>
+          </a:p>
+        </p:txBody>
+      </p:sp>
+      <p:sp>
+        <p:nvSpPr>
+          <p:cNvPr id="3" name="Inhaltsplatzhalter 2"/>
+          <p:cNvSpPr>
+            <a:spLocks noGrp="1"/>
+          </p:cNvSpPr>
+          <p:nvPr>
+            <p:ph idx="1"/>
+          </p:nvPr>
+        </p:nvSpPr>
+        <p:spPr>
+          <a:xfrm>
+            <a:off x="1522412" y="1797558"/>
+            <a:ext cx="6156175" cy="4223730"/>
+          </a:xfrm>
+        </p:spPr>
+        <p:txBody>
+          <a:bodyPr/>
+          <a:lstStyle>
+            <a:lvl1pPr>
+              <a:defRPr>
+                <a:solidFill>
+                  <a:schemeClr val="bg1"/>
+                </a:solidFill>
+                <a:latin typeface="+mj-lt"/>
+              </a:defRPr>
+            </a:lvl1pPr>
+            <a:lvl2pPr marL="548640">
+              <a:defRPr>
+                <a:solidFill>
+                  <a:schemeClr val="bg1"/>
+                </a:solidFill>
+                <a:latin typeface="+mj-lt"/>
+              </a:defRPr>
+            </a:lvl2pPr>
+            <a:lvl3pPr marL="777240">
+              <a:defRPr>
+                <a:solidFill>
+                  <a:schemeClr val="bg1"/>
+                </a:solidFill>
+                <a:latin typeface="+mj-lt"/>
+              </a:defRPr>
+            </a:lvl3pPr>
+            <a:lvl4pPr marL="1005840">
+              <a:defRPr>
+                <a:solidFill>
+                  <a:schemeClr val="bg1"/>
+                </a:solidFill>
+                <a:latin typeface="+mj-lt"/>
+              </a:defRPr>
+            </a:lvl4pPr>
+            <a:lvl5pPr marL="1234440">
+              <a:defRPr>
+                <a:solidFill>
+                  <a:schemeClr val="bg1"/>
+                </a:solidFill>
+                <a:latin typeface="+mj-lt"/>
+              </a:defRPr>
+            </a:lvl5pPr>
+            <a:lvl6pPr marL="1463040">
+              <a:defRPr baseline="0"/>
+            </a:lvl6pPr>
+            <a:lvl7pPr marL="1691640">
+              <a:defRPr baseline="0"/>
+            </a:lvl7pPr>
+            <a:lvl8pPr marL="1920240">
+              <a:defRPr baseline="0"/>
+            </a:lvl8pPr>
+            <a:lvl9pPr marL="2148840">
+              <a:defRPr baseline="0"/>
+            </a:lvl9pPr>
+          </a:lstStyle>
+          <a:p>
+            <a:pPr lvl="0"/>
+            <a:r>
+              <a:rPr lang="de-DE" noProof="0" dirty="0" smtClean="0"/>
+              <a:t>Textmasterformat bearbeiten</a:t>
+            </a:r>
+          </a:p>
+          <a:p>
+            <a:pPr lvl="1"/>
+            <a:r>
+              <a:rPr lang="de-DE" noProof="0" dirty="0" smtClean="0"/>
+              <a:t>Zweite Ebene</a:t>
+            </a:r>
+          </a:p>
+          <a:p>
+            <a:pPr lvl="2"/>
+            <a:r>
+              <a:rPr lang="de-DE" noProof="0" dirty="0" smtClean="0"/>
+              <a:t>Dritte Ebene</a:t>
+            </a:r>
+          </a:p>
+          <a:p>
+            <a:pPr lvl="3"/>
+            <a:r>
+              <a:rPr lang="de-DE" noProof="0" dirty="0" smtClean="0"/>
+              <a:t>Vierte Ebene</a:t>
+            </a:r>
+          </a:p>
+          <a:p>
+            <a:pPr lvl="4"/>
+            <a:r>
+              <a:rPr lang="de-DE" noProof="0" dirty="0" smtClean="0"/>
+              <a:t>Fünfte Ebene</a:t>
+            </a:r>
+            <a:endParaRPr lang="de-DE" noProof="0" dirty="0"/>
+          </a:p>
+        </p:txBody>
+      </p:sp>
+      <p:sp>
+        <p:nvSpPr>
+          <p:cNvPr id="4" name="Datumsplatzhalter 3"/>
+          <p:cNvSpPr>
+            <a:spLocks noGrp="1"/>
+          </p:cNvSpPr>
+          <p:nvPr>
+            <p:ph type="dt" sz="half" idx="10"/>
+          </p:nvPr>
+        </p:nvSpPr>
+        <p:spPr>
+          <a:xfrm>
+            <a:off x="9435730" y="6609158"/>
+            <a:ext cx="1243859" cy="276226"/>
+          </a:xfrm>
+        </p:spPr>
+        <p:txBody>
+          <a:bodyPr/>
+          <a:lstStyle/>
+          <a:p>
+            <a:fld id="{9AFE8FB1-0A7A-443E-AAF7-31D4FA1AA312}" type="datetimeFigureOut">
+              <a:rPr lang="de-DE" noProof="0" smtClean="0"/>
+              <a:pPr/>
+              <a:t>06.07.2015</a:t>
+            </a:fld>
+            <a:endParaRPr lang="de-DE" noProof="0" dirty="0"/>
+          </a:p>
+        </p:txBody>
+      </p:sp>
+      <p:sp>
+        <p:nvSpPr>
+          <p:cNvPr id="6" name="Foliennummernplatzhalter 5"/>
+          <p:cNvSpPr>
+            <a:spLocks noGrp="1"/>
+          </p:cNvSpPr>
+          <p:nvPr>
+            <p:ph type="sldNum" sz="quarter" idx="12"/>
+          </p:nvPr>
+        </p:nvSpPr>
+        <p:spPr>
+          <a:xfrm>
+            <a:off x="10853737" y="6609158"/>
+            <a:ext cx="1143002" cy="276226"/>
+          </a:xfrm>
+        </p:spPr>
+        <p:txBody>
+          <a:bodyPr/>
+          <a:lstStyle>
+            <a:lvl1pPr>
+              <a:defRPr b="1">
+                <a:solidFill>
+                  <a:schemeClr val="bg1">
+                    <a:lumMod val="95000"/>
+                    <a:lumOff val="5000"/>
+                  </a:schemeClr>
+                </a:solidFill>
+              </a:defRPr>
+            </a:lvl1pPr>
+          </a:lstStyle>
+          <a:p>
+            <a:fld id="{25BA54BD-C84D-46CE-8B72-31BFB26ABA43}" type="slidenum">
+              <a:rPr lang="de-DE" smtClean="0"/>
+              <a:pPr/>
+              <a:t>‹Nr.›</a:t>
+            </a:fld>
+            <a:endParaRPr lang="de-DE" dirty="0"/>
+          </a:p>
+        </p:txBody>
+      </p:sp>
+      <p:sp>
+        <p:nvSpPr>
+          <p:cNvPr id="8" name="Rechteck 7"/>
+          <p:cNvSpPr/>
+          <p:nvPr userDrawn="1"/>
+        </p:nvSpPr>
+        <p:spPr>
+          <a:xfrm>
+            <a:off x="0" y="6373661"/>
+            <a:ext cx="2133973" cy="360040"/>
+          </a:xfrm>
+          <a:prstGeom prst="rect">
+            <a:avLst/>
+          </a:prstGeom>
+          <a:ln/>
+        </p:spPr>
+        <p:style>
+          <a:lnRef idx="3">
+            <a:schemeClr val="lt1"/>
+          </a:lnRef>
+          <a:fillRef idx="1">
+            <a:schemeClr val="accent6"/>
+          </a:fillRef>
+          <a:effectRef idx="1">
+            <a:schemeClr val="accent6"/>
+          </a:effectRef>
+          <a:fontRef idx="minor">
+            <a:schemeClr val="lt1"/>
+          </a:fontRef>
+        </p:style>
+        <p:txBody>
+          <a:bodyPr rtlCol="0" anchor="ctr"/>
+          <a:lstStyle/>
+          <a:p>
+            <a:pPr algn="ctr"/>
+            <a:endParaRPr lang="en-US"/>
+          </a:p>
+        </p:txBody>
+      </p:sp>
+      <p:sp>
+        <p:nvSpPr>
+          <p:cNvPr id="9" name="Rechteck 8"/>
+          <p:cNvSpPr/>
+          <p:nvPr userDrawn="1"/>
+        </p:nvSpPr>
+        <p:spPr>
+          <a:xfrm>
+            <a:off x="2520280" y="6237312"/>
+            <a:ext cx="2133973" cy="496389"/>
+          </a:xfrm>
+          <a:prstGeom prst="rect">
+            <a:avLst/>
+          </a:prstGeom>
+          <a:ln/>
+        </p:spPr>
+        <p:style>
+          <a:lnRef idx="3">
+            <a:schemeClr val="lt1"/>
+          </a:lnRef>
+          <a:fillRef idx="1">
+            <a:schemeClr val="accent3"/>
+          </a:fillRef>
+          <a:effectRef idx="1">
+            <a:schemeClr val="accent3"/>
+          </a:effectRef>
+          <a:fontRef idx="minor">
+            <a:schemeClr val="lt1"/>
+          </a:fontRef>
+        </p:style>
+        <p:txBody>
+          <a:bodyPr rtlCol="0" anchor="ctr"/>
+          <a:lstStyle/>
+          <a:p>
+            <a:pPr algn="ctr"/>
+            <a:endParaRPr lang="en-US"/>
+          </a:p>
+        </p:txBody>
+      </p:sp>
+      <p:sp>
+        <p:nvSpPr>
+          <p:cNvPr id="10" name="Rechteck 9"/>
+          <p:cNvSpPr/>
+          <p:nvPr userDrawn="1"/>
+        </p:nvSpPr>
+        <p:spPr>
+          <a:xfrm>
+            <a:off x="5040560" y="6373661"/>
+            <a:ext cx="2133973" cy="360040"/>
+          </a:xfrm>
+          <a:prstGeom prst="rect">
+            <a:avLst/>
+          </a:prstGeom>
+          <a:ln/>
+        </p:spPr>
+        <p:style>
+          <a:lnRef idx="3">
+            <a:schemeClr val="lt1"/>
+          </a:lnRef>
+          <a:fillRef idx="1">
+            <a:schemeClr val="accent4"/>
+          </a:fillRef>
+          <a:effectRef idx="1">
+            <a:schemeClr val="accent4"/>
+          </a:effectRef>
+          <a:fontRef idx="minor">
+            <a:schemeClr val="lt1"/>
+          </a:fontRef>
+        </p:style>
+        <p:txBody>
+          <a:bodyPr rtlCol="0" anchor="ctr"/>
+          <a:lstStyle/>
+          <a:p>
+            <a:pPr algn="ctr"/>
+            <a:endParaRPr lang="en-US"/>
+          </a:p>
+        </p:txBody>
+      </p:sp>
+      <p:sp>
+        <p:nvSpPr>
+          <p:cNvPr id="11" name="Rechteck 10"/>
+          <p:cNvSpPr/>
+          <p:nvPr userDrawn="1"/>
+        </p:nvSpPr>
+        <p:spPr>
+          <a:xfrm>
+            <a:off x="7560840" y="6373661"/>
+            <a:ext cx="2133973" cy="360040"/>
+          </a:xfrm>
+          <a:prstGeom prst="rect">
+            <a:avLst/>
+          </a:prstGeom>
+          <a:ln/>
+        </p:spPr>
+        <p:style>
+          <a:lnRef idx="3">
+            <a:schemeClr val="lt1"/>
+          </a:lnRef>
+          <a:fillRef idx="1">
+            <a:schemeClr val="accent2"/>
+          </a:fillRef>
+          <a:effectRef idx="1">
+            <a:schemeClr val="accent2"/>
+          </a:effectRef>
+          <a:fontRef idx="minor">
+            <a:schemeClr val="lt1"/>
+          </a:fontRef>
+        </p:style>
+        <p:txBody>
+          <a:bodyPr rtlCol="0" anchor="ctr"/>
+          <a:lstStyle/>
+          <a:p>
+            <a:pPr algn="ctr"/>
+            <a:endParaRPr lang="en-US"/>
+          </a:p>
+        </p:txBody>
+      </p:sp>
+      <p:sp>
+        <p:nvSpPr>
+          <p:cNvPr id="13" name="Rechteck 12"/>
+          <p:cNvSpPr/>
+          <p:nvPr userDrawn="1"/>
+        </p:nvSpPr>
+        <p:spPr>
+          <a:xfrm>
+            <a:off x="10054852" y="6373661"/>
+            <a:ext cx="2133973" cy="360040"/>
+          </a:xfrm>
+          <a:prstGeom prst="rect">
+            <a:avLst/>
+          </a:prstGeom>
+          <a:ln/>
+        </p:spPr>
+        <p:style>
+          <a:lnRef idx="3">
+            <a:schemeClr val="lt1"/>
+          </a:lnRef>
+          <a:fillRef idx="1">
+            <a:schemeClr val="accent1"/>
+          </a:fillRef>
+          <a:effectRef idx="1">
+            <a:schemeClr val="accent1"/>
+          </a:effectRef>
+          <a:fontRef idx="minor">
+            <a:schemeClr val="lt1"/>
+          </a:fontRef>
+        </p:style>
+        <p:txBody>
+          <a:bodyPr rtlCol="0" anchor="ctr"/>
+          <a:lstStyle/>
+          <a:p>
+            <a:pPr algn="ctr"/>
+            <a:endParaRPr lang="en-US"/>
+          </a:p>
+        </p:txBody>
+      </p:sp>
+      <p:sp>
+        <p:nvSpPr>
+          <p:cNvPr id="7" name="Rechteck 6"/>
+          <p:cNvSpPr/>
+          <p:nvPr userDrawn="1"/>
+        </p:nvSpPr>
+        <p:spPr>
+          <a:xfrm>
+            <a:off x="0" y="6445669"/>
+            <a:ext cx="12188825" cy="360040"/>
+          </a:xfrm>
+          <a:prstGeom prst="rect">
+            <a:avLst/>
+          </a:prstGeom>
+          <a:ln/>
+        </p:spPr>
+        <p:style>
+          <a:lnRef idx="3">
+            <a:schemeClr val="lt1"/>
+          </a:lnRef>
+          <a:fillRef idx="1">
+            <a:schemeClr val="accent5"/>
+          </a:fillRef>
+          <a:effectRef idx="1">
+            <a:schemeClr val="accent5"/>
+          </a:effectRef>
+          <a:fontRef idx="minor">
+            <a:schemeClr val="lt1"/>
+          </a:fontRef>
+        </p:style>
+        <p:txBody>
+          <a:bodyPr rtlCol="0" anchor="ctr"/>
+          <a:lstStyle/>
+          <a:p>
+            <a:pPr algn="ctr"/>
+            <a:endParaRPr lang="en-US"/>
+          </a:p>
+        </p:txBody>
+      </p:sp>
+      <p:sp>
+        <p:nvSpPr>
+          <p:cNvPr id="19" name="Inhaltsplatzhalter 2"/>
+          <p:cNvSpPr>
+            <a:spLocks noGrp="1"/>
+          </p:cNvSpPr>
+          <p:nvPr>
+            <p:ph idx="13" hasCustomPrompt="1"/>
+          </p:nvPr>
+        </p:nvSpPr>
+        <p:spPr>
+          <a:xfrm>
+            <a:off x="117748" y="6453336"/>
+            <a:ext cx="6156175" cy="404664"/>
+          </a:xfrm>
+        </p:spPr>
+        <p:txBody>
+          <a:bodyPr>
+            <a:normAutofit/>
+          </a:bodyPr>
+          <a:lstStyle>
+            <a:lvl1pPr>
+              <a:defRPr sz="1400">
+                <a:solidFill>
+                  <a:schemeClr val="bg1"/>
+                </a:solidFill>
+                <a:latin typeface="Verdana" pitchFamily="34" charset="0"/>
+                <a:ea typeface="Verdana" pitchFamily="34" charset="0"/>
+                <a:cs typeface="Verdana" pitchFamily="34" charset="0"/>
+              </a:defRPr>
+            </a:lvl1pPr>
+            <a:lvl2pPr marL="548640">
+              <a:buNone/>
+              <a:defRPr>
+                <a:solidFill>
+                  <a:schemeClr val="bg1"/>
+                </a:solidFill>
+                <a:latin typeface="+mj-lt"/>
+              </a:defRPr>
+            </a:lvl2pPr>
+            <a:lvl3pPr marL="777240">
+              <a:defRPr>
+                <a:solidFill>
+                  <a:schemeClr val="bg1"/>
+                </a:solidFill>
+                <a:latin typeface="+mj-lt"/>
+              </a:defRPr>
+            </a:lvl3pPr>
+            <a:lvl4pPr marL="1005840">
+              <a:defRPr>
+                <a:solidFill>
+                  <a:schemeClr val="bg1"/>
+                </a:solidFill>
+                <a:latin typeface="+mj-lt"/>
+              </a:defRPr>
+            </a:lvl4pPr>
+            <a:lvl5pPr marL="1234440">
+              <a:defRPr>
+                <a:solidFill>
+                  <a:schemeClr val="bg1"/>
+                </a:solidFill>
+                <a:latin typeface="+mj-lt"/>
+              </a:defRPr>
+            </a:lvl5pPr>
+            <a:lvl6pPr marL="1463040">
+              <a:defRPr baseline="0"/>
+            </a:lvl6pPr>
+            <a:lvl7pPr marL="1691640">
+              <a:defRPr baseline="0"/>
+            </a:lvl7pPr>
+            <a:lvl8pPr marL="1920240">
+              <a:defRPr baseline="0"/>
+            </a:lvl8pPr>
+            <a:lvl9pPr marL="2148840">
+              <a:defRPr baseline="0"/>
+            </a:lvl9pPr>
+          </a:lstStyle>
+          <a:p>
+            <a:pPr lvl="0"/>
+            <a:r>
+              <a:rPr lang="de-DE" noProof="0" dirty="0" smtClean="0"/>
+              <a:t>Textmasterformat </a:t>
+            </a:r>
+            <a:r>
+              <a:rPr lang="de-DE" noProof="0" dirty="0" smtClean="0"/>
+              <a:t>bearbeiten</a:t>
+            </a:r>
+            <a:endParaRPr lang="de-DE" noProof="0" dirty="0" smtClean="0"/>
+          </a:p>
+        </p:txBody>
+      </p:sp>
+    </p:spTree>
+    <p:extLst>
+      <p:ext uri="{BB962C8B-B14F-4D97-AF65-F5344CB8AC3E}">
+        <p14:creationId xmlns:p14="http://schemas.microsoft.com/office/powerpoint/2010/main" xmlns="" val="2614472672"/>
+      </p:ext>
+    </p:extLst>
+  </p:cSld>
+  <p:clrMapOvr>
+    <a:masterClrMapping/>
+  </p:clrMapOvr>
+  <mc:AlternateContent xmlns:mc="http://schemas.openxmlformats.org/markup-compatibility/2006">
+    <mc:Choice xmlns:p14="http://schemas.microsoft.com/office/powerpoint/2010/main" xmlns="" Requires="p14">
+      <p:transition spd="med" p14:dur="700">
+        <p:fade/>
+      </p:transition>
+    </mc:Choice>
+    <mc:Fallback>
+      <p:transition spd="med">
+        <p:fade/>
+      </p:transition>
+    </mc:Fallback>
+  </mc:AlternateContent>
+  <p:timing>
+    <p:tnLst>
+      <p:par>
+        <p:cTn id="1" dur="indefinite" restart="never" nodeType="tmRoot"/>
+      </p:par>
+    </p:tnLst>
+  </p:timing>
+</p:sldLayout>
+</file>
+
+<file path=ppt/slideLayouts/slideLayout5.xml><?xml version="1.0" encoding="utf-8"?>
+<p:sldLayout xmlns:a="http://schemas.openxmlformats.org/drawingml/2006/main" xmlns:r="http://schemas.openxmlformats.org/officeDocument/2006/relationships" xmlns:p="http://schemas.openxmlformats.org/presentationml/2006/main" preserve="1" userDrawn="1">
+  <p:cSld name="3_Titel und Inhalt">
+    <p:spTree>
+      <p:nvGrpSpPr>
+        <p:cNvPr id="1" name=""/>
+        <p:cNvGrpSpPr/>
+        <p:nvPr/>
+      </p:nvGrpSpPr>
+      <p:grpSpPr>
+        <a:xfrm>
+          <a:off x="0" y="0"/>
+          <a:ext cx="0" cy="0"/>
+          <a:chOff x="0" y="0"/>
+          <a:chExt cx="0" cy="0"/>
+        </a:xfrm>
+      </p:grpSpPr>
+      <p:sp>
+        <p:nvSpPr>
+          <p:cNvPr id="2" name="Titel 1"/>
+          <p:cNvSpPr>
+            <a:spLocks noGrp="1"/>
+          </p:cNvSpPr>
+          <p:nvPr>
+            <p:ph type="title"/>
+          </p:nvPr>
+        </p:nvSpPr>
+        <p:spPr>
+          <a:xfrm>
+            <a:off x="1522414" y="274638"/>
+            <a:ext cx="9143998" cy="1020762"/>
+          </a:xfrm>
+          <a:solidFill>
+            <a:schemeClr val="tx1"/>
+          </a:solidFill>
+          <a:effectLst>
+            <a:outerShdw blurRad="50800" dist="38100" dir="2700000" algn="tl" rotWithShape="0">
+              <a:prstClr val="black">
+                <a:alpha val="40000"/>
+              </a:prstClr>
+            </a:outerShdw>
+          </a:effectLst>
+        </p:spPr>
+        <p:txBody>
+          <a:bodyPr>
+            <a:noAutofit/>
+          </a:bodyPr>
+          <a:lstStyle>
+            <a:lvl1pPr>
+              <a:defRPr sz="3600">
+                <a:solidFill>
+                  <a:schemeClr val="bg1">
+                    <a:lumMod val="95000"/>
+                    <a:lumOff val="5000"/>
+                  </a:schemeClr>
+                </a:solidFill>
+                <a:latin typeface="Verdana" pitchFamily="34" charset="0"/>
+                <a:ea typeface="Verdana" pitchFamily="34" charset="0"/>
+                <a:cs typeface="Verdana" pitchFamily="34" charset="0"/>
+              </a:defRPr>
+            </a:lvl1pPr>
+          </a:lstStyle>
+          <a:p>
+            <a:r>
+              <a:rPr lang="de-DE" noProof="0" dirty="0" smtClean="0"/>
+              <a:t>Titelmasterformat durch Klicken bearbeiten</a:t>
+            </a:r>
+            <a:endParaRPr lang="de-DE" noProof="0" dirty="0"/>
+          </a:p>
+        </p:txBody>
+      </p:sp>
+      <p:sp>
+        <p:nvSpPr>
+          <p:cNvPr id="3" name="Inhaltsplatzhalter 2"/>
+          <p:cNvSpPr>
+            <a:spLocks noGrp="1"/>
+          </p:cNvSpPr>
+          <p:nvPr>
+            <p:ph idx="1"/>
+          </p:nvPr>
+        </p:nvSpPr>
+        <p:spPr>
+          <a:xfrm>
+            <a:off x="1522412" y="1797558"/>
+            <a:ext cx="6156175" cy="4223730"/>
+          </a:xfrm>
+        </p:spPr>
+        <p:txBody>
+          <a:bodyPr/>
+          <a:lstStyle>
+            <a:lvl1pPr>
+              <a:defRPr>
+                <a:solidFill>
+                  <a:schemeClr val="bg1"/>
+                </a:solidFill>
+                <a:latin typeface="+mj-lt"/>
+              </a:defRPr>
+            </a:lvl1pPr>
+            <a:lvl2pPr marL="548640">
+              <a:defRPr>
+                <a:solidFill>
+                  <a:schemeClr val="bg1"/>
+                </a:solidFill>
+                <a:latin typeface="+mj-lt"/>
+              </a:defRPr>
+            </a:lvl2pPr>
+            <a:lvl3pPr marL="777240">
+              <a:defRPr>
+                <a:solidFill>
+                  <a:schemeClr val="bg1"/>
+                </a:solidFill>
+                <a:latin typeface="+mj-lt"/>
+              </a:defRPr>
+            </a:lvl3pPr>
+            <a:lvl4pPr marL="1005840">
+              <a:defRPr>
+                <a:solidFill>
+                  <a:schemeClr val="bg1"/>
+                </a:solidFill>
+                <a:latin typeface="+mj-lt"/>
+              </a:defRPr>
+            </a:lvl4pPr>
+            <a:lvl5pPr marL="1234440">
+              <a:defRPr>
+                <a:solidFill>
+                  <a:schemeClr val="bg1"/>
+                </a:solidFill>
+                <a:latin typeface="+mj-lt"/>
+              </a:defRPr>
+            </a:lvl5pPr>
+            <a:lvl6pPr marL="1463040">
+              <a:defRPr baseline="0"/>
+            </a:lvl6pPr>
+            <a:lvl7pPr marL="1691640">
+              <a:defRPr baseline="0"/>
+            </a:lvl7pPr>
+            <a:lvl8pPr marL="1920240">
+              <a:defRPr baseline="0"/>
+            </a:lvl8pPr>
+            <a:lvl9pPr marL="2148840">
+              <a:defRPr baseline="0"/>
+            </a:lvl9pPr>
+          </a:lstStyle>
+          <a:p>
+            <a:pPr lvl="0"/>
+            <a:r>
+              <a:rPr lang="de-DE" noProof="0" dirty="0" smtClean="0"/>
+              <a:t>Textmasterformat bearbeiten</a:t>
+            </a:r>
+          </a:p>
+          <a:p>
+            <a:pPr lvl="1"/>
+            <a:r>
+              <a:rPr lang="de-DE" noProof="0" dirty="0" smtClean="0"/>
+              <a:t>Zweite Ebene</a:t>
+            </a:r>
+          </a:p>
+          <a:p>
+            <a:pPr lvl="2"/>
+            <a:r>
+              <a:rPr lang="de-DE" noProof="0" dirty="0" smtClean="0"/>
+              <a:t>Dritte Ebene</a:t>
+            </a:r>
+          </a:p>
+          <a:p>
+            <a:pPr lvl="3"/>
+            <a:r>
+              <a:rPr lang="de-DE" noProof="0" dirty="0" smtClean="0"/>
+              <a:t>Vierte Ebene</a:t>
+            </a:r>
+          </a:p>
+          <a:p>
+            <a:pPr lvl="4"/>
+            <a:r>
+              <a:rPr lang="de-DE" noProof="0" dirty="0" smtClean="0"/>
+              <a:t>Fünfte Ebene</a:t>
+            </a:r>
+            <a:endParaRPr lang="de-DE" noProof="0" dirty="0"/>
+          </a:p>
+        </p:txBody>
+      </p:sp>
+      <p:sp>
+        <p:nvSpPr>
+          <p:cNvPr id="4" name="Datumsplatzhalter 3"/>
+          <p:cNvSpPr>
+            <a:spLocks noGrp="1"/>
+          </p:cNvSpPr>
+          <p:nvPr>
+            <p:ph type="dt" sz="half" idx="10"/>
+          </p:nvPr>
+        </p:nvSpPr>
+        <p:spPr>
+          <a:xfrm>
+            <a:off x="9435730" y="6609158"/>
+            <a:ext cx="1243859" cy="276226"/>
+          </a:xfrm>
+        </p:spPr>
+        <p:txBody>
+          <a:bodyPr/>
+          <a:lstStyle/>
+          <a:p>
+            <a:fld id="{9AFE8FB1-0A7A-443E-AAF7-31D4FA1AA312}" type="datetimeFigureOut">
+              <a:rPr lang="de-DE" noProof="0" smtClean="0"/>
+              <a:pPr/>
+              <a:t>06.07.2015</a:t>
+            </a:fld>
+            <a:endParaRPr lang="de-DE" noProof="0" dirty="0"/>
+          </a:p>
+        </p:txBody>
+      </p:sp>
+      <p:sp>
+        <p:nvSpPr>
+          <p:cNvPr id="6" name="Foliennummernplatzhalter 5"/>
+          <p:cNvSpPr>
+            <a:spLocks noGrp="1"/>
+          </p:cNvSpPr>
+          <p:nvPr>
+            <p:ph type="sldNum" sz="quarter" idx="12"/>
+          </p:nvPr>
+        </p:nvSpPr>
+        <p:spPr>
+          <a:xfrm>
+            <a:off x="10853737" y="6609158"/>
+            <a:ext cx="1143002" cy="276226"/>
+          </a:xfrm>
+        </p:spPr>
+        <p:txBody>
+          <a:bodyPr/>
+          <a:lstStyle>
+            <a:lvl1pPr>
+              <a:defRPr b="1">
+                <a:solidFill>
+                  <a:schemeClr val="bg1">
+                    <a:lumMod val="95000"/>
+                    <a:lumOff val="5000"/>
+                  </a:schemeClr>
+                </a:solidFill>
+              </a:defRPr>
+            </a:lvl1pPr>
+          </a:lstStyle>
+          <a:p>
+            <a:fld id="{25BA54BD-C84D-46CE-8B72-31BFB26ABA43}" type="slidenum">
+              <a:rPr lang="de-DE" smtClean="0"/>
+              <a:pPr/>
+              <a:t>‹Nr.›</a:t>
+            </a:fld>
+            <a:endParaRPr lang="de-DE" dirty="0"/>
+          </a:p>
+        </p:txBody>
+      </p:sp>
+      <p:sp>
+        <p:nvSpPr>
+          <p:cNvPr id="8" name="Rechteck 7"/>
+          <p:cNvSpPr/>
+          <p:nvPr userDrawn="1"/>
+        </p:nvSpPr>
+        <p:spPr>
+          <a:xfrm>
+            <a:off x="0" y="6373661"/>
+            <a:ext cx="2133973" cy="360040"/>
+          </a:xfrm>
+          <a:prstGeom prst="rect">
+            <a:avLst/>
+          </a:prstGeom>
+          <a:ln/>
+        </p:spPr>
+        <p:style>
+          <a:lnRef idx="3">
+            <a:schemeClr val="lt1"/>
+          </a:lnRef>
+          <a:fillRef idx="1">
+            <a:schemeClr val="accent6"/>
+          </a:fillRef>
+          <a:effectRef idx="1">
+            <a:schemeClr val="accent6"/>
+          </a:effectRef>
+          <a:fontRef idx="minor">
+            <a:schemeClr val="lt1"/>
+          </a:fontRef>
+        </p:style>
+        <p:txBody>
+          <a:bodyPr rtlCol="0" anchor="ctr"/>
+          <a:lstStyle/>
+          <a:p>
+            <a:pPr algn="ctr"/>
+            <a:endParaRPr lang="en-US"/>
+          </a:p>
+        </p:txBody>
+      </p:sp>
+      <p:sp>
+        <p:nvSpPr>
+          <p:cNvPr id="9" name="Rechteck 8"/>
+          <p:cNvSpPr/>
+          <p:nvPr userDrawn="1"/>
+        </p:nvSpPr>
+        <p:spPr>
+          <a:xfrm>
+            <a:off x="2520280" y="6373661"/>
+            <a:ext cx="2133973" cy="360040"/>
+          </a:xfrm>
+          <a:prstGeom prst="rect">
+            <a:avLst/>
+          </a:prstGeom>
+          <a:ln/>
+        </p:spPr>
+        <p:style>
+          <a:lnRef idx="3">
+            <a:schemeClr val="lt1"/>
+          </a:lnRef>
+          <a:fillRef idx="1">
+            <a:schemeClr val="accent3"/>
+          </a:fillRef>
+          <a:effectRef idx="1">
+            <a:schemeClr val="accent3"/>
+          </a:effectRef>
+          <a:fontRef idx="minor">
+            <a:schemeClr val="lt1"/>
+          </a:fontRef>
+        </p:style>
+        <p:txBody>
+          <a:bodyPr rtlCol="0" anchor="ctr"/>
+          <a:lstStyle/>
+          <a:p>
+            <a:pPr algn="ctr"/>
+            <a:endParaRPr lang="en-US"/>
+          </a:p>
+        </p:txBody>
+      </p:sp>
+      <p:sp>
+        <p:nvSpPr>
+          <p:cNvPr id="10" name="Rechteck 9"/>
+          <p:cNvSpPr/>
+          <p:nvPr userDrawn="1"/>
+        </p:nvSpPr>
+        <p:spPr>
+          <a:xfrm>
+            <a:off x="5040560" y="6237312"/>
+            <a:ext cx="2133973" cy="496389"/>
+          </a:xfrm>
+          <a:prstGeom prst="rect">
+            <a:avLst/>
+          </a:prstGeom>
+          <a:ln/>
+        </p:spPr>
+        <p:style>
+          <a:lnRef idx="3">
+            <a:schemeClr val="lt1"/>
+          </a:lnRef>
+          <a:fillRef idx="1">
+            <a:schemeClr val="accent4"/>
+          </a:fillRef>
+          <a:effectRef idx="1">
+            <a:schemeClr val="accent4"/>
+          </a:effectRef>
+          <a:fontRef idx="minor">
+            <a:schemeClr val="lt1"/>
+          </a:fontRef>
+        </p:style>
+        <p:txBody>
+          <a:bodyPr rtlCol="0" anchor="ctr"/>
+          <a:lstStyle/>
+          <a:p>
+            <a:pPr algn="ctr"/>
+            <a:endParaRPr lang="en-US"/>
+          </a:p>
+        </p:txBody>
+      </p:sp>
+      <p:sp>
+        <p:nvSpPr>
+          <p:cNvPr id="11" name="Rechteck 10"/>
+          <p:cNvSpPr/>
+          <p:nvPr userDrawn="1"/>
+        </p:nvSpPr>
+        <p:spPr>
+          <a:xfrm>
+            <a:off x="7560840" y="6373661"/>
+            <a:ext cx="2133973" cy="360040"/>
+          </a:xfrm>
+          <a:prstGeom prst="rect">
+            <a:avLst/>
+          </a:prstGeom>
+          <a:ln/>
+        </p:spPr>
+        <p:style>
+          <a:lnRef idx="3">
+            <a:schemeClr val="lt1"/>
+          </a:lnRef>
+          <a:fillRef idx="1">
+            <a:schemeClr val="accent2"/>
+          </a:fillRef>
+          <a:effectRef idx="1">
+            <a:schemeClr val="accent2"/>
+          </a:effectRef>
+          <a:fontRef idx="minor">
+            <a:schemeClr val="lt1"/>
+          </a:fontRef>
+        </p:style>
+        <p:txBody>
+          <a:bodyPr rtlCol="0" anchor="ctr"/>
+          <a:lstStyle/>
+          <a:p>
+            <a:pPr algn="ctr"/>
+            <a:endParaRPr lang="en-US"/>
+          </a:p>
+        </p:txBody>
+      </p:sp>
+      <p:sp>
+        <p:nvSpPr>
+          <p:cNvPr id="13" name="Rechteck 12"/>
+          <p:cNvSpPr/>
+          <p:nvPr userDrawn="1"/>
+        </p:nvSpPr>
+        <p:spPr>
+          <a:xfrm>
+            <a:off x="10054852" y="6373661"/>
+            <a:ext cx="2133973" cy="360040"/>
+          </a:xfrm>
+          <a:prstGeom prst="rect">
+            <a:avLst/>
+          </a:prstGeom>
+          <a:ln/>
+        </p:spPr>
+        <p:style>
+          <a:lnRef idx="3">
+            <a:schemeClr val="lt1"/>
+          </a:lnRef>
+          <a:fillRef idx="1">
+            <a:schemeClr val="accent1"/>
+          </a:fillRef>
+          <a:effectRef idx="1">
+            <a:schemeClr val="accent1"/>
+          </a:effectRef>
+          <a:fontRef idx="minor">
+            <a:schemeClr val="lt1"/>
+          </a:fontRef>
+        </p:style>
+        <p:txBody>
+          <a:bodyPr rtlCol="0" anchor="ctr"/>
+          <a:lstStyle/>
+          <a:p>
+            <a:pPr algn="ctr"/>
+            <a:endParaRPr lang="en-US"/>
+          </a:p>
+        </p:txBody>
+      </p:sp>
+      <p:sp>
+        <p:nvSpPr>
+          <p:cNvPr id="7" name="Rechteck 6"/>
+          <p:cNvSpPr/>
+          <p:nvPr userDrawn="1"/>
+        </p:nvSpPr>
+        <p:spPr>
+          <a:xfrm>
+            <a:off x="0" y="6445669"/>
+            <a:ext cx="12188825" cy="360040"/>
+          </a:xfrm>
+          <a:prstGeom prst="rect">
+            <a:avLst/>
+          </a:prstGeom>
+          <a:ln/>
+        </p:spPr>
+        <p:style>
+          <a:lnRef idx="3">
+            <a:schemeClr val="lt1"/>
+          </a:lnRef>
+          <a:fillRef idx="1">
+            <a:schemeClr val="accent5"/>
+          </a:fillRef>
+          <a:effectRef idx="1">
+            <a:schemeClr val="accent5"/>
+          </a:effectRef>
+          <a:fontRef idx="minor">
+            <a:schemeClr val="lt1"/>
+          </a:fontRef>
+        </p:style>
+        <p:txBody>
+          <a:bodyPr rtlCol="0" anchor="ctr"/>
+          <a:lstStyle/>
+          <a:p>
+            <a:pPr algn="ctr"/>
+            <a:endParaRPr lang="en-US"/>
+          </a:p>
+        </p:txBody>
+      </p:sp>
+      <p:sp>
+        <p:nvSpPr>
+          <p:cNvPr id="19" name="Inhaltsplatzhalter 2"/>
+          <p:cNvSpPr>
+            <a:spLocks noGrp="1"/>
+          </p:cNvSpPr>
+          <p:nvPr>
+            <p:ph idx="13" hasCustomPrompt="1"/>
+          </p:nvPr>
+        </p:nvSpPr>
+        <p:spPr>
+          <a:xfrm>
+            <a:off x="117748" y="6453336"/>
+            <a:ext cx="6156175" cy="404664"/>
+          </a:xfrm>
+        </p:spPr>
+        <p:txBody>
+          <a:bodyPr>
+            <a:normAutofit/>
+          </a:bodyPr>
+          <a:lstStyle>
+            <a:lvl1pPr>
+              <a:defRPr sz="1400">
+                <a:solidFill>
+                  <a:schemeClr val="bg1"/>
+                </a:solidFill>
+                <a:latin typeface="Verdana" pitchFamily="34" charset="0"/>
+                <a:ea typeface="Verdana" pitchFamily="34" charset="0"/>
+                <a:cs typeface="Verdana" pitchFamily="34" charset="0"/>
+              </a:defRPr>
+            </a:lvl1pPr>
+            <a:lvl2pPr marL="548640">
+              <a:buNone/>
+              <a:defRPr>
+                <a:solidFill>
+                  <a:schemeClr val="bg1"/>
+                </a:solidFill>
+                <a:latin typeface="+mj-lt"/>
+              </a:defRPr>
+            </a:lvl2pPr>
+            <a:lvl3pPr marL="777240">
+              <a:defRPr>
+                <a:solidFill>
+                  <a:schemeClr val="bg1"/>
+                </a:solidFill>
+                <a:latin typeface="+mj-lt"/>
+              </a:defRPr>
+            </a:lvl3pPr>
+            <a:lvl4pPr marL="1005840">
+              <a:defRPr>
+                <a:solidFill>
+                  <a:schemeClr val="bg1"/>
+                </a:solidFill>
+                <a:latin typeface="+mj-lt"/>
+              </a:defRPr>
+            </a:lvl4pPr>
+            <a:lvl5pPr marL="1234440">
+              <a:defRPr>
+                <a:solidFill>
+                  <a:schemeClr val="bg1"/>
+                </a:solidFill>
+                <a:latin typeface="+mj-lt"/>
+              </a:defRPr>
+            </a:lvl5pPr>
+            <a:lvl6pPr marL="1463040">
+              <a:defRPr baseline="0"/>
+            </a:lvl6pPr>
+            <a:lvl7pPr marL="1691640">
+              <a:defRPr baseline="0"/>
+            </a:lvl7pPr>
+            <a:lvl8pPr marL="1920240">
+              <a:defRPr baseline="0"/>
+            </a:lvl8pPr>
+            <a:lvl9pPr marL="2148840">
+              <a:defRPr baseline="0"/>
+            </a:lvl9pPr>
+          </a:lstStyle>
+          <a:p>
+            <a:pPr lvl="0"/>
+            <a:r>
+              <a:rPr lang="de-DE" noProof="0" dirty="0" smtClean="0"/>
+              <a:t>Textmasterformat </a:t>
+            </a:r>
+            <a:r>
+              <a:rPr lang="de-DE" noProof="0" dirty="0" smtClean="0"/>
+              <a:t>bearbeiten</a:t>
+            </a:r>
+            <a:endParaRPr lang="de-DE" noProof="0" dirty="0" smtClean="0"/>
+          </a:p>
+        </p:txBody>
+      </p:sp>
+    </p:spTree>
+    <p:extLst>
+      <p:ext uri="{BB962C8B-B14F-4D97-AF65-F5344CB8AC3E}">
+        <p14:creationId xmlns:p14="http://schemas.microsoft.com/office/powerpoint/2010/main" xmlns="" val="2614472672"/>
+      </p:ext>
+    </p:extLst>
+  </p:cSld>
+  <p:clrMapOvr>
+    <a:masterClrMapping/>
+  </p:clrMapOvr>
+  <mc:AlternateContent xmlns:mc="http://schemas.openxmlformats.org/markup-compatibility/2006">
+    <mc:Choice xmlns:p14="http://schemas.microsoft.com/office/powerpoint/2010/main" xmlns="" Requires="p14">
+      <p:transition spd="med" p14:dur="700">
+        <p:fade/>
+      </p:transition>
+    </mc:Choice>
+    <mc:Fallback>
+      <p:transition spd="med">
+        <p:fade/>
+      </p:transition>
+    </mc:Fallback>
+  </mc:AlternateContent>
+  <p:timing>
+    <p:tnLst>
+      <p:par>
+        <p:cTn id="1" dur="indefinite" restart="never" nodeType="tmRoot"/>
+      </p:par>
+    </p:tnLst>
+  </p:timing>
+</p:sldLayout>
+</file>
+
+<file path=ppt/slideLayouts/slideLayout6.xml><?xml version="1.0" encoding="utf-8"?>
+<p:sldLayout xmlns:a="http://schemas.openxmlformats.org/drawingml/2006/main" xmlns:r="http://schemas.openxmlformats.org/officeDocument/2006/relationships" xmlns:p="http://schemas.openxmlformats.org/presentationml/2006/main" preserve="1" userDrawn="1">
+  <p:cSld name="4_Titel und Inhalt">
+    <p:spTree>
+      <p:nvGrpSpPr>
+        <p:cNvPr id="1" name=""/>
+        <p:cNvGrpSpPr/>
+        <p:nvPr/>
+      </p:nvGrpSpPr>
+      <p:grpSpPr>
+        <a:xfrm>
+          <a:off x="0" y="0"/>
+          <a:ext cx="0" cy="0"/>
+          <a:chOff x="0" y="0"/>
+          <a:chExt cx="0" cy="0"/>
+        </a:xfrm>
+      </p:grpSpPr>
+      <p:sp>
+        <p:nvSpPr>
+          <p:cNvPr id="2" name="Titel 1"/>
+          <p:cNvSpPr>
+            <a:spLocks noGrp="1"/>
+          </p:cNvSpPr>
+          <p:nvPr>
+            <p:ph type="title"/>
+          </p:nvPr>
+        </p:nvSpPr>
+        <p:spPr>
+          <a:xfrm>
+            <a:off x="1522414" y="274638"/>
+            <a:ext cx="9143998" cy="1020762"/>
+          </a:xfrm>
+          <a:solidFill>
+            <a:schemeClr val="tx1"/>
+          </a:solidFill>
+          <a:effectLst>
+            <a:outerShdw blurRad="50800" dist="38100" dir="2700000" algn="tl" rotWithShape="0">
+              <a:prstClr val="black">
+                <a:alpha val="40000"/>
+              </a:prstClr>
+            </a:outerShdw>
+          </a:effectLst>
+        </p:spPr>
+        <p:txBody>
+          <a:bodyPr/>
+          <a:lstStyle>
+            <a:lvl1pPr>
+              <a:defRPr>
+                <a:solidFill>
+                  <a:schemeClr val="bg1">
+                    <a:lumMod val="95000"/>
+                    <a:lumOff val="5000"/>
+                  </a:schemeClr>
+                </a:solidFill>
+              </a:defRPr>
+            </a:lvl1pPr>
+          </a:lstStyle>
+          <a:p>
+            <a:r>
+              <a:rPr lang="de-DE" noProof="0" dirty="0" smtClean="0"/>
+              <a:t>Titelmasterformat durch Klicken bearbeiten</a:t>
+            </a:r>
+            <a:endParaRPr lang="de-DE" noProof="0" dirty="0"/>
+          </a:p>
+        </p:txBody>
+      </p:sp>
+      <p:sp>
+        <p:nvSpPr>
+          <p:cNvPr id="3" name="Inhaltsplatzhalter 2"/>
+          <p:cNvSpPr>
+            <a:spLocks noGrp="1"/>
+          </p:cNvSpPr>
+          <p:nvPr>
+            <p:ph idx="1"/>
+          </p:nvPr>
+        </p:nvSpPr>
+        <p:spPr>
+          <a:xfrm>
+            <a:off x="1522412" y="1797558"/>
+            <a:ext cx="6156175" cy="4223730"/>
+          </a:xfrm>
+        </p:spPr>
+        <p:txBody>
+          <a:bodyPr/>
+          <a:lstStyle>
+            <a:lvl1pPr>
+              <a:defRPr>
+                <a:solidFill>
+                  <a:schemeClr val="bg1"/>
+                </a:solidFill>
+                <a:latin typeface="+mj-lt"/>
+              </a:defRPr>
+            </a:lvl1pPr>
+            <a:lvl2pPr marL="548640">
+              <a:defRPr>
+                <a:solidFill>
+                  <a:schemeClr val="bg1"/>
+                </a:solidFill>
+                <a:latin typeface="+mj-lt"/>
+              </a:defRPr>
+            </a:lvl2pPr>
+            <a:lvl3pPr marL="777240">
+              <a:defRPr>
+                <a:solidFill>
+                  <a:schemeClr val="bg1"/>
+                </a:solidFill>
+                <a:latin typeface="+mj-lt"/>
+              </a:defRPr>
+            </a:lvl3pPr>
+            <a:lvl4pPr marL="1005840">
+              <a:defRPr>
+                <a:solidFill>
+                  <a:schemeClr val="bg1"/>
+                </a:solidFill>
+                <a:latin typeface="+mj-lt"/>
+              </a:defRPr>
+            </a:lvl4pPr>
+            <a:lvl5pPr marL="1234440">
+              <a:defRPr>
+                <a:solidFill>
+                  <a:schemeClr val="bg1"/>
+                </a:solidFill>
+                <a:latin typeface="+mj-lt"/>
+              </a:defRPr>
+            </a:lvl5pPr>
+            <a:lvl6pPr marL="1463040">
+              <a:defRPr baseline="0"/>
+            </a:lvl6pPr>
+            <a:lvl7pPr marL="1691640">
+              <a:defRPr baseline="0"/>
+            </a:lvl7pPr>
+            <a:lvl8pPr marL="1920240">
+              <a:defRPr baseline="0"/>
+            </a:lvl8pPr>
+            <a:lvl9pPr marL="2148840">
+              <a:defRPr baseline="0"/>
+            </a:lvl9pPr>
+          </a:lstStyle>
+          <a:p>
+            <a:pPr lvl="0"/>
+            <a:r>
+              <a:rPr lang="de-DE" noProof="0" dirty="0" smtClean="0"/>
+              <a:t>Textmasterformat bearbeiten</a:t>
+            </a:r>
+          </a:p>
+          <a:p>
+            <a:pPr lvl="1"/>
+            <a:r>
+              <a:rPr lang="de-DE" noProof="0" dirty="0" smtClean="0"/>
+              <a:t>Zweite Ebene</a:t>
+            </a:r>
+          </a:p>
+          <a:p>
+            <a:pPr lvl="2"/>
+            <a:r>
+              <a:rPr lang="de-DE" noProof="0" dirty="0" smtClean="0"/>
+              <a:t>Dritte Ebene</a:t>
+            </a:r>
+          </a:p>
+          <a:p>
+            <a:pPr lvl="3"/>
+            <a:r>
+              <a:rPr lang="de-DE" noProof="0" dirty="0" smtClean="0"/>
+              <a:t>Vierte Ebene</a:t>
+            </a:r>
+          </a:p>
+          <a:p>
+            <a:pPr lvl="4"/>
+            <a:r>
+              <a:rPr lang="de-DE" noProof="0" dirty="0" smtClean="0"/>
+              <a:t>Fünfte Ebene</a:t>
+            </a:r>
+            <a:endParaRPr lang="de-DE" noProof="0" dirty="0"/>
+          </a:p>
+        </p:txBody>
+      </p:sp>
+      <p:sp>
+        <p:nvSpPr>
+          <p:cNvPr id="4" name="Datumsplatzhalter 3"/>
+          <p:cNvSpPr>
+            <a:spLocks noGrp="1"/>
+          </p:cNvSpPr>
+          <p:nvPr>
+            <p:ph type="dt" sz="half" idx="10"/>
+          </p:nvPr>
+        </p:nvSpPr>
+        <p:spPr>
+          <a:xfrm>
+            <a:off x="9435730" y="6609158"/>
+            <a:ext cx="1243859" cy="276226"/>
+          </a:xfrm>
+        </p:spPr>
+        <p:txBody>
+          <a:bodyPr/>
+          <a:lstStyle/>
+          <a:p>
+            <a:fld id="{9AFE8FB1-0A7A-443E-AAF7-31D4FA1AA312}" type="datetimeFigureOut">
+              <a:rPr lang="de-DE" noProof="0" smtClean="0"/>
+              <a:pPr/>
+              <a:t>06.07.2015</a:t>
+            </a:fld>
+            <a:endParaRPr lang="de-DE" noProof="0" dirty="0"/>
+          </a:p>
+        </p:txBody>
+      </p:sp>
+      <p:sp>
+        <p:nvSpPr>
+          <p:cNvPr id="6" name="Foliennummernplatzhalter 5"/>
+          <p:cNvSpPr>
+            <a:spLocks noGrp="1"/>
+          </p:cNvSpPr>
+          <p:nvPr>
+            <p:ph type="sldNum" sz="quarter" idx="12"/>
+          </p:nvPr>
+        </p:nvSpPr>
+        <p:spPr>
+          <a:xfrm>
+            <a:off x="10853737" y="6609158"/>
+            <a:ext cx="1143002" cy="276226"/>
+          </a:xfrm>
+        </p:spPr>
+        <p:txBody>
+          <a:bodyPr/>
+          <a:lstStyle>
+            <a:lvl1pPr>
+              <a:defRPr b="1">
+                <a:solidFill>
+                  <a:schemeClr val="bg1">
+                    <a:lumMod val="95000"/>
+                    <a:lumOff val="5000"/>
+                  </a:schemeClr>
+                </a:solidFill>
+              </a:defRPr>
+            </a:lvl1pPr>
+          </a:lstStyle>
+          <a:p>
+            <a:fld id="{25BA54BD-C84D-46CE-8B72-31BFB26ABA43}" type="slidenum">
+              <a:rPr lang="de-DE" smtClean="0"/>
+              <a:pPr/>
+              <a:t>‹Nr.›</a:t>
+            </a:fld>
+            <a:endParaRPr lang="de-DE" dirty="0"/>
+          </a:p>
+        </p:txBody>
+      </p:sp>
+      <p:sp>
+        <p:nvSpPr>
+          <p:cNvPr id="8" name="Rechteck 7"/>
+          <p:cNvSpPr/>
+          <p:nvPr userDrawn="1"/>
+        </p:nvSpPr>
+        <p:spPr>
+          <a:xfrm>
+            <a:off x="0" y="6373661"/>
+            <a:ext cx="2133973" cy="360040"/>
+          </a:xfrm>
+          <a:prstGeom prst="rect">
+            <a:avLst/>
+          </a:prstGeom>
+          <a:ln/>
+        </p:spPr>
+        <p:style>
+          <a:lnRef idx="3">
+            <a:schemeClr val="lt1"/>
+          </a:lnRef>
+          <a:fillRef idx="1">
+            <a:schemeClr val="accent6"/>
+          </a:fillRef>
+          <a:effectRef idx="1">
+            <a:schemeClr val="accent6"/>
+          </a:effectRef>
+          <a:fontRef idx="minor">
+            <a:schemeClr val="lt1"/>
+          </a:fontRef>
+        </p:style>
+        <p:txBody>
+          <a:bodyPr rtlCol="0" anchor="ctr"/>
+          <a:lstStyle/>
+          <a:p>
+            <a:pPr algn="ctr"/>
+            <a:endParaRPr lang="en-US"/>
+          </a:p>
+        </p:txBody>
+      </p:sp>
+      <p:sp>
+        <p:nvSpPr>
+          <p:cNvPr id="9" name="Rechteck 8"/>
+          <p:cNvSpPr/>
+          <p:nvPr userDrawn="1"/>
+        </p:nvSpPr>
+        <p:spPr>
+          <a:xfrm>
+            <a:off x="2520280" y="6373661"/>
+            <a:ext cx="2133973" cy="360040"/>
+          </a:xfrm>
+          <a:prstGeom prst="rect">
+            <a:avLst/>
+          </a:prstGeom>
+          <a:ln/>
+        </p:spPr>
+        <p:style>
+          <a:lnRef idx="3">
+            <a:schemeClr val="lt1"/>
+          </a:lnRef>
+          <a:fillRef idx="1">
+            <a:schemeClr val="accent3"/>
+          </a:fillRef>
+          <a:effectRef idx="1">
+            <a:schemeClr val="accent3"/>
+          </a:effectRef>
+          <a:fontRef idx="minor">
+            <a:schemeClr val="lt1"/>
+          </a:fontRef>
+        </p:style>
+        <p:txBody>
+          <a:bodyPr rtlCol="0" anchor="ctr"/>
+          <a:lstStyle/>
+          <a:p>
+            <a:pPr algn="ctr"/>
+            <a:endParaRPr lang="en-US"/>
+          </a:p>
+        </p:txBody>
+      </p:sp>
+      <p:sp>
+        <p:nvSpPr>
+          <p:cNvPr id="10" name="Rechteck 9"/>
+          <p:cNvSpPr/>
+          <p:nvPr userDrawn="1"/>
+        </p:nvSpPr>
+        <p:spPr>
+          <a:xfrm>
+            <a:off x="5040560" y="6373661"/>
+            <a:ext cx="2133973" cy="360040"/>
+          </a:xfrm>
+          <a:prstGeom prst="rect">
+            <a:avLst/>
+          </a:prstGeom>
+          <a:ln/>
+        </p:spPr>
+        <p:style>
+          <a:lnRef idx="3">
+            <a:schemeClr val="lt1"/>
+          </a:lnRef>
+          <a:fillRef idx="1">
+            <a:schemeClr val="accent4"/>
+          </a:fillRef>
+          <a:effectRef idx="1">
+            <a:schemeClr val="accent4"/>
+          </a:effectRef>
+          <a:fontRef idx="minor">
+            <a:schemeClr val="lt1"/>
+          </a:fontRef>
+        </p:style>
+        <p:txBody>
+          <a:bodyPr rtlCol="0" anchor="ctr"/>
+          <a:lstStyle/>
+          <a:p>
+            <a:pPr algn="ctr"/>
+            <a:endParaRPr lang="en-US"/>
+          </a:p>
+        </p:txBody>
+      </p:sp>
+      <p:sp>
+        <p:nvSpPr>
+          <p:cNvPr id="11" name="Rechteck 10"/>
+          <p:cNvSpPr/>
+          <p:nvPr userDrawn="1"/>
+        </p:nvSpPr>
+        <p:spPr>
+          <a:xfrm>
+            <a:off x="7560840" y="6237312"/>
+            <a:ext cx="2133973" cy="496389"/>
+          </a:xfrm>
+          <a:prstGeom prst="rect">
+            <a:avLst/>
+          </a:prstGeom>
+          <a:ln/>
+        </p:spPr>
+        <p:style>
+          <a:lnRef idx="3">
+            <a:schemeClr val="lt1"/>
+          </a:lnRef>
+          <a:fillRef idx="1">
+            <a:schemeClr val="accent2"/>
+          </a:fillRef>
+          <a:effectRef idx="1">
+            <a:schemeClr val="accent2"/>
+          </a:effectRef>
+          <a:fontRef idx="minor">
+            <a:schemeClr val="lt1"/>
+          </a:fontRef>
+        </p:style>
+        <p:txBody>
+          <a:bodyPr rtlCol="0" anchor="ctr"/>
+          <a:lstStyle/>
+          <a:p>
+            <a:pPr algn="ctr"/>
+            <a:endParaRPr lang="en-US"/>
+          </a:p>
+        </p:txBody>
+      </p:sp>
+      <p:sp>
+        <p:nvSpPr>
+          <p:cNvPr id="13" name="Rechteck 12"/>
+          <p:cNvSpPr/>
+          <p:nvPr userDrawn="1"/>
+        </p:nvSpPr>
+        <p:spPr>
+          <a:xfrm>
+            <a:off x="10054852" y="6373661"/>
+            <a:ext cx="2133973" cy="360040"/>
+          </a:xfrm>
+          <a:prstGeom prst="rect">
+            <a:avLst/>
+          </a:prstGeom>
+          <a:ln/>
+        </p:spPr>
+        <p:style>
+          <a:lnRef idx="3">
+            <a:schemeClr val="lt1"/>
+          </a:lnRef>
+          <a:fillRef idx="1">
+            <a:schemeClr val="accent1"/>
+          </a:fillRef>
+          <a:effectRef idx="1">
+            <a:schemeClr val="accent1"/>
+          </a:effectRef>
+          <a:fontRef idx="minor">
+            <a:schemeClr val="lt1"/>
+          </a:fontRef>
+        </p:style>
+        <p:txBody>
+          <a:bodyPr rtlCol="0" anchor="ctr"/>
+          <a:lstStyle/>
+          <a:p>
+            <a:pPr algn="ctr"/>
+            <a:endParaRPr lang="en-US"/>
+          </a:p>
+        </p:txBody>
+      </p:sp>
+      <p:sp>
+        <p:nvSpPr>
+          <p:cNvPr id="7" name="Rechteck 6"/>
+          <p:cNvSpPr/>
+          <p:nvPr userDrawn="1"/>
+        </p:nvSpPr>
+        <p:spPr>
+          <a:xfrm>
+            <a:off x="0" y="6445669"/>
+            <a:ext cx="12188825" cy="360040"/>
+          </a:xfrm>
+          <a:prstGeom prst="rect">
+            <a:avLst/>
+          </a:prstGeom>
+          <a:ln/>
+        </p:spPr>
+        <p:style>
+          <a:lnRef idx="3">
+            <a:schemeClr val="lt1"/>
+          </a:lnRef>
+          <a:fillRef idx="1">
+            <a:schemeClr val="accent5"/>
+          </a:fillRef>
+          <a:effectRef idx="1">
+            <a:schemeClr val="accent5"/>
+          </a:effectRef>
+          <a:fontRef idx="minor">
+            <a:schemeClr val="lt1"/>
+          </a:fontRef>
+        </p:style>
+        <p:txBody>
+          <a:bodyPr rtlCol="0" anchor="ctr"/>
+          <a:lstStyle/>
+          <a:p>
+            <a:pPr algn="ctr"/>
+            <a:endParaRPr lang="en-US"/>
+          </a:p>
+        </p:txBody>
+      </p:sp>
+      <p:sp>
+        <p:nvSpPr>
+          <p:cNvPr id="19" name="Inhaltsplatzhalter 2"/>
+          <p:cNvSpPr>
+            <a:spLocks noGrp="1"/>
+          </p:cNvSpPr>
+          <p:nvPr>
+            <p:ph idx="13" hasCustomPrompt="1"/>
+          </p:nvPr>
+        </p:nvSpPr>
+        <p:spPr>
+          <a:xfrm>
+            <a:off x="117748" y="6453336"/>
+            <a:ext cx="6156175" cy="404664"/>
+          </a:xfrm>
+        </p:spPr>
+        <p:txBody>
+          <a:bodyPr>
+            <a:normAutofit/>
+          </a:bodyPr>
+          <a:lstStyle>
+            <a:lvl1pPr>
+              <a:defRPr sz="1400">
+                <a:solidFill>
+                  <a:schemeClr val="bg1"/>
+                </a:solidFill>
+                <a:latin typeface="Verdana" pitchFamily="34" charset="0"/>
+                <a:ea typeface="Verdana" pitchFamily="34" charset="0"/>
+                <a:cs typeface="Verdana" pitchFamily="34" charset="0"/>
+              </a:defRPr>
+            </a:lvl1pPr>
+            <a:lvl2pPr marL="548640">
+              <a:buNone/>
+              <a:defRPr>
+                <a:solidFill>
+                  <a:schemeClr val="bg1"/>
+                </a:solidFill>
+                <a:latin typeface="+mj-lt"/>
+              </a:defRPr>
+            </a:lvl2pPr>
+            <a:lvl3pPr marL="777240">
+              <a:defRPr>
+                <a:solidFill>
+                  <a:schemeClr val="bg1"/>
+                </a:solidFill>
+                <a:latin typeface="+mj-lt"/>
+              </a:defRPr>
+            </a:lvl3pPr>
+            <a:lvl4pPr marL="1005840">
+              <a:defRPr>
+                <a:solidFill>
+                  <a:schemeClr val="bg1"/>
+                </a:solidFill>
+                <a:latin typeface="+mj-lt"/>
+              </a:defRPr>
+            </a:lvl4pPr>
+            <a:lvl5pPr marL="1234440">
+              <a:defRPr>
+                <a:solidFill>
+                  <a:schemeClr val="bg1"/>
+                </a:solidFill>
+                <a:latin typeface="+mj-lt"/>
+              </a:defRPr>
+            </a:lvl5pPr>
+            <a:lvl6pPr marL="1463040">
+              <a:defRPr baseline="0"/>
+            </a:lvl6pPr>
+            <a:lvl7pPr marL="1691640">
+              <a:defRPr baseline="0"/>
+            </a:lvl7pPr>
+            <a:lvl8pPr marL="1920240">
+              <a:defRPr baseline="0"/>
+            </a:lvl8pPr>
+            <a:lvl9pPr marL="2148840">
+              <a:defRPr baseline="0"/>
+            </a:lvl9pPr>
+          </a:lstStyle>
+          <a:p>
+            <a:pPr lvl="0"/>
+            <a:r>
+              <a:rPr lang="de-DE" noProof="0" dirty="0" smtClean="0"/>
+              <a:t>Textmasterformat </a:t>
+            </a:r>
+            <a:r>
+              <a:rPr lang="de-DE" noProof="0" dirty="0" smtClean="0"/>
+              <a:t>bearbeiten</a:t>
+            </a:r>
+            <a:endParaRPr lang="de-DE" noProof="0" dirty="0" smtClean="0"/>
+          </a:p>
+        </p:txBody>
+      </p:sp>
+    </p:spTree>
+    <p:extLst>
+      <p:ext uri="{BB962C8B-B14F-4D97-AF65-F5344CB8AC3E}">
+        <p14:creationId xmlns:p14="http://schemas.microsoft.com/office/powerpoint/2010/main" xmlns="" val="2614472672"/>
+      </p:ext>
+    </p:extLst>
+  </p:cSld>
+  <p:clrMapOvr>
+    <a:masterClrMapping/>
+  </p:clrMapOvr>
+  <mc:AlternateContent xmlns:mc="http://schemas.openxmlformats.org/markup-compatibility/2006">
+    <mc:Choice xmlns:p14="http://schemas.microsoft.com/office/powerpoint/2010/main" xmlns="" Requires="p14">
+      <p:transition spd="med" p14:dur="700">
+        <p:fade/>
+      </p:transition>
+    </mc:Choice>
+    <mc:Fallback>
+      <p:transition spd="med">
+        <p:fade/>
+      </p:transition>
+    </mc:Fallback>
+  </mc:AlternateContent>
+  <p:timing>
+    <p:tnLst>
+      <p:par>
+        <p:cTn id="1" dur="indefinite" restart="never" nodeType="tmRoot"/>
+      </p:par>
+    </p:tnLst>
+  </p:timing>
+</p:sldLayout>
+</file>
+
+<file path=ppt/slideLayouts/slideLayout7.xml><?xml version="1.0" encoding="utf-8"?>
+<p:sldLayout xmlns:a="http://schemas.openxmlformats.org/drawingml/2006/main" xmlns:r="http://schemas.openxmlformats.org/officeDocument/2006/relationships" xmlns:p="http://schemas.openxmlformats.org/presentationml/2006/main" preserve="1" userDrawn="1">
+  <p:cSld name="5_Titel und Inhalt">
+    <p:spTree>
+      <p:nvGrpSpPr>
+        <p:cNvPr id="1" name=""/>
+        <p:cNvGrpSpPr/>
+        <p:nvPr/>
+      </p:nvGrpSpPr>
+      <p:grpSpPr>
+        <a:xfrm>
+          <a:off x="0" y="0"/>
+          <a:ext cx="0" cy="0"/>
+          <a:chOff x="0" y="0"/>
+          <a:chExt cx="0" cy="0"/>
+        </a:xfrm>
+      </p:grpSpPr>
+      <p:sp>
+        <p:nvSpPr>
+          <p:cNvPr id="2" name="Titel 1"/>
+          <p:cNvSpPr>
+            <a:spLocks noGrp="1"/>
+          </p:cNvSpPr>
+          <p:nvPr>
+            <p:ph type="title"/>
+          </p:nvPr>
+        </p:nvSpPr>
+        <p:spPr>
+          <a:xfrm>
+            <a:off x="1522414" y="274638"/>
+            <a:ext cx="9143998" cy="1020762"/>
+          </a:xfrm>
+          <a:solidFill>
+            <a:schemeClr val="tx1"/>
+          </a:solidFill>
+          <a:effectLst>
+            <a:outerShdw blurRad="50800" dist="38100" dir="2700000" algn="tl" rotWithShape="0">
+              <a:prstClr val="black">
+                <a:alpha val="40000"/>
+              </a:prstClr>
+            </a:outerShdw>
+          </a:effectLst>
+        </p:spPr>
+        <p:txBody>
+          <a:bodyPr/>
+          <a:lstStyle>
+            <a:lvl1pPr>
+              <a:defRPr>
+                <a:solidFill>
+                  <a:schemeClr val="bg1">
+                    <a:lumMod val="95000"/>
+                    <a:lumOff val="5000"/>
+                  </a:schemeClr>
+                </a:solidFill>
+              </a:defRPr>
+            </a:lvl1pPr>
+          </a:lstStyle>
+          <a:p>
+            <a:r>
+              <a:rPr lang="de-DE" noProof="0" dirty="0" smtClean="0"/>
+              <a:t>Titelmasterformat durch Klicken bearbeiten</a:t>
+            </a:r>
+            <a:endParaRPr lang="de-DE" noProof="0" dirty="0"/>
+          </a:p>
+        </p:txBody>
+      </p:sp>
+      <p:sp>
+        <p:nvSpPr>
+          <p:cNvPr id="3" name="Inhaltsplatzhalter 2"/>
+          <p:cNvSpPr>
+            <a:spLocks noGrp="1"/>
+          </p:cNvSpPr>
+          <p:nvPr>
+            <p:ph idx="1"/>
+          </p:nvPr>
+        </p:nvSpPr>
+        <p:spPr>
+          <a:xfrm>
+            <a:off x="1522412" y="1797558"/>
+            <a:ext cx="6156175" cy="4223730"/>
+          </a:xfrm>
+        </p:spPr>
+        <p:txBody>
+          <a:bodyPr/>
+          <a:lstStyle>
+            <a:lvl1pPr>
+              <a:defRPr>
+                <a:solidFill>
+                  <a:schemeClr val="bg1"/>
+                </a:solidFill>
+                <a:latin typeface="+mj-lt"/>
+              </a:defRPr>
+            </a:lvl1pPr>
+            <a:lvl2pPr marL="548640">
+              <a:defRPr>
+                <a:solidFill>
+                  <a:schemeClr val="bg1"/>
+                </a:solidFill>
+                <a:latin typeface="+mj-lt"/>
+              </a:defRPr>
+            </a:lvl2pPr>
+            <a:lvl3pPr marL="777240">
+              <a:defRPr>
+                <a:solidFill>
+                  <a:schemeClr val="bg1"/>
+                </a:solidFill>
+                <a:latin typeface="+mj-lt"/>
+              </a:defRPr>
+            </a:lvl3pPr>
+            <a:lvl4pPr marL="1005840">
+              <a:defRPr>
+                <a:solidFill>
+                  <a:schemeClr val="bg1"/>
+                </a:solidFill>
+                <a:latin typeface="+mj-lt"/>
+              </a:defRPr>
+            </a:lvl4pPr>
+            <a:lvl5pPr marL="1234440">
+              <a:defRPr>
+                <a:solidFill>
+                  <a:schemeClr val="bg1"/>
+                </a:solidFill>
+                <a:latin typeface="+mj-lt"/>
+              </a:defRPr>
+            </a:lvl5pPr>
+            <a:lvl6pPr marL="1463040">
+              <a:defRPr baseline="0"/>
+            </a:lvl6pPr>
+            <a:lvl7pPr marL="1691640">
+              <a:defRPr baseline="0"/>
+            </a:lvl7pPr>
+            <a:lvl8pPr marL="1920240">
+              <a:defRPr baseline="0"/>
+            </a:lvl8pPr>
+            <a:lvl9pPr marL="2148840">
+              <a:defRPr baseline="0"/>
+            </a:lvl9pPr>
+          </a:lstStyle>
+          <a:p>
+            <a:pPr lvl="0"/>
+            <a:r>
+              <a:rPr lang="de-DE" noProof="0" dirty="0" smtClean="0"/>
+              <a:t>Textmasterformat bearbeiten</a:t>
+            </a:r>
+          </a:p>
+          <a:p>
+            <a:pPr lvl="1"/>
+            <a:r>
+              <a:rPr lang="de-DE" noProof="0" dirty="0" smtClean="0"/>
+              <a:t>Zweite Ebene</a:t>
+            </a:r>
+          </a:p>
+          <a:p>
+            <a:pPr lvl="2"/>
+            <a:r>
+              <a:rPr lang="de-DE" noProof="0" dirty="0" smtClean="0"/>
+              <a:t>Dritte Ebene</a:t>
+            </a:r>
+          </a:p>
+          <a:p>
+            <a:pPr lvl="3"/>
+            <a:r>
+              <a:rPr lang="de-DE" noProof="0" dirty="0" smtClean="0"/>
+              <a:t>Vierte Ebene</a:t>
+            </a:r>
+          </a:p>
+          <a:p>
+            <a:pPr lvl="4"/>
+            <a:r>
+              <a:rPr lang="de-DE" noProof="0" dirty="0" smtClean="0"/>
+              <a:t>Fünfte Ebene</a:t>
+            </a:r>
+            <a:endParaRPr lang="de-DE" noProof="0" dirty="0"/>
+          </a:p>
+        </p:txBody>
+      </p:sp>
+      <p:sp>
+        <p:nvSpPr>
+          <p:cNvPr id="4" name="Datumsplatzhalter 3"/>
+          <p:cNvSpPr>
+            <a:spLocks noGrp="1"/>
+          </p:cNvSpPr>
+          <p:nvPr>
+            <p:ph type="dt" sz="half" idx="10"/>
+          </p:nvPr>
+        </p:nvSpPr>
+        <p:spPr>
+          <a:xfrm>
+            <a:off x="9435730" y="6609158"/>
+            <a:ext cx="1243859" cy="276226"/>
+          </a:xfrm>
+        </p:spPr>
+        <p:txBody>
+          <a:bodyPr/>
+          <a:lstStyle/>
+          <a:p>
+            <a:fld id="{9AFE8FB1-0A7A-443E-AAF7-31D4FA1AA312}" type="datetimeFigureOut">
+              <a:rPr lang="de-DE" noProof="0" smtClean="0"/>
+              <a:pPr/>
+              <a:t>06.07.2015</a:t>
+            </a:fld>
+            <a:endParaRPr lang="de-DE" noProof="0" dirty="0"/>
+          </a:p>
+        </p:txBody>
+      </p:sp>
+      <p:sp>
+        <p:nvSpPr>
+          <p:cNvPr id="6" name="Foliennummernplatzhalter 5"/>
+          <p:cNvSpPr>
+            <a:spLocks noGrp="1"/>
+          </p:cNvSpPr>
+          <p:nvPr>
+            <p:ph type="sldNum" sz="quarter" idx="12"/>
+          </p:nvPr>
+        </p:nvSpPr>
+        <p:spPr>
+          <a:xfrm>
+            <a:off x="10853737" y="6609158"/>
+            <a:ext cx="1143002" cy="276226"/>
+          </a:xfrm>
+        </p:spPr>
+        <p:txBody>
+          <a:bodyPr/>
+          <a:lstStyle>
+            <a:lvl1pPr>
+              <a:defRPr b="1">
+                <a:solidFill>
+                  <a:schemeClr val="bg1">
+                    <a:lumMod val="95000"/>
+                    <a:lumOff val="5000"/>
+                  </a:schemeClr>
+                </a:solidFill>
+              </a:defRPr>
+            </a:lvl1pPr>
+          </a:lstStyle>
+          <a:p>
+            <a:fld id="{25BA54BD-C84D-46CE-8B72-31BFB26ABA43}" type="slidenum">
+              <a:rPr lang="de-DE" smtClean="0"/>
+              <a:pPr/>
+              <a:t>‹Nr.›</a:t>
+            </a:fld>
+            <a:endParaRPr lang="de-DE" dirty="0"/>
+          </a:p>
+        </p:txBody>
+      </p:sp>
+      <p:sp>
+        <p:nvSpPr>
+          <p:cNvPr id="8" name="Rechteck 7"/>
+          <p:cNvSpPr/>
+          <p:nvPr userDrawn="1"/>
+        </p:nvSpPr>
+        <p:spPr>
+          <a:xfrm>
+            <a:off x="0" y="6373661"/>
+            <a:ext cx="2133973" cy="360040"/>
+          </a:xfrm>
+          <a:prstGeom prst="rect">
+            <a:avLst/>
+          </a:prstGeom>
+          <a:ln/>
+        </p:spPr>
+        <p:style>
+          <a:lnRef idx="3">
+            <a:schemeClr val="lt1"/>
+          </a:lnRef>
+          <a:fillRef idx="1">
+            <a:schemeClr val="accent6"/>
+          </a:fillRef>
+          <a:effectRef idx="1">
+            <a:schemeClr val="accent6"/>
+          </a:effectRef>
+          <a:fontRef idx="minor">
+            <a:schemeClr val="lt1"/>
+          </a:fontRef>
+        </p:style>
+        <p:txBody>
+          <a:bodyPr rtlCol="0" anchor="ctr"/>
+          <a:lstStyle/>
+          <a:p>
+            <a:pPr algn="ctr"/>
+            <a:endParaRPr lang="en-US"/>
+          </a:p>
+        </p:txBody>
+      </p:sp>
+      <p:sp>
+        <p:nvSpPr>
+          <p:cNvPr id="9" name="Rechteck 8"/>
+          <p:cNvSpPr/>
+          <p:nvPr userDrawn="1"/>
+        </p:nvSpPr>
+        <p:spPr>
+          <a:xfrm>
+            <a:off x="2520280" y="6373661"/>
+            <a:ext cx="2133973" cy="360040"/>
+          </a:xfrm>
+          <a:prstGeom prst="rect">
+            <a:avLst/>
+          </a:prstGeom>
+          <a:ln/>
+        </p:spPr>
+        <p:style>
+          <a:lnRef idx="3">
+            <a:schemeClr val="lt1"/>
+          </a:lnRef>
+          <a:fillRef idx="1">
+            <a:schemeClr val="accent3"/>
+          </a:fillRef>
+          <a:effectRef idx="1">
+            <a:schemeClr val="accent3"/>
+          </a:effectRef>
+          <a:fontRef idx="minor">
+            <a:schemeClr val="lt1"/>
+          </a:fontRef>
+        </p:style>
+        <p:txBody>
+          <a:bodyPr rtlCol="0" anchor="ctr"/>
+          <a:lstStyle/>
+          <a:p>
+            <a:pPr algn="ctr"/>
+            <a:endParaRPr lang="en-US"/>
+          </a:p>
+        </p:txBody>
+      </p:sp>
+      <p:sp>
+        <p:nvSpPr>
+          <p:cNvPr id="10" name="Rechteck 9"/>
+          <p:cNvSpPr/>
+          <p:nvPr userDrawn="1"/>
+        </p:nvSpPr>
+        <p:spPr>
+          <a:xfrm>
+            <a:off x="5040560" y="6373661"/>
+            <a:ext cx="2133973" cy="360040"/>
+          </a:xfrm>
+          <a:prstGeom prst="rect">
+            <a:avLst/>
+          </a:prstGeom>
+          <a:ln/>
+        </p:spPr>
+        <p:style>
+          <a:lnRef idx="3">
+            <a:schemeClr val="lt1"/>
+          </a:lnRef>
+          <a:fillRef idx="1">
+            <a:schemeClr val="accent4"/>
+          </a:fillRef>
+          <a:effectRef idx="1">
+            <a:schemeClr val="accent4"/>
+          </a:effectRef>
+          <a:fontRef idx="minor">
+            <a:schemeClr val="lt1"/>
+          </a:fontRef>
+        </p:style>
+        <p:txBody>
+          <a:bodyPr rtlCol="0" anchor="ctr"/>
+          <a:lstStyle/>
+          <a:p>
+            <a:pPr algn="ctr"/>
+            <a:endParaRPr lang="en-US"/>
+          </a:p>
+        </p:txBody>
+      </p:sp>
+      <p:sp>
+        <p:nvSpPr>
+          <p:cNvPr id="11" name="Rechteck 10"/>
+          <p:cNvSpPr/>
+          <p:nvPr userDrawn="1"/>
+        </p:nvSpPr>
+        <p:spPr>
+          <a:xfrm>
+            <a:off x="7560840" y="6373661"/>
+            <a:ext cx="2133973" cy="360040"/>
+          </a:xfrm>
+          <a:prstGeom prst="rect">
+            <a:avLst/>
+          </a:prstGeom>
+          <a:ln/>
+        </p:spPr>
+        <p:style>
+          <a:lnRef idx="3">
+            <a:schemeClr val="lt1"/>
+          </a:lnRef>
+          <a:fillRef idx="1">
+            <a:schemeClr val="accent2"/>
+          </a:fillRef>
+          <a:effectRef idx="1">
+            <a:schemeClr val="accent2"/>
+          </a:effectRef>
+          <a:fontRef idx="minor">
+            <a:schemeClr val="lt1"/>
+          </a:fontRef>
+        </p:style>
+        <p:txBody>
+          <a:bodyPr rtlCol="0" anchor="ctr"/>
+          <a:lstStyle/>
+          <a:p>
+            <a:pPr algn="ctr"/>
+            <a:endParaRPr lang="en-US"/>
+          </a:p>
+        </p:txBody>
+      </p:sp>
+      <p:sp>
+        <p:nvSpPr>
+          <p:cNvPr id="13" name="Rechteck 12"/>
+          <p:cNvSpPr/>
+          <p:nvPr userDrawn="1"/>
+        </p:nvSpPr>
+        <p:spPr>
+          <a:xfrm>
+            <a:off x="10054852" y="6237312"/>
+            <a:ext cx="2133973" cy="496389"/>
+          </a:xfrm>
+          <a:prstGeom prst="rect">
+            <a:avLst/>
+          </a:prstGeom>
+          <a:ln/>
+        </p:spPr>
+        <p:style>
+          <a:lnRef idx="3">
+            <a:schemeClr val="lt1"/>
+          </a:lnRef>
+          <a:fillRef idx="1">
+            <a:schemeClr val="accent1"/>
+          </a:fillRef>
+          <a:effectRef idx="1">
+            <a:schemeClr val="accent1"/>
+          </a:effectRef>
+          <a:fontRef idx="minor">
+            <a:schemeClr val="lt1"/>
+          </a:fontRef>
+        </p:style>
+        <p:txBody>
+          <a:bodyPr rtlCol="0" anchor="ctr"/>
+          <a:lstStyle/>
+          <a:p>
+            <a:pPr algn="ctr"/>
+            <a:endParaRPr lang="en-US"/>
+          </a:p>
+        </p:txBody>
+      </p:sp>
+      <p:sp>
+        <p:nvSpPr>
+          <p:cNvPr id="7" name="Rechteck 6"/>
+          <p:cNvSpPr/>
+          <p:nvPr userDrawn="1"/>
+        </p:nvSpPr>
+        <p:spPr>
+          <a:xfrm>
+            <a:off x="0" y="6445669"/>
+            <a:ext cx="12188825" cy="360040"/>
+          </a:xfrm>
+          <a:prstGeom prst="rect">
+            <a:avLst/>
+          </a:prstGeom>
+          <a:ln/>
+        </p:spPr>
+        <p:style>
+          <a:lnRef idx="3">
+            <a:schemeClr val="lt1"/>
+          </a:lnRef>
+          <a:fillRef idx="1">
+            <a:schemeClr val="accent5"/>
+          </a:fillRef>
+          <a:effectRef idx="1">
+            <a:schemeClr val="accent5"/>
+          </a:effectRef>
+          <a:fontRef idx="minor">
+            <a:schemeClr val="lt1"/>
+          </a:fontRef>
+        </p:style>
+        <p:txBody>
+          <a:bodyPr rtlCol="0" anchor="ctr"/>
+          <a:lstStyle/>
+          <a:p>
+            <a:pPr algn="ctr"/>
+            <a:endParaRPr lang="en-US"/>
+          </a:p>
+        </p:txBody>
+      </p:sp>
+      <p:sp>
+        <p:nvSpPr>
+          <p:cNvPr id="19" name="Inhaltsplatzhalter 2"/>
+          <p:cNvSpPr>
+            <a:spLocks noGrp="1"/>
+          </p:cNvSpPr>
+          <p:nvPr>
+            <p:ph idx="13" hasCustomPrompt="1"/>
+          </p:nvPr>
+        </p:nvSpPr>
+        <p:spPr>
+          <a:xfrm>
+            <a:off x="117748" y="6453336"/>
+            <a:ext cx="6156175" cy="404664"/>
+          </a:xfrm>
+        </p:spPr>
+        <p:txBody>
+          <a:bodyPr>
+            <a:normAutofit/>
+          </a:bodyPr>
+          <a:lstStyle>
+            <a:lvl1pPr>
+              <a:defRPr sz="1400">
+                <a:solidFill>
+                  <a:schemeClr val="bg1"/>
+                </a:solidFill>
+                <a:latin typeface="Verdana" pitchFamily="34" charset="0"/>
+                <a:ea typeface="Verdana" pitchFamily="34" charset="0"/>
+                <a:cs typeface="Verdana" pitchFamily="34" charset="0"/>
+              </a:defRPr>
+            </a:lvl1pPr>
+            <a:lvl2pPr marL="548640">
+              <a:buNone/>
+              <a:defRPr>
+                <a:solidFill>
+                  <a:schemeClr val="bg1"/>
+                </a:solidFill>
+                <a:latin typeface="+mj-lt"/>
+              </a:defRPr>
+            </a:lvl2pPr>
+            <a:lvl3pPr marL="777240">
+              <a:defRPr>
+                <a:solidFill>
+                  <a:schemeClr val="bg1"/>
+                </a:solidFill>
+                <a:latin typeface="+mj-lt"/>
+              </a:defRPr>
+            </a:lvl3pPr>
+            <a:lvl4pPr marL="1005840">
+              <a:defRPr>
+                <a:solidFill>
+                  <a:schemeClr val="bg1"/>
+                </a:solidFill>
+                <a:latin typeface="+mj-lt"/>
+              </a:defRPr>
+            </a:lvl4pPr>
+            <a:lvl5pPr marL="1234440">
+              <a:defRPr>
+                <a:solidFill>
+                  <a:schemeClr val="bg1"/>
+                </a:solidFill>
+                <a:latin typeface="+mj-lt"/>
+              </a:defRPr>
+            </a:lvl5pPr>
+            <a:lvl6pPr marL="1463040">
+              <a:defRPr baseline="0"/>
+            </a:lvl6pPr>
+            <a:lvl7pPr marL="1691640">
+              <a:defRPr baseline="0"/>
+            </a:lvl7pPr>
+            <a:lvl8pPr marL="1920240">
+              <a:defRPr baseline="0"/>
+            </a:lvl8pPr>
+            <a:lvl9pPr marL="2148840">
+              <a:defRPr baseline="0"/>
+            </a:lvl9pPr>
+          </a:lstStyle>
+          <a:p>
+            <a:pPr lvl="0"/>
+            <a:r>
+              <a:rPr lang="de-DE" noProof="0" dirty="0" smtClean="0"/>
+              <a:t>Textmasterformat </a:t>
+            </a:r>
+            <a:r>
+              <a:rPr lang="de-DE" noProof="0" dirty="0" smtClean="0"/>
+              <a:t>bearbeiten</a:t>
+            </a:r>
+            <a:endParaRPr lang="de-DE" noProof="0" dirty="0" smtClean="0"/>
           </a:p>
         </p:txBody>
       </p:sp>
@@ -4074,13 +7430,17 @@
         </p:spPr>
         <p:txBody>
           <a:bodyPr vert="horz" lIns="91440" tIns="45720" rIns="91440" bIns="45720" rtlCol="0" anchor="b">
-            <a:normAutofit/>
+            <a:noAutofit/>
           </a:bodyPr>
           <a:lstStyle/>
           <a:p>
             <a:r>
               <a:rPr lang="de-DE" noProof="0" dirty="0" smtClean="0"/>
-              <a:t>Titelmasterformat durch Klicken bearbeiten</a:t>
+              <a:t>Titelmasterformat durch Klicken </a:t>
+            </a:r>
+            <a:r>
+              <a:rPr lang="de-DE" noProof="0" dirty="0" smtClean="0"/>
+              <a:t>bearbeiten</a:t>
             </a:r>
             <a:endParaRPr lang="de-DE" noProof="0" dirty="0"/>
           </a:p>
@@ -4281,6 +7641,11 @@
   <p:sldLayoutIdLst>
     <p:sldLayoutId id="2147483661" r:id="rId1"/>
     <p:sldLayoutId id="2147483662" r:id="rId2"/>
+    <p:sldLayoutId id="2147483663" r:id="rId3"/>
+    <p:sldLayoutId id="2147483664" r:id="rId4"/>
+    <p:sldLayoutId id="2147483665" r:id="rId5"/>
+    <p:sldLayoutId id="2147483666" r:id="rId6"/>
+    <p:sldLayoutId id="2147483667" r:id="rId7"/>
   </p:sldLayoutIdLst>
   <mc:AlternateContent xmlns:mc="http://schemas.openxmlformats.org/markup-compatibility/2006">
     <mc:Choice xmlns:p14="http://schemas.microsoft.com/office/powerpoint/2010/main" xmlns="" Requires="p14">
@@ -4311,13 +7676,13 @@
           <a:spcPct val="0"/>
         </a:spcBef>
         <a:buNone/>
-        <a:defRPr sz="3200" kern="1200">
+        <a:defRPr sz="3600" kern="1200">
           <a:solidFill>
             <a:schemeClr val="bg1"/>
           </a:solidFill>
-          <a:latin typeface="+mj-lt"/>
-          <a:ea typeface="+mj-ea"/>
-          <a:cs typeface="+mj-cs"/>
+          <a:latin typeface="Verdana" pitchFamily="34" charset="0"/>
+          <a:ea typeface="Verdana" pitchFamily="34" charset="0"/>
+          <a:cs typeface="Verdana" pitchFamily="34" charset="0"/>
         </a:defRPr>
       </a:lvl1pPr>
     </p:titleStyle>
@@ -4676,17 +8041,6 @@
               </a:rPr>
               <a:t> </a:t>
             </a:r>
-            <a:r>
-              <a:rPr lang="de-CH" dirty="0" smtClean="0">
-                <a:solidFill>
-                  <a:schemeClr val="tx1">
-                    <a:lumMod val="95000"/>
-                  </a:schemeClr>
-                </a:solidFill>
-                <a:latin typeface="Android" panose="02000500000000000000" pitchFamily="2" charset="0"/>
-              </a:rPr>
-              <a:t/>
-            </a:r>
             <a:br>
               <a:rPr lang="de-CH" dirty="0" smtClean="0">
                 <a:solidFill>
@@ -4728,18 +8082,7 @@
                 </a:solidFill>
                 <a:latin typeface="Android" panose="02000500000000000000" pitchFamily="2" charset="0"/>
               </a:rPr>
-              <a:t> </a:t>
-            </a:r>
-            <a:r>
-              <a:rPr lang="de-CH" dirty="0" smtClean="0">
-                <a:solidFill>
-                  <a:schemeClr val="tx1">
-                    <a:lumMod val="65000"/>
-                  </a:schemeClr>
-                </a:solidFill>
-                <a:latin typeface="Android" panose="02000500000000000000" pitchFamily="2" charset="0"/>
-              </a:rPr>
-              <a:t>Systems </a:t>
+              <a:t> Systems </a:t>
             </a:r>
             <a:r>
               <a:rPr lang="de-CH" dirty="0" err="1" smtClean="0">
@@ -4814,7 +8157,7 @@
         </p:nvSpPr>
         <p:spPr>
           <a:xfrm>
-            <a:off x="1522413" y="5105400"/>
+            <a:off x="1522413" y="4869160"/>
             <a:ext cx="9144000" cy="1752600"/>
           </a:xfrm>
           <a:solidFill>
@@ -4948,7 +8291,7 @@
       </p:sp>
       <p:sp>
         <p:nvSpPr>
-          <p:cNvPr id="3" name="Inhaltsplatzhalter 2"/>
+          <p:cNvPr id="7" name="Inhaltsplatzhalter 6"/>
           <p:cNvSpPr>
             <a:spLocks noGrp="1"/>
           </p:cNvSpPr>
@@ -4961,7 +8304,26 @@
           <a:bodyPr/>
           <a:lstStyle/>
           <a:p>
-            <a:endParaRPr lang="en-US" dirty="0"/>
+            <a:endParaRPr lang="en-US"/>
+          </a:p>
+        </p:txBody>
+      </p:sp>
+      <p:sp>
+        <p:nvSpPr>
+          <p:cNvPr id="8" name="Inhaltsplatzhalter 7"/>
+          <p:cNvSpPr>
+            <a:spLocks noGrp="1"/>
+          </p:cNvSpPr>
+          <p:nvPr>
+            <p:ph idx="13"/>
+          </p:nvPr>
+        </p:nvSpPr>
+        <p:spPr/>
+        <p:txBody>
+          <a:bodyPr/>
+          <a:lstStyle/>
+          <a:p>
+            <a:endParaRPr lang="en-US"/>
           </a:p>
         </p:txBody>
       </p:sp>
@@ -5079,15 +8441,14 @@
         </p:nvPicPr>
         <p:blipFill>
           <a:blip r:embed="rId2" cstate="print"/>
-          <a:srcRect/>
           <a:stretch>
             <a:fillRect/>
           </a:stretch>
         </p:blipFill>
         <p:spPr bwMode="auto">
           <a:xfrm>
-            <a:off x="5662364" y="1772815"/>
-            <a:ext cx="4089649" cy="3678287"/>
+            <a:off x="2555546" y="2069939"/>
+            <a:ext cx="4090059" cy="3678559"/>
           </a:xfrm>
           <a:prstGeom prst="rect">
             <a:avLst/>
@@ -5104,6 +8465,25 @@
           </a:effectLst>
         </p:spPr>
       </p:pic>
+      <p:sp>
+        <p:nvSpPr>
+          <p:cNvPr id="6" name="Inhaltsplatzhalter 5"/>
+          <p:cNvSpPr>
+            <a:spLocks noGrp="1"/>
+          </p:cNvSpPr>
+          <p:nvPr>
+            <p:ph idx="13"/>
+          </p:nvPr>
+        </p:nvSpPr>
+        <p:spPr/>
+        <p:txBody>
+          <a:bodyPr/>
+          <a:lstStyle/>
+          <a:p>
+            <a:endParaRPr lang="en-US"/>
+          </a:p>
+        </p:txBody>
+      </p:sp>
       <p:pic>
         <p:nvPicPr>
           <p:cNvPr id="26627" name="Picture 3"/>
@@ -5206,26 +8586,73 @@
           </a:p>
         </p:txBody>
       </p:sp>
-      <p:graphicFrame>
-        <p:nvGraphicFramePr>
-          <p:cNvPr id="4" name="Inhaltsplatzhalter 3"/>
-          <p:cNvGraphicFramePr>
-            <a:graphicFrameLocks noGrp="1"/>
-          </p:cNvGraphicFramePr>
+      <p:sp>
+        <p:nvSpPr>
+          <p:cNvPr id="6" name="Inhaltsplatzhalter 5"/>
+          <p:cNvSpPr>
+            <a:spLocks noGrp="1"/>
+          </p:cNvSpPr>
+          <p:nvPr>
+            <p:ph idx="13"/>
+          </p:nvPr>
+        </p:nvSpPr>
+        <p:spPr/>
+        <p:txBody>
+          <a:bodyPr/>
+          <a:lstStyle/>
+          <a:p>
+            <a:endParaRPr lang="en-US"/>
+          </a:p>
+        </p:txBody>
+      </p:sp>
+      <p:sp>
+        <p:nvSpPr>
+          <p:cNvPr id="7" name="Inhaltsplatzhalter 6"/>
+          <p:cNvSpPr>
+            <a:spLocks noGrp="1"/>
+          </p:cNvSpPr>
           <p:nvPr>
             <p:ph idx="1"/>
           </p:nvPr>
-        </p:nvGraphicFramePr>
-        <p:xfrm>
-          <a:off x="1522413" y="1797050"/>
-          <a:ext cx="4211959" cy="4224338"/>
-        </p:xfrm>
-        <a:graphic>
-          <a:graphicData uri="http://schemas.openxmlformats.org/drawingml/2006/diagram">
-            <dgm:relIds xmlns:dgm="http://schemas.openxmlformats.org/drawingml/2006/diagram" xmlns:r="http://schemas.openxmlformats.org/officeDocument/2006/relationships" r:dm="rId2" r:lo="rId3" r:qs="rId4" r:cs="rId5"/>
-          </a:graphicData>
-        </a:graphic>
-      </p:graphicFrame>
+        </p:nvSpPr>
+        <p:spPr/>
+        <p:txBody>
+          <a:bodyPr/>
+          <a:lstStyle/>
+          <a:p>
+            <a:r>
+              <a:rPr lang="de-CH" dirty="0" err="1" smtClean="0"/>
+              <a:t>Preferences</a:t>
+            </a:r>
+            <a:endParaRPr lang="de-CH" dirty="0" smtClean="0"/>
+          </a:p>
+          <a:p>
+            <a:r>
+              <a:rPr lang="de-CH" dirty="0" smtClean="0"/>
+              <a:t>Wizard</a:t>
+            </a:r>
+          </a:p>
+          <a:p>
+            <a:r>
+              <a:rPr lang="de-CH" dirty="0" err="1" smtClean="0"/>
+              <a:t>CardView</a:t>
+            </a:r>
+            <a:endParaRPr lang="de-CH" dirty="0" smtClean="0"/>
+          </a:p>
+          <a:p>
+            <a:r>
+              <a:rPr lang="de-CH" dirty="0" smtClean="0"/>
+              <a:t>Datenbank</a:t>
+            </a:r>
+          </a:p>
+          <a:p>
+            <a:r>
+              <a:rPr lang="de-CH" dirty="0" smtClean="0"/>
+              <a:t>REST-Schnittstelle</a:t>
+            </a:r>
+          </a:p>
+        </p:txBody>
+      </p:sp>
     </p:spTree>
   </p:cSld>
   <p:clrMapOvr>
@@ -5287,9 +8714,519 @@
           <a:p>
             <a:r>
               <a:rPr lang="de-CH" dirty="0" smtClean="0"/>
-              <a:t>Rückblick();</a:t>
-            </a:r>
-            <a:endParaRPr lang="de-CH" dirty="0"/>
+              <a:t>Wizard</a:t>
+            </a:r>
+            <a:endParaRPr lang="en-US" dirty="0"/>
+          </a:p>
+        </p:txBody>
+      </p:sp>
+      <p:sp>
+        <p:nvSpPr>
+          <p:cNvPr id="6" name="Inhaltsplatzhalter 5"/>
+          <p:cNvSpPr>
+            <a:spLocks noGrp="1"/>
+          </p:cNvSpPr>
+          <p:nvPr>
+            <p:ph idx="13"/>
+          </p:nvPr>
+        </p:nvSpPr>
+        <p:spPr/>
+        <p:txBody>
+          <a:bodyPr/>
+          <a:lstStyle/>
+          <a:p>
+            <a:endParaRPr lang="en-US"/>
+          </a:p>
+        </p:txBody>
+      </p:sp>
+      <p:sp>
+        <p:nvSpPr>
+          <p:cNvPr id="5" name="Inhaltsplatzhalter 4"/>
+          <p:cNvSpPr>
+            <a:spLocks noGrp="1"/>
+          </p:cNvSpPr>
+          <p:nvPr>
+            <p:ph idx="1"/>
+          </p:nvPr>
+        </p:nvSpPr>
+        <p:spPr>
+          <a:xfrm>
+            <a:off x="1522412" y="1797558"/>
+            <a:ext cx="6084168" cy="4223730"/>
+          </a:xfrm>
+        </p:spPr>
+        <p:txBody>
+          <a:bodyPr>
+            <a:normAutofit fontScale="70000" lnSpcReduction="20000"/>
+          </a:bodyPr>
+          <a:lstStyle/>
+          <a:p>
+            <a:pPr>
+              <a:buNone/>
+            </a:pPr>
+            <a:r>
+              <a:rPr lang="en-US" b="1" dirty="0" err="1" smtClean="0"/>
+              <a:t>wizardContent</a:t>
+            </a:r>
+            <a:r>
+              <a:rPr lang="en-US" dirty="0" err="1" smtClean="0"/>
+              <a:t>.add</a:t>
+            </a:r>
+            <a:r>
+              <a:rPr lang="en-US" dirty="0" smtClean="0"/>
+              <a:t>(</a:t>
+            </a:r>
+          </a:p>
+          <a:p>
+            <a:pPr lvl="1">
+              <a:buNone/>
+            </a:pPr>
+            <a:r>
+              <a:rPr lang="en-US" b="1" dirty="0" smtClean="0"/>
+              <a:t>new </a:t>
+            </a:r>
+            <a:r>
+              <a:rPr lang="en-US" dirty="0" err="1" smtClean="0"/>
+              <a:t>WizardPage</a:t>
+            </a:r>
+            <a:r>
+              <a:rPr lang="en-US" dirty="0" smtClean="0"/>
+              <a:t>(</a:t>
+            </a:r>
+            <a:r>
+              <a:rPr lang="en-US" b="1" dirty="0" smtClean="0"/>
+              <a:t>"Welcome"</a:t>
+            </a:r>
+            <a:r>
+              <a:rPr lang="en-US" dirty="0" smtClean="0"/>
+              <a:t>, </a:t>
+            </a:r>
+            <a:endParaRPr lang="en-US" dirty="0" smtClean="0"/>
+          </a:p>
+          <a:p>
+            <a:pPr lvl="1">
+              <a:buNone/>
+            </a:pPr>
+            <a:r>
+              <a:rPr lang="en-US" b="1" dirty="0" smtClean="0"/>
+              <a:t>"</a:t>
+            </a:r>
+            <a:r>
+              <a:rPr lang="en-US" b="1" dirty="0" smtClean="0"/>
+              <a:t>Before we start, may we know something of you? Which is your favorite</a:t>
+            </a:r>
+            <a:r>
+              <a:rPr lang="en-US" b="1" dirty="0" smtClean="0"/>
+              <a:t>..."</a:t>
+            </a:r>
+            <a:r>
+              <a:rPr lang="en-US" dirty="0" smtClean="0"/>
+              <a:t>)</a:t>
+            </a:r>
+          </a:p>
+          <a:p>
+            <a:pPr>
+              <a:buNone/>
+            </a:pPr>
+            <a:r>
+              <a:rPr lang="en-US" dirty="0" smtClean="0"/>
+              <a:t>);</a:t>
+            </a:r>
+          </a:p>
+          <a:p>
+            <a:pPr>
+              <a:buNone/>
+            </a:pPr>
+            <a:r>
+              <a:rPr lang="en-US" b="1" dirty="0" err="1" smtClean="0"/>
+              <a:t>wizardContent</a:t>
+            </a:r>
+            <a:r>
+              <a:rPr lang="en-US" dirty="0" err="1" smtClean="0"/>
+              <a:t>.add</a:t>
+            </a:r>
+            <a:r>
+              <a:rPr lang="en-US" dirty="0" smtClean="0"/>
+              <a:t>(</a:t>
+            </a:r>
+          </a:p>
+          <a:p>
+            <a:pPr lvl="1">
+              <a:buNone/>
+            </a:pPr>
+            <a:r>
+              <a:rPr lang="en-US" b="1" dirty="0" smtClean="0"/>
+              <a:t>new </a:t>
+            </a:r>
+            <a:r>
+              <a:rPr lang="en-US" dirty="0" err="1" smtClean="0"/>
+              <a:t>WizardPage</a:t>
+            </a:r>
+            <a:r>
+              <a:rPr lang="en-US" dirty="0" smtClean="0"/>
+              <a:t>(</a:t>
+            </a:r>
+            <a:r>
+              <a:rPr lang="en-US" b="1" dirty="0" smtClean="0"/>
+              <a:t>"Club"</a:t>
+            </a:r>
+            <a:r>
+              <a:rPr lang="en-US" dirty="0" smtClean="0"/>
+              <a:t>, </a:t>
+            </a:r>
+            <a:r>
+              <a:rPr lang="en-US" b="1" dirty="0" smtClean="0"/>
+              <a:t>"</a:t>
+            </a:r>
+            <a:r>
+              <a:rPr lang="en-US" b="1" dirty="0" smtClean="0"/>
+              <a:t>Just select the one you like."</a:t>
+            </a:r>
+            <a:r>
+              <a:rPr lang="en-US" dirty="0" smtClean="0"/>
+              <a:t>, </a:t>
+            </a:r>
+            <a:r>
+              <a:rPr lang="en-US" b="1" dirty="0" smtClean="0"/>
+              <a:t>true</a:t>
+            </a:r>
+            <a:r>
+              <a:rPr lang="en-US" dirty="0" smtClean="0"/>
+              <a:t>, </a:t>
+            </a:r>
+            <a:r>
+              <a:rPr lang="en-US" dirty="0" err="1" smtClean="0"/>
+              <a:t>getclubs</a:t>
+            </a:r>
+            <a:r>
+              <a:rPr lang="en-US" dirty="0" smtClean="0"/>
+              <a:t>(), UnihockeyPref.</a:t>
+            </a:r>
+            <a:r>
+              <a:rPr lang="en-US" b="1" i="1" dirty="0" smtClean="0"/>
+              <a:t>PREFERENCE_CLUB</a:t>
+            </a:r>
+            <a:r>
+              <a:rPr lang="en-US" dirty="0" smtClean="0"/>
+              <a:t>.name</a:t>
+            </a:r>
+            <a:r>
+              <a:rPr lang="en-US" dirty="0" smtClean="0"/>
+              <a:t>())</a:t>
+            </a:r>
+          </a:p>
+          <a:p>
+            <a:pPr>
+              <a:buNone/>
+            </a:pPr>
+            <a:r>
+              <a:rPr lang="en-US" dirty="0" smtClean="0"/>
+              <a:t>);</a:t>
+            </a:r>
+            <a:r>
+              <a:rPr lang="en-US" dirty="0" smtClean="0"/>
+              <a:t/>
+            </a:r>
+            <a:br>
+              <a:rPr lang="en-US" dirty="0" smtClean="0"/>
+            </a:br>
+            <a:endParaRPr lang="en-US" dirty="0" smtClean="0"/>
+          </a:p>
+          <a:p>
+            <a:pPr>
+              <a:buNone/>
+            </a:pPr>
+            <a:r>
+              <a:rPr lang="en-US" b="1" dirty="0" err="1" smtClean="0"/>
+              <a:t>wizardContent</a:t>
+            </a:r>
+            <a:r>
+              <a:rPr lang="en-US" dirty="0" err="1" smtClean="0"/>
+              <a:t>.add</a:t>
+            </a:r>
+            <a:r>
+              <a:rPr lang="en-US" dirty="0" smtClean="0"/>
+              <a:t>(</a:t>
+            </a:r>
+          </a:p>
+          <a:p>
+            <a:pPr lvl="1">
+              <a:buNone/>
+            </a:pPr>
+            <a:r>
+              <a:rPr lang="en-US" b="1" dirty="0" smtClean="0"/>
+              <a:t>new </a:t>
+            </a:r>
+            <a:r>
+              <a:rPr lang="en-US" dirty="0" err="1" smtClean="0"/>
+              <a:t>WizardPage</a:t>
+            </a:r>
+            <a:r>
+              <a:rPr lang="en-US" dirty="0" smtClean="0"/>
+              <a:t>(</a:t>
+            </a:r>
+            <a:r>
+              <a:rPr lang="en-US" b="1" dirty="0" smtClean="0"/>
+              <a:t>"Team"</a:t>
+            </a:r>
+            <a:r>
+              <a:rPr lang="en-US" dirty="0" smtClean="0"/>
+              <a:t>, </a:t>
+            </a:r>
+            <a:r>
+              <a:rPr lang="en-US" b="1" dirty="0" smtClean="0"/>
+              <a:t>"You must have a favorite, right? ;-)"</a:t>
+            </a:r>
+            <a:r>
+              <a:rPr lang="en-US" dirty="0" smtClean="0"/>
+              <a:t>, </a:t>
+            </a:r>
+            <a:r>
+              <a:rPr lang="en-US" b="1" dirty="0" smtClean="0"/>
+              <a:t>true</a:t>
+            </a:r>
+            <a:r>
+              <a:rPr lang="en-US" dirty="0" smtClean="0"/>
+              <a:t>, </a:t>
+            </a:r>
+            <a:r>
+              <a:rPr lang="en-US" dirty="0" err="1" smtClean="0"/>
+              <a:t>getTeams</a:t>
+            </a:r>
+            <a:r>
+              <a:rPr lang="en-US" dirty="0" smtClean="0"/>
+              <a:t>(), UnihockeyPref.</a:t>
+            </a:r>
+            <a:r>
+              <a:rPr lang="en-US" b="1" i="1" dirty="0" smtClean="0"/>
+              <a:t>PREFERENCE_TEAM</a:t>
+            </a:r>
+            <a:r>
+              <a:rPr lang="en-US" dirty="0" smtClean="0"/>
+              <a:t>.name</a:t>
+            </a:r>
+            <a:r>
+              <a:rPr lang="en-US" dirty="0" smtClean="0"/>
+              <a:t>())</a:t>
+            </a:r>
+          </a:p>
+          <a:p>
+            <a:pPr>
+              <a:buNone/>
+            </a:pPr>
+            <a:r>
+              <a:rPr lang="en-US" dirty="0" smtClean="0"/>
+              <a:t>);</a:t>
+            </a:r>
+            <a:endParaRPr lang="en-US" dirty="0"/>
+          </a:p>
+        </p:txBody>
+      </p:sp>
+      <p:pic>
+        <p:nvPicPr>
+          <p:cNvPr id="27650" name="Picture 2"/>
+          <p:cNvPicPr>
+            <a:picLocks noChangeAspect="1" noChangeArrowheads="1"/>
+          </p:cNvPicPr>
+          <p:nvPr/>
+        </p:nvPicPr>
+        <p:blipFill>
+          <a:blip r:embed="rId2" cstate="print"/>
+          <a:srcRect/>
+          <a:stretch>
+            <a:fillRect/>
+          </a:stretch>
+        </p:blipFill>
+        <p:spPr bwMode="auto">
+          <a:xfrm>
+            <a:off x="8686700" y="1556792"/>
+            <a:ext cx="2809511" cy="4651623"/>
+          </a:xfrm>
+          <a:prstGeom prst="rect">
+            <a:avLst/>
+          </a:prstGeom>
+          <a:ln>
+            <a:noFill/>
+          </a:ln>
+          <a:effectLst>
+            <a:outerShdw blurRad="292100" dist="139700" dir="2700000" algn="tl" rotWithShape="0">
+              <a:srgbClr val="333333">
+                <a:alpha val="65000"/>
+              </a:srgbClr>
+            </a:outerShdw>
+          </a:effectLst>
+        </p:spPr>
+      </p:pic>
+    </p:spTree>
+  </p:cSld>
+  <p:clrMapOvr>
+    <a:masterClrMapping/>
+  </p:clrMapOvr>
+  <mc:AlternateContent xmlns:mc="http://schemas.openxmlformats.org/markup-compatibility/2006">
+    <mc:Choice xmlns:p14="http://schemas.microsoft.com/office/powerpoint/2010/main" xmlns="" Requires="p14">
+      <p:transition spd="med" p14:dur="700">
+        <p:fade/>
+      </p:transition>
+    </mc:Choice>
+    <mc:Fallback>
+      <p:transition spd="med">
+        <p:fade/>
+      </p:transition>
+    </mc:Fallback>
+  </mc:AlternateContent>
+  <p:timing>
+    <p:tnLst>
+      <p:par>
+        <p:cTn id="1" dur="indefinite" restart="never" nodeType="tmRoot"/>
+      </p:par>
+    </p:tnLst>
+  </p:timing>
+</p:sld>
+</file>
+
+<file path=ppt/slides/slide14.xml><?xml version="1.0" encoding="utf-8"?>
+<p:sld xmlns:a="http://schemas.openxmlformats.org/drawingml/2006/main" xmlns:r="http://schemas.openxmlformats.org/officeDocument/2006/relationships" xmlns:p="http://schemas.openxmlformats.org/presentationml/2006/main">
+  <p:cSld>
+    <p:spTree>
+      <p:nvGrpSpPr>
+        <p:cNvPr id="1" name=""/>
+        <p:cNvGrpSpPr/>
+        <p:nvPr/>
+      </p:nvGrpSpPr>
+      <p:grpSpPr>
+        <a:xfrm>
+          <a:off x="0" y="0"/>
+          <a:ext cx="0" cy="0"/>
+          <a:chOff x="0" y="0"/>
+          <a:chExt cx="0" cy="0"/>
+        </a:xfrm>
+      </p:grpSpPr>
+      <p:sp>
+        <p:nvSpPr>
+          <p:cNvPr id="2" name="Titel 1"/>
+          <p:cNvSpPr>
+            <a:spLocks noGrp="1"/>
+          </p:cNvSpPr>
+          <p:nvPr>
+            <p:ph type="title"/>
+          </p:nvPr>
+        </p:nvSpPr>
+        <p:spPr/>
+        <p:txBody>
+          <a:bodyPr/>
+          <a:lstStyle/>
+          <a:p>
+            <a:r>
+              <a:rPr lang="de-CH" dirty="0" smtClean="0"/>
+              <a:t>Wizard</a:t>
+            </a:r>
+            <a:endParaRPr lang="en-US" dirty="0"/>
+          </a:p>
+        </p:txBody>
+      </p:sp>
+      <p:graphicFrame>
+        <p:nvGraphicFramePr>
+          <p:cNvPr id="4" name="Inhaltsplatzhalter 3"/>
+          <p:cNvGraphicFramePr>
+            <a:graphicFrameLocks noGrp="1"/>
+          </p:cNvGraphicFramePr>
+          <p:nvPr>
+            <p:ph idx="1"/>
+          </p:nvPr>
+        </p:nvGraphicFramePr>
+        <p:xfrm>
+          <a:off x="1522413" y="1797050"/>
+          <a:ext cx="6156325" cy="4224338"/>
+        </p:xfrm>
+        <a:graphic>
+          <a:graphicData uri="http://schemas.openxmlformats.org/drawingml/2006/diagram">
+            <dgm:relIds xmlns:dgm="http://schemas.openxmlformats.org/drawingml/2006/diagram" xmlns:r="http://schemas.openxmlformats.org/officeDocument/2006/relationships" r:dm="rId2" r:lo="rId3" r:qs="rId4" r:cs="rId5"/>
+          </a:graphicData>
+        </a:graphic>
+      </p:graphicFrame>
+      <p:sp>
+        <p:nvSpPr>
+          <p:cNvPr id="6" name="Inhaltsplatzhalter 5"/>
+          <p:cNvSpPr>
+            <a:spLocks noGrp="1"/>
+          </p:cNvSpPr>
+          <p:nvPr>
+            <p:ph idx="13"/>
+          </p:nvPr>
+        </p:nvSpPr>
+        <p:spPr/>
+        <p:txBody>
+          <a:bodyPr/>
+          <a:lstStyle/>
+          <a:p>
+            <a:endParaRPr lang="en-US"/>
+          </a:p>
+        </p:txBody>
+      </p:sp>
+    </p:spTree>
+  </p:cSld>
+  <p:clrMapOvr>
+    <a:masterClrMapping/>
+  </p:clrMapOvr>
+  <mc:AlternateContent xmlns:mc="http://schemas.openxmlformats.org/markup-compatibility/2006">
+    <mc:Choice xmlns:p14="http://schemas.microsoft.com/office/powerpoint/2010/main" xmlns="" Requires="p14">
+      <p:transition spd="med" p14:dur="700">
+        <p:fade/>
+      </p:transition>
+    </mc:Choice>
+    <mc:Fallback>
+      <p:transition spd="med">
+        <p:fade/>
+      </p:transition>
+    </mc:Fallback>
+  </mc:AlternateContent>
+  <p:timing>
+    <p:tnLst>
+      <p:par>
+        <p:cTn id="1" dur="indefinite" restart="never" nodeType="tmRoot"/>
+      </p:par>
+    </p:tnLst>
+  </p:timing>
+</p:sld>
+</file>
+
+<file path=ppt/slides/slide15.xml><?xml version="1.0" encoding="utf-8"?>
+<p:sld xmlns:a="http://schemas.openxmlformats.org/drawingml/2006/main" xmlns:r="http://schemas.openxmlformats.org/officeDocument/2006/relationships" xmlns:p="http://schemas.openxmlformats.org/presentationml/2006/main">
+  <p:cSld>
+    <p:spTree>
+      <p:nvGrpSpPr>
+        <p:cNvPr id="1" name=""/>
+        <p:cNvGrpSpPr/>
+        <p:nvPr/>
+      </p:nvGrpSpPr>
+      <p:grpSpPr>
+        <a:xfrm>
+          <a:off x="0" y="0"/>
+          <a:ext cx="0" cy="0"/>
+          <a:chOff x="0" y="0"/>
+          <a:chExt cx="0" cy="0"/>
+        </a:xfrm>
+      </p:grpSpPr>
+      <p:sp>
+        <p:nvSpPr>
+          <p:cNvPr id="2" name="Titel 1"/>
+          <p:cNvSpPr>
+            <a:spLocks noGrp="1"/>
+          </p:cNvSpPr>
+          <p:nvPr>
+            <p:ph type="title"/>
+          </p:nvPr>
+        </p:nvSpPr>
+        <p:spPr/>
+        <p:txBody>
+          <a:bodyPr/>
+          <a:lstStyle/>
+          <a:p>
+            <a:r>
+              <a:rPr lang="de-CH" dirty="0" smtClean="0"/>
+              <a:t>Was lief gut?</a:t>
+            </a:r>
+            <a:endParaRPr lang="de-CH" dirty="0" smtClean="0"/>
           </a:p>
         </p:txBody>
       </p:sp>
@@ -5303,12 +9240,7 @@
             <p:ph idx="1"/>
           </p:nvPr>
         </p:nvSpPr>
-        <p:spPr>
-          <a:xfrm>
-            <a:off x="1522413" y="1797558"/>
-            <a:ext cx="3923928" cy="4223730"/>
-          </a:xfrm>
-        </p:spPr>
+        <p:spPr/>
         <p:txBody>
           <a:bodyPr>
             <a:normAutofit/>
@@ -5317,16 +9249,56 @@
           <a:p>
             <a:r>
               <a:rPr lang="de-CH" dirty="0" smtClean="0"/>
-              <a:t>Was lief gut?</a:t>
+              <a:t>Initialisierungsphase</a:t>
+            </a:r>
+          </a:p>
+          <a:p>
+            <a:pPr lvl="2"/>
+            <a:r>
+              <a:rPr lang="de-CH" dirty="0" smtClean="0"/>
+              <a:t>Vorbereitung </a:t>
+            </a:r>
+          </a:p>
+          <a:p>
+            <a:pPr lvl="2"/>
+            <a:r>
+              <a:rPr lang="de-CH" dirty="0" smtClean="0"/>
+              <a:t>Methodik</a:t>
+            </a:r>
+          </a:p>
+          <a:p>
+            <a:pPr lvl="2"/>
+            <a:r>
+              <a:rPr lang="de-CH" dirty="0" smtClean="0"/>
+              <a:t>Planung aufstellen</a:t>
             </a:r>
           </a:p>
           <a:p>
             <a:pPr lvl="1"/>
+            <a:endParaRPr lang="de-CH" dirty="0" smtClean="0"/>
+          </a:p>
+        </p:txBody>
+      </p:sp>
+      <p:sp>
+        <p:nvSpPr>
+          <p:cNvPr id="5" name="Inhaltsplatzhalter 4"/>
+          <p:cNvSpPr>
+            <a:spLocks noGrp="1"/>
+          </p:cNvSpPr>
+          <p:nvPr>
+            <p:ph idx="13"/>
+          </p:nvPr>
+        </p:nvSpPr>
+        <p:spPr/>
+        <p:txBody>
+          <a:bodyPr/>
+          <a:lstStyle/>
+          <a:p>
             <a:r>
               <a:rPr lang="de-CH" dirty="0" smtClean="0"/>
-              <a:t>..</a:t>
-            </a:r>
-            <a:endParaRPr lang="de-CH" dirty="0"/>
+              <a:t>Rückblick  - Was lief gut? </a:t>
+            </a:r>
+            <a:endParaRPr lang="en-US" dirty="0"/>
           </a:p>
         </p:txBody>
       </p:sp>
@@ -5573,6 +9545,475 @@
 </p:sld>
 </file>
 
+<file path=ppt/slides/slide16.xml><?xml version="1.0" encoding="utf-8"?>
+<p:sld xmlns:a="http://schemas.openxmlformats.org/drawingml/2006/main" xmlns:r="http://schemas.openxmlformats.org/officeDocument/2006/relationships" xmlns:p="http://schemas.openxmlformats.org/presentationml/2006/main">
+  <p:cSld>
+    <p:spTree>
+      <p:nvGrpSpPr>
+        <p:cNvPr id="1" name=""/>
+        <p:cNvGrpSpPr/>
+        <p:nvPr/>
+      </p:nvGrpSpPr>
+      <p:grpSpPr>
+        <a:xfrm>
+          <a:off x="0" y="0"/>
+          <a:ext cx="0" cy="0"/>
+          <a:chOff x="0" y="0"/>
+          <a:chExt cx="0" cy="0"/>
+        </a:xfrm>
+      </p:grpSpPr>
+      <p:sp>
+        <p:nvSpPr>
+          <p:cNvPr id="2" name="Titel 1"/>
+          <p:cNvSpPr>
+            <a:spLocks noGrp="1"/>
+          </p:cNvSpPr>
+          <p:nvPr>
+            <p:ph type="title"/>
+          </p:nvPr>
+        </p:nvSpPr>
+        <p:spPr/>
+        <p:txBody>
+          <a:bodyPr/>
+          <a:lstStyle/>
+          <a:p>
+            <a:r>
+              <a:rPr lang="de-CH" dirty="0" smtClean="0"/>
+              <a:t>Verbesserungsmassnahmen</a:t>
+            </a:r>
+            <a:endParaRPr lang="de-CH" dirty="0"/>
+          </a:p>
+        </p:txBody>
+      </p:sp>
+      <p:sp>
+        <p:nvSpPr>
+          <p:cNvPr id="3" name="Inhaltsplatzhalter 2"/>
+          <p:cNvSpPr>
+            <a:spLocks noGrp="1"/>
+          </p:cNvSpPr>
+          <p:nvPr>
+            <p:ph idx="1"/>
+          </p:nvPr>
+        </p:nvSpPr>
+        <p:spPr/>
+        <p:txBody>
+          <a:bodyPr>
+            <a:normAutofit/>
+          </a:bodyPr>
+          <a:lstStyle/>
+          <a:p>
+            <a:r>
+              <a:rPr lang="de-CH" dirty="0" smtClean="0"/>
+              <a:t>Initialisierung mehr Zeit aufwenden.</a:t>
+            </a:r>
+            <a:endParaRPr lang="de-CH" dirty="0" smtClean="0"/>
+          </a:p>
+        </p:txBody>
+      </p:sp>
+      <p:sp>
+        <p:nvSpPr>
+          <p:cNvPr id="5" name="Inhaltsplatzhalter 4"/>
+          <p:cNvSpPr>
+            <a:spLocks noGrp="1"/>
+          </p:cNvSpPr>
+          <p:nvPr>
+            <p:ph idx="13"/>
+          </p:nvPr>
+        </p:nvSpPr>
+        <p:spPr/>
+        <p:txBody>
+          <a:bodyPr/>
+          <a:lstStyle/>
+          <a:p>
+            <a:r>
+              <a:rPr lang="de-CH" dirty="0" smtClean="0"/>
+              <a:t>Rückblick  - Verbesserungsmassnahmen.</a:t>
+            </a:r>
+            <a:endParaRPr lang="en-US" dirty="0"/>
+          </a:p>
+        </p:txBody>
+      </p:sp>
+      <p:sp>
+        <p:nvSpPr>
+          <p:cNvPr id="4" name="Inhaltsplatzhalter 2"/>
+          <p:cNvSpPr txBox="1">
+            <a:spLocks/>
+          </p:cNvSpPr>
+          <p:nvPr/>
+        </p:nvSpPr>
+        <p:spPr>
+          <a:xfrm>
+            <a:off x="6382444" y="1797558"/>
+            <a:ext cx="3923928" cy="4223730"/>
+          </a:xfrm>
+          <a:prstGeom prst="rect">
+            <a:avLst/>
+          </a:prstGeom>
+          <a:noFill/>
+        </p:spPr>
+        <p:txBody>
+          <a:bodyPr vert="horz" lIns="91440" tIns="45720" rIns="91440" bIns="45720" rtlCol="0">
+            <a:normAutofit/>
+          </a:bodyPr>
+          <a:lstStyle>
+            <a:lvl1pPr marL="274320" indent="-274320" algn="l" defTabSz="914400" rtl="0" eaLnBrk="1" latinLnBrk="0" hangingPunct="1">
+              <a:lnSpc>
+                <a:spcPct val="90000"/>
+              </a:lnSpc>
+              <a:spcBef>
+                <a:spcPts val="1800"/>
+              </a:spcBef>
+              <a:buSzPct val="80000"/>
+              <a:buFont typeface="Wingdings" pitchFamily="2" charset="2"/>
+              <a:buChar char="§"/>
+              <a:defRPr sz="2400" kern="1200">
+                <a:solidFill>
+                  <a:schemeClr val="tx1"/>
+                </a:solidFill>
+                <a:latin typeface="+mj-lt"/>
+                <a:ea typeface="+mn-ea"/>
+                <a:cs typeface="+mn-cs"/>
+              </a:defRPr>
+            </a:lvl1pPr>
+            <a:lvl2pPr marL="548640" indent="-274320" algn="l" defTabSz="914400" rtl="0" eaLnBrk="1" latinLnBrk="0" hangingPunct="1">
+              <a:lnSpc>
+                <a:spcPct val="90000"/>
+              </a:lnSpc>
+              <a:spcBef>
+                <a:spcPts val="600"/>
+              </a:spcBef>
+              <a:buSzPct val="100000"/>
+              <a:buFont typeface="Consolas" pitchFamily="49" charset="0"/>
+              <a:buChar char="–"/>
+              <a:defRPr sz="2000" kern="1200">
+                <a:solidFill>
+                  <a:schemeClr val="tx1"/>
+                </a:solidFill>
+                <a:latin typeface="+mj-lt"/>
+                <a:ea typeface="+mn-ea"/>
+                <a:cs typeface="+mn-cs"/>
+              </a:defRPr>
+            </a:lvl2pPr>
+            <a:lvl3pPr marL="777240" indent="-228600" algn="l" defTabSz="914400" rtl="0" eaLnBrk="1" latinLnBrk="0" hangingPunct="1">
+              <a:lnSpc>
+                <a:spcPct val="90000"/>
+              </a:lnSpc>
+              <a:spcBef>
+                <a:spcPts val="600"/>
+              </a:spcBef>
+              <a:buSzPct val="80000"/>
+              <a:buFont typeface="Wingdings" pitchFamily="2" charset="2"/>
+              <a:buChar char="§"/>
+              <a:defRPr sz="1800" kern="1200">
+                <a:solidFill>
+                  <a:schemeClr val="tx1"/>
+                </a:solidFill>
+                <a:latin typeface="+mj-lt"/>
+                <a:ea typeface="+mn-ea"/>
+                <a:cs typeface="+mn-cs"/>
+              </a:defRPr>
+            </a:lvl3pPr>
+            <a:lvl4pPr marL="1005840" indent="-228600" algn="l" defTabSz="914400" rtl="0" eaLnBrk="1" latinLnBrk="0" hangingPunct="1">
+              <a:lnSpc>
+                <a:spcPct val="90000"/>
+              </a:lnSpc>
+              <a:spcBef>
+                <a:spcPts val="600"/>
+              </a:spcBef>
+              <a:buSzPct val="100000"/>
+              <a:buFont typeface="Consolas" pitchFamily="49" charset="0"/>
+              <a:buChar char="–"/>
+              <a:defRPr sz="1600" kern="1200">
+                <a:solidFill>
+                  <a:schemeClr val="tx1"/>
+                </a:solidFill>
+                <a:latin typeface="+mj-lt"/>
+                <a:ea typeface="+mn-ea"/>
+                <a:cs typeface="+mn-cs"/>
+              </a:defRPr>
+            </a:lvl4pPr>
+            <a:lvl5pPr marL="1234440" indent="-228600" algn="l" defTabSz="914400" rtl="0" eaLnBrk="1" latinLnBrk="0" hangingPunct="1">
+              <a:lnSpc>
+                <a:spcPct val="90000"/>
+              </a:lnSpc>
+              <a:spcBef>
+                <a:spcPts val="600"/>
+              </a:spcBef>
+              <a:buSzPct val="80000"/>
+              <a:buFont typeface="Wingdings" pitchFamily="2" charset="2"/>
+              <a:buChar char="§"/>
+              <a:defRPr sz="1600" kern="1200">
+                <a:solidFill>
+                  <a:schemeClr val="tx1"/>
+                </a:solidFill>
+                <a:latin typeface="+mj-lt"/>
+                <a:ea typeface="+mn-ea"/>
+                <a:cs typeface="+mn-cs"/>
+              </a:defRPr>
+            </a:lvl5pPr>
+            <a:lvl6pPr marL="1463040" indent="-228600" algn="l" defTabSz="914400" rtl="0" eaLnBrk="1" latinLnBrk="0" hangingPunct="1">
+              <a:lnSpc>
+                <a:spcPct val="90000"/>
+              </a:lnSpc>
+              <a:spcBef>
+                <a:spcPts val="600"/>
+              </a:spcBef>
+              <a:buSzPct val="100000"/>
+              <a:buFont typeface="Consolas" pitchFamily="49" charset="0"/>
+              <a:buChar char="–"/>
+              <a:defRPr sz="1600" kern="1200" baseline="0">
+                <a:solidFill>
+                  <a:schemeClr val="tx1"/>
+                </a:solidFill>
+                <a:latin typeface="+mn-lt"/>
+                <a:ea typeface="+mn-ea"/>
+                <a:cs typeface="+mn-cs"/>
+              </a:defRPr>
+            </a:lvl6pPr>
+            <a:lvl7pPr marL="1691640" indent="-228600" algn="l" defTabSz="914400" rtl="0" eaLnBrk="1" latinLnBrk="0" hangingPunct="1">
+              <a:lnSpc>
+                <a:spcPct val="90000"/>
+              </a:lnSpc>
+              <a:spcBef>
+                <a:spcPts val="600"/>
+              </a:spcBef>
+              <a:buSzPct val="80000"/>
+              <a:buFont typeface="Wingdings" pitchFamily="2" charset="2"/>
+              <a:buChar char="§"/>
+              <a:defRPr sz="1600" kern="1200" baseline="0">
+                <a:solidFill>
+                  <a:schemeClr val="tx1"/>
+                </a:solidFill>
+                <a:latin typeface="+mn-lt"/>
+                <a:ea typeface="+mn-ea"/>
+                <a:cs typeface="+mn-cs"/>
+              </a:defRPr>
+            </a:lvl7pPr>
+            <a:lvl8pPr marL="1920240" indent="-228600" algn="l" defTabSz="914400" rtl="0" eaLnBrk="1" latinLnBrk="0" hangingPunct="1">
+              <a:lnSpc>
+                <a:spcPct val="90000"/>
+              </a:lnSpc>
+              <a:spcBef>
+                <a:spcPts val="600"/>
+              </a:spcBef>
+              <a:buSzPct val="100000"/>
+              <a:buFont typeface="Consolas" pitchFamily="49" charset="0"/>
+              <a:buChar char="–"/>
+              <a:defRPr sz="1600" kern="1200" baseline="0">
+                <a:solidFill>
+                  <a:schemeClr val="tx1"/>
+                </a:solidFill>
+                <a:latin typeface="+mn-lt"/>
+                <a:ea typeface="+mn-ea"/>
+                <a:cs typeface="+mn-cs"/>
+              </a:defRPr>
+            </a:lvl8pPr>
+            <a:lvl9pPr marL="2148840" indent="-228600" algn="l" defTabSz="914400" rtl="0" eaLnBrk="1" latinLnBrk="0" hangingPunct="1">
+              <a:lnSpc>
+                <a:spcPct val="90000"/>
+              </a:lnSpc>
+              <a:spcBef>
+                <a:spcPts val="600"/>
+              </a:spcBef>
+              <a:buSzPct val="80000"/>
+              <a:buFont typeface="Wingdings" pitchFamily="2" charset="2"/>
+              <a:buChar char="§"/>
+              <a:defRPr sz="1600" kern="1200" baseline="0">
+                <a:solidFill>
+                  <a:schemeClr val="tx1"/>
+                </a:solidFill>
+                <a:latin typeface="+mn-lt"/>
+                <a:ea typeface="+mn-ea"/>
+                <a:cs typeface="+mn-cs"/>
+              </a:defRPr>
+            </a:lvl9pPr>
+          </a:lstStyle>
+          <a:p>
+            <a:r>
+              <a:rPr lang="de-CH" dirty="0" smtClean="0"/>
+              <a:t>Was lief schlecht?</a:t>
+            </a:r>
+          </a:p>
+          <a:p>
+            <a:pPr lvl="1"/>
+            <a:r>
+              <a:rPr lang="de-CH" dirty="0" smtClean="0"/>
+              <a:t>Zeit verloren mit DB Modell</a:t>
+            </a:r>
+            <a:endParaRPr lang="de-CH" dirty="0"/>
+          </a:p>
+        </p:txBody>
+      </p:sp>
+    </p:spTree>
+    <p:extLst>
+      <p:ext uri="{BB962C8B-B14F-4D97-AF65-F5344CB8AC3E}">
+        <p14:creationId xmlns:p14="http://schemas.microsoft.com/office/powerpoint/2010/main" xmlns="" val="1720590291"/>
+      </p:ext>
+    </p:extLst>
+  </p:cSld>
+  <p:clrMapOvr>
+    <a:masterClrMapping/>
+  </p:clrMapOvr>
+  <mc:AlternateContent xmlns:mc="http://schemas.openxmlformats.org/markup-compatibility/2006">
+    <mc:Choice xmlns:p14="http://schemas.microsoft.com/office/powerpoint/2010/main" xmlns="" Requires="p14">
+      <p:transition spd="med" p14:dur="700">
+        <p:fade/>
+      </p:transition>
+    </mc:Choice>
+    <mc:Fallback>
+      <p:transition spd="med">
+        <p:fade/>
+      </p:transition>
+    </mc:Fallback>
+  </mc:AlternateContent>
+  <p:timing>
+    <p:tnLst>
+      <p:par>
+        <p:cTn id="1" dur="indefinite" restart="never" nodeType="tmRoot"/>
+      </p:par>
+    </p:tnLst>
+  </p:timing>
+</p:sld>
+</file>
+
+<file path=ppt/slides/slide17.xml><?xml version="1.0" encoding="utf-8"?>
+<p:sld xmlns:a="http://schemas.openxmlformats.org/drawingml/2006/main" xmlns:r="http://schemas.openxmlformats.org/officeDocument/2006/relationships" xmlns:p="http://schemas.openxmlformats.org/presentationml/2006/main">
+  <p:cSld>
+    <p:spTree>
+      <p:nvGrpSpPr>
+        <p:cNvPr id="1" name=""/>
+        <p:cNvGrpSpPr/>
+        <p:nvPr/>
+      </p:nvGrpSpPr>
+      <p:grpSpPr>
+        <a:xfrm>
+          <a:off x="0" y="0"/>
+          <a:ext cx="0" cy="0"/>
+          <a:chOff x="0" y="0"/>
+          <a:chExt cx="0" cy="0"/>
+        </a:xfrm>
+      </p:grpSpPr>
+      <p:sp>
+        <p:nvSpPr>
+          <p:cNvPr id="9" name="Titel 8"/>
+          <p:cNvSpPr>
+            <a:spLocks noGrp="1"/>
+          </p:cNvSpPr>
+          <p:nvPr>
+            <p:ph type="title"/>
+          </p:nvPr>
+        </p:nvSpPr>
+        <p:spPr/>
+        <p:txBody>
+          <a:bodyPr/>
+          <a:lstStyle/>
+          <a:p>
+            <a:r>
+              <a:rPr lang="de-CH" dirty="0" smtClean="0"/>
+              <a:t>Fragen?</a:t>
+            </a:r>
+            <a:endParaRPr lang="en-US" dirty="0"/>
+          </a:p>
+        </p:txBody>
+      </p:sp>
+      <p:sp>
+        <p:nvSpPr>
+          <p:cNvPr id="7" name="Inhaltsplatzhalter 6"/>
+          <p:cNvSpPr>
+            <a:spLocks noGrp="1"/>
+          </p:cNvSpPr>
+          <p:nvPr>
+            <p:ph idx="1"/>
+          </p:nvPr>
+        </p:nvSpPr>
+        <p:spPr/>
+        <p:txBody>
+          <a:bodyPr/>
+          <a:lstStyle/>
+          <a:p>
+            <a:pPr>
+              <a:buNone/>
+            </a:pPr>
+            <a:endParaRPr lang="en-US" dirty="0"/>
+          </a:p>
+        </p:txBody>
+      </p:sp>
+      <p:sp>
+        <p:nvSpPr>
+          <p:cNvPr id="10" name="Inhaltsplatzhalter 9"/>
+          <p:cNvSpPr>
+            <a:spLocks noGrp="1"/>
+          </p:cNvSpPr>
+          <p:nvPr>
+            <p:ph idx="13"/>
+          </p:nvPr>
+        </p:nvSpPr>
+        <p:spPr/>
+        <p:txBody>
+          <a:bodyPr/>
+          <a:lstStyle/>
+          <a:p>
+            <a:r>
+              <a:rPr lang="de-CH" dirty="0" smtClean="0"/>
+              <a:t>Fragen</a:t>
+            </a:r>
+            <a:endParaRPr lang="en-US" dirty="0"/>
+          </a:p>
+        </p:txBody>
+      </p:sp>
+      <p:pic>
+        <p:nvPicPr>
+          <p:cNvPr id="2050" name="Picture 2" descr="http://entertecno.com/wp-content/uploads/2013/05/Droid-Question.jpg"/>
+          <p:cNvPicPr>
+            <a:picLocks noChangeAspect="1" noChangeArrowheads="1"/>
+          </p:cNvPicPr>
+          <p:nvPr/>
+        </p:nvPicPr>
+        <p:blipFill>
+          <a:blip r:embed="rId2" cstate="print"/>
+          <a:srcRect/>
+          <a:stretch>
+            <a:fillRect/>
+          </a:stretch>
+        </p:blipFill>
+        <p:spPr bwMode="auto">
+          <a:xfrm>
+            <a:off x="4006180" y="1711312"/>
+            <a:ext cx="2880319" cy="4099808"/>
+          </a:xfrm>
+          <a:prstGeom prst="rect">
+            <a:avLst/>
+          </a:prstGeom>
+          <a:noFill/>
+        </p:spPr>
+      </p:pic>
+    </p:spTree>
+  </p:cSld>
+  <p:clrMapOvr>
+    <a:masterClrMapping/>
+  </p:clrMapOvr>
+  <mc:AlternateContent xmlns:mc="http://schemas.openxmlformats.org/markup-compatibility/2006">
+    <mc:Choice xmlns:p14="http://schemas.microsoft.com/office/powerpoint/2010/main" xmlns="" Requires="p14">
+      <p:transition spd="med" p14:dur="700">
+        <p:fade/>
+      </p:transition>
+    </mc:Choice>
+    <mc:Fallback>
+      <p:transition spd="med">
+        <p:fade/>
+      </p:transition>
+    </mc:Fallback>
+  </mc:AlternateContent>
+  <p:timing>
+    <p:tnLst>
+      <p:par>
+        <p:cTn id="1" dur="indefinite" restart="never" nodeType="tmRoot"/>
+      </p:par>
+    </p:tnLst>
+  </p:timing>
+</p:sld>
+</file>
+
 <file path=ppt/slides/slide2.xml><?xml version="1.0" encoding="utf-8"?>
 <p:sld xmlns:a="http://schemas.openxmlformats.org/drawingml/2006/main" xmlns:r="http://schemas.openxmlformats.org/officeDocument/2006/relationships" xmlns:p="http://schemas.openxmlformats.org/presentationml/2006/main">
   <p:cSld>
@@ -5607,7 +10048,7 @@
           <a:p>
             <a:r>
               <a:rPr lang="de-CH" dirty="0" smtClean="0"/>
-              <a:t>Inhalt();</a:t>
+              <a:t>Inhalt</a:t>
             </a:r>
             <a:endParaRPr lang="de-CH" dirty="0"/>
           </a:p>
@@ -5626,7 +10067,7 @@
         <p:spPr/>
         <p:txBody>
           <a:bodyPr>
-            <a:normAutofit fontScale="92500" lnSpcReduction="10000"/>
+            <a:normAutofit fontScale="92500" lnSpcReduction="20000"/>
           </a:bodyPr>
           <a:lstStyle/>
           <a:p>
@@ -5708,6 +10149,13 @@
             <a:r>
               <a:rPr lang="de-CH" dirty="0" err="1" smtClean="0"/>
               <a:t>learned</a:t>
+            </a:r>
+            <a:endParaRPr lang="de-CH" dirty="0" smtClean="0"/>
+          </a:p>
+          <a:p>
+            <a:r>
+              <a:rPr lang="de-CH" dirty="0" smtClean="0"/>
+              <a:t>Fragen</a:t>
             </a:r>
             <a:endParaRPr lang="de-CH" dirty="0"/>
           </a:p>
@@ -5779,9 +10227,64 @@
           <a:p>
             <a:r>
               <a:rPr lang="de-CH" dirty="0" smtClean="0"/>
-              <a:t>Projektidee();</a:t>
+              <a:t>Überblick</a:t>
             </a:r>
             <a:endParaRPr lang="de-CH" dirty="0"/>
+          </a:p>
+        </p:txBody>
+      </p:sp>
+      <p:sp>
+        <p:nvSpPr>
+          <p:cNvPr id="6" name="Inhaltsplatzhalter 5"/>
+          <p:cNvSpPr>
+            <a:spLocks noGrp="1"/>
+          </p:cNvSpPr>
+          <p:nvPr>
+            <p:ph idx="1"/>
+          </p:nvPr>
+        </p:nvSpPr>
+        <p:spPr>
+          <a:xfrm>
+            <a:off x="1522413" y="1797558"/>
+            <a:ext cx="5652120" cy="4223730"/>
+          </a:xfrm>
+        </p:spPr>
+        <p:txBody>
+          <a:bodyPr/>
+          <a:lstStyle/>
+          <a:p>
+            <a:r>
+              <a:rPr lang="de-CH" dirty="0" smtClean="0"/>
+              <a:t>Bild mit Cards einfügen! (wo find ich das?)</a:t>
+            </a:r>
+            <a:endParaRPr lang="de-CH" dirty="0"/>
+          </a:p>
+        </p:txBody>
+      </p:sp>
+      <p:sp>
+        <p:nvSpPr>
+          <p:cNvPr id="5" name="Inhaltsplatzhalter 4"/>
+          <p:cNvSpPr>
+            <a:spLocks noGrp="1"/>
+          </p:cNvSpPr>
+          <p:nvPr>
+            <p:ph idx="13"/>
+          </p:nvPr>
+        </p:nvSpPr>
+        <p:spPr/>
+        <p:txBody>
+          <a:bodyPr/>
+          <a:lstStyle/>
+          <a:p>
+            <a:r>
+              <a:rPr lang="de-CH" dirty="0" smtClean="0"/>
+              <a:t>Projektidee - </a:t>
+            </a:r>
+            <a:r>
+              <a:rPr lang="de-CH" dirty="0" smtClean="0"/>
+              <a:t>Überblick</a:t>
+            </a:r>
+            <a:endParaRPr lang="en-US" dirty="0"/>
           </a:p>
         </p:txBody>
       </p:sp>
@@ -5808,7 +10311,7 @@
         </p:blipFill>
         <p:spPr bwMode="auto">
           <a:xfrm>
-            <a:off x="8398668" y="1797558"/>
+            <a:off x="7318548" y="1988840"/>
             <a:ext cx="3410553" cy="1895867"/>
           </a:xfrm>
           <a:prstGeom prst="rect">
@@ -5826,29 +10329,6 @@
           </a:extLst>
         </p:spPr>
       </p:pic>
-      <p:sp>
-        <p:nvSpPr>
-          <p:cNvPr id="6" name="Inhaltsplatzhalter 5"/>
-          <p:cNvSpPr>
-            <a:spLocks noGrp="1"/>
-          </p:cNvSpPr>
-          <p:nvPr>
-            <p:ph idx="1"/>
-          </p:nvPr>
-        </p:nvSpPr>
-        <p:spPr/>
-        <p:txBody>
-          <a:bodyPr/>
-          <a:lstStyle/>
-          <a:p>
-            <a:r>
-              <a:rPr lang="de-CH" dirty="0" smtClean="0"/>
-              <a:t>Bild mit Cards einfügen! (wo find ich das?)</a:t>
-            </a:r>
-            <a:endParaRPr lang="de-CH" dirty="0"/>
-          </a:p>
-        </p:txBody>
-      </p:sp>
     </p:spTree>
     <p:extLst>
       <p:ext uri="{BB962C8B-B14F-4D97-AF65-F5344CB8AC3E}">
@@ -5915,7 +10395,7 @@
           <a:p>
             <a:r>
               <a:rPr lang="de-CH" dirty="0" smtClean="0"/>
-              <a:t>Projektidee();</a:t>
+              <a:t>Ziele</a:t>
             </a:r>
             <a:endParaRPr lang="de-CH" dirty="0"/>
           </a:p>
@@ -5958,12 +10438,12 @@
           <a:p>
             <a:pPr lvl="1"/>
             <a:r>
-              <a:rPr lang="de-CH" dirty="0" err="1" smtClean="0"/>
-              <a:t>Detailierte</a:t>
-            </a:r>
-            <a:r>
               <a:rPr lang="de-CH" dirty="0" smtClean="0"/>
-              <a:t> Spielresultate bereits ausgetragener Spiele anzeigen</a:t>
+              <a:t>Detaillierte </a:t>
+            </a:r>
+            <a:r>
+              <a:rPr lang="de-CH" dirty="0" smtClean="0"/>
+              <a:t>Spielresultate bereits ausgetragener Spiele anzeigen</a:t>
             </a:r>
           </a:p>
           <a:p>
@@ -5994,6 +10474,29 @@
               <a:t> Link einfügen</a:t>
             </a:r>
             <a:endParaRPr lang="de-CH" dirty="0"/>
+          </a:p>
+        </p:txBody>
+      </p:sp>
+      <p:sp>
+        <p:nvSpPr>
+          <p:cNvPr id="4" name="Inhaltsplatzhalter 3"/>
+          <p:cNvSpPr>
+            <a:spLocks noGrp="1"/>
+          </p:cNvSpPr>
+          <p:nvPr>
+            <p:ph idx="13"/>
+          </p:nvPr>
+        </p:nvSpPr>
+        <p:spPr/>
+        <p:txBody>
+          <a:bodyPr/>
+          <a:lstStyle/>
+          <a:p>
+            <a:r>
+              <a:rPr lang="de-CH" dirty="0" smtClean="0"/>
+              <a:t>Projektidee - Ziele</a:t>
+            </a:r>
+            <a:endParaRPr lang="en-US" dirty="0"/>
           </a:p>
         </p:txBody>
       </p:sp>
@@ -6097,6 +10600,25 @@
           </a:p>
         </p:txBody>
       </p:sp>
+      <p:sp>
+        <p:nvSpPr>
+          <p:cNvPr id="5" name="Inhaltsplatzhalter 4"/>
+          <p:cNvSpPr>
+            <a:spLocks noGrp="1"/>
+          </p:cNvSpPr>
+          <p:nvPr>
+            <p:ph idx="13"/>
+          </p:nvPr>
+        </p:nvSpPr>
+        <p:spPr/>
+        <p:txBody>
+          <a:bodyPr/>
+          <a:lstStyle/>
+          <a:p>
+            <a:endParaRPr lang="en-US"/>
+          </a:p>
+        </p:txBody>
+      </p:sp>
       <p:pic>
         <p:nvPicPr>
           <p:cNvPr id="4" name="Grafik 3"/>
@@ -6113,8 +10635,8 @@
         </p:blipFill>
         <p:spPr>
           <a:xfrm>
-            <a:off x="1845940" y="2219798"/>
-            <a:ext cx="6114665" cy="4328966"/>
+            <a:off x="1845941" y="2219798"/>
+            <a:ext cx="4824536" cy="3415600"/>
           </a:xfrm>
           <a:prstGeom prst="rect">
             <a:avLst/>
@@ -6215,6 +10737,25 @@
               <a:t>Planung</a:t>
             </a:r>
             <a:endParaRPr lang="de-CH" dirty="0"/>
+          </a:p>
+        </p:txBody>
+      </p:sp>
+      <p:sp>
+        <p:nvSpPr>
+          <p:cNvPr id="5" name="Inhaltsplatzhalter 4"/>
+          <p:cNvSpPr>
+            <a:spLocks noGrp="1"/>
+          </p:cNvSpPr>
+          <p:nvPr>
+            <p:ph idx="13"/>
+          </p:nvPr>
+        </p:nvSpPr>
+        <p:spPr/>
+        <p:txBody>
+          <a:bodyPr/>
+          <a:lstStyle/>
+          <a:p>
+            <a:endParaRPr lang="en-US"/>
           </a:p>
         </p:txBody>
       </p:sp>
@@ -6339,6 +10880,25 @@
           </a:p>
         </p:txBody>
       </p:sp>
+      <p:sp>
+        <p:nvSpPr>
+          <p:cNvPr id="4" name="Inhaltsplatzhalter 3"/>
+          <p:cNvSpPr>
+            <a:spLocks noGrp="1"/>
+          </p:cNvSpPr>
+          <p:nvPr>
+            <p:ph idx="13"/>
+          </p:nvPr>
+        </p:nvSpPr>
+        <p:spPr/>
+        <p:txBody>
+          <a:bodyPr/>
+          <a:lstStyle/>
+          <a:p>
+            <a:endParaRPr lang="en-US"/>
+          </a:p>
+        </p:txBody>
+      </p:sp>
     </p:spTree>
     <p:extLst>
       <p:ext uri="{BB962C8B-B14F-4D97-AF65-F5344CB8AC3E}">
@@ -6489,6 +11049,25 @@
           </a:p>
         </p:txBody>
       </p:sp>
+      <p:sp>
+        <p:nvSpPr>
+          <p:cNvPr id="4" name="Inhaltsplatzhalter 3"/>
+          <p:cNvSpPr>
+            <a:spLocks noGrp="1"/>
+          </p:cNvSpPr>
+          <p:nvPr>
+            <p:ph idx="13"/>
+          </p:nvPr>
+        </p:nvSpPr>
+        <p:spPr/>
+        <p:txBody>
+          <a:bodyPr/>
+          <a:lstStyle/>
+          <a:p>
+            <a:endParaRPr lang="en-US"/>
+          </a:p>
+        </p:txBody>
+      </p:sp>
     </p:spTree>
     <p:extLst>
       <p:ext uri="{BB962C8B-B14F-4D97-AF65-F5344CB8AC3E}">
@@ -6563,7 +11142,7 @@
       </p:sp>
       <p:sp>
         <p:nvSpPr>
-          <p:cNvPr id="3" name="Inhaltsplatzhalter 2"/>
+          <p:cNvPr id="6" name="Inhaltsplatzhalter 5"/>
           <p:cNvSpPr>
             <a:spLocks noGrp="1"/>
           </p:cNvSpPr>
@@ -6573,15 +11152,29 @@
         </p:nvSpPr>
         <p:spPr/>
         <p:txBody>
-          <a:bodyPr>
-            <a:normAutofit/>
-          </a:bodyPr>
+          <a:bodyPr/>
           <a:lstStyle/>
           <a:p>
-            <a:pPr marL="0" indent="0">
-              <a:buNone/>
-            </a:pPr>
-            <a:endParaRPr lang="de-CH" dirty="0" smtClean="0"/>
+            <a:endParaRPr lang="en-US"/>
+          </a:p>
+        </p:txBody>
+      </p:sp>
+      <p:sp>
+        <p:nvSpPr>
+          <p:cNvPr id="7" name="Inhaltsplatzhalter 6"/>
+          <p:cNvSpPr>
+            <a:spLocks noGrp="1"/>
+          </p:cNvSpPr>
+          <p:nvPr>
+            <p:ph idx="13"/>
+          </p:nvPr>
+        </p:nvSpPr>
+        <p:spPr/>
+        <p:txBody>
+          <a:bodyPr/>
+          <a:lstStyle/>
+          <a:p>
+            <a:endParaRPr lang="en-US"/>
           </a:p>
         </p:txBody>
       </p:sp>

--- a/docs/Präsentation/Project-Presentation.pptx
+++ b/docs/Präsentation/Project-Presentation.pptx
@@ -5,29 +5,32 @@
     <p:sldMasterId id="2147483660" r:id="rId2"/>
   </p:sldMasterIdLst>
   <p:notesMasterIdLst>
-    <p:notesMasterId r:id="rId20"/>
+    <p:notesMasterId r:id="rId23"/>
   </p:notesMasterIdLst>
   <p:handoutMasterIdLst>
-    <p:handoutMasterId r:id="rId21"/>
+    <p:handoutMasterId r:id="rId24"/>
   </p:handoutMasterIdLst>
   <p:sldIdLst>
     <p:sldId id="256" r:id="rId3"/>
     <p:sldId id="257" r:id="rId4"/>
     <p:sldId id="261" r:id="rId5"/>
     <p:sldId id="263" r:id="rId6"/>
-    <p:sldId id="262" r:id="rId7"/>
+    <p:sldId id="273" r:id="rId7"/>
     <p:sldId id="258" r:id="rId8"/>
-    <p:sldId id="265" r:id="rId9"/>
-    <p:sldId id="260" r:id="rId10"/>
-    <p:sldId id="264" r:id="rId11"/>
-    <p:sldId id="266" r:id="rId12"/>
-    <p:sldId id="267" r:id="rId13"/>
-    <p:sldId id="268" r:id="rId14"/>
-    <p:sldId id="271" r:id="rId15"/>
-    <p:sldId id="272" r:id="rId16"/>
-    <p:sldId id="259" r:id="rId17"/>
-    <p:sldId id="270" r:id="rId18"/>
-    <p:sldId id="269" r:id="rId19"/>
+    <p:sldId id="275" r:id="rId9"/>
+    <p:sldId id="264" r:id="rId10"/>
+    <p:sldId id="274" r:id="rId11"/>
+    <p:sldId id="277" r:id="rId12"/>
+    <p:sldId id="278" r:id="rId13"/>
+    <p:sldId id="266" r:id="rId14"/>
+    <p:sldId id="267" r:id="rId15"/>
+    <p:sldId id="268" r:id="rId16"/>
+    <p:sldId id="271" r:id="rId17"/>
+    <p:sldId id="272" r:id="rId18"/>
+    <p:sldId id="259" r:id="rId19"/>
+    <p:sldId id="276" r:id="rId20"/>
+    <p:sldId id="270" r:id="rId21"/>
+    <p:sldId id="269" r:id="rId22"/>
   </p:sldIdLst>
   <p:sldSz cx="12188825" cy="6858000"/>
   <p:notesSz cx="6858000" cy="9144000"/>
@@ -128,7 +131,7 @@
   </p:defaultTextStyle>
   <p:extLst>
     <p:ext uri="{EFAFB233-063F-42B5-8137-9DF3F51BA10A}">
-      <p15:sldGuideLst xmlns:p15="http://schemas.microsoft.com/office/powerpoint/2012/main" xmlns="">
+      <p15:sldGuideLst xmlns:p15="http://schemas.microsoft.com/office/powerpoint/2012/main">
         <p15:guide id="1" orient="horz" pos="2160">
           <p15:clr>
             <a:srgbClr val="A4A3A4"/>
@@ -192,7 +195,7 @@
       </p15:sldGuideLst>
     </p:ext>
     <p:ext uri="{2D200454-40CA-4A62-9FC3-DE9A4176ACB9}">
-      <p15:notesGuideLst xmlns:p15="http://schemas.microsoft.com/office/powerpoint/2012/main" xmlns="">
+      <p15:notesGuideLst xmlns:p15="http://schemas.microsoft.com/office/powerpoint/2012/main">
         <p15:guide id="1" orient="horz" pos="2880">
           <p15:clr>
             <a:srgbClr val="A4A3A4"/>
@@ -207,6 +210,40 @@
     </p:ext>
   </p:extLst>
 </p:presentation>
+</file>
+
+<file path=ppt/commentAuthors.xml><?xml version="1.0" encoding="utf-8"?>
+<p:cmAuthorLst xmlns:a="http://schemas.openxmlformats.org/drawingml/2006/main" xmlns:r="http://schemas.openxmlformats.org/officeDocument/2006/relationships" xmlns:p="http://schemas.openxmlformats.org/presentationml/2006/main">
+  <p:cmAuthor id="2" name="Autor" initials="A" lastIdx="2" clrIdx="1"/>
+</p:cmAuthorLst>
+</file>
+
+<file path=ppt/comments/comment1.xml><?xml version="1.0" encoding="utf-8"?>
+<p:cmLst xmlns:a="http://schemas.openxmlformats.org/drawingml/2006/main" xmlns:r="http://schemas.openxmlformats.org/officeDocument/2006/relationships" xmlns:p="http://schemas.openxmlformats.org/presentationml/2006/main">
+  <p:cm authorId="2" dt="2015-07-06T22:57:33.807" idx="1">
+    <p:pos x="1634" y="2314"/>
+    <p:text>UI Bild</p:text>
+    <p:extLst>
+      <p:ext uri="{C676402C-5697-4E1C-873F-D02D1690AC5C}">
+        <p15:threadingInfo xmlns:p15="http://schemas.microsoft.com/office/powerpoint/2012/main" timeZoneBias="-120"/>
+      </p:ext>
+    </p:extLst>
+  </p:cm>
+</p:cmLst>
+</file>
+
+<file path=ppt/comments/comment2.xml><?xml version="1.0" encoding="utf-8"?>
+<p:cmLst xmlns:a="http://schemas.openxmlformats.org/drawingml/2006/main" xmlns:r="http://schemas.openxmlformats.org/officeDocument/2006/relationships" xmlns:p="http://schemas.openxmlformats.org/presentationml/2006/main">
+  <p:cm authorId="2" dt="2015-07-06T22:57:02.867" idx="2">
+    <p:pos x="1586" y="2394"/>
+    <p:text>UI BILD</p:text>
+    <p:extLst>
+      <p:ext uri="{C676402C-5697-4E1C-873F-D02D1690AC5C}">
+        <p15:threadingInfo xmlns:p15="http://schemas.microsoft.com/office/powerpoint/2012/main" timeZoneBias="-120"/>
+      </p:ext>
+    </p:extLst>
+  </p:cm>
+</p:cmLst>
 </file>
 
 <file path=ppt/diagrams/colors1.xml><?xml version="1.0" encoding="utf-8"?>
@@ -960,7 +997,7 @@
 <dgm:dataModel xmlns:dgm="http://schemas.openxmlformats.org/drawingml/2006/diagram" xmlns:a="http://schemas.openxmlformats.org/drawingml/2006/main">
   <dgm:ptLst>
     <dgm:pt modelId="{9879D029-26A6-478C-B171-97EE3A9F156A}" type="doc">
-      <dgm:prSet loTypeId="urn:microsoft.com/office/officeart/2005/8/layout/pList1" loCatId="list" qsTypeId="urn:microsoft.com/office/officeart/2005/8/quickstyle/simple1" qsCatId="simple" csTypeId="urn:microsoft.com/office/officeart/2005/8/colors/accent1_2" csCatId="accent1" phldr="1"/>
+      <dgm:prSet loTypeId="urn:microsoft.com/office/officeart/2005/8/layout/pList1#6" loCatId="list" qsTypeId="urn:microsoft.com/office/officeart/2005/8/quickstyle/simple1" qsCatId="simple" csTypeId="urn:microsoft.com/office/officeart/2005/8/colors/accent1_2" csCatId="accent1" phldr="1"/>
       <dgm:spPr/>
       <dgm:t>
         <a:bodyPr/>
@@ -1325,46 +1362,46 @@
     </dgm:pt>
   </dgm:ptLst>
   <dgm:cxnLst>
-    <dgm:cxn modelId="{E1496FD1-B7AC-4798-B326-D24F80D2D14E}" type="presOf" srcId="{3C3BB810-9202-4784-9E6F-0EB93693CCAD}" destId="{D2BA077C-B783-4392-A97F-F939D39ED622}" srcOrd="0" destOrd="0" presId="urn:microsoft.com/office/officeart/2005/8/layout/pList1"/>
-    <dgm:cxn modelId="{40373F19-AE93-4F0F-9820-D188E496E8D3}" type="presOf" srcId="{18666B4B-280A-42A5-8866-B9CAB13429B9}" destId="{416A3E39-CB94-44AE-B1B8-E268CC7EDF5A}" srcOrd="0" destOrd="0" presId="urn:microsoft.com/office/officeart/2005/8/layout/pList1"/>
-    <dgm:cxn modelId="{AB94E305-D6FD-4236-AC26-45A2D281A3F5}" type="presOf" srcId="{567F1739-7381-4F8E-B2EB-29A2F271D61B}" destId="{A1ED580F-4D2A-44EB-85C4-79FE44B5654C}" srcOrd="0" destOrd="0" presId="urn:microsoft.com/office/officeart/2005/8/layout/pList1"/>
-    <dgm:cxn modelId="{AB68A825-0BC1-49A7-86B9-6B0136E2A28E}" type="presOf" srcId="{CFCE1A4D-B8F4-4DFF-AF9D-4FC992C4B268}" destId="{868D0333-4692-4AB5-8CAE-8330DB6D5823}" srcOrd="0" destOrd="0" presId="urn:microsoft.com/office/officeart/2005/8/layout/pList1"/>
-    <dgm:cxn modelId="{6B41E439-1A90-475E-B3BB-36DD91DAD9CB}" type="presOf" srcId="{43F65780-48B0-4FCE-8AF6-EBBFAC3C7357}" destId="{A5A6BAEB-0EF3-4B2C-B4CF-093AEDF5E6A7}" srcOrd="0" destOrd="0" presId="urn:microsoft.com/office/officeart/2005/8/layout/pList1"/>
     <dgm:cxn modelId="{5D830E30-5AF0-4FB8-8840-15E4667BA48F}" srcId="{9879D029-26A6-478C-B171-97EE3A9F156A}" destId="{3C3BB810-9202-4784-9E6F-0EB93693CCAD}" srcOrd="3" destOrd="0" parTransId="{351BE4EE-BEF1-4818-96C8-80740F1B700A}" sibTransId="{6402D75B-D79D-491C-B858-7F8705C69069}"/>
-    <dgm:cxn modelId="{B33F440C-ECF0-4164-9375-01EB10D0B48A}" type="presOf" srcId="{9879D029-26A6-478C-B171-97EE3A9F156A}" destId="{7CEA8BF6-C807-415A-9042-FB1704AD24F4}" srcOrd="0" destOrd="0" presId="urn:microsoft.com/office/officeart/2005/8/layout/pList1"/>
+    <dgm:cxn modelId="{2458E770-C078-4F02-9998-7A5EDED12509}" type="presOf" srcId="{6A79A6D5-AC31-43DD-8D51-3886C9205C81}" destId="{8CE146AE-AE74-40B6-BE47-6B5768D6F72E}" srcOrd="0" destOrd="0" presId="urn:microsoft.com/office/officeart/2005/8/layout/pList1#6"/>
     <dgm:cxn modelId="{0891B44F-B2B0-4F2C-BDD2-A189B157D71C}" srcId="{9879D029-26A6-478C-B171-97EE3A9F156A}" destId="{0B904F64-2F0D-4C99-B591-25BD82FC5122}" srcOrd="1" destOrd="0" parTransId="{3E57E3C3-053D-46CB-9D0F-94BB3DACC1C4}" sibTransId="{567F1739-7381-4F8E-B2EB-29A2F271D61B}"/>
-    <dgm:cxn modelId="{D26A6C23-380C-4C8E-A146-3B58E3ACD18B}" type="presOf" srcId="{0B904F64-2F0D-4C99-B591-25BD82FC5122}" destId="{D335C2A7-E85A-48DA-BEA4-2CA79374D1E1}" srcOrd="0" destOrd="0" presId="urn:microsoft.com/office/officeart/2005/8/layout/pList1"/>
-    <dgm:cxn modelId="{2458E770-C078-4F02-9998-7A5EDED12509}" type="presOf" srcId="{6A79A6D5-AC31-43DD-8D51-3886C9205C81}" destId="{8CE146AE-AE74-40B6-BE47-6B5768D6F72E}" srcOrd="0" destOrd="0" presId="urn:microsoft.com/office/officeart/2005/8/layout/pList1"/>
+    <dgm:cxn modelId="{AB94E305-D6FD-4236-AC26-45A2D281A3F5}" type="presOf" srcId="{567F1739-7381-4F8E-B2EB-29A2F271D61B}" destId="{A1ED580F-4D2A-44EB-85C4-79FE44B5654C}" srcOrd="0" destOrd="0" presId="urn:microsoft.com/office/officeart/2005/8/layout/pList1#6"/>
+    <dgm:cxn modelId="{D26A6C23-380C-4C8E-A146-3B58E3ACD18B}" type="presOf" srcId="{0B904F64-2F0D-4C99-B591-25BD82FC5122}" destId="{D335C2A7-E85A-48DA-BEA4-2CA79374D1E1}" srcOrd="0" destOrd="0" presId="urn:microsoft.com/office/officeart/2005/8/layout/pList1#6"/>
+    <dgm:cxn modelId="{E1496FD1-B7AC-4798-B326-D24F80D2D14E}" type="presOf" srcId="{3C3BB810-9202-4784-9E6F-0EB93693CCAD}" destId="{D2BA077C-B783-4392-A97F-F939D39ED622}" srcOrd="0" destOrd="0" presId="urn:microsoft.com/office/officeart/2005/8/layout/pList1#6"/>
+    <dgm:cxn modelId="{B33F440C-ECF0-4164-9375-01EB10D0B48A}" type="presOf" srcId="{9879D029-26A6-478C-B171-97EE3A9F156A}" destId="{7CEA8BF6-C807-415A-9042-FB1704AD24F4}" srcOrd="0" destOrd="0" presId="urn:microsoft.com/office/officeart/2005/8/layout/pList1#6"/>
+    <dgm:cxn modelId="{BD3BE2D4-B949-40B1-84E1-AE828AE335DB}" srcId="{9879D029-26A6-478C-B171-97EE3A9F156A}" destId="{6A79A6D5-AC31-43DD-8D51-3886C9205C81}" srcOrd="2" destOrd="0" parTransId="{D145E3E8-54DF-4CCD-99BA-B1A9C4B96464}" sibTransId="{43F65780-48B0-4FCE-8AF6-EBBFAC3C7357}"/>
+    <dgm:cxn modelId="{6B41E439-1A90-475E-B3BB-36DD91DAD9CB}" type="presOf" srcId="{43F65780-48B0-4FCE-8AF6-EBBFAC3C7357}" destId="{A5A6BAEB-0EF3-4B2C-B4CF-093AEDF5E6A7}" srcOrd="0" destOrd="0" presId="urn:microsoft.com/office/officeart/2005/8/layout/pList1#6"/>
+    <dgm:cxn modelId="{40373F19-AE93-4F0F-9820-D188E496E8D3}" type="presOf" srcId="{18666B4B-280A-42A5-8866-B9CAB13429B9}" destId="{416A3E39-CB94-44AE-B1B8-E268CC7EDF5A}" srcOrd="0" destOrd="0" presId="urn:microsoft.com/office/officeart/2005/8/layout/pList1#6"/>
+    <dgm:cxn modelId="{AB68A825-0BC1-49A7-86B9-6B0136E2A28E}" type="presOf" srcId="{CFCE1A4D-B8F4-4DFF-AF9D-4FC992C4B268}" destId="{868D0333-4692-4AB5-8CAE-8330DB6D5823}" srcOrd="0" destOrd="0" presId="urn:microsoft.com/office/officeart/2005/8/layout/pList1#6"/>
     <dgm:cxn modelId="{B2D0B0FD-AA9D-4C2A-BAF2-FDB51BA73186}" srcId="{9879D029-26A6-478C-B171-97EE3A9F156A}" destId="{18666B4B-280A-42A5-8866-B9CAB13429B9}" srcOrd="0" destOrd="0" parTransId="{E6FCDD04-2091-4536-B006-6AA110A4548D}" sibTransId="{CFCE1A4D-B8F4-4DFF-AF9D-4FC992C4B268}"/>
-    <dgm:cxn modelId="{BD3BE2D4-B949-40B1-84E1-AE828AE335DB}" srcId="{9879D029-26A6-478C-B171-97EE3A9F156A}" destId="{6A79A6D5-AC31-43DD-8D51-3886C9205C81}" srcOrd="2" destOrd="0" parTransId="{D145E3E8-54DF-4CCD-99BA-B1A9C4B96464}" sibTransId="{43F65780-48B0-4FCE-8AF6-EBBFAC3C7357}"/>
-    <dgm:cxn modelId="{738DE15E-0EB4-482B-A2DC-49D9961ED884}" type="presParOf" srcId="{7CEA8BF6-C807-415A-9042-FB1704AD24F4}" destId="{485BD1DD-7041-4BCE-AAF8-C84CCDEEBE7A}" srcOrd="0" destOrd="0" presId="urn:microsoft.com/office/officeart/2005/8/layout/pList1"/>
-    <dgm:cxn modelId="{0DC6BA37-10DB-4608-8D47-50424D92D2BA}" type="presParOf" srcId="{485BD1DD-7041-4BCE-AAF8-C84CCDEEBE7A}" destId="{0FB6FA96-47B0-4402-A885-978E117C2597}" srcOrd="0" destOrd="0" presId="urn:microsoft.com/office/officeart/2005/8/layout/pList1"/>
-    <dgm:cxn modelId="{FD74F736-C2DB-4BB7-BC1D-926341A63F88}" type="presParOf" srcId="{485BD1DD-7041-4BCE-AAF8-C84CCDEEBE7A}" destId="{416A3E39-CB94-44AE-B1B8-E268CC7EDF5A}" srcOrd="1" destOrd="0" presId="urn:microsoft.com/office/officeart/2005/8/layout/pList1"/>
-    <dgm:cxn modelId="{872F239B-824B-4942-905E-FD36AF5DAE93}" type="presParOf" srcId="{7CEA8BF6-C807-415A-9042-FB1704AD24F4}" destId="{868D0333-4692-4AB5-8CAE-8330DB6D5823}" srcOrd="1" destOrd="0" presId="urn:microsoft.com/office/officeart/2005/8/layout/pList1"/>
-    <dgm:cxn modelId="{D2D20CA9-F063-42A7-BFD3-62ABD952B3B9}" type="presParOf" srcId="{7CEA8BF6-C807-415A-9042-FB1704AD24F4}" destId="{16678724-4CC8-4DBB-B726-D8A418EE98DE}" srcOrd="2" destOrd="0" presId="urn:microsoft.com/office/officeart/2005/8/layout/pList1"/>
-    <dgm:cxn modelId="{867E2E91-E337-4B44-B643-AD106714CEF1}" type="presParOf" srcId="{16678724-4CC8-4DBB-B726-D8A418EE98DE}" destId="{52E3FBAA-CF9B-4809-981C-A4EA9E0A2D87}" srcOrd="0" destOrd="0" presId="urn:microsoft.com/office/officeart/2005/8/layout/pList1"/>
-    <dgm:cxn modelId="{1ACFE252-39D4-4BAE-88EB-1FB6E8638F9E}" type="presParOf" srcId="{16678724-4CC8-4DBB-B726-D8A418EE98DE}" destId="{D335C2A7-E85A-48DA-BEA4-2CA79374D1E1}" srcOrd="1" destOrd="0" presId="urn:microsoft.com/office/officeart/2005/8/layout/pList1"/>
-    <dgm:cxn modelId="{12441C8B-C266-4C33-B3C2-EBEAF10E7CFC}" type="presParOf" srcId="{7CEA8BF6-C807-415A-9042-FB1704AD24F4}" destId="{A1ED580F-4D2A-44EB-85C4-79FE44B5654C}" srcOrd="3" destOrd="0" presId="urn:microsoft.com/office/officeart/2005/8/layout/pList1"/>
-    <dgm:cxn modelId="{EB72793F-F34F-47C4-ADF3-C59EBAB9CE15}" type="presParOf" srcId="{7CEA8BF6-C807-415A-9042-FB1704AD24F4}" destId="{2E59C95B-91C3-4FCF-9E6D-D40DF7638BAD}" srcOrd="4" destOrd="0" presId="urn:microsoft.com/office/officeart/2005/8/layout/pList1"/>
-    <dgm:cxn modelId="{CDF313E8-202F-44FD-BBCD-AE3DF203DCD8}" type="presParOf" srcId="{2E59C95B-91C3-4FCF-9E6D-D40DF7638BAD}" destId="{07BB94C4-CF91-4B25-AD56-806205F7ECED}" srcOrd="0" destOrd="0" presId="urn:microsoft.com/office/officeart/2005/8/layout/pList1"/>
-    <dgm:cxn modelId="{79926F7F-6377-4A99-A2DE-5E267844968B}" type="presParOf" srcId="{2E59C95B-91C3-4FCF-9E6D-D40DF7638BAD}" destId="{8CE146AE-AE74-40B6-BE47-6B5768D6F72E}" srcOrd="1" destOrd="0" presId="urn:microsoft.com/office/officeart/2005/8/layout/pList1"/>
-    <dgm:cxn modelId="{A804509B-323E-46B3-BB94-DA70968F5276}" type="presParOf" srcId="{7CEA8BF6-C807-415A-9042-FB1704AD24F4}" destId="{A5A6BAEB-0EF3-4B2C-B4CF-093AEDF5E6A7}" srcOrd="5" destOrd="0" presId="urn:microsoft.com/office/officeart/2005/8/layout/pList1"/>
-    <dgm:cxn modelId="{8740330D-D3F2-4598-BF65-381D6542E154}" type="presParOf" srcId="{7CEA8BF6-C807-415A-9042-FB1704AD24F4}" destId="{5CAA5030-582E-482E-AF77-DAFB0A1F40AB}" srcOrd="6" destOrd="0" presId="urn:microsoft.com/office/officeart/2005/8/layout/pList1"/>
-    <dgm:cxn modelId="{EA98DFE7-4004-44C2-B655-9BCFAB13971D}" type="presParOf" srcId="{5CAA5030-582E-482E-AF77-DAFB0A1F40AB}" destId="{23379BA0-72C3-4B48-9B67-5AA34105AF71}" srcOrd="0" destOrd="0" presId="urn:microsoft.com/office/officeart/2005/8/layout/pList1"/>
-    <dgm:cxn modelId="{357A39C7-EE74-4CBB-BEDB-562A7BCD0A3F}" type="presParOf" srcId="{5CAA5030-582E-482E-AF77-DAFB0A1F40AB}" destId="{D2BA077C-B783-4392-A97F-F939D39ED622}" srcOrd="1" destOrd="0" presId="urn:microsoft.com/office/officeart/2005/8/layout/pList1"/>
+    <dgm:cxn modelId="{738DE15E-0EB4-482B-A2DC-49D9961ED884}" type="presParOf" srcId="{7CEA8BF6-C807-415A-9042-FB1704AD24F4}" destId="{485BD1DD-7041-4BCE-AAF8-C84CCDEEBE7A}" srcOrd="0" destOrd="0" presId="urn:microsoft.com/office/officeart/2005/8/layout/pList1#6"/>
+    <dgm:cxn modelId="{0DC6BA37-10DB-4608-8D47-50424D92D2BA}" type="presParOf" srcId="{485BD1DD-7041-4BCE-AAF8-C84CCDEEBE7A}" destId="{0FB6FA96-47B0-4402-A885-978E117C2597}" srcOrd="0" destOrd="0" presId="urn:microsoft.com/office/officeart/2005/8/layout/pList1#6"/>
+    <dgm:cxn modelId="{FD74F736-C2DB-4BB7-BC1D-926341A63F88}" type="presParOf" srcId="{485BD1DD-7041-4BCE-AAF8-C84CCDEEBE7A}" destId="{416A3E39-CB94-44AE-B1B8-E268CC7EDF5A}" srcOrd="1" destOrd="0" presId="urn:microsoft.com/office/officeart/2005/8/layout/pList1#6"/>
+    <dgm:cxn modelId="{872F239B-824B-4942-905E-FD36AF5DAE93}" type="presParOf" srcId="{7CEA8BF6-C807-415A-9042-FB1704AD24F4}" destId="{868D0333-4692-4AB5-8CAE-8330DB6D5823}" srcOrd="1" destOrd="0" presId="urn:microsoft.com/office/officeart/2005/8/layout/pList1#6"/>
+    <dgm:cxn modelId="{D2D20CA9-F063-42A7-BFD3-62ABD952B3B9}" type="presParOf" srcId="{7CEA8BF6-C807-415A-9042-FB1704AD24F4}" destId="{16678724-4CC8-4DBB-B726-D8A418EE98DE}" srcOrd="2" destOrd="0" presId="urn:microsoft.com/office/officeart/2005/8/layout/pList1#6"/>
+    <dgm:cxn modelId="{867E2E91-E337-4B44-B643-AD106714CEF1}" type="presParOf" srcId="{16678724-4CC8-4DBB-B726-D8A418EE98DE}" destId="{52E3FBAA-CF9B-4809-981C-A4EA9E0A2D87}" srcOrd="0" destOrd="0" presId="urn:microsoft.com/office/officeart/2005/8/layout/pList1#6"/>
+    <dgm:cxn modelId="{1ACFE252-39D4-4BAE-88EB-1FB6E8638F9E}" type="presParOf" srcId="{16678724-4CC8-4DBB-B726-D8A418EE98DE}" destId="{D335C2A7-E85A-48DA-BEA4-2CA79374D1E1}" srcOrd="1" destOrd="0" presId="urn:microsoft.com/office/officeart/2005/8/layout/pList1#6"/>
+    <dgm:cxn modelId="{12441C8B-C266-4C33-B3C2-EBEAF10E7CFC}" type="presParOf" srcId="{7CEA8BF6-C807-415A-9042-FB1704AD24F4}" destId="{A1ED580F-4D2A-44EB-85C4-79FE44B5654C}" srcOrd="3" destOrd="0" presId="urn:microsoft.com/office/officeart/2005/8/layout/pList1#6"/>
+    <dgm:cxn modelId="{EB72793F-F34F-47C4-ADF3-C59EBAB9CE15}" type="presParOf" srcId="{7CEA8BF6-C807-415A-9042-FB1704AD24F4}" destId="{2E59C95B-91C3-4FCF-9E6D-D40DF7638BAD}" srcOrd="4" destOrd="0" presId="urn:microsoft.com/office/officeart/2005/8/layout/pList1#6"/>
+    <dgm:cxn modelId="{CDF313E8-202F-44FD-BBCD-AE3DF203DCD8}" type="presParOf" srcId="{2E59C95B-91C3-4FCF-9E6D-D40DF7638BAD}" destId="{07BB94C4-CF91-4B25-AD56-806205F7ECED}" srcOrd="0" destOrd="0" presId="urn:microsoft.com/office/officeart/2005/8/layout/pList1#6"/>
+    <dgm:cxn modelId="{79926F7F-6377-4A99-A2DE-5E267844968B}" type="presParOf" srcId="{2E59C95B-91C3-4FCF-9E6D-D40DF7638BAD}" destId="{8CE146AE-AE74-40B6-BE47-6B5768D6F72E}" srcOrd="1" destOrd="0" presId="urn:microsoft.com/office/officeart/2005/8/layout/pList1#6"/>
+    <dgm:cxn modelId="{A804509B-323E-46B3-BB94-DA70968F5276}" type="presParOf" srcId="{7CEA8BF6-C807-415A-9042-FB1704AD24F4}" destId="{A5A6BAEB-0EF3-4B2C-B4CF-093AEDF5E6A7}" srcOrd="5" destOrd="0" presId="urn:microsoft.com/office/officeart/2005/8/layout/pList1#6"/>
+    <dgm:cxn modelId="{8740330D-D3F2-4598-BF65-381D6542E154}" type="presParOf" srcId="{7CEA8BF6-C807-415A-9042-FB1704AD24F4}" destId="{5CAA5030-582E-482E-AF77-DAFB0A1F40AB}" srcOrd="6" destOrd="0" presId="urn:microsoft.com/office/officeart/2005/8/layout/pList1#6"/>
+    <dgm:cxn modelId="{EA98DFE7-4004-44C2-B655-9BCFAB13971D}" type="presParOf" srcId="{5CAA5030-582E-482E-AF77-DAFB0A1F40AB}" destId="{23379BA0-72C3-4B48-9B67-5AA34105AF71}" srcOrd="0" destOrd="0" presId="urn:microsoft.com/office/officeart/2005/8/layout/pList1#6"/>
+    <dgm:cxn modelId="{357A39C7-EE74-4CBB-BEDB-562A7BCD0A3F}" type="presParOf" srcId="{5CAA5030-582E-482E-AF77-DAFB0A1F40AB}" destId="{D2BA077C-B783-4392-A97F-F939D39ED622}" srcOrd="1" destOrd="0" presId="urn:microsoft.com/office/officeart/2005/8/layout/pList1#6"/>
   </dgm:cxnLst>
   <dgm:bg/>
   <dgm:whole/>
   <dgm:extLst>
     <a:ext uri="http://schemas.microsoft.com/office/drawing/2008/diagram">
-      <dsp:dataModelExt xmlns:dsp="http://schemas.microsoft.com/office/drawing/2008/diagram" xmlns="" relId="rId6" minVer="http://schemas.openxmlformats.org/drawingml/2006/diagram"/>
+      <dsp:dataModelExt xmlns:dsp="http://schemas.microsoft.com/office/drawing/2008/diagram" relId="rId6" minVer="http://schemas.openxmlformats.org/drawingml/2006/diagram"/>
     </a:ext>
   </dgm:extLst>
 </dgm:dataModel>
 </file>
 
 <file path=ppt/diagrams/drawing1.xml><?xml version="1.0" encoding="utf-8"?>
-<dsp:drawing xmlns:dgm="http://schemas.openxmlformats.org/drawingml/2006/diagram" xmlns:a="http://schemas.openxmlformats.org/drawingml/2006/main" xmlns:dsp="http://schemas.microsoft.com/office/drawing/2008/diagram">
+<dsp:drawing xmlns:dgm="http://schemas.openxmlformats.org/drawingml/2006/diagram" xmlns:dsp="http://schemas.microsoft.com/office/drawing/2008/diagram" xmlns:a="http://schemas.openxmlformats.org/drawingml/2006/main">
   <dsp:spTree>
     <dsp:nvGrpSpPr>
       <dsp:cNvPr id="0" name=""/>
@@ -1844,7 +1881,7 @@
 </file>
 
 <file path=ppt/diagrams/layout1.xml><?xml version="1.0" encoding="utf-8"?>
-<dgm:layoutDef xmlns:dgm="http://schemas.openxmlformats.org/drawingml/2006/diagram" xmlns:a="http://schemas.openxmlformats.org/drawingml/2006/main" uniqueId="urn:microsoft.com/office/officeart/2005/8/layout/pList1">
+<dgm:layoutDef xmlns:dgm="http://schemas.openxmlformats.org/drawingml/2006/diagram" xmlns:a="http://schemas.openxmlformats.org/drawingml/2006/main" uniqueId="urn:microsoft.com/office/officeart/2005/8/layout/pList1#6">
   <dgm:title val=""/>
   <dgm:desc val=""/>
   <dgm:catLst>
@@ -3195,7 +3232,7 @@
     </p:spTree>
     <p:extLst>
       <p:ext uri="{BB962C8B-B14F-4D97-AF65-F5344CB8AC3E}">
-        <p14:creationId xmlns:p14="http://schemas.microsoft.com/office/powerpoint/2010/main" xmlns="" val="405139585"/>
+        <p14:creationId xmlns:p14="http://schemas.microsoft.com/office/powerpoint/2010/main" val="405139585"/>
       </p:ext>
     </p:extLst>
   </p:cSld>
@@ -3454,7 +3491,7 @@
     </p:spTree>
     <p:extLst>
       <p:ext uri="{BB962C8B-B14F-4D97-AF65-F5344CB8AC3E}">
-        <p14:creationId xmlns:p14="http://schemas.microsoft.com/office/powerpoint/2010/main" xmlns="" val="2411570515"/>
+        <p14:creationId xmlns:p14="http://schemas.microsoft.com/office/powerpoint/2010/main" val="2411570515"/>
       </p:ext>
     </p:extLst>
   </p:cSld>
@@ -3738,20 +3775,20 @@
     </p:spTree>
     <p:extLst>
       <p:ext uri="{BB962C8B-B14F-4D97-AF65-F5344CB8AC3E}">
-        <p14:creationId xmlns:p14="http://schemas.microsoft.com/office/powerpoint/2010/main" xmlns="" val="674356654"/>
+        <p14:creationId xmlns:p14="http://schemas.microsoft.com/office/powerpoint/2010/main" val="674356654"/>
       </p:ext>
     </p:extLst>
   </p:cSld>
   <p:clrMapOvr>
     <a:masterClrMapping/>
   </p:clrMapOvr>
-  <mc:AlternateContent xmlns:mc="http://schemas.openxmlformats.org/markup-compatibility/2006">
-    <mc:Choice xmlns:p14="http://schemas.microsoft.com/office/powerpoint/2010/main" xmlns="" Requires="p14">
+  <mc:AlternateContent xmlns:mc="http://schemas.openxmlformats.org/markup-compatibility/2006" xmlns:p14="http://schemas.microsoft.com/office/powerpoint/2010/main">
+    <mc:Choice Requires="p14">
       <p:transition spd="med" p14:dur="700">
         <p:fade/>
       </p:transition>
     </mc:Choice>
-    <mc:Fallback>
+    <mc:Fallback xmlns="">
       <p:transition spd="med">
         <p:fade/>
       </p:transition>
@@ -3821,6 +3858,8 @@
                     <a:lumOff val="5000"/>
                   </a:schemeClr>
                 </a:solidFill>
+                <a:latin typeface="Roboto" pitchFamily="2" charset="0"/>
+                <a:ea typeface="Roboto" pitchFamily="2" charset="0"/>
               </a:defRPr>
             </a:lvl1pPr>
           </a:lstStyle>
@@ -3852,44 +3891,59 @@
         <p:txBody>
           <a:bodyPr/>
           <a:lstStyle>
-            <a:lvl1pPr>
+            <a:lvl1pPr marL="274320" indent="-274320">
+              <a:buFont typeface="Arial" panose="020B0604020202020204" pitchFamily="34" charset="0"/>
+              <a:buChar char="•"/>
               <a:defRPr>
                 <a:solidFill>
                   <a:schemeClr val="bg1"/>
                 </a:solidFill>
-                <a:latin typeface="+mj-lt"/>
+                <a:latin typeface="Roboto" pitchFamily="2" charset="0"/>
+                <a:ea typeface="Roboto" pitchFamily="2" charset="0"/>
               </a:defRPr>
             </a:lvl1pPr>
-            <a:lvl2pPr marL="548640">
+            <a:lvl2pPr marL="548640" indent="-274320">
+              <a:buFont typeface="Arial" panose="020B0604020202020204" pitchFamily="34" charset="0"/>
+              <a:buChar char="•"/>
               <a:defRPr>
                 <a:solidFill>
                   <a:schemeClr val="bg1"/>
                 </a:solidFill>
-                <a:latin typeface="+mj-lt"/>
+                <a:latin typeface="Roboto" pitchFamily="2" charset="0"/>
+                <a:ea typeface="Roboto" pitchFamily="2" charset="0"/>
               </a:defRPr>
             </a:lvl2pPr>
-            <a:lvl3pPr marL="777240">
+            <a:lvl3pPr marL="777240" indent="-228600">
+              <a:buFont typeface="Arial" panose="020B0604020202020204" pitchFamily="34" charset="0"/>
+              <a:buChar char="•"/>
               <a:defRPr>
                 <a:solidFill>
                   <a:schemeClr val="bg1"/>
                 </a:solidFill>
-                <a:latin typeface="+mj-lt"/>
+                <a:latin typeface="Roboto" pitchFamily="2" charset="0"/>
+                <a:ea typeface="Roboto" pitchFamily="2" charset="0"/>
               </a:defRPr>
             </a:lvl3pPr>
-            <a:lvl4pPr marL="1005840">
+            <a:lvl4pPr marL="1005840" indent="-228600">
+              <a:buFont typeface="Arial" panose="020B0604020202020204" pitchFamily="34" charset="0"/>
+              <a:buChar char="•"/>
               <a:defRPr>
                 <a:solidFill>
                   <a:schemeClr val="bg1"/>
                 </a:solidFill>
-                <a:latin typeface="+mj-lt"/>
+                <a:latin typeface="Roboto" pitchFamily="2" charset="0"/>
+                <a:ea typeface="Roboto" pitchFamily="2" charset="0"/>
               </a:defRPr>
             </a:lvl4pPr>
-            <a:lvl5pPr marL="1234440">
+            <a:lvl5pPr marL="1234440" indent="-228600">
+              <a:buFont typeface="Arial" panose="020B0604020202020204" pitchFamily="34" charset="0"/>
+              <a:buChar char="•"/>
               <a:defRPr>
                 <a:solidFill>
                   <a:schemeClr val="bg1"/>
                 </a:solidFill>
-                <a:latin typeface="+mj-lt"/>
+                <a:latin typeface="Roboto" pitchFamily="2" charset="0"/>
+                <a:ea typeface="Roboto" pitchFamily="2" charset="0"/>
               </a:defRPr>
             </a:lvl5pPr>
             <a:lvl6pPr marL="1463040">
@@ -4327,33 +4381,28 @@
             <a:pPr lvl="0"/>
             <a:r>
               <a:rPr lang="de-DE" noProof="0" dirty="0" smtClean="0"/>
-              <a:t>Textmasterformat </a:t>
-            </a:r>
-            <a:r>
-              <a:rPr lang="de-DE" noProof="0" dirty="0" smtClean="0"/>
-              <a:t>bearbeiten</a:t>
-            </a:r>
-            <a:endParaRPr lang="de-DE" noProof="0" dirty="0" smtClean="0"/>
+              <a:t>Textmasterformat bearbeiten</a:t>
+            </a:r>
           </a:p>
         </p:txBody>
       </p:sp>
     </p:spTree>
     <p:extLst>
       <p:ext uri="{BB962C8B-B14F-4D97-AF65-F5344CB8AC3E}">
-        <p14:creationId xmlns:p14="http://schemas.microsoft.com/office/powerpoint/2010/main" xmlns="" val="2614472672"/>
+        <p14:creationId xmlns:p14="http://schemas.microsoft.com/office/powerpoint/2010/main" val="2614472672"/>
       </p:ext>
     </p:extLst>
   </p:cSld>
   <p:clrMapOvr>
     <a:masterClrMapping/>
   </p:clrMapOvr>
-  <mc:AlternateContent xmlns:mc="http://schemas.openxmlformats.org/markup-compatibility/2006">
-    <mc:Choice xmlns:p14="http://schemas.microsoft.com/office/powerpoint/2010/main" xmlns="" Requires="p14">
+  <mc:AlternateContent xmlns:mc="http://schemas.openxmlformats.org/markup-compatibility/2006" xmlns:p14="http://schemas.microsoft.com/office/powerpoint/2010/main">
+    <mc:Choice Requires="p14">
       <p:transition spd="med" p14:dur="700">
         <p:fade/>
       </p:transition>
     </mc:Choice>
-    <mc:Fallback>
+    <mc:Fallback xmlns="">
       <p:transition spd="med">
         <p:fade/>
       </p:transition>
@@ -4423,6 +4472,8 @@
                     <a:lumOff val="5000"/>
                   </a:schemeClr>
                 </a:solidFill>
+                <a:latin typeface="Roboto" pitchFamily="2" charset="0"/>
+                <a:ea typeface="Roboto" pitchFamily="2" charset="0"/>
               </a:defRPr>
             </a:lvl1pPr>
           </a:lstStyle>
@@ -4454,44 +4505,59 @@
         <p:txBody>
           <a:bodyPr/>
           <a:lstStyle>
-            <a:lvl1pPr>
+            <a:lvl1pPr marL="342900" indent="-342900">
+              <a:buFont typeface="Arial" panose="020B0604020202020204" pitchFamily="34" charset="0"/>
+              <a:buChar char="•"/>
               <a:defRPr>
                 <a:solidFill>
                   <a:schemeClr val="bg1"/>
                 </a:solidFill>
-                <a:latin typeface="+mj-lt"/>
+                <a:latin typeface="Roboto" pitchFamily="2" charset="0"/>
+                <a:ea typeface="Roboto" pitchFamily="2" charset="0"/>
               </a:defRPr>
             </a:lvl1pPr>
-            <a:lvl2pPr marL="548640">
+            <a:lvl2pPr marL="617220" indent="-342900">
+              <a:buFont typeface="Arial" panose="020B0604020202020204" pitchFamily="34" charset="0"/>
+              <a:buChar char="•"/>
               <a:defRPr>
                 <a:solidFill>
                   <a:schemeClr val="bg1"/>
                 </a:solidFill>
-                <a:latin typeface="+mj-lt"/>
+                <a:latin typeface="Roboto" pitchFamily="2" charset="0"/>
+                <a:ea typeface="Roboto" pitchFamily="2" charset="0"/>
               </a:defRPr>
             </a:lvl2pPr>
-            <a:lvl3pPr marL="777240">
+            <a:lvl3pPr marL="834390" indent="-285750">
+              <a:buFont typeface="Arial" panose="020B0604020202020204" pitchFamily="34" charset="0"/>
+              <a:buChar char="•"/>
               <a:defRPr>
                 <a:solidFill>
                   <a:schemeClr val="bg1"/>
                 </a:solidFill>
-                <a:latin typeface="+mj-lt"/>
+                <a:latin typeface="Roboto" pitchFamily="2" charset="0"/>
+                <a:ea typeface="Roboto" pitchFamily="2" charset="0"/>
               </a:defRPr>
             </a:lvl3pPr>
-            <a:lvl4pPr marL="1005840">
+            <a:lvl4pPr marL="1062990" indent="-285750">
+              <a:buFont typeface="Arial" panose="020B0604020202020204" pitchFamily="34" charset="0"/>
+              <a:buChar char="•"/>
               <a:defRPr>
                 <a:solidFill>
                   <a:schemeClr val="bg1"/>
                 </a:solidFill>
-                <a:latin typeface="+mj-lt"/>
+                <a:latin typeface="Roboto" pitchFamily="2" charset="0"/>
+                <a:ea typeface="Roboto" pitchFamily="2" charset="0"/>
               </a:defRPr>
             </a:lvl4pPr>
-            <a:lvl5pPr marL="1234440">
+            <a:lvl5pPr marL="1291590" indent="-285750">
+              <a:buFont typeface="Arial" panose="020B0604020202020204" pitchFamily="34" charset="0"/>
+              <a:buChar char="•"/>
               <a:defRPr>
                 <a:solidFill>
                   <a:schemeClr val="bg1"/>
                 </a:solidFill>
-                <a:latin typeface="+mj-lt"/>
+                <a:latin typeface="Roboto" pitchFamily="2" charset="0"/>
+                <a:ea typeface="Roboto" pitchFamily="2" charset="0"/>
               </a:defRPr>
             </a:lvl5pPr>
             <a:lvl6pPr marL="1463040">
@@ -4830,10 +4896,10 @@
             <a:schemeClr val="lt1"/>
           </a:lnRef>
           <a:fillRef idx="1">
-            <a:schemeClr val="accent5"/>
+            <a:schemeClr val="accent6"/>
           </a:fillRef>
           <a:effectRef idx="1">
-            <a:schemeClr val="accent5"/>
+            <a:schemeClr val="accent6"/>
           </a:effectRef>
           <a:fontRef idx="minor">
             <a:schemeClr val="lt1"/>
@@ -4929,33 +4995,28 @@
             <a:pPr lvl="0"/>
             <a:r>
               <a:rPr lang="de-DE" noProof="0" dirty="0" smtClean="0"/>
-              <a:t>Textmasterformat </a:t>
-            </a:r>
-            <a:r>
-              <a:rPr lang="de-DE" noProof="0" dirty="0" smtClean="0"/>
-              <a:t>bearbeiten</a:t>
-            </a:r>
-            <a:endParaRPr lang="de-DE" noProof="0" dirty="0" smtClean="0"/>
+              <a:t>Textmasterformat bearbeiten</a:t>
+            </a:r>
           </a:p>
         </p:txBody>
       </p:sp>
     </p:spTree>
     <p:extLst>
       <p:ext uri="{BB962C8B-B14F-4D97-AF65-F5344CB8AC3E}">
-        <p14:creationId xmlns:p14="http://schemas.microsoft.com/office/powerpoint/2010/main" xmlns="" val="2614472672"/>
+        <p14:creationId xmlns:p14="http://schemas.microsoft.com/office/powerpoint/2010/main" val="2614472672"/>
       </p:ext>
     </p:extLst>
   </p:cSld>
   <p:clrMapOvr>
     <a:masterClrMapping/>
   </p:clrMapOvr>
-  <mc:AlternateContent xmlns:mc="http://schemas.openxmlformats.org/markup-compatibility/2006">
-    <mc:Choice xmlns:p14="http://schemas.microsoft.com/office/powerpoint/2010/main" xmlns="" Requires="p14">
+  <mc:AlternateContent xmlns:mc="http://schemas.openxmlformats.org/markup-compatibility/2006" xmlns:p14="http://schemas.microsoft.com/office/powerpoint/2010/main">
+    <mc:Choice Requires="p14">
       <p:transition spd="med" p14:dur="700">
         <p:fade/>
       </p:transition>
     </mc:Choice>
-    <mc:Fallback>
+    <mc:Fallback xmlns="">
       <p:transition spd="med">
         <p:fade/>
       </p:transition>
@@ -5025,6 +5086,8 @@
                     <a:lumOff val="5000"/>
                   </a:schemeClr>
                 </a:solidFill>
+                <a:latin typeface="Roboto" pitchFamily="2" charset="0"/>
+                <a:ea typeface="Roboto" pitchFamily="2" charset="0"/>
               </a:defRPr>
             </a:lvl1pPr>
           </a:lstStyle>
@@ -5056,44 +5119,59 @@
         <p:txBody>
           <a:bodyPr/>
           <a:lstStyle>
-            <a:lvl1pPr>
+            <a:lvl1pPr marL="342900" indent="-342900">
+              <a:buFont typeface="Arial" panose="020B0604020202020204" pitchFamily="34" charset="0"/>
+              <a:buChar char="•"/>
               <a:defRPr>
                 <a:solidFill>
                   <a:schemeClr val="bg1"/>
                 </a:solidFill>
-                <a:latin typeface="+mj-lt"/>
+                <a:latin typeface="Roboto" pitchFamily="2" charset="0"/>
+                <a:ea typeface="Roboto" pitchFamily="2" charset="0"/>
               </a:defRPr>
             </a:lvl1pPr>
-            <a:lvl2pPr marL="548640">
+            <a:lvl2pPr marL="617220" indent="-342900">
+              <a:buFont typeface="Arial" panose="020B0604020202020204" pitchFamily="34" charset="0"/>
+              <a:buChar char="•"/>
               <a:defRPr>
                 <a:solidFill>
                   <a:schemeClr val="bg1"/>
                 </a:solidFill>
-                <a:latin typeface="+mj-lt"/>
+                <a:latin typeface="Roboto" pitchFamily="2" charset="0"/>
+                <a:ea typeface="Roboto" pitchFamily="2" charset="0"/>
               </a:defRPr>
             </a:lvl2pPr>
-            <a:lvl3pPr marL="777240">
+            <a:lvl3pPr marL="834390" indent="-285750">
+              <a:buFont typeface="Arial" panose="020B0604020202020204" pitchFamily="34" charset="0"/>
+              <a:buChar char="•"/>
               <a:defRPr>
                 <a:solidFill>
                   <a:schemeClr val="bg1"/>
                 </a:solidFill>
-                <a:latin typeface="+mj-lt"/>
+                <a:latin typeface="Roboto" pitchFamily="2" charset="0"/>
+                <a:ea typeface="Roboto" pitchFamily="2" charset="0"/>
               </a:defRPr>
             </a:lvl3pPr>
-            <a:lvl4pPr marL="1005840">
+            <a:lvl4pPr marL="1062990" indent="-285750">
+              <a:buFont typeface="Arial" panose="020B0604020202020204" pitchFamily="34" charset="0"/>
+              <a:buChar char="•"/>
               <a:defRPr>
                 <a:solidFill>
                   <a:schemeClr val="bg1"/>
                 </a:solidFill>
-                <a:latin typeface="+mj-lt"/>
+                <a:latin typeface="Roboto" pitchFamily="2" charset="0"/>
+                <a:ea typeface="Roboto" pitchFamily="2" charset="0"/>
               </a:defRPr>
             </a:lvl4pPr>
-            <a:lvl5pPr marL="1234440">
+            <a:lvl5pPr marL="1291590" indent="-285750">
+              <a:buFont typeface="Arial" panose="020B0604020202020204" pitchFamily="34" charset="0"/>
+              <a:buChar char="•"/>
               <a:defRPr>
                 <a:solidFill>
                   <a:schemeClr val="bg1"/>
                 </a:solidFill>
-                <a:latin typeface="+mj-lt"/>
+                <a:latin typeface="Roboto" pitchFamily="2" charset="0"/>
+                <a:ea typeface="Roboto" pitchFamily="2" charset="0"/>
               </a:defRPr>
             </a:lvl5pPr>
             <a:lvl6pPr marL="1463040">
@@ -5432,10 +5510,10 @@
             <a:schemeClr val="lt1"/>
           </a:lnRef>
           <a:fillRef idx="1">
-            <a:schemeClr val="accent5"/>
+            <a:schemeClr val="accent3"/>
           </a:fillRef>
           <a:effectRef idx="1">
-            <a:schemeClr val="accent5"/>
+            <a:schemeClr val="accent3"/>
           </a:effectRef>
           <a:fontRef idx="minor">
             <a:schemeClr val="lt1"/>
@@ -5531,33 +5609,28 @@
             <a:pPr lvl="0"/>
             <a:r>
               <a:rPr lang="de-DE" noProof="0" dirty="0" smtClean="0"/>
-              <a:t>Textmasterformat </a:t>
-            </a:r>
-            <a:r>
-              <a:rPr lang="de-DE" noProof="0" dirty="0" smtClean="0"/>
-              <a:t>bearbeiten</a:t>
-            </a:r>
-            <a:endParaRPr lang="de-DE" noProof="0" dirty="0" smtClean="0"/>
+              <a:t>Textmasterformat bearbeiten</a:t>
+            </a:r>
           </a:p>
         </p:txBody>
       </p:sp>
     </p:spTree>
     <p:extLst>
       <p:ext uri="{BB962C8B-B14F-4D97-AF65-F5344CB8AC3E}">
-        <p14:creationId xmlns:p14="http://schemas.microsoft.com/office/powerpoint/2010/main" xmlns="" val="2614472672"/>
+        <p14:creationId xmlns:p14="http://schemas.microsoft.com/office/powerpoint/2010/main" val="2614472672"/>
       </p:ext>
     </p:extLst>
   </p:cSld>
   <p:clrMapOvr>
     <a:masterClrMapping/>
   </p:clrMapOvr>
-  <mc:AlternateContent xmlns:mc="http://schemas.openxmlformats.org/markup-compatibility/2006">
-    <mc:Choice xmlns:p14="http://schemas.microsoft.com/office/powerpoint/2010/main" xmlns="" Requires="p14">
+  <mc:AlternateContent xmlns:mc="http://schemas.openxmlformats.org/markup-compatibility/2006" xmlns:p14="http://schemas.microsoft.com/office/powerpoint/2010/main">
+    <mc:Choice Requires="p14">
       <p:transition spd="med" p14:dur="700">
         <p:fade/>
       </p:transition>
     </mc:Choice>
-    <mc:Fallback>
+    <mc:Fallback xmlns="">
       <p:transition spd="med">
         <p:fade/>
       </p:transition>
@@ -5629,8 +5702,8 @@
                     <a:lumOff val="5000"/>
                   </a:schemeClr>
                 </a:solidFill>
-                <a:latin typeface="Verdana" pitchFamily="34" charset="0"/>
-                <a:ea typeface="Verdana" pitchFamily="34" charset="0"/>
+                <a:latin typeface="Roboto" pitchFamily="2" charset="0"/>
+                <a:ea typeface="Roboto" pitchFamily="2" charset="0"/>
                 <a:cs typeface="Verdana" pitchFamily="34" charset="0"/>
               </a:defRPr>
             </a:lvl1pPr>
@@ -5663,44 +5736,59 @@
         <p:txBody>
           <a:bodyPr/>
           <a:lstStyle>
-            <a:lvl1pPr>
+            <a:lvl1pPr marL="457200" indent="-457200">
+              <a:buFont typeface="Arial" panose="020B0604020202020204" pitchFamily="34" charset="0"/>
+              <a:buChar char="•"/>
               <a:defRPr>
                 <a:solidFill>
                   <a:schemeClr val="bg1"/>
                 </a:solidFill>
-                <a:latin typeface="+mj-lt"/>
+                <a:latin typeface="Roboto" pitchFamily="2" charset="0"/>
+                <a:ea typeface="Roboto" pitchFamily="2" charset="0"/>
               </a:defRPr>
             </a:lvl1pPr>
-            <a:lvl2pPr marL="548640">
+            <a:lvl2pPr marL="731520" indent="-457200">
+              <a:buFont typeface="Arial" panose="020B0604020202020204" pitchFamily="34" charset="0"/>
+              <a:buChar char="•"/>
               <a:defRPr>
                 <a:solidFill>
                   <a:schemeClr val="bg1"/>
                 </a:solidFill>
-                <a:latin typeface="+mj-lt"/>
+                <a:latin typeface="Roboto" pitchFamily="2" charset="0"/>
+                <a:ea typeface="Roboto" pitchFamily="2" charset="0"/>
               </a:defRPr>
             </a:lvl2pPr>
-            <a:lvl3pPr marL="777240">
+            <a:lvl3pPr marL="891540" indent="-342900">
+              <a:buFont typeface="Arial" panose="020B0604020202020204" pitchFamily="34" charset="0"/>
+              <a:buChar char="•"/>
               <a:defRPr>
                 <a:solidFill>
                   <a:schemeClr val="bg1"/>
                 </a:solidFill>
-                <a:latin typeface="+mj-lt"/>
+                <a:latin typeface="Roboto" pitchFamily="2" charset="0"/>
+                <a:ea typeface="Roboto" pitchFamily="2" charset="0"/>
               </a:defRPr>
             </a:lvl3pPr>
-            <a:lvl4pPr marL="1005840">
+            <a:lvl4pPr marL="1120140" indent="-342900">
+              <a:buFont typeface="Arial" panose="020B0604020202020204" pitchFamily="34" charset="0"/>
+              <a:buChar char="•"/>
               <a:defRPr>
                 <a:solidFill>
                   <a:schemeClr val="bg1"/>
                 </a:solidFill>
-                <a:latin typeface="+mj-lt"/>
+                <a:latin typeface="Roboto" pitchFamily="2" charset="0"/>
+                <a:ea typeface="Roboto" pitchFamily="2" charset="0"/>
               </a:defRPr>
             </a:lvl4pPr>
-            <a:lvl5pPr marL="1234440">
+            <a:lvl5pPr marL="1348740" indent="-342900">
+              <a:buFont typeface="Arial" panose="020B0604020202020204" pitchFamily="34" charset="0"/>
+              <a:buChar char="•"/>
               <a:defRPr>
                 <a:solidFill>
                   <a:schemeClr val="bg1"/>
                 </a:solidFill>
-                <a:latin typeface="+mj-lt"/>
+                <a:latin typeface="Roboto" pitchFamily="2" charset="0"/>
+                <a:ea typeface="Roboto" pitchFamily="2" charset="0"/>
               </a:defRPr>
             </a:lvl5pPr>
             <a:lvl6pPr marL="1463040">
@@ -6039,10 +6127,10 @@
             <a:schemeClr val="lt1"/>
           </a:lnRef>
           <a:fillRef idx="1">
-            <a:schemeClr val="accent5"/>
+            <a:schemeClr val="accent4"/>
           </a:fillRef>
           <a:effectRef idx="1">
-            <a:schemeClr val="accent5"/>
+            <a:schemeClr val="accent4"/>
           </a:effectRef>
           <a:fontRef idx="minor">
             <a:schemeClr val="lt1"/>
@@ -6138,33 +6226,28 @@
             <a:pPr lvl="0"/>
             <a:r>
               <a:rPr lang="de-DE" noProof="0" dirty="0" smtClean="0"/>
-              <a:t>Textmasterformat </a:t>
-            </a:r>
-            <a:r>
-              <a:rPr lang="de-DE" noProof="0" dirty="0" smtClean="0"/>
-              <a:t>bearbeiten</a:t>
-            </a:r>
-            <a:endParaRPr lang="de-DE" noProof="0" dirty="0" smtClean="0"/>
+              <a:t>Textmasterformat bearbeiten</a:t>
+            </a:r>
           </a:p>
         </p:txBody>
       </p:sp>
     </p:spTree>
     <p:extLst>
       <p:ext uri="{BB962C8B-B14F-4D97-AF65-F5344CB8AC3E}">
-        <p14:creationId xmlns:p14="http://schemas.microsoft.com/office/powerpoint/2010/main" xmlns="" val="2614472672"/>
+        <p14:creationId xmlns:p14="http://schemas.microsoft.com/office/powerpoint/2010/main" val="2614472672"/>
       </p:ext>
     </p:extLst>
   </p:cSld>
   <p:clrMapOvr>
     <a:masterClrMapping/>
   </p:clrMapOvr>
-  <mc:AlternateContent xmlns:mc="http://schemas.openxmlformats.org/markup-compatibility/2006">
-    <mc:Choice xmlns:p14="http://schemas.microsoft.com/office/powerpoint/2010/main" xmlns="" Requires="p14">
+  <mc:AlternateContent xmlns:mc="http://schemas.openxmlformats.org/markup-compatibility/2006" xmlns:p14="http://schemas.microsoft.com/office/powerpoint/2010/main">
+    <mc:Choice Requires="p14">
       <p:transition spd="med" p14:dur="700">
         <p:fade/>
       </p:transition>
     </mc:Choice>
-    <mc:Fallback>
+    <mc:Fallback xmlns="">
       <p:transition spd="med">
         <p:fade/>
       </p:transition>
@@ -6234,6 +6317,8 @@
                     <a:lumOff val="5000"/>
                   </a:schemeClr>
                 </a:solidFill>
+                <a:latin typeface="Roboto" pitchFamily="2" charset="0"/>
+                <a:ea typeface="Roboto" pitchFamily="2" charset="0"/>
               </a:defRPr>
             </a:lvl1pPr>
           </a:lstStyle>
@@ -6265,44 +6350,59 @@
         <p:txBody>
           <a:bodyPr/>
           <a:lstStyle>
-            <a:lvl1pPr>
+            <a:lvl1pPr marL="274320" indent="-274320">
+              <a:buFont typeface="Arial" panose="020B0604020202020204" pitchFamily="34" charset="0"/>
+              <a:buChar char="•"/>
               <a:defRPr>
                 <a:solidFill>
                   <a:schemeClr val="bg1"/>
                 </a:solidFill>
-                <a:latin typeface="+mj-lt"/>
+                <a:latin typeface="Roboto" pitchFamily="2" charset="0"/>
+                <a:ea typeface="Roboto" pitchFamily="2" charset="0"/>
               </a:defRPr>
             </a:lvl1pPr>
-            <a:lvl2pPr marL="548640">
+            <a:lvl2pPr marL="548640" indent="-274320">
+              <a:buFont typeface="Arial" panose="020B0604020202020204" pitchFamily="34" charset="0"/>
+              <a:buChar char="•"/>
               <a:defRPr>
                 <a:solidFill>
                   <a:schemeClr val="bg1"/>
                 </a:solidFill>
-                <a:latin typeface="+mj-lt"/>
+                <a:latin typeface="Roboto" pitchFamily="2" charset="0"/>
+                <a:ea typeface="Roboto" pitchFamily="2" charset="0"/>
               </a:defRPr>
             </a:lvl2pPr>
-            <a:lvl3pPr marL="777240">
+            <a:lvl3pPr marL="777240" indent="-228600">
+              <a:buFont typeface="Arial" panose="020B0604020202020204" pitchFamily="34" charset="0"/>
+              <a:buChar char="•"/>
               <a:defRPr>
                 <a:solidFill>
                   <a:schemeClr val="bg1"/>
                 </a:solidFill>
-                <a:latin typeface="+mj-lt"/>
+                <a:latin typeface="Roboto" pitchFamily="2" charset="0"/>
+                <a:ea typeface="Roboto" pitchFamily="2" charset="0"/>
               </a:defRPr>
             </a:lvl3pPr>
-            <a:lvl4pPr marL="1005840">
+            <a:lvl4pPr marL="1005840" indent="-228600">
+              <a:buFont typeface="Arial" panose="020B0604020202020204" pitchFamily="34" charset="0"/>
+              <a:buChar char="•"/>
               <a:defRPr>
                 <a:solidFill>
                   <a:schemeClr val="bg1"/>
                 </a:solidFill>
-                <a:latin typeface="+mj-lt"/>
+                <a:latin typeface="Roboto" pitchFamily="2" charset="0"/>
+                <a:ea typeface="Roboto" pitchFamily="2" charset="0"/>
               </a:defRPr>
             </a:lvl4pPr>
-            <a:lvl5pPr marL="1234440">
+            <a:lvl5pPr marL="1234440" indent="-228600">
+              <a:buFont typeface="Arial" panose="020B0604020202020204" pitchFamily="34" charset="0"/>
+              <a:buChar char="•"/>
               <a:defRPr>
                 <a:solidFill>
                   <a:schemeClr val="bg1"/>
                 </a:solidFill>
-                <a:latin typeface="+mj-lt"/>
+                <a:latin typeface="Roboto" pitchFamily="2" charset="0"/>
+                <a:ea typeface="Roboto" pitchFamily="2" charset="0"/>
               </a:defRPr>
             </a:lvl5pPr>
             <a:lvl6pPr marL="1463040">
@@ -6641,10 +6741,10 @@
             <a:schemeClr val="lt1"/>
           </a:lnRef>
           <a:fillRef idx="1">
-            <a:schemeClr val="accent5"/>
+            <a:schemeClr val="accent2"/>
           </a:fillRef>
           <a:effectRef idx="1">
-            <a:schemeClr val="accent5"/>
+            <a:schemeClr val="accent2"/>
           </a:effectRef>
           <a:fontRef idx="minor">
             <a:schemeClr val="lt1"/>
@@ -6740,33 +6840,28 @@
             <a:pPr lvl="0"/>
             <a:r>
               <a:rPr lang="de-DE" noProof="0" dirty="0" smtClean="0"/>
-              <a:t>Textmasterformat </a:t>
-            </a:r>
-            <a:r>
-              <a:rPr lang="de-DE" noProof="0" dirty="0" smtClean="0"/>
-              <a:t>bearbeiten</a:t>
-            </a:r>
-            <a:endParaRPr lang="de-DE" noProof="0" dirty="0" smtClean="0"/>
+              <a:t>Textmasterformat bearbeiten</a:t>
+            </a:r>
           </a:p>
         </p:txBody>
       </p:sp>
     </p:spTree>
     <p:extLst>
       <p:ext uri="{BB962C8B-B14F-4D97-AF65-F5344CB8AC3E}">
-        <p14:creationId xmlns:p14="http://schemas.microsoft.com/office/powerpoint/2010/main" xmlns="" val="2614472672"/>
+        <p14:creationId xmlns:p14="http://schemas.microsoft.com/office/powerpoint/2010/main" val="2614472672"/>
       </p:ext>
     </p:extLst>
   </p:cSld>
   <p:clrMapOvr>
     <a:masterClrMapping/>
   </p:clrMapOvr>
-  <mc:AlternateContent xmlns:mc="http://schemas.openxmlformats.org/markup-compatibility/2006">
-    <mc:Choice xmlns:p14="http://schemas.microsoft.com/office/powerpoint/2010/main" xmlns="" Requires="p14">
+  <mc:AlternateContent xmlns:mc="http://schemas.openxmlformats.org/markup-compatibility/2006" xmlns:p14="http://schemas.microsoft.com/office/powerpoint/2010/main">
+    <mc:Choice Requires="p14">
       <p:transition spd="med" p14:dur="700">
         <p:fade/>
       </p:transition>
     </mc:Choice>
-    <mc:Fallback>
+    <mc:Fallback xmlns="">
       <p:transition spd="med">
         <p:fade/>
       </p:transition>
@@ -6836,6 +6931,8 @@
                     <a:lumOff val="5000"/>
                   </a:schemeClr>
                 </a:solidFill>
+                <a:latin typeface="Roboto" pitchFamily="2" charset="0"/>
+                <a:ea typeface="Roboto" pitchFamily="2" charset="0"/>
               </a:defRPr>
             </a:lvl1pPr>
           </a:lstStyle>
@@ -6867,44 +6964,59 @@
         <p:txBody>
           <a:bodyPr/>
           <a:lstStyle>
-            <a:lvl1pPr>
+            <a:lvl1pPr marL="274320" indent="-274320">
+              <a:buFont typeface="Arial" panose="020B0604020202020204" pitchFamily="34" charset="0"/>
+              <a:buChar char="•"/>
               <a:defRPr>
                 <a:solidFill>
                   <a:schemeClr val="bg1"/>
                 </a:solidFill>
-                <a:latin typeface="+mj-lt"/>
+                <a:latin typeface="Roboto" pitchFamily="2" charset="0"/>
+                <a:ea typeface="Roboto" pitchFamily="2" charset="0"/>
               </a:defRPr>
             </a:lvl1pPr>
-            <a:lvl2pPr marL="548640">
+            <a:lvl2pPr marL="548640" indent="-274320">
+              <a:buFont typeface="Arial" panose="020B0604020202020204" pitchFamily="34" charset="0"/>
+              <a:buChar char="•"/>
               <a:defRPr>
                 <a:solidFill>
                   <a:schemeClr val="bg1"/>
                 </a:solidFill>
-                <a:latin typeface="+mj-lt"/>
+                <a:latin typeface="Roboto" pitchFamily="2" charset="0"/>
+                <a:ea typeface="Roboto" pitchFamily="2" charset="0"/>
               </a:defRPr>
             </a:lvl2pPr>
-            <a:lvl3pPr marL="777240">
+            <a:lvl3pPr marL="777240" indent="-228600">
+              <a:buFont typeface="Arial" panose="020B0604020202020204" pitchFamily="34" charset="0"/>
+              <a:buChar char="•"/>
               <a:defRPr>
                 <a:solidFill>
                   <a:schemeClr val="bg1"/>
                 </a:solidFill>
-                <a:latin typeface="+mj-lt"/>
+                <a:latin typeface="Roboto" pitchFamily="2" charset="0"/>
+                <a:ea typeface="Roboto" pitchFamily="2" charset="0"/>
               </a:defRPr>
             </a:lvl3pPr>
-            <a:lvl4pPr marL="1005840">
+            <a:lvl4pPr marL="1005840" indent="-228600">
+              <a:buFont typeface="Arial" panose="020B0604020202020204" pitchFamily="34" charset="0"/>
+              <a:buChar char="•"/>
               <a:defRPr>
                 <a:solidFill>
                   <a:schemeClr val="bg1"/>
                 </a:solidFill>
-                <a:latin typeface="+mj-lt"/>
+                <a:latin typeface="Roboto" pitchFamily="2" charset="0"/>
+                <a:ea typeface="Roboto" pitchFamily="2" charset="0"/>
               </a:defRPr>
             </a:lvl4pPr>
-            <a:lvl5pPr marL="1234440">
+            <a:lvl5pPr marL="1234440" indent="-228600">
+              <a:buFont typeface="Arial" panose="020B0604020202020204" pitchFamily="34" charset="0"/>
+              <a:buChar char="•"/>
               <a:defRPr>
                 <a:solidFill>
                   <a:schemeClr val="bg1"/>
                 </a:solidFill>
-                <a:latin typeface="+mj-lt"/>
+                <a:latin typeface="Roboto" pitchFamily="2" charset="0"/>
+                <a:ea typeface="Roboto" pitchFamily="2" charset="0"/>
               </a:defRPr>
             </a:lvl5pPr>
             <a:lvl6pPr marL="1463040">
@@ -7243,10 +7355,10 @@
             <a:schemeClr val="lt1"/>
           </a:lnRef>
           <a:fillRef idx="1">
-            <a:schemeClr val="accent5"/>
+            <a:schemeClr val="accent1"/>
           </a:fillRef>
           <a:effectRef idx="1">
-            <a:schemeClr val="accent5"/>
+            <a:schemeClr val="accent1"/>
           </a:effectRef>
           <a:fontRef idx="minor">
             <a:schemeClr val="lt1"/>
@@ -7342,33 +7454,335 @@
             <a:pPr lvl="0"/>
             <a:r>
               <a:rPr lang="de-DE" noProof="0" dirty="0" smtClean="0"/>
-              <a:t>Textmasterformat </a:t>
-            </a:r>
-            <a:r>
-              <a:rPr lang="de-DE" noProof="0" dirty="0" smtClean="0"/>
-              <a:t>bearbeiten</a:t>
-            </a:r>
-            <a:endParaRPr lang="de-DE" noProof="0" dirty="0" smtClean="0"/>
+              <a:t>Textmasterformat bearbeiten</a:t>
+            </a:r>
           </a:p>
         </p:txBody>
       </p:sp>
     </p:spTree>
     <p:extLst>
       <p:ext uri="{BB962C8B-B14F-4D97-AF65-F5344CB8AC3E}">
-        <p14:creationId xmlns:p14="http://schemas.microsoft.com/office/powerpoint/2010/main" xmlns="" val="2614472672"/>
+        <p14:creationId xmlns:p14="http://schemas.microsoft.com/office/powerpoint/2010/main" val="2614472672"/>
       </p:ext>
     </p:extLst>
   </p:cSld>
   <p:clrMapOvr>
     <a:masterClrMapping/>
   </p:clrMapOvr>
-  <mc:AlternateContent xmlns:mc="http://schemas.openxmlformats.org/markup-compatibility/2006">
-    <mc:Choice xmlns:p14="http://schemas.microsoft.com/office/powerpoint/2010/main" xmlns="" Requires="p14">
+  <mc:AlternateContent xmlns:mc="http://schemas.openxmlformats.org/markup-compatibility/2006" xmlns:p14="http://schemas.microsoft.com/office/powerpoint/2010/main">
+    <mc:Choice Requires="p14">
       <p:transition spd="med" p14:dur="700">
         <p:fade/>
       </p:transition>
     </mc:Choice>
-    <mc:Fallback>
+    <mc:Fallback xmlns="">
+      <p:transition spd="med">
+        <p:fade/>
+      </p:transition>
+    </mc:Fallback>
+  </mc:AlternateContent>
+  <p:timing>
+    <p:tnLst>
+      <p:par>
+        <p:cTn id="1" dur="indefinite" restart="never" nodeType="tmRoot"/>
+      </p:par>
+    </p:tnLst>
+  </p:timing>
+</p:sldLayout>
+</file>
+
+<file path=ppt/slideLayouts/slideLayout8.xml><?xml version="1.0" encoding="utf-8"?>
+<p:sldLayout xmlns:a="http://schemas.openxmlformats.org/drawingml/2006/main" xmlns:r="http://schemas.openxmlformats.org/officeDocument/2006/relationships" xmlns:p="http://schemas.openxmlformats.org/presentationml/2006/main" type="obj">
+  <p:cSld name="6_Titel und Inhalt">
+    <p:spTree>
+      <p:nvGrpSpPr>
+        <p:cNvPr id="1" name=""/>
+        <p:cNvGrpSpPr/>
+        <p:nvPr/>
+      </p:nvGrpSpPr>
+      <p:grpSpPr>
+        <a:xfrm>
+          <a:off x="0" y="0"/>
+          <a:ext cx="0" cy="0"/>
+          <a:chOff x="0" y="0"/>
+          <a:chExt cx="0" cy="0"/>
+        </a:xfrm>
+      </p:grpSpPr>
+      <p:sp>
+        <p:nvSpPr>
+          <p:cNvPr id="2" name="Titel 1"/>
+          <p:cNvSpPr>
+            <a:spLocks noGrp="1"/>
+          </p:cNvSpPr>
+          <p:nvPr>
+            <p:ph type="title"/>
+          </p:nvPr>
+        </p:nvSpPr>
+        <p:spPr>
+          <a:xfrm>
+            <a:off x="1522414" y="274638"/>
+            <a:ext cx="9143998" cy="1020762"/>
+          </a:xfrm>
+          <a:solidFill>
+            <a:schemeClr val="tx1"/>
+          </a:solidFill>
+          <a:effectLst>
+            <a:outerShdw blurRad="50800" dist="38100" dir="2700000" algn="tl" rotWithShape="0">
+              <a:prstClr val="black">
+                <a:alpha val="40000"/>
+              </a:prstClr>
+            </a:outerShdw>
+          </a:effectLst>
+        </p:spPr>
+        <p:txBody>
+          <a:bodyPr/>
+          <a:lstStyle>
+            <a:lvl1pPr>
+              <a:defRPr>
+                <a:solidFill>
+                  <a:schemeClr val="bg1">
+                    <a:lumMod val="95000"/>
+                    <a:lumOff val="5000"/>
+                  </a:schemeClr>
+                </a:solidFill>
+              </a:defRPr>
+            </a:lvl1pPr>
+          </a:lstStyle>
+          <a:p>
+            <a:r>
+              <a:rPr lang="de-DE" noProof="0" dirty="0" smtClean="0"/>
+              <a:t>Titelmasterformat durch Klicken bearbeiten</a:t>
+            </a:r>
+            <a:endParaRPr lang="de-DE" noProof="0" dirty="0"/>
+          </a:p>
+        </p:txBody>
+      </p:sp>
+      <p:sp>
+        <p:nvSpPr>
+          <p:cNvPr id="3" name="Inhaltsplatzhalter 2"/>
+          <p:cNvSpPr>
+            <a:spLocks noGrp="1"/>
+          </p:cNvSpPr>
+          <p:nvPr>
+            <p:ph idx="1"/>
+          </p:nvPr>
+        </p:nvSpPr>
+        <p:spPr>
+          <a:xfrm>
+            <a:off x="1522412" y="1797558"/>
+            <a:ext cx="6156175" cy="4223730"/>
+          </a:xfrm>
+        </p:spPr>
+        <p:txBody>
+          <a:bodyPr/>
+          <a:lstStyle>
+            <a:lvl1pPr>
+              <a:defRPr>
+                <a:solidFill>
+                  <a:schemeClr val="bg1"/>
+                </a:solidFill>
+                <a:latin typeface="+mj-lt"/>
+              </a:defRPr>
+            </a:lvl1pPr>
+            <a:lvl2pPr marL="548640">
+              <a:defRPr>
+                <a:solidFill>
+                  <a:schemeClr val="bg1"/>
+                </a:solidFill>
+                <a:latin typeface="+mj-lt"/>
+              </a:defRPr>
+            </a:lvl2pPr>
+            <a:lvl3pPr marL="777240">
+              <a:defRPr>
+                <a:solidFill>
+                  <a:schemeClr val="bg1"/>
+                </a:solidFill>
+                <a:latin typeface="+mj-lt"/>
+              </a:defRPr>
+            </a:lvl3pPr>
+            <a:lvl4pPr marL="1005840">
+              <a:defRPr>
+                <a:solidFill>
+                  <a:schemeClr val="bg1"/>
+                </a:solidFill>
+                <a:latin typeface="+mj-lt"/>
+              </a:defRPr>
+            </a:lvl4pPr>
+            <a:lvl5pPr marL="1234440">
+              <a:defRPr>
+                <a:solidFill>
+                  <a:schemeClr val="bg1"/>
+                </a:solidFill>
+                <a:latin typeface="+mj-lt"/>
+              </a:defRPr>
+            </a:lvl5pPr>
+            <a:lvl6pPr marL="1463040">
+              <a:defRPr baseline="0"/>
+            </a:lvl6pPr>
+            <a:lvl7pPr marL="1691640">
+              <a:defRPr baseline="0"/>
+            </a:lvl7pPr>
+            <a:lvl8pPr marL="1920240">
+              <a:defRPr baseline="0"/>
+            </a:lvl8pPr>
+            <a:lvl9pPr marL="2148840">
+              <a:defRPr baseline="0"/>
+            </a:lvl9pPr>
+          </a:lstStyle>
+          <a:p>
+            <a:pPr lvl="0"/>
+            <a:r>
+              <a:rPr lang="de-DE" noProof="0" dirty="0" smtClean="0"/>
+              <a:t>Textmasterformat bearbeiten</a:t>
+            </a:r>
+          </a:p>
+          <a:p>
+            <a:pPr lvl="1"/>
+            <a:r>
+              <a:rPr lang="de-DE" noProof="0" dirty="0" smtClean="0"/>
+              <a:t>Zweite Ebene</a:t>
+            </a:r>
+          </a:p>
+          <a:p>
+            <a:pPr lvl="2"/>
+            <a:r>
+              <a:rPr lang="de-DE" noProof="0" dirty="0" smtClean="0"/>
+              <a:t>Dritte Ebene</a:t>
+            </a:r>
+          </a:p>
+          <a:p>
+            <a:pPr lvl="3"/>
+            <a:r>
+              <a:rPr lang="de-DE" noProof="0" dirty="0" smtClean="0"/>
+              <a:t>Vierte Ebene</a:t>
+            </a:r>
+          </a:p>
+          <a:p>
+            <a:pPr lvl="4"/>
+            <a:r>
+              <a:rPr lang="de-DE" noProof="0" dirty="0" smtClean="0"/>
+              <a:t>Fünfte Ebene</a:t>
+            </a:r>
+            <a:endParaRPr lang="de-DE" noProof="0" dirty="0"/>
+          </a:p>
+        </p:txBody>
+      </p:sp>
+      <p:sp>
+        <p:nvSpPr>
+          <p:cNvPr id="4" name="Datumsplatzhalter 3"/>
+          <p:cNvSpPr>
+            <a:spLocks noGrp="1"/>
+          </p:cNvSpPr>
+          <p:nvPr>
+            <p:ph type="dt" sz="half" idx="10"/>
+          </p:nvPr>
+        </p:nvSpPr>
+        <p:spPr>
+          <a:xfrm>
+            <a:off x="9435730" y="6400801"/>
+            <a:ext cx="1243859" cy="276226"/>
+          </a:xfrm>
+        </p:spPr>
+        <p:txBody>
+          <a:bodyPr/>
+          <a:lstStyle/>
+          <a:p>
+            <a:fld id="{9AFE8FB1-0A7A-443E-AAF7-31D4FA1AA312}" type="datetimeFigureOut">
+              <a:rPr lang="de-DE" noProof="0" smtClean="0"/>
+              <a:pPr/>
+              <a:t>06.07.2015</a:t>
+            </a:fld>
+            <a:endParaRPr lang="de-DE" noProof="0" dirty="0"/>
+          </a:p>
+        </p:txBody>
+      </p:sp>
+      <p:sp>
+        <p:nvSpPr>
+          <p:cNvPr id="5" name="Fußzeilenplatzhalter 4"/>
+          <p:cNvSpPr>
+            <a:spLocks noGrp="1"/>
+          </p:cNvSpPr>
+          <p:nvPr>
+            <p:ph type="ftr" sz="quarter" idx="11"/>
+          </p:nvPr>
+        </p:nvSpPr>
+        <p:spPr/>
+        <p:txBody>
+          <a:bodyPr/>
+          <a:lstStyle>
+            <a:lvl1pPr>
+              <a:defRPr>
+                <a:solidFill>
+                  <a:schemeClr val="bg1">
+                    <a:lumMod val="95000"/>
+                    <a:lumOff val="5000"/>
+                  </a:schemeClr>
+                </a:solidFill>
+              </a:defRPr>
+            </a:lvl1pPr>
+          </a:lstStyle>
+          <a:p>
+            <a:endParaRPr lang="de-DE" dirty="0"/>
+          </a:p>
+        </p:txBody>
+      </p:sp>
+      <p:sp>
+        <p:nvSpPr>
+          <p:cNvPr id="6" name="Foliennummernplatzhalter 5"/>
+          <p:cNvSpPr>
+            <a:spLocks noGrp="1"/>
+          </p:cNvSpPr>
+          <p:nvPr>
+            <p:ph type="sldNum" sz="quarter" idx="12"/>
+          </p:nvPr>
+        </p:nvSpPr>
+        <p:spPr>
+          <a:xfrm>
+            <a:off x="10853737" y="6400801"/>
+            <a:ext cx="1143002" cy="276226"/>
+          </a:xfrm>
+        </p:spPr>
+        <p:txBody>
+          <a:bodyPr/>
+          <a:lstStyle>
+            <a:lvl1pPr>
+              <a:defRPr b="1">
+                <a:solidFill>
+                  <a:schemeClr val="bg1">
+                    <a:lumMod val="95000"/>
+                    <a:lumOff val="5000"/>
+                  </a:schemeClr>
+                </a:solidFill>
+              </a:defRPr>
+            </a:lvl1pPr>
+          </a:lstStyle>
+          <a:p>
+            <a:fld id="{25BA54BD-C84D-46CE-8B72-31BFB26ABA43}" type="slidenum">
+              <a:rPr lang="de-DE" smtClean="0"/>
+              <a:pPr/>
+              <a:t>‹Nr.›</a:t>
+            </a:fld>
+            <a:endParaRPr lang="de-DE" dirty="0"/>
+          </a:p>
+        </p:txBody>
+      </p:sp>
+    </p:spTree>
+    <p:extLst>
+      <p:ext uri="{BB962C8B-B14F-4D97-AF65-F5344CB8AC3E}">
+        <p14:creationId xmlns:p14="http://schemas.microsoft.com/office/powerpoint/2010/main" val="3697668095"/>
+      </p:ext>
+    </p:extLst>
+  </p:cSld>
+  <p:clrMapOvr>
+    <a:masterClrMapping/>
+  </p:clrMapOvr>
+  <mc:AlternateContent xmlns:mc="http://schemas.openxmlformats.org/markup-compatibility/2006" xmlns:p14="http://schemas.microsoft.com/office/powerpoint/2010/main">
+    <mc:Choice Requires="p14">
+      <p:transition spd="med" p14:dur="700">
+        <p:fade/>
+      </p:transition>
+    </mc:Choice>
+    <mc:Fallback xmlns="">
       <p:transition spd="med">
         <p:fade/>
       </p:transition>
@@ -7436,11 +7850,7 @@
           <a:p>
             <a:r>
               <a:rPr lang="de-DE" noProof="0" dirty="0" smtClean="0"/>
-              <a:t>Titelmasterformat durch Klicken </a:t>
-            </a:r>
-            <a:r>
-              <a:rPr lang="de-DE" noProof="0" dirty="0" smtClean="0"/>
-              <a:t>bearbeiten</a:t>
+              <a:t>Titelmasterformat durch Klicken bearbeiten</a:t>
             </a:r>
             <a:endParaRPr lang="de-DE" noProof="0" dirty="0"/>
           </a:p>
@@ -7633,7 +8043,7 @@
     </p:spTree>
     <p:extLst>
       <p:ext uri="{BB962C8B-B14F-4D97-AF65-F5344CB8AC3E}">
-        <p14:creationId xmlns:p14="http://schemas.microsoft.com/office/powerpoint/2010/main" xmlns="" val="535636480"/>
+        <p14:creationId xmlns:p14="http://schemas.microsoft.com/office/powerpoint/2010/main" val="535636480"/>
       </p:ext>
     </p:extLst>
   </p:cSld>
@@ -7646,14 +8056,15 @@
     <p:sldLayoutId id="2147483665" r:id="rId5"/>
     <p:sldLayoutId id="2147483666" r:id="rId6"/>
     <p:sldLayoutId id="2147483667" r:id="rId7"/>
+    <p:sldLayoutId id="2147483668" r:id="rId8"/>
   </p:sldLayoutIdLst>
-  <mc:AlternateContent xmlns:mc="http://schemas.openxmlformats.org/markup-compatibility/2006">
-    <mc:Choice xmlns:p14="http://schemas.microsoft.com/office/powerpoint/2010/main" xmlns="" Requires="p14">
+  <mc:AlternateContent xmlns:mc="http://schemas.openxmlformats.org/markup-compatibility/2006" xmlns:p14="http://schemas.microsoft.com/office/powerpoint/2010/main">
+    <mc:Choice Requires="p14">
       <p:transition spd="med" p14:dur="700">
         <p:fade/>
       </p:transition>
     </mc:Choice>
-    <mc:Fallback>
+    <mc:Fallback xmlns="">
       <p:transition spd="med">
         <p:fade/>
       </p:transition>
@@ -8220,20 +8631,20 @@
     </p:spTree>
     <p:extLst>
       <p:ext uri="{BB962C8B-B14F-4D97-AF65-F5344CB8AC3E}">
-        <p14:creationId xmlns:p14="http://schemas.microsoft.com/office/powerpoint/2010/main" xmlns="" val="791001320"/>
+        <p14:creationId xmlns:p14="http://schemas.microsoft.com/office/powerpoint/2010/main" val="791001320"/>
       </p:ext>
     </p:extLst>
   </p:cSld>
   <p:clrMapOvr>
     <a:masterClrMapping/>
   </p:clrMapOvr>
-  <mc:AlternateContent xmlns:mc="http://schemas.openxmlformats.org/markup-compatibility/2006">
-    <mc:Choice xmlns:p14="http://schemas.microsoft.com/office/powerpoint/2010/main" xmlns="" Requires="p14">
+  <mc:AlternateContent xmlns:mc="http://schemas.openxmlformats.org/markup-compatibility/2006" xmlns:p14="http://schemas.microsoft.com/office/powerpoint/2010/main">
+    <mc:Choice Requires="p14">
       <p:transition spd="med" p14:dur="700">
         <p:fade/>
       </p:transition>
     </mc:Choice>
-    <mc:Fallback>
+    <mc:Fallback xmlns="">
       <p:transition spd="med">
         <p:fade/>
       </p:transition>
@@ -8250,6 +8661,305 @@
 </file>
 
 <file path=ppt/slides/slide10.xml><?xml version="1.0" encoding="utf-8"?>
+<p:sld xmlns:a="http://schemas.openxmlformats.org/drawingml/2006/main" xmlns:r="http://schemas.openxmlformats.org/officeDocument/2006/relationships" xmlns:p="http://schemas.openxmlformats.org/presentationml/2006/main">
+  <p:cSld>
+    <p:spTree>
+      <p:nvGrpSpPr>
+        <p:cNvPr id="1" name=""/>
+        <p:cNvGrpSpPr/>
+        <p:nvPr/>
+      </p:nvGrpSpPr>
+      <p:grpSpPr>
+        <a:xfrm>
+          <a:off x="0" y="0"/>
+          <a:ext cx="0" cy="0"/>
+          <a:chOff x="0" y="0"/>
+          <a:chExt cx="0" cy="0"/>
+        </a:xfrm>
+      </p:grpSpPr>
+      <p:sp>
+        <p:nvSpPr>
+          <p:cNvPr id="2" name="Titel 1"/>
+          <p:cNvSpPr>
+            <a:spLocks noGrp="1"/>
+          </p:cNvSpPr>
+          <p:nvPr>
+            <p:ph type="title"/>
+          </p:nvPr>
+        </p:nvSpPr>
+        <p:spPr/>
+        <p:txBody>
+          <a:bodyPr/>
+          <a:lstStyle/>
+          <a:p>
+            <a:r>
+              <a:rPr lang="de-CH" dirty="0" smtClean="0"/>
+              <a:t>Architektur</a:t>
+            </a:r>
+            <a:endParaRPr lang="de-CH" dirty="0"/>
+          </a:p>
+        </p:txBody>
+      </p:sp>
+      <p:sp>
+        <p:nvSpPr>
+          <p:cNvPr id="3" name="Inhaltsplatzhalter 2"/>
+          <p:cNvSpPr>
+            <a:spLocks noGrp="1"/>
+          </p:cNvSpPr>
+          <p:nvPr>
+            <p:ph idx="1"/>
+          </p:nvPr>
+        </p:nvSpPr>
+        <p:spPr/>
+        <p:txBody>
+          <a:bodyPr>
+            <a:normAutofit/>
+          </a:bodyPr>
+          <a:lstStyle/>
+          <a:p>
+            <a:r>
+              <a:rPr lang="de-CH" dirty="0" smtClean="0"/>
+              <a:t>Klassenmodell</a:t>
+            </a:r>
+          </a:p>
+          <a:p>
+            <a:pPr marL="0" indent="0">
+              <a:buNone/>
+            </a:pPr>
+            <a:endParaRPr lang="de-CH" dirty="0" smtClean="0"/>
+          </a:p>
+          <a:p>
+            <a:pPr lvl="1"/>
+            <a:endParaRPr lang="de-CH" dirty="0" smtClean="0"/>
+          </a:p>
+        </p:txBody>
+      </p:sp>
+      <p:sp>
+        <p:nvSpPr>
+          <p:cNvPr id="6" name="Inhaltsplatzhalter 5"/>
+          <p:cNvSpPr>
+            <a:spLocks noGrp="1"/>
+          </p:cNvSpPr>
+          <p:nvPr>
+            <p:ph idx="13"/>
+          </p:nvPr>
+        </p:nvSpPr>
+        <p:spPr/>
+        <p:txBody>
+          <a:bodyPr/>
+          <a:lstStyle/>
+          <a:p>
+            <a:endParaRPr lang="de-CH"/>
+          </a:p>
+        </p:txBody>
+      </p:sp>
+      <p:pic>
+        <p:nvPicPr>
+          <p:cNvPr id="7" name="Grafik 6"/>
+          <p:cNvPicPr>
+            <a:picLocks noChangeAspect="1"/>
+          </p:cNvPicPr>
+          <p:nvPr/>
+        </p:nvPicPr>
+        <p:blipFill>
+          <a:blip r:embed="rId2"/>
+          <a:stretch>
+            <a:fillRect/>
+          </a:stretch>
+        </p:blipFill>
+        <p:spPr>
+          <a:xfrm>
+            <a:off x="4605559" y="1400410"/>
+            <a:ext cx="5184576" cy="4518829"/>
+          </a:xfrm>
+          <a:prstGeom prst="rect">
+            <a:avLst/>
+          </a:prstGeom>
+        </p:spPr>
+      </p:pic>
+    </p:spTree>
+    <p:extLst>
+      <p:ext uri="{BB962C8B-B14F-4D97-AF65-F5344CB8AC3E}">
+        <p14:creationId xmlns:p14="http://schemas.microsoft.com/office/powerpoint/2010/main" val="3353599290"/>
+      </p:ext>
+    </p:extLst>
+  </p:cSld>
+  <p:clrMapOvr>
+    <a:masterClrMapping/>
+  </p:clrMapOvr>
+  <mc:AlternateContent xmlns:mc="http://schemas.openxmlformats.org/markup-compatibility/2006" xmlns:p14="http://schemas.microsoft.com/office/powerpoint/2010/main">
+    <mc:Choice Requires="p14">
+      <p:transition spd="med" p14:dur="700">
+        <p:fade/>
+      </p:transition>
+    </mc:Choice>
+    <mc:Fallback xmlns="">
+      <p:transition spd="med">
+        <p:fade/>
+      </p:transition>
+    </mc:Fallback>
+  </mc:AlternateContent>
+  <p:timing>
+    <p:tnLst>
+      <p:par>
+        <p:cTn id="1" dur="indefinite" restart="never" nodeType="tmRoot"/>
+      </p:par>
+    </p:tnLst>
+  </p:timing>
+</p:sld>
+</file>
+
+<file path=ppt/slides/slide11.xml><?xml version="1.0" encoding="utf-8"?>
+<p:sld xmlns:a="http://schemas.openxmlformats.org/drawingml/2006/main" xmlns:r="http://schemas.openxmlformats.org/officeDocument/2006/relationships" xmlns:p="http://schemas.openxmlformats.org/presentationml/2006/main">
+  <p:cSld>
+    <p:spTree>
+      <p:nvGrpSpPr>
+        <p:cNvPr id="1" name=""/>
+        <p:cNvGrpSpPr/>
+        <p:nvPr/>
+      </p:nvGrpSpPr>
+      <p:grpSpPr>
+        <a:xfrm>
+          <a:off x="0" y="0"/>
+          <a:ext cx="0" cy="0"/>
+          <a:chOff x="0" y="0"/>
+          <a:chExt cx="0" cy="0"/>
+        </a:xfrm>
+      </p:grpSpPr>
+      <p:sp>
+        <p:nvSpPr>
+          <p:cNvPr id="2" name="Titel 1"/>
+          <p:cNvSpPr>
+            <a:spLocks noGrp="1"/>
+          </p:cNvSpPr>
+          <p:nvPr>
+            <p:ph type="title"/>
+          </p:nvPr>
+        </p:nvSpPr>
+        <p:spPr/>
+        <p:txBody>
+          <a:bodyPr/>
+          <a:lstStyle/>
+          <a:p>
+            <a:r>
+              <a:rPr lang="de-CH" dirty="0" smtClean="0"/>
+              <a:t>Architektur</a:t>
+            </a:r>
+            <a:endParaRPr lang="de-CH" dirty="0"/>
+          </a:p>
+        </p:txBody>
+      </p:sp>
+      <p:sp>
+        <p:nvSpPr>
+          <p:cNvPr id="3" name="Inhaltsplatzhalter 2"/>
+          <p:cNvSpPr>
+            <a:spLocks noGrp="1"/>
+          </p:cNvSpPr>
+          <p:nvPr>
+            <p:ph idx="1"/>
+          </p:nvPr>
+        </p:nvSpPr>
+        <p:spPr/>
+        <p:txBody>
+          <a:bodyPr>
+            <a:normAutofit/>
+          </a:bodyPr>
+          <a:lstStyle/>
+          <a:p>
+            <a:r>
+              <a:rPr lang="de-CH" dirty="0" err="1" smtClean="0"/>
+              <a:t>SQLiteDB</a:t>
+            </a:r>
+            <a:endParaRPr lang="de-CH" dirty="0" smtClean="0"/>
+          </a:p>
+          <a:p>
+            <a:pPr marL="0" indent="0">
+              <a:buNone/>
+            </a:pPr>
+            <a:endParaRPr lang="de-CH" dirty="0" smtClean="0"/>
+          </a:p>
+          <a:p>
+            <a:pPr lvl="1"/>
+            <a:endParaRPr lang="de-CH" dirty="0" smtClean="0"/>
+          </a:p>
+        </p:txBody>
+      </p:sp>
+      <p:sp>
+        <p:nvSpPr>
+          <p:cNvPr id="6" name="Inhaltsplatzhalter 5"/>
+          <p:cNvSpPr>
+            <a:spLocks noGrp="1"/>
+          </p:cNvSpPr>
+          <p:nvPr>
+            <p:ph idx="13"/>
+          </p:nvPr>
+        </p:nvSpPr>
+        <p:spPr/>
+        <p:txBody>
+          <a:bodyPr/>
+          <a:lstStyle/>
+          <a:p>
+            <a:endParaRPr lang="de-CH"/>
+          </a:p>
+        </p:txBody>
+      </p:sp>
+      <p:pic>
+        <p:nvPicPr>
+          <p:cNvPr id="4" name="Grafik 3"/>
+          <p:cNvPicPr>
+            <a:picLocks noChangeAspect="1"/>
+          </p:cNvPicPr>
+          <p:nvPr/>
+        </p:nvPicPr>
+        <p:blipFill>
+          <a:blip r:embed="rId2"/>
+          <a:stretch>
+            <a:fillRect/>
+          </a:stretch>
+        </p:blipFill>
+        <p:spPr>
+          <a:xfrm>
+            <a:off x="3397861" y="2012351"/>
+            <a:ext cx="5393103" cy="3794143"/>
+          </a:xfrm>
+          <a:prstGeom prst="rect">
+            <a:avLst/>
+          </a:prstGeom>
+        </p:spPr>
+      </p:pic>
+    </p:spTree>
+    <p:extLst>
+      <p:ext uri="{BB962C8B-B14F-4D97-AF65-F5344CB8AC3E}">
+        <p14:creationId xmlns:p14="http://schemas.microsoft.com/office/powerpoint/2010/main" val="2272683450"/>
+      </p:ext>
+    </p:extLst>
+  </p:cSld>
+  <p:clrMapOvr>
+    <a:masterClrMapping/>
+  </p:clrMapOvr>
+  <mc:AlternateContent xmlns:mc="http://schemas.openxmlformats.org/markup-compatibility/2006" xmlns:p14="http://schemas.microsoft.com/office/powerpoint/2010/main">
+    <mc:Choice Requires="p14">
+      <p:transition spd="med" p14:dur="700">
+        <p:fade/>
+      </p:transition>
+    </mc:Choice>
+    <mc:Fallback xmlns="">
+      <p:transition spd="med">
+        <p:fade/>
+      </p:transition>
+    </mc:Fallback>
+  </mc:AlternateContent>
+  <p:timing>
+    <p:tnLst>
+      <p:par>
+        <p:cTn id="1" dur="indefinite" restart="never" nodeType="tmRoot"/>
+      </p:par>
+    </p:tnLst>
+  </p:timing>
+</p:sld>
+</file>
+
+<file path=ppt/slides/slide12.xml><?xml version="1.0" encoding="utf-8"?>
 <p:sld xmlns:a="http://schemas.openxmlformats.org/drawingml/2006/main" xmlns:r="http://schemas.openxmlformats.org/officeDocument/2006/relationships" xmlns:p="http://schemas.openxmlformats.org/presentationml/2006/main">
   <p:cSld>
     <p:spTree>
@@ -8367,13 +9077,13 @@
   <p:clrMapOvr>
     <a:masterClrMapping/>
   </p:clrMapOvr>
-  <mc:AlternateContent xmlns:mc="http://schemas.openxmlformats.org/markup-compatibility/2006">
-    <mc:Choice xmlns:p14="http://schemas.microsoft.com/office/powerpoint/2010/main" xmlns="" Requires="p14">
+  <mc:AlternateContent xmlns:mc="http://schemas.openxmlformats.org/markup-compatibility/2006" xmlns:p14="http://schemas.microsoft.com/office/powerpoint/2010/main">
+    <mc:Choice Requires="p14">
       <p:transition spd="med" p14:dur="700">
         <p:fade/>
       </p:transition>
     </mc:Choice>
-    <mc:Fallback>
+    <mc:Fallback xmlns="">
       <p:transition spd="med">
         <p:fade/>
       </p:transition>
@@ -8389,7 +9099,7 @@
 </p:sld>
 </file>
 
-<file path=ppt/slides/slide11.xml><?xml version="1.0" encoding="utf-8"?>
+<file path=ppt/slides/slide13.xml><?xml version="1.0" encoding="utf-8"?>
 <p:sld xmlns:a="http://schemas.openxmlformats.org/drawingml/2006/main" xmlns:r="http://schemas.openxmlformats.org/officeDocument/2006/relationships" xmlns:p="http://schemas.openxmlformats.org/presentationml/2006/main">
   <p:cSld>
     <p:spTree>
@@ -8524,13 +9234,13 @@
   <p:clrMapOvr>
     <a:masterClrMapping/>
   </p:clrMapOvr>
-  <mc:AlternateContent xmlns:mc="http://schemas.openxmlformats.org/markup-compatibility/2006">
-    <mc:Choice xmlns:p14="http://schemas.microsoft.com/office/powerpoint/2010/main" xmlns="" Requires="p14">
+  <mc:AlternateContent xmlns:mc="http://schemas.openxmlformats.org/markup-compatibility/2006" xmlns:p14="http://schemas.microsoft.com/office/powerpoint/2010/main">
+    <mc:Choice Requires="p14">
       <p:transition spd="med" p14:dur="700">
         <p:fade/>
       </p:transition>
     </mc:Choice>
-    <mc:Fallback>
+    <mc:Fallback xmlns="">
       <p:transition spd="med">
         <p:fade/>
       </p:transition>
@@ -8546,7 +9256,7 @@
 </p:sld>
 </file>
 
-<file path=ppt/slides/slide12.xml><?xml version="1.0" encoding="utf-8"?>
+<file path=ppt/slides/slide14.xml><?xml version="1.0" encoding="utf-8"?>
 <p:sld xmlns:a="http://schemas.openxmlformats.org/drawingml/2006/main" xmlns:r="http://schemas.openxmlformats.org/officeDocument/2006/relationships" xmlns:p="http://schemas.openxmlformats.org/presentationml/2006/main">
   <p:cSld>
     <p:spTree>
@@ -8658,13 +9368,13 @@
   <p:clrMapOvr>
     <a:masterClrMapping/>
   </p:clrMapOvr>
-  <mc:AlternateContent xmlns:mc="http://schemas.openxmlformats.org/markup-compatibility/2006">
-    <mc:Choice xmlns:p14="http://schemas.microsoft.com/office/powerpoint/2010/main" xmlns="" Requires="p14">
+  <mc:AlternateContent xmlns:mc="http://schemas.openxmlformats.org/markup-compatibility/2006" xmlns:p14="http://schemas.microsoft.com/office/powerpoint/2010/main">
+    <mc:Choice Requires="p14">
       <p:transition spd="med" p14:dur="700">
         <p:fade/>
       </p:transition>
     </mc:Choice>
-    <mc:Fallback>
+    <mc:Fallback xmlns="">
       <p:transition spd="med">
         <p:fade/>
       </p:transition>
@@ -8680,7 +9390,7 @@
 </p:sld>
 </file>
 
-<file path=ppt/slides/slide13.xml><?xml version="1.0" encoding="utf-8"?>
+<file path=ppt/slides/slide15.xml><?xml version="1.0" encoding="utf-8"?>
 <p:sld xmlns:a="http://schemas.openxmlformats.org/drawingml/2006/main" xmlns:r="http://schemas.openxmlformats.org/officeDocument/2006/relationships" xmlns:p="http://schemas.openxmlformats.org/presentationml/2006/main">
   <p:cSld>
     <p:spTree>
@@ -8801,7 +9511,6 @@
               <a:rPr lang="en-US" dirty="0" smtClean="0"/>
               <a:t>, </a:t>
             </a:r>
-            <a:endParaRPr lang="en-US" dirty="0" smtClean="0"/>
           </a:p>
           <a:p>
             <a:pPr lvl="1">
@@ -8809,15 +9518,7 @@
             </a:pPr>
             <a:r>
               <a:rPr lang="en-US" b="1" dirty="0" smtClean="0"/>
-              <a:t>"</a:t>
-            </a:r>
-            <a:r>
-              <a:rPr lang="en-US" b="1" dirty="0" smtClean="0"/>
-              <a:t>Before we start, may we know something of you? Which is your favorite</a:t>
-            </a:r>
-            <a:r>
-              <a:rPr lang="en-US" b="1" dirty="0" smtClean="0"/>
-              <a:t>..."</a:t>
+              <a:t>"Before we start, may we know something of you? Which is your favorite..."</a:t>
             </a:r>
             <a:r>
               <a:rPr lang="en-US" dirty="0" smtClean="0"/>
@@ -8876,11 +9577,7 @@
             </a:r>
             <a:r>
               <a:rPr lang="en-US" b="1" dirty="0" smtClean="0"/>
-              <a:t>"</a:t>
-            </a:r>
-            <a:r>
-              <a:rPr lang="en-US" b="1" dirty="0" smtClean="0"/>
-              <a:t>Just select the one you like."</a:t>
+              <a:t>"Just select the one you like."</a:t>
             </a:r>
             <a:r>
               <a:rPr lang="en-US" dirty="0" smtClean="0"/>
@@ -8908,11 +9605,7 @@
             </a:r>
             <a:r>
               <a:rPr lang="en-US" dirty="0" smtClean="0"/>
-              <a:t>.name</a:t>
-            </a:r>
-            <a:r>
-              <a:rPr lang="en-US" dirty="0" smtClean="0"/>
-              <a:t>())</a:t>
+              <a:t>.name())</a:t>
             </a:r>
           </a:p>
           <a:p>
@@ -8922,10 +9615,6 @@
             <a:r>
               <a:rPr lang="en-US" dirty="0" smtClean="0"/>
               <a:t>);</a:t>
-            </a:r>
-            <a:r>
-              <a:rPr lang="en-US" dirty="0" smtClean="0"/>
-              <a:t/>
             </a:r>
             <a:br>
               <a:rPr lang="en-US" dirty="0" smtClean="0"/>
@@ -9003,11 +9692,7 @@
             </a:r>
             <a:r>
               <a:rPr lang="en-US" dirty="0" smtClean="0"/>
-              <a:t>.name</a:t>
-            </a:r>
-            <a:r>
-              <a:rPr lang="en-US" dirty="0" smtClean="0"/>
-              <a:t>())</a:t>
+              <a:t>.name())</a:t>
             </a:r>
           </a:p>
           <a:p>
@@ -9062,474 +9747,13 @@
   <p:clrMapOvr>
     <a:masterClrMapping/>
   </p:clrMapOvr>
-  <mc:AlternateContent xmlns:mc="http://schemas.openxmlformats.org/markup-compatibility/2006">
-    <mc:Choice xmlns:p14="http://schemas.microsoft.com/office/powerpoint/2010/main" xmlns="" Requires="p14">
+  <mc:AlternateContent xmlns:mc="http://schemas.openxmlformats.org/markup-compatibility/2006" xmlns:p14="http://schemas.microsoft.com/office/powerpoint/2010/main">
+    <mc:Choice Requires="p14">
       <p:transition spd="med" p14:dur="700">
         <p:fade/>
       </p:transition>
     </mc:Choice>
-    <mc:Fallback>
-      <p:transition spd="med">
-        <p:fade/>
-      </p:transition>
-    </mc:Fallback>
-  </mc:AlternateContent>
-  <p:timing>
-    <p:tnLst>
-      <p:par>
-        <p:cTn id="1" dur="indefinite" restart="never" nodeType="tmRoot"/>
-      </p:par>
-    </p:tnLst>
-  </p:timing>
-</p:sld>
-</file>
-
-<file path=ppt/slides/slide14.xml><?xml version="1.0" encoding="utf-8"?>
-<p:sld xmlns:a="http://schemas.openxmlformats.org/drawingml/2006/main" xmlns:r="http://schemas.openxmlformats.org/officeDocument/2006/relationships" xmlns:p="http://schemas.openxmlformats.org/presentationml/2006/main">
-  <p:cSld>
-    <p:spTree>
-      <p:nvGrpSpPr>
-        <p:cNvPr id="1" name=""/>
-        <p:cNvGrpSpPr/>
-        <p:nvPr/>
-      </p:nvGrpSpPr>
-      <p:grpSpPr>
-        <a:xfrm>
-          <a:off x="0" y="0"/>
-          <a:ext cx="0" cy="0"/>
-          <a:chOff x="0" y="0"/>
-          <a:chExt cx="0" cy="0"/>
-        </a:xfrm>
-      </p:grpSpPr>
-      <p:sp>
-        <p:nvSpPr>
-          <p:cNvPr id="2" name="Titel 1"/>
-          <p:cNvSpPr>
-            <a:spLocks noGrp="1"/>
-          </p:cNvSpPr>
-          <p:nvPr>
-            <p:ph type="title"/>
-          </p:nvPr>
-        </p:nvSpPr>
-        <p:spPr/>
-        <p:txBody>
-          <a:bodyPr/>
-          <a:lstStyle/>
-          <a:p>
-            <a:r>
-              <a:rPr lang="de-CH" dirty="0" smtClean="0"/>
-              <a:t>Wizard</a:t>
-            </a:r>
-            <a:endParaRPr lang="en-US" dirty="0"/>
-          </a:p>
-        </p:txBody>
-      </p:sp>
-      <p:graphicFrame>
-        <p:nvGraphicFramePr>
-          <p:cNvPr id="4" name="Inhaltsplatzhalter 3"/>
-          <p:cNvGraphicFramePr>
-            <a:graphicFrameLocks noGrp="1"/>
-          </p:cNvGraphicFramePr>
-          <p:nvPr>
-            <p:ph idx="1"/>
-          </p:nvPr>
-        </p:nvGraphicFramePr>
-        <p:xfrm>
-          <a:off x="1522413" y="1797050"/>
-          <a:ext cx="6156325" cy="4224338"/>
-        </p:xfrm>
-        <a:graphic>
-          <a:graphicData uri="http://schemas.openxmlformats.org/drawingml/2006/diagram">
-            <dgm:relIds xmlns:dgm="http://schemas.openxmlformats.org/drawingml/2006/diagram" xmlns:r="http://schemas.openxmlformats.org/officeDocument/2006/relationships" r:dm="rId2" r:lo="rId3" r:qs="rId4" r:cs="rId5"/>
-          </a:graphicData>
-        </a:graphic>
-      </p:graphicFrame>
-      <p:sp>
-        <p:nvSpPr>
-          <p:cNvPr id="6" name="Inhaltsplatzhalter 5"/>
-          <p:cNvSpPr>
-            <a:spLocks noGrp="1"/>
-          </p:cNvSpPr>
-          <p:nvPr>
-            <p:ph idx="13"/>
-          </p:nvPr>
-        </p:nvSpPr>
-        <p:spPr/>
-        <p:txBody>
-          <a:bodyPr/>
-          <a:lstStyle/>
-          <a:p>
-            <a:endParaRPr lang="en-US"/>
-          </a:p>
-        </p:txBody>
-      </p:sp>
-    </p:spTree>
-  </p:cSld>
-  <p:clrMapOvr>
-    <a:masterClrMapping/>
-  </p:clrMapOvr>
-  <mc:AlternateContent xmlns:mc="http://schemas.openxmlformats.org/markup-compatibility/2006">
-    <mc:Choice xmlns:p14="http://schemas.microsoft.com/office/powerpoint/2010/main" xmlns="" Requires="p14">
-      <p:transition spd="med" p14:dur="700">
-        <p:fade/>
-      </p:transition>
-    </mc:Choice>
-    <mc:Fallback>
-      <p:transition spd="med">
-        <p:fade/>
-      </p:transition>
-    </mc:Fallback>
-  </mc:AlternateContent>
-  <p:timing>
-    <p:tnLst>
-      <p:par>
-        <p:cTn id="1" dur="indefinite" restart="never" nodeType="tmRoot"/>
-      </p:par>
-    </p:tnLst>
-  </p:timing>
-</p:sld>
-</file>
-
-<file path=ppt/slides/slide15.xml><?xml version="1.0" encoding="utf-8"?>
-<p:sld xmlns:a="http://schemas.openxmlformats.org/drawingml/2006/main" xmlns:r="http://schemas.openxmlformats.org/officeDocument/2006/relationships" xmlns:p="http://schemas.openxmlformats.org/presentationml/2006/main">
-  <p:cSld>
-    <p:spTree>
-      <p:nvGrpSpPr>
-        <p:cNvPr id="1" name=""/>
-        <p:cNvGrpSpPr/>
-        <p:nvPr/>
-      </p:nvGrpSpPr>
-      <p:grpSpPr>
-        <a:xfrm>
-          <a:off x="0" y="0"/>
-          <a:ext cx="0" cy="0"/>
-          <a:chOff x="0" y="0"/>
-          <a:chExt cx="0" cy="0"/>
-        </a:xfrm>
-      </p:grpSpPr>
-      <p:sp>
-        <p:nvSpPr>
-          <p:cNvPr id="2" name="Titel 1"/>
-          <p:cNvSpPr>
-            <a:spLocks noGrp="1"/>
-          </p:cNvSpPr>
-          <p:nvPr>
-            <p:ph type="title"/>
-          </p:nvPr>
-        </p:nvSpPr>
-        <p:spPr/>
-        <p:txBody>
-          <a:bodyPr/>
-          <a:lstStyle/>
-          <a:p>
-            <a:r>
-              <a:rPr lang="de-CH" dirty="0" smtClean="0"/>
-              <a:t>Was lief gut?</a:t>
-            </a:r>
-            <a:endParaRPr lang="de-CH" dirty="0" smtClean="0"/>
-          </a:p>
-        </p:txBody>
-      </p:sp>
-      <p:sp>
-        <p:nvSpPr>
-          <p:cNvPr id="3" name="Inhaltsplatzhalter 2"/>
-          <p:cNvSpPr>
-            <a:spLocks noGrp="1"/>
-          </p:cNvSpPr>
-          <p:nvPr>
-            <p:ph idx="1"/>
-          </p:nvPr>
-        </p:nvSpPr>
-        <p:spPr/>
-        <p:txBody>
-          <a:bodyPr>
-            <a:normAutofit/>
-          </a:bodyPr>
-          <a:lstStyle/>
-          <a:p>
-            <a:r>
-              <a:rPr lang="de-CH" dirty="0" smtClean="0"/>
-              <a:t>Initialisierungsphase</a:t>
-            </a:r>
-          </a:p>
-          <a:p>
-            <a:pPr lvl="2"/>
-            <a:r>
-              <a:rPr lang="de-CH" dirty="0" smtClean="0"/>
-              <a:t>Vorbereitung </a:t>
-            </a:r>
-          </a:p>
-          <a:p>
-            <a:pPr lvl="2"/>
-            <a:r>
-              <a:rPr lang="de-CH" dirty="0" smtClean="0"/>
-              <a:t>Methodik</a:t>
-            </a:r>
-          </a:p>
-          <a:p>
-            <a:pPr lvl="2"/>
-            <a:r>
-              <a:rPr lang="de-CH" dirty="0" smtClean="0"/>
-              <a:t>Planung aufstellen</a:t>
-            </a:r>
-          </a:p>
-          <a:p>
-            <a:pPr lvl="1"/>
-            <a:endParaRPr lang="de-CH" dirty="0" smtClean="0"/>
-          </a:p>
-        </p:txBody>
-      </p:sp>
-      <p:sp>
-        <p:nvSpPr>
-          <p:cNvPr id="5" name="Inhaltsplatzhalter 4"/>
-          <p:cNvSpPr>
-            <a:spLocks noGrp="1"/>
-          </p:cNvSpPr>
-          <p:nvPr>
-            <p:ph idx="13"/>
-          </p:nvPr>
-        </p:nvSpPr>
-        <p:spPr/>
-        <p:txBody>
-          <a:bodyPr/>
-          <a:lstStyle/>
-          <a:p>
-            <a:r>
-              <a:rPr lang="de-CH" dirty="0" smtClean="0"/>
-              <a:t>Rückblick  - Was lief gut? </a:t>
-            </a:r>
-            <a:endParaRPr lang="en-US" dirty="0"/>
-          </a:p>
-        </p:txBody>
-      </p:sp>
-      <p:sp>
-        <p:nvSpPr>
-          <p:cNvPr id="4" name="Inhaltsplatzhalter 2"/>
-          <p:cNvSpPr txBox="1">
-            <a:spLocks/>
-          </p:cNvSpPr>
-          <p:nvPr/>
-        </p:nvSpPr>
-        <p:spPr>
-          <a:xfrm>
-            <a:off x="6382444" y="1797558"/>
-            <a:ext cx="3923928" cy="4223730"/>
-          </a:xfrm>
-          <a:prstGeom prst="rect">
-            <a:avLst/>
-          </a:prstGeom>
-          <a:noFill/>
-        </p:spPr>
-        <p:txBody>
-          <a:bodyPr vert="horz" lIns="91440" tIns="45720" rIns="91440" bIns="45720" rtlCol="0">
-            <a:normAutofit/>
-          </a:bodyPr>
-          <a:lstStyle>
-            <a:lvl1pPr marL="274320" indent="-274320" algn="l" defTabSz="914400" rtl="0" eaLnBrk="1" latinLnBrk="0" hangingPunct="1">
-              <a:lnSpc>
-                <a:spcPct val="90000"/>
-              </a:lnSpc>
-              <a:spcBef>
-                <a:spcPts val="1800"/>
-              </a:spcBef>
-              <a:buSzPct val="80000"/>
-              <a:buFont typeface="Wingdings" pitchFamily="2" charset="2"/>
-              <a:buChar char="§"/>
-              <a:defRPr sz="2400" kern="1200">
-                <a:solidFill>
-                  <a:schemeClr val="tx1"/>
-                </a:solidFill>
-                <a:latin typeface="+mj-lt"/>
-                <a:ea typeface="+mn-ea"/>
-                <a:cs typeface="+mn-cs"/>
-              </a:defRPr>
-            </a:lvl1pPr>
-            <a:lvl2pPr marL="548640" indent="-274320" algn="l" defTabSz="914400" rtl="0" eaLnBrk="1" latinLnBrk="0" hangingPunct="1">
-              <a:lnSpc>
-                <a:spcPct val="90000"/>
-              </a:lnSpc>
-              <a:spcBef>
-                <a:spcPts val="600"/>
-              </a:spcBef>
-              <a:buSzPct val="100000"/>
-              <a:buFont typeface="Consolas" pitchFamily="49" charset="0"/>
-              <a:buChar char="–"/>
-              <a:defRPr sz="2000" kern="1200">
-                <a:solidFill>
-                  <a:schemeClr val="tx1"/>
-                </a:solidFill>
-                <a:latin typeface="+mj-lt"/>
-                <a:ea typeface="+mn-ea"/>
-                <a:cs typeface="+mn-cs"/>
-              </a:defRPr>
-            </a:lvl2pPr>
-            <a:lvl3pPr marL="777240" indent="-228600" algn="l" defTabSz="914400" rtl="0" eaLnBrk="1" latinLnBrk="0" hangingPunct="1">
-              <a:lnSpc>
-                <a:spcPct val="90000"/>
-              </a:lnSpc>
-              <a:spcBef>
-                <a:spcPts val="600"/>
-              </a:spcBef>
-              <a:buSzPct val="80000"/>
-              <a:buFont typeface="Wingdings" pitchFamily="2" charset="2"/>
-              <a:buChar char="§"/>
-              <a:defRPr sz="1800" kern="1200">
-                <a:solidFill>
-                  <a:schemeClr val="tx1"/>
-                </a:solidFill>
-                <a:latin typeface="+mj-lt"/>
-                <a:ea typeface="+mn-ea"/>
-                <a:cs typeface="+mn-cs"/>
-              </a:defRPr>
-            </a:lvl3pPr>
-            <a:lvl4pPr marL="1005840" indent="-228600" algn="l" defTabSz="914400" rtl="0" eaLnBrk="1" latinLnBrk="0" hangingPunct="1">
-              <a:lnSpc>
-                <a:spcPct val="90000"/>
-              </a:lnSpc>
-              <a:spcBef>
-                <a:spcPts val="600"/>
-              </a:spcBef>
-              <a:buSzPct val="100000"/>
-              <a:buFont typeface="Consolas" pitchFamily="49" charset="0"/>
-              <a:buChar char="–"/>
-              <a:defRPr sz="1600" kern="1200">
-                <a:solidFill>
-                  <a:schemeClr val="tx1"/>
-                </a:solidFill>
-                <a:latin typeface="+mj-lt"/>
-                <a:ea typeface="+mn-ea"/>
-                <a:cs typeface="+mn-cs"/>
-              </a:defRPr>
-            </a:lvl4pPr>
-            <a:lvl5pPr marL="1234440" indent="-228600" algn="l" defTabSz="914400" rtl="0" eaLnBrk="1" latinLnBrk="0" hangingPunct="1">
-              <a:lnSpc>
-                <a:spcPct val="90000"/>
-              </a:lnSpc>
-              <a:spcBef>
-                <a:spcPts val="600"/>
-              </a:spcBef>
-              <a:buSzPct val="80000"/>
-              <a:buFont typeface="Wingdings" pitchFamily="2" charset="2"/>
-              <a:buChar char="§"/>
-              <a:defRPr sz="1600" kern="1200">
-                <a:solidFill>
-                  <a:schemeClr val="tx1"/>
-                </a:solidFill>
-                <a:latin typeface="+mj-lt"/>
-                <a:ea typeface="+mn-ea"/>
-                <a:cs typeface="+mn-cs"/>
-              </a:defRPr>
-            </a:lvl5pPr>
-            <a:lvl6pPr marL="1463040" indent="-228600" algn="l" defTabSz="914400" rtl="0" eaLnBrk="1" latinLnBrk="0" hangingPunct="1">
-              <a:lnSpc>
-                <a:spcPct val="90000"/>
-              </a:lnSpc>
-              <a:spcBef>
-                <a:spcPts val="600"/>
-              </a:spcBef>
-              <a:buSzPct val="100000"/>
-              <a:buFont typeface="Consolas" pitchFamily="49" charset="0"/>
-              <a:buChar char="–"/>
-              <a:defRPr sz="1600" kern="1200" baseline="0">
-                <a:solidFill>
-                  <a:schemeClr val="tx1"/>
-                </a:solidFill>
-                <a:latin typeface="+mn-lt"/>
-                <a:ea typeface="+mn-ea"/>
-                <a:cs typeface="+mn-cs"/>
-              </a:defRPr>
-            </a:lvl6pPr>
-            <a:lvl7pPr marL="1691640" indent="-228600" algn="l" defTabSz="914400" rtl="0" eaLnBrk="1" latinLnBrk="0" hangingPunct="1">
-              <a:lnSpc>
-                <a:spcPct val="90000"/>
-              </a:lnSpc>
-              <a:spcBef>
-                <a:spcPts val="600"/>
-              </a:spcBef>
-              <a:buSzPct val="80000"/>
-              <a:buFont typeface="Wingdings" pitchFamily="2" charset="2"/>
-              <a:buChar char="§"/>
-              <a:defRPr sz="1600" kern="1200" baseline="0">
-                <a:solidFill>
-                  <a:schemeClr val="tx1"/>
-                </a:solidFill>
-                <a:latin typeface="+mn-lt"/>
-                <a:ea typeface="+mn-ea"/>
-                <a:cs typeface="+mn-cs"/>
-              </a:defRPr>
-            </a:lvl7pPr>
-            <a:lvl8pPr marL="1920240" indent="-228600" algn="l" defTabSz="914400" rtl="0" eaLnBrk="1" latinLnBrk="0" hangingPunct="1">
-              <a:lnSpc>
-                <a:spcPct val="90000"/>
-              </a:lnSpc>
-              <a:spcBef>
-                <a:spcPts val="600"/>
-              </a:spcBef>
-              <a:buSzPct val="100000"/>
-              <a:buFont typeface="Consolas" pitchFamily="49" charset="0"/>
-              <a:buChar char="–"/>
-              <a:defRPr sz="1600" kern="1200" baseline="0">
-                <a:solidFill>
-                  <a:schemeClr val="tx1"/>
-                </a:solidFill>
-                <a:latin typeface="+mn-lt"/>
-                <a:ea typeface="+mn-ea"/>
-                <a:cs typeface="+mn-cs"/>
-              </a:defRPr>
-            </a:lvl8pPr>
-            <a:lvl9pPr marL="2148840" indent="-228600" algn="l" defTabSz="914400" rtl="0" eaLnBrk="1" latinLnBrk="0" hangingPunct="1">
-              <a:lnSpc>
-                <a:spcPct val="90000"/>
-              </a:lnSpc>
-              <a:spcBef>
-                <a:spcPts val="600"/>
-              </a:spcBef>
-              <a:buSzPct val="80000"/>
-              <a:buFont typeface="Wingdings" pitchFamily="2" charset="2"/>
-              <a:buChar char="§"/>
-              <a:defRPr sz="1600" kern="1200" baseline="0">
-                <a:solidFill>
-                  <a:schemeClr val="tx1"/>
-                </a:solidFill>
-                <a:latin typeface="+mn-lt"/>
-                <a:ea typeface="+mn-ea"/>
-                <a:cs typeface="+mn-cs"/>
-              </a:defRPr>
-            </a:lvl9pPr>
-          </a:lstStyle>
-          <a:p>
-            <a:r>
-              <a:rPr lang="de-CH" dirty="0" smtClean="0"/>
-              <a:t>Was lief schlecht?</a:t>
-            </a:r>
-          </a:p>
-          <a:p>
-            <a:pPr lvl="1"/>
-            <a:r>
-              <a:rPr lang="de-CH" dirty="0" smtClean="0"/>
-              <a:t>Zeit verloren mit DB Modell</a:t>
-            </a:r>
-            <a:endParaRPr lang="de-CH" dirty="0"/>
-          </a:p>
-        </p:txBody>
-      </p:sp>
-    </p:spTree>
-    <p:extLst>
-      <p:ext uri="{BB962C8B-B14F-4D97-AF65-F5344CB8AC3E}">
-        <p14:creationId xmlns:p14="http://schemas.microsoft.com/office/powerpoint/2010/main" xmlns="" val="1720590291"/>
-      </p:ext>
-    </p:extLst>
-  </p:cSld>
-  <p:clrMapOvr>
-    <a:masterClrMapping/>
-  </p:clrMapOvr>
-  <mc:AlternateContent xmlns:mc="http://schemas.openxmlformats.org/markup-compatibility/2006">
-    <mc:Choice xmlns:p14="http://schemas.microsoft.com/office/powerpoint/2010/main" xmlns="" Requires="p14">
-      <p:transition spd="med" p14:dur="700">
-        <p:fade/>
-      </p:transition>
-    </mc:Choice>
-    <mc:Fallback>
+    <mc:Fallback xmlns="">
       <p:transition spd="med">
         <p:fade/>
       </p:transition>
@@ -9579,40 +9803,35 @@
           <a:p>
             <a:r>
               <a:rPr lang="de-CH" dirty="0" smtClean="0"/>
-              <a:t>Verbesserungsmassnahmen</a:t>
-            </a:r>
-            <a:endParaRPr lang="de-CH" dirty="0"/>
-          </a:p>
-        </p:txBody>
-      </p:sp>
-      <p:sp>
-        <p:nvSpPr>
-          <p:cNvPr id="3" name="Inhaltsplatzhalter 2"/>
-          <p:cNvSpPr>
-            <a:spLocks noGrp="1"/>
-          </p:cNvSpPr>
+              <a:t>Wizard</a:t>
+            </a:r>
+            <a:endParaRPr lang="en-US" dirty="0"/>
+          </a:p>
+        </p:txBody>
+      </p:sp>
+      <p:graphicFrame>
+        <p:nvGraphicFramePr>
+          <p:cNvPr id="4" name="Inhaltsplatzhalter 3"/>
+          <p:cNvGraphicFramePr>
+            <a:graphicFrameLocks noGrp="1"/>
+          </p:cNvGraphicFramePr>
           <p:nvPr>
             <p:ph idx="1"/>
           </p:nvPr>
-        </p:nvSpPr>
-        <p:spPr/>
-        <p:txBody>
-          <a:bodyPr>
-            <a:normAutofit/>
-          </a:bodyPr>
-          <a:lstStyle/>
-          <a:p>
-            <a:r>
-              <a:rPr lang="de-CH" dirty="0" smtClean="0"/>
-              <a:t>Initialisierung mehr Zeit aufwenden.</a:t>
-            </a:r>
-            <a:endParaRPr lang="de-CH" dirty="0" smtClean="0"/>
-          </a:p>
-        </p:txBody>
-      </p:sp>
-      <p:sp>
-        <p:nvSpPr>
-          <p:cNvPr id="5" name="Inhaltsplatzhalter 4"/>
+        </p:nvGraphicFramePr>
+        <p:xfrm>
+          <a:off x="1522413" y="1797050"/>
+          <a:ext cx="6156325" cy="4224338"/>
+        </p:xfrm>
+        <a:graphic>
+          <a:graphicData uri="http://schemas.openxmlformats.org/drawingml/2006/diagram">
+            <dgm:relIds xmlns:dgm="http://schemas.openxmlformats.org/drawingml/2006/diagram" xmlns:r="http://schemas.openxmlformats.org/officeDocument/2006/relationships" r:dm="rId2" r:lo="rId3" r:qs="rId4" r:cs="rId5"/>
+          </a:graphicData>
+        </a:graphic>
+      </p:graphicFrame>
+      <p:sp>
+        <p:nvSpPr>
+          <p:cNvPr id="6" name="Inhaltsplatzhalter 5"/>
           <p:cNvSpPr>
             <a:spLocks noGrp="1"/>
           </p:cNvSpPr>
@@ -9625,242 +9844,22 @@
           <a:bodyPr/>
           <a:lstStyle/>
           <a:p>
-            <a:r>
-              <a:rPr lang="de-CH" dirty="0" smtClean="0"/>
-              <a:t>Rückblick  - Verbesserungsmassnahmen.</a:t>
-            </a:r>
-            <a:endParaRPr lang="en-US" dirty="0"/>
-          </a:p>
-        </p:txBody>
-      </p:sp>
-      <p:sp>
-        <p:nvSpPr>
-          <p:cNvPr id="4" name="Inhaltsplatzhalter 2"/>
-          <p:cNvSpPr txBox="1">
-            <a:spLocks/>
-          </p:cNvSpPr>
-          <p:nvPr/>
-        </p:nvSpPr>
-        <p:spPr>
-          <a:xfrm>
-            <a:off x="6382444" y="1797558"/>
-            <a:ext cx="3923928" cy="4223730"/>
-          </a:xfrm>
-          <a:prstGeom prst="rect">
-            <a:avLst/>
-          </a:prstGeom>
-          <a:noFill/>
-        </p:spPr>
-        <p:txBody>
-          <a:bodyPr vert="horz" lIns="91440" tIns="45720" rIns="91440" bIns="45720" rtlCol="0">
-            <a:normAutofit/>
-          </a:bodyPr>
-          <a:lstStyle>
-            <a:lvl1pPr marL="274320" indent="-274320" algn="l" defTabSz="914400" rtl="0" eaLnBrk="1" latinLnBrk="0" hangingPunct="1">
-              <a:lnSpc>
-                <a:spcPct val="90000"/>
-              </a:lnSpc>
-              <a:spcBef>
-                <a:spcPts val="1800"/>
-              </a:spcBef>
-              <a:buSzPct val="80000"/>
-              <a:buFont typeface="Wingdings" pitchFamily="2" charset="2"/>
-              <a:buChar char="§"/>
-              <a:defRPr sz="2400" kern="1200">
-                <a:solidFill>
-                  <a:schemeClr val="tx1"/>
-                </a:solidFill>
-                <a:latin typeface="+mj-lt"/>
-                <a:ea typeface="+mn-ea"/>
-                <a:cs typeface="+mn-cs"/>
-              </a:defRPr>
-            </a:lvl1pPr>
-            <a:lvl2pPr marL="548640" indent="-274320" algn="l" defTabSz="914400" rtl="0" eaLnBrk="1" latinLnBrk="0" hangingPunct="1">
-              <a:lnSpc>
-                <a:spcPct val="90000"/>
-              </a:lnSpc>
-              <a:spcBef>
-                <a:spcPts val="600"/>
-              </a:spcBef>
-              <a:buSzPct val="100000"/>
-              <a:buFont typeface="Consolas" pitchFamily="49" charset="0"/>
-              <a:buChar char="–"/>
-              <a:defRPr sz="2000" kern="1200">
-                <a:solidFill>
-                  <a:schemeClr val="tx1"/>
-                </a:solidFill>
-                <a:latin typeface="+mj-lt"/>
-                <a:ea typeface="+mn-ea"/>
-                <a:cs typeface="+mn-cs"/>
-              </a:defRPr>
-            </a:lvl2pPr>
-            <a:lvl3pPr marL="777240" indent="-228600" algn="l" defTabSz="914400" rtl="0" eaLnBrk="1" latinLnBrk="0" hangingPunct="1">
-              <a:lnSpc>
-                <a:spcPct val="90000"/>
-              </a:lnSpc>
-              <a:spcBef>
-                <a:spcPts val="600"/>
-              </a:spcBef>
-              <a:buSzPct val="80000"/>
-              <a:buFont typeface="Wingdings" pitchFamily="2" charset="2"/>
-              <a:buChar char="§"/>
-              <a:defRPr sz="1800" kern="1200">
-                <a:solidFill>
-                  <a:schemeClr val="tx1"/>
-                </a:solidFill>
-                <a:latin typeface="+mj-lt"/>
-                <a:ea typeface="+mn-ea"/>
-                <a:cs typeface="+mn-cs"/>
-              </a:defRPr>
-            </a:lvl3pPr>
-            <a:lvl4pPr marL="1005840" indent="-228600" algn="l" defTabSz="914400" rtl="0" eaLnBrk="1" latinLnBrk="0" hangingPunct="1">
-              <a:lnSpc>
-                <a:spcPct val="90000"/>
-              </a:lnSpc>
-              <a:spcBef>
-                <a:spcPts val="600"/>
-              </a:spcBef>
-              <a:buSzPct val="100000"/>
-              <a:buFont typeface="Consolas" pitchFamily="49" charset="0"/>
-              <a:buChar char="–"/>
-              <a:defRPr sz="1600" kern="1200">
-                <a:solidFill>
-                  <a:schemeClr val="tx1"/>
-                </a:solidFill>
-                <a:latin typeface="+mj-lt"/>
-                <a:ea typeface="+mn-ea"/>
-                <a:cs typeface="+mn-cs"/>
-              </a:defRPr>
-            </a:lvl4pPr>
-            <a:lvl5pPr marL="1234440" indent="-228600" algn="l" defTabSz="914400" rtl="0" eaLnBrk="1" latinLnBrk="0" hangingPunct="1">
-              <a:lnSpc>
-                <a:spcPct val="90000"/>
-              </a:lnSpc>
-              <a:spcBef>
-                <a:spcPts val="600"/>
-              </a:spcBef>
-              <a:buSzPct val="80000"/>
-              <a:buFont typeface="Wingdings" pitchFamily="2" charset="2"/>
-              <a:buChar char="§"/>
-              <a:defRPr sz="1600" kern="1200">
-                <a:solidFill>
-                  <a:schemeClr val="tx1"/>
-                </a:solidFill>
-                <a:latin typeface="+mj-lt"/>
-                <a:ea typeface="+mn-ea"/>
-                <a:cs typeface="+mn-cs"/>
-              </a:defRPr>
-            </a:lvl5pPr>
-            <a:lvl6pPr marL="1463040" indent="-228600" algn="l" defTabSz="914400" rtl="0" eaLnBrk="1" latinLnBrk="0" hangingPunct="1">
-              <a:lnSpc>
-                <a:spcPct val="90000"/>
-              </a:lnSpc>
-              <a:spcBef>
-                <a:spcPts val="600"/>
-              </a:spcBef>
-              <a:buSzPct val="100000"/>
-              <a:buFont typeface="Consolas" pitchFamily="49" charset="0"/>
-              <a:buChar char="–"/>
-              <a:defRPr sz="1600" kern="1200" baseline="0">
-                <a:solidFill>
-                  <a:schemeClr val="tx1"/>
-                </a:solidFill>
-                <a:latin typeface="+mn-lt"/>
-                <a:ea typeface="+mn-ea"/>
-                <a:cs typeface="+mn-cs"/>
-              </a:defRPr>
-            </a:lvl6pPr>
-            <a:lvl7pPr marL="1691640" indent="-228600" algn="l" defTabSz="914400" rtl="0" eaLnBrk="1" latinLnBrk="0" hangingPunct="1">
-              <a:lnSpc>
-                <a:spcPct val="90000"/>
-              </a:lnSpc>
-              <a:spcBef>
-                <a:spcPts val="600"/>
-              </a:spcBef>
-              <a:buSzPct val="80000"/>
-              <a:buFont typeface="Wingdings" pitchFamily="2" charset="2"/>
-              <a:buChar char="§"/>
-              <a:defRPr sz="1600" kern="1200" baseline="0">
-                <a:solidFill>
-                  <a:schemeClr val="tx1"/>
-                </a:solidFill>
-                <a:latin typeface="+mn-lt"/>
-                <a:ea typeface="+mn-ea"/>
-                <a:cs typeface="+mn-cs"/>
-              </a:defRPr>
-            </a:lvl7pPr>
-            <a:lvl8pPr marL="1920240" indent="-228600" algn="l" defTabSz="914400" rtl="0" eaLnBrk="1" latinLnBrk="0" hangingPunct="1">
-              <a:lnSpc>
-                <a:spcPct val="90000"/>
-              </a:lnSpc>
-              <a:spcBef>
-                <a:spcPts val="600"/>
-              </a:spcBef>
-              <a:buSzPct val="100000"/>
-              <a:buFont typeface="Consolas" pitchFamily="49" charset="0"/>
-              <a:buChar char="–"/>
-              <a:defRPr sz="1600" kern="1200" baseline="0">
-                <a:solidFill>
-                  <a:schemeClr val="tx1"/>
-                </a:solidFill>
-                <a:latin typeface="+mn-lt"/>
-                <a:ea typeface="+mn-ea"/>
-                <a:cs typeface="+mn-cs"/>
-              </a:defRPr>
-            </a:lvl8pPr>
-            <a:lvl9pPr marL="2148840" indent="-228600" algn="l" defTabSz="914400" rtl="0" eaLnBrk="1" latinLnBrk="0" hangingPunct="1">
-              <a:lnSpc>
-                <a:spcPct val="90000"/>
-              </a:lnSpc>
-              <a:spcBef>
-                <a:spcPts val="600"/>
-              </a:spcBef>
-              <a:buSzPct val="80000"/>
-              <a:buFont typeface="Wingdings" pitchFamily="2" charset="2"/>
-              <a:buChar char="§"/>
-              <a:defRPr sz="1600" kern="1200" baseline="0">
-                <a:solidFill>
-                  <a:schemeClr val="tx1"/>
-                </a:solidFill>
-                <a:latin typeface="+mn-lt"/>
-                <a:ea typeface="+mn-ea"/>
-                <a:cs typeface="+mn-cs"/>
-              </a:defRPr>
-            </a:lvl9pPr>
-          </a:lstStyle>
-          <a:p>
-            <a:r>
-              <a:rPr lang="de-CH" dirty="0" smtClean="0"/>
-              <a:t>Was lief schlecht?</a:t>
-            </a:r>
-          </a:p>
-          <a:p>
-            <a:pPr lvl="1"/>
-            <a:r>
-              <a:rPr lang="de-CH" dirty="0" smtClean="0"/>
-              <a:t>Zeit verloren mit DB Modell</a:t>
-            </a:r>
-            <a:endParaRPr lang="de-CH" dirty="0"/>
+            <a:endParaRPr lang="en-US"/>
           </a:p>
         </p:txBody>
       </p:sp>
     </p:spTree>
-    <p:extLst>
-      <p:ext uri="{BB962C8B-B14F-4D97-AF65-F5344CB8AC3E}">
-        <p14:creationId xmlns:p14="http://schemas.microsoft.com/office/powerpoint/2010/main" xmlns="" val="1720590291"/>
-      </p:ext>
-    </p:extLst>
   </p:cSld>
   <p:clrMapOvr>
     <a:masterClrMapping/>
   </p:clrMapOvr>
-  <mc:AlternateContent xmlns:mc="http://schemas.openxmlformats.org/markup-compatibility/2006">
-    <mc:Choice xmlns:p14="http://schemas.microsoft.com/office/powerpoint/2010/main" xmlns="" Requires="p14">
+  <mc:AlternateContent xmlns:mc="http://schemas.openxmlformats.org/markup-compatibility/2006" xmlns:p14="http://schemas.microsoft.com/office/powerpoint/2010/main">
+    <mc:Choice Requires="p14">
       <p:transition spd="med" p14:dur="700">
         <p:fade/>
       </p:transition>
     </mc:Choice>
-    <mc:Fallback>
+    <mc:Fallback xmlns="">
       <p:transition spd="med">
         <p:fade/>
       </p:transition>
@@ -9895,7 +9894,7 @@
       </p:grpSpPr>
       <p:sp>
         <p:nvSpPr>
-          <p:cNvPr id="9" name="Titel 8"/>
+          <p:cNvPr id="2" name="Titel 1"/>
           <p:cNvSpPr>
             <a:spLocks noGrp="1"/>
           </p:cNvSpPr>
@@ -9910,15 +9909,14 @@
           <a:p>
             <a:r>
               <a:rPr lang="de-CH" dirty="0" smtClean="0"/>
-              <a:t>Fragen?</a:t>
-            </a:r>
-            <a:endParaRPr lang="en-US" dirty="0"/>
-          </a:p>
-        </p:txBody>
-      </p:sp>
-      <p:sp>
-        <p:nvSpPr>
-          <p:cNvPr id="7" name="Inhaltsplatzhalter 6"/>
+              <a:t>Rückblick</a:t>
+            </a:r>
+          </a:p>
+        </p:txBody>
+      </p:sp>
+      <p:sp>
+        <p:nvSpPr>
+          <p:cNvPr id="3" name="Inhaltsplatzhalter 2"/>
           <p:cNvSpPr>
             <a:spLocks noGrp="1"/>
           </p:cNvSpPr>
@@ -9928,19 +9926,86 @@
         </p:nvSpPr>
         <p:spPr/>
         <p:txBody>
-          <a:bodyPr/>
+          <a:bodyPr>
+            <a:normAutofit/>
+          </a:bodyPr>
           <a:lstStyle/>
           <a:p>
-            <a:pPr>
-              <a:buNone/>
-            </a:pPr>
-            <a:endParaRPr lang="en-US" dirty="0"/>
-          </a:p>
-        </p:txBody>
-      </p:sp>
-      <p:sp>
-        <p:nvSpPr>
-          <p:cNvPr id="10" name="Inhaltsplatzhalter 9"/>
+            <a:r>
+              <a:rPr lang="de-CH" dirty="0"/>
+              <a:t>Verwendete Tools</a:t>
+            </a:r>
+          </a:p>
+          <a:p>
+            <a:pPr lvl="1"/>
+            <a:r>
+              <a:rPr lang="de-CH" dirty="0" err="1"/>
+              <a:t>Balsamiq</a:t>
+            </a:r>
+            <a:r>
+              <a:rPr lang="de-CH" dirty="0"/>
+              <a:t> </a:t>
+            </a:r>
+            <a:r>
+              <a:rPr lang="de-CH" dirty="0" err="1"/>
+              <a:t>Mockups</a:t>
+            </a:r>
+            <a:endParaRPr lang="de-CH" dirty="0"/>
+          </a:p>
+          <a:p>
+            <a:pPr lvl="1"/>
+            <a:r>
+              <a:rPr lang="de-CH" dirty="0" err="1"/>
+              <a:t>DotProject</a:t>
+            </a:r>
+            <a:r>
+              <a:rPr lang="de-CH" dirty="0"/>
+              <a:t> (PHP)</a:t>
+            </a:r>
+          </a:p>
+          <a:p>
+            <a:pPr lvl="1"/>
+            <a:r>
+              <a:rPr lang="de-CH" dirty="0"/>
+              <a:t>Android Studio</a:t>
+            </a:r>
+          </a:p>
+          <a:p>
+            <a:pPr lvl="1"/>
+            <a:r>
+              <a:rPr lang="de-CH" dirty="0"/>
+              <a:t>MySQL </a:t>
+            </a:r>
+            <a:r>
+              <a:rPr lang="de-CH" dirty="0" err="1"/>
+              <a:t>Workbench</a:t>
+            </a:r>
+            <a:endParaRPr lang="de-CH" dirty="0"/>
+          </a:p>
+          <a:p>
+            <a:pPr lvl="1"/>
+            <a:r>
+              <a:rPr lang="de-CH" dirty="0" err="1"/>
+              <a:t>SoapUI</a:t>
+            </a:r>
+            <a:endParaRPr lang="de-CH" dirty="0"/>
+          </a:p>
+          <a:p>
+            <a:pPr lvl="2"/>
+            <a:r>
+              <a:rPr lang="de-CH" dirty="0"/>
+              <a:t>SOAP API testen</a:t>
+            </a:r>
+          </a:p>
+          <a:p>
+            <a:pPr lvl="1"/>
+            <a:endParaRPr lang="de-CH" dirty="0" smtClean="0"/>
+          </a:p>
+        </p:txBody>
+      </p:sp>
+      <p:sp>
+        <p:nvSpPr>
+          <p:cNvPr id="5" name="Inhaltsplatzhalter 4"/>
           <p:cNvSpPr>
             <a:spLocks noGrp="1"/>
           </p:cNvSpPr>
@@ -9955,22 +10020,239 @@
           <a:p>
             <a:r>
               <a:rPr lang="de-CH" dirty="0" smtClean="0"/>
-              <a:t>Fragen</a:t>
+              <a:t>Rückblick  - Was lief gut? </a:t>
             </a:r>
             <a:endParaRPr lang="en-US" dirty="0"/>
+          </a:p>
+        </p:txBody>
+      </p:sp>
+      <p:sp>
+        <p:nvSpPr>
+          <p:cNvPr id="4" name="Inhaltsplatzhalter 2"/>
+          <p:cNvSpPr txBox="1">
+            <a:spLocks/>
+          </p:cNvSpPr>
+          <p:nvPr/>
+        </p:nvSpPr>
+        <p:spPr>
+          <a:xfrm>
+            <a:off x="6382444" y="1797558"/>
+            <a:ext cx="3923928" cy="4223730"/>
+          </a:xfrm>
+          <a:prstGeom prst="rect">
+            <a:avLst/>
+          </a:prstGeom>
+          <a:noFill/>
+        </p:spPr>
+        <p:txBody>
+          <a:bodyPr vert="horz" lIns="91440" tIns="45720" rIns="91440" bIns="45720" rtlCol="0">
+            <a:normAutofit/>
+          </a:bodyPr>
+          <a:lstStyle>
+            <a:lvl1pPr marL="274320" indent="-274320" algn="l" defTabSz="914400" rtl="0" eaLnBrk="1" latinLnBrk="0" hangingPunct="1">
+              <a:lnSpc>
+                <a:spcPct val="90000"/>
+              </a:lnSpc>
+              <a:spcBef>
+                <a:spcPts val="1800"/>
+              </a:spcBef>
+              <a:buSzPct val="80000"/>
+              <a:buFont typeface="Wingdings" pitchFamily="2" charset="2"/>
+              <a:buChar char="§"/>
+              <a:defRPr sz="2400" kern="1200">
+                <a:solidFill>
+                  <a:schemeClr val="tx1"/>
+                </a:solidFill>
+                <a:latin typeface="+mj-lt"/>
+                <a:ea typeface="+mn-ea"/>
+                <a:cs typeface="+mn-cs"/>
+              </a:defRPr>
+            </a:lvl1pPr>
+            <a:lvl2pPr marL="548640" indent="-274320" algn="l" defTabSz="914400" rtl="0" eaLnBrk="1" latinLnBrk="0" hangingPunct="1">
+              <a:lnSpc>
+                <a:spcPct val="90000"/>
+              </a:lnSpc>
+              <a:spcBef>
+                <a:spcPts val="600"/>
+              </a:spcBef>
+              <a:buSzPct val="100000"/>
+              <a:buFont typeface="Consolas" pitchFamily="49" charset="0"/>
+              <a:buChar char="–"/>
+              <a:defRPr sz="2000" kern="1200">
+                <a:solidFill>
+                  <a:schemeClr val="tx1"/>
+                </a:solidFill>
+                <a:latin typeface="+mj-lt"/>
+                <a:ea typeface="+mn-ea"/>
+                <a:cs typeface="+mn-cs"/>
+              </a:defRPr>
+            </a:lvl2pPr>
+            <a:lvl3pPr marL="777240" indent="-228600" algn="l" defTabSz="914400" rtl="0" eaLnBrk="1" latinLnBrk="0" hangingPunct="1">
+              <a:lnSpc>
+                <a:spcPct val="90000"/>
+              </a:lnSpc>
+              <a:spcBef>
+                <a:spcPts val="600"/>
+              </a:spcBef>
+              <a:buSzPct val="80000"/>
+              <a:buFont typeface="Wingdings" pitchFamily="2" charset="2"/>
+              <a:buChar char="§"/>
+              <a:defRPr sz="1800" kern="1200">
+                <a:solidFill>
+                  <a:schemeClr val="tx1"/>
+                </a:solidFill>
+                <a:latin typeface="+mj-lt"/>
+                <a:ea typeface="+mn-ea"/>
+                <a:cs typeface="+mn-cs"/>
+              </a:defRPr>
+            </a:lvl3pPr>
+            <a:lvl4pPr marL="1005840" indent="-228600" algn="l" defTabSz="914400" rtl="0" eaLnBrk="1" latinLnBrk="0" hangingPunct="1">
+              <a:lnSpc>
+                <a:spcPct val="90000"/>
+              </a:lnSpc>
+              <a:spcBef>
+                <a:spcPts val="600"/>
+              </a:spcBef>
+              <a:buSzPct val="100000"/>
+              <a:buFont typeface="Consolas" pitchFamily="49" charset="0"/>
+              <a:buChar char="–"/>
+              <a:defRPr sz="1600" kern="1200">
+                <a:solidFill>
+                  <a:schemeClr val="tx1"/>
+                </a:solidFill>
+                <a:latin typeface="+mj-lt"/>
+                <a:ea typeface="+mn-ea"/>
+                <a:cs typeface="+mn-cs"/>
+              </a:defRPr>
+            </a:lvl4pPr>
+            <a:lvl5pPr marL="1234440" indent="-228600" algn="l" defTabSz="914400" rtl="0" eaLnBrk="1" latinLnBrk="0" hangingPunct="1">
+              <a:lnSpc>
+                <a:spcPct val="90000"/>
+              </a:lnSpc>
+              <a:spcBef>
+                <a:spcPts val="600"/>
+              </a:spcBef>
+              <a:buSzPct val="80000"/>
+              <a:buFont typeface="Wingdings" pitchFamily="2" charset="2"/>
+              <a:buChar char="§"/>
+              <a:defRPr sz="1600" kern="1200">
+                <a:solidFill>
+                  <a:schemeClr val="tx1"/>
+                </a:solidFill>
+                <a:latin typeface="+mj-lt"/>
+                <a:ea typeface="+mn-ea"/>
+                <a:cs typeface="+mn-cs"/>
+              </a:defRPr>
+            </a:lvl5pPr>
+            <a:lvl6pPr marL="1463040" indent="-228600" algn="l" defTabSz="914400" rtl="0" eaLnBrk="1" latinLnBrk="0" hangingPunct="1">
+              <a:lnSpc>
+                <a:spcPct val="90000"/>
+              </a:lnSpc>
+              <a:spcBef>
+                <a:spcPts val="600"/>
+              </a:spcBef>
+              <a:buSzPct val="100000"/>
+              <a:buFont typeface="Consolas" pitchFamily="49" charset="0"/>
+              <a:buChar char="–"/>
+              <a:defRPr sz="1600" kern="1200" baseline="0">
+                <a:solidFill>
+                  <a:schemeClr val="tx1"/>
+                </a:solidFill>
+                <a:latin typeface="+mn-lt"/>
+                <a:ea typeface="+mn-ea"/>
+                <a:cs typeface="+mn-cs"/>
+              </a:defRPr>
+            </a:lvl6pPr>
+            <a:lvl7pPr marL="1691640" indent="-228600" algn="l" defTabSz="914400" rtl="0" eaLnBrk="1" latinLnBrk="0" hangingPunct="1">
+              <a:lnSpc>
+                <a:spcPct val="90000"/>
+              </a:lnSpc>
+              <a:spcBef>
+                <a:spcPts val="600"/>
+              </a:spcBef>
+              <a:buSzPct val="80000"/>
+              <a:buFont typeface="Wingdings" pitchFamily="2" charset="2"/>
+              <a:buChar char="§"/>
+              <a:defRPr sz="1600" kern="1200" baseline="0">
+                <a:solidFill>
+                  <a:schemeClr val="tx1"/>
+                </a:solidFill>
+                <a:latin typeface="+mn-lt"/>
+                <a:ea typeface="+mn-ea"/>
+                <a:cs typeface="+mn-cs"/>
+              </a:defRPr>
+            </a:lvl7pPr>
+            <a:lvl8pPr marL="1920240" indent="-228600" algn="l" defTabSz="914400" rtl="0" eaLnBrk="1" latinLnBrk="0" hangingPunct="1">
+              <a:lnSpc>
+                <a:spcPct val="90000"/>
+              </a:lnSpc>
+              <a:spcBef>
+                <a:spcPts val="600"/>
+              </a:spcBef>
+              <a:buSzPct val="100000"/>
+              <a:buFont typeface="Consolas" pitchFamily="49" charset="0"/>
+              <a:buChar char="–"/>
+              <a:defRPr sz="1600" kern="1200" baseline="0">
+                <a:solidFill>
+                  <a:schemeClr val="tx1"/>
+                </a:solidFill>
+                <a:latin typeface="+mn-lt"/>
+                <a:ea typeface="+mn-ea"/>
+                <a:cs typeface="+mn-cs"/>
+              </a:defRPr>
+            </a:lvl8pPr>
+            <a:lvl9pPr marL="2148840" indent="-228600" algn="l" defTabSz="914400" rtl="0" eaLnBrk="1" latinLnBrk="0" hangingPunct="1">
+              <a:lnSpc>
+                <a:spcPct val="90000"/>
+              </a:lnSpc>
+              <a:spcBef>
+                <a:spcPts val="600"/>
+              </a:spcBef>
+              <a:buSzPct val="80000"/>
+              <a:buFont typeface="Wingdings" pitchFamily="2" charset="2"/>
+              <a:buChar char="§"/>
+              <a:defRPr sz="1600" kern="1200" baseline="0">
+                <a:solidFill>
+                  <a:schemeClr val="tx1"/>
+                </a:solidFill>
+                <a:latin typeface="+mn-lt"/>
+                <a:ea typeface="+mn-ea"/>
+                <a:cs typeface="+mn-cs"/>
+              </a:defRPr>
+            </a:lvl9pPr>
+          </a:lstStyle>
+          <a:p>
+            <a:r>
+              <a:rPr lang="de-CH" dirty="0" smtClean="0"/>
+              <a:t>Was lief schlecht?</a:t>
+            </a:r>
+          </a:p>
+          <a:p>
+            <a:pPr lvl="1"/>
+            <a:r>
+              <a:rPr lang="de-CH" dirty="0" smtClean="0"/>
+              <a:t>Zeit verloren mit DB Modell</a:t>
+            </a:r>
+            <a:endParaRPr lang="de-CH" dirty="0"/>
           </a:p>
         </p:txBody>
       </p:sp>
       <p:pic>
         <p:nvPicPr>
-          <p:cNvPr id="2050" name="Picture 2" descr="http://entertecno.com/wp-content/uploads/2013/05/Droid-Question.jpg"/>
+          <p:cNvPr id="6" name="Picture 2" descr="http://www.serialimha.com/wp-content/uploads/2014/12/1-Balsamiq-Mockups.jpg"/>
           <p:cNvPicPr>
             <a:picLocks noChangeAspect="1" noChangeArrowheads="1"/>
           </p:cNvPicPr>
           <p:nvPr/>
         </p:nvPicPr>
         <p:blipFill>
-          <a:blip r:embed="rId2" cstate="print"/>
+          <a:blip r:embed="rId2">
+            <a:extLst>
+              <a:ext uri="{28A0092B-C50C-407E-A947-70E740481C1C}">
+                <a14:useLocalDpi xmlns:a14="http://schemas.microsoft.com/office/drawing/2010/main" val="0"/>
+              </a:ext>
+            </a:extLst>
+          </a:blip>
           <a:srcRect/>
           <a:stretch>
             <a:fillRect/>
@@ -9978,27 +10260,795 @@
         </p:blipFill>
         <p:spPr bwMode="auto">
           <a:xfrm>
-            <a:off x="4006180" y="1711312"/>
-            <a:ext cx="2880319" cy="4099808"/>
+            <a:off x="4924507" y="1628800"/>
+            <a:ext cx="5715000" cy="3667126"/>
+          </a:xfrm>
+          <a:prstGeom prst="rect">
+            <a:avLst/>
+          </a:prstGeom>
+          <a:noFill/>
+          <a:extLst>
+            <a:ext uri="{909E8E84-426E-40DD-AFC4-6F175D3DCCD1}">
+              <a14:hiddenFill xmlns:a14="http://schemas.microsoft.com/office/drawing/2010/main">
+                <a:solidFill>
+                  <a:srgbClr val="FFFFFF"/>
+                </a:solidFill>
+              </a14:hiddenFill>
+            </a:ext>
+          </a:extLst>
+        </p:spPr>
+      </p:pic>
+      <p:pic>
+        <p:nvPicPr>
+          <p:cNvPr id="7" name="Picture 4" descr="http://www.catify.com/wp-content/uploads/2011/10/edployprocessSOAPUI1.png"/>
+          <p:cNvPicPr>
+            <a:picLocks noChangeAspect="1" noChangeArrowheads="1"/>
+          </p:cNvPicPr>
+          <p:nvPr/>
+        </p:nvPicPr>
+        <p:blipFill>
+          <a:blip r:embed="rId3" cstate="print">
+            <a:extLst>
+              <a:ext uri="{28A0092B-C50C-407E-A947-70E740481C1C}">
+                <a14:useLocalDpi xmlns:a14="http://schemas.microsoft.com/office/drawing/2010/main" val="0"/>
+              </a:ext>
+            </a:extLst>
+          </a:blip>
+          <a:srcRect/>
+          <a:stretch>
+            <a:fillRect/>
+          </a:stretch>
+        </p:blipFill>
+        <p:spPr bwMode="auto">
+          <a:xfrm>
+            <a:off x="5158308" y="1799491"/>
+            <a:ext cx="6211667" cy="3325743"/>
+          </a:xfrm>
+          <a:prstGeom prst="rect">
+            <a:avLst/>
+          </a:prstGeom>
+          <a:noFill/>
+          <a:extLst>
+            <a:ext uri="{909E8E84-426E-40DD-AFC4-6F175D3DCCD1}">
+              <a14:hiddenFill xmlns:a14="http://schemas.microsoft.com/office/drawing/2010/main">
+                <a:solidFill>
+                  <a:srgbClr val="FFFFFF"/>
+                </a:solidFill>
+              </a14:hiddenFill>
+            </a:ext>
+          </a:extLst>
+        </p:spPr>
+      </p:pic>
+      <p:pic>
+        <p:nvPicPr>
+          <p:cNvPr id="8" name="Grafik 7"/>
+          <p:cNvPicPr>
+            <a:picLocks noChangeAspect="1"/>
+          </p:cNvPicPr>
+          <p:nvPr/>
+        </p:nvPicPr>
+        <p:blipFill>
+          <a:blip r:embed="rId4"/>
+          <a:stretch>
+            <a:fillRect/>
+          </a:stretch>
+        </p:blipFill>
+        <p:spPr>
+          <a:xfrm>
+            <a:off x="6149903" y="2175395"/>
+            <a:ext cx="5220072" cy="3483212"/>
+          </a:xfrm>
+          <a:prstGeom prst="rect">
+            <a:avLst/>
+          </a:prstGeom>
+        </p:spPr>
+      </p:pic>
+    </p:spTree>
+    <p:extLst>
+      <p:ext uri="{BB962C8B-B14F-4D97-AF65-F5344CB8AC3E}">
+        <p14:creationId xmlns:p14="http://schemas.microsoft.com/office/powerpoint/2010/main" val="1720590291"/>
+      </p:ext>
+    </p:extLst>
+  </p:cSld>
+  <p:clrMapOvr>
+    <a:masterClrMapping/>
+  </p:clrMapOvr>
+  <mc:AlternateContent xmlns:mc="http://schemas.openxmlformats.org/markup-compatibility/2006" xmlns:p14="http://schemas.microsoft.com/office/powerpoint/2010/main">
+    <mc:Choice Requires="p14">
+      <p:transition spd="med" p14:dur="700">
+        <p:fade/>
+      </p:transition>
+    </mc:Choice>
+    <mc:Fallback xmlns="">
+      <p:transition spd="med">
+        <p:fade/>
+      </p:transition>
+    </mc:Fallback>
+  </mc:AlternateContent>
+  <p:timing>
+    <p:tnLst>
+      <p:par>
+        <p:cTn id="1" dur="indefinite" restart="never" nodeType="tmRoot"/>
+      </p:par>
+    </p:tnLst>
+  </p:timing>
+</p:sld>
+</file>
+
+<file path=ppt/slides/slide18.xml><?xml version="1.0" encoding="utf-8"?>
+<p:sld xmlns:a="http://schemas.openxmlformats.org/drawingml/2006/main" xmlns:r="http://schemas.openxmlformats.org/officeDocument/2006/relationships" xmlns:p="http://schemas.openxmlformats.org/presentationml/2006/main">
+  <p:cSld>
+    <p:spTree>
+      <p:nvGrpSpPr>
+        <p:cNvPr id="1" name=""/>
+        <p:cNvGrpSpPr/>
+        <p:nvPr/>
+      </p:nvGrpSpPr>
+      <p:grpSpPr>
+        <a:xfrm>
+          <a:off x="0" y="0"/>
+          <a:ext cx="0" cy="0"/>
+          <a:chOff x="0" y="0"/>
+          <a:chExt cx="0" cy="0"/>
+        </a:xfrm>
+      </p:grpSpPr>
+      <p:sp>
+        <p:nvSpPr>
+          <p:cNvPr id="2" name="Titel 1"/>
+          <p:cNvSpPr>
+            <a:spLocks noGrp="1"/>
+          </p:cNvSpPr>
+          <p:nvPr>
+            <p:ph type="title"/>
+          </p:nvPr>
+        </p:nvSpPr>
+        <p:spPr/>
+        <p:txBody>
+          <a:bodyPr/>
+          <a:lstStyle/>
+          <a:p>
+            <a:r>
+              <a:rPr lang="de-CH" dirty="0" smtClean="0"/>
+              <a:t>Was lief gut?</a:t>
+            </a:r>
+          </a:p>
+        </p:txBody>
+      </p:sp>
+      <p:sp>
+        <p:nvSpPr>
+          <p:cNvPr id="3" name="Inhaltsplatzhalter 2"/>
+          <p:cNvSpPr>
+            <a:spLocks noGrp="1"/>
+          </p:cNvSpPr>
+          <p:nvPr>
+            <p:ph idx="1"/>
+          </p:nvPr>
+        </p:nvSpPr>
+        <p:spPr/>
+        <p:txBody>
+          <a:bodyPr>
+            <a:normAutofit/>
+          </a:bodyPr>
+          <a:lstStyle/>
+          <a:p>
+            <a:r>
+              <a:rPr lang="de-CH" dirty="0" smtClean="0"/>
+              <a:t>Initialisierungsphase</a:t>
+            </a:r>
+          </a:p>
+          <a:p>
+            <a:pPr lvl="2"/>
+            <a:r>
+              <a:rPr lang="de-CH" dirty="0" smtClean="0"/>
+              <a:t>Vorbereitung </a:t>
+            </a:r>
+          </a:p>
+          <a:p>
+            <a:pPr lvl="2"/>
+            <a:r>
+              <a:rPr lang="de-CH" dirty="0" smtClean="0"/>
+              <a:t>Methodik</a:t>
+            </a:r>
+          </a:p>
+          <a:p>
+            <a:pPr lvl="3"/>
+            <a:r>
+              <a:rPr lang="de-CH" dirty="0" smtClean="0"/>
+              <a:t>Verwendung von </a:t>
+            </a:r>
+            <a:r>
+              <a:rPr lang="de-CH" dirty="0" err="1" smtClean="0"/>
+              <a:t>GitHub</a:t>
+            </a:r>
+            <a:endParaRPr lang="de-CH" dirty="0" smtClean="0"/>
+          </a:p>
+          <a:p>
+            <a:pPr lvl="3"/>
+            <a:r>
+              <a:rPr lang="de-CH" dirty="0" smtClean="0"/>
+              <a:t>Skype Meetings</a:t>
+            </a:r>
+            <a:endParaRPr lang="de-CH" dirty="0" smtClean="0"/>
+          </a:p>
+          <a:p>
+            <a:pPr lvl="2"/>
+            <a:r>
+              <a:rPr lang="de-CH" dirty="0" smtClean="0"/>
+              <a:t>Planung </a:t>
+            </a:r>
+            <a:r>
+              <a:rPr lang="de-CH" dirty="0" smtClean="0"/>
+              <a:t>aufstellen</a:t>
+            </a:r>
+          </a:p>
+          <a:p>
+            <a:pPr lvl="2"/>
+            <a:r>
+              <a:rPr lang="de-CH" dirty="0" smtClean="0"/>
+              <a:t>Design</a:t>
+            </a:r>
+          </a:p>
+          <a:p>
+            <a:pPr lvl="2"/>
+            <a:r>
+              <a:rPr lang="de-CH" dirty="0" smtClean="0"/>
+              <a:t>Prototyp</a:t>
+            </a:r>
+          </a:p>
+          <a:p>
+            <a:pPr lvl="2"/>
+            <a:r>
+              <a:rPr lang="de-CH" dirty="0" smtClean="0"/>
+              <a:t>Konzept</a:t>
+            </a:r>
+            <a:endParaRPr lang="de-CH" dirty="0" smtClean="0"/>
+          </a:p>
+          <a:p>
+            <a:pPr lvl="1"/>
+            <a:endParaRPr lang="de-CH" dirty="0" smtClean="0"/>
+          </a:p>
+        </p:txBody>
+      </p:sp>
+      <p:sp>
+        <p:nvSpPr>
+          <p:cNvPr id="5" name="Inhaltsplatzhalter 4"/>
+          <p:cNvSpPr>
+            <a:spLocks noGrp="1"/>
+          </p:cNvSpPr>
+          <p:nvPr>
+            <p:ph idx="13"/>
+          </p:nvPr>
+        </p:nvSpPr>
+        <p:spPr/>
+        <p:txBody>
+          <a:bodyPr/>
+          <a:lstStyle/>
+          <a:p>
+            <a:r>
+              <a:rPr lang="de-CH" dirty="0" smtClean="0"/>
+              <a:t>Rückblick  - Was lief gut? </a:t>
+            </a:r>
+            <a:endParaRPr lang="en-US" dirty="0"/>
+          </a:p>
+        </p:txBody>
+      </p:sp>
+      <p:sp>
+        <p:nvSpPr>
+          <p:cNvPr id="4" name="Inhaltsplatzhalter 2"/>
+          <p:cNvSpPr txBox="1">
+            <a:spLocks/>
+          </p:cNvSpPr>
+          <p:nvPr/>
+        </p:nvSpPr>
+        <p:spPr>
+          <a:xfrm>
+            <a:off x="6382444" y="1797558"/>
+            <a:ext cx="3923928" cy="4223730"/>
           </a:xfrm>
           <a:prstGeom prst="rect">
             <a:avLst/>
           </a:prstGeom>
           <a:noFill/>
         </p:spPr>
-      </p:pic>
+        <p:txBody>
+          <a:bodyPr vert="horz" lIns="91440" tIns="45720" rIns="91440" bIns="45720" rtlCol="0">
+            <a:normAutofit/>
+          </a:bodyPr>
+          <a:lstStyle>
+            <a:lvl1pPr marL="274320" indent="-274320" algn="l" defTabSz="914400" rtl="0" eaLnBrk="1" latinLnBrk="0" hangingPunct="1">
+              <a:lnSpc>
+                <a:spcPct val="90000"/>
+              </a:lnSpc>
+              <a:spcBef>
+                <a:spcPts val="1800"/>
+              </a:spcBef>
+              <a:buSzPct val="80000"/>
+              <a:buFont typeface="Wingdings" pitchFamily="2" charset="2"/>
+              <a:buChar char="§"/>
+              <a:defRPr sz="2400" kern="1200">
+                <a:solidFill>
+                  <a:schemeClr val="tx1"/>
+                </a:solidFill>
+                <a:latin typeface="+mj-lt"/>
+                <a:ea typeface="+mn-ea"/>
+                <a:cs typeface="+mn-cs"/>
+              </a:defRPr>
+            </a:lvl1pPr>
+            <a:lvl2pPr marL="548640" indent="-274320" algn="l" defTabSz="914400" rtl="0" eaLnBrk="1" latinLnBrk="0" hangingPunct="1">
+              <a:lnSpc>
+                <a:spcPct val="90000"/>
+              </a:lnSpc>
+              <a:spcBef>
+                <a:spcPts val="600"/>
+              </a:spcBef>
+              <a:buSzPct val="100000"/>
+              <a:buFont typeface="Consolas" pitchFamily="49" charset="0"/>
+              <a:buChar char="–"/>
+              <a:defRPr sz="2000" kern="1200">
+                <a:solidFill>
+                  <a:schemeClr val="tx1"/>
+                </a:solidFill>
+                <a:latin typeface="+mj-lt"/>
+                <a:ea typeface="+mn-ea"/>
+                <a:cs typeface="+mn-cs"/>
+              </a:defRPr>
+            </a:lvl2pPr>
+            <a:lvl3pPr marL="777240" indent="-228600" algn="l" defTabSz="914400" rtl="0" eaLnBrk="1" latinLnBrk="0" hangingPunct="1">
+              <a:lnSpc>
+                <a:spcPct val="90000"/>
+              </a:lnSpc>
+              <a:spcBef>
+                <a:spcPts val="600"/>
+              </a:spcBef>
+              <a:buSzPct val="80000"/>
+              <a:buFont typeface="Wingdings" pitchFamily="2" charset="2"/>
+              <a:buChar char="§"/>
+              <a:defRPr sz="1800" kern="1200">
+                <a:solidFill>
+                  <a:schemeClr val="tx1"/>
+                </a:solidFill>
+                <a:latin typeface="+mj-lt"/>
+                <a:ea typeface="+mn-ea"/>
+                <a:cs typeface="+mn-cs"/>
+              </a:defRPr>
+            </a:lvl3pPr>
+            <a:lvl4pPr marL="1005840" indent="-228600" algn="l" defTabSz="914400" rtl="0" eaLnBrk="1" latinLnBrk="0" hangingPunct="1">
+              <a:lnSpc>
+                <a:spcPct val="90000"/>
+              </a:lnSpc>
+              <a:spcBef>
+                <a:spcPts val="600"/>
+              </a:spcBef>
+              <a:buSzPct val="100000"/>
+              <a:buFont typeface="Consolas" pitchFamily="49" charset="0"/>
+              <a:buChar char="–"/>
+              <a:defRPr sz="1600" kern="1200">
+                <a:solidFill>
+                  <a:schemeClr val="tx1"/>
+                </a:solidFill>
+                <a:latin typeface="+mj-lt"/>
+                <a:ea typeface="+mn-ea"/>
+                <a:cs typeface="+mn-cs"/>
+              </a:defRPr>
+            </a:lvl4pPr>
+            <a:lvl5pPr marL="1234440" indent="-228600" algn="l" defTabSz="914400" rtl="0" eaLnBrk="1" latinLnBrk="0" hangingPunct="1">
+              <a:lnSpc>
+                <a:spcPct val="90000"/>
+              </a:lnSpc>
+              <a:spcBef>
+                <a:spcPts val="600"/>
+              </a:spcBef>
+              <a:buSzPct val="80000"/>
+              <a:buFont typeface="Wingdings" pitchFamily="2" charset="2"/>
+              <a:buChar char="§"/>
+              <a:defRPr sz="1600" kern="1200">
+                <a:solidFill>
+                  <a:schemeClr val="tx1"/>
+                </a:solidFill>
+                <a:latin typeface="+mj-lt"/>
+                <a:ea typeface="+mn-ea"/>
+                <a:cs typeface="+mn-cs"/>
+              </a:defRPr>
+            </a:lvl5pPr>
+            <a:lvl6pPr marL="1463040" indent="-228600" algn="l" defTabSz="914400" rtl="0" eaLnBrk="1" latinLnBrk="0" hangingPunct="1">
+              <a:lnSpc>
+                <a:spcPct val="90000"/>
+              </a:lnSpc>
+              <a:spcBef>
+                <a:spcPts val="600"/>
+              </a:spcBef>
+              <a:buSzPct val="100000"/>
+              <a:buFont typeface="Consolas" pitchFamily="49" charset="0"/>
+              <a:buChar char="–"/>
+              <a:defRPr sz="1600" kern="1200" baseline="0">
+                <a:solidFill>
+                  <a:schemeClr val="tx1"/>
+                </a:solidFill>
+                <a:latin typeface="+mn-lt"/>
+                <a:ea typeface="+mn-ea"/>
+                <a:cs typeface="+mn-cs"/>
+              </a:defRPr>
+            </a:lvl6pPr>
+            <a:lvl7pPr marL="1691640" indent="-228600" algn="l" defTabSz="914400" rtl="0" eaLnBrk="1" latinLnBrk="0" hangingPunct="1">
+              <a:lnSpc>
+                <a:spcPct val="90000"/>
+              </a:lnSpc>
+              <a:spcBef>
+                <a:spcPts val="600"/>
+              </a:spcBef>
+              <a:buSzPct val="80000"/>
+              <a:buFont typeface="Wingdings" pitchFamily="2" charset="2"/>
+              <a:buChar char="§"/>
+              <a:defRPr sz="1600" kern="1200" baseline="0">
+                <a:solidFill>
+                  <a:schemeClr val="tx1"/>
+                </a:solidFill>
+                <a:latin typeface="+mn-lt"/>
+                <a:ea typeface="+mn-ea"/>
+                <a:cs typeface="+mn-cs"/>
+              </a:defRPr>
+            </a:lvl7pPr>
+            <a:lvl8pPr marL="1920240" indent="-228600" algn="l" defTabSz="914400" rtl="0" eaLnBrk="1" latinLnBrk="0" hangingPunct="1">
+              <a:lnSpc>
+                <a:spcPct val="90000"/>
+              </a:lnSpc>
+              <a:spcBef>
+                <a:spcPts val="600"/>
+              </a:spcBef>
+              <a:buSzPct val="100000"/>
+              <a:buFont typeface="Consolas" pitchFamily="49" charset="0"/>
+              <a:buChar char="–"/>
+              <a:defRPr sz="1600" kern="1200" baseline="0">
+                <a:solidFill>
+                  <a:schemeClr val="tx1"/>
+                </a:solidFill>
+                <a:latin typeface="+mn-lt"/>
+                <a:ea typeface="+mn-ea"/>
+                <a:cs typeface="+mn-cs"/>
+              </a:defRPr>
+            </a:lvl8pPr>
+            <a:lvl9pPr marL="2148840" indent="-228600" algn="l" defTabSz="914400" rtl="0" eaLnBrk="1" latinLnBrk="0" hangingPunct="1">
+              <a:lnSpc>
+                <a:spcPct val="90000"/>
+              </a:lnSpc>
+              <a:spcBef>
+                <a:spcPts val="600"/>
+              </a:spcBef>
+              <a:buSzPct val="80000"/>
+              <a:buFont typeface="Wingdings" pitchFamily="2" charset="2"/>
+              <a:buChar char="§"/>
+              <a:defRPr sz="1600" kern="1200" baseline="0">
+                <a:solidFill>
+                  <a:schemeClr val="tx1"/>
+                </a:solidFill>
+                <a:latin typeface="+mn-lt"/>
+                <a:ea typeface="+mn-ea"/>
+                <a:cs typeface="+mn-cs"/>
+              </a:defRPr>
+            </a:lvl9pPr>
+          </a:lstStyle>
+          <a:p>
+            <a:pPr>
+              <a:buFont typeface="Arial" panose="020B0604020202020204" pitchFamily="34" charset="0"/>
+              <a:buChar char="•"/>
+            </a:pPr>
+            <a:r>
+              <a:rPr lang="de-CH" dirty="0">
+                <a:solidFill>
+                  <a:schemeClr val="bg1"/>
+                </a:solidFill>
+                <a:latin typeface="Roboto" pitchFamily="2" charset="0"/>
+                <a:ea typeface="Roboto" pitchFamily="2" charset="0"/>
+              </a:rPr>
+              <a:t>Was lief </a:t>
+            </a:r>
+            <a:r>
+              <a:rPr lang="de-CH" dirty="0" smtClean="0">
+                <a:solidFill>
+                  <a:schemeClr val="bg1"/>
+                </a:solidFill>
+                <a:latin typeface="Roboto" pitchFamily="2" charset="0"/>
+                <a:ea typeface="Roboto" pitchFamily="2" charset="0"/>
+              </a:rPr>
+              <a:t>weniger gut?</a:t>
+            </a:r>
+            <a:endParaRPr lang="de-CH" dirty="0">
+              <a:solidFill>
+                <a:schemeClr val="bg1"/>
+              </a:solidFill>
+              <a:latin typeface="Roboto" pitchFamily="2" charset="0"/>
+              <a:ea typeface="Roboto" pitchFamily="2" charset="0"/>
+            </a:endParaRPr>
+          </a:p>
+          <a:p>
+            <a:pPr lvl="1">
+              <a:buFont typeface="Arial" panose="020B0604020202020204" pitchFamily="34" charset="0"/>
+              <a:buChar char="•"/>
+            </a:pPr>
+            <a:r>
+              <a:rPr lang="de-CH" dirty="0">
+                <a:solidFill>
+                  <a:schemeClr val="bg1"/>
+                </a:solidFill>
+                <a:latin typeface="Roboto" pitchFamily="2" charset="0"/>
+                <a:ea typeface="Roboto" pitchFamily="2" charset="0"/>
+              </a:rPr>
+              <a:t>Implementation</a:t>
+            </a:r>
+          </a:p>
+          <a:p>
+            <a:pPr lvl="2">
+              <a:buFont typeface="Arial" panose="020B0604020202020204" pitchFamily="34" charset="0"/>
+              <a:buChar char="•"/>
+            </a:pPr>
+            <a:r>
+              <a:rPr lang="de-CH" dirty="0">
+                <a:solidFill>
+                  <a:schemeClr val="bg1"/>
+                </a:solidFill>
+                <a:latin typeface="Roboto" pitchFamily="2" charset="0"/>
+                <a:ea typeface="Roboto" pitchFamily="2" charset="0"/>
+              </a:rPr>
+              <a:t>Viel Zeit in Teilaufgaben und </a:t>
+            </a:r>
+            <a:r>
+              <a:rPr lang="de-CH" dirty="0" err="1">
+                <a:solidFill>
+                  <a:schemeClr val="bg1"/>
+                </a:solidFill>
+                <a:latin typeface="Roboto" pitchFamily="2" charset="0"/>
+                <a:ea typeface="Roboto" pitchFamily="2" charset="0"/>
+              </a:rPr>
+              <a:t>Proj</a:t>
+            </a:r>
+            <a:r>
+              <a:rPr lang="de-CH" dirty="0">
+                <a:solidFill>
+                  <a:schemeClr val="bg1"/>
+                </a:solidFill>
+                <a:latin typeface="Roboto" pitchFamily="2" charset="0"/>
+                <a:ea typeface="Roboto" pitchFamily="2" charset="0"/>
+              </a:rPr>
+              <a:t>. </a:t>
+            </a:r>
+            <a:r>
+              <a:rPr lang="de-CH" dirty="0" err="1">
+                <a:solidFill>
+                  <a:schemeClr val="bg1"/>
+                </a:solidFill>
+                <a:latin typeface="Roboto" pitchFamily="2" charset="0"/>
+                <a:ea typeface="Roboto" pitchFamily="2" charset="0"/>
+              </a:rPr>
+              <a:t>Mgmt</a:t>
+            </a:r>
+            <a:r>
+              <a:rPr lang="de-CH" dirty="0">
+                <a:solidFill>
+                  <a:schemeClr val="bg1"/>
+                </a:solidFill>
+                <a:latin typeface="Roboto" pitchFamily="2" charset="0"/>
+                <a:ea typeface="Roboto" pitchFamily="2" charset="0"/>
+              </a:rPr>
+              <a:t> gesteckt</a:t>
+            </a:r>
+          </a:p>
+          <a:p>
+            <a:pPr lvl="2">
+              <a:buFont typeface="Arial" panose="020B0604020202020204" pitchFamily="34" charset="0"/>
+              <a:buChar char="•"/>
+            </a:pPr>
+            <a:r>
+              <a:rPr lang="de-CH" dirty="0">
+                <a:solidFill>
+                  <a:schemeClr val="bg1"/>
+                </a:solidFill>
+                <a:latin typeface="Roboto" pitchFamily="2" charset="0"/>
+                <a:ea typeface="Roboto" pitchFamily="2" charset="0"/>
+              </a:rPr>
+              <a:t>In der Verknüpfung der REST Schnittstelle mit dem GUI stecken geblieben</a:t>
+            </a:r>
+          </a:p>
+          <a:p>
+            <a:pPr lvl="1">
+              <a:buFont typeface="Arial" panose="020B0604020202020204" pitchFamily="34" charset="0"/>
+              <a:buChar char="•"/>
+            </a:pPr>
+            <a:r>
+              <a:rPr lang="de-CH" dirty="0">
+                <a:solidFill>
+                  <a:schemeClr val="bg1"/>
+                </a:solidFill>
+                <a:latin typeface="Roboto" pitchFamily="2" charset="0"/>
+                <a:ea typeface="Roboto" pitchFamily="2" charset="0"/>
+              </a:rPr>
+              <a:t>Reaktionszeiten</a:t>
+            </a:r>
+          </a:p>
+          <a:p>
+            <a:pPr lvl="1">
+              <a:buFont typeface="Arial" panose="020B0604020202020204" pitchFamily="34" charset="0"/>
+              <a:buChar char="•"/>
+            </a:pPr>
+            <a:r>
+              <a:rPr lang="de-CH" dirty="0">
+                <a:solidFill>
+                  <a:schemeClr val="bg1"/>
+                </a:solidFill>
+                <a:latin typeface="Roboto" pitchFamily="2" charset="0"/>
+                <a:ea typeface="Roboto" pitchFamily="2" charset="0"/>
+              </a:rPr>
+              <a:t>Meetings über Skype</a:t>
+            </a:r>
+          </a:p>
+        </p:txBody>
+      </p:sp>
     </p:spTree>
+    <p:extLst>
+      <p:ext uri="{BB962C8B-B14F-4D97-AF65-F5344CB8AC3E}">
+        <p14:creationId xmlns:p14="http://schemas.microsoft.com/office/powerpoint/2010/main" val="803250803"/>
+      </p:ext>
+    </p:extLst>
   </p:cSld>
   <p:clrMapOvr>
     <a:masterClrMapping/>
   </p:clrMapOvr>
-  <mc:AlternateContent xmlns:mc="http://schemas.openxmlformats.org/markup-compatibility/2006">
-    <mc:Choice xmlns:p14="http://schemas.microsoft.com/office/powerpoint/2010/main" xmlns="" Requires="p14">
+  <mc:AlternateContent xmlns:mc="http://schemas.openxmlformats.org/markup-compatibility/2006" xmlns:p14="http://schemas.microsoft.com/office/powerpoint/2010/main">
+    <mc:Choice Requires="p14">
       <p:transition spd="med" p14:dur="700">
         <p:fade/>
       </p:transition>
     </mc:Choice>
-    <mc:Fallback>
+    <mc:Fallback xmlns="">
+      <p:transition spd="med">
+        <p:fade/>
+      </p:transition>
+    </mc:Fallback>
+  </mc:AlternateContent>
+  <p:timing>
+    <p:tnLst>
+      <p:par>
+        <p:cTn id="1" dur="indefinite" restart="never" nodeType="tmRoot"/>
+      </p:par>
+    </p:tnLst>
+  </p:timing>
+</p:sld>
+</file>
+
+<file path=ppt/slides/slide19.xml><?xml version="1.0" encoding="utf-8"?>
+<p:sld xmlns:a="http://schemas.openxmlformats.org/drawingml/2006/main" xmlns:r="http://schemas.openxmlformats.org/officeDocument/2006/relationships" xmlns:p="http://schemas.openxmlformats.org/presentationml/2006/main">
+  <p:cSld>
+    <p:spTree>
+      <p:nvGrpSpPr>
+        <p:cNvPr id="1" name=""/>
+        <p:cNvGrpSpPr/>
+        <p:nvPr/>
+      </p:nvGrpSpPr>
+      <p:grpSpPr>
+        <a:xfrm>
+          <a:off x="0" y="0"/>
+          <a:ext cx="0" cy="0"/>
+          <a:chOff x="0" y="0"/>
+          <a:chExt cx="0" cy="0"/>
+        </a:xfrm>
+      </p:grpSpPr>
+      <p:sp>
+        <p:nvSpPr>
+          <p:cNvPr id="2" name="Titel 1"/>
+          <p:cNvSpPr>
+            <a:spLocks noGrp="1"/>
+          </p:cNvSpPr>
+          <p:nvPr>
+            <p:ph type="title"/>
+          </p:nvPr>
+        </p:nvSpPr>
+        <p:spPr/>
+        <p:txBody>
+          <a:bodyPr/>
+          <a:lstStyle/>
+          <a:p>
+            <a:r>
+              <a:rPr lang="de-CH" dirty="0" smtClean="0"/>
+              <a:t>Verbesserungsmassnahmen</a:t>
+            </a:r>
+            <a:endParaRPr lang="de-CH" dirty="0"/>
+          </a:p>
+        </p:txBody>
+      </p:sp>
+      <p:sp>
+        <p:nvSpPr>
+          <p:cNvPr id="3" name="Inhaltsplatzhalter 2"/>
+          <p:cNvSpPr>
+            <a:spLocks noGrp="1"/>
+          </p:cNvSpPr>
+          <p:nvPr>
+            <p:ph idx="1"/>
+          </p:nvPr>
+        </p:nvSpPr>
+        <p:spPr/>
+        <p:txBody>
+          <a:bodyPr>
+            <a:normAutofit/>
+          </a:bodyPr>
+          <a:lstStyle/>
+          <a:p>
+            <a:r>
+              <a:rPr lang="de-CH" dirty="0" smtClean="0"/>
+              <a:t>Initialisierung mehr Zeit </a:t>
+            </a:r>
+            <a:r>
+              <a:rPr lang="de-CH" dirty="0" smtClean="0"/>
+              <a:t>aufwenden</a:t>
+            </a:r>
+          </a:p>
+          <a:p>
+            <a:r>
+              <a:rPr lang="de-CH" dirty="0" smtClean="0"/>
+              <a:t>Schneller ins «extreme </a:t>
+            </a:r>
+            <a:r>
+              <a:rPr lang="de-CH" dirty="0" err="1" smtClean="0"/>
+              <a:t>programming</a:t>
+            </a:r>
+            <a:r>
+              <a:rPr lang="de-CH" dirty="0" smtClean="0"/>
+              <a:t>» gehen</a:t>
+            </a:r>
+          </a:p>
+          <a:p>
+            <a:r>
+              <a:rPr lang="de-CH" dirty="0" smtClean="0"/>
+              <a:t>Kürzere Sprints vornehmen</a:t>
+            </a:r>
+          </a:p>
+          <a:p>
+            <a:r>
+              <a:rPr lang="de-CH" dirty="0" smtClean="0"/>
+              <a:t>Rasche Reaktionen bei Fragen an Teamkollegen</a:t>
+            </a:r>
+            <a:endParaRPr lang="de-CH" dirty="0" smtClean="0"/>
+          </a:p>
+        </p:txBody>
+      </p:sp>
+      <p:sp>
+        <p:nvSpPr>
+          <p:cNvPr id="5" name="Inhaltsplatzhalter 4"/>
+          <p:cNvSpPr>
+            <a:spLocks noGrp="1"/>
+          </p:cNvSpPr>
+          <p:nvPr>
+            <p:ph idx="13"/>
+          </p:nvPr>
+        </p:nvSpPr>
+        <p:spPr/>
+        <p:txBody>
+          <a:bodyPr/>
+          <a:lstStyle/>
+          <a:p>
+            <a:r>
+              <a:rPr lang="de-CH" dirty="0" smtClean="0"/>
+              <a:t>Rückblick  - Verbesserungsmassnahmen.</a:t>
+            </a:r>
+            <a:endParaRPr lang="en-US" dirty="0"/>
+          </a:p>
+        </p:txBody>
+      </p:sp>
+    </p:spTree>
+    <p:extLst>
+      <p:ext uri="{BB962C8B-B14F-4D97-AF65-F5344CB8AC3E}">
+        <p14:creationId xmlns:p14="http://schemas.microsoft.com/office/powerpoint/2010/main" val="1720590291"/>
+      </p:ext>
+    </p:extLst>
+  </p:cSld>
+  <p:clrMapOvr>
+    <a:masterClrMapping/>
+  </p:clrMapOvr>
+  <mc:AlternateContent xmlns:mc="http://schemas.openxmlformats.org/markup-compatibility/2006" xmlns:p14="http://schemas.microsoft.com/office/powerpoint/2010/main">
+    <mc:Choice Requires="p14">
+      <p:transition spd="med" p14:dur="700">
+        <p:fade/>
+      </p:transition>
+    </mc:Choice>
+    <mc:Fallback xmlns="">
       <p:transition spd="med">
         <p:fade/>
       </p:transition>
@@ -10126,14 +11176,14 @@
             <a:pPr lvl="1"/>
             <a:r>
               <a:rPr lang="de-CH" dirty="0" smtClean="0"/>
-              <a:t>Was lief gut?</a:t>
+              <a:t>Verwendete Tools</a:t>
             </a:r>
           </a:p>
           <a:p>
             <a:pPr lvl="1"/>
             <a:r>
               <a:rPr lang="de-CH" dirty="0" smtClean="0"/>
-              <a:t>Was lief schlecht?</a:t>
+              <a:t>Was lief gut und was schlecht?</a:t>
             </a:r>
           </a:p>
           <a:p>
@@ -10164,20 +11214,158 @@
     </p:spTree>
     <p:extLst>
       <p:ext uri="{BB962C8B-B14F-4D97-AF65-F5344CB8AC3E}">
-        <p14:creationId xmlns:p14="http://schemas.microsoft.com/office/powerpoint/2010/main" xmlns="" val="1991746133"/>
+        <p14:creationId xmlns:p14="http://schemas.microsoft.com/office/powerpoint/2010/main" val="1991746133"/>
       </p:ext>
     </p:extLst>
   </p:cSld>
   <p:clrMapOvr>
     <a:masterClrMapping/>
   </p:clrMapOvr>
-  <mc:AlternateContent xmlns:mc="http://schemas.openxmlformats.org/markup-compatibility/2006">
-    <mc:Choice xmlns:p14="http://schemas.microsoft.com/office/powerpoint/2010/main" xmlns="" Requires="p14">
+  <mc:AlternateContent xmlns:mc="http://schemas.openxmlformats.org/markup-compatibility/2006" xmlns:p14="http://schemas.microsoft.com/office/powerpoint/2010/main">
+    <mc:Choice Requires="p14">
       <p:transition spd="med" p14:dur="700">
         <p:fade/>
       </p:transition>
     </mc:Choice>
-    <mc:Fallback>
+    <mc:Fallback xmlns="">
+      <p:transition spd="med">
+        <p:fade/>
+      </p:transition>
+    </mc:Fallback>
+  </mc:AlternateContent>
+  <p:timing>
+    <p:tnLst>
+      <p:par>
+        <p:cTn id="1" dur="indefinite" restart="never" nodeType="tmRoot"/>
+      </p:par>
+    </p:tnLst>
+  </p:timing>
+</p:sld>
+</file>
+
+<file path=ppt/slides/slide20.xml><?xml version="1.0" encoding="utf-8"?>
+<p:sld xmlns:a="http://schemas.openxmlformats.org/drawingml/2006/main" xmlns:r="http://schemas.openxmlformats.org/officeDocument/2006/relationships" xmlns:p="http://schemas.openxmlformats.org/presentationml/2006/main">
+  <p:cSld>
+    <p:spTree>
+      <p:nvGrpSpPr>
+        <p:cNvPr id="1" name=""/>
+        <p:cNvGrpSpPr/>
+        <p:nvPr/>
+      </p:nvGrpSpPr>
+      <p:grpSpPr>
+        <a:xfrm>
+          <a:off x="0" y="0"/>
+          <a:ext cx="0" cy="0"/>
+          <a:chOff x="0" y="0"/>
+          <a:chExt cx="0" cy="0"/>
+        </a:xfrm>
+      </p:grpSpPr>
+      <p:sp>
+        <p:nvSpPr>
+          <p:cNvPr id="9" name="Titel 8"/>
+          <p:cNvSpPr>
+            <a:spLocks noGrp="1"/>
+          </p:cNvSpPr>
+          <p:nvPr>
+            <p:ph type="title"/>
+          </p:nvPr>
+        </p:nvSpPr>
+        <p:spPr/>
+        <p:txBody>
+          <a:bodyPr/>
+          <a:lstStyle/>
+          <a:p>
+            <a:r>
+              <a:rPr lang="de-CH" dirty="0" smtClean="0"/>
+              <a:t>Fragen?</a:t>
+            </a:r>
+            <a:endParaRPr lang="en-US" dirty="0"/>
+          </a:p>
+        </p:txBody>
+      </p:sp>
+      <p:sp>
+        <p:nvSpPr>
+          <p:cNvPr id="7" name="Inhaltsplatzhalter 6"/>
+          <p:cNvSpPr>
+            <a:spLocks noGrp="1"/>
+          </p:cNvSpPr>
+          <p:nvPr>
+            <p:ph idx="1"/>
+          </p:nvPr>
+        </p:nvSpPr>
+        <p:spPr/>
+        <p:txBody>
+          <a:bodyPr/>
+          <a:lstStyle/>
+          <a:p>
+            <a:pPr>
+              <a:buNone/>
+            </a:pPr>
+            <a:endParaRPr lang="en-US" dirty="0"/>
+          </a:p>
+        </p:txBody>
+      </p:sp>
+      <p:sp>
+        <p:nvSpPr>
+          <p:cNvPr id="10" name="Inhaltsplatzhalter 9"/>
+          <p:cNvSpPr>
+            <a:spLocks noGrp="1"/>
+          </p:cNvSpPr>
+          <p:nvPr>
+            <p:ph idx="13"/>
+          </p:nvPr>
+        </p:nvSpPr>
+        <p:spPr/>
+        <p:txBody>
+          <a:bodyPr/>
+          <a:lstStyle/>
+          <a:p>
+            <a:r>
+              <a:rPr lang="de-CH" dirty="0" smtClean="0"/>
+              <a:t>Fragen</a:t>
+            </a:r>
+            <a:endParaRPr lang="en-US" dirty="0"/>
+          </a:p>
+        </p:txBody>
+      </p:sp>
+      <p:pic>
+        <p:nvPicPr>
+          <p:cNvPr id="2050" name="Picture 2" descr="http://entertecno.com/wp-content/uploads/2013/05/Droid-Question.jpg"/>
+          <p:cNvPicPr>
+            <a:picLocks noChangeAspect="1" noChangeArrowheads="1"/>
+          </p:cNvPicPr>
+          <p:nvPr/>
+        </p:nvPicPr>
+        <p:blipFill>
+          <a:blip r:embed="rId2" cstate="print"/>
+          <a:srcRect/>
+          <a:stretch>
+            <a:fillRect/>
+          </a:stretch>
+        </p:blipFill>
+        <p:spPr bwMode="auto">
+          <a:xfrm>
+            <a:off x="4006180" y="1711312"/>
+            <a:ext cx="2880319" cy="4099808"/>
+          </a:xfrm>
+          <a:prstGeom prst="rect">
+            <a:avLst/>
+          </a:prstGeom>
+          <a:noFill/>
+        </p:spPr>
+      </p:pic>
+    </p:spTree>
+  </p:cSld>
+  <p:clrMapOvr>
+    <a:masterClrMapping/>
+  </p:clrMapOvr>
+  <mc:AlternateContent xmlns:mc="http://schemas.openxmlformats.org/markup-compatibility/2006" xmlns:p14="http://schemas.microsoft.com/office/powerpoint/2010/main">
+    <mc:Choice Requires="p14">
+      <p:transition spd="med" p14:dur="700">
+        <p:fade/>
+      </p:transition>
+    </mc:Choice>
+    <mc:Fallback xmlns="">
       <p:transition spd="med">
         <p:fade/>
       </p:transition>
@@ -10235,34 +11423,6 @@
       </p:sp>
       <p:sp>
         <p:nvSpPr>
-          <p:cNvPr id="6" name="Inhaltsplatzhalter 5"/>
-          <p:cNvSpPr>
-            <a:spLocks noGrp="1"/>
-          </p:cNvSpPr>
-          <p:nvPr>
-            <p:ph idx="1"/>
-          </p:nvPr>
-        </p:nvSpPr>
-        <p:spPr>
-          <a:xfrm>
-            <a:off x="1522413" y="1797558"/>
-            <a:ext cx="5652120" cy="4223730"/>
-          </a:xfrm>
-        </p:spPr>
-        <p:txBody>
-          <a:bodyPr/>
-          <a:lstStyle/>
-          <a:p>
-            <a:r>
-              <a:rPr lang="de-CH" dirty="0" smtClean="0"/>
-              <a:t>Bild mit Cards einfügen! (wo find ich das?)</a:t>
-            </a:r>
-            <a:endParaRPr lang="de-CH" dirty="0"/>
-          </a:p>
-        </p:txBody>
-      </p:sp>
-      <p:sp>
-        <p:nvSpPr>
           <p:cNvPr id="5" name="Inhaltsplatzhalter 4"/>
           <p:cNvSpPr>
             <a:spLocks noGrp="1"/>
@@ -10278,11 +11438,7 @@
           <a:p>
             <a:r>
               <a:rPr lang="de-CH" dirty="0" smtClean="0"/>
-              <a:t>Projektidee - </a:t>
-            </a:r>
-            <a:r>
-              <a:rPr lang="de-CH" dirty="0" smtClean="0"/>
-              <a:t>Überblick</a:t>
+              <a:t>Projektidee - Überblick</a:t>
             </a:r>
             <a:endParaRPr lang="en-US" dirty="0"/>
           </a:p>
@@ -10300,7 +11456,7 @@
           <a:blip r:embed="rId2" cstate="print">
             <a:extLst>
               <a:ext uri="{28A0092B-C50C-407E-A947-70E740481C1C}">
-                <a14:useLocalDpi xmlns:a14="http://schemas.microsoft.com/office/drawing/2010/main" xmlns="" val="0"/>
+                <a14:useLocalDpi xmlns:a14="http://schemas.microsoft.com/office/drawing/2010/main" val="0"/>
               </a:ext>
             </a:extLst>
           </a:blip>
@@ -10320,7 +11476,7 @@
           <a:noFill/>
           <a:extLst>
             <a:ext uri="{909E8E84-426E-40DD-AFC4-6F175D3DCCD1}">
-              <a14:hiddenFill xmlns:a14="http://schemas.microsoft.com/office/drawing/2010/main" xmlns="">
+              <a14:hiddenFill xmlns:a14="http://schemas.microsoft.com/office/drawing/2010/main">
                 <a:solidFill>
                   <a:srgbClr val="FFFFFF"/>
                 </a:solidFill>
@@ -10329,23 +11485,67 @@
           </a:extLst>
         </p:spPr>
       </p:pic>
+      <p:sp>
+        <p:nvSpPr>
+          <p:cNvPr id="3" name="Inhaltsplatzhalter 2"/>
+          <p:cNvSpPr>
+            <a:spLocks noGrp="1"/>
+          </p:cNvSpPr>
+          <p:nvPr>
+            <p:ph idx="1"/>
+          </p:nvPr>
+        </p:nvSpPr>
+        <p:spPr/>
+        <p:txBody>
+          <a:bodyPr/>
+          <a:lstStyle/>
+          <a:p>
+            <a:r>
+              <a:rPr lang="de-CH" dirty="0" smtClean="0"/>
+              <a:t>App</a:t>
+            </a:r>
+          </a:p>
+          <a:p>
+            <a:pPr lvl="1"/>
+            <a:r>
+              <a:rPr lang="de-CH" dirty="0" smtClean="0"/>
+              <a:t>Spielstände</a:t>
+            </a:r>
+          </a:p>
+          <a:p>
+            <a:pPr lvl="1"/>
+            <a:r>
+              <a:rPr lang="de-CH" dirty="0" smtClean="0"/>
+              <a:t>Nächste Spiele</a:t>
+            </a:r>
+          </a:p>
+          <a:p>
+            <a:pPr lvl="1"/>
+            <a:r>
+              <a:rPr lang="de-CH" dirty="0" smtClean="0"/>
+              <a:t>Vergangene Spiele</a:t>
+            </a:r>
+            <a:endParaRPr lang="de-CH" dirty="0"/>
+          </a:p>
+        </p:txBody>
+      </p:sp>
     </p:spTree>
     <p:extLst>
       <p:ext uri="{BB962C8B-B14F-4D97-AF65-F5344CB8AC3E}">
-        <p14:creationId xmlns:p14="http://schemas.microsoft.com/office/powerpoint/2010/main" xmlns="" val="1761193173"/>
+        <p14:creationId xmlns:p14="http://schemas.microsoft.com/office/powerpoint/2010/main" val="1761193173"/>
       </p:ext>
     </p:extLst>
   </p:cSld>
   <p:clrMapOvr>
     <a:masterClrMapping/>
   </p:clrMapOvr>
-  <mc:AlternateContent xmlns:mc="http://schemas.openxmlformats.org/markup-compatibility/2006">
-    <mc:Choice xmlns:p14="http://schemas.microsoft.com/office/powerpoint/2010/main" xmlns="" Requires="p14">
+  <mc:AlternateContent xmlns:mc="http://schemas.openxmlformats.org/markup-compatibility/2006" xmlns:p14="http://schemas.microsoft.com/office/powerpoint/2010/main">
+    <mc:Choice Requires="p14">
       <p:transition spd="med" p14:dur="700">
         <p:fade/>
       </p:transition>
     </mc:Choice>
-    <mc:Fallback>
+    <mc:Fallback xmlns="">
       <p:transition spd="med">
         <p:fade/>
       </p:transition>
@@ -10439,11 +11639,7 @@
             <a:pPr lvl="1"/>
             <a:r>
               <a:rPr lang="de-CH" dirty="0" smtClean="0"/>
-              <a:t>Detaillierte </a:t>
-            </a:r>
-            <a:r>
-              <a:rPr lang="de-CH" dirty="0" smtClean="0"/>
-              <a:t>Spielresultate bereits ausgetragener Spiele anzeigen</a:t>
+              <a:t>Detaillierte Spielresultate bereits ausgetragener Spiele anzeigen</a:t>
             </a:r>
           </a:p>
           <a:p>
@@ -10503,20 +11699,20 @@
     </p:spTree>
     <p:extLst>
       <p:ext uri="{BB962C8B-B14F-4D97-AF65-F5344CB8AC3E}">
-        <p14:creationId xmlns:p14="http://schemas.microsoft.com/office/powerpoint/2010/main" xmlns="" val="3990477609"/>
+        <p14:creationId xmlns:p14="http://schemas.microsoft.com/office/powerpoint/2010/main" val="3990477609"/>
       </p:ext>
     </p:extLst>
   </p:cSld>
   <p:clrMapOvr>
     <a:masterClrMapping/>
   </p:clrMapOvr>
-  <mc:AlternateContent xmlns:mc="http://schemas.openxmlformats.org/markup-compatibility/2006">
-    <mc:Choice xmlns:p14="http://schemas.microsoft.com/office/powerpoint/2010/main" xmlns="" Requires="p14">
+  <mc:AlternateContent xmlns:mc="http://schemas.openxmlformats.org/markup-compatibility/2006" xmlns:p14="http://schemas.microsoft.com/office/powerpoint/2010/main">
+    <mc:Choice Requires="p14">
       <p:transition spd="med" p14:dur="700">
         <p:fade/>
       </p:transition>
     </mc:Choice>
-    <mc:Fallback>
+    <mc:Fallback xmlns="">
       <p:transition spd="med">
         <p:fade/>
       </p:transition>
@@ -10566,7 +11762,7 @@
           <a:p>
             <a:r>
               <a:rPr lang="de-CH" dirty="0" smtClean="0"/>
-              <a:t>Projektidee();</a:t>
+              <a:t>Vorgehen</a:t>
             </a:r>
             <a:endParaRPr lang="de-CH" dirty="0"/>
           </a:p>
@@ -10584,25 +11780,58 @@
         </p:nvSpPr>
         <p:spPr/>
         <p:txBody>
-          <a:bodyPr>
-            <a:normAutofit/>
-          </a:bodyPr>
+          <a:bodyPr/>
           <a:lstStyle/>
           <a:p>
             <a:r>
+              <a:rPr lang="de-CH" dirty="0"/>
+              <a:t>Planung</a:t>
+            </a:r>
+          </a:p>
+          <a:p>
+            <a:r>
+              <a:rPr lang="de-CH" dirty="0"/>
+              <a:t>Analyse</a:t>
+            </a:r>
+          </a:p>
+          <a:p>
+            <a:r>
+              <a:rPr lang="de-CH" dirty="0"/>
+              <a:t>Design</a:t>
+            </a:r>
+          </a:p>
+          <a:p>
+            <a:pPr lvl="1"/>
+            <a:r>
+              <a:rPr lang="de-CH" dirty="0"/>
+              <a:t>Architektur</a:t>
+            </a:r>
+          </a:p>
+          <a:p>
+            <a:pPr lvl="1"/>
+            <a:r>
+              <a:rPr lang="de-CH" dirty="0"/>
+              <a:t>GUI Prototyp</a:t>
+            </a:r>
+          </a:p>
+          <a:p>
+            <a:r>
+              <a:rPr lang="de-CH" dirty="0"/>
+              <a:t>Implementierung</a:t>
+            </a:r>
+          </a:p>
+          <a:p>
+            <a:r>
               <a:rPr lang="de-CH" dirty="0" err="1" smtClean="0"/>
-              <a:t>Swissunihockey</a:t>
-            </a:r>
-            <a:r>
-              <a:rPr lang="de-CH" dirty="0" smtClean="0"/>
-              <a:t> API</a:t>
-            </a:r>
-          </a:p>
-        </p:txBody>
-      </p:sp>
-      <p:sp>
-        <p:nvSpPr>
-          <p:cNvPr id="5" name="Inhaltsplatzhalter 4"/>
+              <a:t>Testing</a:t>
+            </a:r>
+            <a:endParaRPr lang="de-CH" dirty="0"/>
+          </a:p>
+        </p:txBody>
+      </p:sp>
+      <p:sp>
+        <p:nvSpPr>
+          <p:cNvPr id="4" name="Inhaltsplatzhalter 3"/>
           <p:cNvSpPr>
             <a:spLocks noGrp="1"/>
           </p:cNvSpPr>
@@ -10615,51 +11844,27 @@
           <a:bodyPr/>
           <a:lstStyle/>
           <a:p>
-            <a:endParaRPr lang="en-US"/>
-          </a:p>
-        </p:txBody>
-      </p:sp>
-      <p:pic>
-        <p:nvPicPr>
-          <p:cNvPr id="4" name="Grafik 3"/>
-          <p:cNvPicPr>
-            <a:picLocks noChangeAspect="1"/>
-          </p:cNvPicPr>
-          <p:nvPr/>
-        </p:nvPicPr>
-        <p:blipFill>
-          <a:blip r:embed="rId2" cstate="print"/>
-          <a:stretch>
-            <a:fillRect/>
-          </a:stretch>
-        </p:blipFill>
-        <p:spPr>
-          <a:xfrm>
-            <a:off x="1845941" y="2219798"/>
-            <a:ext cx="4824536" cy="3415600"/>
-          </a:xfrm>
-          <a:prstGeom prst="rect">
-            <a:avLst/>
-          </a:prstGeom>
-        </p:spPr>
-      </p:pic>
+            <a:endParaRPr lang="de-CH" dirty="0"/>
+          </a:p>
+        </p:txBody>
+      </p:sp>
     </p:spTree>
     <p:extLst>
       <p:ext uri="{BB962C8B-B14F-4D97-AF65-F5344CB8AC3E}">
-        <p14:creationId xmlns:p14="http://schemas.microsoft.com/office/powerpoint/2010/main" xmlns="" val="2729344726"/>
+        <p14:creationId xmlns:p14="http://schemas.microsoft.com/office/powerpoint/2010/main" val="893170643"/>
       </p:ext>
     </p:extLst>
   </p:cSld>
   <p:clrMapOvr>
     <a:masterClrMapping/>
   </p:clrMapOvr>
-  <mc:AlternateContent xmlns:mc="http://schemas.openxmlformats.org/markup-compatibility/2006">
-    <mc:Choice xmlns:p14="http://schemas.microsoft.com/office/powerpoint/2010/main" xmlns="" Requires="p14">
+  <mc:AlternateContent xmlns:mc="http://schemas.openxmlformats.org/markup-compatibility/2006" xmlns:p14="http://schemas.microsoft.com/office/powerpoint/2010/main">
+    <mc:Choice Requires="p14">
       <p:transition spd="med" p14:dur="700">
         <p:fade/>
       </p:transition>
     </mc:Choice>
-    <mc:Fallback>
+    <mc:Fallback xmlns="">
       <p:transition spd="med">
         <p:fade/>
       </p:transition>
@@ -10709,7 +11914,7 @@
           <a:p>
             <a:r>
               <a:rPr lang="de-CH" dirty="0" smtClean="0"/>
-              <a:t>Vorgehen();</a:t>
+              <a:t>Vorgehen</a:t>
             </a:r>
             <a:endParaRPr lang="de-CH" dirty="0"/>
           </a:p>
@@ -10732,10 +11937,9 @@
           </a:bodyPr>
           <a:lstStyle/>
           <a:p>
-            <a:r>
-              <a:rPr lang="de-CH" dirty="0" smtClean="0"/>
-              <a:t>Planung</a:t>
-            </a:r>
+            <a:pPr marL="0" indent="0">
+              <a:buNone/>
+            </a:pPr>
             <a:endParaRPr lang="de-CH" dirty="0"/>
           </a:p>
         </p:txBody>
@@ -10755,13 +11959,25 @@
           <a:bodyPr/>
           <a:lstStyle/>
           <a:p>
-            <a:endParaRPr lang="en-US"/>
+            <a:r>
+              <a:rPr lang="en-US" dirty="0" err="1" smtClean="0"/>
+              <a:t>Vorgehen</a:t>
+            </a:r>
+            <a:r>
+              <a:rPr lang="en-US" dirty="0" smtClean="0"/>
+              <a:t> - </a:t>
+            </a:r>
+            <a:r>
+              <a:rPr lang="en-US" dirty="0" err="1" smtClean="0"/>
+              <a:t>Planung</a:t>
+            </a:r>
+            <a:endParaRPr lang="en-US" dirty="0"/>
           </a:p>
         </p:txBody>
       </p:sp>
       <p:pic>
         <p:nvPicPr>
-          <p:cNvPr id="4" name="Grafik 3"/>
+          <p:cNvPr id="6" name="Grafik 5"/>
           <p:cNvPicPr>
             <a:picLocks noChangeAspect="1"/>
           </p:cNvPicPr>
@@ -10775,8 +11991,32 @@
         </p:blipFill>
         <p:spPr>
           <a:xfrm>
-            <a:off x="1845940" y="2276872"/>
-            <a:ext cx="9806711" cy="2728183"/>
+            <a:off x="1773932" y="1441254"/>
+            <a:ext cx="8647771" cy="2405771"/>
+          </a:xfrm>
+          <a:prstGeom prst="rect">
+            <a:avLst/>
+          </a:prstGeom>
+        </p:spPr>
+      </p:pic>
+      <p:pic>
+        <p:nvPicPr>
+          <p:cNvPr id="7" name="Grafik 6"/>
+          <p:cNvPicPr>
+            <a:picLocks noChangeAspect="1"/>
+          </p:cNvPicPr>
+          <p:nvPr/>
+        </p:nvPicPr>
+        <p:blipFill>
+          <a:blip r:embed="rId3"/>
+          <a:stretch>
+            <a:fillRect/>
+          </a:stretch>
+        </p:blipFill>
+        <p:spPr>
+          <a:xfrm>
+            <a:off x="2134118" y="3930434"/>
+            <a:ext cx="7920589" cy="2007445"/>
           </a:xfrm>
           <a:prstGeom prst="rect">
             <a:avLst/>
@@ -10786,20 +12026,20 @@
     </p:spTree>
     <p:extLst>
       <p:ext uri="{BB962C8B-B14F-4D97-AF65-F5344CB8AC3E}">
-        <p14:creationId xmlns:p14="http://schemas.microsoft.com/office/powerpoint/2010/main" xmlns="" val="2562901813"/>
+        <p14:creationId xmlns:p14="http://schemas.microsoft.com/office/powerpoint/2010/main" val="2562901813"/>
       </p:ext>
     </p:extLst>
   </p:cSld>
   <p:clrMapOvr>
     <a:masterClrMapping/>
   </p:clrMapOvr>
-  <mc:AlternateContent xmlns:mc="http://schemas.openxmlformats.org/markup-compatibility/2006">
-    <mc:Choice xmlns:p14="http://schemas.microsoft.com/office/powerpoint/2010/main" xmlns="" Requires="p14">
+  <mc:AlternateContent xmlns:mc="http://schemas.openxmlformats.org/markup-compatibility/2006" xmlns:p14="http://schemas.microsoft.com/office/powerpoint/2010/main">
+    <mc:Choice Requires="p14">
       <p:transition spd="med" p14:dur="700">
         <p:fade/>
       </p:transition>
     </mc:Choice>
-    <mc:Fallback>
+    <mc:Fallback xmlns="">
       <p:transition spd="med">
         <p:fade/>
       </p:transition>
@@ -10849,7 +12089,7 @@
           <a:p>
             <a:r>
               <a:rPr lang="de-CH" dirty="0" smtClean="0"/>
-              <a:t>Vorgehen();</a:t>
+              <a:t>Projektidee</a:t>
             </a:r>
             <a:endParaRPr lang="de-CH" dirty="0"/>
           </a:p>
@@ -10873,16 +12113,19 @@
           <a:lstStyle/>
           <a:p>
             <a:r>
+              <a:rPr lang="de-CH" dirty="0" err="1" smtClean="0"/>
+              <a:t>Swissunihockey</a:t>
+            </a:r>
+            <a:r>
               <a:rPr lang="de-CH" dirty="0" smtClean="0"/>
-              <a:t>Sprints</a:t>
-            </a:r>
-            <a:endParaRPr lang="de-CH" dirty="0"/>
-          </a:p>
-        </p:txBody>
-      </p:sp>
-      <p:sp>
-        <p:nvSpPr>
-          <p:cNvPr id="4" name="Inhaltsplatzhalter 3"/>
+              <a:t> API</a:t>
+            </a:r>
+          </a:p>
+        </p:txBody>
+      </p:sp>
+      <p:sp>
+        <p:nvSpPr>
+          <p:cNvPr id="7" name="Inhaltsplatzhalter 6"/>
           <p:cNvSpPr>
             <a:spLocks noGrp="1"/>
           </p:cNvSpPr>
@@ -10895,27 +12138,94 @@
           <a:bodyPr/>
           <a:lstStyle/>
           <a:p>
-            <a:endParaRPr lang="en-US"/>
+            <a:endParaRPr lang="de-CH"/>
+          </a:p>
+        </p:txBody>
+      </p:sp>
+      <p:pic>
+        <p:nvPicPr>
+          <p:cNvPr id="4" name="Grafik 3"/>
+          <p:cNvPicPr>
+            <a:picLocks noChangeAspect="1"/>
+          </p:cNvPicPr>
+          <p:nvPr/>
+        </p:nvPicPr>
+        <p:blipFill>
+          <a:blip r:embed="rId2" cstate="print"/>
+          <a:stretch>
+            <a:fillRect/>
+          </a:stretch>
+        </p:blipFill>
+        <p:spPr>
+          <a:xfrm>
+            <a:off x="5014292" y="1628800"/>
+            <a:ext cx="4824536" cy="3415600"/>
+          </a:xfrm>
+          <a:prstGeom prst="rect">
+            <a:avLst/>
+          </a:prstGeom>
+        </p:spPr>
+      </p:pic>
+      <p:sp>
+        <p:nvSpPr>
+          <p:cNvPr id="6" name="Pfeil nach rechts 5"/>
+          <p:cNvSpPr/>
+          <p:nvPr/>
+        </p:nvSpPr>
+        <p:spPr>
+          <a:xfrm rot="9460406">
+            <a:off x="3983261" y="3163130"/>
+            <a:ext cx="1002718" cy="346938"/>
+          </a:xfrm>
+          <a:prstGeom prst="rightArrow">
+            <a:avLst/>
+          </a:prstGeom>
+          <a:ln>
+            <a:miter lim="800000"/>
+          </a:ln>
+        </p:spPr>
+        <p:style>
+          <a:lnRef idx="2">
+            <a:schemeClr val="accent1">
+              <a:shade val="50000"/>
+            </a:schemeClr>
+          </a:lnRef>
+          <a:fillRef idx="1">
+            <a:schemeClr val="accent1"/>
+          </a:fillRef>
+          <a:effectRef idx="0">
+            <a:schemeClr val="accent1"/>
+          </a:effectRef>
+          <a:fontRef idx="minor">
+            <a:schemeClr val="lt1"/>
+          </a:fontRef>
+        </p:style>
+        <p:txBody>
+          <a:bodyPr rtlCol="0" anchor="ctr"/>
+          <a:lstStyle/>
+          <a:p>
+            <a:pPr algn="ctr"/>
+            <a:endParaRPr lang="de-CH"/>
           </a:p>
         </p:txBody>
       </p:sp>
     </p:spTree>
     <p:extLst>
       <p:ext uri="{BB962C8B-B14F-4D97-AF65-F5344CB8AC3E}">
-        <p14:creationId xmlns:p14="http://schemas.microsoft.com/office/powerpoint/2010/main" xmlns="" val="3033327254"/>
+        <p14:creationId xmlns:p14="http://schemas.microsoft.com/office/powerpoint/2010/main" val="687508315"/>
       </p:ext>
     </p:extLst>
   </p:cSld>
   <p:clrMapOvr>
     <a:masterClrMapping/>
   </p:clrMapOvr>
-  <mc:AlternateContent xmlns:mc="http://schemas.openxmlformats.org/markup-compatibility/2006">
-    <mc:Choice xmlns:p14="http://schemas.microsoft.com/office/powerpoint/2010/main" xmlns="" Requires="p14">
+  <mc:AlternateContent xmlns:mc="http://schemas.openxmlformats.org/markup-compatibility/2006" xmlns:p14="http://schemas.microsoft.com/office/powerpoint/2010/main">
+    <mc:Choice Requires="p14">
       <p:transition spd="med" p14:dur="700">
         <p:fade/>
       </p:transition>
     </mc:Choice>
-    <mc:Fallback>
+    <mc:Fallback xmlns="">
       <p:transition spd="med">
         <p:fade/>
       </p:transition>
@@ -10965,7 +12275,7 @@
           <a:p>
             <a:r>
               <a:rPr lang="de-CH" dirty="0" smtClean="0"/>
-              <a:t>Vorgehen();</a:t>
+              <a:t>Resultate</a:t>
             </a:r>
             <a:endParaRPr lang="de-CH" dirty="0"/>
           </a:p>
@@ -10973,7 +12283,7 @@
       </p:sp>
       <p:sp>
         <p:nvSpPr>
-          <p:cNvPr id="3" name="Inhaltsplatzhalter 2"/>
+          <p:cNvPr id="6" name="Inhaltsplatzhalter 5"/>
           <p:cNvSpPr>
             <a:spLocks noGrp="1"/>
           </p:cNvSpPr>
@@ -10983,75 +12293,88 @@
         </p:nvSpPr>
         <p:spPr/>
         <p:txBody>
-          <a:bodyPr>
-            <a:normAutofit/>
-          </a:bodyPr>
+          <a:bodyPr/>
           <a:lstStyle/>
           <a:p>
             <a:r>
               <a:rPr lang="de-CH" dirty="0" smtClean="0"/>
-              <a:t>Verwendete Tools</a:t>
+              <a:t>Konzept</a:t>
             </a:r>
           </a:p>
           <a:p>
             <a:pPr lvl="1"/>
             <a:r>
               <a:rPr lang="de-CH" dirty="0" err="1" smtClean="0"/>
-              <a:t>Balsamiq</a:t>
-            </a:r>
+              <a:t>UseCases</a:t>
+            </a:r>
+            <a:endParaRPr lang="de-CH" dirty="0" smtClean="0"/>
+          </a:p>
+          <a:p>
+            <a:pPr lvl="1"/>
             <a:r>
               <a:rPr lang="de-CH" dirty="0" smtClean="0"/>
-              <a:t> </a:t>
-            </a:r>
-            <a:r>
-              <a:rPr lang="de-CH" dirty="0" err="1" smtClean="0"/>
-              <a:t>Mockups</a:t>
-            </a:r>
-            <a:endParaRPr lang="de-CH" dirty="0" smtClean="0"/>
+              <a:t>Analyse/Design Dokumente</a:t>
+            </a:r>
           </a:p>
           <a:p>
             <a:pPr lvl="1"/>
             <a:r>
-              <a:rPr lang="de-CH" dirty="0" err="1" smtClean="0"/>
-              <a:t>DotProject</a:t>
-            </a:r>
-            <a:r>
               <a:rPr lang="de-CH" dirty="0" smtClean="0"/>
-              <a:t> (PHP)</a:t>
+              <a:t>Architektur</a:t>
+            </a:r>
+            <a:endParaRPr lang="de-CH" dirty="0"/>
+          </a:p>
+          <a:p>
+            <a:r>
+              <a:rPr lang="de-CH" dirty="0"/>
+              <a:t>App</a:t>
             </a:r>
           </a:p>
           <a:p>
             <a:pPr lvl="1"/>
             <a:r>
+              <a:rPr lang="de-CH" dirty="0"/>
+              <a:t>Material Design</a:t>
+            </a:r>
+          </a:p>
+          <a:p>
+            <a:pPr lvl="1"/>
+            <a:r>
+              <a:rPr lang="de-CH" dirty="0"/>
+              <a:t>Card </a:t>
+            </a:r>
+            <a:r>
               <a:rPr lang="de-CH" dirty="0" smtClean="0"/>
-              <a:t>Android Studio</a:t>
+              <a:t>Views</a:t>
             </a:r>
           </a:p>
           <a:p>
             <a:pPr lvl="1"/>
             <a:r>
               <a:rPr lang="de-CH" dirty="0" smtClean="0"/>
-              <a:t>MySQL </a:t>
-            </a:r>
-            <a:r>
-              <a:rPr lang="de-CH" dirty="0" err="1" smtClean="0"/>
-              <a:t>Workbench</a:t>
-            </a:r>
-            <a:endParaRPr lang="de-CH" dirty="0" smtClean="0"/>
+              <a:t>Komponenten</a:t>
+            </a:r>
           </a:p>
           <a:p>
             <a:pPr lvl="1"/>
             <a:r>
-              <a:rPr lang="de-CH" dirty="0" err="1" smtClean="0"/>
-              <a:t>SoapUI</a:t>
+              <a:rPr lang="de-CH" dirty="0" smtClean="0"/>
+              <a:t>Wizard</a:t>
             </a:r>
             <a:endParaRPr lang="de-CH" dirty="0"/>
           </a:p>
-        </p:txBody>
-      </p:sp>
-      <p:sp>
-        <p:nvSpPr>
-          <p:cNvPr id="4" name="Inhaltsplatzhalter 3"/>
+          <a:p>
+            <a:pPr lvl="1"/>
+            <a:endParaRPr lang="de-CH" dirty="0"/>
+          </a:p>
+          <a:p>
+            <a:endParaRPr lang="en-US" dirty="0"/>
+          </a:p>
+        </p:txBody>
+      </p:sp>
+      <p:sp>
+        <p:nvSpPr>
+          <p:cNvPr id="7" name="Inhaltsplatzhalter 6"/>
           <p:cNvSpPr>
             <a:spLocks noGrp="1"/>
           </p:cNvSpPr>
@@ -11071,20 +12394,20 @@
     </p:spTree>
     <p:extLst>
       <p:ext uri="{BB962C8B-B14F-4D97-AF65-F5344CB8AC3E}">
-        <p14:creationId xmlns:p14="http://schemas.microsoft.com/office/powerpoint/2010/main" xmlns="" val="2058194952"/>
+        <p14:creationId xmlns:p14="http://schemas.microsoft.com/office/powerpoint/2010/main" val="1812615666"/>
       </p:ext>
     </p:extLst>
   </p:cSld>
   <p:clrMapOvr>
     <a:masterClrMapping/>
   </p:clrMapOvr>
-  <mc:AlternateContent xmlns:mc="http://schemas.openxmlformats.org/markup-compatibility/2006">
-    <mc:Choice xmlns:p14="http://schemas.microsoft.com/office/powerpoint/2010/main" xmlns="" Requires="p14">
+  <mc:AlternateContent xmlns:mc="http://schemas.openxmlformats.org/markup-compatibility/2006" xmlns:p14="http://schemas.microsoft.com/office/powerpoint/2010/main">
+    <mc:Choice Requires="p14">
       <p:transition spd="med" p14:dur="700">
         <p:fade/>
       </p:transition>
     </mc:Choice>
-    <mc:Fallback>
+    <mc:Fallback xmlns="">
       <p:transition spd="med">
         <p:fade/>
       </p:transition>
@@ -11133,8 +12456,12 @@
           <a:lstStyle/>
           <a:p>
             <a:r>
+              <a:rPr lang="de-CH" dirty="0" err="1" smtClean="0"/>
+              <a:t>UseCases</a:t>
+            </a:r>
+            <a:r>
               <a:rPr lang="de-CH" dirty="0" smtClean="0"/>
-              <a:t>Resultate();</a:t>
+              <a:t>/Design</a:t>
             </a:r>
             <a:endParaRPr lang="de-CH" dirty="0"/>
           </a:p>
@@ -11142,7 +12469,7 @@
       </p:sp>
       <p:sp>
         <p:nvSpPr>
-          <p:cNvPr id="6" name="Inhaltsplatzhalter 5"/>
+          <p:cNvPr id="5" name="Inhaltsplatzhalter 4"/>
           <p:cNvSpPr>
             <a:spLocks noGrp="1"/>
           </p:cNvSpPr>
@@ -11155,13 +12482,29 @@
           <a:bodyPr/>
           <a:lstStyle/>
           <a:p>
-            <a:endParaRPr lang="en-US"/>
-          </a:p>
-        </p:txBody>
-      </p:sp>
-      <p:sp>
-        <p:nvSpPr>
-          <p:cNvPr id="7" name="Inhaltsplatzhalter 6"/>
+            <a:r>
+              <a:rPr lang="en-US" dirty="0" err="1" smtClean="0"/>
+              <a:t>Vorgehen</a:t>
+            </a:r>
+            <a:r>
+              <a:rPr lang="en-US" dirty="0" smtClean="0"/>
+              <a:t> – </a:t>
+            </a:r>
+            <a:r>
+              <a:rPr lang="en-US" dirty="0" err="1" smtClean="0"/>
+              <a:t>Analyse</a:t>
+            </a:r>
+            <a:r>
+              <a:rPr lang="en-US" dirty="0" smtClean="0"/>
+              <a:t>/Design</a:t>
+            </a:r>
+            <a:endParaRPr lang="en-US" dirty="0"/>
+          </a:p>
+        </p:txBody>
+      </p:sp>
+      <p:sp>
+        <p:nvSpPr>
+          <p:cNvPr id="4" name="Inhaltsplatzhalter 3"/>
           <p:cNvSpPr>
             <a:spLocks noGrp="1"/>
           </p:cNvSpPr>
@@ -11174,27 +12517,151 @@
           <a:bodyPr/>
           <a:lstStyle/>
           <a:p>
-            <a:endParaRPr lang="en-US"/>
-          </a:p>
-        </p:txBody>
-      </p:sp>
+            <a:r>
+              <a:rPr lang="de-CH" dirty="0" smtClean="0"/>
+              <a:t>Resultate - Konzept</a:t>
+            </a:r>
+            <a:endParaRPr lang="de-CH" dirty="0"/>
+          </a:p>
+        </p:txBody>
+      </p:sp>
+      <p:pic>
+        <p:nvPicPr>
+          <p:cNvPr id="8" name="Grafik 7"/>
+          <p:cNvPicPr>
+            <a:picLocks noChangeAspect="1"/>
+          </p:cNvPicPr>
+          <p:nvPr/>
+        </p:nvPicPr>
+        <p:blipFill>
+          <a:blip r:embed="rId2"/>
+          <a:stretch>
+            <a:fillRect/>
+          </a:stretch>
+        </p:blipFill>
+        <p:spPr>
+          <a:xfrm rot="21113407">
+            <a:off x="6014870" y="2289571"/>
+            <a:ext cx="1334405" cy="2536285"/>
+          </a:xfrm>
+          <a:prstGeom prst="rect">
+            <a:avLst/>
+          </a:prstGeom>
+        </p:spPr>
+      </p:pic>
+      <p:pic>
+        <p:nvPicPr>
+          <p:cNvPr id="9" name="Grafik 8"/>
+          <p:cNvPicPr>
+            <a:picLocks noChangeAspect="1"/>
+          </p:cNvPicPr>
+          <p:nvPr/>
+        </p:nvPicPr>
+        <p:blipFill>
+          <a:blip r:embed="rId3"/>
+          <a:stretch>
+            <a:fillRect/>
+          </a:stretch>
+        </p:blipFill>
+        <p:spPr>
+          <a:xfrm>
+            <a:off x="6947959" y="2214353"/>
+            <a:ext cx="1401294" cy="2660083"/>
+          </a:xfrm>
+          <a:prstGeom prst="rect">
+            <a:avLst/>
+          </a:prstGeom>
+        </p:spPr>
+      </p:pic>
+      <p:pic>
+        <p:nvPicPr>
+          <p:cNvPr id="10" name="Grafik 9"/>
+          <p:cNvPicPr>
+            <a:picLocks noChangeAspect="1"/>
+          </p:cNvPicPr>
+          <p:nvPr/>
+        </p:nvPicPr>
+        <p:blipFill>
+          <a:blip r:embed="rId4"/>
+          <a:stretch>
+            <a:fillRect/>
+          </a:stretch>
+        </p:blipFill>
+        <p:spPr>
+          <a:xfrm rot="495969">
+            <a:off x="7759456" y="2306994"/>
+            <a:ext cx="1496345" cy="2873192"/>
+          </a:xfrm>
+          <a:prstGeom prst="rect">
+            <a:avLst/>
+          </a:prstGeom>
+        </p:spPr>
+      </p:pic>
+      <p:pic>
+        <p:nvPicPr>
+          <p:cNvPr id="11" name="Grafik 10"/>
+          <p:cNvPicPr>
+            <a:picLocks noChangeAspect="1"/>
+          </p:cNvPicPr>
+          <p:nvPr/>
+        </p:nvPicPr>
+        <p:blipFill>
+          <a:blip r:embed="rId5"/>
+          <a:stretch>
+            <a:fillRect/>
+          </a:stretch>
+        </p:blipFill>
+        <p:spPr>
+          <a:xfrm rot="998765">
+            <a:off x="8646108" y="2525608"/>
+            <a:ext cx="1616922" cy="3149628"/>
+          </a:xfrm>
+          <a:prstGeom prst="rect">
+            <a:avLst/>
+          </a:prstGeom>
+        </p:spPr>
+      </p:pic>
+      <p:pic>
+        <p:nvPicPr>
+          <p:cNvPr id="12" name="Grafik 11"/>
+          <p:cNvPicPr>
+            <a:picLocks noChangeAspect="1"/>
+          </p:cNvPicPr>
+          <p:nvPr/>
+        </p:nvPicPr>
+        <p:blipFill>
+          <a:blip r:embed="rId6"/>
+          <a:stretch>
+            <a:fillRect/>
+          </a:stretch>
+        </p:blipFill>
+        <p:spPr>
+          <a:xfrm>
+            <a:off x="1686867" y="2231829"/>
+            <a:ext cx="3942807" cy="2718925"/>
+          </a:xfrm>
+          <a:prstGeom prst="rect">
+            <a:avLst/>
+          </a:prstGeom>
+        </p:spPr>
+      </p:pic>
     </p:spTree>
     <p:extLst>
       <p:ext uri="{BB962C8B-B14F-4D97-AF65-F5344CB8AC3E}">
-        <p14:creationId xmlns:p14="http://schemas.microsoft.com/office/powerpoint/2010/main" xmlns="" val="1812615666"/>
+        <p14:creationId xmlns:p14="http://schemas.microsoft.com/office/powerpoint/2010/main" val="3994489142"/>
       </p:ext>
     </p:extLst>
   </p:cSld>
   <p:clrMapOvr>
     <a:masterClrMapping/>
   </p:clrMapOvr>
-  <mc:AlternateContent xmlns:mc="http://schemas.openxmlformats.org/markup-compatibility/2006">
-    <mc:Choice xmlns:p14="http://schemas.microsoft.com/office/powerpoint/2010/main" xmlns="" Requires="p14">
+  <mc:AlternateContent xmlns:mc="http://schemas.openxmlformats.org/markup-compatibility/2006" xmlns:p14="http://schemas.microsoft.com/office/powerpoint/2010/main">
+    <mc:Choice Requires="p14">
       <p:transition spd="med" p14:dur="700">
         <p:fade/>
       </p:transition>
     </mc:Choice>
-    <mc:Fallback>
+    <mc:Fallback xmlns="">
       <p:transition spd="med">
         <p:fade/>
       </p:transition>

--- a/docs/Präsentation/Project-Presentation.pptx
+++ b/docs/Präsentation/Project-Presentation.pptx
@@ -5,10 +5,10 @@
     <p:sldMasterId id="2147483660" r:id="rId2"/>
   </p:sldMasterIdLst>
   <p:notesMasterIdLst>
-    <p:notesMasterId r:id="rId23"/>
+    <p:notesMasterId r:id="rId24"/>
   </p:notesMasterIdLst>
   <p:handoutMasterIdLst>
-    <p:handoutMasterId r:id="rId24"/>
+    <p:handoutMasterId r:id="rId25"/>
   </p:handoutMasterIdLst>
   <p:sldIdLst>
     <p:sldId id="256" r:id="rId3"/>
@@ -27,10 +27,11 @@
     <p:sldId id="268" r:id="rId16"/>
     <p:sldId id="271" r:id="rId17"/>
     <p:sldId id="272" r:id="rId18"/>
-    <p:sldId id="259" r:id="rId19"/>
-    <p:sldId id="276" r:id="rId20"/>
-    <p:sldId id="270" r:id="rId21"/>
-    <p:sldId id="269" r:id="rId22"/>
+    <p:sldId id="279" r:id="rId19"/>
+    <p:sldId id="259" r:id="rId20"/>
+    <p:sldId id="276" r:id="rId21"/>
+    <p:sldId id="270" r:id="rId22"/>
+    <p:sldId id="269" r:id="rId23"/>
   </p:sldIdLst>
   <p:sldSz cx="12188825" cy="6858000"/>
   <p:notesSz cx="6858000" cy="9144000"/>
@@ -8452,6 +8453,26 @@
               </a:rPr>
               <a:t> </a:t>
             </a:r>
+            <a:r>
+              <a:rPr lang="de-CH" dirty="0">
+                <a:solidFill>
+                  <a:schemeClr val="bg1"/>
+                </a:solidFill>
+                <a:latin typeface="Android" panose="02000500000000000000" pitchFamily="2" charset="0"/>
+              </a:rPr>
+              <a:t>App</a:t>
+            </a:r>
+            <a:r>
+              <a:rPr lang="de-CH" dirty="0" smtClean="0">
+                <a:solidFill>
+                  <a:schemeClr val="tx1">
+                    <a:lumMod val="95000"/>
+                  </a:schemeClr>
+                </a:solidFill>
+                <a:latin typeface="Android" panose="02000500000000000000" pitchFamily="2" charset="0"/>
+              </a:rPr>
+              <a:t/>
+            </a:r>
             <a:br>
               <a:rPr lang="de-CH" dirty="0" smtClean="0">
                 <a:solidFill>
@@ -8463,17 +8484,6 @@
               </a:rPr>
             </a:br>
             <a:r>
-              <a:rPr lang="de-CH" dirty="0" smtClean="0">
-                <a:solidFill>
-                  <a:schemeClr val="tx1">
-                    <a:lumMod val="65000"/>
-                  </a:schemeClr>
-                </a:solidFill>
-                <a:latin typeface="Android" panose="02000500000000000000" pitchFamily="2" charset="0"/>
-              </a:rPr>
-              <a:t>App </a:t>
-            </a:r>
-            <a:r>
               <a:rPr lang="de-CH" dirty="0" err="1" smtClean="0">
                 <a:solidFill>
                   <a:schemeClr val="tx1">
@@ -8493,7 +8503,18 @@
                 </a:solidFill>
                 <a:latin typeface="Android" panose="02000500000000000000" pitchFamily="2" charset="0"/>
               </a:rPr>
-              <a:t> Systems </a:t>
+              <a:t> </a:t>
+            </a:r>
+            <a:r>
+              <a:rPr lang="de-CH" dirty="0" smtClean="0">
+                <a:solidFill>
+                  <a:schemeClr val="tx1">
+                    <a:lumMod val="65000"/>
+                  </a:schemeClr>
+                </a:solidFill>
+                <a:latin typeface="Android" panose="02000500000000000000" pitchFamily="2" charset="0"/>
+              </a:rPr>
+              <a:t>Systems </a:t>
             </a:r>
             <a:r>
               <a:rPr lang="de-CH" dirty="0" err="1" smtClean="0">
@@ -8539,7 +8560,7 @@
               <a:t> </a:t>
             </a:r>
             <a:r>
-              <a:rPr lang="de-CH" sz="4000" dirty="0" err="1" smtClean="0">
+              <a:rPr lang="de-CH" sz="4000" dirty="0" smtClean="0">
                 <a:solidFill>
                   <a:srgbClr val="92D050"/>
                 </a:solidFill>
@@ -8749,7 +8770,11 @@
           <a:bodyPr/>
           <a:lstStyle/>
           <a:p>
-            <a:endParaRPr lang="de-CH"/>
+            <a:r>
+              <a:rPr lang="de-CH" dirty="0" smtClean="0"/>
+              <a:t>Resultate – Architektur</a:t>
+            </a:r>
+            <a:endParaRPr lang="de-CH" dirty="0"/>
           </a:p>
         </p:txBody>
       </p:sp>
@@ -8899,7 +8924,11 @@
           <a:bodyPr/>
           <a:lstStyle/>
           <a:p>
-            <a:endParaRPr lang="de-CH"/>
+            <a:r>
+              <a:rPr lang="de-CH" dirty="0" smtClean="0"/>
+              <a:t>Resultate – Architektur</a:t>
+            </a:r>
+            <a:endParaRPr lang="de-CH" dirty="0"/>
           </a:p>
         </p:txBody>
       </p:sp>
@@ -9033,7 +9062,15 @@
           <a:bodyPr/>
           <a:lstStyle/>
           <a:p>
-            <a:endParaRPr lang="en-US"/>
+            <a:r>
+              <a:rPr lang="en-US" dirty="0" err="1" smtClean="0"/>
+              <a:t>Resultate</a:t>
+            </a:r>
+            <a:r>
+              <a:rPr lang="en-US" dirty="0" smtClean="0"/>
+              <a:t> – Material Design</a:t>
+            </a:r>
+            <a:endParaRPr lang="en-US" dirty="0"/>
           </a:p>
         </p:txBody>
       </p:sp>
@@ -9190,7 +9227,15 @@
           <a:bodyPr/>
           <a:lstStyle/>
           <a:p>
-            <a:endParaRPr lang="en-US"/>
+            <a:r>
+              <a:rPr lang="en-US" dirty="0" err="1" smtClean="0"/>
+              <a:t>Resultate</a:t>
+            </a:r>
+            <a:r>
+              <a:rPr lang="en-US" dirty="0" smtClean="0"/>
+              <a:t> – Material Design Color</a:t>
+            </a:r>
+            <a:endParaRPr lang="en-US" dirty="0"/>
           </a:p>
         </p:txBody>
       </p:sp>
@@ -9311,7 +9356,19 @@
           <a:bodyPr/>
           <a:lstStyle/>
           <a:p>
-            <a:endParaRPr lang="en-US"/>
+            <a:r>
+              <a:rPr lang="en-US" dirty="0" err="1" smtClean="0"/>
+              <a:t>Resultate</a:t>
+            </a:r>
+            <a:r>
+              <a:rPr lang="en-US" dirty="0" smtClean="0"/>
+              <a:t> – </a:t>
+            </a:r>
+            <a:r>
+              <a:rPr lang="en-US" dirty="0" err="1" smtClean="0"/>
+              <a:t>Komponenten</a:t>
+            </a:r>
+            <a:endParaRPr lang="en-US" dirty="0"/>
           </a:p>
         </p:txBody>
       </p:sp>
@@ -9445,7 +9502,15 @@
           <a:bodyPr/>
           <a:lstStyle/>
           <a:p>
-            <a:endParaRPr lang="en-US"/>
+            <a:r>
+              <a:rPr lang="en-US" dirty="0" err="1" smtClean="0"/>
+              <a:t>Resultate</a:t>
+            </a:r>
+            <a:r>
+              <a:rPr lang="en-US" dirty="0" smtClean="0"/>
+              <a:t> – Wizard</a:t>
+            </a:r>
+            <a:endParaRPr lang="en-US" dirty="0"/>
           </a:p>
         </p:txBody>
       </p:sp>
@@ -9475,15 +9540,21 @@
               <a:buNone/>
             </a:pPr>
             <a:r>
-              <a:rPr lang="en-US" b="1" dirty="0" err="1" smtClean="0"/>
+              <a:rPr lang="en-US" b="1" dirty="0" err="1" smtClean="0">
+                <a:latin typeface="+mj-lt"/>
+              </a:rPr>
               <a:t>wizardContent</a:t>
             </a:r>
             <a:r>
-              <a:rPr lang="en-US" dirty="0" err="1" smtClean="0"/>
+              <a:rPr lang="en-US" dirty="0" err="1" smtClean="0">
+                <a:latin typeface="+mj-lt"/>
+              </a:rPr>
               <a:t>.add</a:t>
             </a:r>
             <a:r>
-              <a:rPr lang="en-US" dirty="0" smtClean="0"/>
+              <a:rPr lang="en-US" dirty="0" smtClean="0">
+                <a:latin typeface="+mj-lt"/>
+              </a:rPr>
               <a:t>(</a:t>
             </a:r>
           </a:p>
@@ -9492,23 +9563,33 @@
               <a:buNone/>
             </a:pPr>
             <a:r>
-              <a:rPr lang="en-US" b="1" dirty="0" smtClean="0"/>
+              <a:rPr lang="en-US" b="1" dirty="0" smtClean="0">
+                <a:latin typeface="+mj-lt"/>
+              </a:rPr>
               <a:t>new </a:t>
             </a:r>
             <a:r>
-              <a:rPr lang="en-US" dirty="0" err="1" smtClean="0"/>
+              <a:rPr lang="en-US" dirty="0" err="1" smtClean="0">
+                <a:latin typeface="+mj-lt"/>
+              </a:rPr>
               <a:t>WizardPage</a:t>
             </a:r>
             <a:r>
-              <a:rPr lang="en-US" dirty="0" smtClean="0"/>
+              <a:rPr lang="en-US" dirty="0" smtClean="0">
+                <a:latin typeface="+mj-lt"/>
+              </a:rPr>
               <a:t>(</a:t>
             </a:r>
             <a:r>
-              <a:rPr lang="en-US" b="1" dirty="0" smtClean="0"/>
+              <a:rPr lang="en-US" b="1" dirty="0" smtClean="0">
+                <a:latin typeface="+mj-lt"/>
+              </a:rPr>
               <a:t>"Welcome"</a:t>
             </a:r>
             <a:r>
-              <a:rPr lang="en-US" dirty="0" smtClean="0"/>
+              <a:rPr lang="en-US" dirty="0" smtClean="0">
+                <a:latin typeface="+mj-lt"/>
+              </a:rPr>
               <a:t>, </a:t>
             </a:r>
           </a:p>
@@ -9517,11 +9598,15 @@
               <a:buNone/>
             </a:pPr>
             <a:r>
-              <a:rPr lang="en-US" b="1" dirty="0" smtClean="0"/>
+              <a:rPr lang="en-US" b="1" dirty="0" smtClean="0">
+                <a:latin typeface="+mj-lt"/>
+              </a:rPr>
               <a:t>"Before we start, may we know something of you? Which is your favorite..."</a:t>
             </a:r>
             <a:r>
-              <a:rPr lang="en-US" dirty="0" smtClean="0"/>
+              <a:rPr lang="en-US" dirty="0" smtClean="0">
+                <a:latin typeface="+mj-lt"/>
+              </a:rPr>
               <a:t>)</a:t>
             </a:r>
           </a:p>
@@ -9530,7 +9615,9 @@
               <a:buNone/>
             </a:pPr>
             <a:r>
-              <a:rPr lang="en-US" dirty="0" smtClean="0"/>
+              <a:rPr lang="en-US" dirty="0" smtClean="0">
+                <a:latin typeface="+mj-lt"/>
+              </a:rPr>
               <a:t>);</a:t>
             </a:r>
           </a:p>
@@ -9539,15 +9626,21 @@
               <a:buNone/>
             </a:pPr>
             <a:r>
-              <a:rPr lang="en-US" b="1" dirty="0" err="1" smtClean="0"/>
+              <a:rPr lang="en-US" b="1" dirty="0" err="1" smtClean="0">
+                <a:latin typeface="+mj-lt"/>
+              </a:rPr>
               <a:t>wizardContent</a:t>
             </a:r>
             <a:r>
-              <a:rPr lang="en-US" dirty="0" err="1" smtClean="0"/>
+              <a:rPr lang="en-US" dirty="0" err="1" smtClean="0">
+                <a:latin typeface="+mj-lt"/>
+              </a:rPr>
               <a:t>.add</a:t>
             </a:r>
             <a:r>
-              <a:rPr lang="en-US" dirty="0" smtClean="0"/>
+              <a:rPr lang="en-US" dirty="0" smtClean="0">
+                <a:latin typeface="+mj-lt"/>
+              </a:rPr>
               <a:t>(</a:t>
             </a:r>
           </a:p>
@@ -9556,55 +9649,81 @@
               <a:buNone/>
             </a:pPr>
             <a:r>
-              <a:rPr lang="en-US" b="1" dirty="0" smtClean="0"/>
+              <a:rPr lang="en-US" b="1" dirty="0" smtClean="0">
+                <a:latin typeface="+mj-lt"/>
+              </a:rPr>
               <a:t>new </a:t>
             </a:r>
             <a:r>
-              <a:rPr lang="en-US" dirty="0" err="1" smtClean="0"/>
+              <a:rPr lang="en-US" dirty="0" err="1" smtClean="0">
+                <a:latin typeface="+mj-lt"/>
+              </a:rPr>
               <a:t>WizardPage</a:t>
             </a:r>
             <a:r>
-              <a:rPr lang="en-US" dirty="0" smtClean="0"/>
+              <a:rPr lang="en-US" dirty="0" smtClean="0">
+                <a:latin typeface="+mj-lt"/>
+              </a:rPr>
               <a:t>(</a:t>
             </a:r>
             <a:r>
-              <a:rPr lang="en-US" b="1" dirty="0" smtClean="0"/>
+              <a:rPr lang="en-US" b="1" dirty="0" smtClean="0">
+                <a:latin typeface="+mj-lt"/>
+              </a:rPr>
               <a:t>"Club"</a:t>
             </a:r>
             <a:r>
-              <a:rPr lang="en-US" dirty="0" smtClean="0"/>
+              <a:rPr lang="en-US" dirty="0" smtClean="0">
+                <a:latin typeface="+mj-lt"/>
+              </a:rPr>
               <a:t>, </a:t>
             </a:r>
             <a:r>
-              <a:rPr lang="en-US" b="1" dirty="0" smtClean="0"/>
+              <a:rPr lang="en-US" b="1" dirty="0" smtClean="0">
+                <a:latin typeface="+mj-lt"/>
+              </a:rPr>
               <a:t>"Just select the one you like."</a:t>
             </a:r>
             <a:r>
-              <a:rPr lang="en-US" dirty="0" smtClean="0"/>
+              <a:rPr lang="en-US" dirty="0" smtClean="0">
+                <a:latin typeface="+mj-lt"/>
+              </a:rPr>
               <a:t>, </a:t>
             </a:r>
             <a:r>
-              <a:rPr lang="en-US" b="1" dirty="0" smtClean="0"/>
+              <a:rPr lang="en-US" b="1" dirty="0" smtClean="0">
+                <a:latin typeface="+mj-lt"/>
+              </a:rPr>
               <a:t>true</a:t>
             </a:r>
             <a:r>
-              <a:rPr lang="en-US" dirty="0" smtClean="0"/>
+              <a:rPr lang="en-US" dirty="0" smtClean="0">
+                <a:latin typeface="+mj-lt"/>
+              </a:rPr>
               <a:t>, </a:t>
             </a:r>
             <a:r>
-              <a:rPr lang="en-US" dirty="0" err="1" smtClean="0"/>
+              <a:rPr lang="en-US" dirty="0" err="1" smtClean="0">
+                <a:latin typeface="+mj-lt"/>
+              </a:rPr>
               <a:t>getclubs</a:t>
             </a:r>
             <a:r>
-              <a:rPr lang="en-US" dirty="0" smtClean="0"/>
+              <a:rPr lang="en-US" dirty="0" smtClean="0">
+                <a:latin typeface="+mj-lt"/>
+              </a:rPr>
               <a:t>(), UnihockeyPref.</a:t>
             </a:r>
             <a:r>
-              <a:rPr lang="en-US" b="1" i="1" dirty="0" smtClean="0"/>
+              <a:rPr lang="en-US" b="1" i="1" dirty="0" smtClean="0">
+                <a:latin typeface="+mj-lt"/>
+              </a:rPr>
               <a:t>PREFERENCE_CLUB</a:t>
             </a:r>
             <a:r>
-              <a:rPr lang="en-US" dirty="0" smtClean="0"/>
+              <a:rPr lang="en-US" dirty="0" smtClean="0">
+                <a:latin typeface="+mj-lt"/>
+              </a:rPr>
               <a:t>.name())</a:t>
             </a:r>
           </a:p>
@@ -9613,28 +9732,40 @@
               <a:buNone/>
             </a:pPr>
             <a:r>
-              <a:rPr lang="en-US" dirty="0" smtClean="0"/>
+              <a:rPr lang="en-US" dirty="0" smtClean="0">
+                <a:latin typeface="+mj-lt"/>
+              </a:rPr>
               <a:t>);</a:t>
             </a:r>
             <a:br>
-              <a:rPr lang="en-US" dirty="0" smtClean="0"/>
+              <a:rPr lang="en-US" dirty="0" smtClean="0">
+                <a:latin typeface="+mj-lt"/>
+              </a:rPr>
             </a:br>
-            <a:endParaRPr lang="en-US" dirty="0" smtClean="0"/>
+            <a:endParaRPr lang="en-US" dirty="0" smtClean="0">
+              <a:latin typeface="+mj-lt"/>
+            </a:endParaRPr>
           </a:p>
           <a:p>
             <a:pPr>
               <a:buNone/>
             </a:pPr>
             <a:r>
-              <a:rPr lang="en-US" b="1" dirty="0" err="1" smtClean="0"/>
+              <a:rPr lang="en-US" b="1" dirty="0" err="1" smtClean="0">
+                <a:latin typeface="+mj-lt"/>
+              </a:rPr>
               <a:t>wizardContent</a:t>
             </a:r>
             <a:r>
-              <a:rPr lang="en-US" dirty="0" err="1" smtClean="0"/>
+              <a:rPr lang="en-US" dirty="0" err="1" smtClean="0">
+                <a:latin typeface="+mj-lt"/>
+              </a:rPr>
               <a:t>.add</a:t>
             </a:r>
             <a:r>
-              <a:rPr lang="en-US" dirty="0" smtClean="0"/>
+              <a:rPr lang="en-US" dirty="0" smtClean="0">
+                <a:latin typeface="+mj-lt"/>
+              </a:rPr>
               <a:t>(</a:t>
             </a:r>
           </a:p>
@@ -9643,55 +9774,81 @@
               <a:buNone/>
             </a:pPr>
             <a:r>
-              <a:rPr lang="en-US" b="1" dirty="0" smtClean="0"/>
+              <a:rPr lang="en-US" b="1" dirty="0" smtClean="0">
+                <a:latin typeface="+mj-lt"/>
+              </a:rPr>
               <a:t>new </a:t>
             </a:r>
             <a:r>
-              <a:rPr lang="en-US" dirty="0" err="1" smtClean="0"/>
+              <a:rPr lang="en-US" dirty="0" err="1" smtClean="0">
+                <a:latin typeface="+mj-lt"/>
+              </a:rPr>
               <a:t>WizardPage</a:t>
             </a:r>
             <a:r>
-              <a:rPr lang="en-US" dirty="0" smtClean="0"/>
+              <a:rPr lang="en-US" dirty="0" smtClean="0">
+                <a:latin typeface="+mj-lt"/>
+              </a:rPr>
               <a:t>(</a:t>
             </a:r>
             <a:r>
-              <a:rPr lang="en-US" b="1" dirty="0" smtClean="0"/>
+              <a:rPr lang="en-US" b="1" dirty="0" smtClean="0">
+                <a:latin typeface="+mj-lt"/>
+              </a:rPr>
               <a:t>"Team"</a:t>
             </a:r>
             <a:r>
-              <a:rPr lang="en-US" dirty="0" smtClean="0"/>
+              <a:rPr lang="en-US" dirty="0" smtClean="0">
+                <a:latin typeface="+mj-lt"/>
+              </a:rPr>
               <a:t>, </a:t>
             </a:r>
             <a:r>
-              <a:rPr lang="en-US" b="1" dirty="0" smtClean="0"/>
+              <a:rPr lang="en-US" b="1" dirty="0" smtClean="0">
+                <a:latin typeface="+mj-lt"/>
+              </a:rPr>
               <a:t>"You must have a favorite, right? ;-)"</a:t>
             </a:r>
             <a:r>
-              <a:rPr lang="en-US" dirty="0" smtClean="0"/>
+              <a:rPr lang="en-US" dirty="0" smtClean="0">
+                <a:latin typeface="+mj-lt"/>
+              </a:rPr>
               <a:t>, </a:t>
             </a:r>
             <a:r>
-              <a:rPr lang="en-US" b="1" dirty="0" smtClean="0"/>
+              <a:rPr lang="en-US" b="1" dirty="0" smtClean="0">
+                <a:latin typeface="+mj-lt"/>
+              </a:rPr>
               <a:t>true</a:t>
             </a:r>
             <a:r>
-              <a:rPr lang="en-US" dirty="0" smtClean="0"/>
+              <a:rPr lang="en-US" dirty="0" smtClean="0">
+                <a:latin typeface="+mj-lt"/>
+              </a:rPr>
               <a:t>, </a:t>
             </a:r>
             <a:r>
-              <a:rPr lang="en-US" dirty="0" err="1" smtClean="0"/>
+              <a:rPr lang="en-US" dirty="0" err="1" smtClean="0">
+                <a:latin typeface="+mj-lt"/>
+              </a:rPr>
               <a:t>getTeams</a:t>
             </a:r>
             <a:r>
-              <a:rPr lang="en-US" dirty="0" smtClean="0"/>
+              <a:rPr lang="en-US" dirty="0" smtClean="0">
+                <a:latin typeface="+mj-lt"/>
+              </a:rPr>
               <a:t>(), UnihockeyPref.</a:t>
             </a:r>
             <a:r>
-              <a:rPr lang="en-US" b="1" i="1" dirty="0" smtClean="0"/>
+              <a:rPr lang="en-US" b="1" i="1" dirty="0" smtClean="0">
+                <a:latin typeface="+mj-lt"/>
+              </a:rPr>
               <a:t>PREFERENCE_TEAM</a:t>
             </a:r>
             <a:r>
-              <a:rPr lang="en-US" dirty="0" smtClean="0"/>
+              <a:rPr lang="en-US" dirty="0" smtClean="0">
+                <a:latin typeface="+mj-lt"/>
+              </a:rPr>
               <a:t>.name())</a:t>
             </a:r>
           </a:p>
@@ -9700,10 +9857,14 @@
               <a:buNone/>
             </a:pPr>
             <a:r>
-              <a:rPr lang="en-US" dirty="0" smtClean="0"/>
+              <a:rPr lang="en-US" dirty="0" smtClean="0">
+                <a:latin typeface="+mj-lt"/>
+              </a:rPr>
               <a:t>);</a:t>
             </a:r>
-            <a:endParaRPr lang="en-US" dirty="0"/>
+            <a:endParaRPr lang="en-US" dirty="0">
+              <a:latin typeface="+mj-lt"/>
+            </a:endParaRPr>
           </a:p>
         </p:txBody>
       </p:sp>
@@ -9844,7 +10005,15 @@
           <a:bodyPr/>
           <a:lstStyle/>
           <a:p>
-            <a:endParaRPr lang="en-US"/>
+            <a:r>
+              <a:rPr lang="en-US" dirty="0" err="1" smtClean="0"/>
+              <a:t>Resultate</a:t>
+            </a:r>
+            <a:r>
+              <a:rPr lang="en-US" dirty="0" smtClean="0"/>
+              <a:t> – Wizard</a:t>
+            </a:r>
+            <a:endParaRPr lang="en-US" dirty="0"/>
           </a:p>
         </p:txBody>
       </p:sp>
@@ -9876,6 +10045,131 @@
 </file>
 
 <file path=ppt/slides/slide17.xml><?xml version="1.0" encoding="utf-8"?>
+<p:sld xmlns:a="http://schemas.openxmlformats.org/drawingml/2006/main" xmlns:r="http://schemas.openxmlformats.org/officeDocument/2006/relationships" xmlns:p="http://schemas.openxmlformats.org/presentationml/2006/main">
+  <p:cSld>
+    <p:spTree>
+      <p:nvGrpSpPr>
+        <p:cNvPr id="1" name=""/>
+        <p:cNvGrpSpPr/>
+        <p:nvPr/>
+      </p:nvGrpSpPr>
+      <p:grpSpPr>
+        <a:xfrm>
+          <a:off x="0" y="0"/>
+          <a:ext cx="0" cy="0"/>
+          <a:chOff x="0" y="0"/>
+          <a:chExt cx="0" cy="0"/>
+        </a:xfrm>
+      </p:grpSpPr>
+      <p:sp>
+        <p:nvSpPr>
+          <p:cNvPr id="2" name="Titel 1"/>
+          <p:cNvSpPr>
+            <a:spLocks noGrp="1"/>
+          </p:cNvSpPr>
+          <p:nvPr>
+            <p:ph type="title"/>
+          </p:nvPr>
+        </p:nvSpPr>
+        <p:spPr/>
+        <p:txBody>
+          <a:bodyPr/>
+          <a:lstStyle/>
+          <a:p>
+            <a:r>
+              <a:rPr lang="de-CH" dirty="0" smtClean="0"/>
+              <a:t>Demo</a:t>
+            </a:r>
+            <a:endParaRPr lang="en-US" dirty="0"/>
+          </a:p>
+        </p:txBody>
+      </p:sp>
+      <p:sp>
+        <p:nvSpPr>
+          <p:cNvPr id="6" name="Inhaltsplatzhalter 5"/>
+          <p:cNvSpPr>
+            <a:spLocks noGrp="1"/>
+          </p:cNvSpPr>
+          <p:nvPr>
+            <p:ph idx="13"/>
+          </p:nvPr>
+        </p:nvSpPr>
+        <p:spPr/>
+        <p:txBody>
+          <a:bodyPr/>
+          <a:lstStyle/>
+          <a:p>
+            <a:r>
+              <a:rPr lang="en-US" dirty="0" err="1" smtClean="0"/>
+              <a:t>Resultate</a:t>
+            </a:r>
+            <a:r>
+              <a:rPr lang="en-US" dirty="0" smtClean="0"/>
+              <a:t> – Demo</a:t>
+            </a:r>
+            <a:endParaRPr lang="en-US" dirty="0"/>
+          </a:p>
+        </p:txBody>
+      </p:sp>
+      <p:sp>
+        <p:nvSpPr>
+          <p:cNvPr id="3" name="Inhaltsplatzhalter 2"/>
+          <p:cNvSpPr>
+            <a:spLocks noGrp="1"/>
+          </p:cNvSpPr>
+          <p:nvPr>
+            <p:ph idx="1"/>
+          </p:nvPr>
+        </p:nvSpPr>
+        <p:spPr/>
+        <p:txBody>
+          <a:bodyPr/>
+          <a:lstStyle/>
+          <a:p>
+            <a:pPr marL="0" indent="0">
+              <a:buNone/>
+            </a:pPr>
+            <a:r>
+              <a:rPr lang="de-CH" dirty="0" smtClean="0"/>
+              <a:t>…</a:t>
+            </a:r>
+            <a:endParaRPr lang="de-CH" dirty="0"/>
+          </a:p>
+        </p:txBody>
+      </p:sp>
+    </p:spTree>
+    <p:extLst>
+      <p:ext uri="{BB962C8B-B14F-4D97-AF65-F5344CB8AC3E}">
+        <p14:creationId xmlns:p14="http://schemas.microsoft.com/office/powerpoint/2010/main" val="1913460396"/>
+      </p:ext>
+    </p:extLst>
+  </p:cSld>
+  <p:clrMapOvr>
+    <a:masterClrMapping/>
+  </p:clrMapOvr>
+  <mc:AlternateContent xmlns:mc="http://schemas.openxmlformats.org/markup-compatibility/2006" xmlns:p14="http://schemas.microsoft.com/office/powerpoint/2010/main">
+    <mc:Choice Requires="p14">
+      <p:transition spd="med" p14:dur="700">
+        <p:fade/>
+      </p:transition>
+    </mc:Choice>
+    <mc:Fallback xmlns="">
+      <p:transition spd="med">
+        <p:fade/>
+      </p:transition>
+    </mc:Fallback>
+  </mc:AlternateContent>
+  <p:timing>
+    <p:tnLst>
+      <p:par>
+        <p:cTn id="1" dur="indefinite" restart="never" nodeType="tmRoot"/>
+      </p:par>
+    </p:tnLst>
+  </p:timing>
+</p:sld>
+</file>
+
+<file path=ppt/slides/slide18.xml><?xml version="1.0" encoding="utf-8"?>
 <p:sld xmlns:a="http://schemas.openxmlformats.org/drawingml/2006/main" xmlns:r="http://schemas.openxmlformats.org/officeDocument/2006/relationships" xmlns:p="http://schemas.openxmlformats.org/presentationml/2006/main">
   <p:cSld>
     <p:spTree>
@@ -10375,7 +10669,7 @@
 </p:sld>
 </file>
 
-<file path=ppt/slides/slide18.xml><?xml version="1.0" encoding="utf-8"?>
+<file path=ppt/slides/slide19.xml><?xml version="1.0" encoding="utf-8"?>
 <p:sld xmlns:a="http://schemas.openxmlformats.org/drawingml/2006/main" xmlns:r="http://schemas.openxmlformats.org/officeDocument/2006/relationships" xmlns:p="http://schemas.openxmlformats.org/presentationml/2006/main">
   <p:cSld>
     <p:spTree>
@@ -10409,8 +10703,9 @@
           <a:p>
             <a:r>
               <a:rPr lang="de-CH" dirty="0" smtClean="0"/>
-              <a:t>Was lief gut?</a:t>
-            </a:r>
+              <a:t>Rückblick Teamarbeit / Entwicklungsprozess</a:t>
+            </a:r>
+            <a:endParaRPr lang="de-CH" dirty="0" smtClean="0"/>
           </a:p>
         </p:txBody>
       </p:sp>
@@ -10433,25 +10728,26 @@
           <a:p>
             <a:r>
               <a:rPr lang="de-CH" dirty="0" smtClean="0"/>
-              <a:t>Initialisierungsphase</a:t>
-            </a:r>
-          </a:p>
-          <a:p>
-            <a:pPr lvl="2"/>
+              <a:t>Was lief gut?</a:t>
+            </a:r>
+            <a:endParaRPr lang="de-CH" dirty="0" smtClean="0"/>
+          </a:p>
+          <a:p>
+            <a:pPr lvl="1"/>
             <a:r>
               <a:rPr lang="de-CH" dirty="0" smtClean="0"/>
               <a:t>Vorbereitung </a:t>
             </a:r>
           </a:p>
           <a:p>
-            <a:pPr lvl="2"/>
+            <a:pPr lvl="1"/>
             <a:r>
               <a:rPr lang="de-CH" dirty="0" smtClean="0"/>
               <a:t>Methodik</a:t>
             </a:r>
           </a:p>
           <a:p>
-            <a:pPr lvl="3"/>
+            <a:pPr lvl="2"/>
             <a:r>
               <a:rPr lang="de-CH" dirty="0" smtClean="0"/>
               <a:t>Verwendung von </a:t>
@@ -10463,45 +10759,39 @@
             <a:endParaRPr lang="de-CH" dirty="0" smtClean="0"/>
           </a:p>
           <a:p>
-            <a:pPr lvl="3"/>
+            <a:pPr lvl="2"/>
             <a:r>
               <a:rPr lang="de-CH" dirty="0" smtClean="0"/>
               <a:t>Skype Meetings</a:t>
             </a:r>
-            <a:endParaRPr lang="de-CH" dirty="0" smtClean="0"/>
-          </a:p>
-          <a:p>
-            <a:pPr lvl="2"/>
+          </a:p>
+          <a:p>
+            <a:pPr lvl="1"/>
             <a:r>
               <a:rPr lang="de-CH" dirty="0" smtClean="0"/>
-              <a:t>Planung </a:t>
-            </a:r>
-            <a:r>
-              <a:rPr lang="de-CH" dirty="0" smtClean="0"/>
-              <a:t>aufstellen</a:t>
-            </a:r>
-          </a:p>
-          <a:p>
-            <a:pPr lvl="2"/>
+              <a:t>Planung aufstellen</a:t>
+            </a:r>
+          </a:p>
+          <a:p>
+            <a:pPr lvl="1"/>
             <a:r>
               <a:rPr lang="de-CH" dirty="0" smtClean="0"/>
               <a:t>Design</a:t>
             </a:r>
           </a:p>
           <a:p>
-            <a:pPr lvl="2"/>
+            <a:pPr lvl="1"/>
             <a:r>
               <a:rPr lang="de-CH" dirty="0" smtClean="0"/>
               <a:t>Prototyp</a:t>
             </a:r>
           </a:p>
           <a:p>
-            <a:pPr lvl="2"/>
+            <a:pPr lvl="1"/>
             <a:r>
               <a:rPr lang="de-CH" dirty="0" smtClean="0"/>
               <a:t>Konzept</a:t>
             </a:r>
-            <a:endParaRPr lang="de-CH" dirty="0" smtClean="0"/>
           </a:p>
           <a:p>
             <a:pPr lvl="1"/>
@@ -10542,8 +10832,8 @@
         </p:nvSpPr>
         <p:spPr>
           <a:xfrm>
-            <a:off x="6382444" y="1797558"/>
-            <a:ext cx="3923928" cy="4223730"/>
+            <a:off x="5950396" y="1797558"/>
+            <a:ext cx="4716016" cy="4223730"/>
           </a:xfrm>
           <a:prstGeom prst="rect">
             <a:avLst/>
@@ -10914,156 +11204,6 @@
 </p:sld>
 </file>
 
-<file path=ppt/slides/slide19.xml><?xml version="1.0" encoding="utf-8"?>
-<p:sld xmlns:a="http://schemas.openxmlformats.org/drawingml/2006/main" xmlns:r="http://schemas.openxmlformats.org/officeDocument/2006/relationships" xmlns:p="http://schemas.openxmlformats.org/presentationml/2006/main">
-  <p:cSld>
-    <p:spTree>
-      <p:nvGrpSpPr>
-        <p:cNvPr id="1" name=""/>
-        <p:cNvGrpSpPr/>
-        <p:nvPr/>
-      </p:nvGrpSpPr>
-      <p:grpSpPr>
-        <a:xfrm>
-          <a:off x="0" y="0"/>
-          <a:ext cx="0" cy="0"/>
-          <a:chOff x="0" y="0"/>
-          <a:chExt cx="0" cy="0"/>
-        </a:xfrm>
-      </p:grpSpPr>
-      <p:sp>
-        <p:nvSpPr>
-          <p:cNvPr id="2" name="Titel 1"/>
-          <p:cNvSpPr>
-            <a:spLocks noGrp="1"/>
-          </p:cNvSpPr>
-          <p:nvPr>
-            <p:ph type="title"/>
-          </p:nvPr>
-        </p:nvSpPr>
-        <p:spPr/>
-        <p:txBody>
-          <a:bodyPr/>
-          <a:lstStyle/>
-          <a:p>
-            <a:r>
-              <a:rPr lang="de-CH" dirty="0" smtClean="0"/>
-              <a:t>Verbesserungsmassnahmen</a:t>
-            </a:r>
-            <a:endParaRPr lang="de-CH" dirty="0"/>
-          </a:p>
-        </p:txBody>
-      </p:sp>
-      <p:sp>
-        <p:nvSpPr>
-          <p:cNvPr id="3" name="Inhaltsplatzhalter 2"/>
-          <p:cNvSpPr>
-            <a:spLocks noGrp="1"/>
-          </p:cNvSpPr>
-          <p:nvPr>
-            <p:ph idx="1"/>
-          </p:nvPr>
-        </p:nvSpPr>
-        <p:spPr/>
-        <p:txBody>
-          <a:bodyPr>
-            <a:normAutofit/>
-          </a:bodyPr>
-          <a:lstStyle/>
-          <a:p>
-            <a:r>
-              <a:rPr lang="de-CH" dirty="0" smtClean="0"/>
-              <a:t>Initialisierung mehr Zeit </a:t>
-            </a:r>
-            <a:r>
-              <a:rPr lang="de-CH" dirty="0" smtClean="0"/>
-              <a:t>aufwenden</a:t>
-            </a:r>
-          </a:p>
-          <a:p>
-            <a:r>
-              <a:rPr lang="de-CH" dirty="0" smtClean="0"/>
-              <a:t>Schneller ins «extreme </a:t>
-            </a:r>
-            <a:r>
-              <a:rPr lang="de-CH" dirty="0" err="1" smtClean="0"/>
-              <a:t>programming</a:t>
-            </a:r>
-            <a:r>
-              <a:rPr lang="de-CH" dirty="0" smtClean="0"/>
-              <a:t>» gehen</a:t>
-            </a:r>
-          </a:p>
-          <a:p>
-            <a:r>
-              <a:rPr lang="de-CH" dirty="0" smtClean="0"/>
-              <a:t>Kürzere Sprints vornehmen</a:t>
-            </a:r>
-          </a:p>
-          <a:p>
-            <a:r>
-              <a:rPr lang="de-CH" dirty="0" smtClean="0"/>
-              <a:t>Rasche Reaktionen bei Fragen an Teamkollegen</a:t>
-            </a:r>
-            <a:endParaRPr lang="de-CH" dirty="0" smtClean="0"/>
-          </a:p>
-        </p:txBody>
-      </p:sp>
-      <p:sp>
-        <p:nvSpPr>
-          <p:cNvPr id="5" name="Inhaltsplatzhalter 4"/>
-          <p:cNvSpPr>
-            <a:spLocks noGrp="1"/>
-          </p:cNvSpPr>
-          <p:nvPr>
-            <p:ph idx="13"/>
-          </p:nvPr>
-        </p:nvSpPr>
-        <p:spPr/>
-        <p:txBody>
-          <a:bodyPr/>
-          <a:lstStyle/>
-          <a:p>
-            <a:r>
-              <a:rPr lang="de-CH" dirty="0" smtClean="0"/>
-              <a:t>Rückblick  - Verbesserungsmassnahmen.</a:t>
-            </a:r>
-            <a:endParaRPr lang="en-US" dirty="0"/>
-          </a:p>
-        </p:txBody>
-      </p:sp>
-    </p:spTree>
-    <p:extLst>
-      <p:ext uri="{BB962C8B-B14F-4D97-AF65-F5344CB8AC3E}">
-        <p14:creationId xmlns:p14="http://schemas.microsoft.com/office/powerpoint/2010/main" val="1720590291"/>
-      </p:ext>
-    </p:extLst>
-  </p:cSld>
-  <p:clrMapOvr>
-    <a:masterClrMapping/>
-  </p:clrMapOvr>
-  <mc:AlternateContent xmlns:mc="http://schemas.openxmlformats.org/markup-compatibility/2006" xmlns:p14="http://schemas.microsoft.com/office/powerpoint/2010/main">
-    <mc:Choice Requires="p14">
-      <p:transition spd="med" p14:dur="700">
-        <p:fade/>
-      </p:transition>
-    </mc:Choice>
-    <mc:Fallback xmlns="">
-      <p:transition spd="med">
-        <p:fade/>
-      </p:transition>
-    </mc:Fallback>
-  </mc:AlternateContent>
-  <p:timing>
-    <p:tnLst>
-      <p:par>
-        <p:cTn id="1" dur="indefinite" restart="never" nodeType="tmRoot"/>
-      </p:par>
-    </p:tnLst>
-  </p:timing>
-</p:sld>
-</file>
-
 <file path=ppt/slides/slide2.xml><?xml version="1.0" encoding="utf-8"?>
 <p:sld xmlns:a="http://schemas.openxmlformats.org/drawingml/2006/main" xmlns:r="http://schemas.openxmlformats.org/officeDocument/2006/relationships" xmlns:p="http://schemas.openxmlformats.org/presentationml/2006/main">
   <p:cSld>
@@ -11244,6 +11384,167 @@
 </file>
 
 <file path=ppt/slides/slide20.xml><?xml version="1.0" encoding="utf-8"?>
+<p:sld xmlns:a="http://schemas.openxmlformats.org/drawingml/2006/main" xmlns:r="http://schemas.openxmlformats.org/officeDocument/2006/relationships" xmlns:p="http://schemas.openxmlformats.org/presentationml/2006/main">
+  <p:cSld>
+    <p:spTree>
+      <p:nvGrpSpPr>
+        <p:cNvPr id="1" name=""/>
+        <p:cNvGrpSpPr/>
+        <p:nvPr/>
+      </p:nvGrpSpPr>
+      <p:grpSpPr>
+        <a:xfrm>
+          <a:off x="0" y="0"/>
+          <a:ext cx="0" cy="0"/>
+          <a:chOff x="0" y="0"/>
+          <a:chExt cx="0" cy="0"/>
+        </a:xfrm>
+      </p:grpSpPr>
+      <p:sp>
+        <p:nvSpPr>
+          <p:cNvPr id="2" name="Titel 1"/>
+          <p:cNvSpPr>
+            <a:spLocks noGrp="1"/>
+          </p:cNvSpPr>
+          <p:nvPr>
+            <p:ph type="title"/>
+          </p:nvPr>
+        </p:nvSpPr>
+        <p:spPr/>
+        <p:txBody>
+          <a:bodyPr/>
+          <a:lstStyle/>
+          <a:p>
+            <a:r>
+              <a:rPr lang="de-CH" dirty="0" smtClean="0"/>
+              <a:t>Verbesserungsmassnahmen</a:t>
+            </a:r>
+            <a:endParaRPr lang="de-CH" dirty="0"/>
+          </a:p>
+        </p:txBody>
+      </p:sp>
+      <p:sp>
+        <p:nvSpPr>
+          <p:cNvPr id="3" name="Inhaltsplatzhalter 2"/>
+          <p:cNvSpPr>
+            <a:spLocks noGrp="1"/>
+          </p:cNvSpPr>
+          <p:nvPr>
+            <p:ph idx="1"/>
+          </p:nvPr>
+        </p:nvSpPr>
+        <p:spPr/>
+        <p:txBody>
+          <a:bodyPr>
+            <a:normAutofit/>
+          </a:bodyPr>
+          <a:lstStyle/>
+          <a:p>
+            <a:r>
+              <a:rPr lang="de-CH" dirty="0" smtClean="0"/>
+              <a:t>Initialisierung mehr Zeit </a:t>
+            </a:r>
+            <a:r>
+              <a:rPr lang="de-CH" dirty="0" smtClean="0"/>
+              <a:t>aufwenden</a:t>
+            </a:r>
+            <a:endParaRPr lang="de-CH" dirty="0" smtClean="0"/>
+          </a:p>
+          <a:p>
+            <a:r>
+              <a:rPr lang="de-CH" dirty="0" smtClean="0"/>
+              <a:t>Schneller ins «extreme </a:t>
+            </a:r>
+            <a:r>
+              <a:rPr lang="de-CH" dirty="0" err="1" smtClean="0"/>
+              <a:t>programming</a:t>
+            </a:r>
+            <a:r>
+              <a:rPr lang="de-CH" dirty="0" smtClean="0"/>
+              <a:t>» gehen</a:t>
+            </a:r>
+          </a:p>
+          <a:p>
+            <a:r>
+              <a:rPr lang="de-CH" dirty="0" smtClean="0"/>
+              <a:t>Kürzere Sprints vornehmen</a:t>
+            </a:r>
+          </a:p>
+          <a:p>
+            <a:r>
+              <a:rPr lang="de-CH" dirty="0" smtClean="0"/>
+              <a:t>Rasche Reaktionen bei Fragen an </a:t>
+            </a:r>
+            <a:r>
+              <a:rPr lang="de-CH" dirty="0" smtClean="0"/>
+              <a:t>Teamkollegen</a:t>
+            </a:r>
+            <a:endParaRPr lang="de-CH" dirty="0"/>
+          </a:p>
+          <a:p>
+            <a:r>
+              <a:rPr lang="de-CH" dirty="0" smtClean="0"/>
+              <a:t>Verantwortungen besser verteilen</a:t>
+            </a:r>
+          </a:p>
+        </p:txBody>
+      </p:sp>
+      <p:sp>
+        <p:nvSpPr>
+          <p:cNvPr id="5" name="Inhaltsplatzhalter 4"/>
+          <p:cNvSpPr>
+            <a:spLocks noGrp="1"/>
+          </p:cNvSpPr>
+          <p:nvPr>
+            <p:ph idx="13"/>
+          </p:nvPr>
+        </p:nvSpPr>
+        <p:spPr/>
+        <p:txBody>
+          <a:bodyPr/>
+          <a:lstStyle/>
+          <a:p>
+            <a:r>
+              <a:rPr lang="de-CH" dirty="0" smtClean="0"/>
+              <a:t>Rückblick  - Verbesserungsmassnahmen.</a:t>
+            </a:r>
+            <a:endParaRPr lang="en-US" dirty="0"/>
+          </a:p>
+        </p:txBody>
+      </p:sp>
+    </p:spTree>
+    <p:extLst>
+      <p:ext uri="{BB962C8B-B14F-4D97-AF65-F5344CB8AC3E}">
+        <p14:creationId xmlns:p14="http://schemas.microsoft.com/office/powerpoint/2010/main" val="1720590291"/>
+      </p:ext>
+    </p:extLst>
+  </p:cSld>
+  <p:clrMapOvr>
+    <a:masterClrMapping/>
+  </p:clrMapOvr>
+  <mc:AlternateContent xmlns:mc="http://schemas.openxmlformats.org/markup-compatibility/2006" xmlns:p14="http://schemas.microsoft.com/office/powerpoint/2010/main">
+    <mc:Choice Requires="p14">
+      <p:transition spd="med" p14:dur="700">
+        <p:fade/>
+      </p:transition>
+    </mc:Choice>
+    <mc:Fallback xmlns="">
+      <p:transition spd="med">
+        <p:fade/>
+      </p:transition>
+    </mc:Fallback>
+  </mc:AlternateContent>
+  <p:timing>
+    <p:tnLst>
+      <p:par>
+        <p:cTn id="1" dur="indefinite" restart="never" nodeType="tmRoot"/>
+      </p:par>
+    </p:tnLst>
+  </p:timing>
+</p:sld>
+</file>
+
+<file path=ppt/slides/slide21.xml><?xml version="1.0" encoding="utf-8"?>
 <p:sld xmlns:a="http://schemas.openxmlformats.org/drawingml/2006/main" xmlns:r="http://schemas.openxmlformats.org/officeDocument/2006/relationships" xmlns:p="http://schemas.openxmlformats.org/presentationml/2006/main">
   <p:cSld>
     <p:spTree>
@@ -11415,7 +11716,7 @@
           <a:p>
             <a:r>
               <a:rPr lang="de-CH" dirty="0" smtClean="0"/>
-              <a:t>Überblick</a:t>
+              <a:t>Ideen</a:t>
             </a:r>
             <a:endParaRPr lang="de-CH" dirty="0"/>
           </a:p>
@@ -11844,6 +12145,10 @@
           <a:bodyPr/>
           <a:lstStyle/>
           <a:p>
+            <a:r>
+              <a:rPr lang="de-CH" dirty="0" smtClean="0"/>
+              <a:t>Vorgehen</a:t>
+            </a:r>
             <a:endParaRPr lang="de-CH" dirty="0"/>
           </a:p>
         </p:txBody>
@@ -12138,7 +12443,11 @@
           <a:bodyPr/>
           <a:lstStyle/>
           <a:p>
-            <a:endParaRPr lang="de-CH"/>
+            <a:r>
+              <a:rPr lang="de-CH" dirty="0" smtClean="0"/>
+              <a:t>Projektidee</a:t>
+            </a:r>
+            <a:endParaRPr lang="de-CH" dirty="0"/>
           </a:p>
         </p:txBody>
       </p:sp>
@@ -12293,7 +12602,9 @@
         </p:nvSpPr>
         <p:spPr/>
         <p:txBody>
-          <a:bodyPr/>
+          <a:bodyPr>
+            <a:normAutofit/>
+          </a:bodyPr>
           <a:lstStyle/>
           <a:p>
             <a:r>
@@ -12326,9 +12637,10 @@
           </a:p>
           <a:p>
             <a:r>
-              <a:rPr lang="de-CH" dirty="0"/>
-              <a:t>App</a:t>
-            </a:r>
+              <a:rPr lang="de-CH" dirty="0" smtClean="0"/>
+              <a:t>Komponenten</a:t>
+            </a:r>
+            <a:endParaRPr lang="de-CH" dirty="0"/>
           </a:p>
           <a:p>
             <a:pPr lvl="1"/>
@@ -12347,13 +12659,7 @@
               <a:rPr lang="de-CH" dirty="0" smtClean="0"/>
               <a:t>Views</a:t>
             </a:r>
-          </a:p>
-          <a:p>
-            <a:pPr lvl="1"/>
-            <a:r>
-              <a:rPr lang="de-CH" dirty="0" smtClean="0"/>
-              <a:t>Komponenten</a:t>
-            </a:r>
+            <a:endParaRPr lang="de-CH" dirty="0" smtClean="0"/>
           </a:p>
           <a:p>
             <a:pPr lvl="1"/>
@@ -12361,13 +12667,28 @@
               <a:rPr lang="de-CH" dirty="0" smtClean="0"/>
               <a:t>Wizard</a:t>
             </a:r>
-            <a:endParaRPr lang="de-CH" dirty="0"/>
           </a:p>
           <a:p>
             <a:pPr lvl="1"/>
-            <a:endParaRPr lang="de-CH" dirty="0"/>
-          </a:p>
-          <a:p>
+            <a:r>
+              <a:rPr lang="de-CH" dirty="0" err="1" smtClean="0"/>
+              <a:t>Preferences</a:t>
+            </a:r>
+            <a:endParaRPr lang="de-CH" dirty="0" smtClean="0"/>
+          </a:p>
+          <a:p>
+            <a:pPr lvl="1"/>
+            <a:r>
+              <a:rPr lang="de-CH" dirty="0" smtClean="0"/>
+              <a:t>Datenbank</a:t>
+            </a:r>
+          </a:p>
+          <a:p>
+            <a:pPr lvl="1"/>
+            <a:r>
+              <a:rPr lang="de-CH" dirty="0" smtClean="0"/>
+              <a:t>REST-Schnittstelle</a:t>
+            </a:r>
             <a:endParaRPr lang="en-US" dirty="0"/>
           </a:p>
         </p:txBody>
@@ -12387,7 +12708,11 @@
           <a:bodyPr/>
           <a:lstStyle/>
           <a:p>
-            <a:endParaRPr lang="en-US"/>
+            <a:r>
+              <a:rPr lang="en-US" dirty="0" err="1" smtClean="0"/>
+              <a:t>Resultate</a:t>
+            </a:r>
+            <a:endParaRPr lang="en-US" dirty="0"/>
           </a:p>
         </p:txBody>
       </p:sp>

--- a/docs/Präsentation/Project-Presentation.pptx
+++ b/docs/Präsentation/Project-Presentation.pptx
@@ -5,10 +5,10 @@
     <p:sldMasterId id="2147483660" r:id="rId2"/>
   </p:sldMasterIdLst>
   <p:notesMasterIdLst>
-    <p:notesMasterId r:id="rId24"/>
+    <p:notesMasterId r:id="rId26"/>
   </p:notesMasterIdLst>
   <p:handoutMasterIdLst>
-    <p:handoutMasterId r:id="rId25"/>
+    <p:handoutMasterId r:id="rId27"/>
   </p:handoutMasterIdLst>
   <p:sldIdLst>
     <p:sldId id="256" r:id="rId3"/>
@@ -29,9 +29,11 @@
     <p:sldId id="272" r:id="rId18"/>
     <p:sldId id="279" r:id="rId19"/>
     <p:sldId id="259" r:id="rId20"/>
-    <p:sldId id="276" r:id="rId21"/>
-    <p:sldId id="270" r:id="rId22"/>
-    <p:sldId id="269" r:id="rId23"/>
+    <p:sldId id="281" r:id="rId21"/>
+    <p:sldId id="280" r:id="rId22"/>
+    <p:sldId id="276" r:id="rId23"/>
+    <p:sldId id="270" r:id="rId24"/>
+    <p:sldId id="269" r:id="rId25"/>
   </p:sldIdLst>
   <p:sldSz cx="12188825" cy="6858000"/>
   <p:notesSz cx="6858000" cy="9144000"/>
@@ -1409,474 +1411,6 @@
       <dsp:cNvGrpSpPr/>
     </dsp:nvGrpSpPr>
     <dsp:grpSpPr/>
-    <dsp:sp modelId="{0FB6FA96-47B0-4402-A885-978E117C2597}">
-      <dsp:nvSpPr>
-        <dsp:cNvPr id="0" name=""/>
-        <dsp:cNvSpPr/>
-      </dsp:nvSpPr>
-      <dsp:spPr>
-        <a:xfrm>
-          <a:off x="34866" y="937"/>
-          <a:ext cx="1902010" cy="1310485"/>
-        </a:xfrm>
-        <a:prstGeom prst="roundRect">
-          <a:avLst/>
-        </a:prstGeom>
-        <a:solidFill>
-          <a:schemeClr val="accent1">
-            <a:hueOff val="0"/>
-            <a:satOff val="0"/>
-            <a:lumOff val="0"/>
-            <a:alphaOff val="0"/>
-          </a:schemeClr>
-        </a:solidFill>
-        <a:ln w="12700" cap="flat" cmpd="sng" algn="ctr">
-          <a:solidFill>
-            <a:schemeClr val="lt1">
-              <a:hueOff val="0"/>
-              <a:satOff val="0"/>
-              <a:lumOff val="0"/>
-              <a:alphaOff val="0"/>
-            </a:schemeClr>
-          </a:solidFill>
-          <a:prstDash val="solid"/>
-        </a:ln>
-        <a:effectLst/>
-      </dsp:spPr>
-      <dsp:style>
-        <a:lnRef idx="2">
-          <a:scrgbClr r="0" g="0" b="0"/>
-        </a:lnRef>
-        <a:fillRef idx="1">
-          <a:scrgbClr r="0" g="0" b="0"/>
-        </a:fillRef>
-        <a:effectRef idx="0">
-          <a:scrgbClr r="0" g="0" b="0"/>
-        </a:effectRef>
-        <a:fontRef idx="minor">
-          <a:schemeClr val="lt1"/>
-        </a:fontRef>
-      </dsp:style>
-    </dsp:sp>
-    <dsp:sp modelId="{416A3E39-CB94-44AE-B1B8-E268CC7EDF5A}">
-      <dsp:nvSpPr>
-        <dsp:cNvPr id="0" name=""/>
-        <dsp:cNvSpPr/>
-      </dsp:nvSpPr>
-      <dsp:spPr>
-        <a:xfrm>
-          <a:off x="34866" y="1311422"/>
-          <a:ext cx="1902010" cy="705645"/>
-        </a:xfrm>
-        <a:prstGeom prst="rect">
-          <a:avLst/>
-        </a:prstGeom>
-        <a:noFill/>
-        <a:ln>
-          <a:noFill/>
-        </a:ln>
-        <a:effectLst/>
-      </dsp:spPr>
-      <dsp:style>
-        <a:lnRef idx="0">
-          <a:scrgbClr r="0" g="0" b="0"/>
-        </a:lnRef>
-        <a:fillRef idx="0">
-          <a:scrgbClr r="0" g="0" b="0"/>
-        </a:fillRef>
-        <a:effectRef idx="0">
-          <a:scrgbClr r="0" g="0" b="0"/>
-        </a:effectRef>
-        <a:fontRef idx="minor"/>
-      </dsp:style>
-      <dsp:txBody>
-        <a:bodyPr spcFirstLastPara="0" vert="horz" wrap="square" lIns="120904" tIns="120904" rIns="120904" bIns="0" numCol="1" spcCol="1270" anchor="t" anchorCtr="0">
-          <a:noAutofit/>
-        </a:bodyPr>
-        <a:lstStyle/>
-        <a:p>
-          <a:pPr lvl="0" algn="ctr" defTabSz="755650">
-            <a:lnSpc>
-              <a:spcPct val="90000"/>
-            </a:lnSpc>
-            <a:spcBef>
-              <a:spcPct val="0"/>
-            </a:spcBef>
-            <a:spcAft>
-              <a:spcPct val="35000"/>
-            </a:spcAft>
-          </a:pPr>
-          <a:r>
-            <a:rPr lang="de-CH" sz="1700" kern="1200" dirty="0" smtClean="0">
-              <a:solidFill>
-                <a:schemeClr val="bg1"/>
-              </a:solidFill>
-            </a:rPr>
-            <a:t>Wizard</a:t>
-          </a:r>
-          <a:endParaRPr lang="en-US" sz="1700" kern="1200" dirty="0">
-            <a:solidFill>
-              <a:schemeClr val="bg1"/>
-            </a:solidFill>
-          </a:endParaRPr>
-        </a:p>
-      </dsp:txBody>
-      <dsp:txXfrm>
-        <a:off x="34866" y="1311422"/>
-        <a:ext cx="1902010" cy="705645"/>
-      </dsp:txXfrm>
-    </dsp:sp>
-    <dsp:sp modelId="{52E3FBAA-CF9B-4809-981C-A4EA9E0A2D87}">
-      <dsp:nvSpPr>
-        <dsp:cNvPr id="0" name=""/>
-        <dsp:cNvSpPr/>
-      </dsp:nvSpPr>
-      <dsp:spPr>
-        <a:xfrm>
-          <a:off x="2127157" y="937"/>
-          <a:ext cx="1902010" cy="1310485"/>
-        </a:xfrm>
-        <a:prstGeom prst="roundRect">
-          <a:avLst/>
-        </a:prstGeom>
-        <a:solidFill>
-          <a:schemeClr val="accent1">
-            <a:hueOff val="0"/>
-            <a:satOff val="0"/>
-            <a:lumOff val="0"/>
-            <a:alphaOff val="0"/>
-          </a:schemeClr>
-        </a:solidFill>
-        <a:ln w="12700" cap="flat" cmpd="sng" algn="ctr">
-          <a:solidFill>
-            <a:schemeClr val="lt1">
-              <a:hueOff val="0"/>
-              <a:satOff val="0"/>
-              <a:lumOff val="0"/>
-              <a:alphaOff val="0"/>
-            </a:schemeClr>
-          </a:solidFill>
-          <a:prstDash val="solid"/>
-        </a:ln>
-        <a:effectLst/>
-      </dsp:spPr>
-      <dsp:style>
-        <a:lnRef idx="2">
-          <a:scrgbClr r="0" g="0" b="0"/>
-        </a:lnRef>
-        <a:fillRef idx="1">
-          <a:scrgbClr r="0" g="0" b="0"/>
-        </a:fillRef>
-        <a:effectRef idx="0">
-          <a:scrgbClr r="0" g="0" b="0"/>
-        </a:effectRef>
-        <a:fontRef idx="minor">
-          <a:schemeClr val="lt1"/>
-        </a:fontRef>
-      </dsp:style>
-    </dsp:sp>
-    <dsp:sp modelId="{D335C2A7-E85A-48DA-BEA4-2CA79374D1E1}">
-      <dsp:nvSpPr>
-        <dsp:cNvPr id="0" name=""/>
-        <dsp:cNvSpPr/>
-      </dsp:nvSpPr>
-      <dsp:spPr>
-        <a:xfrm>
-          <a:off x="2127157" y="1311422"/>
-          <a:ext cx="1902010" cy="705645"/>
-        </a:xfrm>
-        <a:prstGeom prst="rect">
-          <a:avLst/>
-        </a:prstGeom>
-        <a:noFill/>
-        <a:ln>
-          <a:noFill/>
-        </a:ln>
-        <a:effectLst/>
-      </dsp:spPr>
-      <dsp:style>
-        <a:lnRef idx="0">
-          <a:scrgbClr r="0" g="0" b="0"/>
-        </a:lnRef>
-        <a:fillRef idx="0">
-          <a:scrgbClr r="0" g="0" b="0"/>
-        </a:fillRef>
-        <a:effectRef idx="0">
-          <a:scrgbClr r="0" g="0" b="0"/>
-        </a:effectRef>
-        <a:fontRef idx="minor"/>
-      </dsp:style>
-      <dsp:txBody>
-        <a:bodyPr spcFirstLastPara="0" vert="horz" wrap="square" lIns="120904" tIns="120904" rIns="120904" bIns="0" numCol="1" spcCol="1270" anchor="t" anchorCtr="0">
-          <a:noAutofit/>
-        </a:bodyPr>
-        <a:lstStyle/>
-        <a:p>
-          <a:pPr lvl="0" algn="ctr" defTabSz="755650">
-            <a:lnSpc>
-              <a:spcPct val="90000"/>
-            </a:lnSpc>
-            <a:spcBef>
-              <a:spcPct val="0"/>
-            </a:spcBef>
-            <a:spcAft>
-              <a:spcPct val="35000"/>
-            </a:spcAft>
-          </a:pPr>
-          <a:r>
-            <a:rPr lang="de-CH" sz="1700" kern="1200" dirty="0" err="1" smtClean="0">
-              <a:solidFill>
-                <a:schemeClr val="bg1"/>
-              </a:solidFill>
-            </a:rPr>
-            <a:t>CardView</a:t>
-          </a:r>
-          <a:endParaRPr lang="en-US" sz="1700" kern="1200" dirty="0">
-            <a:solidFill>
-              <a:schemeClr val="bg1"/>
-            </a:solidFill>
-          </a:endParaRPr>
-        </a:p>
-      </dsp:txBody>
-      <dsp:txXfrm>
-        <a:off x="2127157" y="1311422"/>
-        <a:ext cx="1902010" cy="705645"/>
-      </dsp:txXfrm>
-    </dsp:sp>
-    <dsp:sp modelId="{07BB94C4-CF91-4B25-AD56-806205F7ECED}">
-      <dsp:nvSpPr>
-        <dsp:cNvPr id="0" name=""/>
-        <dsp:cNvSpPr/>
-      </dsp:nvSpPr>
-      <dsp:spPr>
-        <a:xfrm>
-          <a:off x="4219448" y="937"/>
-          <a:ext cx="1902010" cy="1310485"/>
-        </a:xfrm>
-        <a:prstGeom prst="roundRect">
-          <a:avLst/>
-        </a:prstGeom>
-        <a:solidFill>
-          <a:schemeClr val="accent1">
-            <a:hueOff val="0"/>
-            <a:satOff val="0"/>
-            <a:lumOff val="0"/>
-            <a:alphaOff val="0"/>
-          </a:schemeClr>
-        </a:solidFill>
-        <a:ln w="12700" cap="flat" cmpd="sng" algn="ctr">
-          <a:solidFill>
-            <a:schemeClr val="lt1">
-              <a:hueOff val="0"/>
-              <a:satOff val="0"/>
-              <a:lumOff val="0"/>
-              <a:alphaOff val="0"/>
-            </a:schemeClr>
-          </a:solidFill>
-          <a:prstDash val="solid"/>
-        </a:ln>
-        <a:effectLst/>
-      </dsp:spPr>
-      <dsp:style>
-        <a:lnRef idx="2">
-          <a:scrgbClr r="0" g="0" b="0"/>
-        </a:lnRef>
-        <a:fillRef idx="1">
-          <a:scrgbClr r="0" g="0" b="0"/>
-        </a:fillRef>
-        <a:effectRef idx="0">
-          <a:scrgbClr r="0" g="0" b="0"/>
-        </a:effectRef>
-        <a:fontRef idx="minor">
-          <a:schemeClr val="lt1"/>
-        </a:fontRef>
-      </dsp:style>
-    </dsp:sp>
-    <dsp:sp modelId="{8CE146AE-AE74-40B6-BE47-6B5768D6F72E}">
-      <dsp:nvSpPr>
-        <dsp:cNvPr id="0" name=""/>
-        <dsp:cNvSpPr/>
-      </dsp:nvSpPr>
-      <dsp:spPr>
-        <a:xfrm>
-          <a:off x="4219448" y="1311422"/>
-          <a:ext cx="1902010" cy="705645"/>
-        </a:xfrm>
-        <a:prstGeom prst="rect">
-          <a:avLst/>
-        </a:prstGeom>
-        <a:noFill/>
-        <a:ln>
-          <a:noFill/>
-        </a:ln>
-        <a:effectLst/>
-      </dsp:spPr>
-      <dsp:style>
-        <a:lnRef idx="0">
-          <a:scrgbClr r="0" g="0" b="0"/>
-        </a:lnRef>
-        <a:fillRef idx="0">
-          <a:scrgbClr r="0" g="0" b="0"/>
-        </a:fillRef>
-        <a:effectRef idx="0">
-          <a:scrgbClr r="0" g="0" b="0"/>
-        </a:effectRef>
-        <a:fontRef idx="minor"/>
-      </dsp:style>
-      <dsp:txBody>
-        <a:bodyPr spcFirstLastPara="0" vert="horz" wrap="square" lIns="120904" tIns="120904" rIns="120904" bIns="0" numCol="1" spcCol="1270" anchor="t" anchorCtr="0">
-          <a:noAutofit/>
-        </a:bodyPr>
-        <a:lstStyle/>
-        <a:p>
-          <a:pPr lvl="0" algn="ctr" defTabSz="755650">
-            <a:lnSpc>
-              <a:spcPct val="90000"/>
-            </a:lnSpc>
-            <a:spcBef>
-              <a:spcPct val="0"/>
-            </a:spcBef>
-            <a:spcAft>
-              <a:spcPct val="35000"/>
-            </a:spcAft>
-          </a:pPr>
-          <a:r>
-            <a:rPr lang="de-CH" sz="1700" kern="1200" dirty="0" smtClean="0">
-              <a:solidFill>
-                <a:schemeClr val="bg1"/>
-              </a:solidFill>
-            </a:rPr>
-            <a:t>Datenbank</a:t>
-          </a:r>
-          <a:endParaRPr lang="en-US" sz="1700" kern="1200" dirty="0">
-            <a:solidFill>
-              <a:schemeClr val="bg1"/>
-            </a:solidFill>
-          </a:endParaRPr>
-        </a:p>
-      </dsp:txBody>
-      <dsp:txXfrm>
-        <a:off x="4219448" y="1311422"/>
-        <a:ext cx="1902010" cy="705645"/>
-      </dsp:txXfrm>
-    </dsp:sp>
-    <dsp:sp modelId="{23379BA0-72C3-4B48-9B67-5AA34105AF71}">
-      <dsp:nvSpPr>
-        <dsp:cNvPr id="0" name=""/>
-        <dsp:cNvSpPr/>
-      </dsp:nvSpPr>
-      <dsp:spPr>
-        <a:xfrm>
-          <a:off x="2127157" y="2207269"/>
-          <a:ext cx="1902010" cy="1310485"/>
-        </a:xfrm>
-        <a:prstGeom prst="roundRect">
-          <a:avLst/>
-        </a:prstGeom>
-        <a:solidFill>
-          <a:schemeClr val="accent1">
-            <a:hueOff val="0"/>
-            <a:satOff val="0"/>
-            <a:lumOff val="0"/>
-            <a:alphaOff val="0"/>
-          </a:schemeClr>
-        </a:solidFill>
-        <a:ln w="12700" cap="flat" cmpd="sng" algn="ctr">
-          <a:solidFill>
-            <a:schemeClr val="lt1">
-              <a:hueOff val="0"/>
-              <a:satOff val="0"/>
-              <a:lumOff val="0"/>
-              <a:alphaOff val="0"/>
-            </a:schemeClr>
-          </a:solidFill>
-          <a:prstDash val="solid"/>
-        </a:ln>
-        <a:effectLst/>
-      </dsp:spPr>
-      <dsp:style>
-        <a:lnRef idx="2">
-          <a:scrgbClr r="0" g="0" b="0"/>
-        </a:lnRef>
-        <a:fillRef idx="1">
-          <a:scrgbClr r="0" g="0" b="0"/>
-        </a:fillRef>
-        <a:effectRef idx="0">
-          <a:scrgbClr r="0" g="0" b="0"/>
-        </a:effectRef>
-        <a:fontRef idx="minor">
-          <a:schemeClr val="lt1"/>
-        </a:fontRef>
-      </dsp:style>
-    </dsp:sp>
-    <dsp:sp modelId="{D2BA077C-B783-4392-A97F-F939D39ED622}">
-      <dsp:nvSpPr>
-        <dsp:cNvPr id="0" name=""/>
-        <dsp:cNvSpPr/>
-      </dsp:nvSpPr>
-      <dsp:spPr>
-        <a:xfrm>
-          <a:off x="2127157" y="3517754"/>
-          <a:ext cx="1902010" cy="705645"/>
-        </a:xfrm>
-        <a:prstGeom prst="rect">
-          <a:avLst/>
-        </a:prstGeom>
-        <a:noFill/>
-        <a:ln>
-          <a:noFill/>
-        </a:ln>
-        <a:effectLst/>
-      </dsp:spPr>
-      <dsp:style>
-        <a:lnRef idx="0">
-          <a:scrgbClr r="0" g="0" b="0"/>
-        </a:lnRef>
-        <a:fillRef idx="0">
-          <a:scrgbClr r="0" g="0" b="0"/>
-        </a:fillRef>
-        <a:effectRef idx="0">
-          <a:scrgbClr r="0" g="0" b="0"/>
-        </a:effectRef>
-        <a:fontRef idx="minor"/>
-      </dsp:style>
-      <dsp:txBody>
-        <a:bodyPr spcFirstLastPara="0" vert="horz" wrap="square" lIns="120904" tIns="120904" rIns="120904" bIns="0" numCol="1" spcCol="1270" anchor="t" anchorCtr="0">
-          <a:noAutofit/>
-        </a:bodyPr>
-        <a:lstStyle/>
-        <a:p>
-          <a:pPr lvl="0" algn="ctr" defTabSz="755650">
-            <a:lnSpc>
-              <a:spcPct val="90000"/>
-            </a:lnSpc>
-            <a:spcBef>
-              <a:spcPct val="0"/>
-            </a:spcBef>
-            <a:spcAft>
-              <a:spcPct val="35000"/>
-            </a:spcAft>
-          </a:pPr>
-          <a:r>
-            <a:rPr lang="de-CH" sz="1700" kern="1200" dirty="0" smtClean="0">
-              <a:solidFill>
-                <a:schemeClr val="bg1"/>
-              </a:solidFill>
-            </a:rPr>
-            <a:t>Restschnittstellen</a:t>
-          </a:r>
-          <a:endParaRPr lang="en-US" sz="1700" kern="1200" dirty="0">
-            <a:solidFill>
-              <a:schemeClr val="bg1"/>
-            </a:solidFill>
-          </a:endParaRPr>
-        </a:p>
-      </dsp:txBody>
-      <dsp:txXfrm>
-        <a:off x="2127157" y="3517754"/>
-        <a:ext cx="1902010" cy="705645"/>
-      </dsp:txXfrm>
-    </dsp:sp>
   </dsp:spTree>
 </dsp:drawing>
 </file>
@@ -3590,6 +3124,141 @@
     </a:lvl9pPr>
   </p:notesStyle>
 </p:notesMaster>
+</file>
+
+<file path=ppt/notesSlides/notesSlide1.xml><?xml version="1.0" encoding="utf-8"?>
+<p:notes xmlns:a="http://schemas.openxmlformats.org/drawingml/2006/main" xmlns:r="http://schemas.openxmlformats.org/officeDocument/2006/relationships" xmlns:p="http://schemas.openxmlformats.org/presentationml/2006/main">
+  <p:cSld>
+    <p:spTree>
+      <p:nvGrpSpPr>
+        <p:cNvPr id="1" name=""/>
+        <p:cNvGrpSpPr/>
+        <p:nvPr/>
+      </p:nvGrpSpPr>
+      <p:grpSpPr>
+        <a:xfrm>
+          <a:off x="0" y="0"/>
+          <a:ext cx="0" cy="0"/>
+          <a:chOff x="0" y="0"/>
+          <a:chExt cx="0" cy="0"/>
+        </a:xfrm>
+      </p:grpSpPr>
+      <p:sp>
+        <p:nvSpPr>
+          <p:cNvPr id="2" name="Folienbildplatzhalter 1"/>
+          <p:cNvSpPr>
+            <a:spLocks noGrp="1" noRot="1" noChangeAspect="1"/>
+          </p:cNvSpPr>
+          <p:nvPr>
+            <p:ph type="sldImg"/>
+          </p:nvPr>
+        </p:nvSpPr>
+        <p:spPr/>
+      </p:sp>
+      <p:sp>
+        <p:nvSpPr>
+          <p:cNvPr id="3" name="Notizenplatzhalter 2"/>
+          <p:cNvSpPr>
+            <a:spLocks noGrp="1"/>
+          </p:cNvSpPr>
+          <p:nvPr>
+            <p:ph type="body" idx="1"/>
+          </p:nvPr>
+        </p:nvSpPr>
+        <p:spPr/>
+        <p:txBody>
+          <a:bodyPr/>
+          <a:lstStyle/>
+          <a:p>
+            <a:r>
+              <a:rPr lang="de-CH" dirty="0" smtClean="0"/>
+              <a:t>Aufwand</a:t>
+            </a:r>
+          </a:p>
+          <a:p>
+            <a:pPr lvl="1"/>
+            <a:r>
+              <a:rPr lang="de-CH" dirty="0" err="1" smtClean="0"/>
+              <a:t>GitHub</a:t>
+            </a:r>
+            <a:r>
+              <a:rPr lang="de-CH" dirty="0" smtClean="0"/>
+              <a:t> </a:t>
+            </a:r>
+            <a:r>
+              <a:rPr lang="de-CH" dirty="0" err="1" smtClean="0"/>
+              <a:t>commits</a:t>
+            </a:r>
+            <a:r>
+              <a:rPr lang="de-CH" dirty="0" smtClean="0"/>
+              <a:t> hochgerechnet:</a:t>
+            </a:r>
+          </a:p>
+          <a:p>
+            <a:pPr marL="274320" lvl="1" indent="0">
+              <a:buNone/>
+            </a:pPr>
+            <a:r>
+              <a:rPr lang="de-CH" dirty="0" smtClean="0"/>
+              <a:t>	#</a:t>
+            </a:r>
+            <a:r>
+              <a:rPr lang="de-CH" dirty="0" err="1" smtClean="0"/>
+              <a:t>commits</a:t>
+            </a:r>
+            <a:r>
+              <a:rPr lang="de-CH" dirty="0" smtClean="0"/>
+              <a:t> * 2-3h = 150h – 225h</a:t>
+            </a:r>
+          </a:p>
+          <a:p>
+            <a:pPr lvl="2"/>
+            <a:endParaRPr lang="de-CH" dirty="0" smtClean="0"/>
+          </a:p>
+          <a:p>
+            <a:pPr lvl="1"/>
+            <a:endParaRPr lang="de-CH" smtClean="0"/>
+          </a:p>
+          <a:p>
+            <a:endParaRPr lang="de-CH"/>
+          </a:p>
+        </p:txBody>
+      </p:sp>
+      <p:sp>
+        <p:nvSpPr>
+          <p:cNvPr id="4" name="Foliennummernplatzhalter 3"/>
+          <p:cNvSpPr>
+            <a:spLocks noGrp="1"/>
+          </p:cNvSpPr>
+          <p:nvPr>
+            <p:ph type="sldNum" sz="quarter" idx="10"/>
+          </p:nvPr>
+        </p:nvSpPr>
+        <p:spPr/>
+        <p:txBody>
+          <a:bodyPr/>
+          <a:lstStyle/>
+          <a:p>
+            <a:fld id="{01F2A70B-78F2-4DCF-B53B-C990D2FAFB8A}" type="slidenum">
+              <a:rPr lang="de-CH" smtClean="0"/>
+              <a:pPr/>
+              <a:t>19</a:t>
+            </a:fld>
+            <a:endParaRPr lang="de-CH" dirty="0"/>
+          </a:p>
+        </p:txBody>
+      </p:sp>
+    </p:spTree>
+    <p:extLst>
+      <p:ext uri="{BB962C8B-B14F-4D97-AF65-F5344CB8AC3E}">
+        <p14:creationId xmlns:p14="http://schemas.microsoft.com/office/powerpoint/2010/main" val="4034206904"/>
+      </p:ext>
+    </p:extLst>
+  </p:cSld>
+  <p:clrMapOvr>
+    <a:masterClrMapping/>
+  </p:clrMapOvr>
+</p:notes>
 </file>
 
 <file path=ppt/slideLayouts/slideLayout1.xml><?xml version="1.0" encoding="utf-8"?>
@@ -8503,18 +8172,7 @@
                 </a:solidFill>
                 <a:latin typeface="Android" panose="02000500000000000000" pitchFamily="2" charset="0"/>
               </a:rPr>
-              <a:t> </a:t>
-            </a:r>
-            <a:r>
-              <a:rPr lang="de-CH" dirty="0" smtClean="0">
-                <a:solidFill>
-                  <a:schemeClr val="tx1">
-                    <a:lumMod val="65000"/>
-                  </a:schemeClr>
-                </a:solidFill>
-                <a:latin typeface="Android" panose="02000500000000000000" pitchFamily="2" charset="0"/>
-              </a:rPr>
-              <a:t>Systems </a:t>
+              <a:t> Systems </a:t>
             </a:r>
             <a:r>
               <a:rPr lang="de-CH" dirty="0" err="1" smtClean="0">
@@ -10225,74 +9883,9 @@
           </a:bodyPr>
           <a:lstStyle/>
           <a:p>
-            <a:r>
-              <a:rPr lang="de-CH" dirty="0"/>
-              <a:t>Verwendete Tools</a:t>
-            </a:r>
-          </a:p>
-          <a:p>
-            <a:pPr lvl="1"/>
-            <a:r>
-              <a:rPr lang="de-CH" dirty="0" err="1"/>
-              <a:t>Balsamiq</a:t>
-            </a:r>
-            <a:r>
-              <a:rPr lang="de-CH" dirty="0"/>
-              <a:t> </a:t>
-            </a:r>
-            <a:r>
-              <a:rPr lang="de-CH" dirty="0" err="1"/>
-              <a:t>Mockups</a:t>
-            </a:r>
-            <a:endParaRPr lang="de-CH" dirty="0"/>
-          </a:p>
-          <a:p>
-            <a:pPr lvl="1"/>
-            <a:r>
-              <a:rPr lang="de-CH" dirty="0" err="1"/>
-              <a:t>DotProject</a:t>
-            </a:r>
-            <a:r>
-              <a:rPr lang="de-CH" dirty="0"/>
-              <a:t> (PHP)</a:t>
-            </a:r>
-          </a:p>
-          <a:p>
-            <a:pPr lvl="1"/>
-            <a:r>
-              <a:rPr lang="de-CH" dirty="0"/>
-              <a:t>Android Studio</a:t>
-            </a:r>
-          </a:p>
-          <a:p>
-            <a:pPr lvl="1"/>
-            <a:r>
-              <a:rPr lang="de-CH" dirty="0"/>
-              <a:t>MySQL </a:t>
-            </a:r>
-            <a:r>
-              <a:rPr lang="de-CH" dirty="0" err="1"/>
-              <a:t>Workbench</a:t>
-            </a:r>
-            <a:endParaRPr lang="de-CH" dirty="0"/>
-          </a:p>
-          <a:p>
-            <a:pPr lvl="1"/>
-            <a:r>
-              <a:rPr lang="de-CH" dirty="0" err="1"/>
-              <a:t>SoapUI</a:t>
-            </a:r>
-            <a:endParaRPr lang="de-CH" dirty="0"/>
-          </a:p>
-          <a:p>
-            <a:pPr lvl="2"/>
-            <a:r>
-              <a:rPr lang="de-CH" dirty="0"/>
-              <a:t>SOAP API testen</a:t>
-            </a:r>
-          </a:p>
-          <a:p>
-            <a:pPr lvl="1"/>
+            <a:pPr marL="274320" lvl="1" indent="0">
+              <a:buNone/>
+            </a:pPr>
             <a:endParaRPr lang="de-CH" dirty="0" smtClean="0"/>
           </a:p>
         </p:txBody>
@@ -10314,7 +9907,19 @@
           <a:p>
             <a:r>
               <a:rPr lang="de-CH" dirty="0" smtClean="0"/>
-              <a:t>Rückblick  - Was lief gut? </a:t>
+              <a:t>Rückblick  - </a:t>
+            </a:r>
+            <a:r>
+              <a:rPr lang="de-CH" dirty="0" err="1" smtClean="0"/>
+              <a:t>GitHub</a:t>
+            </a:r>
+            <a:r>
+              <a:rPr lang="de-CH" dirty="0" smtClean="0"/>
+              <a:t> </a:t>
+            </a:r>
+            <a:r>
+              <a:rPr lang="de-CH" dirty="0" err="1" smtClean="0"/>
+              <a:t>commits</a:t>
             </a:r>
             <a:endParaRPr lang="en-US" dirty="0"/>
           </a:p>
@@ -10533,104 +10138,22 @@
       </p:sp>
       <p:pic>
         <p:nvPicPr>
-          <p:cNvPr id="6" name="Picture 2" descr="http://www.serialimha.com/wp-content/uploads/2014/12/1-Balsamiq-Mockups.jpg"/>
-          <p:cNvPicPr>
-            <a:picLocks noChangeAspect="1" noChangeArrowheads="1"/>
-          </p:cNvPicPr>
-          <p:nvPr/>
-        </p:nvPicPr>
-        <p:blipFill>
-          <a:blip r:embed="rId2">
-            <a:extLst>
-              <a:ext uri="{28A0092B-C50C-407E-A947-70E740481C1C}">
-                <a14:useLocalDpi xmlns:a14="http://schemas.microsoft.com/office/drawing/2010/main" val="0"/>
-              </a:ext>
-            </a:extLst>
-          </a:blip>
-          <a:srcRect/>
-          <a:stretch>
-            <a:fillRect/>
-          </a:stretch>
-        </p:blipFill>
-        <p:spPr bwMode="auto">
-          <a:xfrm>
-            <a:off x="4924507" y="1628800"/>
-            <a:ext cx="5715000" cy="3667126"/>
-          </a:xfrm>
-          <a:prstGeom prst="rect">
-            <a:avLst/>
-          </a:prstGeom>
-          <a:noFill/>
-          <a:extLst>
-            <a:ext uri="{909E8E84-426E-40DD-AFC4-6F175D3DCCD1}">
-              <a14:hiddenFill xmlns:a14="http://schemas.microsoft.com/office/drawing/2010/main">
-                <a:solidFill>
-                  <a:srgbClr val="FFFFFF"/>
-                </a:solidFill>
-              </a14:hiddenFill>
-            </a:ext>
-          </a:extLst>
-        </p:spPr>
-      </p:pic>
-      <p:pic>
-        <p:nvPicPr>
-          <p:cNvPr id="7" name="Picture 4" descr="http://www.catify.com/wp-content/uploads/2011/10/edployprocessSOAPUI1.png"/>
-          <p:cNvPicPr>
-            <a:picLocks noChangeAspect="1" noChangeArrowheads="1"/>
-          </p:cNvPicPr>
-          <p:nvPr/>
-        </p:nvPicPr>
-        <p:blipFill>
-          <a:blip r:embed="rId3" cstate="print">
-            <a:extLst>
-              <a:ext uri="{28A0092B-C50C-407E-A947-70E740481C1C}">
-                <a14:useLocalDpi xmlns:a14="http://schemas.microsoft.com/office/drawing/2010/main" val="0"/>
-              </a:ext>
-            </a:extLst>
-          </a:blip>
-          <a:srcRect/>
-          <a:stretch>
-            <a:fillRect/>
-          </a:stretch>
-        </p:blipFill>
-        <p:spPr bwMode="auto">
-          <a:xfrm>
-            <a:off x="5158308" y="1799491"/>
-            <a:ext cx="6211667" cy="3325743"/>
-          </a:xfrm>
-          <a:prstGeom prst="rect">
-            <a:avLst/>
-          </a:prstGeom>
-          <a:noFill/>
-          <a:extLst>
-            <a:ext uri="{909E8E84-426E-40DD-AFC4-6F175D3DCCD1}">
-              <a14:hiddenFill xmlns:a14="http://schemas.microsoft.com/office/drawing/2010/main">
-                <a:solidFill>
-                  <a:srgbClr val="FFFFFF"/>
-                </a:solidFill>
-              </a14:hiddenFill>
-            </a:ext>
-          </a:extLst>
-        </p:spPr>
-      </p:pic>
-      <p:pic>
-        <p:nvPicPr>
-          <p:cNvPr id="8" name="Grafik 7"/>
+          <p:cNvPr id="9" name="Grafik 8"/>
           <p:cNvPicPr>
             <a:picLocks noChangeAspect="1"/>
           </p:cNvPicPr>
           <p:nvPr/>
         </p:nvPicPr>
         <p:blipFill>
-          <a:blip r:embed="rId4"/>
+          <a:blip r:embed="rId2"/>
           <a:stretch>
             <a:fillRect/>
           </a:stretch>
         </p:blipFill>
         <p:spPr>
           <a:xfrm>
-            <a:off x="6149903" y="2175395"/>
-            <a:ext cx="5220072" cy="3483212"/>
+            <a:off x="1674813" y="1639788"/>
+            <a:ext cx="8839200" cy="4381500"/>
           </a:xfrm>
           <a:prstGeom prst="rect">
             <a:avLst/>
@@ -10703,9 +10226,8 @@
           <a:p>
             <a:r>
               <a:rPr lang="de-CH" dirty="0" smtClean="0"/>
-              <a:t>Rückblick Teamarbeit / Entwicklungsprozess</a:t>
-            </a:r>
-            <a:endParaRPr lang="de-CH" dirty="0" smtClean="0"/>
+              <a:t>Rückblick</a:t>
+            </a:r>
           </a:p>
         </p:txBody>
       </p:sp>
@@ -10726,75 +10248,9 @@
           </a:bodyPr>
           <a:lstStyle/>
           <a:p>
-            <a:r>
-              <a:rPr lang="de-CH" dirty="0" smtClean="0"/>
-              <a:t>Was lief gut?</a:t>
-            </a:r>
-            <a:endParaRPr lang="de-CH" dirty="0" smtClean="0"/>
-          </a:p>
-          <a:p>
-            <a:pPr lvl="1"/>
-            <a:r>
-              <a:rPr lang="de-CH" dirty="0" smtClean="0"/>
-              <a:t>Vorbereitung </a:t>
-            </a:r>
-          </a:p>
-          <a:p>
-            <a:pPr lvl="1"/>
-            <a:r>
-              <a:rPr lang="de-CH" dirty="0" smtClean="0"/>
-              <a:t>Methodik</a:t>
-            </a:r>
-          </a:p>
-          <a:p>
-            <a:pPr lvl="2"/>
-            <a:r>
-              <a:rPr lang="de-CH" dirty="0" smtClean="0"/>
-              <a:t>Verwendung von </a:t>
-            </a:r>
-            <a:r>
-              <a:rPr lang="de-CH" dirty="0" err="1" smtClean="0"/>
-              <a:t>GitHub</a:t>
-            </a:r>
-            <a:endParaRPr lang="de-CH" dirty="0" smtClean="0"/>
-          </a:p>
-          <a:p>
-            <a:pPr lvl="2"/>
-            <a:r>
-              <a:rPr lang="de-CH" dirty="0" smtClean="0"/>
-              <a:t>Skype Meetings</a:t>
-            </a:r>
-          </a:p>
-          <a:p>
-            <a:pPr lvl="1"/>
-            <a:r>
-              <a:rPr lang="de-CH" dirty="0" smtClean="0"/>
-              <a:t>Planung aufstellen</a:t>
-            </a:r>
-          </a:p>
-          <a:p>
-            <a:pPr lvl="1"/>
-            <a:r>
-              <a:rPr lang="de-CH" dirty="0" smtClean="0"/>
-              <a:t>Design</a:t>
-            </a:r>
-          </a:p>
-          <a:p>
-            <a:pPr lvl="1"/>
-            <a:r>
-              <a:rPr lang="de-CH" dirty="0" smtClean="0"/>
-              <a:t>Prototyp</a:t>
-            </a:r>
-          </a:p>
-          <a:p>
-            <a:pPr lvl="1"/>
-            <a:r>
-              <a:rPr lang="de-CH" dirty="0" smtClean="0"/>
-              <a:t>Konzept</a:t>
-            </a:r>
-          </a:p>
-          <a:p>
-            <a:pPr lvl="1"/>
+            <a:pPr marL="274320" lvl="1" indent="0">
+              <a:buNone/>
+            </a:pPr>
             <a:endParaRPr lang="de-CH" dirty="0" smtClean="0"/>
           </a:p>
         </p:txBody>
@@ -10816,7 +10272,19 @@
           <a:p>
             <a:r>
               <a:rPr lang="de-CH" dirty="0" smtClean="0"/>
-              <a:t>Rückblick  - Was lief gut? </a:t>
+              <a:t>Rückblick  - </a:t>
+            </a:r>
+            <a:r>
+              <a:rPr lang="de-CH" dirty="0" err="1" smtClean="0"/>
+              <a:t>GitHub</a:t>
+            </a:r>
+            <a:r>
+              <a:rPr lang="de-CH" dirty="0" smtClean="0"/>
+              <a:t> </a:t>
+            </a:r>
+            <a:r>
+              <a:rPr lang="de-CH" dirty="0" err="1" smtClean="0"/>
+              <a:t>commits</a:t>
             </a:r>
             <a:endParaRPr lang="en-US" dirty="0"/>
           </a:p>
@@ -10832,8 +10300,8 @@
         </p:nvSpPr>
         <p:spPr>
           <a:xfrm>
-            <a:off x="5950396" y="1797558"/>
-            <a:ext cx="4716016" cy="4223730"/>
+            <a:off x="6382444" y="1797558"/>
+            <a:ext cx="3923928" cy="4223730"/>
           </a:xfrm>
           <a:prstGeom prst="rect">
             <a:avLst/>
@@ -11018,164 +10486,49 @@
             </a:lvl9pPr>
           </a:lstStyle>
           <a:p>
-            <a:pPr>
-              <a:buFont typeface="Arial" panose="020B0604020202020204" pitchFamily="34" charset="0"/>
-              <a:buChar char="•"/>
-            </a:pPr>
-            <a:r>
-              <a:rPr lang="de-CH" dirty="0">
-                <a:solidFill>
-                  <a:schemeClr val="bg1"/>
-                </a:solidFill>
-                <a:latin typeface="Roboto" pitchFamily="2" charset="0"/>
-                <a:ea typeface="Roboto" pitchFamily="2" charset="0"/>
-              </a:rPr>
-              <a:t>Was lief </a:t>
-            </a:r>
-            <a:r>
-              <a:rPr lang="de-CH" dirty="0" smtClean="0">
-                <a:solidFill>
-                  <a:schemeClr val="bg1"/>
-                </a:solidFill>
-                <a:latin typeface="Roboto" pitchFamily="2" charset="0"/>
-                <a:ea typeface="Roboto" pitchFamily="2" charset="0"/>
-              </a:rPr>
-              <a:t>weniger gut?</a:t>
-            </a:r>
-            <a:endParaRPr lang="de-CH" dirty="0">
-              <a:solidFill>
-                <a:schemeClr val="bg1"/>
-              </a:solidFill>
-              <a:latin typeface="Roboto" pitchFamily="2" charset="0"/>
-              <a:ea typeface="Roboto" pitchFamily="2" charset="0"/>
-            </a:endParaRPr>
-          </a:p>
-          <a:p>
-            <a:pPr lvl="1">
-              <a:buFont typeface="Arial" panose="020B0604020202020204" pitchFamily="34" charset="0"/>
-              <a:buChar char="•"/>
-            </a:pPr>
-            <a:r>
-              <a:rPr lang="de-CH" dirty="0">
-                <a:solidFill>
-                  <a:schemeClr val="bg1"/>
-                </a:solidFill>
-                <a:latin typeface="Roboto" pitchFamily="2" charset="0"/>
-                <a:ea typeface="Roboto" pitchFamily="2" charset="0"/>
-              </a:rPr>
-              <a:t>Implementation</a:t>
-            </a:r>
-          </a:p>
-          <a:p>
-            <a:pPr lvl="2">
-              <a:buFont typeface="Arial" panose="020B0604020202020204" pitchFamily="34" charset="0"/>
-              <a:buChar char="•"/>
-            </a:pPr>
-            <a:r>
-              <a:rPr lang="de-CH" dirty="0">
-                <a:solidFill>
-                  <a:schemeClr val="bg1"/>
-                </a:solidFill>
-                <a:latin typeface="Roboto" pitchFamily="2" charset="0"/>
-                <a:ea typeface="Roboto" pitchFamily="2" charset="0"/>
-              </a:rPr>
-              <a:t>Viel Zeit in Teilaufgaben und </a:t>
-            </a:r>
-            <a:r>
-              <a:rPr lang="de-CH" dirty="0" err="1">
-                <a:solidFill>
-                  <a:schemeClr val="bg1"/>
-                </a:solidFill>
-                <a:latin typeface="Roboto" pitchFamily="2" charset="0"/>
-                <a:ea typeface="Roboto" pitchFamily="2" charset="0"/>
-              </a:rPr>
-              <a:t>Proj</a:t>
-            </a:r>
-            <a:r>
-              <a:rPr lang="de-CH" dirty="0">
-                <a:solidFill>
-                  <a:schemeClr val="bg1"/>
-                </a:solidFill>
-                <a:latin typeface="Roboto" pitchFamily="2" charset="0"/>
-                <a:ea typeface="Roboto" pitchFamily="2" charset="0"/>
-              </a:rPr>
-              <a:t>. </a:t>
-            </a:r>
-            <a:r>
-              <a:rPr lang="de-CH" dirty="0" err="1">
-                <a:solidFill>
-                  <a:schemeClr val="bg1"/>
-                </a:solidFill>
-                <a:latin typeface="Roboto" pitchFamily="2" charset="0"/>
-                <a:ea typeface="Roboto" pitchFamily="2" charset="0"/>
-              </a:rPr>
-              <a:t>Mgmt</a:t>
-            </a:r>
-            <a:r>
-              <a:rPr lang="de-CH" dirty="0">
-                <a:solidFill>
-                  <a:schemeClr val="bg1"/>
-                </a:solidFill>
-                <a:latin typeface="Roboto" pitchFamily="2" charset="0"/>
-                <a:ea typeface="Roboto" pitchFamily="2" charset="0"/>
-              </a:rPr>
-              <a:t> gesteckt</a:t>
-            </a:r>
-          </a:p>
-          <a:p>
-            <a:pPr lvl="2">
-              <a:buFont typeface="Arial" panose="020B0604020202020204" pitchFamily="34" charset="0"/>
-              <a:buChar char="•"/>
-            </a:pPr>
-            <a:r>
-              <a:rPr lang="de-CH" dirty="0">
-                <a:solidFill>
-                  <a:schemeClr val="bg1"/>
-                </a:solidFill>
-                <a:latin typeface="Roboto" pitchFamily="2" charset="0"/>
-                <a:ea typeface="Roboto" pitchFamily="2" charset="0"/>
-              </a:rPr>
-              <a:t>In der Verknüpfung der REST Schnittstelle mit dem GUI stecken geblieben</a:t>
-            </a:r>
-          </a:p>
-          <a:p>
-            <a:pPr lvl="1">
-              <a:buFont typeface="Arial" panose="020B0604020202020204" pitchFamily="34" charset="0"/>
-              <a:buChar char="•"/>
-            </a:pPr>
-            <a:r>
-              <a:rPr lang="de-CH" dirty="0">
-                <a:solidFill>
-                  <a:schemeClr val="bg1"/>
-                </a:solidFill>
-                <a:latin typeface="Roboto" pitchFamily="2" charset="0"/>
-                <a:ea typeface="Roboto" pitchFamily="2" charset="0"/>
-              </a:rPr>
-              <a:t>Reaktionszeiten</a:t>
-            </a:r>
-          </a:p>
-          <a:p>
-            <a:pPr lvl="1">
-              <a:buFont typeface="Arial" panose="020B0604020202020204" pitchFamily="34" charset="0"/>
-              <a:buChar char="•"/>
-            </a:pPr>
-            <a:r>
-              <a:rPr lang="de-CH" dirty="0">
-                <a:solidFill>
-                  <a:schemeClr val="bg1"/>
-                </a:solidFill>
-                <a:latin typeface="Roboto" pitchFamily="2" charset="0"/>
-                <a:ea typeface="Roboto" pitchFamily="2" charset="0"/>
-              </a:rPr>
-              <a:t>Meetings über Skype</a:t>
-            </a:r>
-          </a:p>
-        </p:txBody>
-      </p:sp>
+            <a:r>
+              <a:rPr lang="de-CH" dirty="0" smtClean="0"/>
+              <a:t>Was lief schlecht?</a:t>
+            </a:r>
+          </a:p>
+          <a:p>
+            <a:pPr lvl="1"/>
+            <a:r>
+              <a:rPr lang="de-CH" dirty="0" smtClean="0"/>
+              <a:t>Zeit verloren mit DB Modell</a:t>
+            </a:r>
+            <a:endParaRPr lang="de-CH" dirty="0"/>
+          </a:p>
+        </p:txBody>
+      </p:sp>
+      <p:pic>
+        <p:nvPicPr>
+          <p:cNvPr id="9" name="Grafik 8"/>
+          <p:cNvPicPr>
+            <a:picLocks noChangeAspect="1"/>
+          </p:cNvPicPr>
+          <p:nvPr/>
+        </p:nvPicPr>
+        <p:blipFill>
+          <a:blip r:embed="rId3"/>
+          <a:stretch>
+            <a:fillRect/>
+          </a:stretch>
+        </p:blipFill>
+        <p:spPr>
+          <a:xfrm>
+            <a:off x="1674813" y="1639788"/>
+            <a:ext cx="8839200" cy="4381500"/>
+          </a:xfrm>
+          <a:prstGeom prst="rect">
+            <a:avLst/>
+          </a:prstGeom>
+        </p:spPr>
+      </p:pic>
     </p:spTree>
     <p:extLst>
       <p:ext uri="{BB962C8B-B14F-4D97-AF65-F5344CB8AC3E}">
-        <p14:creationId xmlns:p14="http://schemas.microsoft.com/office/powerpoint/2010/main" val="803250803"/>
+        <p14:creationId xmlns:p14="http://schemas.microsoft.com/office/powerpoint/2010/main" val="1743525658"/>
       </p:ext>
     </p:extLst>
   </p:cSld>
@@ -11417,9 +10770,8 @@
           <a:p>
             <a:r>
               <a:rPr lang="de-CH" dirty="0" smtClean="0"/>
-              <a:t>Verbesserungsmassnahmen</a:t>
-            </a:r>
-            <a:endParaRPr lang="de-CH" dirty="0"/>
+              <a:t>Rückblick</a:t>
+            </a:r>
           </a:p>
         </p:txBody>
       </p:sp>
@@ -11441,14 +10793,1043 @@
           <a:lstStyle/>
           <a:p>
             <a:r>
+              <a:rPr lang="de-CH" dirty="0"/>
+              <a:t>Verwendete Tools</a:t>
+            </a:r>
+          </a:p>
+          <a:p>
+            <a:pPr lvl="1"/>
+            <a:r>
+              <a:rPr lang="de-CH" dirty="0" err="1"/>
+              <a:t>Balsamiq</a:t>
+            </a:r>
+            <a:r>
+              <a:rPr lang="de-CH" dirty="0"/>
+              <a:t> </a:t>
+            </a:r>
+            <a:r>
+              <a:rPr lang="de-CH" dirty="0" err="1"/>
+              <a:t>Mockups</a:t>
+            </a:r>
+            <a:endParaRPr lang="de-CH" dirty="0"/>
+          </a:p>
+          <a:p>
+            <a:pPr lvl="1"/>
+            <a:r>
+              <a:rPr lang="de-CH" dirty="0" err="1"/>
+              <a:t>DotProject</a:t>
+            </a:r>
+            <a:r>
+              <a:rPr lang="de-CH" dirty="0"/>
+              <a:t> (PHP)</a:t>
+            </a:r>
+          </a:p>
+          <a:p>
+            <a:pPr lvl="1"/>
+            <a:r>
+              <a:rPr lang="de-CH" dirty="0"/>
+              <a:t>Android Studio</a:t>
+            </a:r>
+          </a:p>
+          <a:p>
+            <a:pPr lvl="1"/>
+            <a:r>
+              <a:rPr lang="de-CH" dirty="0"/>
+              <a:t>MySQL </a:t>
+            </a:r>
+            <a:r>
+              <a:rPr lang="de-CH" dirty="0" err="1"/>
+              <a:t>Workbench</a:t>
+            </a:r>
+            <a:endParaRPr lang="de-CH" dirty="0"/>
+          </a:p>
+          <a:p>
+            <a:pPr lvl="1"/>
+            <a:r>
+              <a:rPr lang="de-CH" dirty="0" err="1"/>
+              <a:t>SoapUI</a:t>
+            </a:r>
+            <a:endParaRPr lang="de-CH" dirty="0"/>
+          </a:p>
+          <a:p>
+            <a:pPr lvl="2"/>
+            <a:r>
+              <a:rPr lang="de-CH" dirty="0"/>
+              <a:t>SOAP API testen</a:t>
+            </a:r>
+          </a:p>
+          <a:p>
+            <a:pPr lvl="1"/>
+            <a:endParaRPr lang="de-CH" dirty="0" smtClean="0"/>
+          </a:p>
+        </p:txBody>
+      </p:sp>
+      <p:sp>
+        <p:nvSpPr>
+          <p:cNvPr id="5" name="Inhaltsplatzhalter 4"/>
+          <p:cNvSpPr>
+            <a:spLocks noGrp="1"/>
+          </p:cNvSpPr>
+          <p:nvPr>
+            <p:ph idx="13"/>
+          </p:nvPr>
+        </p:nvSpPr>
+        <p:spPr/>
+        <p:txBody>
+          <a:bodyPr/>
+          <a:lstStyle/>
+          <a:p>
+            <a:r>
               <a:rPr lang="de-CH" dirty="0" smtClean="0"/>
-              <a:t>Initialisierung mehr Zeit </a:t>
-            </a:r>
+              <a:t>Rückblick  - Was lief gut? </a:t>
+            </a:r>
+            <a:endParaRPr lang="en-US" dirty="0"/>
+          </a:p>
+        </p:txBody>
+      </p:sp>
+      <p:sp>
+        <p:nvSpPr>
+          <p:cNvPr id="4" name="Inhaltsplatzhalter 2"/>
+          <p:cNvSpPr txBox="1">
+            <a:spLocks/>
+          </p:cNvSpPr>
+          <p:nvPr/>
+        </p:nvSpPr>
+        <p:spPr>
+          <a:xfrm>
+            <a:off x="6382444" y="1797558"/>
+            <a:ext cx="3923928" cy="4223730"/>
+          </a:xfrm>
+          <a:prstGeom prst="rect">
+            <a:avLst/>
+          </a:prstGeom>
+          <a:noFill/>
+        </p:spPr>
+        <p:txBody>
+          <a:bodyPr vert="horz" lIns="91440" tIns="45720" rIns="91440" bIns="45720" rtlCol="0">
+            <a:normAutofit/>
+          </a:bodyPr>
+          <a:lstStyle>
+            <a:lvl1pPr marL="274320" indent="-274320" algn="l" defTabSz="914400" rtl="0" eaLnBrk="1" latinLnBrk="0" hangingPunct="1">
+              <a:lnSpc>
+                <a:spcPct val="90000"/>
+              </a:lnSpc>
+              <a:spcBef>
+                <a:spcPts val="1800"/>
+              </a:spcBef>
+              <a:buSzPct val="80000"/>
+              <a:buFont typeface="Wingdings" pitchFamily="2" charset="2"/>
+              <a:buChar char="§"/>
+              <a:defRPr sz="2400" kern="1200">
+                <a:solidFill>
+                  <a:schemeClr val="tx1"/>
+                </a:solidFill>
+                <a:latin typeface="+mj-lt"/>
+                <a:ea typeface="+mn-ea"/>
+                <a:cs typeface="+mn-cs"/>
+              </a:defRPr>
+            </a:lvl1pPr>
+            <a:lvl2pPr marL="548640" indent="-274320" algn="l" defTabSz="914400" rtl="0" eaLnBrk="1" latinLnBrk="0" hangingPunct="1">
+              <a:lnSpc>
+                <a:spcPct val="90000"/>
+              </a:lnSpc>
+              <a:spcBef>
+                <a:spcPts val="600"/>
+              </a:spcBef>
+              <a:buSzPct val="100000"/>
+              <a:buFont typeface="Consolas" pitchFamily="49" charset="0"/>
+              <a:buChar char="–"/>
+              <a:defRPr sz="2000" kern="1200">
+                <a:solidFill>
+                  <a:schemeClr val="tx1"/>
+                </a:solidFill>
+                <a:latin typeface="+mj-lt"/>
+                <a:ea typeface="+mn-ea"/>
+                <a:cs typeface="+mn-cs"/>
+              </a:defRPr>
+            </a:lvl2pPr>
+            <a:lvl3pPr marL="777240" indent="-228600" algn="l" defTabSz="914400" rtl="0" eaLnBrk="1" latinLnBrk="0" hangingPunct="1">
+              <a:lnSpc>
+                <a:spcPct val="90000"/>
+              </a:lnSpc>
+              <a:spcBef>
+                <a:spcPts val="600"/>
+              </a:spcBef>
+              <a:buSzPct val="80000"/>
+              <a:buFont typeface="Wingdings" pitchFamily="2" charset="2"/>
+              <a:buChar char="§"/>
+              <a:defRPr sz="1800" kern="1200">
+                <a:solidFill>
+                  <a:schemeClr val="tx1"/>
+                </a:solidFill>
+                <a:latin typeface="+mj-lt"/>
+                <a:ea typeface="+mn-ea"/>
+                <a:cs typeface="+mn-cs"/>
+              </a:defRPr>
+            </a:lvl3pPr>
+            <a:lvl4pPr marL="1005840" indent="-228600" algn="l" defTabSz="914400" rtl="0" eaLnBrk="1" latinLnBrk="0" hangingPunct="1">
+              <a:lnSpc>
+                <a:spcPct val="90000"/>
+              </a:lnSpc>
+              <a:spcBef>
+                <a:spcPts val="600"/>
+              </a:spcBef>
+              <a:buSzPct val="100000"/>
+              <a:buFont typeface="Consolas" pitchFamily="49" charset="0"/>
+              <a:buChar char="–"/>
+              <a:defRPr sz="1600" kern="1200">
+                <a:solidFill>
+                  <a:schemeClr val="tx1"/>
+                </a:solidFill>
+                <a:latin typeface="+mj-lt"/>
+                <a:ea typeface="+mn-ea"/>
+                <a:cs typeface="+mn-cs"/>
+              </a:defRPr>
+            </a:lvl4pPr>
+            <a:lvl5pPr marL="1234440" indent="-228600" algn="l" defTabSz="914400" rtl="0" eaLnBrk="1" latinLnBrk="0" hangingPunct="1">
+              <a:lnSpc>
+                <a:spcPct val="90000"/>
+              </a:lnSpc>
+              <a:spcBef>
+                <a:spcPts val="600"/>
+              </a:spcBef>
+              <a:buSzPct val="80000"/>
+              <a:buFont typeface="Wingdings" pitchFamily="2" charset="2"/>
+              <a:buChar char="§"/>
+              <a:defRPr sz="1600" kern="1200">
+                <a:solidFill>
+                  <a:schemeClr val="tx1"/>
+                </a:solidFill>
+                <a:latin typeface="+mj-lt"/>
+                <a:ea typeface="+mn-ea"/>
+                <a:cs typeface="+mn-cs"/>
+              </a:defRPr>
+            </a:lvl5pPr>
+            <a:lvl6pPr marL="1463040" indent="-228600" algn="l" defTabSz="914400" rtl="0" eaLnBrk="1" latinLnBrk="0" hangingPunct="1">
+              <a:lnSpc>
+                <a:spcPct val="90000"/>
+              </a:lnSpc>
+              <a:spcBef>
+                <a:spcPts val="600"/>
+              </a:spcBef>
+              <a:buSzPct val="100000"/>
+              <a:buFont typeface="Consolas" pitchFamily="49" charset="0"/>
+              <a:buChar char="–"/>
+              <a:defRPr sz="1600" kern="1200" baseline="0">
+                <a:solidFill>
+                  <a:schemeClr val="tx1"/>
+                </a:solidFill>
+                <a:latin typeface="+mn-lt"/>
+                <a:ea typeface="+mn-ea"/>
+                <a:cs typeface="+mn-cs"/>
+              </a:defRPr>
+            </a:lvl6pPr>
+            <a:lvl7pPr marL="1691640" indent="-228600" algn="l" defTabSz="914400" rtl="0" eaLnBrk="1" latinLnBrk="0" hangingPunct="1">
+              <a:lnSpc>
+                <a:spcPct val="90000"/>
+              </a:lnSpc>
+              <a:spcBef>
+                <a:spcPts val="600"/>
+              </a:spcBef>
+              <a:buSzPct val="80000"/>
+              <a:buFont typeface="Wingdings" pitchFamily="2" charset="2"/>
+              <a:buChar char="§"/>
+              <a:defRPr sz="1600" kern="1200" baseline="0">
+                <a:solidFill>
+                  <a:schemeClr val="tx1"/>
+                </a:solidFill>
+                <a:latin typeface="+mn-lt"/>
+                <a:ea typeface="+mn-ea"/>
+                <a:cs typeface="+mn-cs"/>
+              </a:defRPr>
+            </a:lvl7pPr>
+            <a:lvl8pPr marL="1920240" indent="-228600" algn="l" defTabSz="914400" rtl="0" eaLnBrk="1" latinLnBrk="0" hangingPunct="1">
+              <a:lnSpc>
+                <a:spcPct val="90000"/>
+              </a:lnSpc>
+              <a:spcBef>
+                <a:spcPts val="600"/>
+              </a:spcBef>
+              <a:buSzPct val="100000"/>
+              <a:buFont typeface="Consolas" pitchFamily="49" charset="0"/>
+              <a:buChar char="–"/>
+              <a:defRPr sz="1600" kern="1200" baseline="0">
+                <a:solidFill>
+                  <a:schemeClr val="tx1"/>
+                </a:solidFill>
+                <a:latin typeface="+mn-lt"/>
+                <a:ea typeface="+mn-ea"/>
+                <a:cs typeface="+mn-cs"/>
+              </a:defRPr>
+            </a:lvl8pPr>
+            <a:lvl9pPr marL="2148840" indent="-228600" algn="l" defTabSz="914400" rtl="0" eaLnBrk="1" latinLnBrk="0" hangingPunct="1">
+              <a:lnSpc>
+                <a:spcPct val="90000"/>
+              </a:lnSpc>
+              <a:spcBef>
+                <a:spcPts val="600"/>
+              </a:spcBef>
+              <a:buSzPct val="80000"/>
+              <a:buFont typeface="Wingdings" pitchFamily="2" charset="2"/>
+              <a:buChar char="§"/>
+              <a:defRPr sz="1600" kern="1200" baseline="0">
+                <a:solidFill>
+                  <a:schemeClr val="tx1"/>
+                </a:solidFill>
+                <a:latin typeface="+mn-lt"/>
+                <a:ea typeface="+mn-ea"/>
+                <a:cs typeface="+mn-cs"/>
+              </a:defRPr>
+            </a:lvl9pPr>
+          </a:lstStyle>
+          <a:p>
             <a:r>
               <a:rPr lang="de-CH" dirty="0" smtClean="0"/>
-              <a:t>aufwenden</a:t>
+              <a:t>Was lief schlecht?</a:t>
+            </a:r>
+          </a:p>
+          <a:p>
+            <a:pPr lvl="1"/>
+            <a:r>
+              <a:rPr lang="de-CH" dirty="0" smtClean="0"/>
+              <a:t>Zeit verloren mit DB Modell</a:t>
+            </a:r>
+            <a:endParaRPr lang="de-CH" dirty="0"/>
+          </a:p>
+        </p:txBody>
+      </p:sp>
+      <p:pic>
+        <p:nvPicPr>
+          <p:cNvPr id="6" name="Picture 2" descr="http://www.serialimha.com/wp-content/uploads/2014/12/1-Balsamiq-Mockups.jpg"/>
+          <p:cNvPicPr>
+            <a:picLocks noChangeAspect="1" noChangeArrowheads="1"/>
+          </p:cNvPicPr>
+          <p:nvPr/>
+        </p:nvPicPr>
+        <p:blipFill>
+          <a:blip r:embed="rId2">
+            <a:extLst>
+              <a:ext uri="{28A0092B-C50C-407E-A947-70E740481C1C}">
+                <a14:useLocalDpi xmlns:a14="http://schemas.microsoft.com/office/drawing/2010/main" val="0"/>
+              </a:ext>
+            </a:extLst>
+          </a:blip>
+          <a:srcRect/>
+          <a:stretch>
+            <a:fillRect/>
+          </a:stretch>
+        </p:blipFill>
+        <p:spPr bwMode="auto">
+          <a:xfrm>
+            <a:off x="4924507" y="1628800"/>
+            <a:ext cx="5715000" cy="3667126"/>
+          </a:xfrm>
+          <a:prstGeom prst="rect">
+            <a:avLst/>
+          </a:prstGeom>
+          <a:noFill/>
+          <a:extLst>
+            <a:ext uri="{909E8E84-426E-40DD-AFC4-6F175D3DCCD1}">
+              <a14:hiddenFill xmlns:a14="http://schemas.microsoft.com/office/drawing/2010/main">
+                <a:solidFill>
+                  <a:srgbClr val="FFFFFF"/>
+                </a:solidFill>
+              </a14:hiddenFill>
+            </a:ext>
+          </a:extLst>
+        </p:spPr>
+      </p:pic>
+      <p:pic>
+        <p:nvPicPr>
+          <p:cNvPr id="7" name="Picture 4" descr="http://www.catify.com/wp-content/uploads/2011/10/edployprocessSOAPUI1.png"/>
+          <p:cNvPicPr>
+            <a:picLocks noChangeAspect="1" noChangeArrowheads="1"/>
+          </p:cNvPicPr>
+          <p:nvPr/>
+        </p:nvPicPr>
+        <p:blipFill>
+          <a:blip r:embed="rId3" cstate="print">
+            <a:extLst>
+              <a:ext uri="{28A0092B-C50C-407E-A947-70E740481C1C}">
+                <a14:useLocalDpi xmlns:a14="http://schemas.microsoft.com/office/drawing/2010/main" val="0"/>
+              </a:ext>
+            </a:extLst>
+          </a:blip>
+          <a:srcRect/>
+          <a:stretch>
+            <a:fillRect/>
+          </a:stretch>
+        </p:blipFill>
+        <p:spPr bwMode="auto">
+          <a:xfrm>
+            <a:off x="5158308" y="1799491"/>
+            <a:ext cx="6211667" cy="3325743"/>
+          </a:xfrm>
+          <a:prstGeom prst="rect">
+            <a:avLst/>
+          </a:prstGeom>
+          <a:noFill/>
+          <a:extLst>
+            <a:ext uri="{909E8E84-426E-40DD-AFC4-6F175D3DCCD1}">
+              <a14:hiddenFill xmlns:a14="http://schemas.microsoft.com/office/drawing/2010/main">
+                <a:solidFill>
+                  <a:srgbClr val="FFFFFF"/>
+                </a:solidFill>
+              </a14:hiddenFill>
+            </a:ext>
+          </a:extLst>
+        </p:spPr>
+      </p:pic>
+      <p:pic>
+        <p:nvPicPr>
+          <p:cNvPr id="8" name="Grafik 7"/>
+          <p:cNvPicPr>
+            <a:picLocks noChangeAspect="1"/>
+          </p:cNvPicPr>
+          <p:nvPr/>
+        </p:nvPicPr>
+        <p:blipFill>
+          <a:blip r:embed="rId4"/>
+          <a:stretch>
+            <a:fillRect/>
+          </a:stretch>
+        </p:blipFill>
+        <p:spPr>
+          <a:xfrm>
+            <a:off x="6149903" y="2175395"/>
+            <a:ext cx="5220072" cy="3483212"/>
+          </a:xfrm>
+          <a:prstGeom prst="rect">
+            <a:avLst/>
+          </a:prstGeom>
+        </p:spPr>
+      </p:pic>
+    </p:spTree>
+    <p:extLst>
+      <p:ext uri="{BB962C8B-B14F-4D97-AF65-F5344CB8AC3E}">
+        <p14:creationId xmlns:p14="http://schemas.microsoft.com/office/powerpoint/2010/main" val="886714020"/>
+      </p:ext>
+    </p:extLst>
+  </p:cSld>
+  <p:clrMapOvr>
+    <a:masterClrMapping/>
+  </p:clrMapOvr>
+  <mc:AlternateContent xmlns:mc="http://schemas.openxmlformats.org/markup-compatibility/2006" xmlns:p14="http://schemas.microsoft.com/office/powerpoint/2010/main">
+    <mc:Choice Requires="p14">
+      <p:transition spd="med" p14:dur="700">
+        <p:fade/>
+      </p:transition>
+    </mc:Choice>
+    <mc:Fallback xmlns="">
+      <p:transition spd="med">
+        <p:fade/>
+      </p:transition>
+    </mc:Fallback>
+  </mc:AlternateContent>
+  <p:timing>
+    <p:tnLst>
+      <p:par>
+        <p:cTn id="1" dur="indefinite" restart="never" nodeType="tmRoot"/>
+      </p:par>
+    </p:tnLst>
+  </p:timing>
+</p:sld>
+</file>
+
+<file path=ppt/slides/slide21.xml><?xml version="1.0" encoding="utf-8"?>
+<p:sld xmlns:a="http://schemas.openxmlformats.org/drawingml/2006/main" xmlns:r="http://schemas.openxmlformats.org/officeDocument/2006/relationships" xmlns:p="http://schemas.openxmlformats.org/presentationml/2006/main">
+  <p:cSld>
+    <p:spTree>
+      <p:nvGrpSpPr>
+        <p:cNvPr id="1" name=""/>
+        <p:cNvGrpSpPr/>
+        <p:nvPr/>
+      </p:nvGrpSpPr>
+      <p:grpSpPr>
+        <a:xfrm>
+          <a:off x="0" y="0"/>
+          <a:ext cx="0" cy="0"/>
+          <a:chOff x="0" y="0"/>
+          <a:chExt cx="0" cy="0"/>
+        </a:xfrm>
+      </p:grpSpPr>
+      <p:sp>
+        <p:nvSpPr>
+          <p:cNvPr id="2" name="Titel 1"/>
+          <p:cNvSpPr>
+            <a:spLocks noGrp="1"/>
+          </p:cNvSpPr>
+          <p:nvPr>
+            <p:ph type="title"/>
+          </p:nvPr>
+        </p:nvSpPr>
+        <p:spPr/>
+        <p:txBody>
+          <a:bodyPr/>
+          <a:lstStyle/>
+          <a:p>
+            <a:r>
+              <a:rPr lang="de-CH" dirty="0" smtClean="0"/>
+              <a:t>Rückblick Teamarbeit / Entwicklungsprozess</a:t>
+            </a:r>
+          </a:p>
+        </p:txBody>
+      </p:sp>
+      <p:sp>
+        <p:nvSpPr>
+          <p:cNvPr id="3" name="Inhaltsplatzhalter 2"/>
+          <p:cNvSpPr>
+            <a:spLocks noGrp="1"/>
+          </p:cNvSpPr>
+          <p:nvPr>
+            <p:ph idx="1"/>
+          </p:nvPr>
+        </p:nvSpPr>
+        <p:spPr/>
+        <p:txBody>
+          <a:bodyPr>
+            <a:normAutofit/>
+          </a:bodyPr>
+          <a:lstStyle/>
+          <a:p>
+            <a:r>
+              <a:rPr lang="de-CH" dirty="0" smtClean="0"/>
+              <a:t>Was lief gut?</a:t>
+            </a:r>
+          </a:p>
+          <a:p>
+            <a:pPr lvl="1"/>
+            <a:r>
+              <a:rPr lang="de-CH" dirty="0" smtClean="0"/>
+              <a:t>Vorbereitung </a:t>
+            </a:r>
+          </a:p>
+          <a:p>
+            <a:pPr lvl="1"/>
+            <a:r>
+              <a:rPr lang="de-CH" dirty="0" smtClean="0"/>
+              <a:t>Methodik</a:t>
+            </a:r>
+          </a:p>
+          <a:p>
+            <a:pPr lvl="2"/>
+            <a:r>
+              <a:rPr lang="de-CH" dirty="0" smtClean="0"/>
+              <a:t>Verwendung von </a:t>
+            </a:r>
+            <a:r>
+              <a:rPr lang="de-CH" dirty="0" err="1" smtClean="0"/>
+              <a:t>GitHub</a:t>
             </a:r>
             <a:endParaRPr lang="de-CH" dirty="0" smtClean="0"/>
+          </a:p>
+          <a:p>
+            <a:pPr lvl="2"/>
+            <a:r>
+              <a:rPr lang="de-CH" dirty="0" smtClean="0"/>
+              <a:t>Skype Meetings</a:t>
+            </a:r>
+          </a:p>
+          <a:p>
+            <a:pPr lvl="1"/>
+            <a:r>
+              <a:rPr lang="de-CH" dirty="0" smtClean="0"/>
+              <a:t>Planung aufstellen</a:t>
+            </a:r>
+          </a:p>
+          <a:p>
+            <a:pPr lvl="1"/>
+            <a:r>
+              <a:rPr lang="de-CH" dirty="0" smtClean="0"/>
+              <a:t>Design</a:t>
+            </a:r>
+          </a:p>
+          <a:p>
+            <a:pPr lvl="1"/>
+            <a:r>
+              <a:rPr lang="de-CH" dirty="0" smtClean="0"/>
+              <a:t>Prototyp</a:t>
+            </a:r>
+          </a:p>
+          <a:p>
+            <a:pPr lvl="1"/>
+            <a:r>
+              <a:rPr lang="de-CH" dirty="0" smtClean="0"/>
+              <a:t>Konzept</a:t>
+            </a:r>
+          </a:p>
+          <a:p>
+            <a:pPr lvl="1"/>
+            <a:endParaRPr lang="de-CH" dirty="0" smtClean="0"/>
+          </a:p>
+        </p:txBody>
+      </p:sp>
+      <p:sp>
+        <p:nvSpPr>
+          <p:cNvPr id="5" name="Inhaltsplatzhalter 4"/>
+          <p:cNvSpPr>
+            <a:spLocks noGrp="1"/>
+          </p:cNvSpPr>
+          <p:nvPr>
+            <p:ph idx="13"/>
+          </p:nvPr>
+        </p:nvSpPr>
+        <p:spPr/>
+        <p:txBody>
+          <a:bodyPr/>
+          <a:lstStyle/>
+          <a:p>
+            <a:r>
+              <a:rPr lang="de-CH" dirty="0" smtClean="0"/>
+              <a:t>Rückblick  - Was lief gut? </a:t>
+            </a:r>
+            <a:endParaRPr lang="en-US" dirty="0"/>
+          </a:p>
+        </p:txBody>
+      </p:sp>
+      <p:sp>
+        <p:nvSpPr>
+          <p:cNvPr id="4" name="Inhaltsplatzhalter 2"/>
+          <p:cNvSpPr txBox="1">
+            <a:spLocks/>
+          </p:cNvSpPr>
+          <p:nvPr/>
+        </p:nvSpPr>
+        <p:spPr>
+          <a:xfrm>
+            <a:off x="5950396" y="1797558"/>
+            <a:ext cx="4716016" cy="4223730"/>
+          </a:xfrm>
+          <a:prstGeom prst="rect">
+            <a:avLst/>
+          </a:prstGeom>
+          <a:noFill/>
+        </p:spPr>
+        <p:txBody>
+          <a:bodyPr vert="horz" lIns="91440" tIns="45720" rIns="91440" bIns="45720" rtlCol="0">
+            <a:normAutofit/>
+          </a:bodyPr>
+          <a:lstStyle>
+            <a:lvl1pPr marL="274320" indent="-274320" algn="l" defTabSz="914400" rtl="0" eaLnBrk="1" latinLnBrk="0" hangingPunct="1">
+              <a:lnSpc>
+                <a:spcPct val="90000"/>
+              </a:lnSpc>
+              <a:spcBef>
+                <a:spcPts val="1800"/>
+              </a:spcBef>
+              <a:buSzPct val="80000"/>
+              <a:buFont typeface="Wingdings" pitchFamily="2" charset="2"/>
+              <a:buChar char="§"/>
+              <a:defRPr sz="2400" kern="1200">
+                <a:solidFill>
+                  <a:schemeClr val="tx1"/>
+                </a:solidFill>
+                <a:latin typeface="+mj-lt"/>
+                <a:ea typeface="+mn-ea"/>
+                <a:cs typeface="+mn-cs"/>
+              </a:defRPr>
+            </a:lvl1pPr>
+            <a:lvl2pPr marL="548640" indent="-274320" algn="l" defTabSz="914400" rtl="0" eaLnBrk="1" latinLnBrk="0" hangingPunct="1">
+              <a:lnSpc>
+                <a:spcPct val="90000"/>
+              </a:lnSpc>
+              <a:spcBef>
+                <a:spcPts val="600"/>
+              </a:spcBef>
+              <a:buSzPct val="100000"/>
+              <a:buFont typeface="Consolas" pitchFamily="49" charset="0"/>
+              <a:buChar char="–"/>
+              <a:defRPr sz="2000" kern="1200">
+                <a:solidFill>
+                  <a:schemeClr val="tx1"/>
+                </a:solidFill>
+                <a:latin typeface="+mj-lt"/>
+                <a:ea typeface="+mn-ea"/>
+                <a:cs typeface="+mn-cs"/>
+              </a:defRPr>
+            </a:lvl2pPr>
+            <a:lvl3pPr marL="777240" indent="-228600" algn="l" defTabSz="914400" rtl="0" eaLnBrk="1" latinLnBrk="0" hangingPunct="1">
+              <a:lnSpc>
+                <a:spcPct val="90000"/>
+              </a:lnSpc>
+              <a:spcBef>
+                <a:spcPts val="600"/>
+              </a:spcBef>
+              <a:buSzPct val="80000"/>
+              <a:buFont typeface="Wingdings" pitchFamily="2" charset="2"/>
+              <a:buChar char="§"/>
+              <a:defRPr sz="1800" kern="1200">
+                <a:solidFill>
+                  <a:schemeClr val="tx1"/>
+                </a:solidFill>
+                <a:latin typeface="+mj-lt"/>
+                <a:ea typeface="+mn-ea"/>
+                <a:cs typeface="+mn-cs"/>
+              </a:defRPr>
+            </a:lvl3pPr>
+            <a:lvl4pPr marL="1005840" indent="-228600" algn="l" defTabSz="914400" rtl="0" eaLnBrk="1" latinLnBrk="0" hangingPunct="1">
+              <a:lnSpc>
+                <a:spcPct val="90000"/>
+              </a:lnSpc>
+              <a:spcBef>
+                <a:spcPts val="600"/>
+              </a:spcBef>
+              <a:buSzPct val="100000"/>
+              <a:buFont typeface="Consolas" pitchFamily="49" charset="0"/>
+              <a:buChar char="–"/>
+              <a:defRPr sz="1600" kern="1200">
+                <a:solidFill>
+                  <a:schemeClr val="tx1"/>
+                </a:solidFill>
+                <a:latin typeface="+mj-lt"/>
+                <a:ea typeface="+mn-ea"/>
+                <a:cs typeface="+mn-cs"/>
+              </a:defRPr>
+            </a:lvl4pPr>
+            <a:lvl5pPr marL="1234440" indent="-228600" algn="l" defTabSz="914400" rtl="0" eaLnBrk="1" latinLnBrk="0" hangingPunct="1">
+              <a:lnSpc>
+                <a:spcPct val="90000"/>
+              </a:lnSpc>
+              <a:spcBef>
+                <a:spcPts val="600"/>
+              </a:spcBef>
+              <a:buSzPct val="80000"/>
+              <a:buFont typeface="Wingdings" pitchFamily="2" charset="2"/>
+              <a:buChar char="§"/>
+              <a:defRPr sz="1600" kern="1200">
+                <a:solidFill>
+                  <a:schemeClr val="tx1"/>
+                </a:solidFill>
+                <a:latin typeface="+mj-lt"/>
+                <a:ea typeface="+mn-ea"/>
+                <a:cs typeface="+mn-cs"/>
+              </a:defRPr>
+            </a:lvl5pPr>
+            <a:lvl6pPr marL="1463040" indent="-228600" algn="l" defTabSz="914400" rtl="0" eaLnBrk="1" latinLnBrk="0" hangingPunct="1">
+              <a:lnSpc>
+                <a:spcPct val="90000"/>
+              </a:lnSpc>
+              <a:spcBef>
+                <a:spcPts val="600"/>
+              </a:spcBef>
+              <a:buSzPct val="100000"/>
+              <a:buFont typeface="Consolas" pitchFamily="49" charset="0"/>
+              <a:buChar char="–"/>
+              <a:defRPr sz="1600" kern="1200" baseline="0">
+                <a:solidFill>
+                  <a:schemeClr val="tx1"/>
+                </a:solidFill>
+                <a:latin typeface="+mn-lt"/>
+                <a:ea typeface="+mn-ea"/>
+                <a:cs typeface="+mn-cs"/>
+              </a:defRPr>
+            </a:lvl6pPr>
+            <a:lvl7pPr marL="1691640" indent="-228600" algn="l" defTabSz="914400" rtl="0" eaLnBrk="1" latinLnBrk="0" hangingPunct="1">
+              <a:lnSpc>
+                <a:spcPct val="90000"/>
+              </a:lnSpc>
+              <a:spcBef>
+                <a:spcPts val="600"/>
+              </a:spcBef>
+              <a:buSzPct val="80000"/>
+              <a:buFont typeface="Wingdings" pitchFamily="2" charset="2"/>
+              <a:buChar char="§"/>
+              <a:defRPr sz="1600" kern="1200" baseline="0">
+                <a:solidFill>
+                  <a:schemeClr val="tx1"/>
+                </a:solidFill>
+                <a:latin typeface="+mn-lt"/>
+                <a:ea typeface="+mn-ea"/>
+                <a:cs typeface="+mn-cs"/>
+              </a:defRPr>
+            </a:lvl7pPr>
+            <a:lvl8pPr marL="1920240" indent="-228600" algn="l" defTabSz="914400" rtl="0" eaLnBrk="1" latinLnBrk="0" hangingPunct="1">
+              <a:lnSpc>
+                <a:spcPct val="90000"/>
+              </a:lnSpc>
+              <a:spcBef>
+                <a:spcPts val="600"/>
+              </a:spcBef>
+              <a:buSzPct val="100000"/>
+              <a:buFont typeface="Consolas" pitchFamily="49" charset="0"/>
+              <a:buChar char="–"/>
+              <a:defRPr sz="1600" kern="1200" baseline="0">
+                <a:solidFill>
+                  <a:schemeClr val="tx1"/>
+                </a:solidFill>
+                <a:latin typeface="+mn-lt"/>
+                <a:ea typeface="+mn-ea"/>
+                <a:cs typeface="+mn-cs"/>
+              </a:defRPr>
+            </a:lvl8pPr>
+            <a:lvl9pPr marL="2148840" indent="-228600" algn="l" defTabSz="914400" rtl="0" eaLnBrk="1" latinLnBrk="0" hangingPunct="1">
+              <a:lnSpc>
+                <a:spcPct val="90000"/>
+              </a:lnSpc>
+              <a:spcBef>
+                <a:spcPts val="600"/>
+              </a:spcBef>
+              <a:buSzPct val="80000"/>
+              <a:buFont typeface="Wingdings" pitchFamily="2" charset="2"/>
+              <a:buChar char="§"/>
+              <a:defRPr sz="1600" kern="1200" baseline="0">
+                <a:solidFill>
+                  <a:schemeClr val="tx1"/>
+                </a:solidFill>
+                <a:latin typeface="+mn-lt"/>
+                <a:ea typeface="+mn-ea"/>
+                <a:cs typeface="+mn-cs"/>
+              </a:defRPr>
+            </a:lvl9pPr>
+          </a:lstStyle>
+          <a:p>
+            <a:pPr>
+              <a:buFont typeface="Arial" panose="020B0604020202020204" pitchFamily="34" charset="0"/>
+              <a:buChar char="•"/>
+            </a:pPr>
+            <a:r>
+              <a:rPr lang="de-CH" dirty="0">
+                <a:solidFill>
+                  <a:schemeClr val="bg1"/>
+                </a:solidFill>
+                <a:latin typeface="Roboto" pitchFamily="2" charset="0"/>
+                <a:ea typeface="Roboto" pitchFamily="2" charset="0"/>
+              </a:rPr>
+              <a:t>Was lief </a:t>
+            </a:r>
+            <a:r>
+              <a:rPr lang="de-CH" dirty="0" smtClean="0">
+                <a:solidFill>
+                  <a:schemeClr val="bg1"/>
+                </a:solidFill>
+                <a:latin typeface="Roboto" pitchFamily="2" charset="0"/>
+                <a:ea typeface="Roboto" pitchFamily="2" charset="0"/>
+              </a:rPr>
+              <a:t>weniger gut?</a:t>
+            </a:r>
+            <a:endParaRPr lang="de-CH" dirty="0">
+              <a:solidFill>
+                <a:schemeClr val="bg1"/>
+              </a:solidFill>
+              <a:latin typeface="Roboto" pitchFamily="2" charset="0"/>
+              <a:ea typeface="Roboto" pitchFamily="2" charset="0"/>
+            </a:endParaRPr>
+          </a:p>
+          <a:p>
+            <a:pPr lvl="1">
+              <a:buFont typeface="Arial" panose="020B0604020202020204" pitchFamily="34" charset="0"/>
+              <a:buChar char="•"/>
+            </a:pPr>
+            <a:r>
+              <a:rPr lang="de-CH" dirty="0">
+                <a:solidFill>
+                  <a:schemeClr val="bg1"/>
+                </a:solidFill>
+                <a:latin typeface="Roboto" pitchFamily="2" charset="0"/>
+                <a:ea typeface="Roboto" pitchFamily="2" charset="0"/>
+              </a:rPr>
+              <a:t>Implementation</a:t>
+            </a:r>
+          </a:p>
+          <a:p>
+            <a:pPr lvl="2">
+              <a:buFont typeface="Arial" panose="020B0604020202020204" pitchFamily="34" charset="0"/>
+              <a:buChar char="•"/>
+            </a:pPr>
+            <a:r>
+              <a:rPr lang="de-CH" dirty="0">
+                <a:solidFill>
+                  <a:schemeClr val="bg1"/>
+                </a:solidFill>
+                <a:latin typeface="Roboto" pitchFamily="2" charset="0"/>
+                <a:ea typeface="Roboto" pitchFamily="2" charset="0"/>
+              </a:rPr>
+              <a:t>Viel Zeit in Teilaufgaben und </a:t>
+            </a:r>
+            <a:r>
+              <a:rPr lang="de-CH" dirty="0" err="1">
+                <a:solidFill>
+                  <a:schemeClr val="bg1"/>
+                </a:solidFill>
+                <a:latin typeface="Roboto" pitchFamily="2" charset="0"/>
+                <a:ea typeface="Roboto" pitchFamily="2" charset="0"/>
+              </a:rPr>
+              <a:t>Proj</a:t>
+            </a:r>
+            <a:r>
+              <a:rPr lang="de-CH" dirty="0">
+                <a:solidFill>
+                  <a:schemeClr val="bg1"/>
+                </a:solidFill>
+                <a:latin typeface="Roboto" pitchFamily="2" charset="0"/>
+                <a:ea typeface="Roboto" pitchFamily="2" charset="0"/>
+              </a:rPr>
+              <a:t>. </a:t>
+            </a:r>
+            <a:r>
+              <a:rPr lang="de-CH" dirty="0" err="1">
+                <a:solidFill>
+                  <a:schemeClr val="bg1"/>
+                </a:solidFill>
+                <a:latin typeface="Roboto" pitchFamily="2" charset="0"/>
+                <a:ea typeface="Roboto" pitchFamily="2" charset="0"/>
+              </a:rPr>
+              <a:t>Mgmt</a:t>
+            </a:r>
+            <a:r>
+              <a:rPr lang="de-CH" dirty="0">
+                <a:solidFill>
+                  <a:schemeClr val="bg1"/>
+                </a:solidFill>
+                <a:latin typeface="Roboto" pitchFamily="2" charset="0"/>
+                <a:ea typeface="Roboto" pitchFamily="2" charset="0"/>
+              </a:rPr>
+              <a:t> gesteckt</a:t>
+            </a:r>
+          </a:p>
+          <a:p>
+            <a:pPr lvl="2">
+              <a:buFont typeface="Arial" panose="020B0604020202020204" pitchFamily="34" charset="0"/>
+              <a:buChar char="•"/>
+            </a:pPr>
+            <a:r>
+              <a:rPr lang="de-CH" dirty="0">
+                <a:solidFill>
+                  <a:schemeClr val="bg1"/>
+                </a:solidFill>
+                <a:latin typeface="Roboto" pitchFamily="2" charset="0"/>
+                <a:ea typeface="Roboto" pitchFamily="2" charset="0"/>
+              </a:rPr>
+              <a:t>In der Verknüpfung der REST Schnittstelle mit dem GUI stecken geblieben</a:t>
+            </a:r>
+          </a:p>
+          <a:p>
+            <a:pPr lvl="1">
+              <a:buFont typeface="Arial" panose="020B0604020202020204" pitchFamily="34" charset="0"/>
+              <a:buChar char="•"/>
+            </a:pPr>
+            <a:r>
+              <a:rPr lang="de-CH" dirty="0">
+                <a:solidFill>
+                  <a:schemeClr val="bg1"/>
+                </a:solidFill>
+                <a:latin typeface="Roboto" pitchFamily="2" charset="0"/>
+                <a:ea typeface="Roboto" pitchFamily="2" charset="0"/>
+              </a:rPr>
+              <a:t>Reaktionszeiten</a:t>
+            </a:r>
+          </a:p>
+          <a:p>
+            <a:pPr lvl="1">
+              <a:buFont typeface="Arial" panose="020B0604020202020204" pitchFamily="34" charset="0"/>
+              <a:buChar char="•"/>
+            </a:pPr>
+            <a:r>
+              <a:rPr lang="de-CH" dirty="0">
+                <a:solidFill>
+                  <a:schemeClr val="bg1"/>
+                </a:solidFill>
+                <a:latin typeface="Roboto" pitchFamily="2" charset="0"/>
+                <a:ea typeface="Roboto" pitchFamily="2" charset="0"/>
+              </a:rPr>
+              <a:t>Meetings über Skype</a:t>
+            </a:r>
+          </a:p>
+        </p:txBody>
+      </p:sp>
+    </p:spTree>
+    <p:extLst>
+      <p:ext uri="{BB962C8B-B14F-4D97-AF65-F5344CB8AC3E}">
+        <p14:creationId xmlns:p14="http://schemas.microsoft.com/office/powerpoint/2010/main" val="803250803"/>
+      </p:ext>
+    </p:extLst>
+  </p:cSld>
+  <p:clrMapOvr>
+    <a:masterClrMapping/>
+  </p:clrMapOvr>
+  <mc:AlternateContent xmlns:mc="http://schemas.openxmlformats.org/markup-compatibility/2006" xmlns:p14="http://schemas.microsoft.com/office/powerpoint/2010/main">
+    <mc:Choice Requires="p14">
+      <p:transition spd="med" p14:dur="700">
+        <p:fade/>
+      </p:transition>
+    </mc:Choice>
+    <mc:Fallback xmlns="">
+      <p:transition spd="med">
+        <p:fade/>
+      </p:transition>
+    </mc:Fallback>
+  </mc:AlternateContent>
+  <p:timing>
+    <p:tnLst>
+      <p:par>
+        <p:cTn id="1" dur="indefinite" restart="never" nodeType="tmRoot"/>
+      </p:par>
+    </p:tnLst>
+  </p:timing>
+</p:sld>
+</file>
+
+<file path=ppt/slides/slide22.xml><?xml version="1.0" encoding="utf-8"?>
+<p:sld xmlns:a="http://schemas.openxmlformats.org/drawingml/2006/main" xmlns:r="http://schemas.openxmlformats.org/officeDocument/2006/relationships" xmlns:p="http://schemas.openxmlformats.org/presentationml/2006/main">
+  <p:cSld>
+    <p:spTree>
+      <p:nvGrpSpPr>
+        <p:cNvPr id="1" name=""/>
+        <p:cNvGrpSpPr/>
+        <p:nvPr/>
+      </p:nvGrpSpPr>
+      <p:grpSpPr>
+        <a:xfrm>
+          <a:off x="0" y="0"/>
+          <a:ext cx="0" cy="0"/>
+          <a:chOff x="0" y="0"/>
+          <a:chExt cx="0" cy="0"/>
+        </a:xfrm>
+      </p:grpSpPr>
+      <p:sp>
+        <p:nvSpPr>
+          <p:cNvPr id="2" name="Titel 1"/>
+          <p:cNvSpPr>
+            <a:spLocks noGrp="1"/>
+          </p:cNvSpPr>
+          <p:nvPr>
+            <p:ph type="title"/>
+          </p:nvPr>
+        </p:nvSpPr>
+        <p:spPr/>
+        <p:txBody>
+          <a:bodyPr/>
+          <a:lstStyle/>
+          <a:p>
+            <a:r>
+              <a:rPr lang="de-CH" dirty="0" smtClean="0"/>
+              <a:t>Verbesserungsmassnahmen</a:t>
+            </a:r>
+            <a:endParaRPr lang="de-CH" dirty="0"/>
+          </a:p>
+        </p:txBody>
+      </p:sp>
+      <p:sp>
+        <p:nvSpPr>
+          <p:cNvPr id="3" name="Inhaltsplatzhalter 2"/>
+          <p:cNvSpPr>
+            <a:spLocks noGrp="1"/>
+          </p:cNvSpPr>
+          <p:nvPr>
+            <p:ph idx="1"/>
+          </p:nvPr>
+        </p:nvSpPr>
+        <p:spPr/>
+        <p:txBody>
+          <a:bodyPr>
+            <a:normAutofit/>
+          </a:bodyPr>
+          <a:lstStyle/>
+          <a:p>
+            <a:r>
+              <a:rPr lang="de-CH" dirty="0" smtClean="0"/>
+              <a:t>Initialisierung mehr Zeit aufwenden</a:t>
+            </a:r>
           </a:p>
           <a:p>
             <a:r>
@@ -11473,11 +11854,7 @@
           <a:p>
             <a:r>
               <a:rPr lang="de-CH" dirty="0" smtClean="0"/>
-              <a:t>Rasche Reaktionen bei Fragen an </a:t>
-            </a:r>
-            <a:r>
-              <a:rPr lang="de-CH" dirty="0" smtClean="0"/>
-              <a:t>Teamkollegen</a:t>
+              <a:t>Rasche Reaktionen bei Fragen an Teamkollegen</a:t>
             </a:r>
             <a:endParaRPr lang="de-CH" dirty="0"/>
           </a:p>
@@ -11544,7 +11921,7 @@
 </p:sld>
 </file>
 
-<file path=ppt/slides/slide21.xml><?xml version="1.0" encoding="utf-8"?>
+<file path=ppt/slides/slide23.xml><?xml version="1.0" encoding="utf-8"?>
 <p:sld xmlns:a="http://schemas.openxmlformats.org/drawingml/2006/main" xmlns:r="http://schemas.openxmlformats.org/officeDocument/2006/relationships" xmlns:p="http://schemas.openxmlformats.org/presentationml/2006/main">
   <p:cSld>
     <p:spTree>
@@ -12659,7 +13036,6 @@
               <a:rPr lang="de-CH" dirty="0" smtClean="0"/>
               <a:t>Views</a:t>
             </a:r>
-            <a:endParaRPr lang="de-CH" dirty="0" smtClean="0"/>
           </a:p>
           <a:p>
             <a:pPr lvl="1"/>

--- a/docs/Präsentation/Project-Presentation.pptx
+++ b/docs/Präsentation/Project-Presentation.pptx
@@ -5,10 +5,10 @@
     <p:sldMasterId id="2147483660" r:id="rId2"/>
   </p:sldMasterIdLst>
   <p:notesMasterIdLst>
-    <p:notesMasterId r:id="rId24"/>
+    <p:notesMasterId r:id="rId25"/>
   </p:notesMasterIdLst>
   <p:handoutMasterIdLst>
-    <p:handoutMasterId r:id="rId25"/>
+    <p:handoutMasterId r:id="rId26"/>
   </p:handoutMasterIdLst>
   <p:sldIdLst>
     <p:sldId id="256" r:id="rId3"/>
@@ -28,10 +28,11 @@
     <p:sldId id="271" r:id="rId17"/>
     <p:sldId id="272" r:id="rId18"/>
     <p:sldId id="279" r:id="rId19"/>
-    <p:sldId id="259" r:id="rId20"/>
-    <p:sldId id="276" r:id="rId21"/>
-    <p:sldId id="270" r:id="rId22"/>
-    <p:sldId id="269" r:id="rId23"/>
+    <p:sldId id="280" r:id="rId20"/>
+    <p:sldId id="259" r:id="rId21"/>
+    <p:sldId id="276" r:id="rId22"/>
+    <p:sldId id="270" r:id="rId23"/>
+    <p:sldId id="269" r:id="rId24"/>
   </p:sldIdLst>
   <p:sldSz cx="12188825" cy="6858000"/>
   <p:notesSz cx="6858000" cy="9144000"/>
@@ -132,7 +133,7 @@
   </p:defaultTextStyle>
   <p:extLst>
     <p:ext uri="{EFAFB233-063F-42B5-8137-9DF3F51BA10A}">
-      <p15:sldGuideLst xmlns:p15="http://schemas.microsoft.com/office/powerpoint/2012/main">
+      <p15:sldGuideLst xmlns:p15="http://schemas.microsoft.com/office/powerpoint/2012/main" xmlns="">
         <p15:guide id="1" orient="horz" pos="2160">
           <p15:clr>
             <a:srgbClr val="A4A3A4"/>
@@ -196,7 +197,7 @@
       </p15:sldGuideLst>
     </p:ext>
     <p:ext uri="{2D200454-40CA-4A62-9FC3-DE9A4176ACB9}">
-      <p15:notesGuideLst xmlns:p15="http://schemas.microsoft.com/office/powerpoint/2012/main">
+      <p15:notesGuideLst xmlns:p15="http://schemas.microsoft.com/office/powerpoint/2012/main" xmlns="">
         <p15:guide id="1" orient="horz" pos="2880">
           <p15:clr>
             <a:srgbClr val="A4A3A4"/>
@@ -226,7 +227,7 @@
     <p:text>UI Bild</p:text>
     <p:extLst>
       <p:ext uri="{C676402C-5697-4E1C-873F-D02D1690AC5C}">
-        <p15:threadingInfo xmlns:p15="http://schemas.microsoft.com/office/powerpoint/2012/main" timeZoneBias="-120"/>
+        <p15:threadingInfo xmlns:p15="http://schemas.microsoft.com/office/powerpoint/2012/main" xmlns="" timeZoneBias="-120"/>
       </p:ext>
     </p:extLst>
   </p:cm>
@@ -240,2838 +241,11 @@
     <p:text>UI BILD</p:text>
     <p:extLst>
       <p:ext uri="{C676402C-5697-4E1C-873F-D02D1690AC5C}">
-        <p15:threadingInfo xmlns:p15="http://schemas.microsoft.com/office/powerpoint/2012/main" timeZoneBias="-120"/>
+        <p15:threadingInfo xmlns:p15="http://schemas.microsoft.com/office/powerpoint/2012/main" xmlns="" timeZoneBias="-120"/>
       </p:ext>
     </p:extLst>
   </p:cm>
 </p:cmLst>
-</file>
-
-<file path=ppt/diagrams/colors1.xml><?xml version="1.0" encoding="utf-8"?>
-<dgm:colorsDef xmlns:dgm="http://schemas.openxmlformats.org/drawingml/2006/diagram" xmlns:a="http://schemas.openxmlformats.org/drawingml/2006/main" uniqueId="urn:microsoft.com/office/officeart/2005/8/colors/accent1_2">
-  <dgm:title val=""/>
-  <dgm:desc val=""/>
-  <dgm:catLst>
-    <dgm:cat type="accent1" pri="11200"/>
-  </dgm:catLst>
-  <dgm:styleLbl name="node0">
-    <dgm:fillClrLst meth="repeat">
-      <a:schemeClr val="accent1"/>
-    </dgm:fillClrLst>
-    <dgm:linClrLst meth="repeat">
-      <a:schemeClr val="lt1"/>
-    </dgm:linClrLst>
-    <dgm:effectClrLst/>
-    <dgm:txLinClrLst/>
-    <dgm:txFillClrLst/>
-    <dgm:txEffectClrLst/>
-  </dgm:styleLbl>
-  <dgm:styleLbl name="alignNode1">
-    <dgm:fillClrLst meth="repeat">
-      <a:schemeClr val="accent1"/>
-    </dgm:fillClrLst>
-    <dgm:linClrLst meth="repeat">
-      <a:schemeClr val="accent1"/>
-    </dgm:linClrLst>
-    <dgm:effectClrLst/>
-    <dgm:txLinClrLst/>
-    <dgm:txFillClrLst/>
-    <dgm:txEffectClrLst/>
-  </dgm:styleLbl>
-  <dgm:styleLbl name="node1">
-    <dgm:fillClrLst meth="repeat">
-      <a:schemeClr val="accent1"/>
-    </dgm:fillClrLst>
-    <dgm:linClrLst meth="repeat">
-      <a:schemeClr val="lt1"/>
-    </dgm:linClrLst>
-    <dgm:effectClrLst/>
-    <dgm:txLinClrLst/>
-    <dgm:txFillClrLst/>
-    <dgm:txEffectClrLst/>
-  </dgm:styleLbl>
-  <dgm:styleLbl name="lnNode1">
-    <dgm:fillClrLst meth="repeat">
-      <a:schemeClr val="accent1"/>
-    </dgm:fillClrLst>
-    <dgm:linClrLst meth="repeat">
-      <a:schemeClr val="lt1"/>
-    </dgm:linClrLst>
-    <dgm:effectClrLst/>
-    <dgm:txLinClrLst/>
-    <dgm:txFillClrLst/>
-    <dgm:txEffectClrLst/>
-  </dgm:styleLbl>
-  <dgm:styleLbl name="vennNode1">
-    <dgm:fillClrLst meth="repeat">
-      <a:schemeClr val="accent1">
-        <a:alpha val="50000"/>
-      </a:schemeClr>
-    </dgm:fillClrLst>
-    <dgm:linClrLst meth="repeat">
-      <a:schemeClr val="lt1"/>
-    </dgm:linClrLst>
-    <dgm:effectClrLst/>
-    <dgm:txLinClrLst/>
-    <dgm:txFillClrLst/>
-    <dgm:txEffectClrLst/>
-  </dgm:styleLbl>
-  <dgm:styleLbl name="node2">
-    <dgm:fillClrLst meth="repeat">
-      <a:schemeClr val="accent1"/>
-    </dgm:fillClrLst>
-    <dgm:linClrLst meth="repeat">
-      <a:schemeClr val="lt1"/>
-    </dgm:linClrLst>
-    <dgm:effectClrLst/>
-    <dgm:txLinClrLst/>
-    <dgm:txFillClrLst/>
-    <dgm:txEffectClrLst/>
-  </dgm:styleLbl>
-  <dgm:styleLbl name="node3">
-    <dgm:fillClrLst meth="repeat">
-      <a:schemeClr val="accent1"/>
-    </dgm:fillClrLst>
-    <dgm:linClrLst meth="repeat">
-      <a:schemeClr val="lt1"/>
-    </dgm:linClrLst>
-    <dgm:effectClrLst/>
-    <dgm:txLinClrLst/>
-    <dgm:txFillClrLst/>
-    <dgm:txEffectClrLst/>
-  </dgm:styleLbl>
-  <dgm:styleLbl name="node4">
-    <dgm:fillClrLst meth="repeat">
-      <a:schemeClr val="accent1"/>
-    </dgm:fillClrLst>
-    <dgm:linClrLst meth="repeat">
-      <a:schemeClr val="lt1"/>
-    </dgm:linClrLst>
-    <dgm:effectClrLst/>
-    <dgm:txLinClrLst/>
-    <dgm:txFillClrLst/>
-    <dgm:txEffectClrLst/>
-  </dgm:styleLbl>
-  <dgm:styleLbl name="fgImgPlace1">
-    <dgm:fillClrLst meth="repeat">
-      <a:schemeClr val="accent1">
-        <a:tint val="50000"/>
-      </a:schemeClr>
-    </dgm:fillClrLst>
-    <dgm:linClrLst meth="repeat">
-      <a:schemeClr val="lt1"/>
-    </dgm:linClrLst>
-    <dgm:effectClrLst/>
-    <dgm:txLinClrLst/>
-    <dgm:txFillClrLst meth="repeat">
-      <a:schemeClr val="lt1"/>
-    </dgm:txFillClrLst>
-    <dgm:txEffectClrLst/>
-  </dgm:styleLbl>
-  <dgm:styleLbl name="alignImgPlace1">
-    <dgm:fillClrLst meth="repeat">
-      <a:schemeClr val="accent1">
-        <a:tint val="50000"/>
-      </a:schemeClr>
-    </dgm:fillClrLst>
-    <dgm:linClrLst meth="repeat">
-      <a:schemeClr val="lt1"/>
-    </dgm:linClrLst>
-    <dgm:effectClrLst/>
-    <dgm:txLinClrLst/>
-    <dgm:txFillClrLst meth="repeat">
-      <a:schemeClr val="lt1"/>
-    </dgm:txFillClrLst>
-    <dgm:txEffectClrLst/>
-  </dgm:styleLbl>
-  <dgm:styleLbl name="bgImgPlace1">
-    <dgm:fillClrLst meth="repeat">
-      <a:schemeClr val="accent1">
-        <a:tint val="50000"/>
-      </a:schemeClr>
-    </dgm:fillClrLst>
-    <dgm:linClrLst meth="repeat">
-      <a:schemeClr val="lt1"/>
-    </dgm:linClrLst>
-    <dgm:effectClrLst/>
-    <dgm:txLinClrLst/>
-    <dgm:txFillClrLst meth="repeat">
-      <a:schemeClr val="lt1"/>
-    </dgm:txFillClrLst>
-    <dgm:txEffectClrLst/>
-  </dgm:styleLbl>
-  <dgm:styleLbl name="sibTrans2D1">
-    <dgm:fillClrLst meth="repeat">
-      <a:schemeClr val="accent1">
-        <a:tint val="60000"/>
-      </a:schemeClr>
-    </dgm:fillClrLst>
-    <dgm:linClrLst meth="repeat">
-      <a:schemeClr val="accent1">
-        <a:tint val="60000"/>
-      </a:schemeClr>
-    </dgm:linClrLst>
-    <dgm:effectClrLst/>
-    <dgm:txLinClrLst/>
-    <dgm:txFillClrLst/>
-    <dgm:txEffectClrLst/>
-  </dgm:styleLbl>
-  <dgm:styleLbl name="fgSibTrans2D1">
-    <dgm:fillClrLst meth="repeat">
-      <a:schemeClr val="accent1">
-        <a:tint val="60000"/>
-      </a:schemeClr>
-    </dgm:fillClrLst>
-    <dgm:linClrLst meth="repeat">
-      <a:schemeClr val="accent1">
-        <a:tint val="60000"/>
-      </a:schemeClr>
-    </dgm:linClrLst>
-    <dgm:effectClrLst/>
-    <dgm:txLinClrLst/>
-    <dgm:txFillClrLst/>
-    <dgm:txEffectClrLst/>
-  </dgm:styleLbl>
-  <dgm:styleLbl name="bgSibTrans2D1">
-    <dgm:fillClrLst meth="repeat">
-      <a:schemeClr val="accent1">
-        <a:tint val="60000"/>
-      </a:schemeClr>
-    </dgm:fillClrLst>
-    <dgm:linClrLst meth="repeat">
-      <a:schemeClr val="accent1">
-        <a:tint val="60000"/>
-      </a:schemeClr>
-    </dgm:linClrLst>
-    <dgm:effectClrLst/>
-    <dgm:txLinClrLst/>
-    <dgm:txFillClrLst/>
-    <dgm:txEffectClrLst/>
-  </dgm:styleLbl>
-  <dgm:styleLbl name="sibTrans1D1">
-    <dgm:fillClrLst meth="repeat">
-      <a:schemeClr val="accent1"/>
-    </dgm:fillClrLst>
-    <dgm:linClrLst meth="repeat">
-      <a:schemeClr val="accent1"/>
-    </dgm:linClrLst>
-    <dgm:effectClrLst/>
-    <dgm:txLinClrLst/>
-    <dgm:txFillClrLst meth="repeat">
-      <a:schemeClr val="tx1"/>
-    </dgm:txFillClrLst>
-    <dgm:txEffectClrLst/>
-  </dgm:styleLbl>
-  <dgm:styleLbl name="callout">
-    <dgm:fillClrLst meth="repeat">
-      <a:schemeClr val="accent1"/>
-    </dgm:fillClrLst>
-    <dgm:linClrLst meth="repeat">
-      <a:schemeClr val="accent1">
-        <a:tint val="50000"/>
-      </a:schemeClr>
-    </dgm:linClrLst>
-    <dgm:effectClrLst/>
-    <dgm:txLinClrLst/>
-    <dgm:txFillClrLst meth="repeat">
-      <a:schemeClr val="tx1"/>
-    </dgm:txFillClrLst>
-    <dgm:txEffectClrLst/>
-  </dgm:styleLbl>
-  <dgm:styleLbl name="asst0">
-    <dgm:fillClrLst meth="repeat">
-      <a:schemeClr val="accent1"/>
-    </dgm:fillClrLst>
-    <dgm:linClrLst meth="repeat">
-      <a:schemeClr val="lt1"/>
-    </dgm:linClrLst>
-    <dgm:effectClrLst/>
-    <dgm:txLinClrLst/>
-    <dgm:txFillClrLst/>
-    <dgm:txEffectClrLst/>
-  </dgm:styleLbl>
-  <dgm:styleLbl name="asst1">
-    <dgm:fillClrLst meth="repeat">
-      <a:schemeClr val="accent1"/>
-    </dgm:fillClrLst>
-    <dgm:linClrLst meth="repeat">
-      <a:schemeClr val="lt1"/>
-    </dgm:linClrLst>
-    <dgm:effectClrLst/>
-    <dgm:txLinClrLst/>
-    <dgm:txFillClrLst/>
-    <dgm:txEffectClrLst/>
-  </dgm:styleLbl>
-  <dgm:styleLbl name="asst2">
-    <dgm:fillClrLst meth="repeat">
-      <a:schemeClr val="accent1"/>
-    </dgm:fillClrLst>
-    <dgm:linClrLst meth="repeat">
-      <a:schemeClr val="lt1"/>
-    </dgm:linClrLst>
-    <dgm:effectClrLst/>
-    <dgm:txLinClrLst/>
-    <dgm:txFillClrLst/>
-    <dgm:txEffectClrLst/>
-  </dgm:styleLbl>
-  <dgm:styleLbl name="asst3">
-    <dgm:fillClrLst meth="repeat">
-      <a:schemeClr val="accent1"/>
-    </dgm:fillClrLst>
-    <dgm:linClrLst meth="repeat">
-      <a:schemeClr val="lt1"/>
-    </dgm:linClrLst>
-    <dgm:effectClrLst/>
-    <dgm:txLinClrLst/>
-    <dgm:txFillClrLst/>
-    <dgm:txEffectClrLst/>
-  </dgm:styleLbl>
-  <dgm:styleLbl name="asst4">
-    <dgm:fillClrLst meth="repeat">
-      <a:schemeClr val="accent1"/>
-    </dgm:fillClrLst>
-    <dgm:linClrLst meth="repeat">
-      <a:schemeClr val="lt1"/>
-    </dgm:linClrLst>
-    <dgm:effectClrLst/>
-    <dgm:txLinClrLst/>
-    <dgm:txFillClrLst/>
-    <dgm:txEffectClrLst/>
-  </dgm:styleLbl>
-  <dgm:styleLbl name="parChTrans2D1">
-    <dgm:fillClrLst meth="repeat">
-      <a:schemeClr val="accent1">
-        <a:tint val="60000"/>
-      </a:schemeClr>
-    </dgm:fillClrLst>
-    <dgm:linClrLst meth="repeat">
-      <a:schemeClr val="accent1">
-        <a:tint val="60000"/>
-      </a:schemeClr>
-    </dgm:linClrLst>
-    <dgm:effectClrLst/>
-    <dgm:txLinClrLst/>
-    <dgm:txFillClrLst meth="repeat">
-      <a:schemeClr val="lt1"/>
-    </dgm:txFillClrLst>
-    <dgm:txEffectClrLst/>
-  </dgm:styleLbl>
-  <dgm:styleLbl name="parChTrans2D2">
-    <dgm:fillClrLst meth="repeat">
-      <a:schemeClr val="accent1"/>
-    </dgm:fillClrLst>
-    <dgm:linClrLst meth="repeat">
-      <a:schemeClr val="accent1"/>
-    </dgm:linClrLst>
-    <dgm:effectClrLst/>
-    <dgm:txLinClrLst/>
-    <dgm:txFillClrLst meth="repeat">
-      <a:schemeClr val="lt1"/>
-    </dgm:txFillClrLst>
-    <dgm:txEffectClrLst/>
-  </dgm:styleLbl>
-  <dgm:styleLbl name="parChTrans2D3">
-    <dgm:fillClrLst meth="repeat">
-      <a:schemeClr val="accent1"/>
-    </dgm:fillClrLst>
-    <dgm:linClrLst meth="repeat">
-      <a:schemeClr val="accent1"/>
-    </dgm:linClrLst>
-    <dgm:effectClrLst/>
-    <dgm:txLinClrLst/>
-    <dgm:txFillClrLst meth="repeat">
-      <a:schemeClr val="lt1"/>
-    </dgm:txFillClrLst>
-    <dgm:txEffectClrLst/>
-  </dgm:styleLbl>
-  <dgm:styleLbl name="parChTrans2D4">
-    <dgm:fillClrLst meth="repeat">
-      <a:schemeClr val="accent1"/>
-    </dgm:fillClrLst>
-    <dgm:linClrLst meth="repeat">
-      <a:schemeClr val="accent1"/>
-    </dgm:linClrLst>
-    <dgm:effectClrLst/>
-    <dgm:txLinClrLst/>
-    <dgm:txFillClrLst meth="repeat">
-      <a:schemeClr val="lt1"/>
-    </dgm:txFillClrLst>
-    <dgm:txEffectClrLst/>
-  </dgm:styleLbl>
-  <dgm:styleLbl name="parChTrans1D1">
-    <dgm:fillClrLst meth="repeat">
-      <a:schemeClr val="accent1"/>
-    </dgm:fillClrLst>
-    <dgm:linClrLst meth="repeat">
-      <a:schemeClr val="accent1">
-        <a:shade val="60000"/>
-      </a:schemeClr>
-    </dgm:linClrLst>
-    <dgm:effectClrLst/>
-    <dgm:txLinClrLst/>
-    <dgm:txFillClrLst meth="repeat">
-      <a:schemeClr val="tx1"/>
-    </dgm:txFillClrLst>
-    <dgm:txEffectClrLst/>
-  </dgm:styleLbl>
-  <dgm:styleLbl name="parChTrans1D2">
-    <dgm:fillClrLst meth="repeat">
-      <a:schemeClr val="accent1"/>
-    </dgm:fillClrLst>
-    <dgm:linClrLst meth="repeat">
-      <a:schemeClr val="accent1">
-        <a:shade val="60000"/>
-      </a:schemeClr>
-    </dgm:linClrLst>
-    <dgm:effectClrLst/>
-    <dgm:txLinClrLst/>
-    <dgm:txFillClrLst meth="repeat">
-      <a:schemeClr val="tx1"/>
-    </dgm:txFillClrLst>
-    <dgm:txEffectClrLst/>
-  </dgm:styleLbl>
-  <dgm:styleLbl name="parChTrans1D3">
-    <dgm:fillClrLst meth="repeat">
-      <a:schemeClr val="accent1"/>
-    </dgm:fillClrLst>
-    <dgm:linClrLst meth="repeat">
-      <a:schemeClr val="accent1">
-        <a:shade val="80000"/>
-      </a:schemeClr>
-    </dgm:linClrLst>
-    <dgm:effectClrLst/>
-    <dgm:txLinClrLst/>
-    <dgm:txFillClrLst meth="repeat">
-      <a:schemeClr val="tx1"/>
-    </dgm:txFillClrLst>
-    <dgm:txEffectClrLst/>
-  </dgm:styleLbl>
-  <dgm:styleLbl name="parChTrans1D4">
-    <dgm:fillClrLst meth="repeat">
-      <a:schemeClr val="accent1"/>
-    </dgm:fillClrLst>
-    <dgm:linClrLst meth="repeat">
-      <a:schemeClr val="accent1">
-        <a:shade val="80000"/>
-      </a:schemeClr>
-    </dgm:linClrLst>
-    <dgm:effectClrLst/>
-    <dgm:txLinClrLst/>
-    <dgm:txFillClrLst meth="repeat">
-      <a:schemeClr val="tx1"/>
-    </dgm:txFillClrLst>
-    <dgm:txEffectClrLst/>
-  </dgm:styleLbl>
-  <dgm:styleLbl name="fgAcc1">
-    <dgm:fillClrLst meth="repeat">
-      <a:schemeClr val="lt1">
-        <a:alpha val="90000"/>
-      </a:schemeClr>
-    </dgm:fillClrLst>
-    <dgm:linClrLst meth="repeat">
-      <a:schemeClr val="accent1"/>
-    </dgm:linClrLst>
-    <dgm:effectClrLst/>
-    <dgm:txLinClrLst/>
-    <dgm:txFillClrLst meth="repeat">
-      <a:schemeClr val="dk1"/>
-    </dgm:txFillClrLst>
-    <dgm:txEffectClrLst/>
-  </dgm:styleLbl>
-  <dgm:styleLbl name="conFgAcc1">
-    <dgm:fillClrLst meth="repeat">
-      <a:schemeClr val="lt1">
-        <a:alpha val="90000"/>
-      </a:schemeClr>
-    </dgm:fillClrLst>
-    <dgm:linClrLst meth="repeat">
-      <a:schemeClr val="accent1"/>
-    </dgm:linClrLst>
-    <dgm:effectClrLst/>
-    <dgm:txLinClrLst/>
-    <dgm:txFillClrLst meth="repeat">
-      <a:schemeClr val="dk1"/>
-    </dgm:txFillClrLst>
-    <dgm:txEffectClrLst/>
-  </dgm:styleLbl>
-  <dgm:styleLbl name="alignAcc1">
-    <dgm:fillClrLst meth="repeat">
-      <a:schemeClr val="lt1">
-        <a:alpha val="90000"/>
-      </a:schemeClr>
-    </dgm:fillClrLst>
-    <dgm:linClrLst meth="repeat">
-      <a:schemeClr val="accent1"/>
-    </dgm:linClrLst>
-    <dgm:effectClrLst/>
-    <dgm:txLinClrLst/>
-    <dgm:txFillClrLst meth="repeat">
-      <a:schemeClr val="dk1"/>
-    </dgm:txFillClrLst>
-    <dgm:txEffectClrLst/>
-  </dgm:styleLbl>
-  <dgm:styleLbl name="trAlignAcc1">
-    <dgm:fillClrLst meth="repeat">
-      <a:schemeClr val="lt1">
-        <a:alpha val="40000"/>
-      </a:schemeClr>
-    </dgm:fillClrLst>
-    <dgm:linClrLst meth="repeat">
-      <a:schemeClr val="accent1"/>
-    </dgm:linClrLst>
-    <dgm:effectClrLst/>
-    <dgm:txLinClrLst/>
-    <dgm:txFillClrLst meth="repeat">
-      <a:schemeClr val="dk1"/>
-    </dgm:txFillClrLst>
-    <dgm:txEffectClrLst/>
-  </dgm:styleLbl>
-  <dgm:styleLbl name="bgAcc1">
-    <dgm:fillClrLst meth="repeat">
-      <a:schemeClr val="lt1">
-        <a:alpha val="90000"/>
-      </a:schemeClr>
-    </dgm:fillClrLst>
-    <dgm:linClrLst meth="repeat">
-      <a:schemeClr val="accent1"/>
-    </dgm:linClrLst>
-    <dgm:effectClrLst/>
-    <dgm:txLinClrLst/>
-    <dgm:txFillClrLst meth="repeat">
-      <a:schemeClr val="dk1"/>
-    </dgm:txFillClrLst>
-    <dgm:txEffectClrLst/>
-  </dgm:styleLbl>
-  <dgm:styleLbl name="solidFgAcc1">
-    <dgm:fillClrLst meth="repeat">
-      <a:schemeClr val="lt1"/>
-    </dgm:fillClrLst>
-    <dgm:linClrLst meth="repeat">
-      <a:schemeClr val="accent1"/>
-    </dgm:linClrLst>
-    <dgm:effectClrLst/>
-    <dgm:txLinClrLst/>
-    <dgm:txFillClrLst meth="repeat">
-      <a:schemeClr val="dk1"/>
-    </dgm:txFillClrLst>
-    <dgm:txEffectClrLst/>
-  </dgm:styleLbl>
-  <dgm:styleLbl name="solidAlignAcc1">
-    <dgm:fillClrLst meth="repeat">
-      <a:schemeClr val="lt1"/>
-    </dgm:fillClrLst>
-    <dgm:linClrLst meth="repeat">
-      <a:schemeClr val="accent1"/>
-    </dgm:linClrLst>
-    <dgm:effectClrLst/>
-    <dgm:txLinClrLst/>
-    <dgm:txFillClrLst meth="repeat">
-      <a:schemeClr val="dk1"/>
-    </dgm:txFillClrLst>
-    <dgm:txEffectClrLst/>
-  </dgm:styleLbl>
-  <dgm:styleLbl name="solidBgAcc1">
-    <dgm:fillClrLst meth="repeat">
-      <a:schemeClr val="lt1"/>
-    </dgm:fillClrLst>
-    <dgm:linClrLst meth="repeat">
-      <a:schemeClr val="accent1"/>
-    </dgm:linClrLst>
-    <dgm:effectClrLst/>
-    <dgm:txLinClrLst/>
-    <dgm:txFillClrLst meth="repeat">
-      <a:schemeClr val="dk1"/>
-    </dgm:txFillClrLst>
-    <dgm:txEffectClrLst/>
-  </dgm:styleLbl>
-  <dgm:styleLbl name="fgAccFollowNode1">
-    <dgm:fillClrLst meth="repeat">
-      <a:schemeClr val="accent1">
-        <a:alpha val="90000"/>
-        <a:tint val="40000"/>
-      </a:schemeClr>
-    </dgm:fillClrLst>
-    <dgm:linClrLst meth="repeat">
-      <a:schemeClr val="accent1">
-        <a:alpha val="90000"/>
-        <a:tint val="40000"/>
-      </a:schemeClr>
-    </dgm:linClrLst>
-    <dgm:effectClrLst/>
-    <dgm:txLinClrLst/>
-    <dgm:txFillClrLst meth="repeat">
-      <a:schemeClr val="dk1"/>
-    </dgm:txFillClrLst>
-    <dgm:txEffectClrLst/>
-  </dgm:styleLbl>
-  <dgm:styleLbl name="alignAccFollowNode1">
-    <dgm:fillClrLst meth="repeat">
-      <a:schemeClr val="accent1">
-        <a:alpha val="90000"/>
-        <a:tint val="40000"/>
-      </a:schemeClr>
-    </dgm:fillClrLst>
-    <dgm:linClrLst meth="repeat">
-      <a:schemeClr val="accent1">
-        <a:alpha val="90000"/>
-        <a:tint val="40000"/>
-      </a:schemeClr>
-    </dgm:linClrLst>
-    <dgm:effectClrLst/>
-    <dgm:txLinClrLst/>
-    <dgm:txFillClrLst meth="repeat">
-      <a:schemeClr val="dk1"/>
-    </dgm:txFillClrLst>
-    <dgm:txEffectClrLst/>
-  </dgm:styleLbl>
-  <dgm:styleLbl name="bgAccFollowNode1">
-    <dgm:fillClrLst meth="repeat">
-      <a:schemeClr val="accent1">
-        <a:alpha val="90000"/>
-        <a:tint val="40000"/>
-      </a:schemeClr>
-    </dgm:fillClrLst>
-    <dgm:linClrLst meth="repeat">
-      <a:schemeClr val="accent1">
-        <a:alpha val="90000"/>
-        <a:tint val="40000"/>
-      </a:schemeClr>
-    </dgm:linClrLst>
-    <dgm:effectClrLst/>
-    <dgm:txLinClrLst/>
-    <dgm:txFillClrLst meth="repeat">
-      <a:schemeClr val="dk1"/>
-    </dgm:txFillClrLst>
-    <dgm:txEffectClrLst/>
-  </dgm:styleLbl>
-  <dgm:styleLbl name="fgAcc0">
-    <dgm:fillClrLst meth="repeat">
-      <a:schemeClr val="lt1">
-        <a:alpha val="90000"/>
-      </a:schemeClr>
-    </dgm:fillClrLst>
-    <dgm:linClrLst meth="repeat">
-      <a:schemeClr val="accent1"/>
-    </dgm:linClrLst>
-    <dgm:effectClrLst/>
-    <dgm:txLinClrLst/>
-    <dgm:txFillClrLst meth="repeat">
-      <a:schemeClr val="dk1"/>
-    </dgm:txFillClrLst>
-    <dgm:txEffectClrLst/>
-  </dgm:styleLbl>
-  <dgm:styleLbl name="fgAcc2">
-    <dgm:fillClrLst meth="repeat">
-      <a:schemeClr val="lt1">
-        <a:alpha val="90000"/>
-      </a:schemeClr>
-    </dgm:fillClrLst>
-    <dgm:linClrLst meth="repeat">
-      <a:schemeClr val="accent1"/>
-    </dgm:linClrLst>
-    <dgm:effectClrLst/>
-    <dgm:txLinClrLst/>
-    <dgm:txFillClrLst meth="repeat">
-      <a:schemeClr val="dk1"/>
-    </dgm:txFillClrLst>
-    <dgm:txEffectClrLst/>
-  </dgm:styleLbl>
-  <dgm:styleLbl name="fgAcc3">
-    <dgm:fillClrLst meth="repeat">
-      <a:schemeClr val="lt1">
-        <a:alpha val="90000"/>
-      </a:schemeClr>
-    </dgm:fillClrLst>
-    <dgm:linClrLst meth="repeat">
-      <a:schemeClr val="accent1"/>
-    </dgm:linClrLst>
-    <dgm:effectClrLst/>
-    <dgm:txLinClrLst/>
-    <dgm:txFillClrLst meth="repeat">
-      <a:schemeClr val="dk1"/>
-    </dgm:txFillClrLst>
-    <dgm:txEffectClrLst/>
-  </dgm:styleLbl>
-  <dgm:styleLbl name="fgAcc4">
-    <dgm:fillClrLst meth="repeat">
-      <a:schemeClr val="lt1">
-        <a:alpha val="90000"/>
-      </a:schemeClr>
-    </dgm:fillClrLst>
-    <dgm:linClrLst meth="repeat">
-      <a:schemeClr val="accent1"/>
-    </dgm:linClrLst>
-    <dgm:effectClrLst/>
-    <dgm:txLinClrLst/>
-    <dgm:txFillClrLst meth="repeat">
-      <a:schemeClr val="dk1"/>
-    </dgm:txFillClrLst>
-    <dgm:txEffectClrLst/>
-  </dgm:styleLbl>
-  <dgm:styleLbl name="bgShp">
-    <dgm:fillClrLst meth="repeat">
-      <a:schemeClr val="accent1">
-        <a:tint val="40000"/>
-      </a:schemeClr>
-    </dgm:fillClrLst>
-    <dgm:linClrLst meth="repeat">
-      <a:schemeClr val="accent1"/>
-    </dgm:linClrLst>
-    <dgm:effectClrLst/>
-    <dgm:txLinClrLst/>
-    <dgm:txFillClrLst meth="repeat">
-      <a:schemeClr val="dk1"/>
-    </dgm:txFillClrLst>
-    <dgm:txEffectClrLst/>
-  </dgm:styleLbl>
-  <dgm:styleLbl name="dkBgShp">
-    <dgm:fillClrLst meth="repeat">
-      <a:schemeClr val="accent1">
-        <a:shade val="80000"/>
-      </a:schemeClr>
-    </dgm:fillClrLst>
-    <dgm:linClrLst meth="repeat">
-      <a:schemeClr val="accent1"/>
-    </dgm:linClrLst>
-    <dgm:effectClrLst/>
-    <dgm:txLinClrLst/>
-    <dgm:txFillClrLst meth="repeat">
-      <a:schemeClr val="lt1"/>
-    </dgm:txFillClrLst>
-    <dgm:txEffectClrLst/>
-  </dgm:styleLbl>
-  <dgm:styleLbl name="trBgShp">
-    <dgm:fillClrLst meth="repeat">
-      <a:schemeClr val="accent1">
-        <a:tint val="50000"/>
-        <a:alpha val="40000"/>
-      </a:schemeClr>
-    </dgm:fillClrLst>
-    <dgm:linClrLst meth="repeat">
-      <a:schemeClr val="accent1"/>
-    </dgm:linClrLst>
-    <dgm:effectClrLst/>
-    <dgm:txLinClrLst/>
-    <dgm:txFillClrLst meth="repeat">
-      <a:schemeClr val="lt1"/>
-    </dgm:txFillClrLst>
-    <dgm:txEffectClrLst/>
-  </dgm:styleLbl>
-  <dgm:styleLbl name="fgShp">
-    <dgm:fillClrLst meth="repeat">
-      <a:schemeClr val="accent1">
-        <a:tint val="60000"/>
-      </a:schemeClr>
-    </dgm:fillClrLst>
-    <dgm:linClrLst meth="repeat">
-      <a:schemeClr val="lt1"/>
-    </dgm:linClrLst>
-    <dgm:effectClrLst/>
-    <dgm:txLinClrLst/>
-    <dgm:txFillClrLst meth="repeat">
-      <a:schemeClr val="dk1"/>
-    </dgm:txFillClrLst>
-    <dgm:txEffectClrLst/>
-  </dgm:styleLbl>
-  <dgm:styleLbl name="revTx">
-    <dgm:fillClrLst meth="repeat">
-      <a:schemeClr val="lt1">
-        <a:alpha val="0"/>
-      </a:schemeClr>
-    </dgm:fillClrLst>
-    <dgm:linClrLst meth="repeat">
-      <a:schemeClr val="dk1">
-        <a:alpha val="0"/>
-      </a:schemeClr>
-    </dgm:linClrLst>
-    <dgm:effectClrLst/>
-    <dgm:txLinClrLst/>
-    <dgm:txFillClrLst meth="repeat">
-      <a:schemeClr val="tx1"/>
-    </dgm:txFillClrLst>
-    <dgm:txEffectClrLst/>
-  </dgm:styleLbl>
-</dgm:colorsDef>
-</file>
-
-<file path=ppt/diagrams/data1.xml><?xml version="1.0" encoding="utf-8"?>
-<dgm:dataModel xmlns:dgm="http://schemas.openxmlformats.org/drawingml/2006/diagram" xmlns:a="http://schemas.openxmlformats.org/drawingml/2006/main">
-  <dgm:ptLst>
-    <dgm:pt modelId="{9879D029-26A6-478C-B171-97EE3A9F156A}" type="doc">
-      <dgm:prSet loTypeId="urn:microsoft.com/office/officeart/2005/8/layout/pList1#6" loCatId="list" qsTypeId="urn:microsoft.com/office/officeart/2005/8/quickstyle/simple1" qsCatId="simple" csTypeId="urn:microsoft.com/office/officeart/2005/8/colors/accent1_2" csCatId="accent1" phldr="1"/>
-      <dgm:spPr/>
-      <dgm:t>
-        <a:bodyPr/>
-        <a:lstStyle/>
-        <a:p>
-          <a:endParaRPr lang="en-US"/>
-        </a:p>
-      </dgm:t>
-    </dgm:pt>
-    <dgm:pt modelId="{18666B4B-280A-42A5-8866-B9CAB13429B9}">
-      <dgm:prSet phldrT="[Text]"/>
-      <dgm:spPr/>
-      <dgm:t>
-        <a:bodyPr/>
-        <a:lstStyle/>
-        <a:p>
-          <a:r>
-            <a:rPr lang="de-CH" dirty="0" smtClean="0">
-              <a:solidFill>
-                <a:schemeClr val="bg1"/>
-              </a:solidFill>
-            </a:rPr>
-            <a:t>Wizard</a:t>
-          </a:r>
-          <a:endParaRPr lang="en-US" dirty="0">
-            <a:solidFill>
-              <a:schemeClr val="bg1"/>
-            </a:solidFill>
-          </a:endParaRPr>
-        </a:p>
-      </dgm:t>
-    </dgm:pt>
-    <dgm:pt modelId="{E6FCDD04-2091-4536-B006-6AA110A4548D}" type="parTrans" cxnId="{B2D0B0FD-AA9D-4C2A-BAF2-FDB51BA73186}">
-      <dgm:prSet/>
-      <dgm:spPr/>
-      <dgm:t>
-        <a:bodyPr/>
-        <a:lstStyle/>
-        <a:p>
-          <a:endParaRPr lang="en-US">
-            <a:solidFill>
-              <a:schemeClr val="bg1"/>
-            </a:solidFill>
-          </a:endParaRPr>
-        </a:p>
-      </dgm:t>
-    </dgm:pt>
-    <dgm:pt modelId="{CFCE1A4D-B8F4-4DFF-AF9D-4FC992C4B268}" type="sibTrans" cxnId="{B2D0B0FD-AA9D-4C2A-BAF2-FDB51BA73186}">
-      <dgm:prSet/>
-      <dgm:spPr/>
-      <dgm:t>
-        <a:bodyPr/>
-        <a:lstStyle/>
-        <a:p>
-          <a:endParaRPr lang="en-US">
-            <a:solidFill>
-              <a:schemeClr val="bg1"/>
-            </a:solidFill>
-          </a:endParaRPr>
-        </a:p>
-      </dgm:t>
-    </dgm:pt>
-    <dgm:pt modelId="{0B904F64-2F0D-4C99-B591-25BD82FC5122}">
-      <dgm:prSet phldrT="[Text]"/>
-      <dgm:spPr/>
-      <dgm:t>
-        <a:bodyPr/>
-        <a:lstStyle/>
-        <a:p>
-          <a:r>
-            <a:rPr lang="de-CH" dirty="0" err="1" smtClean="0">
-              <a:solidFill>
-                <a:schemeClr val="bg1"/>
-              </a:solidFill>
-            </a:rPr>
-            <a:t>CardView</a:t>
-          </a:r>
-          <a:endParaRPr lang="en-US" dirty="0">
-            <a:solidFill>
-              <a:schemeClr val="bg1"/>
-            </a:solidFill>
-          </a:endParaRPr>
-        </a:p>
-      </dgm:t>
-    </dgm:pt>
-    <dgm:pt modelId="{3E57E3C3-053D-46CB-9D0F-94BB3DACC1C4}" type="parTrans" cxnId="{0891B44F-B2B0-4F2C-BDD2-A189B157D71C}">
-      <dgm:prSet/>
-      <dgm:spPr/>
-      <dgm:t>
-        <a:bodyPr/>
-        <a:lstStyle/>
-        <a:p>
-          <a:endParaRPr lang="en-US">
-            <a:solidFill>
-              <a:schemeClr val="bg1"/>
-            </a:solidFill>
-          </a:endParaRPr>
-        </a:p>
-      </dgm:t>
-    </dgm:pt>
-    <dgm:pt modelId="{567F1739-7381-4F8E-B2EB-29A2F271D61B}" type="sibTrans" cxnId="{0891B44F-B2B0-4F2C-BDD2-A189B157D71C}">
-      <dgm:prSet/>
-      <dgm:spPr/>
-      <dgm:t>
-        <a:bodyPr/>
-        <a:lstStyle/>
-        <a:p>
-          <a:endParaRPr lang="en-US">
-            <a:solidFill>
-              <a:schemeClr val="bg1"/>
-            </a:solidFill>
-          </a:endParaRPr>
-        </a:p>
-      </dgm:t>
-    </dgm:pt>
-    <dgm:pt modelId="{6A79A6D5-AC31-43DD-8D51-3886C9205C81}">
-      <dgm:prSet phldrT="[Text]"/>
-      <dgm:spPr/>
-      <dgm:t>
-        <a:bodyPr/>
-        <a:lstStyle/>
-        <a:p>
-          <a:r>
-            <a:rPr lang="de-CH" dirty="0" smtClean="0">
-              <a:solidFill>
-                <a:schemeClr val="bg1"/>
-              </a:solidFill>
-            </a:rPr>
-            <a:t>Datenbank</a:t>
-          </a:r>
-          <a:endParaRPr lang="en-US" dirty="0">
-            <a:solidFill>
-              <a:schemeClr val="bg1"/>
-            </a:solidFill>
-          </a:endParaRPr>
-        </a:p>
-      </dgm:t>
-    </dgm:pt>
-    <dgm:pt modelId="{D145E3E8-54DF-4CCD-99BA-B1A9C4B96464}" type="parTrans" cxnId="{BD3BE2D4-B949-40B1-84E1-AE828AE335DB}">
-      <dgm:prSet/>
-      <dgm:spPr/>
-      <dgm:t>
-        <a:bodyPr/>
-        <a:lstStyle/>
-        <a:p>
-          <a:endParaRPr lang="en-US">
-            <a:solidFill>
-              <a:schemeClr val="bg1"/>
-            </a:solidFill>
-          </a:endParaRPr>
-        </a:p>
-      </dgm:t>
-    </dgm:pt>
-    <dgm:pt modelId="{43F65780-48B0-4FCE-8AF6-EBBFAC3C7357}" type="sibTrans" cxnId="{BD3BE2D4-B949-40B1-84E1-AE828AE335DB}">
-      <dgm:prSet/>
-      <dgm:spPr/>
-      <dgm:t>
-        <a:bodyPr/>
-        <a:lstStyle/>
-        <a:p>
-          <a:endParaRPr lang="en-US">
-            <a:solidFill>
-              <a:schemeClr val="bg1"/>
-            </a:solidFill>
-          </a:endParaRPr>
-        </a:p>
-      </dgm:t>
-    </dgm:pt>
-    <dgm:pt modelId="{3C3BB810-9202-4784-9E6F-0EB93693CCAD}">
-      <dgm:prSet phldrT="[Text]"/>
-      <dgm:spPr/>
-      <dgm:t>
-        <a:bodyPr/>
-        <a:lstStyle/>
-        <a:p>
-          <a:r>
-            <a:rPr lang="de-CH" dirty="0" smtClean="0">
-              <a:solidFill>
-                <a:schemeClr val="bg1"/>
-              </a:solidFill>
-            </a:rPr>
-            <a:t>Restschnittstellen</a:t>
-          </a:r>
-          <a:endParaRPr lang="en-US" dirty="0">
-            <a:solidFill>
-              <a:schemeClr val="bg1"/>
-            </a:solidFill>
-          </a:endParaRPr>
-        </a:p>
-      </dgm:t>
-    </dgm:pt>
-    <dgm:pt modelId="{351BE4EE-BEF1-4818-96C8-80740F1B700A}" type="parTrans" cxnId="{5D830E30-5AF0-4FB8-8840-15E4667BA48F}">
-      <dgm:prSet/>
-      <dgm:spPr/>
-      <dgm:t>
-        <a:bodyPr/>
-        <a:lstStyle/>
-        <a:p>
-          <a:endParaRPr lang="en-US">
-            <a:solidFill>
-              <a:schemeClr val="bg1"/>
-            </a:solidFill>
-          </a:endParaRPr>
-        </a:p>
-      </dgm:t>
-    </dgm:pt>
-    <dgm:pt modelId="{6402D75B-D79D-491C-B858-7F8705C69069}" type="sibTrans" cxnId="{5D830E30-5AF0-4FB8-8840-15E4667BA48F}">
-      <dgm:prSet/>
-      <dgm:spPr/>
-      <dgm:t>
-        <a:bodyPr/>
-        <a:lstStyle/>
-        <a:p>
-          <a:endParaRPr lang="en-US">
-            <a:solidFill>
-              <a:schemeClr val="bg1"/>
-            </a:solidFill>
-          </a:endParaRPr>
-        </a:p>
-      </dgm:t>
-    </dgm:pt>
-    <dgm:pt modelId="{7CEA8BF6-C807-415A-9042-FB1704AD24F4}" type="pres">
-      <dgm:prSet presAssocID="{9879D029-26A6-478C-B171-97EE3A9F156A}" presName="Name0" presStyleCnt="0">
-        <dgm:presLayoutVars>
-          <dgm:dir/>
-          <dgm:resizeHandles val="exact"/>
-        </dgm:presLayoutVars>
-      </dgm:prSet>
-      <dgm:spPr/>
-      <dgm:t>
-        <a:bodyPr/>
-        <a:lstStyle/>
-        <a:p>
-          <a:endParaRPr lang="en-US"/>
-        </a:p>
-      </dgm:t>
-    </dgm:pt>
-    <dgm:pt modelId="{485BD1DD-7041-4BCE-AAF8-C84CCDEEBE7A}" type="pres">
-      <dgm:prSet presAssocID="{18666B4B-280A-42A5-8866-B9CAB13429B9}" presName="compNode" presStyleCnt="0"/>
-      <dgm:spPr/>
-    </dgm:pt>
-    <dgm:pt modelId="{0FB6FA96-47B0-4402-A885-978E117C2597}" type="pres">
-      <dgm:prSet presAssocID="{18666B4B-280A-42A5-8866-B9CAB13429B9}" presName="pictRect" presStyleLbl="node1" presStyleIdx="0" presStyleCnt="4"/>
-      <dgm:spPr/>
-    </dgm:pt>
-    <dgm:pt modelId="{416A3E39-CB94-44AE-B1B8-E268CC7EDF5A}" type="pres">
-      <dgm:prSet presAssocID="{18666B4B-280A-42A5-8866-B9CAB13429B9}" presName="textRect" presStyleLbl="revTx" presStyleIdx="0" presStyleCnt="4">
-        <dgm:presLayoutVars>
-          <dgm:bulletEnabled val="1"/>
-        </dgm:presLayoutVars>
-      </dgm:prSet>
-      <dgm:spPr/>
-      <dgm:t>
-        <a:bodyPr/>
-        <a:lstStyle/>
-        <a:p>
-          <a:endParaRPr lang="en-US"/>
-        </a:p>
-      </dgm:t>
-    </dgm:pt>
-    <dgm:pt modelId="{868D0333-4692-4AB5-8CAE-8330DB6D5823}" type="pres">
-      <dgm:prSet presAssocID="{CFCE1A4D-B8F4-4DFF-AF9D-4FC992C4B268}" presName="sibTrans" presStyleLbl="sibTrans2D1" presStyleIdx="0" presStyleCnt="0"/>
-      <dgm:spPr/>
-      <dgm:t>
-        <a:bodyPr/>
-        <a:lstStyle/>
-        <a:p>
-          <a:endParaRPr lang="en-US"/>
-        </a:p>
-      </dgm:t>
-    </dgm:pt>
-    <dgm:pt modelId="{16678724-4CC8-4DBB-B726-D8A418EE98DE}" type="pres">
-      <dgm:prSet presAssocID="{0B904F64-2F0D-4C99-B591-25BD82FC5122}" presName="compNode" presStyleCnt="0"/>
-      <dgm:spPr/>
-    </dgm:pt>
-    <dgm:pt modelId="{52E3FBAA-CF9B-4809-981C-A4EA9E0A2D87}" type="pres">
-      <dgm:prSet presAssocID="{0B904F64-2F0D-4C99-B591-25BD82FC5122}" presName="pictRect" presStyleLbl="node1" presStyleIdx="1" presStyleCnt="4"/>
-      <dgm:spPr/>
-    </dgm:pt>
-    <dgm:pt modelId="{D335C2A7-E85A-48DA-BEA4-2CA79374D1E1}" type="pres">
-      <dgm:prSet presAssocID="{0B904F64-2F0D-4C99-B591-25BD82FC5122}" presName="textRect" presStyleLbl="revTx" presStyleIdx="1" presStyleCnt="4">
-        <dgm:presLayoutVars>
-          <dgm:bulletEnabled val="1"/>
-        </dgm:presLayoutVars>
-      </dgm:prSet>
-      <dgm:spPr/>
-      <dgm:t>
-        <a:bodyPr/>
-        <a:lstStyle/>
-        <a:p>
-          <a:endParaRPr lang="en-US"/>
-        </a:p>
-      </dgm:t>
-    </dgm:pt>
-    <dgm:pt modelId="{A1ED580F-4D2A-44EB-85C4-79FE44B5654C}" type="pres">
-      <dgm:prSet presAssocID="{567F1739-7381-4F8E-B2EB-29A2F271D61B}" presName="sibTrans" presStyleLbl="sibTrans2D1" presStyleIdx="0" presStyleCnt="0"/>
-      <dgm:spPr/>
-      <dgm:t>
-        <a:bodyPr/>
-        <a:lstStyle/>
-        <a:p>
-          <a:endParaRPr lang="en-US"/>
-        </a:p>
-      </dgm:t>
-    </dgm:pt>
-    <dgm:pt modelId="{2E59C95B-91C3-4FCF-9E6D-D40DF7638BAD}" type="pres">
-      <dgm:prSet presAssocID="{6A79A6D5-AC31-43DD-8D51-3886C9205C81}" presName="compNode" presStyleCnt="0"/>
-      <dgm:spPr/>
-    </dgm:pt>
-    <dgm:pt modelId="{07BB94C4-CF91-4B25-AD56-806205F7ECED}" type="pres">
-      <dgm:prSet presAssocID="{6A79A6D5-AC31-43DD-8D51-3886C9205C81}" presName="pictRect" presStyleLbl="node1" presStyleIdx="2" presStyleCnt="4"/>
-      <dgm:spPr/>
-    </dgm:pt>
-    <dgm:pt modelId="{8CE146AE-AE74-40B6-BE47-6B5768D6F72E}" type="pres">
-      <dgm:prSet presAssocID="{6A79A6D5-AC31-43DD-8D51-3886C9205C81}" presName="textRect" presStyleLbl="revTx" presStyleIdx="2" presStyleCnt="4">
-        <dgm:presLayoutVars>
-          <dgm:bulletEnabled val="1"/>
-        </dgm:presLayoutVars>
-      </dgm:prSet>
-      <dgm:spPr/>
-      <dgm:t>
-        <a:bodyPr/>
-        <a:lstStyle/>
-        <a:p>
-          <a:endParaRPr lang="en-US"/>
-        </a:p>
-      </dgm:t>
-    </dgm:pt>
-    <dgm:pt modelId="{A5A6BAEB-0EF3-4B2C-B4CF-093AEDF5E6A7}" type="pres">
-      <dgm:prSet presAssocID="{43F65780-48B0-4FCE-8AF6-EBBFAC3C7357}" presName="sibTrans" presStyleLbl="sibTrans2D1" presStyleIdx="0" presStyleCnt="0"/>
-      <dgm:spPr/>
-      <dgm:t>
-        <a:bodyPr/>
-        <a:lstStyle/>
-        <a:p>
-          <a:endParaRPr lang="en-US"/>
-        </a:p>
-      </dgm:t>
-    </dgm:pt>
-    <dgm:pt modelId="{5CAA5030-582E-482E-AF77-DAFB0A1F40AB}" type="pres">
-      <dgm:prSet presAssocID="{3C3BB810-9202-4784-9E6F-0EB93693CCAD}" presName="compNode" presStyleCnt="0"/>
-      <dgm:spPr/>
-    </dgm:pt>
-    <dgm:pt modelId="{23379BA0-72C3-4B48-9B67-5AA34105AF71}" type="pres">
-      <dgm:prSet presAssocID="{3C3BB810-9202-4784-9E6F-0EB93693CCAD}" presName="pictRect" presStyleLbl="node1" presStyleIdx="3" presStyleCnt="4"/>
-      <dgm:spPr/>
-    </dgm:pt>
-    <dgm:pt modelId="{D2BA077C-B783-4392-A97F-F939D39ED622}" type="pres">
-      <dgm:prSet presAssocID="{3C3BB810-9202-4784-9E6F-0EB93693CCAD}" presName="textRect" presStyleLbl="revTx" presStyleIdx="3" presStyleCnt="4">
-        <dgm:presLayoutVars>
-          <dgm:bulletEnabled val="1"/>
-        </dgm:presLayoutVars>
-      </dgm:prSet>
-      <dgm:spPr/>
-      <dgm:t>
-        <a:bodyPr/>
-        <a:lstStyle/>
-        <a:p>
-          <a:endParaRPr lang="en-US"/>
-        </a:p>
-      </dgm:t>
-    </dgm:pt>
-  </dgm:ptLst>
-  <dgm:cxnLst>
-    <dgm:cxn modelId="{5D830E30-5AF0-4FB8-8840-15E4667BA48F}" srcId="{9879D029-26A6-478C-B171-97EE3A9F156A}" destId="{3C3BB810-9202-4784-9E6F-0EB93693CCAD}" srcOrd="3" destOrd="0" parTransId="{351BE4EE-BEF1-4818-96C8-80740F1B700A}" sibTransId="{6402D75B-D79D-491C-B858-7F8705C69069}"/>
-    <dgm:cxn modelId="{2458E770-C078-4F02-9998-7A5EDED12509}" type="presOf" srcId="{6A79A6D5-AC31-43DD-8D51-3886C9205C81}" destId="{8CE146AE-AE74-40B6-BE47-6B5768D6F72E}" srcOrd="0" destOrd="0" presId="urn:microsoft.com/office/officeart/2005/8/layout/pList1#6"/>
-    <dgm:cxn modelId="{0891B44F-B2B0-4F2C-BDD2-A189B157D71C}" srcId="{9879D029-26A6-478C-B171-97EE3A9F156A}" destId="{0B904F64-2F0D-4C99-B591-25BD82FC5122}" srcOrd="1" destOrd="0" parTransId="{3E57E3C3-053D-46CB-9D0F-94BB3DACC1C4}" sibTransId="{567F1739-7381-4F8E-B2EB-29A2F271D61B}"/>
-    <dgm:cxn modelId="{AB94E305-D6FD-4236-AC26-45A2D281A3F5}" type="presOf" srcId="{567F1739-7381-4F8E-B2EB-29A2F271D61B}" destId="{A1ED580F-4D2A-44EB-85C4-79FE44B5654C}" srcOrd="0" destOrd="0" presId="urn:microsoft.com/office/officeart/2005/8/layout/pList1#6"/>
-    <dgm:cxn modelId="{D26A6C23-380C-4C8E-A146-3B58E3ACD18B}" type="presOf" srcId="{0B904F64-2F0D-4C99-B591-25BD82FC5122}" destId="{D335C2A7-E85A-48DA-BEA4-2CA79374D1E1}" srcOrd="0" destOrd="0" presId="urn:microsoft.com/office/officeart/2005/8/layout/pList1#6"/>
-    <dgm:cxn modelId="{E1496FD1-B7AC-4798-B326-D24F80D2D14E}" type="presOf" srcId="{3C3BB810-9202-4784-9E6F-0EB93693CCAD}" destId="{D2BA077C-B783-4392-A97F-F939D39ED622}" srcOrd="0" destOrd="0" presId="urn:microsoft.com/office/officeart/2005/8/layout/pList1#6"/>
-    <dgm:cxn modelId="{B33F440C-ECF0-4164-9375-01EB10D0B48A}" type="presOf" srcId="{9879D029-26A6-478C-B171-97EE3A9F156A}" destId="{7CEA8BF6-C807-415A-9042-FB1704AD24F4}" srcOrd="0" destOrd="0" presId="urn:microsoft.com/office/officeart/2005/8/layout/pList1#6"/>
-    <dgm:cxn modelId="{BD3BE2D4-B949-40B1-84E1-AE828AE335DB}" srcId="{9879D029-26A6-478C-B171-97EE3A9F156A}" destId="{6A79A6D5-AC31-43DD-8D51-3886C9205C81}" srcOrd="2" destOrd="0" parTransId="{D145E3E8-54DF-4CCD-99BA-B1A9C4B96464}" sibTransId="{43F65780-48B0-4FCE-8AF6-EBBFAC3C7357}"/>
-    <dgm:cxn modelId="{6B41E439-1A90-475E-B3BB-36DD91DAD9CB}" type="presOf" srcId="{43F65780-48B0-4FCE-8AF6-EBBFAC3C7357}" destId="{A5A6BAEB-0EF3-4B2C-B4CF-093AEDF5E6A7}" srcOrd="0" destOrd="0" presId="urn:microsoft.com/office/officeart/2005/8/layout/pList1#6"/>
-    <dgm:cxn modelId="{40373F19-AE93-4F0F-9820-D188E496E8D3}" type="presOf" srcId="{18666B4B-280A-42A5-8866-B9CAB13429B9}" destId="{416A3E39-CB94-44AE-B1B8-E268CC7EDF5A}" srcOrd="0" destOrd="0" presId="urn:microsoft.com/office/officeart/2005/8/layout/pList1#6"/>
-    <dgm:cxn modelId="{AB68A825-0BC1-49A7-86B9-6B0136E2A28E}" type="presOf" srcId="{CFCE1A4D-B8F4-4DFF-AF9D-4FC992C4B268}" destId="{868D0333-4692-4AB5-8CAE-8330DB6D5823}" srcOrd="0" destOrd="0" presId="urn:microsoft.com/office/officeart/2005/8/layout/pList1#6"/>
-    <dgm:cxn modelId="{B2D0B0FD-AA9D-4C2A-BAF2-FDB51BA73186}" srcId="{9879D029-26A6-478C-B171-97EE3A9F156A}" destId="{18666B4B-280A-42A5-8866-B9CAB13429B9}" srcOrd="0" destOrd="0" parTransId="{E6FCDD04-2091-4536-B006-6AA110A4548D}" sibTransId="{CFCE1A4D-B8F4-4DFF-AF9D-4FC992C4B268}"/>
-    <dgm:cxn modelId="{738DE15E-0EB4-482B-A2DC-49D9961ED884}" type="presParOf" srcId="{7CEA8BF6-C807-415A-9042-FB1704AD24F4}" destId="{485BD1DD-7041-4BCE-AAF8-C84CCDEEBE7A}" srcOrd="0" destOrd="0" presId="urn:microsoft.com/office/officeart/2005/8/layout/pList1#6"/>
-    <dgm:cxn modelId="{0DC6BA37-10DB-4608-8D47-50424D92D2BA}" type="presParOf" srcId="{485BD1DD-7041-4BCE-AAF8-C84CCDEEBE7A}" destId="{0FB6FA96-47B0-4402-A885-978E117C2597}" srcOrd="0" destOrd="0" presId="urn:microsoft.com/office/officeart/2005/8/layout/pList1#6"/>
-    <dgm:cxn modelId="{FD74F736-C2DB-4BB7-BC1D-926341A63F88}" type="presParOf" srcId="{485BD1DD-7041-4BCE-AAF8-C84CCDEEBE7A}" destId="{416A3E39-CB94-44AE-B1B8-E268CC7EDF5A}" srcOrd="1" destOrd="0" presId="urn:microsoft.com/office/officeart/2005/8/layout/pList1#6"/>
-    <dgm:cxn modelId="{872F239B-824B-4942-905E-FD36AF5DAE93}" type="presParOf" srcId="{7CEA8BF6-C807-415A-9042-FB1704AD24F4}" destId="{868D0333-4692-4AB5-8CAE-8330DB6D5823}" srcOrd="1" destOrd="0" presId="urn:microsoft.com/office/officeart/2005/8/layout/pList1#6"/>
-    <dgm:cxn modelId="{D2D20CA9-F063-42A7-BFD3-62ABD952B3B9}" type="presParOf" srcId="{7CEA8BF6-C807-415A-9042-FB1704AD24F4}" destId="{16678724-4CC8-4DBB-B726-D8A418EE98DE}" srcOrd="2" destOrd="0" presId="urn:microsoft.com/office/officeart/2005/8/layout/pList1#6"/>
-    <dgm:cxn modelId="{867E2E91-E337-4B44-B643-AD106714CEF1}" type="presParOf" srcId="{16678724-4CC8-4DBB-B726-D8A418EE98DE}" destId="{52E3FBAA-CF9B-4809-981C-A4EA9E0A2D87}" srcOrd="0" destOrd="0" presId="urn:microsoft.com/office/officeart/2005/8/layout/pList1#6"/>
-    <dgm:cxn modelId="{1ACFE252-39D4-4BAE-88EB-1FB6E8638F9E}" type="presParOf" srcId="{16678724-4CC8-4DBB-B726-D8A418EE98DE}" destId="{D335C2A7-E85A-48DA-BEA4-2CA79374D1E1}" srcOrd="1" destOrd="0" presId="urn:microsoft.com/office/officeart/2005/8/layout/pList1#6"/>
-    <dgm:cxn modelId="{12441C8B-C266-4C33-B3C2-EBEAF10E7CFC}" type="presParOf" srcId="{7CEA8BF6-C807-415A-9042-FB1704AD24F4}" destId="{A1ED580F-4D2A-44EB-85C4-79FE44B5654C}" srcOrd="3" destOrd="0" presId="urn:microsoft.com/office/officeart/2005/8/layout/pList1#6"/>
-    <dgm:cxn modelId="{EB72793F-F34F-47C4-ADF3-C59EBAB9CE15}" type="presParOf" srcId="{7CEA8BF6-C807-415A-9042-FB1704AD24F4}" destId="{2E59C95B-91C3-4FCF-9E6D-D40DF7638BAD}" srcOrd="4" destOrd="0" presId="urn:microsoft.com/office/officeart/2005/8/layout/pList1#6"/>
-    <dgm:cxn modelId="{CDF313E8-202F-44FD-BBCD-AE3DF203DCD8}" type="presParOf" srcId="{2E59C95B-91C3-4FCF-9E6D-D40DF7638BAD}" destId="{07BB94C4-CF91-4B25-AD56-806205F7ECED}" srcOrd="0" destOrd="0" presId="urn:microsoft.com/office/officeart/2005/8/layout/pList1#6"/>
-    <dgm:cxn modelId="{79926F7F-6377-4A99-A2DE-5E267844968B}" type="presParOf" srcId="{2E59C95B-91C3-4FCF-9E6D-D40DF7638BAD}" destId="{8CE146AE-AE74-40B6-BE47-6B5768D6F72E}" srcOrd="1" destOrd="0" presId="urn:microsoft.com/office/officeart/2005/8/layout/pList1#6"/>
-    <dgm:cxn modelId="{A804509B-323E-46B3-BB94-DA70968F5276}" type="presParOf" srcId="{7CEA8BF6-C807-415A-9042-FB1704AD24F4}" destId="{A5A6BAEB-0EF3-4B2C-B4CF-093AEDF5E6A7}" srcOrd="5" destOrd="0" presId="urn:microsoft.com/office/officeart/2005/8/layout/pList1#6"/>
-    <dgm:cxn modelId="{8740330D-D3F2-4598-BF65-381D6542E154}" type="presParOf" srcId="{7CEA8BF6-C807-415A-9042-FB1704AD24F4}" destId="{5CAA5030-582E-482E-AF77-DAFB0A1F40AB}" srcOrd="6" destOrd="0" presId="urn:microsoft.com/office/officeart/2005/8/layout/pList1#6"/>
-    <dgm:cxn modelId="{EA98DFE7-4004-44C2-B655-9BCFAB13971D}" type="presParOf" srcId="{5CAA5030-582E-482E-AF77-DAFB0A1F40AB}" destId="{23379BA0-72C3-4B48-9B67-5AA34105AF71}" srcOrd="0" destOrd="0" presId="urn:microsoft.com/office/officeart/2005/8/layout/pList1#6"/>
-    <dgm:cxn modelId="{357A39C7-EE74-4CBB-BEDB-562A7BCD0A3F}" type="presParOf" srcId="{5CAA5030-582E-482E-AF77-DAFB0A1F40AB}" destId="{D2BA077C-B783-4392-A97F-F939D39ED622}" srcOrd="1" destOrd="0" presId="urn:microsoft.com/office/officeart/2005/8/layout/pList1#6"/>
-  </dgm:cxnLst>
-  <dgm:bg/>
-  <dgm:whole/>
-  <dgm:extLst>
-    <a:ext uri="http://schemas.microsoft.com/office/drawing/2008/diagram">
-      <dsp:dataModelExt xmlns:dsp="http://schemas.microsoft.com/office/drawing/2008/diagram" relId="rId6" minVer="http://schemas.openxmlformats.org/drawingml/2006/diagram"/>
-    </a:ext>
-  </dgm:extLst>
-</dgm:dataModel>
-</file>
-
-<file path=ppt/diagrams/drawing1.xml><?xml version="1.0" encoding="utf-8"?>
-<dsp:drawing xmlns:dgm="http://schemas.openxmlformats.org/drawingml/2006/diagram" xmlns:dsp="http://schemas.microsoft.com/office/drawing/2008/diagram" xmlns:a="http://schemas.openxmlformats.org/drawingml/2006/main">
-  <dsp:spTree>
-    <dsp:nvGrpSpPr>
-      <dsp:cNvPr id="0" name=""/>
-      <dsp:cNvGrpSpPr/>
-    </dsp:nvGrpSpPr>
-    <dsp:grpSpPr/>
-    <dsp:sp modelId="{0FB6FA96-47B0-4402-A885-978E117C2597}">
-      <dsp:nvSpPr>
-        <dsp:cNvPr id="0" name=""/>
-        <dsp:cNvSpPr/>
-      </dsp:nvSpPr>
-      <dsp:spPr>
-        <a:xfrm>
-          <a:off x="34866" y="937"/>
-          <a:ext cx="1902010" cy="1310485"/>
-        </a:xfrm>
-        <a:prstGeom prst="roundRect">
-          <a:avLst/>
-        </a:prstGeom>
-        <a:solidFill>
-          <a:schemeClr val="accent1">
-            <a:hueOff val="0"/>
-            <a:satOff val="0"/>
-            <a:lumOff val="0"/>
-            <a:alphaOff val="0"/>
-          </a:schemeClr>
-        </a:solidFill>
-        <a:ln w="12700" cap="flat" cmpd="sng" algn="ctr">
-          <a:solidFill>
-            <a:schemeClr val="lt1">
-              <a:hueOff val="0"/>
-              <a:satOff val="0"/>
-              <a:lumOff val="0"/>
-              <a:alphaOff val="0"/>
-            </a:schemeClr>
-          </a:solidFill>
-          <a:prstDash val="solid"/>
-        </a:ln>
-        <a:effectLst/>
-      </dsp:spPr>
-      <dsp:style>
-        <a:lnRef idx="2">
-          <a:scrgbClr r="0" g="0" b="0"/>
-        </a:lnRef>
-        <a:fillRef idx="1">
-          <a:scrgbClr r="0" g="0" b="0"/>
-        </a:fillRef>
-        <a:effectRef idx="0">
-          <a:scrgbClr r="0" g="0" b="0"/>
-        </a:effectRef>
-        <a:fontRef idx="minor">
-          <a:schemeClr val="lt1"/>
-        </a:fontRef>
-      </dsp:style>
-    </dsp:sp>
-    <dsp:sp modelId="{416A3E39-CB94-44AE-B1B8-E268CC7EDF5A}">
-      <dsp:nvSpPr>
-        <dsp:cNvPr id="0" name=""/>
-        <dsp:cNvSpPr/>
-      </dsp:nvSpPr>
-      <dsp:spPr>
-        <a:xfrm>
-          <a:off x="34866" y="1311422"/>
-          <a:ext cx="1902010" cy="705645"/>
-        </a:xfrm>
-        <a:prstGeom prst="rect">
-          <a:avLst/>
-        </a:prstGeom>
-        <a:noFill/>
-        <a:ln>
-          <a:noFill/>
-        </a:ln>
-        <a:effectLst/>
-      </dsp:spPr>
-      <dsp:style>
-        <a:lnRef idx="0">
-          <a:scrgbClr r="0" g="0" b="0"/>
-        </a:lnRef>
-        <a:fillRef idx="0">
-          <a:scrgbClr r="0" g="0" b="0"/>
-        </a:fillRef>
-        <a:effectRef idx="0">
-          <a:scrgbClr r="0" g="0" b="0"/>
-        </a:effectRef>
-        <a:fontRef idx="minor"/>
-      </dsp:style>
-      <dsp:txBody>
-        <a:bodyPr spcFirstLastPara="0" vert="horz" wrap="square" lIns="120904" tIns="120904" rIns="120904" bIns="0" numCol="1" spcCol="1270" anchor="t" anchorCtr="0">
-          <a:noAutofit/>
-        </a:bodyPr>
-        <a:lstStyle/>
-        <a:p>
-          <a:pPr lvl="0" algn="ctr" defTabSz="755650">
-            <a:lnSpc>
-              <a:spcPct val="90000"/>
-            </a:lnSpc>
-            <a:spcBef>
-              <a:spcPct val="0"/>
-            </a:spcBef>
-            <a:spcAft>
-              <a:spcPct val="35000"/>
-            </a:spcAft>
-          </a:pPr>
-          <a:r>
-            <a:rPr lang="de-CH" sz="1700" kern="1200" dirty="0" smtClean="0">
-              <a:solidFill>
-                <a:schemeClr val="bg1"/>
-              </a:solidFill>
-            </a:rPr>
-            <a:t>Wizard</a:t>
-          </a:r>
-          <a:endParaRPr lang="en-US" sz="1700" kern="1200" dirty="0">
-            <a:solidFill>
-              <a:schemeClr val="bg1"/>
-            </a:solidFill>
-          </a:endParaRPr>
-        </a:p>
-      </dsp:txBody>
-      <dsp:txXfrm>
-        <a:off x="34866" y="1311422"/>
-        <a:ext cx="1902010" cy="705645"/>
-      </dsp:txXfrm>
-    </dsp:sp>
-    <dsp:sp modelId="{52E3FBAA-CF9B-4809-981C-A4EA9E0A2D87}">
-      <dsp:nvSpPr>
-        <dsp:cNvPr id="0" name=""/>
-        <dsp:cNvSpPr/>
-      </dsp:nvSpPr>
-      <dsp:spPr>
-        <a:xfrm>
-          <a:off x="2127157" y="937"/>
-          <a:ext cx="1902010" cy="1310485"/>
-        </a:xfrm>
-        <a:prstGeom prst="roundRect">
-          <a:avLst/>
-        </a:prstGeom>
-        <a:solidFill>
-          <a:schemeClr val="accent1">
-            <a:hueOff val="0"/>
-            <a:satOff val="0"/>
-            <a:lumOff val="0"/>
-            <a:alphaOff val="0"/>
-          </a:schemeClr>
-        </a:solidFill>
-        <a:ln w="12700" cap="flat" cmpd="sng" algn="ctr">
-          <a:solidFill>
-            <a:schemeClr val="lt1">
-              <a:hueOff val="0"/>
-              <a:satOff val="0"/>
-              <a:lumOff val="0"/>
-              <a:alphaOff val="0"/>
-            </a:schemeClr>
-          </a:solidFill>
-          <a:prstDash val="solid"/>
-        </a:ln>
-        <a:effectLst/>
-      </dsp:spPr>
-      <dsp:style>
-        <a:lnRef idx="2">
-          <a:scrgbClr r="0" g="0" b="0"/>
-        </a:lnRef>
-        <a:fillRef idx="1">
-          <a:scrgbClr r="0" g="0" b="0"/>
-        </a:fillRef>
-        <a:effectRef idx="0">
-          <a:scrgbClr r="0" g="0" b="0"/>
-        </a:effectRef>
-        <a:fontRef idx="minor">
-          <a:schemeClr val="lt1"/>
-        </a:fontRef>
-      </dsp:style>
-    </dsp:sp>
-    <dsp:sp modelId="{D335C2A7-E85A-48DA-BEA4-2CA79374D1E1}">
-      <dsp:nvSpPr>
-        <dsp:cNvPr id="0" name=""/>
-        <dsp:cNvSpPr/>
-      </dsp:nvSpPr>
-      <dsp:spPr>
-        <a:xfrm>
-          <a:off x="2127157" y="1311422"/>
-          <a:ext cx="1902010" cy="705645"/>
-        </a:xfrm>
-        <a:prstGeom prst="rect">
-          <a:avLst/>
-        </a:prstGeom>
-        <a:noFill/>
-        <a:ln>
-          <a:noFill/>
-        </a:ln>
-        <a:effectLst/>
-      </dsp:spPr>
-      <dsp:style>
-        <a:lnRef idx="0">
-          <a:scrgbClr r="0" g="0" b="0"/>
-        </a:lnRef>
-        <a:fillRef idx="0">
-          <a:scrgbClr r="0" g="0" b="0"/>
-        </a:fillRef>
-        <a:effectRef idx="0">
-          <a:scrgbClr r="0" g="0" b="0"/>
-        </a:effectRef>
-        <a:fontRef idx="minor"/>
-      </dsp:style>
-      <dsp:txBody>
-        <a:bodyPr spcFirstLastPara="0" vert="horz" wrap="square" lIns="120904" tIns="120904" rIns="120904" bIns="0" numCol="1" spcCol="1270" anchor="t" anchorCtr="0">
-          <a:noAutofit/>
-        </a:bodyPr>
-        <a:lstStyle/>
-        <a:p>
-          <a:pPr lvl="0" algn="ctr" defTabSz="755650">
-            <a:lnSpc>
-              <a:spcPct val="90000"/>
-            </a:lnSpc>
-            <a:spcBef>
-              <a:spcPct val="0"/>
-            </a:spcBef>
-            <a:spcAft>
-              <a:spcPct val="35000"/>
-            </a:spcAft>
-          </a:pPr>
-          <a:r>
-            <a:rPr lang="de-CH" sz="1700" kern="1200" dirty="0" err="1" smtClean="0">
-              <a:solidFill>
-                <a:schemeClr val="bg1"/>
-              </a:solidFill>
-            </a:rPr>
-            <a:t>CardView</a:t>
-          </a:r>
-          <a:endParaRPr lang="en-US" sz="1700" kern="1200" dirty="0">
-            <a:solidFill>
-              <a:schemeClr val="bg1"/>
-            </a:solidFill>
-          </a:endParaRPr>
-        </a:p>
-      </dsp:txBody>
-      <dsp:txXfrm>
-        <a:off x="2127157" y="1311422"/>
-        <a:ext cx="1902010" cy="705645"/>
-      </dsp:txXfrm>
-    </dsp:sp>
-    <dsp:sp modelId="{07BB94C4-CF91-4B25-AD56-806205F7ECED}">
-      <dsp:nvSpPr>
-        <dsp:cNvPr id="0" name=""/>
-        <dsp:cNvSpPr/>
-      </dsp:nvSpPr>
-      <dsp:spPr>
-        <a:xfrm>
-          <a:off x="4219448" y="937"/>
-          <a:ext cx="1902010" cy="1310485"/>
-        </a:xfrm>
-        <a:prstGeom prst="roundRect">
-          <a:avLst/>
-        </a:prstGeom>
-        <a:solidFill>
-          <a:schemeClr val="accent1">
-            <a:hueOff val="0"/>
-            <a:satOff val="0"/>
-            <a:lumOff val="0"/>
-            <a:alphaOff val="0"/>
-          </a:schemeClr>
-        </a:solidFill>
-        <a:ln w="12700" cap="flat" cmpd="sng" algn="ctr">
-          <a:solidFill>
-            <a:schemeClr val="lt1">
-              <a:hueOff val="0"/>
-              <a:satOff val="0"/>
-              <a:lumOff val="0"/>
-              <a:alphaOff val="0"/>
-            </a:schemeClr>
-          </a:solidFill>
-          <a:prstDash val="solid"/>
-        </a:ln>
-        <a:effectLst/>
-      </dsp:spPr>
-      <dsp:style>
-        <a:lnRef idx="2">
-          <a:scrgbClr r="0" g="0" b="0"/>
-        </a:lnRef>
-        <a:fillRef idx="1">
-          <a:scrgbClr r="0" g="0" b="0"/>
-        </a:fillRef>
-        <a:effectRef idx="0">
-          <a:scrgbClr r="0" g="0" b="0"/>
-        </a:effectRef>
-        <a:fontRef idx="minor">
-          <a:schemeClr val="lt1"/>
-        </a:fontRef>
-      </dsp:style>
-    </dsp:sp>
-    <dsp:sp modelId="{8CE146AE-AE74-40B6-BE47-6B5768D6F72E}">
-      <dsp:nvSpPr>
-        <dsp:cNvPr id="0" name=""/>
-        <dsp:cNvSpPr/>
-      </dsp:nvSpPr>
-      <dsp:spPr>
-        <a:xfrm>
-          <a:off x="4219448" y="1311422"/>
-          <a:ext cx="1902010" cy="705645"/>
-        </a:xfrm>
-        <a:prstGeom prst="rect">
-          <a:avLst/>
-        </a:prstGeom>
-        <a:noFill/>
-        <a:ln>
-          <a:noFill/>
-        </a:ln>
-        <a:effectLst/>
-      </dsp:spPr>
-      <dsp:style>
-        <a:lnRef idx="0">
-          <a:scrgbClr r="0" g="0" b="0"/>
-        </a:lnRef>
-        <a:fillRef idx="0">
-          <a:scrgbClr r="0" g="0" b="0"/>
-        </a:fillRef>
-        <a:effectRef idx="0">
-          <a:scrgbClr r="0" g="0" b="0"/>
-        </a:effectRef>
-        <a:fontRef idx="minor"/>
-      </dsp:style>
-      <dsp:txBody>
-        <a:bodyPr spcFirstLastPara="0" vert="horz" wrap="square" lIns="120904" tIns="120904" rIns="120904" bIns="0" numCol="1" spcCol="1270" anchor="t" anchorCtr="0">
-          <a:noAutofit/>
-        </a:bodyPr>
-        <a:lstStyle/>
-        <a:p>
-          <a:pPr lvl="0" algn="ctr" defTabSz="755650">
-            <a:lnSpc>
-              <a:spcPct val="90000"/>
-            </a:lnSpc>
-            <a:spcBef>
-              <a:spcPct val="0"/>
-            </a:spcBef>
-            <a:spcAft>
-              <a:spcPct val="35000"/>
-            </a:spcAft>
-          </a:pPr>
-          <a:r>
-            <a:rPr lang="de-CH" sz="1700" kern="1200" dirty="0" smtClean="0">
-              <a:solidFill>
-                <a:schemeClr val="bg1"/>
-              </a:solidFill>
-            </a:rPr>
-            <a:t>Datenbank</a:t>
-          </a:r>
-          <a:endParaRPr lang="en-US" sz="1700" kern="1200" dirty="0">
-            <a:solidFill>
-              <a:schemeClr val="bg1"/>
-            </a:solidFill>
-          </a:endParaRPr>
-        </a:p>
-      </dsp:txBody>
-      <dsp:txXfrm>
-        <a:off x="4219448" y="1311422"/>
-        <a:ext cx="1902010" cy="705645"/>
-      </dsp:txXfrm>
-    </dsp:sp>
-    <dsp:sp modelId="{23379BA0-72C3-4B48-9B67-5AA34105AF71}">
-      <dsp:nvSpPr>
-        <dsp:cNvPr id="0" name=""/>
-        <dsp:cNvSpPr/>
-      </dsp:nvSpPr>
-      <dsp:spPr>
-        <a:xfrm>
-          <a:off x="2127157" y="2207269"/>
-          <a:ext cx="1902010" cy="1310485"/>
-        </a:xfrm>
-        <a:prstGeom prst="roundRect">
-          <a:avLst/>
-        </a:prstGeom>
-        <a:solidFill>
-          <a:schemeClr val="accent1">
-            <a:hueOff val="0"/>
-            <a:satOff val="0"/>
-            <a:lumOff val="0"/>
-            <a:alphaOff val="0"/>
-          </a:schemeClr>
-        </a:solidFill>
-        <a:ln w="12700" cap="flat" cmpd="sng" algn="ctr">
-          <a:solidFill>
-            <a:schemeClr val="lt1">
-              <a:hueOff val="0"/>
-              <a:satOff val="0"/>
-              <a:lumOff val="0"/>
-              <a:alphaOff val="0"/>
-            </a:schemeClr>
-          </a:solidFill>
-          <a:prstDash val="solid"/>
-        </a:ln>
-        <a:effectLst/>
-      </dsp:spPr>
-      <dsp:style>
-        <a:lnRef idx="2">
-          <a:scrgbClr r="0" g="0" b="0"/>
-        </a:lnRef>
-        <a:fillRef idx="1">
-          <a:scrgbClr r="0" g="0" b="0"/>
-        </a:fillRef>
-        <a:effectRef idx="0">
-          <a:scrgbClr r="0" g="0" b="0"/>
-        </a:effectRef>
-        <a:fontRef idx="minor">
-          <a:schemeClr val="lt1"/>
-        </a:fontRef>
-      </dsp:style>
-    </dsp:sp>
-    <dsp:sp modelId="{D2BA077C-B783-4392-A97F-F939D39ED622}">
-      <dsp:nvSpPr>
-        <dsp:cNvPr id="0" name=""/>
-        <dsp:cNvSpPr/>
-      </dsp:nvSpPr>
-      <dsp:spPr>
-        <a:xfrm>
-          <a:off x="2127157" y="3517754"/>
-          <a:ext cx="1902010" cy="705645"/>
-        </a:xfrm>
-        <a:prstGeom prst="rect">
-          <a:avLst/>
-        </a:prstGeom>
-        <a:noFill/>
-        <a:ln>
-          <a:noFill/>
-        </a:ln>
-        <a:effectLst/>
-      </dsp:spPr>
-      <dsp:style>
-        <a:lnRef idx="0">
-          <a:scrgbClr r="0" g="0" b="0"/>
-        </a:lnRef>
-        <a:fillRef idx="0">
-          <a:scrgbClr r="0" g="0" b="0"/>
-        </a:fillRef>
-        <a:effectRef idx="0">
-          <a:scrgbClr r="0" g="0" b="0"/>
-        </a:effectRef>
-        <a:fontRef idx="minor"/>
-      </dsp:style>
-      <dsp:txBody>
-        <a:bodyPr spcFirstLastPara="0" vert="horz" wrap="square" lIns="120904" tIns="120904" rIns="120904" bIns="0" numCol="1" spcCol="1270" anchor="t" anchorCtr="0">
-          <a:noAutofit/>
-        </a:bodyPr>
-        <a:lstStyle/>
-        <a:p>
-          <a:pPr lvl="0" algn="ctr" defTabSz="755650">
-            <a:lnSpc>
-              <a:spcPct val="90000"/>
-            </a:lnSpc>
-            <a:spcBef>
-              <a:spcPct val="0"/>
-            </a:spcBef>
-            <a:spcAft>
-              <a:spcPct val="35000"/>
-            </a:spcAft>
-          </a:pPr>
-          <a:r>
-            <a:rPr lang="de-CH" sz="1700" kern="1200" dirty="0" smtClean="0">
-              <a:solidFill>
-                <a:schemeClr val="bg1"/>
-              </a:solidFill>
-            </a:rPr>
-            <a:t>Restschnittstellen</a:t>
-          </a:r>
-          <a:endParaRPr lang="en-US" sz="1700" kern="1200" dirty="0">
-            <a:solidFill>
-              <a:schemeClr val="bg1"/>
-            </a:solidFill>
-          </a:endParaRPr>
-        </a:p>
-      </dsp:txBody>
-      <dsp:txXfrm>
-        <a:off x="2127157" y="3517754"/>
-        <a:ext cx="1902010" cy="705645"/>
-      </dsp:txXfrm>
-    </dsp:sp>
-  </dsp:spTree>
-</dsp:drawing>
-</file>
-
-<file path=ppt/diagrams/layout1.xml><?xml version="1.0" encoding="utf-8"?>
-<dgm:layoutDef xmlns:dgm="http://schemas.openxmlformats.org/drawingml/2006/diagram" xmlns:a="http://schemas.openxmlformats.org/drawingml/2006/main" uniqueId="urn:microsoft.com/office/officeart/2005/8/layout/pList1#6">
-  <dgm:title val=""/>
-  <dgm:desc val=""/>
-  <dgm:catLst>
-    <dgm:cat type="list" pri="2000"/>
-  </dgm:catLst>
-  <dgm:sampData>
-    <dgm:dataModel>
-      <dgm:ptLst>
-        <dgm:pt modelId="0" type="doc"/>
-        <dgm:pt modelId="1">
-          <dgm:prSet phldr="1"/>
-        </dgm:pt>
-        <dgm:pt modelId="2">
-          <dgm:prSet phldr="1"/>
-        </dgm:pt>
-        <dgm:pt modelId="3">
-          <dgm:prSet phldr="1"/>
-        </dgm:pt>
-        <dgm:pt modelId="4">
-          <dgm:prSet phldr="1"/>
-        </dgm:pt>
-      </dgm:ptLst>
-      <dgm:cxnLst>
-        <dgm:cxn modelId="7" srcId="0" destId="1" srcOrd="0" destOrd="0"/>
-        <dgm:cxn modelId="8" srcId="0" destId="2" srcOrd="1" destOrd="0"/>
-        <dgm:cxn modelId="9" srcId="0" destId="3" srcOrd="2" destOrd="0"/>
-        <dgm:cxn modelId="10" srcId="0" destId="4" srcOrd="3" destOrd="0"/>
-      </dgm:cxnLst>
-      <dgm:bg/>
-      <dgm:whole/>
-    </dgm:dataModel>
-  </dgm:sampData>
-  <dgm:styleData>
-    <dgm:dataModel>
-      <dgm:ptLst>
-        <dgm:pt modelId="0" type="doc"/>
-        <dgm:pt modelId="1"/>
-        <dgm:pt modelId="2"/>
-      </dgm:ptLst>
-      <dgm:cxnLst>
-        <dgm:cxn modelId="3" srcId="0" destId="1" srcOrd="0" destOrd="0"/>
-        <dgm:cxn modelId="4" srcId="0" destId="2" srcOrd="1" destOrd="0"/>
-      </dgm:cxnLst>
-      <dgm:bg/>
-      <dgm:whole/>
-    </dgm:dataModel>
-  </dgm:styleData>
-  <dgm:clrData useDef="1">
-    <dgm:dataModel>
-      <dgm:ptLst/>
-      <dgm:bg/>
-      <dgm:whole/>
-    </dgm:dataModel>
-  </dgm:clrData>
-  <dgm:layoutNode name="Name0">
-    <dgm:varLst>
-      <dgm:dir/>
-      <dgm:resizeHandles val="exact"/>
-    </dgm:varLst>
-    <dgm:choose name="Name1">
-      <dgm:if name="Name2" axis="self" func="var" arg="dir" op="equ" val="norm">
-        <dgm:alg type="snake">
-          <dgm:param type="grDir" val="tL"/>
-          <dgm:param type="flowDir" val="row"/>
-          <dgm:param type="contDir" val="sameDir"/>
-          <dgm:param type="off" val="ctr"/>
-          <dgm:param type="vertAlign" val="mid"/>
-          <dgm:param type="horzAlign" val="ctr"/>
-        </dgm:alg>
-      </dgm:if>
-      <dgm:else name="Name3">
-        <dgm:alg type="snake">
-          <dgm:param type="grDir" val="tR"/>
-          <dgm:param type="flowDir" val="row"/>
-          <dgm:param type="contDir" val="sameDir"/>
-          <dgm:param type="off" val="ctr"/>
-          <dgm:param type="vertAlign" val="mid"/>
-          <dgm:param type="horzAlign" val="ctr"/>
-        </dgm:alg>
-      </dgm:else>
-    </dgm:choose>
-    <dgm:shape xmlns:r="http://schemas.openxmlformats.org/officeDocument/2006/relationships" r:blip="">
-      <dgm:adjLst/>
-    </dgm:shape>
-    <dgm:presOf/>
-    <dgm:constrLst>
-      <dgm:constr type="w" for="ch" forName="compNode" refType="w"/>
-      <dgm:constr type="w" for="ch" ptType="sibTrans" refType="w" refFor="ch" refForName="compNode" op="equ" fact="0.1"/>
-      <dgm:constr type="sp" refType="w" refFor="ch" refForName="compNode" op="equ" fact="0.1"/>
-      <dgm:constr type="primFontSz" for="des" ptType="node" op="equ" val="65"/>
-    </dgm:constrLst>
-    <dgm:ruleLst/>
-    <dgm:forEach name="Name4" axis="ch" ptType="node">
-      <dgm:layoutNode name="compNode">
-        <dgm:alg type="composite">
-          <dgm:param type="ar" val="0.943"/>
-        </dgm:alg>
-        <dgm:shape xmlns:r="http://schemas.openxmlformats.org/officeDocument/2006/relationships" r:blip="">
-          <dgm:adjLst/>
-        </dgm:shape>
-        <dgm:presOf axis="self"/>
-        <dgm:constrLst>
-          <dgm:constr type="h" refType="w" fact="1.06"/>
-          <dgm:constr type="h" for="ch" forName="pictRect" refType="h" fact="0.65"/>
-          <dgm:constr type="w" for="ch" forName="pictRect" refType="w"/>
-          <dgm:constr type="l" for="ch" forName="pictRect"/>
-          <dgm:constr type="t" for="ch" forName="pictRect"/>
-          <dgm:constr type="w" for="ch" forName="textRect" refType="w"/>
-          <dgm:constr type="h" for="ch" forName="textRect" refType="h" fact="0.35"/>
-          <dgm:constr type="l" for="ch" forName="textRect"/>
-          <dgm:constr type="t" for="ch" forName="textRect" refType="b" refFor="ch" refForName="pictRect"/>
-        </dgm:constrLst>
-        <dgm:ruleLst/>
-        <dgm:layoutNode name="pictRect">
-          <dgm:alg type="sp"/>
-          <dgm:shape xmlns:r="http://schemas.openxmlformats.org/officeDocument/2006/relationships" type="roundRect" r:blip="" blipPhldr="1">
-            <dgm:adjLst/>
-          </dgm:shape>
-          <dgm:presOf/>
-          <dgm:constrLst/>
-          <dgm:ruleLst/>
-        </dgm:layoutNode>
-        <dgm:layoutNode name="textRect" styleLbl="revTx">
-          <dgm:varLst>
-            <dgm:bulletEnabled val="1"/>
-          </dgm:varLst>
-          <dgm:alg type="tx">
-            <dgm:param type="txAnchorVert" val="t"/>
-          </dgm:alg>
-          <dgm:shape xmlns:r="http://schemas.openxmlformats.org/officeDocument/2006/relationships" type="rect" r:blip="">
-            <dgm:adjLst/>
-          </dgm:shape>
-          <dgm:presOf axis="desOrSelf" ptType="node"/>
-          <dgm:constrLst>
-            <dgm:constr type="bMarg"/>
-          </dgm:constrLst>
-          <dgm:ruleLst>
-            <dgm:rule type="primFontSz" val="5" fact="NaN" max="NaN"/>
-          </dgm:ruleLst>
-        </dgm:layoutNode>
-      </dgm:layoutNode>
-      <dgm:forEach name="Name5" axis="followSib" ptType="sibTrans" cnt="1">
-        <dgm:layoutNode name="sibTrans">
-          <dgm:alg type="sp"/>
-          <dgm:shape xmlns:r="http://schemas.openxmlformats.org/officeDocument/2006/relationships" type="rect" r:blip="" hideGeom="1">
-            <dgm:adjLst/>
-          </dgm:shape>
-          <dgm:presOf axis="self"/>
-          <dgm:constrLst/>
-          <dgm:ruleLst/>
-        </dgm:layoutNode>
-      </dgm:forEach>
-    </dgm:forEach>
-  </dgm:layoutNode>
-</dgm:layoutDef>
-</file>
-
-<file path=ppt/diagrams/quickStyle1.xml><?xml version="1.0" encoding="utf-8"?>
-<dgm:styleDef xmlns:dgm="http://schemas.openxmlformats.org/drawingml/2006/diagram" xmlns:a="http://schemas.openxmlformats.org/drawingml/2006/main" uniqueId="urn:microsoft.com/office/officeart/2005/8/quickstyle/simple1">
-  <dgm:title val=""/>
-  <dgm:desc val=""/>
-  <dgm:catLst>
-    <dgm:cat type="simple" pri="10100"/>
-  </dgm:catLst>
-  <dgm:scene3d>
-    <a:camera prst="orthographicFront"/>
-    <a:lightRig rig="threePt" dir="t"/>
-  </dgm:scene3d>
-  <dgm:styleLbl name="node0">
-    <dgm:scene3d>
-      <a:camera prst="orthographicFront"/>
-      <a:lightRig rig="threePt" dir="t"/>
-    </dgm:scene3d>
-    <dgm:sp3d/>
-    <dgm:txPr/>
-    <dgm:style>
-      <a:lnRef idx="2">
-        <a:scrgbClr r="0" g="0" b="0"/>
-      </a:lnRef>
-      <a:fillRef idx="1">
-        <a:scrgbClr r="0" g="0" b="0"/>
-      </a:fillRef>
-      <a:effectRef idx="0">
-        <a:scrgbClr r="0" g="0" b="0"/>
-      </a:effectRef>
-      <a:fontRef idx="minor">
-        <a:schemeClr val="lt1"/>
-      </a:fontRef>
-    </dgm:style>
-  </dgm:styleLbl>
-  <dgm:styleLbl name="lnNode1">
-    <dgm:scene3d>
-      <a:camera prst="orthographicFront"/>
-      <a:lightRig rig="threePt" dir="t"/>
-    </dgm:scene3d>
-    <dgm:sp3d/>
-    <dgm:txPr/>
-    <dgm:style>
-      <a:lnRef idx="2">
-        <a:scrgbClr r="0" g="0" b="0"/>
-      </a:lnRef>
-      <a:fillRef idx="1">
-        <a:scrgbClr r="0" g="0" b="0"/>
-      </a:fillRef>
-      <a:effectRef idx="0">
-        <a:scrgbClr r="0" g="0" b="0"/>
-      </a:effectRef>
-      <a:fontRef idx="minor">
-        <a:schemeClr val="lt1"/>
-      </a:fontRef>
-    </dgm:style>
-  </dgm:styleLbl>
-  <dgm:styleLbl name="vennNode1">
-    <dgm:scene3d>
-      <a:camera prst="orthographicFront"/>
-      <a:lightRig rig="threePt" dir="t"/>
-    </dgm:scene3d>
-    <dgm:sp3d/>
-    <dgm:txPr/>
-    <dgm:style>
-      <a:lnRef idx="2">
-        <a:scrgbClr r="0" g="0" b="0"/>
-      </a:lnRef>
-      <a:fillRef idx="1">
-        <a:scrgbClr r="0" g="0" b="0"/>
-      </a:fillRef>
-      <a:effectRef idx="0">
-        <a:scrgbClr r="0" g="0" b="0"/>
-      </a:effectRef>
-      <a:fontRef idx="minor">
-        <a:schemeClr val="tx1"/>
-      </a:fontRef>
-    </dgm:style>
-  </dgm:styleLbl>
-  <dgm:styleLbl name="alignNode1">
-    <dgm:scene3d>
-      <a:camera prst="orthographicFront"/>
-      <a:lightRig rig="threePt" dir="t"/>
-    </dgm:scene3d>
-    <dgm:sp3d/>
-    <dgm:txPr/>
-    <dgm:style>
-      <a:lnRef idx="2">
-        <a:scrgbClr r="0" g="0" b="0"/>
-      </a:lnRef>
-      <a:fillRef idx="1">
-        <a:scrgbClr r="0" g="0" b="0"/>
-      </a:fillRef>
-      <a:effectRef idx="0">
-        <a:scrgbClr r="0" g="0" b="0"/>
-      </a:effectRef>
-      <a:fontRef idx="minor">
-        <a:schemeClr val="lt1"/>
-      </a:fontRef>
-    </dgm:style>
-  </dgm:styleLbl>
-  <dgm:styleLbl name="node1">
-    <dgm:scene3d>
-      <a:camera prst="orthographicFront"/>
-      <a:lightRig rig="threePt" dir="t"/>
-    </dgm:scene3d>
-    <dgm:sp3d/>
-    <dgm:txPr/>
-    <dgm:style>
-      <a:lnRef idx="2">
-        <a:scrgbClr r="0" g="0" b="0"/>
-      </a:lnRef>
-      <a:fillRef idx="1">
-        <a:scrgbClr r="0" g="0" b="0"/>
-      </a:fillRef>
-      <a:effectRef idx="0">
-        <a:scrgbClr r="0" g="0" b="0"/>
-      </a:effectRef>
-      <a:fontRef idx="minor">
-        <a:schemeClr val="lt1"/>
-      </a:fontRef>
-    </dgm:style>
-  </dgm:styleLbl>
-  <dgm:styleLbl name="node2">
-    <dgm:scene3d>
-      <a:camera prst="orthographicFront"/>
-      <a:lightRig rig="threePt" dir="t"/>
-    </dgm:scene3d>
-    <dgm:sp3d/>
-    <dgm:txPr/>
-    <dgm:style>
-      <a:lnRef idx="2">
-        <a:scrgbClr r="0" g="0" b="0"/>
-      </a:lnRef>
-      <a:fillRef idx="1">
-        <a:scrgbClr r="0" g="0" b="0"/>
-      </a:fillRef>
-      <a:effectRef idx="0">
-        <a:scrgbClr r="0" g="0" b="0"/>
-      </a:effectRef>
-      <a:fontRef idx="minor">
-        <a:schemeClr val="lt1"/>
-      </a:fontRef>
-    </dgm:style>
-  </dgm:styleLbl>
-  <dgm:styleLbl name="node3">
-    <dgm:scene3d>
-      <a:camera prst="orthographicFront"/>
-      <a:lightRig rig="threePt" dir="t"/>
-    </dgm:scene3d>
-    <dgm:sp3d/>
-    <dgm:txPr/>
-    <dgm:style>
-      <a:lnRef idx="2">
-        <a:scrgbClr r="0" g="0" b="0"/>
-      </a:lnRef>
-      <a:fillRef idx="1">
-        <a:scrgbClr r="0" g="0" b="0"/>
-      </a:fillRef>
-      <a:effectRef idx="0">
-        <a:scrgbClr r="0" g="0" b="0"/>
-      </a:effectRef>
-      <a:fontRef idx="minor">
-        <a:schemeClr val="lt1"/>
-      </a:fontRef>
-    </dgm:style>
-  </dgm:styleLbl>
-  <dgm:styleLbl name="node4">
-    <dgm:scene3d>
-      <a:camera prst="orthographicFront"/>
-      <a:lightRig rig="threePt" dir="t"/>
-    </dgm:scene3d>
-    <dgm:sp3d/>
-    <dgm:txPr/>
-    <dgm:style>
-      <a:lnRef idx="2">
-        <a:scrgbClr r="0" g="0" b="0"/>
-      </a:lnRef>
-      <a:fillRef idx="1">
-        <a:scrgbClr r="0" g="0" b="0"/>
-      </a:fillRef>
-      <a:effectRef idx="0">
-        <a:scrgbClr r="0" g="0" b="0"/>
-      </a:effectRef>
-      <a:fontRef idx="minor">
-        <a:schemeClr val="lt1"/>
-      </a:fontRef>
-    </dgm:style>
-  </dgm:styleLbl>
-  <dgm:styleLbl name="fgImgPlace1">
-    <dgm:scene3d>
-      <a:camera prst="orthographicFront"/>
-      <a:lightRig rig="threePt" dir="t"/>
-    </dgm:scene3d>
-    <dgm:sp3d/>
-    <dgm:txPr/>
-    <dgm:style>
-      <a:lnRef idx="2">
-        <a:scrgbClr r="0" g="0" b="0"/>
-      </a:lnRef>
-      <a:fillRef idx="1">
-        <a:scrgbClr r="0" g="0" b="0"/>
-      </a:fillRef>
-      <a:effectRef idx="0">
-        <a:scrgbClr r="0" g="0" b="0"/>
-      </a:effectRef>
-      <a:fontRef idx="minor"/>
-    </dgm:style>
-  </dgm:styleLbl>
-  <dgm:styleLbl name="alignImgPlace1">
-    <dgm:scene3d>
-      <a:camera prst="orthographicFront"/>
-      <a:lightRig rig="threePt" dir="t"/>
-    </dgm:scene3d>
-    <dgm:sp3d/>
-    <dgm:txPr/>
-    <dgm:style>
-      <a:lnRef idx="2">
-        <a:scrgbClr r="0" g="0" b="0"/>
-      </a:lnRef>
-      <a:fillRef idx="1">
-        <a:scrgbClr r="0" g="0" b="0"/>
-      </a:fillRef>
-      <a:effectRef idx="0">
-        <a:scrgbClr r="0" g="0" b="0"/>
-      </a:effectRef>
-      <a:fontRef idx="minor"/>
-    </dgm:style>
-  </dgm:styleLbl>
-  <dgm:styleLbl name="bgImgPlace1">
-    <dgm:scene3d>
-      <a:camera prst="orthographicFront"/>
-      <a:lightRig rig="threePt" dir="t"/>
-    </dgm:scene3d>
-    <dgm:sp3d/>
-    <dgm:txPr/>
-    <dgm:style>
-      <a:lnRef idx="2">
-        <a:scrgbClr r="0" g="0" b="0"/>
-      </a:lnRef>
-      <a:fillRef idx="1">
-        <a:scrgbClr r="0" g="0" b="0"/>
-      </a:fillRef>
-      <a:effectRef idx="0">
-        <a:scrgbClr r="0" g="0" b="0"/>
-      </a:effectRef>
-      <a:fontRef idx="minor"/>
-    </dgm:style>
-  </dgm:styleLbl>
-  <dgm:styleLbl name="sibTrans2D1">
-    <dgm:scene3d>
-      <a:camera prst="orthographicFront"/>
-      <a:lightRig rig="threePt" dir="t"/>
-    </dgm:scene3d>
-    <dgm:sp3d/>
-    <dgm:txPr/>
-    <dgm:style>
-      <a:lnRef idx="0">
-        <a:scrgbClr r="0" g="0" b="0"/>
-      </a:lnRef>
-      <a:fillRef idx="1">
-        <a:scrgbClr r="0" g="0" b="0"/>
-      </a:fillRef>
-      <a:effectRef idx="0">
-        <a:scrgbClr r="0" g="0" b="0"/>
-      </a:effectRef>
-      <a:fontRef idx="minor">
-        <a:schemeClr val="lt1"/>
-      </a:fontRef>
-    </dgm:style>
-  </dgm:styleLbl>
-  <dgm:styleLbl name="fgSibTrans2D1">
-    <dgm:scene3d>
-      <a:camera prst="orthographicFront"/>
-      <a:lightRig rig="threePt" dir="t"/>
-    </dgm:scene3d>
-    <dgm:sp3d/>
-    <dgm:txPr/>
-    <dgm:style>
-      <a:lnRef idx="0">
-        <a:scrgbClr r="0" g="0" b="0"/>
-      </a:lnRef>
-      <a:fillRef idx="1">
-        <a:scrgbClr r="0" g="0" b="0"/>
-      </a:fillRef>
-      <a:effectRef idx="0">
-        <a:scrgbClr r="0" g="0" b="0"/>
-      </a:effectRef>
-      <a:fontRef idx="minor">
-        <a:schemeClr val="lt1"/>
-      </a:fontRef>
-    </dgm:style>
-  </dgm:styleLbl>
-  <dgm:styleLbl name="bgSibTrans2D1">
-    <dgm:scene3d>
-      <a:camera prst="orthographicFront"/>
-      <a:lightRig rig="threePt" dir="t"/>
-    </dgm:scene3d>
-    <dgm:sp3d/>
-    <dgm:txPr/>
-    <dgm:style>
-      <a:lnRef idx="0">
-        <a:scrgbClr r="0" g="0" b="0"/>
-      </a:lnRef>
-      <a:fillRef idx="1">
-        <a:scrgbClr r="0" g="0" b="0"/>
-      </a:fillRef>
-      <a:effectRef idx="0">
-        <a:scrgbClr r="0" g="0" b="0"/>
-      </a:effectRef>
-      <a:fontRef idx="minor">
-        <a:schemeClr val="lt1"/>
-      </a:fontRef>
-    </dgm:style>
-  </dgm:styleLbl>
-  <dgm:styleLbl name="sibTrans1D1">
-    <dgm:scene3d>
-      <a:camera prst="orthographicFront"/>
-      <a:lightRig rig="threePt" dir="t"/>
-    </dgm:scene3d>
-    <dgm:sp3d/>
-    <dgm:txPr/>
-    <dgm:style>
-      <a:lnRef idx="1">
-        <a:scrgbClr r="0" g="0" b="0"/>
-      </a:lnRef>
-      <a:fillRef idx="0">
-        <a:scrgbClr r="0" g="0" b="0"/>
-      </a:fillRef>
-      <a:effectRef idx="0">
-        <a:scrgbClr r="0" g="0" b="0"/>
-      </a:effectRef>
-      <a:fontRef idx="minor"/>
-    </dgm:style>
-  </dgm:styleLbl>
-  <dgm:styleLbl name="callout">
-    <dgm:scene3d>
-      <a:camera prst="orthographicFront"/>
-      <a:lightRig rig="threePt" dir="t"/>
-    </dgm:scene3d>
-    <dgm:sp3d/>
-    <dgm:txPr/>
-    <dgm:style>
-      <a:lnRef idx="2">
-        <a:scrgbClr r="0" g="0" b="0"/>
-      </a:lnRef>
-      <a:fillRef idx="1">
-        <a:scrgbClr r="0" g="0" b="0"/>
-      </a:fillRef>
-      <a:effectRef idx="0">
-        <a:scrgbClr r="0" g="0" b="0"/>
-      </a:effectRef>
-      <a:fontRef idx="minor"/>
-    </dgm:style>
-  </dgm:styleLbl>
-  <dgm:styleLbl name="asst0">
-    <dgm:scene3d>
-      <a:camera prst="orthographicFront"/>
-      <a:lightRig rig="threePt" dir="t"/>
-    </dgm:scene3d>
-    <dgm:sp3d/>
-    <dgm:txPr/>
-    <dgm:style>
-      <a:lnRef idx="2">
-        <a:scrgbClr r="0" g="0" b="0"/>
-      </a:lnRef>
-      <a:fillRef idx="1">
-        <a:scrgbClr r="0" g="0" b="0"/>
-      </a:fillRef>
-      <a:effectRef idx="0">
-        <a:scrgbClr r="0" g="0" b="0"/>
-      </a:effectRef>
-      <a:fontRef idx="minor">
-        <a:schemeClr val="lt1"/>
-      </a:fontRef>
-    </dgm:style>
-  </dgm:styleLbl>
-  <dgm:styleLbl name="asst1">
-    <dgm:scene3d>
-      <a:camera prst="orthographicFront"/>
-      <a:lightRig rig="threePt" dir="t"/>
-    </dgm:scene3d>
-    <dgm:sp3d/>
-    <dgm:txPr/>
-    <dgm:style>
-      <a:lnRef idx="2">
-        <a:scrgbClr r="0" g="0" b="0"/>
-      </a:lnRef>
-      <a:fillRef idx="1">
-        <a:scrgbClr r="0" g="0" b="0"/>
-      </a:fillRef>
-      <a:effectRef idx="0">
-        <a:scrgbClr r="0" g="0" b="0"/>
-      </a:effectRef>
-      <a:fontRef idx="minor">
-        <a:schemeClr val="lt1"/>
-      </a:fontRef>
-    </dgm:style>
-  </dgm:styleLbl>
-  <dgm:styleLbl name="asst2">
-    <dgm:scene3d>
-      <a:camera prst="orthographicFront"/>
-      <a:lightRig rig="threePt" dir="t"/>
-    </dgm:scene3d>
-    <dgm:sp3d/>
-    <dgm:txPr/>
-    <dgm:style>
-      <a:lnRef idx="2">
-        <a:scrgbClr r="0" g="0" b="0"/>
-      </a:lnRef>
-      <a:fillRef idx="1">
-        <a:scrgbClr r="0" g="0" b="0"/>
-      </a:fillRef>
-      <a:effectRef idx="0">
-        <a:scrgbClr r="0" g="0" b="0"/>
-      </a:effectRef>
-      <a:fontRef idx="minor">
-        <a:schemeClr val="lt1"/>
-      </a:fontRef>
-    </dgm:style>
-  </dgm:styleLbl>
-  <dgm:styleLbl name="asst3">
-    <dgm:scene3d>
-      <a:camera prst="orthographicFront"/>
-      <a:lightRig rig="threePt" dir="t"/>
-    </dgm:scene3d>
-    <dgm:sp3d/>
-    <dgm:txPr/>
-    <dgm:style>
-      <a:lnRef idx="2">
-        <a:scrgbClr r="0" g="0" b="0"/>
-      </a:lnRef>
-      <a:fillRef idx="1">
-        <a:scrgbClr r="0" g="0" b="0"/>
-      </a:fillRef>
-      <a:effectRef idx="0">
-        <a:scrgbClr r="0" g="0" b="0"/>
-      </a:effectRef>
-      <a:fontRef idx="minor">
-        <a:schemeClr val="lt1"/>
-      </a:fontRef>
-    </dgm:style>
-  </dgm:styleLbl>
-  <dgm:styleLbl name="asst4">
-    <dgm:scene3d>
-      <a:camera prst="orthographicFront"/>
-      <a:lightRig rig="threePt" dir="t"/>
-    </dgm:scene3d>
-    <dgm:sp3d/>
-    <dgm:txPr/>
-    <dgm:style>
-      <a:lnRef idx="2">
-        <a:scrgbClr r="0" g="0" b="0"/>
-      </a:lnRef>
-      <a:fillRef idx="1">
-        <a:scrgbClr r="0" g="0" b="0"/>
-      </a:fillRef>
-      <a:effectRef idx="0">
-        <a:scrgbClr r="0" g="0" b="0"/>
-      </a:effectRef>
-      <a:fontRef idx="minor">
-        <a:schemeClr val="lt1"/>
-      </a:fontRef>
-    </dgm:style>
-  </dgm:styleLbl>
-  <dgm:styleLbl name="parChTrans2D1">
-    <dgm:scene3d>
-      <a:camera prst="orthographicFront"/>
-      <a:lightRig rig="threePt" dir="t"/>
-    </dgm:scene3d>
-    <dgm:sp3d/>
-    <dgm:txPr/>
-    <dgm:style>
-      <a:lnRef idx="2">
-        <a:scrgbClr r="0" g="0" b="0"/>
-      </a:lnRef>
-      <a:fillRef idx="1">
-        <a:scrgbClr r="0" g="0" b="0"/>
-      </a:fillRef>
-      <a:effectRef idx="0">
-        <a:scrgbClr r="0" g="0" b="0"/>
-      </a:effectRef>
-      <a:fontRef idx="minor">
-        <a:schemeClr val="lt1"/>
-      </a:fontRef>
-    </dgm:style>
-  </dgm:styleLbl>
-  <dgm:styleLbl name="parChTrans2D2">
-    <dgm:scene3d>
-      <a:camera prst="orthographicFront"/>
-      <a:lightRig rig="threePt" dir="t"/>
-    </dgm:scene3d>
-    <dgm:sp3d/>
-    <dgm:txPr/>
-    <dgm:style>
-      <a:lnRef idx="2">
-        <a:scrgbClr r="0" g="0" b="0"/>
-      </a:lnRef>
-      <a:fillRef idx="1">
-        <a:scrgbClr r="0" g="0" b="0"/>
-      </a:fillRef>
-      <a:effectRef idx="0">
-        <a:scrgbClr r="0" g="0" b="0"/>
-      </a:effectRef>
-      <a:fontRef idx="minor">
-        <a:schemeClr val="lt1"/>
-      </a:fontRef>
-    </dgm:style>
-  </dgm:styleLbl>
-  <dgm:styleLbl name="parChTrans2D3">
-    <dgm:scene3d>
-      <a:camera prst="orthographicFront"/>
-      <a:lightRig rig="threePt" dir="t"/>
-    </dgm:scene3d>
-    <dgm:sp3d/>
-    <dgm:txPr/>
-    <dgm:style>
-      <a:lnRef idx="2">
-        <a:scrgbClr r="0" g="0" b="0"/>
-      </a:lnRef>
-      <a:fillRef idx="1">
-        <a:scrgbClr r="0" g="0" b="0"/>
-      </a:fillRef>
-      <a:effectRef idx="0">
-        <a:scrgbClr r="0" g="0" b="0"/>
-      </a:effectRef>
-      <a:fontRef idx="minor">
-        <a:schemeClr val="lt1"/>
-      </a:fontRef>
-    </dgm:style>
-  </dgm:styleLbl>
-  <dgm:styleLbl name="parChTrans2D4">
-    <dgm:scene3d>
-      <a:camera prst="orthographicFront"/>
-      <a:lightRig rig="threePt" dir="t"/>
-    </dgm:scene3d>
-    <dgm:sp3d/>
-    <dgm:txPr/>
-    <dgm:style>
-      <a:lnRef idx="2">
-        <a:scrgbClr r="0" g="0" b="0"/>
-      </a:lnRef>
-      <a:fillRef idx="1">
-        <a:scrgbClr r="0" g="0" b="0"/>
-      </a:fillRef>
-      <a:effectRef idx="0">
-        <a:scrgbClr r="0" g="0" b="0"/>
-      </a:effectRef>
-      <a:fontRef idx="minor">
-        <a:schemeClr val="lt1"/>
-      </a:fontRef>
-    </dgm:style>
-  </dgm:styleLbl>
-  <dgm:styleLbl name="parChTrans1D1">
-    <dgm:scene3d>
-      <a:camera prst="orthographicFront"/>
-      <a:lightRig rig="threePt" dir="t"/>
-    </dgm:scene3d>
-    <dgm:sp3d/>
-    <dgm:txPr/>
-    <dgm:style>
-      <a:lnRef idx="2">
-        <a:scrgbClr r="0" g="0" b="0"/>
-      </a:lnRef>
-      <a:fillRef idx="0">
-        <a:scrgbClr r="0" g="0" b="0"/>
-      </a:fillRef>
-      <a:effectRef idx="0">
-        <a:scrgbClr r="0" g="0" b="0"/>
-      </a:effectRef>
-      <a:fontRef idx="minor"/>
-    </dgm:style>
-  </dgm:styleLbl>
-  <dgm:styleLbl name="parChTrans1D2">
-    <dgm:scene3d>
-      <a:camera prst="orthographicFront"/>
-      <a:lightRig rig="threePt" dir="t"/>
-    </dgm:scene3d>
-    <dgm:sp3d/>
-    <dgm:txPr/>
-    <dgm:style>
-      <a:lnRef idx="2">
-        <a:scrgbClr r="0" g="0" b="0"/>
-      </a:lnRef>
-      <a:fillRef idx="0">
-        <a:scrgbClr r="0" g="0" b="0"/>
-      </a:fillRef>
-      <a:effectRef idx="0">
-        <a:scrgbClr r="0" g="0" b="0"/>
-      </a:effectRef>
-      <a:fontRef idx="minor"/>
-    </dgm:style>
-  </dgm:styleLbl>
-  <dgm:styleLbl name="parChTrans1D3">
-    <dgm:scene3d>
-      <a:camera prst="orthographicFront"/>
-      <a:lightRig rig="threePt" dir="t"/>
-    </dgm:scene3d>
-    <dgm:sp3d/>
-    <dgm:txPr/>
-    <dgm:style>
-      <a:lnRef idx="2">
-        <a:scrgbClr r="0" g="0" b="0"/>
-      </a:lnRef>
-      <a:fillRef idx="0">
-        <a:scrgbClr r="0" g="0" b="0"/>
-      </a:fillRef>
-      <a:effectRef idx="0">
-        <a:scrgbClr r="0" g="0" b="0"/>
-      </a:effectRef>
-      <a:fontRef idx="minor"/>
-    </dgm:style>
-  </dgm:styleLbl>
-  <dgm:styleLbl name="parChTrans1D4">
-    <dgm:scene3d>
-      <a:camera prst="orthographicFront"/>
-      <a:lightRig rig="threePt" dir="t"/>
-    </dgm:scene3d>
-    <dgm:sp3d/>
-    <dgm:txPr/>
-    <dgm:style>
-      <a:lnRef idx="2">
-        <a:scrgbClr r="0" g="0" b="0"/>
-      </a:lnRef>
-      <a:fillRef idx="0">
-        <a:scrgbClr r="0" g="0" b="0"/>
-      </a:fillRef>
-      <a:effectRef idx="0">
-        <a:scrgbClr r="0" g="0" b="0"/>
-      </a:effectRef>
-      <a:fontRef idx="minor"/>
-    </dgm:style>
-  </dgm:styleLbl>
-  <dgm:styleLbl name="fgAcc1">
-    <dgm:scene3d>
-      <a:camera prst="orthographicFront"/>
-      <a:lightRig rig="threePt" dir="t"/>
-    </dgm:scene3d>
-    <dgm:sp3d/>
-    <dgm:txPr/>
-    <dgm:style>
-      <a:lnRef idx="2">
-        <a:scrgbClr r="0" g="0" b="0"/>
-      </a:lnRef>
-      <a:fillRef idx="1">
-        <a:scrgbClr r="0" g="0" b="0"/>
-      </a:fillRef>
-      <a:effectRef idx="0">
-        <a:scrgbClr r="0" g="0" b="0"/>
-      </a:effectRef>
-      <a:fontRef idx="minor"/>
-    </dgm:style>
-  </dgm:styleLbl>
-  <dgm:styleLbl name="conFgAcc1">
-    <dgm:scene3d>
-      <a:camera prst="orthographicFront"/>
-      <a:lightRig rig="threePt" dir="t"/>
-    </dgm:scene3d>
-    <dgm:sp3d/>
-    <dgm:txPr/>
-    <dgm:style>
-      <a:lnRef idx="2">
-        <a:scrgbClr r="0" g="0" b="0"/>
-      </a:lnRef>
-      <a:fillRef idx="1">
-        <a:scrgbClr r="0" g="0" b="0"/>
-      </a:fillRef>
-      <a:effectRef idx="0">
-        <a:scrgbClr r="0" g="0" b="0"/>
-      </a:effectRef>
-      <a:fontRef idx="minor"/>
-    </dgm:style>
-  </dgm:styleLbl>
-  <dgm:styleLbl name="alignAcc1">
-    <dgm:scene3d>
-      <a:camera prst="orthographicFront"/>
-      <a:lightRig rig="threePt" dir="t"/>
-    </dgm:scene3d>
-    <dgm:sp3d/>
-    <dgm:txPr/>
-    <dgm:style>
-      <a:lnRef idx="2">
-        <a:scrgbClr r="0" g="0" b="0"/>
-      </a:lnRef>
-      <a:fillRef idx="1">
-        <a:scrgbClr r="0" g="0" b="0"/>
-      </a:fillRef>
-      <a:effectRef idx="0">
-        <a:scrgbClr r="0" g="0" b="0"/>
-      </a:effectRef>
-      <a:fontRef idx="minor"/>
-    </dgm:style>
-  </dgm:styleLbl>
-  <dgm:styleLbl name="trAlignAcc1">
-    <dgm:scene3d>
-      <a:camera prst="orthographicFront"/>
-      <a:lightRig rig="threePt" dir="t"/>
-    </dgm:scene3d>
-    <dgm:sp3d/>
-    <dgm:txPr/>
-    <dgm:style>
-      <a:lnRef idx="1">
-        <a:scrgbClr r="0" g="0" b="0"/>
-      </a:lnRef>
-      <a:fillRef idx="1">
-        <a:scrgbClr r="0" g="0" b="0"/>
-      </a:fillRef>
-      <a:effectRef idx="0">
-        <a:scrgbClr r="0" g="0" b="0"/>
-      </a:effectRef>
-      <a:fontRef idx="minor"/>
-    </dgm:style>
-  </dgm:styleLbl>
-  <dgm:styleLbl name="bgAcc1">
-    <dgm:scene3d>
-      <a:camera prst="orthographicFront"/>
-      <a:lightRig rig="threePt" dir="t"/>
-    </dgm:scene3d>
-    <dgm:sp3d/>
-    <dgm:txPr/>
-    <dgm:style>
-      <a:lnRef idx="2">
-        <a:scrgbClr r="0" g="0" b="0"/>
-      </a:lnRef>
-      <a:fillRef idx="1">
-        <a:scrgbClr r="0" g="0" b="0"/>
-      </a:fillRef>
-      <a:effectRef idx="0">
-        <a:scrgbClr r="0" g="0" b="0"/>
-      </a:effectRef>
-      <a:fontRef idx="minor"/>
-    </dgm:style>
-  </dgm:styleLbl>
-  <dgm:styleLbl name="solidFgAcc1">
-    <dgm:scene3d>
-      <a:camera prst="orthographicFront"/>
-      <a:lightRig rig="threePt" dir="t"/>
-    </dgm:scene3d>
-    <dgm:sp3d/>
-    <dgm:txPr/>
-    <dgm:style>
-      <a:lnRef idx="2">
-        <a:scrgbClr r="0" g="0" b="0"/>
-      </a:lnRef>
-      <a:fillRef idx="1">
-        <a:scrgbClr r="0" g="0" b="0"/>
-      </a:fillRef>
-      <a:effectRef idx="0">
-        <a:scrgbClr r="0" g="0" b="0"/>
-      </a:effectRef>
-      <a:fontRef idx="minor"/>
-    </dgm:style>
-  </dgm:styleLbl>
-  <dgm:styleLbl name="solidAlignAcc1">
-    <dgm:scene3d>
-      <a:camera prst="orthographicFront"/>
-      <a:lightRig rig="threePt" dir="t"/>
-    </dgm:scene3d>
-    <dgm:sp3d/>
-    <dgm:txPr/>
-    <dgm:style>
-      <a:lnRef idx="2">
-        <a:scrgbClr r="0" g="0" b="0"/>
-      </a:lnRef>
-      <a:fillRef idx="1">
-        <a:scrgbClr r="0" g="0" b="0"/>
-      </a:fillRef>
-      <a:effectRef idx="0">
-        <a:scrgbClr r="0" g="0" b="0"/>
-      </a:effectRef>
-      <a:fontRef idx="minor"/>
-    </dgm:style>
-  </dgm:styleLbl>
-  <dgm:styleLbl name="solidBgAcc1">
-    <dgm:scene3d>
-      <a:camera prst="orthographicFront"/>
-      <a:lightRig rig="threePt" dir="t"/>
-    </dgm:scene3d>
-    <dgm:sp3d/>
-    <dgm:txPr/>
-    <dgm:style>
-      <a:lnRef idx="2">
-        <a:scrgbClr r="0" g="0" b="0"/>
-      </a:lnRef>
-      <a:fillRef idx="1">
-        <a:scrgbClr r="0" g="0" b="0"/>
-      </a:fillRef>
-      <a:effectRef idx="0">
-        <a:scrgbClr r="0" g="0" b="0"/>
-      </a:effectRef>
-      <a:fontRef idx="minor"/>
-    </dgm:style>
-  </dgm:styleLbl>
-  <dgm:styleLbl name="fgAccFollowNode1">
-    <dgm:scene3d>
-      <a:camera prst="orthographicFront"/>
-      <a:lightRig rig="threePt" dir="t"/>
-    </dgm:scene3d>
-    <dgm:sp3d/>
-    <dgm:txPr/>
-    <dgm:style>
-      <a:lnRef idx="2">
-        <a:scrgbClr r="0" g="0" b="0"/>
-      </a:lnRef>
-      <a:fillRef idx="1">
-        <a:scrgbClr r="0" g="0" b="0"/>
-      </a:fillRef>
-      <a:effectRef idx="0">
-        <a:scrgbClr r="0" g="0" b="0"/>
-      </a:effectRef>
-      <a:fontRef idx="minor"/>
-    </dgm:style>
-  </dgm:styleLbl>
-  <dgm:styleLbl name="alignAccFollowNode1">
-    <dgm:scene3d>
-      <a:camera prst="orthographicFront"/>
-      <a:lightRig rig="threePt" dir="t"/>
-    </dgm:scene3d>
-    <dgm:sp3d/>
-    <dgm:txPr/>
-    <dgm:style>
-      <a:lnRef idx="2">
-        <a:scrgbClr r="0" g="0" b="0"/>
-      </a:lnRef>
-      <a:fillRef idx="1">
-        <a:scrgbClr r="0" g="0" b="0"/>
-      </a:fillRef>
-      <a:effectRef idx="0">
-        <a:scrgbClr r="0" g="0" b="0"/>
-      </a:effectRef>
-      <a:fontRef idx="minor"/>
-    </dgm:style>
-  </dgm:styleLbl>
-  <dgm:styleLbl name="bgAccFollowNode1">
-    <dgm:scene3d>
-      <a:camera prst="orthographicFront"/>
-      <a:lightRig rig="threePt" dir="t"/>
-    </dgm:scene3d>
-    <dgm:sp3d/>
-    <dgm:txPr/>
-    <dgm:style>
-      <a:lnRef idx="2">
-        <a:scrgbClr r="0" g="0" b="0"/>
-      </a:lnRef>
-      <a:fillRef idx="1">
-        <a:scrgbClr r="0" g="0" b="0"/>
-      </a:fillRef>
-      <a:effectRef idx="0">
-        <a:scrgbClr r="0" g="0" b="0"/>
-      </a:effectRef>
-      <a:fontRef idx="minor"/>
-    </dgm:style>
-  </dgm:styleLbl>
-  <dgm:styleLbl name="fgAcc0">
-    <dgm:scene3d>
-      <a:camera prst="orthographicFront"/>
-      <a:lightRig rig="threePt" dir="t"/>
-    </dgm:scene3d>
-    <dgm:sp3d/>
-    <dgm:txPr/>
-    <dgm:style>
-      <a:lnRef idx="2">
-        <a:scrgbClr r="0" g="0" b="0"/>
-      </a:lnRef>
-      <a:fillRef idx="1">
-        <a:scrgbClr r="0" g="0" b="0"/>
-      </a:fillRef>
-      <a:effectRef idx="0">
-        <a:scrgbClr r="0" g="0" b="0"/>
-      </a:effectRef>
-      <a:fontRef idx="minor"/>
-    </dgm:style>
-  </dgm:styleLbl>
-  <dgm:styleLbl name="fgAcc2">
-    <dgm:scene3d>
-      <a:camera prst="orthographicFront"/>
-      <a:lightRig rig="threePt" dir="t"/>
-    </dgm:scene3d>
-    <dgm:sp3d/>
-    <dgm:txPr/>
-    <dgm:style>
-      <a:lnRef idx="2">
-        <a:scrgbClr r="0" g="0" b="0"/>
-      </a:lnRef>
-      <a:fillRef idx="1">
-        <a:scrgbClr r="0" g="0" b="0"/>
-      </a:fillRef>
-      <a:effectRef idx="0">
-        <a:scrgbClr r="0" g="0" b="0"/>
-      </a:effectRef>
-      <a:fontRef idx="minor"/>
-    </dgm:style>
-  </dgm:styleLbl>
-  <dgm:styleLbl name="fgAcc3">
-    <dgm:scene3d>
-      <a:camera prst="orthographicFront"/>
-      <a:lightRig rig="threePt" dir="t"/>
-    </dgm:scene3d>
-    <dgm:sp3d/>
-    <dgm:txPr/>
-    <dgm:style>
-      <a:lnRef idx="2">
-        <a:scrgbClr r="0" g="0" b="0"/>
-      </a:lnRef>
-      <a:fillRef idx="1">
-        <a:scrgbClr r="0" g="0" b="0"/>
-      </a:fillRef>
-      <a:effectRef idx="0">
-        <a:scrgbClr r="0" g="0" b="0"/>
-      </a:effectRef>
-      <a:fontRef idx="minor"/>
-    </dgm:style>
-  </dgm:styleLbl>
-  <dgm:styleLbl name="fgAcc4">
-    <dgm:scene3d>
-      <a:camera prst="orthographicFront"/>
-      <a:lightRig rig="threePt" dir="t"/>
-    </dgm:scene3d>
-    <dgm:sp3d/>
-    <dgm:txPr/>
-    <dgm:style>
-      <a:lnRef idx="2">
-        <a:scrgbClr r="0" g="0" b="0"/>
-      </a:lnRef>
-      <a:fillRef idx="1">
-        <a:scrgbClr r="0" g="0" b="0"/>
-      </a:fillRef>
-      <a:effectRef idx="0">
-        <a:scrgbClr r="0" g="0" b="0"/>
-      </a:effectRef>
-      <a:fontRef idx="minor"/>
-    </dgm:style>
-  </dgm:styleLbl>
-  <dgm:styleLbl name="bgShp">
-    <dgm:scene3d>
-      <a:camera prst="orthographicFront"/>
-      <a:lightRig rig="threePt" dir="t"/>
-    </dgm:scene3d>
-    <dgm:sp3d/>
-    <dgm:txPr/>
-    <dgm:style>
-      <a:lnRef idx="0">
-        <a:scrgbClr r="0" g="0" b="0"/>
-      </a:lnRef>
-      <a:fillRef idx="1">
-        <a:scrgbClr r="0" g="0" b="0"/>
-      </a:fillRef>
-      <a:effectRef idx="0">
-        <a:scrgbClr r="0" g="0" b="0"/>
-      </a:effectRef>
-      <a:fontRef idx="minor"/>
-    </dgm:style>
-  </dgm:styleLbl>
-  <dgm:styleLbl name="dkBgShp">
-    <dgm:scene3d>
-      <a:camera prst="orthographicFront"/>
-      <a:lightRig rig="threePt" dir="t"/>
-    </dgm:scene3d>
-    <dgm:sp3d/>
-    <dgm:txPr/>
-    <dgm:style>
-      <a:lnRef idx="0">
-        <a:scrgbClr r="0" g="0" b="0"/>
-      </a:lnRef>
-      <a:fillRef idx="1">
-        <a:scrgbClr r="0" g="0" b="0"/>
-      </a:fillRef>
-      <a:effectRef idx="0">
-        <a:scrgbClr r="0" g="0" b="0"/>
-      </a:effectRef>
-      <a:fontRef idx="minor"/>
-    </dgm:style>
-  </dgm:styleLbl>
-  <dgm:styleLbl name="trBgShp">
-    <dgm:scene3d>
-      <a:camera prst="orthographicFront"/>
-      <a:lightRig rig="threePt" dir="t"/>
-    </dgm:scene3d>
-    <dgm:sp3d/>
-    <dgm:txPr/>
-    <dgm:style>
-      <a:lnRef idx="0">
-        <a:scrgbClr r="0" g="0" b="0"/>
-      </a:lnRef>
-      <a:fillRef idx="1">
-        <a:scrgbClr r="0" g="0" b="0"/>
-      </a:fillRef>
-      <a:effectRef idx="0">
-        <a:scrgbClr r="0" g="0" b="0"/>
-      </a:effectRef>
-      <a:fontRef idx="minor"/>
-    </dgm:style>
-  </dgm:styleLbl>
-  <dgm:styleLbl name="fgShp">
-    <dgm:scene3d>
-      <a:camera prst="orthographicFront"/>
-      <a:lightRig rig="threePt" dir="t"/>
-    </dgm:scene3d>
-    <dgm:sp3d/>
-    <dgm:txPr/>
-    <dgm:style>
-      <a:lnRef idx="2">
-        <a:scrgbClr r="0" g="0" b="0"/>
-      </a:lnRef>
-      <a:fillRef idx="1">
-        <a:scrgbClr r="0" g="0" b="0"/>
-      </a:fillRef>
-      <a:effectRef idx="0">
-        <a:scrgbClr r="0" g="0" b="0"/>
-      </a:effectRef>
-      <a:fontRef idx="minor"/>
-    </dgm:style>
-  </dgm:styleLbl>
-  <dgm:styleLbl name="revTx">
-    <dgm:scene3d>
-      <a:camera prst="orthographicFront"/>
-      <a:lightRig rig="threePt" dir="t"/>
-    </dgm:scene3d>
-    <dgm:sp3d/>
-    <dgm:txPr/>
-    <dgm:style>
-      <a:lnRef idx="0">
-        <a:scrgbClr r="0" g="0" b="0"/>
-      </a:lnRef>
-      <a:fillRef idx="0">
-        <a:scrgbClr r="0" g="0" b="0"/>
-      </a:fillRef>
-      <a:effectRef idx="0">
-        <a:scrgbClr r="0" g="0" b="0"/>
-      </a:effectRef>
-      <a:fontRef idx="minor"/>
-    </dgm:style>
-  </dgm:styleLbl>
-</dgm:styleDef>
 </file>
 
 <file path=ppt/handoutMasters/handoutMaster1.xml><?xml version="1.0" encoding="utf-8"?>
@@ -3233,7 +407,7 @@
     </p:spTree>
     <p:extLst>
       <p:ext uri="{BB962C8B-B14F-4D97-AF65-F5344CB8AC3E}">
-        <p14:creationId xmlns:p14="http://schemas.microsoft.com/office/powerpoint/2010/main" val="405139585"/>
+        <p14:creationId xmlns:p14="http://schemas.microsoft.com/office/powerpoint/2010/main" xmlns="" val="405139585"/>
       </p:ext>
     </p:extLst>
   </p:cSld>
@@ -3492,7 +666,7 @@
     </p:spTree>
     <p:extLst>
       <p:ext uri="{BB962C8B-B14F-4D97-AF65-F5344CB8AC3E}">
-        <p14:creationId xmlns:p14="http://schemas.microsoft.com/office/powerpoint/2010/main" val="2411570515"/>
+        <p14:creationId xmlns:p14="http://schemas.microsoft.com/office/powerpoint/2010/main" xmlns="" val="2411570515"/>
       </p:ext>
     </p:extLst>
   </p:cSld>
@@ -3776,20 +950,20 @@
     </p:spTree>
     <p:extLst>
       <p:ext uri="{BB962C8B-B14F-4D97-AF65-F5344CB8AC3E}">
-        <p14:creationId xmlns:p14="http://schemas.microsoft.com/office/powerpoint/2010/main" val="674356654"/>
+        <p14:creationId xmlns:p14="http://schemas.microsoft.com/office/powerpoint/2010/main" xmlns="" val="674356654"/>
       </p:ext>
     </p:extLst>
   </p:cSld>
   <p:clrMapOvr>
     <a:masterClrMapping/>
   </p:clrMapOvr>
-  <mc:AlternateContent xmlns:mc="http://schemas.openxmlformats.org/markup-compatibility/2006" xmlns:p14="http://schemas.microsoft.com/office/powerpoint/2010/main">
-    <mc:Choice Requires="p14">
+  <mc:AlternateContent xmlns:mc="http://schemas.openxmlformats.org/markup-compatibility/2006">
+    <mc:Choice xmlns:p14="http://schemas.microsoft.com/office/powerpoint/2010/main" xmlns="" Requires="p14">
       <p:transition spd="med" p14:dur="700">
         <p:fade/>
       </p:transition>
     </mc:Choice>
-    <mc:Fallback xmlns="">
+    <mc:Fallback>
       <p:transition spd="med">
         <p:fade/>
       </p:transition>
@@ -4390,20 +1564,20 @@
     </p:spTree>
     <p:extLst>
       <p:ext uri="{BB962C8B-B14F-4D97-AF65-F5344CB8AC3E}">
-        <p14:creationId xmlns:p14="http://schemas.microsoft.com/office/powerpoint/2010/main" val="2614472672"/>
+        <p14:creationId xmlns:p14="http://schemas.microsoft.com/office/powerpoint/2010/main" xmlns="" val="2614472672"/>
       </p:ext>
     </p:extLst>
   </p:cSld>
   <p:clrMapOvr>
     <a:masterClrMapping/>
   </p:clrMapOvr>
-  <mc:AlternateContent xmlns:mc="http://schemas.openxmlformats.org/markup-compatibility/2006" xmlns:p14="http://schemas.microsoft.com/office/powerpoint/2010/main">
-    <mc:Choice Requires="p14">
+  <mc:AlternateContent xmlns:mc="http://schemas.openxmlformats.org/markup-compatibility/2006">
+    <mc:Choice xmlns:p14="http://schemas.microsoft.com/office/powerpoint/2010/main" xmlns="" Requires="p14">
       <p:transition spd="med" p14:dur="700">
         <p:fade/>
       </p:transition>
     </mc:Choice>
-    <mc:Fallback xmlns="">
+    <mc:Fallback>
       <p:transition spd="med">
         <p:fade/>
       </p:transition>
@@ -5004,20 +2178,20 @@
     </p:spTree>
     <p:extLst>
       <p:ext uri="{BB962C8B-B14F-4D97-AF65-F5344CB8AC3E}">
-        <p14:creationId xmlns:p14="http://schemas.microsoft.com/office/powerpoint/2010/main" val="2614472672"/>
+        <p14:creationId xmlns:p14="http://schemas.microsoft.com/office/powerpoint/2010/main" xmlns="" val="2614472672"/>
       </p:ext>
     </p:extLst>
   </p:cSld>
   <p:clrMapOvr>
     <a:masterClrMapping/>
   </p:clrMapOvr>
-  <mc:AlternateContent xmlns:mc="http://schemas.openxmlformats.org/markup-compatibility/2006" xmlns:p14="http://schemas.microsoft.com/office/powerpoint/2010/main">
-    <mc:Choice Requires="p14">
+  <mc:AlternateContent xmlns:mc="http://schemas.openxmlformats.org/markup-compatibility/2006">
+    <mc:Choice xmlns:p14="http://schemas.microsoft.com/office/powerpoint/2010/main" xmlns="" Requires="p14">
       <p:transition spd="med" p14:dur="700">
         <p:fade/>
       </p:transition>
     </mc:Choice>
-    <mc:Fallback xmlns="">
+    <mc:Fallback>
       <p:transition spd="med">
         <p:fade/>
       </p:transition>
@@ -5618,20 +2792,20 @@
     </p:spTree>
     <p:extLst>
       <p:ext uri="{BB962C8B-B14F-4D97-AF65-F5344CB8AC3E}">
-        <p14:creationId xmlns:p14="http://schemas.microsoft.com/office/powerpoint/2010/main" val="2614472672"/>
+        <p14:creationId xmlns:p14="http://schemas.microsoft.com/office/powerpoint/2010/main" xmlns="" val="2614472672"/>
       </p:ext>
     </p:extLst>
   </p:cSld>
   <p:clrMapOvr>
     <a:masterClrMapping/>
   </p:clrMapOvr>
-  <mc:AlternateContent xmlns:mc="http://schemas.openxmlformats.org/markup-compatibility/2006" xmlns:p14="http://schemas.microsoft.com/office/powerpoint/2010/main">
-    <mc:Choice Requires="p14">
+  <mc:AlternateContent xmlns:mc="http://schemas.openxmlformats.org/markup-compatibility/2006">
+    <mc:Choice xmlns:p14="http://schemas.microsoft.com/office/powerpoint/2010/main" xmlns="" Requires="p14">
       <p:transition spd="med" p14:dur="700">
         <p:fade/>
       </p:transition>
     </mc:Choice>
-    <mc:Fallback xmlns="">
+    <mc:Fallback>
       <p:transition spd="med">
         <p:fade/>
       </p:transition>
@@ -6235,20 +3409,20 @@
     </p:spTree>
     <p:extLst>
       <p:ext uri="{BB962C8B-B14F-4D97-AF65-F5344CB8AC3E}">
-        <p14:creationId xmlns:p14="http://schemas.microsoft.com/office/powerpoint/2010/main" val="2614472672"/>
+        <p14:creationId xmlns:p14="http://schemas.microsoft.com/office/powerpoint/2010/main" xmlns="" val="2614472672"/>
       </p:ext>
     </p:extLst>
   </p:cSld>
   <p:clrMapOvr>
     <a:masterClrMapping/>
   </p:clrMapOvr>
-  <mc:AlternateContent xmlns:mc="http://schemas.openxmlformats.org/markup-compatibility/2006" xmlns:p14="http://schemas.microsoft.com/office/powerpoint/2010/main">
-    <mc:Choice Requires="p14">
+  <mc:AlternateContent xmlns:mc="http://schemas.openxmlformats.org/markup-compatibility/2006">
+    <mc:Choice xmlns:p14="http://schemas.microsoft.com/office/powerpoint/2010/main" xmlns="" Requires="p14">
       <p:transition spd="med" p14:dur="700">
         <p:fade/>
       </p:transition>
     </mc:Choice>
-    <mc:Fallback xmlns="">
+    <mc:Fallback>
       <p:transition spd="med">
         <p:fade/>
       </p:transition>
@@ -6849,20 +4023,20 @@
     </p:spTree>
     <p:extLst>
       <p:ext uri="{BB962C8B-B14F-4D97-AF65-F5344CB8AC3E}">
-        <p14:creationId xmlns:p14="http://schemas.microsoft.com/office/powerpoint/2010/main" val="2614472672"/>
+        <p14:creationId xmlns:p14="http://schemas.microsoft.com/office/powerpoint/2010/main" xmlns="" val="2614472672"/>
       </p:ext>
     </p:extLst>
   </p:cSld>
   <p:clrMapOvr>
     <a:masterClrMapping/>
   </p:clrMapOvr>
-  <mc:AlternateContent xmlns:mc="http://schemas.openxmlformats.org/markup-compatibility/2006" xmlns:p14="http://schemas.microsoft.com/office/powerpoint/2010/main">
-    <mc:Choice Requires="p14">
+  <mc:AlternateContent xmlns:mc="http://schemas.openxmlformats.org/markup-compatibility/2006">
+    <mc:Choice xmlns:p14="http://schemas.microsoft.com/office/powerpoint/2010/main" xmlns="" Requires="p14">
       <p:transition spd="med" p14:dur="700">
         <p:fade/>
       </p:transition>
     </mc:Choice>
-    <mc:Fallback xmlns="">
+    <mc:Fallback>
       <p:transition spd="med">
         <p:fade/>
       </p:transition>
@@ -7463,20 +4637,20 @@
     </p:spTree>
     <p:extLst>
       <p:ext uri="{BB962C8B-B14F-4D97-AF65-F5344CB8AC3E}">
-        <p14:creationId xmlns:p14="http://schemas.microsoft.com/office/powerpoint/2010/main" val="2614472672"/>
+        <p14:creationId xmlns:p14="http://schemas.microsoft.com/office/powerpoint/2010/main" xmlns="" val="2614472672"/>
       </p:ext>
     </p:extLst>
   </p:cSld>
   <p:clrMapOvr>
     <a:masterClrMapping/>
   </p:clrMapOvr>
-  <mc:AlternateContent xmlns:mc="http://schemas.openxmlformats.org/markup-compatibility/2006" xmlns:p14="http://schemas.microsoft.com/office/powerpoint/2010/main">
-    <mc:Choice Requires="p14">
+  <mc:AlternateContent xmlns:mc="http://schemas.openxmlformats.org/markup-compatibility/2006">
+    <mc:Choice xmlns:p14="http://schemas.microsoft.com/office/powerpoint/2010/main" xmlns="" Requires="p14">
       <p:transition spd="med" p14:dur="700">
         <p:fade/>
       </p:transition>
     </mc:Choice>
-    <mc:Fallback xmlns="">
+    <mc:Fallback>
       <p:transition spd="med">
         <p:fade/>
       </p:transition>
@@ -7770,20 +4944,20 @@
     </p:spTree>
     <p:extLst>
       <p:ext uri="{BB962C8B-B14F-4D97-AF65-F5344CB8AC3E}">
-        <p14:creationId xmlns:p14="http://schemas.microsoft.com/office/powerpoint/2010/main" val="3697668095"/>
+        <p14:creationId xmlns:p14="http://schemas.microsoft.com/office/powerpoint/2010/main" xmlns="" val="3697668095"/>
       </p:ext>
     </p:extLst>
   </p:cSld>
   <p:clrMapOvr>
     <a:masterClrMapping/>
   </p:clrMapOvr>
-  <mc:AlternateContent xmlns:mc="http://schemas.openxmlformats.org/markup-compatibility/2006" xmlns:p14="http://schemas.microsoft.com/office/powerpoint/2010/main">
-    <mc:Choice Requires="p14">
+  <mc:AlternateContent xmlns:mc="http://schemas.openxmlformats.org/markup-compatibility/2006">
+    <mc:Choice xmlns:p14="http://schemas.microsoft.com/office/powerpoint/2010/main" xmlns="" Requires="p14">
       <p:transition spd="med" p14:dur="700">
         <p:fade/>
       </p:transition>
     </mc:Choice>
-    <mc:Fallback xmlns="">
+    <mc:Fallback>
       <p:transition spd="med">
         <p:fade/>
       </p:transition>
@@ -8044,7 +5218,7 @@
     </p:spTree>
     <p:extLst>
       <p:ext uri="{BB962C8B-B14F-4D97-AF65-F5344CB8AC3E}">
-        <p14:creationId xmlns:p14="http://schemas.microsoft.com/office/powerpoint/2010/main" val="535636480"/>
+        <p14:creationId xmlns:p14="http://schemas.microsoft.com/office/powerpoint/2010/main" xmlns="" val="535636480"/>
       </p:ext>
     </p:extLst>
   </p:cSld>
@@ -8059,13 +5233,13 @@
     <p:sldLayoutId id="2147483667" r:id="rId7"/>
     <p:sldLayoutId id="2147483668" r:id="rId8"/>
   </p:sldLayoutIdLst>
-  <mc:AlternateContent xmlns:mc="http://schemas.openxmlformats.org/markup-compatibility/2006" xmlns:p14="http://schemas.microsoft.com/office/powerpoint/2010/main">
-    <mc:Choice Requires="p14">
+  <mc:AlternateContent xmlns:mc="http://schemas.openxmlformats.org/markup-compatibility/2006">
+    <mc:Choice xmlns:p14="http://schemas.microsoft.com/office/powerpoint/2010/main" xmlns="" Requires="p14">
       <p:transition spd="med" p14:dur="700">
         <p:fade/>
       </p:transition>
     </mc:Choice>
-    <mc:Fallback xmlns="">
+    <mc:Fallback>
       <p:transition spd="med">
         <p:fade/>
       </p:transition>
@@ -8503,18 +5677,7 @@
                 </a:solidFill>
                 <a:latin typeface="Android" panose="02000500000000000000" pitchFamily="2" charset="0"/>
               </a:rPr>
-              <a:t> </a:t>
-            </a:r>
-            <a:r>
-              <a:rPr lang="de-CH" dirty="0" smtClean="0">
-                <a:solidFill>
-                  <a:schemeClr val="tx1">
-                    <a:lumMod val="65000"/>
-                  </a:schemeClr>
-                </a:solidFill>
-                <a:latin typeface="Android" panose="02000500000000000000" pitchFamily="2" charset="0"/>
-              </a:rPr>
-              <a:t>Systems </a:t>
+              <a:t> Systems </a:t>
             </a:r>
             <a:r>
               <a:rPr lang="de-CH" dirty="0" err="1" smtClean="0">
@@ -8652,20 +5815,20 @@
     </p:spTree>
     <p:extLst>
       <p:ext uri="{BB962C8B-B14F-4D97-AF65-F5344CB8AC3E}">
-        <p14:creationId xmlns:p14="http://schemas.microsoft.com/office/powerpoint/2010/main" val="791001320"/>
+        <p14:creationId xmlns:p14="http://schemas.microsoft.com/office/powerpoint/2010/main" xmlns="" val="791001320"/>
       </p:ext>
     </p:extLst>
   </p:cSld>
   <p:clrMapOvr>
     <a:masterClrMapping/>
   </p:clrMapOvr>
-  <mc:AlternateContent xmlns:mc="http://schemas.openxmlformats.org/markup-compatibility/2006" xmlns:p14="http://schemas.microsoft.com/office/powerpoint/2010/main">
-    <mc:Choice Requires="p14">
+  <mc:AlternateContent xmlns:mc="http://schemas.openxmlformats.org/markup-compatibility/2006">
+    <mc:Choice xmlns:p14="http://schemas.microsoft.com/office/powerpoint/2010/main" xmlns="" Requires="p14">
       <p:transition spd="med" p14:dur="700">
         <p:fade/>
       </p:transition>
     </mc:Choice>
-    <mc:Fallback xmlns="">
+    <mc:Fallback>
       <p:transition spd="med">
         <p:fade/>
       </p:transition>
@@ -8787,7 +5950,7 @@
           <p:nvPr/>
         </p:nvPicPr>
         <p:blipFill>
-          <a:blip r:embed="rId2"/>
+          <a:blip r:embed="rId2" cstate="print"/>
           <a:stretch>
             <a:fillRect/>
           </a:stretch>
@@ -8805,20 +5968,20 @@
     </p:spTree>
     <p:extLst>
       <p:ext uri="{BB962C8B-B14F-4D97-AF65-F5344CB8AC3E}">
-        <p14:creationId xmlns:p14="http://schemas.microsoft.com/office/powerpoint/2010/main" val="3353599290"/>
+        <p14:creationId xmlns:p14="http://schemas.microsoft.com/office/powerpoint/2010/main" xmlns="" val="3353599290"/>
       </p:ext>
     </p:extLst>
   </p:cSld>
   <p:clrMapOvr>
     <a:masterClrMapping/>
   </p:clrMapOvr>
-  <mc:AlternateContent xmlns:mc="http://schemas.openxmlformats.org/markup-compatibility/2006" xmlns:p14="http://schemas.microsoft.com/office/powerpoint/2010/main">
-    <mc:Choice Requires="p14">
+  <mc:AlternateContent xmlns:mc="http://schemas.openxmlformats.org/markup-compatibility/2006">
+    <mc:Choice xmlns:p14="http://schemas.microsoft.com/office/powerpoint/2010/main" xmlns="" Requires="p14">
       <p:transition spd="med" p14:dur="700">
         <p:fade/>
       </p:transition>
     </mc:Choice>
-    <mc:Fallback xmlns="">
+    <mc:Fallback>
       <p:transition spd="med">
         <p:fade/>
       </p:transition>
@@ -8941,7 +6104,7 @@
           <p:nvPr/>
         </p:nvPicPr>
         <p:blipFill>
-          <a:blip r:embed="rId2"/>
+          <a:blip r:embed="rId2" cstate="print"/>
           <a:stretch>
             <a:fillRect/>
           </a:stretch>
@@ -8959,20 +6122,20 @@
     </p:spTree>
     <p:extLst>
       <p:ext uri="{BB962C8B-B14F-4D97-AF65-F5344CB8AC3E}">
-        <p14:creationId xmlns:p14="http://schemas.microsoft.com/office/powerpoint/2010/main" val="2272683450"/>
+        <p14:creationId xmlns:p14="http://schemas.microsoft.com/office/powerpoint/2010/main" xmlns="" val="2272683450"/>
       </p:ext>
     </p:extLst>
   </p:cSld>
   <p:clrMapOvr>
     <a:masterClrMapping/>
   </p:clrMapOvr>
-  <mc:AlternateContent xmlns:mc="http://schemas.openxmlformats.org/markup-compatibility/2006" xmlns:p14="http://schemas.microsoft.com/office/powerpoint/2010/main">
-    <mc:Choice Requires="p14">
+  <mc:AlternateContent xmlns:mc="http://schemas.openxmlformats.org/markup-compatibility/2006">
+    <mc:Choice xmlns:p14="http://schemas.microsoft.com/office/powerpoint/2010/main" xmlns="" Requires="p14">
       <p:transition spd="med" p14:dur="700">
         <p:fade/>
       </p:transition>
     </mc:Choice>
-    <mc:Fallback xmlns="">
+    <mc:Fallback>
       <p:transition spd="med">
         <p:fade/>
       </p:transition>
@@ -9114,13 +6277,13 @@
   <p:clrMapOvr>
     <a:masterClrMapping/>
   </p:clrMapOvr>
-  <mc:AlternateContent xmlns:mc="http://schemas.openxmlformats.org/markup-compatibility/2006" xmlns:p14="http://schemas.microsoft.com/office/powerpoint/2010/main">
-    <mc:Choice Requires="p14">
+  <mc:AlternateContent xmlns:mc="http://schemas.openxmlformats.org/markup-compatibility/2006">
+    <mc:Choice xmlns:p14="http://schemas.microsoft.com/office/powerpoint/2010/main" xmlns="" Requires="p14">
       <p:transition spd="med" p14:dur="700">
         <p:fade/>
       </p:transition>
     </mc:Choice>
-    <mc:Fallback xmlns="">
+    <mc:Fallback>
       <p:transition spd="med">
         <p:fade/>
       </p:transition>
@@ -9279,13 +6442,13 @@
   <p:clrMapOvr>
     <a:masterClrMapping/>
   </p:clrMapOvr>
-  <mc:AlternateContent xmlns:mc="http://schemas.openxmlformats.org/markup-compatibility/2006" xmlns:p14="http://schemas.microsoft.com/office/powerpoint/2010/main">
-    <mc:Choice Requires="p14">
+  <mc:AlternateContent xmlns:mc="http://schemas.openxmlformats.org/markup-compatibility/2006">
+    <mc:Choice xmlns:p14="http://schemas.microsoft.com/office/powerpoint/2010/main" xmlns="" Requires="p14">
       <p:transition spd="med" p14:dur="700">
         <p:fade/>
       </p:transition>
     </mc:Choice>
-    <mc:Fallback xmlns="">
+    <mc:Fallback>
       <p:transition spd="med">
         <p:fade/>
       </p:transition>
@@ -9425,13 +6588,13 @@
   <p:clrMapOvr>
     <a:masterClrMapping/>
   </p:clrMapOvr>
-  <mc:AlternateContent xmlns:mc="http://schemas.openxmlformats.org/markup-compatibility/2006" xmlns:p14="http://schemas.microsoft.com/office/powerpoint/2010/main">
-    <mc:Choice Requires="p14">
+  <mc:AlternateContent xmlns:mc="http://schemas.openxmlformats.org/markup-compatibility/2006">
+    <mc:Choice xmlns:p14="http://schemas.microsoft.com/office/powerpoint/2010/main" xmlns="" Requires="p14">
       <p:transition spd="med" p14:dur="700">
         <p:fade/>
       </p:transition>
     </mc:Choice>
-    <mc:Fallback xmlns="">
+    <mc:Fallback>
       <p:transition spd="med">
         <p:fade/>
       </p:transition>
@@ -9908,13 +7071,13 @@
   <p:clrMapOvr>
     <a:masterClrMapping/>
   </p:clrMapOvr>
-  <mc:AlternateContent xmlns:mc="http://schemas.openxmlformats.org/markup-compatibility/2006" xmlns:p14="http://schemas.microsoft.com/office/powerpoint/2010/main">
-    <mc:Choice Requires="p14">
+  <mc:AlternateContent xmlns:mc="http://schemas.openxmlformats.org/markup-compatibility/2006">
+    <mc:Choice xmlns:p14="http://schemas.microsoft.com/office/powerpoint/2010/main" xmlns="" Requires="p14">
       <p:transition spd="med" p14:dur="700">
         <p:fade/>
       </p:transition>
     </mc:Choice>
-    <mc:Fallback xmlns="">
+    <mc:Fallback>
       <p:transition spd="med">
         <p:fade/>
       </p:transition>
@@ -9970,26 +7133,6 @@
           </a:p>
         </p:txBody>
       </p:sp>
-      <p:graphicFrame>
-        <p:nvGraphicFramePr>
-          <p:cNvPr id="4" name="Inhaltsplatzhalter 3"/>
-          <p:cNvGraphicFramePr>
-            <a:graphicFrameLocks noGrp="1"/>
-          </p:cNvGraphicFramePr>
-          <p:nvPr>
-            <p:ph idx="1"/>
-          </p:nvPr>
-        </p:nvGraphicFramePr>
-        <p:xfrm>
-          <a:off x="1522413" y="1797050"/>
-          <a:ext cx="6156325" cy="4224338"/>
-        </p:xfrm>
-        <a:graphic>
-          <a:graphicData uri="http://schemas.openxmlformats.org/drawingml/2006/diagram">
-            <dgm:relIds xmlns:dgm="http://schemas.openxmlformats.org/drawingml/2006/diagram" xmlns:r="http://schemas.openxmlformats.org/officeDocument/2006/relationships" r:dm="rId2" r:lo="rId3" r:qs="rId4" r:cs="rId5"/>
-          </a:graphicData>
-        </a:graphic>
-      </p:graphicFrame>
       <p:sp>
         <p:nvSpPr>
           <p:cNvPr id="6" name="Inhaltsplatzhalter 5"/>
@@ -10013,6 +7156,46 @@
               <a:rPr lang="en-US" dirty="0" smtClean="0"/>
               <a:t> – Wizard</a:t>
             </a:r>
+            <a:endParaRPr lang="en-US" dirty="0"/>
+          </a:p>
+        </p:txBody>
+      </p:sp>
+      <p:sp>
+        <p:nvSpPr>
+          <p:cNvPr id="5" name="Inhaltsplatzhalter 4"/>
+          <p:cNvSpPr>
+            <a:spLocks noGrp="1"/>
+          </p:cNvSpPr>
+          <p:nvPr>
+            <p:ph idx="1"/>
+          </p:nvPr>
+        </p:nvSpPr>
+        <p:spPr/>
+        <p:txBody>
+          <a:bodyPr/>
+          <a:lstStyle/>
+          <a:p>
+            <a:r>
+              <a:rPr lang="de-CH" dirty="0" smtClean="0"/>
+              <a:t>Ziel</a:t>
+            </a:r>
+          </a:p>
+          <a:p>
+            <a:pPr lvl="1"/>
+            <a:r>
+              <a:rPr lang="de-CH" dirty="0" smtClean="0"/>
+              <a:t>Erweiterbare Komponente</a:t>
+            </a:r>
+          </a:p>
+          <a:p>
+            <a:pPr lvl="1"/>
+            <a:r>
+              <a:rPr lang="de-CH" dirty="0" smtClean="0"/>
+              <a:t>Grundfunktionalität für weiteres Projekt</a:t>
+            </a:r>
+          </a:p>
+          <a:p>
+            <a:pPr lvl="1"/>
             <a:endParaRPr lang="en-US" dirty="0"/>
           </a:p>
         </p:txBody>
@@ -10022,13 +7205,13 @@
   <p:clrMapOvr>
     <a:masterClrMapping/>
   </p:clrMapOvr>
-  <mc:AlternateContent xmlns:mc="http://schemas.openxmlformats.org/markup-compatibility/2006" xmlns:p14="http://schemas.microsoft.com/office/powerpoint/2010/main">
-    <mc:Choice Requires="p14">
+  <mc:AlternateContent xmlns:mc="http://schemas.openxmlformats.org/markup-compatibility/2006">
+    <mc:Choice xmlns:p14="http://schemas.microsoft.com/office/powerpoint/2010/main" xmlns="" Requires="p14">
       <p:transition spd="med" p14:dur="700">
         <p:fade/>
       </p:transition>
     </mc:Choice>
-    <mc:Fallback xmlns="">
+    <mc:Fallback>
       <p:transition spd="med">
         <p:fade/>
       </p:transition>
@@ -10140,20 +7323,20 @@
     </p:spTree>
     <p:extLst>
       <p:ext uri="{BB962C8B-B14F-4D97-AF65-F5344CB8AC3E}">
-        <p14:creationId xmlns:p14="http://schemas.microsoft.com/office/powerpoint/2010/main" val="1913460396"/>
+        <p14:creationId xmlns:p14="http://schemas.microsoft.com/office/powerpoint/2010/main" xmlns="" val="1913460396"/>
       </p:ext>
     </p:extLst>
   </p:cSld>
   <p:clrMapOvr>
     <a:masterClrMapping/>
   </p:clrMapOvr>
-  <mc:AlternateContent xmlns:mc="http://schemas.openxmlformats.org/markup-compatibility/2006" xmlns:p14="http://schemas.microsoft.com/office/powerpoint/2010/main">
-    <mc:Choice Requires="p14">
+  <mc:AlternateContent xmlns:mc="http://schemas.openxmlformats.org/markup-compatibility/2006">
+    <mc:Choice xmlns:p14="http://schemas.microsoft.com/office/powerpoint/2010/main" xmlns="" Requires="p14">
       <p:transition spd="med" p14:dur="700">
         <p:fade/>
       </p:transition>
     </mc:Choice>
-    <mc:Fallback xmlns="">
+    <mc:Fallback>
       <p:transition spd="med">
         <p:fade/>
       </p:transition>
@@ -10203,8 +7386,9 @@
           <a:p>
             <a:r>
               <a:rPr lang="de-CH" dirty="0" smtClean="0"/>
-              <a:t>Rückblick</a:t>
-            </a:r>
+              <a:t>Release 1.1</a:t>
+            </a:r>
+            <a:endParaRPr lang="en-US" dirty="0"/>
           </a:p>
         </p:txBody>
       </p:sp>
@@ -10216,95 +7400,6 @@
           </p:cNvSpPr>
           <p:nvPr>
             <p:ph idx="1"/>
-          </p:nvPr>
-        </p:nvSpPr>
-        <p:spPr/>
-        <p:txBody>
-          <a:bodyPr>
-            <a:normAutofit/>
-          </a:bodyPr>
-          <a:lstStyle/>
-          <a:p>
-            <a:r>
-              <a:rPr lang="de-CH" dirty="0"/>
-              <a:t>Verwendete Tools</a:t>
-            </a:r>
-          </a:p>
-          <a:p>
-            <a:pPr lvl="1"/>
-            <a:r>
-              <a:rPr lang="de-CH" dirty="0" err="1"/>
-              <a:t>Balsamiq</a:t>
-            </a:r>
-            <a:r>
-              <a:rPr lang="de-CH" dirty="0"/>
-              <a:t> </a:t>
-            </a:r>
-            <a:r>
-              <a:rPr lang="de-CH" dirty="0" err="1"/>
-              <a:t>Mockups</a:t>
-            </a:r>
-            <a:endParaRPr lang="de-CH" dirty="0"/>
-          </a:p>
-          <a:p>
-            <a:pPr lvl="1"/>
-            <a:r>
-              <a:rPr lang="de-CH" dirty="0" err="1"/>
-              <a:t>DotProject</a:t>
-            </a:r>
-            <a:r>
-              <a:rPr lang="de-CH" dirty="0"/>
-              <a:t> (PHP)</a:t>
-            </a:r>
-          </a:p>
-          <a:p>
-            <a:pPr lvl="1"/>
-            <a:r>
-              <a:rPr lang="de-CH" dirty="0"/>
-              <a:t>Android Studio</a:t>
-            </a:r>
-          </a:p>
-          <a:p>
-            <a:pPr lvl="1"/>
-            <a:r>
-              <a:rPr lang="de-CH" dirty="0"/>
-              <a:t>MySQL </a:t>
-            </a:r>
-            <a:r>
-              <a:rPr lang="de-CH" dirty="0" err="1"/>
-              <a:t>Workbench</a:t>
-            </a:r>
-            <a:endParaRPr lang="de-CH" dirty="0"/>
-          </a:p>
-          <a:p>
-            <a:pPr lvl="1"/>
-            <a:r>
-              <a:rPr lang="de-CH" dirty="0" err="1"/>
-              <a:t>SoapUI</a:t>
-            </a:r>
-            <a:endParaRPr lang="de-CH" dirty="0"/>
-          </a:p>
-          <a:p>
-            <a:pPr lvl="2"/>
-            <a:r>
-              <a:rPr lang="de-CH" dirty="0"/>
-              <a:t>SOAP API testen</a:t>
-            </a:r>
-          </a:p>
-          <a:p>
-            <a:pPr lvl="1"/>
-            <a:endParaRPr lang="de-CH" dirty="0" smtClean="0"/>
-          </a:p>
-        </p:txBody>
-      </p:sp>
-      <p:sp>
-        <p:nvSpPr>
-          <p:cNvPr id="5" name="Inhaltsplatzhalter 4"/>
-          <p:cNvSpPr>
-            <a:spLocks noGrp="1"/>
-          </p:cNvSpPr>
-          <p:nvPr>
-            <p:ph idx="13"/>
           </p:nvPr>
         </p:nvSpPr>
         <p:spPr/>
@@ -10314,7 +7409,73 @@
           <a:p>
             <a:r>
               <a:rPr lang="de-CH" dirty="0" smtClean="0"/>
-              <a:t>Rückblick  - Was lief gut? </a:t>
+              <a:t>Fehlerbehebung  / Performance- Verbesserung</a:t>
+            </a:r>
+            <a:endParaRPr lang="en-US" dirty="0" smtClean="0"/>
+          </a:p>
+          <a:p>
+            <a:pPr lvl="1">
+              <a:buNone/>
+            </a:pPr>
+            <a:r>
+              <a:rPr lang="en-US" dirty="0" smtClean="0"/>
+              <a:t>07-06 </a:t>
+            </a:r>
+            <a:r>
+              <a:rPr lang="en-US" dirty="0" smtClean="0"/>
+              <a:t>23:47:51.685    4372-4372/</a:t>
+            </a:r>
+            <a:r>
+              <a:rPr lang="en-US" dirty="0" err="1" smtClean="0"/>
+              <a:t>myunihockey.ffhs.com.myunihockey</a:t>
+            </a:r>
+            <a:r>
+              <a:rPr lang="en-US" dirty="0" smtClean="0"/>
+              <a:t> I/Choreographer﹕ Skipped 130 frames!  The </a:t>
+            </a:r>
+            <a:r>
+              <a:rPr lang="en-US" b="1" i="1" dirty="0" smtClean="0"/>
+              <a:t>application may be doing too much work on its main thread.</a:t>
+            </a:r>
+          </a:p>
+          <a:p>
+            <a:r>
+              <a:rPr lang="de-CH" dirty="0" smtClean="0"/>
+              <a:t>Erweiterung mit verschiedenen Cards</a:t>
+            </a:r>
+          </a:p>
+          <a:p>
+            <a:pPr lvl="1"/>
+            <a:r>
+              <a:rPr lang="de-CH" dirty="0" err="1" smtClean="0"/>
+              <a:t>Twitter</a:t>
+            </a:r>
+            <a:r>
+              <a:rPr lang="de-CH" dirty="0" smtClean="0"/>
+              <a:t> , G+ </a:t>
+            </a:r>
+          </a:p>
+          <a:p>
+            <a:pPr lvl="1"/>
+            <a:r>
+              <a:rPr lang="de-CH" dirty="0" smtClean="0"/>
+              <a:t>Google </a:t>
+            </a:r>
+            <a:r>
+              <a:rPr lang="de-CH" dirty="0" err="1" smtClean="0"/>
+              <a:t>Maps</a:t>
+            </a:r>
+            <a:endParaRPr lang="de-CH" dirty="0" smtClean="0"/>
+          </a:p>
+          <a:p>
+            <a:pPr lvl="1"/>
+            <a:r>
+              <a:rPr lang="de-CH" dirty="0" smtClean="0"/>
+              <a:t>K</a:t>
+            </a:r>
+            <a:r>
+              <a:rPr lang="de-CH" dirty="0" smtClean="0"/>
+              <a:t>alendereintrag</a:t>
             </a:r>
             <a:endParaRPr lang="en-US" dirty="0"/>
           </a:p>
@@ -10322,350 +7483,40 @@
       </p:sp>
       <p:sp>
         <p:nvSpPr>
-          <p:cNvPr id="4" name="Inhaltsplatzhalter 2"/>
-          <p:cNvSpPr txBox="1">
-            <a:spLocks/>
-          </p:cNvSpPr>
-          <p:nvPr/>
-        </p:nvSpPr>
-        <p:spPr>
-          <a:xfrm>
-            <a:off x="6382444" y="1797558"/>
-            <a:ext cx="3923928" cy="4223730"/>
-          </a:xfrm>
-          <a:prstGeom prst="rect">
-            <a:avLst/>
-          </a:prstGeom>
-          <a:noFill/>
-        </p:spPr>
-        <p:txBody>
-          <a:bodyPr vert="horz" lIns="91440" tIns="45720" rIns="91440" bIns="45720" rtlCol="0">
-            <a:normAutofit/>
-          </a:bodyPr>
-          <a:lstStyle>
-            <a:lvl1pPr marL="274320" indent="-274320" algn="l" defTabSz="914400" rtl="0" eaLnBrk="1" latinLnBrk="0" hangingPunct="1">
-              <a:lnSpc>
-                <a:spcPct val="90000"/>
-              </a:lnSpc>
-              <a:spcBef>
-                <a:spcPts val="1800"/>
-              </a:spcBef>
-              <a:buSzPct val="80000"/>
-              <a:buFont typeface="Wingdings" pitchFamily="2" charset="2"/>
-              <a:buChar char="§"/>
-              <a:defRPr sz="2400" kern="1200">
-                <a:solidFill>
-                  <a:schemeClr val="tx1"/>
-                </a:solidFill>
-                <a:latin typeface="+mj-lt"/>
-                <a:ea typeface="+mn-ea"/>
-                <a:cs typeface="+mn-cs"/>
-              </a:defRPr>
-            </a:lvl1pPr>
-            <a:lvl2pPr marL="548640" indent="-274320" algn="l" defTabSz="914400" rtl="0" eaLnBrk="1" latinLnBrk="0" hangingPunct="1">
-              <a:lnSpc>
-                <a:spcPct val="90000"/>
-              </a:lnSpc>
-              <a:spcBef>
-                <a:spcPts val="600"/>
-              </a:spcBef>
-              <a:buSzPct val="100000"/>
-              <a:buFont typeface="Consolas" pitchFamily="49" charset="0"/>
-              <a:buChar char="–"/>
-              <a:defRPr sz="2000" kern="1200">
-                <a:solidFill>
-                  <a:schemeClr val="tx1"/>
-                </a:solidFill>
-                <a:latin typeface="+mj-lt"/>
-                <a:ea typeface="+mn-ea"/>
-                <a:cs typeface="+mn-cs"/>
-              </a:defRPr>
-            </a:lvl2pPr>
-            <a:lvl3pPr marL="777240" indent="-228600" algn="l" defTabSz="914400" rtl="0" eaLnBrk="1" latinLnBrk="0" hangingPunct="1">
-              <a:lnSpc>
-                <a:spcPct val="90000"/>
-              </a:lnSpc>
-              <a:spcBef>
-                <a:spcPts val="600"/>
-              </a:spcBef>
-              <a:buSzPct val="80000"/>
-              <a:buFont typeface="Wingdings" pitchFamily="2" charset="2"/>
-              <a:buChar char="§"/>
-              <a:defRPr sz="1800" kern="1200">
-                <a:solidFill>
-                  <a:schemeClr val="tx1"/>
-                </a:solidFill>
-                <a:latin typeface="+mj-lt"/>
-                <a:ea typeface="+mn-ea"/>
-                <a:cs typeface="+mn-cs"/>
-              </a:defRPr>
-            </a:lvl3pPr>
-            <a:lvl4pPr marL="1005840" indent="-228600" algn="l" defTabSz="914400" rtl="0" eaLnBrk="1" latinLnBrk="0" hangingPunct="1">
-              <a:lnSpc>
-                <a:spcPct val="90000"/>
-              </a:lnSpc>
-              <a:spcBef>
-                <a:spcPts val="600"/>
-              </a:spcBef>
-              <a:buSzPct val="100000"/>
-              <a:buFont typeface="Consolas" pitchFamily="49" charset="0"/>
-              <a:buChar char="–"/>
-              <a:defRPr sz="1600" kern="1200">
-                <a:solidFill>
-                  <a:schemeClr val="tx1"/>
-                </a:solidFill>
-                <a:latin typeface="+mj-lt"/>
-                <a:ea typeface="+mn-ea"/>
-                <a:cs typeface="+mn-cs"/>
-              </a:defRPr>
-            </a:lvl4pPr>
-            <a:lvl5pPr marL="1234440" indent="-228600" algn="l" defTabSz="914400" rtl="0" eaLnBrk="1" latinLnBrk="0" hangingPunct="1">
-              <a:lnSpc>
-                <a:spcPct val="90000"/>
-              </a:lnSpc>
-              <a:spcBef>
-                <a:spcPts val="600"/>
-              </a:spcBef>
-              <a:buSzPct val="80000"/>
-              <a:buFont typeface="Wingdings" pitchFamily="2" charset="2"/>
-              <a:buChar char="§"/>
-              <a:defRPr sz="1600" kern="1200">
-                <a:solidFill>
-                  <a:schemeClr val="tx1"/>
-                </a:solidFill>
-                <a:latin typeface="+mj-lt"/>
-                <a:ea typeface="+mn-ea"/>
-                <a:cs typeface="+mn-cs"/>
-              </a:defRPr>
-            </a:lvl5pPr>
-            <a:lvl6pPr marL="1463040" indent="-228600" algn="l" defTabSz="914400" rtl="0" eaLnBrk="1" latinLnBrk="0" hangingPunct="1">
-              <a:lnSpc>
-                <a:spcPct val="90000"/>
-              </a:lnSpc>
-              <a:spcBef>
-                <a:spcPts val="600"/>
-              </a:spcBef>
-              <a:buSzPct val="100000"/>
-              <a:buFont typeface="Consolas" pitchFamily="49" charset="0"/>
-              <a:buChar char="–"/>
-              <a:defRPr sz="1600" kern="1200" baseline="0">
-                <a:solidFill>
-                  <a:schemeClr val="tx1"/>
-                </a:solidFill>
-                <a:latin typeface="+mn-lt"/>
-                <a:ea typeface="+mn-ea"/>
-                <a:cs typeface="+mn-cs"/>
-              </a:defRPr>
-            </a:lvl6pPr>
-            <a:lvl7pPr marL="1691640" indent="-228600" algn="l" defTabSz="914400" rtl="0" eaLnBrk="1" latinLnBrk="0" hangingPunct="1">
-              <a:lnSpc>
-                <a:spcPct val="90000"/>
-              </a:lnSpc>
-              <a:spcBef>
-                <a:spcPts val="600"/>
-              </a:spcBef>
-              <a:buSzPct val="80000"/>
-              <a:buFont typeface="Wingdings" pitchFamily="2" charset="2"/>
-              <a:buChar char="§"/>
-              <a:defRPr sz="1600" kern="1200" baseline="0">
-                <a:solidFill>
-                  <a:schemeClr val="tx1"/>
-                </a:solidFill>
-                <a:latin typeface="+mn-lt"/>
-                <a:ea typeface="+mn-ea"/>
-                <a:cs typeface="+mn-cs"/>
-              </a:defRPr>
-            </a:lvl7pPr>
-            <a:lvl8pPr marL="1920240" indent="-228600" algn="l" defTabSz="914400" rtl="0" eaLnBrk="1" latinLnBrk="0" hangingPunct="1">
-              <a:lnSpc>
-                <a:spcPct val="90000"/>
-              </a:lnSpc>
-              <a:spcBef>
-                <a:spcPts val="600"/>
-              </a:spcBef>
-              <a:buSzPct val="100000"/>
-              <a:buFont typeface="Consolas" pitchFamily="49" charset="0"/>
-              <a:buChar char="–"/>
-              <a:defRPr sz="1600" kern="1200" baseline="0">
-                <a:solidFill>
-                  <a:schemeClr val="tx1"/>
-                </a:solidFill>
-                <a:latin typeface="+mn-lt"/>
-                <a:ea typeface="+mn-ea"/>
-                <a:cs typeface="+mn-cs"/>
-              </a:defRPr>
-            </a:lvl8pPr>
-            <a:lvl9pPr marL="2148840" indent="-228600" algn="l" defTabSz="914400" rtl="0" eaLnBrk="1" latinLnBrk="0" hangingPunct="1">
-              <a:lnSpc>
-                <a:spcPct val="90000"/>
-              </a:lnSpc>
-              <a:spcBef>
-                <a:spcPts val="600"/>
-              </a:spcBef>
-              <a:buSzPct val="80000"/>
-              <a:buFont typeface="Wingdings" pitchFamily="2" charset="2"/>
-              <a:buChar char="§"/>
-              <a:defRPr sz="1600" kern="1200" baseline="0">
-                <a:solidFill>
-                  <a:schemeClr val="tx1"/>
-                </a:solidFill>
-                <a:latin typeface="+mn-lt"/>
-                <a:ea typeface="+mn-ea"/>
-                <a:cs typeface="+mn-cs"/>
-              </a:defRPr>
-            </a:lvl9pPr>
-          </a:lstStyle>
-          <a:p>
-            <a:r>
-              <a:rPr lang="de-CH" dirty="0" smtClean="0"/>
-              <a:t>Was lief schlecht?</a:t>
-            </a:r>
-          </a:p>
-          <a:p>
-            <a:pPr lvl="1"/>
-            <a:r>
-              <a:rPr lang="de-CH" dirty="0" smtClean="0"/>
-              <a:t>Zeit verloren mit DB Modell</a:t>
-            </a:r>
-            <a:endParaRPr lang="de-CH" dirty="0"/>
-          </a:p>
-        </p:txBody>
-      </p:sp>
-      <p:pic>
-        <p:nvPicPr>
-          <p:cNvPr id="6" name="Picture 2" descr="http://www.serialimha.com/wp-content/uploads/2014/12/1-Balsamiq-Mockups.jpg"/>
-          <p:cNvPicPr>
-            <a:picLocks noChangeAspect="1" noChangeArrowheads="1"/>
-          </p:cNvPicPr>
-          <p:nvPr/>
-        </p:nvPicPr>
-        <p:blipFill>
-          <a:blip r:embed="rId2">
-            <a:extLst>
-              <a:ext uri="{28A0092B-C50C-407E-A947-70E740481C1C}">
-                <a14:useLocalDpi xmlns:a14="http://schemas.microsoft.com/office/drawing/2010/main" val="0"/>
-              </a:ext>
-            </a:extLst>
-          </a:blip>
-          <a:srcRect/>
-          <a:stretch>
-            <a:fillRect/>
-          </a:stretch>
-        </p:blipFill>
-        <p:spPr bwMode="auto">
-          <a:xfrm>
-            <a:off x="4924507" y="1628800"/>
-            <a:ext cx="5715000" cy="3667126"/>
-          </a:xfrm>
-          <a:prstGeom prst="rect">
-            <a:avLst/>
-          </a:prstGeom>
-          <a:noFill/>
-          <a:extLst>
-            <a:ext uri="{909E8E84-426E-40DD-AFC4-6F175D3DCCD1}">
-              <a14:hiddenFill xmlns:a14="http://schemas.microsoft.com/office/drawing/2010/main">
-                <a:solidFill>
-                  <a:srgbClr val="FFFFFF"/>
-                </a:solidFill>
-              </a14:hiddenFill>
-            </a:ext>
-          </a:extLst>
-        </p:spPr>
-      </p:pic>
-      <p:pic>
-        <p:nvPicPr>
-          <p:cNvPr id="7" name="Picture 4" descr="http://www.catify.com/wp-content/uploads/2011/10/edployprocessSOAPUI1.png"/>
-          <p:cNvPicPr>
-            <a:picLocks noChangeAspect="1" noChangeArrowheads="1"/>
-          </p:cNvPicPr>
-          <p:nvPr/>
-        </p:nvPicPr>
-        <p:blipFill>
-          <a:blip r:embed="rId3" cstate="print">
-            <a:extLst>
-              <a:ext uri="{28A0092B-C50C-407E-A947-70E740481C1C}">
-                <a14:useLocalDpi xmlns:a14="http://schemas.microsoft.com/office/drawing/2010/main" val="0"/>
-              </a:ext>
-            </a:extLst>
-          </a:blip>
-          <a:srcRect/>
-          <a:stretch>
-            <a:fillRect/>
-          </a:stretch>
-        </p:blipFill>
-        <p:spPr bwMode="auto">
-          <a:xfrm>
-            <a:off x="5158308" y="1799491"/>
-            <a:ext cx="6211667" cy="3325743"/>
-          </a:xfrm>
-          <a:prstGeom prst="rect">
-            <a:avLst/>
-          </a:prstGeom>
-          <a:noFill/>
-          <a:extLst>
-            <a:ext uri="{909E8E84-426E-40DD-AFC4-6F175D3DCCD1}">
-              <a14:hiddenFill xmlns:a14="http://schemas.microsoft.com/office/drawing/2010/main">
-                <a:solidFill>
-                  <a:srgbClr val="FFFFFF"/>
-                </a:solidFill>
-              </a14:hiddenFill>
-            </a:ext>
-          </a:extLst>
-        </p:spPr>
-      </p:pic>
-      <p:pic>
-        <p:nvPicPr>
-          <p:cNvPr id="8" name="Grafik 7"/>
-          <p:cNvPicPr>
-            <a:picLocks noChangeAspect="1"/>
-          </p:cNvPicPr>
-          <p:nvPr/>
-        </p:nvPicPr>
-        <p:blipFill>
-          <a:blip r:embed="rId4"/>
-          <a:stretch>
-            <a:fillRect/>
-          </a:stretch>
-        </p:blipFill>
-        <p:spPr>
-          <a:xfrm>
-            <a:off x="6149903" y="2175395"/>
-            <a:ext cx="5220072" cy="3483212"/>
-          </a:xfrm>
-          <a:prstGeom prst="rect">
-            <a:avLst/>
-          </a:prstGeom>
-        </p:spPr>
-      </p:pic>
+          <p:cNvPr id="4" name="Inhaltsplatzhalter 3"/>
+          <p:cNvSpPr>
+            <a:spLocks noGrp="1"/>
+          </p:cNvSpPr>
+          <p:nvPr>
+            <p:ph idx="13"/>
+          </p:nvPr>
+        </p:nvSpPr>
+        <p:spPr/>
+        <p:txBody>
+          <a:bodyPr/>
+          <a:lstStyle/>
+          <a:p>
+            <a:endParaRPr lang="en-US"/>
+          </a:p>
+        </p:txBody>
+      </p:sp>
     </p:spTree>
-    <p:extLst>
-      <p:ext uri="{BB962C8B-B14F-4D97-AF65-F5344CB8AC3E}">
-        <p14:creationId xmlns:p14="http://schemas.microsoft.com/office/powerpoint/2010/main" val="1720590291"/>
-      </p:ext>
-    </p:extLst>
   </p:cSld>
   <p:clrMapOvr>
     <a:masterClrMapping/>
   </p:clrMapOvr>
-  <mc:AlternateContent xmlns:mc="http://schemas.openxmlformats.org/markup-compatibility/2006" xmlns:p14="http://schemas.microsoft.com/office/powerpoint/2010/main">
-    <mc:Choice Requires="p14">
+  <mc:AlternateContent xmlns:mc="http://schemas.openxmlformats.org/markup-compatibility/2006">
+    <mc:Choice xmlns:p14="http://schemas.microsoft.com/office/powerpoint/2010/main" xmlns="" Requires="p14">
       <p:transition spd="med" p14:dur="700">
         <p:fade/>
       </p:transition>
     </mc:Choice>
-    <mc:Fallback xmlns="">
+    <mc:Fallback>
       <p:transition spd="med">
         <p:fade/>
       </p:transition>
     </mc:Fallback>
   </mc:AlternateContent>
-  <p:timing>
-    <p:tnLst>
-      <p:par>
-        <p:cTn id="1" dur="indefinite" restart="never" nodeType="tmRoot"/>
-      </p:par>
-    </p:tnLst>
-  </p:timing>
 </p:sld>
 </file>
 
@@ -10703,9 +7554,8 @@
           <a:p>
             <a:r>
               <a:rPr lang="de-CH" dirty="0" smtClean="0"/>
-              <a:t>Rückblick Teamarbeit / Entwicklungsprozess</a:t>
-            </a:r>
-            <a:endParaRPr lang="de-CH" dirty="0" smtClean="0"/>
+              <a:t>Rückblick</a:t>
+            </a:r>
           </a:p>
         </p:txBody>
       </p:sp>
@@ -10727,70 +7577,69 @@
           <a:lstStyle/>
           <a:p>
             <a:r>
-              <a:rPr lang="de-CH" dirty="0" smtClean="0"/>
-              <a:t>Was lief gut?</a:t>
-            </a:r>
-            <a:endParaRPr lang="de-CH" dirty="0" smtClean="0"/>
+              <a:rPr lang="de-CH" dirty="0"/>
+              <a:t>Verwendete Tools</a:t>
+            </a:r>
           </a:p>
           <a:p>
             <a:pPr lvl="1"/>
             <a:r>
-              <a:rPr lang="de-CH" dirty="0" smtClean="0"/>
-              <a:t>Vorbereitung </a:t>
-            </a:r>
+              <a:rPr lang="de-CH" dirty="0" err="1"/>
+              <a:t>Balsamiq</a:t>
+            </a:r>
+            <a:r>
+              <a:rPr lang="de-CH" dirty="0"/>
+              <a:t> </a:t>
+            </a:r>
+            <a:r>
+              <a:rPr lang="de-CH" dirty="0" err="1"/>
+              <a:t>Mockups</a:t>
+            </a:r>
+            <a:endParaRPr lang="de-CH" dirty="0"/>
           </a:p>
           <a:p>
             <a:pPr lvl="1"/>
             <a:r>
-              <a:rPr lang="de-CH" dirty="0" smtClean="0"/>
-              <a:t>Methodik</a:t>
-            </a:r>
+              <a:rPr lang="de-CH" dirty="0" err="1"/>
+              <a:t>DotProject</a:t>
+            </a:r>
+            <a:r>
+              <a:rPr lang="de-CH" dirty="0"/>
+              <a:t> (PHP)</a:t>
+            </a:r>
+          </a:p>
+          <a:p>
+            <a:pPr lvl="1"/>
+            <a:r>
+              <a:rPr lang="de-CH" dirty="0"/>
+              <a:t>Android Studio</a:t>
+            </a:r>
+          </a:p>
+          <a:p>
+            <a:pPr lvl="1"/>
+            <a:r>
+              <a:rPr lang="de-CH" dirty="0"/>
+              <a:t>MySQL </a:t>
+            </a:r>
+            <a:r>
+              <a:rPr lang="de-CH" dirty="0" err="1"/>
+              <a:t>Workbench</a:t>
+            </a:r>
+            <a:endParaRPr lang="de-CH" dirty="0"/>
+          </a:p>
+          <a:p>
+            <a:pPr lvl="1"/>
+            <a:r>
+              <a:rPr lang="de-CH" dirty="0" err="1"/>
+              <a:t>SoapUI</a:t>
+            </a:r>
+            <a:endParaRPr lang="de-CH" dirty="0"/>
           </a:p>
           <a:p>
             <a:pPr lvl="2"/>
             <a:r>
-              <a:rPr lang="de-CH" dirty="0" smtClean="0"/>
-              <a:t>Verwendung von </a:t>
-            </a:r>
-            <a:r>
-              <a:rPr lang="de-CH" dirty="0" err="1" smtClean="0"/>
-              <a:t>GitHub</a:t>
-            </a:r>
-            <a:endParaRPr lang="de-CH" dirty="0" smtClean="0"/>
-          </a:p>
-          <a:p>
-            <a:pPr lvl="2"/>
-            <a:r>
-              <a:rPr lang="de-CH" dirty="0" smtClean="0"/>
-              <a:t>Skype Meetings</a:t>
-            </a:r>
-          </a:p>
-          <a:p>
-            <a:pPr lvl="1"/>
-            <a:r>
-              <a:rPr lang="de-CH" dirty="0" smtClean="0"/>
-              <a:t>Planung aufstellen</a:t>
-            </a:r>
-          </a:p>
-          <a:p>
-            <a:pPr lvl="1"/>
-            <a:r>
-              <a:rPr lang="de-CH" dirty="0" smtClean="0"/>
-              <a:t>Design</a:t>
-            </a:r>
-          </a:p>
-          <a:p>
-            <a:pPr lvl="1"/>
-            <a:r>
-              <a:rPr lang="de-CH" dirty="0" smtClean="0"/>
-              <a:t>Prototyp</a:t>
-            </a:r>
-          </a:p>
-          <a:p>
-            <a:pPr lvl="1"/>
-            <a:r>
-              <a:rPr lang="de-CH" dirty="0" smtClean="0"/>
-              <a:t>Konzept</a:t>
+              <a:rPr lang="de-CH" dirty="0"/>
+              <a:t>SOAP API testen</a:t>
             </a:r>
           </a:p>
           <a:p>
@@ -10832,8 +7681,8 @@
         </p:nvSpPr>
         <p:spPr>
           <a:xfrm>
-            <a:off x="5950396" y="1797558"/>
-            <a:ext cx="4716016" cy="4223730"/>
+            <a:off x="6382444" y="1797558"/>
+            <a:ext cx="3923928" cy="4223730"/>
           </a:xfrm>
           <a:prstGeom prst="rect">
             <a:avLst/>
@@ -11018,177 +7867,144 @@
             </a:lvl9pPr>
           </a:lstStyle>
           <a:p>
-            <a:pPr>
-              <a:buFont typeface="Arial" panose="020B0604020202020204" pitchFamily="34" charset="0"/>
-              <a:buChar char="•"/>
-            </a:pPr>
-            <a:r>
-              <a:rPr lang="de-CH" dirty="0">
-                <a:solidFill>
-                  <a:schemeClr val="bg1"/>
-                </a:solidFill>
-                <a:latin typeface="Roboto" pitchFamily="2" charset="0"/>
-                <a:ea typeface="Roboto" pitchFamily="2" charset="0"/>
-              </a:rPr>
-              <a:t>Was lief </a:t>
-            </a:r>
-            <a:r>
-              <a:rPr lang="de-CH" dirty="0" smtClean="0">
-                <a:solidFill>
-                  <a:schemeClr val="bg1"/>
-                </a:solidFill>
-                <a:latin typeface="Roboto" pitchFamily="2" charset="0"/>
-                <a:ea typeface="Roboto" pitchFamily="2" charset="0"/>
-              </a:rPr>
-              <a:t>weniger gut?</a:t>
-            </a:r>
-            <a:endParaRPr lang="de-CH" dirty="0">
-              <a:solidFill>
-                <a:schemeClr val="bg1"/>
-              </a:solidFill>
-              <a:latin typeface="Roboto" pitchFamily="2" charset="0"/>
-              <a:ea typeface="Roboto" pitchFamily="2" charset="0"/>
-            </a:endParaRPr>
-          </a:p>
-          <a:p>
-            <a:pPr lvl="1">
-              <a:buFont typeface="Arial" panose="020B0604020202020204" pitchFamily="34" charset="0"/>
-              <a:buChar char="•"/>
-            </a:pPr>
-            <a:r>
-              <a:rPr lang="de-CH" dirty="0">
-                <a:solidFill>
-                  <a:schemeClr val="bg1"/>
-                </a:solidFill>
-                <a:latin typeface="Roboto" pitchFamily="2" charset="0"/>
-                <a:ea typeface="Roboto" pitchFamily="2" charset="0"/>
-              </a:rPr>
-              <a:t>Implementation</a:t>
-            </a:r>
-          </a:p>
-          <a:p>
-            <a:pPr lvl="2">
-              <a:buFont typeface="Arial" panose="020B0604020202020204" pitchFamily="34" charset="0"/>
-              <a:buChar char="•"/>
-            </a:pPr>
-            <a:r>
-              <a:rPr lang="de-CH" dirty="0">
-                <a:solidFill>
-                  <a:schemeClr val="bg1"/>
-                </a:solidFill>
-                <a:latin typeface="Roboto" pitchFamily="2" charset="0"/>
-                <a:ea typeface="Roboto" pitchFamily="2" charset="0"/>
-              </a:rPr>
-              <a:t>Viel Zeit in Teilaufgaben und </a:t>
-            </a:r>
-            <a:r>
-              <a:rPr lang="de-CH" dirty="0" err="1">
-                <a:solidFill>
-                  <a:schemeClr val="bg1"/>
-                </a:solidFill>
-                <a:latin typeface="Roboto" pitchFamily="2" charset="0"/>
-                <a:ea typeface="Roboto" pitchFamily="2" charset="0"/>
-              </a:rPr>
-              <a:t>Proj</a:t>
-            </a:r>
-            <a:r>
-              <a:rPr lang="de-CH" dirty="0">
-                <a:solidFill>
-                  <a:schemeClr val="bg1"/>
-                </a:solidFill>
-                <a:latin typeface="Roboto" pitchFamily="2" charset="0"/>
-                <a:ea typeface="Roboto" pitchFamily="2" charset="0"/>
-              </a:rPr>
-              <a:t>. </a:t>
-            </a:r>
-            <a:r>
-              <a:rPr lang="de-CH" dirty="0" err="1">
-                <a:solidFill>
-                  <a:schemeClr val="bg1"/>
-                </a:solidFill>
-                <a:latin typeface="Roboto" pitchFamily="2" charset="0"/>
-                <a:ea typeface="Roboto" pitchFamily="2" charset="0"/>
-              </a:rPr>
-              <a:t>Mgmt</a:t>
-            </a:r>
-            <a:r>
-              <a:rPr lang="de-CH" dirty="0">
-                <a:solidFill>
-                  <a:schemeClr val="bg1"/>
-                </a:solidFill>
-                <a:latin typeface="Roboto" pitchFamily="2" charset="0"/>
-                <a:ea typeface="Roboto" pitchFamily="2" charset="0"/>
-              </a:rPr>
-              <a:t> gesteckt</a:t>
-            </a:r>
-          </a:p>
-          <a:p>
-            <a:pPr lvl="2">
-              <a:buFont typeface="Arial" panose="020B0604020202020204" pitchFamily="34" charset="0"/>
-              <a:buChar char="•"/>
-            </a:pPr>
-            <a:r>
-              <a:rPr lang="de-CH" dirty="0">
-                <a:solidFill>
-                  <a:schemeClr val="bg1"/>
-                </a:solidFill>
-                <a:latin typeface="Roboto" pitchFamily="2" charset="0"/>
-                <a:ea typeface="Roboto" pitchFamily="2" charset="0"/>
-              </a:rPr>
-              <a:t>In der Verknüpfung der REST Schnittstelle mit dem GUI stecken geblieben</a:t>
-            </a:r>
-          </a:p>
-          <a:p>
-            <a:pPr lvl="1">
-              <a:buFont typeface="Arial" panose="020B0604020202020204" pitchFamily="34" charset="0"/>
-              <a:buChar char="•"/>
-            </a:pPr>
-            <a:r>
-              <a:rPr lang="de-CH" dirty="0">
-                <a:solidFill>
-                  <a:schemeClr val="bg1"/>
-                </a:solidFill>
-                <a:latin typeface="Roboto" pitchFamily="2" charset="0"/>
-                <a:ea typeface="Roboto" pitchFamily="2" charset="0"/>
-              </a:rPr>
-              <a:t>Reaktionszeiten</a:t>
-            </a:r>
-          </a:p>
-          <a:p>
-            <a:pPr lvl="1">
-              <a:buFont typeface="Arial" panose="020B0604020202020204" pitchFamily="34" charset="0"/>
-              <a:buChar char="•"/>
-            </a:pPr>
-            <a:r>
-              <a:rPr lang="de-CH" dirty="0">
-                <a:solidFill>
-                  <a:schemeClr val="bg1"/>
-                </a:solidFill>
-                <a:latin typeface="Roboto" pitchFamily="2" charset="0"/>
-                <a:ea typeface="Roboto" pitchFamily="2" charset="0"/>
-              </a:rPr>
-              <a:t>Meetings über Skype</a:t>
-            </a:r>
-          </a:p>
-        </p:txBody>
-      </p:sp>
+            <a:r>
+              <a:rPr lang="de-CH" dirty="0" smtClean="0"/>
+              <a:t>Was lief schlecht?</a:t>
+            </a:r>
+          </a:p>
+          <a:p>
+            <a:pPr lvl="1"/>
+            <a:r>
+              <a:rPr lang="de-CH" dirty="0" smtClean="0"/>
+              <a:t>Zeit verloren mit DB Modell</a:t>
+            </a:r>
+            <a:endParaRPr lang="de-CH" dirty="0"/>
+          </a:p>
+        </p:txBody>
+      </p:sp>
+      <p:pic>
+        <p:nvPicPr>
+          <p:cNvPr id="6" name="Picture 2" descr="http://www.serialimha.com/wp-content/uploads/2014/12/1-Balsamiq-Mockups.jpg"/>
+          <p:cNvPicPr>
+            <a:picLocks noChangeAspect="1" noChangeArrowheads="1"/>
+          </p:cNvPicPr>
+          <p:nvPr/>
+        </p:nvPicPr>
+        <p:blipFill>
+          <a:blip r:embed="rId2" cstate="print">
+            <a:extLst>
+              <a:ext uri="{28A0092B-C50C-407E-A947-70E740481C1C}">
+                <a14:useLocalDpi xmlns:a14="http://schemas.microsoft.com/office/drawing/2010/main" xmlns="" val="0"/>
+              </a:ext>
+            </a:extLst>
+          </a:blip>
+          <a:srcRect/>
+          <a:stretch>
+            <a:fillRect/>
+          </a:stretch>
+        </p:blipFill>
+        <p:spPr bwMode="auto">
+          <a:xfrm>
+            <a:off x="4924507" y="1628800"/>
+            <a:ext cx="5715000" cy="3667126"/>
+          </a:xfrm>
+          <a:prstGeom prst="rect">
+            <a:avLst/>
+          </a:prstGeom>
+          <a:noFill/>
+          <a:extLst>
+            <a:ext uri="{909E8E84-426E-40DD-AFC4-6F175D3DCCD1}">
+              <a14:hiddenFill xmlns:a14="http://schemas.microsoft.com/office/drawing/2010/main" xmlns="">
+                <a:solidFill>
+                  <a:srgbClr val="FFFFFF"/>
+                </a:solidFill>
+              </a14:hiddenFill>
+            </a:ext>
+          </a:extLst>
+        </p:spPr>
+      </p:pic>
+      <p:pic>
+        <p:nvPicPr>
+          <p:cNvPr id="7" name="Picture 4" descr="http://www.catify.com/wp-content/uploads/2011/10/edployprocessSOAPUI1.png"/>
+          <p:cNvPicPr>
+            <a:picLocks noChangeAspect="1" noChangeArrowheads="1"/>
+          </p:cNvPicPr>
+          <p:nvPr/>
+        </p:nvPicPr>
+        <p:blipFill>
+          <a:blip r:embed="rId3" cstate="print">
+            <a:extLst>
+              <a:ext uri="{28A0092B-C50C-407E-A947-70E740481C1C}">
+                <a14:useLocalDpi xmlns:a14="http://schemas.microsoft.com/office/drawing/2010/main" xmlns="" val="0"/>
+              </a:ext>
+            </a:extLst>
+          </a:blip>
+          <a:srcRect/>
+          <a:stretch>
+            <a:fillRect/>
+          </a:stretch>
+        </p:blipFill>
+        <p:spPr bwMode="auto">
+          <a:xfrm>
+            <a:off x="5158308" y="1799491"/>
+            <a:ext cx="6211667" cy="3325743"/>
+          </a:xfrm>
+          <a:prstGeom prst="rect">
+            <a:avLst/>
+          </a:prstGeom>
+          <a:noFill/>
+          <a:extLst>
+            <a:ext uri="{909E8E84-426E-40DD-AFC4-6F175D3DCCD1}">
+              <a14:hiddenFill xmlns:a14="http://schemas.microsoft.com/office/drawing/2010/main" xmlns="">
+                <a:solidFill>
+                  <a:srgbClr val="FFFFFF"/>
+                </a:solidFill>
+              </a14:hiddenFill>
+            </a:ext>
+          </a:extLst>
+        </p:spPr>
+      </p:pic>
+      <p:pic>
+        <p:nvPicPr>
+          <p:cNvPr id="8" name="Grafik 7"/>
+          <p:cNvPicPr>
+            <a:picLocks noChangeAspect="1"/>
+          </p:cNvPicPr>
+          <p:nvPr/>
+        </p:nvPicPr>
+        <p:blipFill>
+          <a:blip r:embed="rId4" cstate="print"/>
+          <a:stretch>
+            <a:fillRect/>
+          </a:stretch>
+        </p:blipFill>
+        <p:spPr>
+          <a:xfrm>
+            <a:off x="6149903" y="2175395"/>
+            <a:ext cx="5220072" cy="3483212"/>
+          </a:xfrm>
+          <a:prstGeom prst="rect">
+            <a:avLst/>
+          </a:prstGeom>
+        </p:spPr>
+      </p:pic>
     </p:spTree>
     <p:extLst>
       <p:ext uri="{BB962C8B-B14F-4D97-AF65-F5344CB8AC3E}">
-        <p14:creationId xmlns:p14="http://schemas.microsoft.com/office/powerpoint/2010/main" val="803250803"/>
+        <p14:creationId xmlns:p14="http://schemas.microsoft.com/office/powerpoint/2010/main" xmlns="" val="1720590291"/>
       </p:ext>
     </p:extLst>
   </p:cSld>
   <p:clrMapOvr>
     <a:masterClrMapping/>
   </p:clrMapOvr>
-  <mc:AlternateContent xmlns:mc="http://schemas.openxmlformats.org/markup-compatibility/2006" xmlns:p14="http://schemas.microsoft.com/office/powerpoint/2010/main">
-    <mc:Choice Requires="p14">
+  <mc:AlternateContent xmlns:mc="http://schemas.openxmlformats.org/markup-compatibility/2006">
+    <mc:Choice xmlns:p14="http://schemas.microsoft.com/office/powerpoint/2010/main" xmlns="" Requires="p14">
       <p:transition spd="med" p14:dur="700">
         <p:fade/>
       </p:transition>
     </mc:Choice>
-    <mc:Fallback xmlns="">
+    <mc:Fallback>
       <p:transition spd="med">
         <p:fade/>
       </p:transition>
@@ -11354,20 +8170,20 @@
     </p:spTree>
     <p:extLst>
       <p:ext uri="{BB962C8B-B14F-4D97-AF65-F5344CB8AC3E}">
-        <p14:creationId xmlns:p14="http://schemas.microsoft.com/office/powerpoint/2010/main" val="1991746133"/>
+        <p14:creationId xmlns:p14="http://schemas.microsoft.com/office/powerpoint/2010/main" xmlns="" val="1991746133"/>
       </p:ext>
     </p:extLst>
   </p:cSld>
   <p:clrMapOvr>
     <a:masterClrMapping/>
   </p:clrMapOvr>
-  <mc:AlternateContent xmlns:mc="http://schemas.openxmlformats.org/markup-compatibility/2006" xmlns:p14="http://schemas.microsoft.com/office/powerpoint/2010/main">
-    <mc:Choice Requires="p14">
+  <mc:AlternateContent xmlns:mc="http://schemas.openxmlformats.org/markup-compatibility/2006">
+    <mc:Choice xmlns:p14="http://schemas.microsoft.com/office/powerpoint/2010/main" xmlns="" Requires="p14">
       <p:transition spd="med" p14:dur="700">
         <p:fade/>
       </p:transition>
     </mc:Choice>
-    <mc:Fallback xmlns="">
+    <mc:Fallback>
       <p:transition spd="med">
         <p:fade/>
       </p:transition>
@@ -11417,9 +8233,8 @@
           <a:p>
             <a:r>
               <a:rPr lang="de-CH" dirty="0" smtClean="0"/>
-              <a:t>Verbesserungsmassnahmen</a:t>
-            </a:r>
-            <a:endParaRPr lang="de-CH" dirty="0"/>
+              <a:t>Rückblick Teamarbeit / Entwicklungsprozess</a:t>
+            </a:r>
           </a:p>
         </p:txBody>
       </p:sp>
@@ -11442,50 +8257,73 @@
           <a:p>
             <a:r>
               <a:rPr lang="de-CH" dirty="0" smtClean="0"/>
-              <a:t>Initialisierung mehr Zeit </a:t>
-            </a:r>
+              <a:t>Was lief gut?</a:t>
+            </a:r>
+          </a:p>
+          <a:p>
+            <a:pPr lvl="1"/>
             <a:r>
               <a:rPr lang="de-CH" dirty="0" smtClean="0"/>
-              <a:t>aufwenden</a:t>
+              <a:t>Vorbereitung </a:t>
+            </a:r>
+          </a:p>
+          <a:p>
+            <a:pPr lvl="1"/>
+            <a:r>
+              <a:rPr lang="de-CH" dirty="0" smtClean="0"/>
+              <a:t>Methodik</a:t>
+            </a:r>
+          </a:p>
+          <a:p>
+            <a:pPr lvl="2"/>
+            <a:r>
+              <a:rPr lang="de-CH" dirty="0" smtClean="0"/>
+              <a:t>Verwendung von </a:t>
+            </a:r>
+            <a:r>
+              <a:rPr lang="de-CH" dirty="0" err="1" smtClean="0"/>
+              <a:t>GitHub</a:t>
             </a:r>
             <a:endParaRPr lang="de-CH" dirty="0" smtClean="0"/>
           </a:p>
           <a:p>
+            <a:pPr lvl="2"/>
             <a:r>
               <a:rPr lang="de-CH" dirty="0" smtClean="0"/>
-              <a:t>Schneller ins «extreme </a:t>
-            </a:r>
-            <a:r>
-              <a:rPr lang="de-CH" dirty="0" err="1" smtClean="0"/>
-              <a:t>programming</a:t>
-            </a:r>
+              <a:t>Skype Meetings</a:t>
+            </a:r>
+          </a:p>
+          <a:p>
+            <a:pPr lvl="1"/>
             <a:r>
               <a:rPr lang="de-CH" dirty="0" smtClean="0"/>
-              <a:t>» gehen</a:t>
-            </a:r>
-          </a:p>
-          <a:p>
+              <a:t>Planung aufstellen</a:t>
+            </a:r>
+          </a:p>
+          <a:p>
+            <a:pPr lvl="1"/>
             <a:r>
               <a:rPr lang="de-CH" dirty="0" smtClean="0"/>
-              <a:t>Kürzere Sprints vornehmen</a:t>
-            </a:r>
-          </a:p>
-          <a:p>
+              <a:t>Design</a:t>
+            </a:r>
+          </a:p>
+          <a:p>
+            <a:pPr lvl="1"/>
             <a:r>
               <a:rPr lang="de-CH" dirty="0" smtClean="0"/>
-              <a:t>Rasche Reaktionen bei Fragen an </a:t>
-            </a:r>
+              <a:t>Prototyp</a:t>
+            </a:r>
+          </a:p>
+          <a:p>
+            <a:pPr lvl="1"/>
             <a:r>
               <a:rPr lang="de-CH" dirty="0" smtClean="0"/>
-              <a:t>Teamkollegen</a:t>
-            </a:r>
-            <a:endParaRPr lang="de-CH" dirty="0"/>
-          </a:p>
-          <a:p>
-            <a:r>
-              <a:rPr lang="de-CH" dirty="0" smtClean="0"/>
-              <a:t>Verantwortungen besser verteilen</a:t>
-            </a:r>
+              <a:t>Konzept</a:t>
+            </a:r>
+          </a:p>
+          <a:p>
+            <a:pPr lvl="1"/>
+            <a:endParaRPr lang="de-CH" dirty="0" smtClean="0"/>
           </a:p>
         </p:txBody>
       </p:sp>
@@ -11506,29 +8344,379 @@
           <a:p>
             <a:r>
               <a:rPr lang="de-CH" dirty="0" smtClean="0"/>
-              <a:t>Rückblick  - Verbesserungsmassnahmen.</a:t>
+              <a:t>Rückblick  - Was lief gut? </a:t>
             </a:r>
             <a:endParaRPr lang="en-US" dirty="0"/>
+          </a:p>
+        </p:txBody>
+      </p:sp>
+      <p:sp>
+        <p:nvSpPr>
+          <p:cNvPr id="4" name="Inhaltsplatzhalter 2"/>
+          <p:cNvSpPr txBox="1">
+            <a:spLocks/>
+          </p:cNvSpPr>
+          <p:nvPr/>
+        </p:nvSpPr>
+        <p:spPr>
+          <a:xfrm>
+            <a:off x="5950396" y="1797558"/>
+            <a:ext cx="4716016" cy="4223730"/>
+          </a:xfrm>
+          <a:prstGeom prst="rect">
+            <a:avLst/>
+          </a:prstGeom>
+          <a:noFill/>
+        </p:spPr>
+        <p:txBody>
+          <a:bodyPr vert="horz" lIns="91440" tIns="45720" rIns="91440" bIns="45720" rtlCol="0">
+            <a:normAutofit/>
+          </a:bodyPr>
+          <a:lstStyle>
+            <a:lvl1pPr marL="274320" indent="-274320" algn="l" defTabSz="914400" rtl="0" eaLnBrk="1" latinLnBrk="0" hangingPunct="1">
+              <a:lnSpc>
+                <a:spcPct val="90000"/>
+              </a:lnSpc>
+              <a:spcBef>
+                <a:spcPts val="1800"/>
+              </a:spcBef>
+              <a:buSzPct val="80000"/>
+              <a:buFont typeface="Wingdings" pitchFamily="2" charset="2"/>
+              <a:buChar char="§"/>
+              <a:defRPr sz="2400" kern="1200">
+                <a:solidFill>
+                  <a:schemeClr val="tx1"/>
+                </a:solidFill>
+                <a:latin typeface="+mj-lt"/>
+                <a:ea typeface="+mn-ea"/>
+                <a:cs typeface="+mn-cs"/>
+              </a:defRPr>
+            </a:lvl1pPr>
+            <a:lvl2pPr marL="548640" indent="-274320" algn="l" defTabSz="914400" rtl="0" eaLnBrk="1" latinLnBrk="0" hangingPunct="1">
+              <a:lnSpc>
+                <a:spcPct val="90000"/>
+              </a:lnSpc>
+              <a:spcBef>
+                <a:spcPts val="600"/>
+              </a:spcBef>
+              <a:buSzPct val="100000"/>
+              <a:buFont typeface="Consolas" pitchFamily="49" charset="0"/>
+              <a:buChar char="–"/>
+              <a:defRPr sz="2000" kern="1200">
+                <a:solidFill>
+                  <a:schemeClr val="tx1"/>
+                </a:solidFill>
+                <a:latin typeface="+mj-lt"/>
+                <a:ea typeface="+mn-ea"/>
+                <a:cs typeface="+mn-cs"/>
+              </a:defRPr>
+            </a:lvl2pPr>
+            <a:lvl3pPr marL="777240" indent="-228600" algn="l" defTabSz="914400" rtl="0" eaLnBrk="1" latinLnBrk="0" hangingPunct="1">
+              <a:lnSpc>
+                <a:spcPct val="90000"/>
+              </a:lnSpc>
+              <a:spcBef>
+                <a:spcPts val="600"/>
+              </a:spcBef>
+              <a:buSzPct val="80000"/>
+              <a:buFont typeface="Wingdings" pitchFamily="2" charset="2"/>
+              <a:buChar char="§"/>
+              <a:defRPr sz="1800" kern="1200">
+                <a:solidFill>
+                  <a:schemeClr val="tx1"/>
+                </a:solidFill>
+                <a:latin typeface="+mj-lt"/>
+                <a:ea typeface="+mn-ea"/>
+                <a:cs typeface="+mn-cs"/>
+              </a:defRPr>
+            </a:lvl3pPr>
+            <a:lvl4pPr marL="1005840" indent="-228600" algn="l" defTabSz="914400" rtl="0" eaLnBrk="1" latinLnBrk="0" hangingPunct="1">
+              <a:lnSpc>
+                <a:spcPct val="90000"/>
+              </a:lnSpc>
+              <a:spcBef>
+                <a:spcPts val="600"/>
+              </a:spcBef>
+              <a:buSzPct val="100000"/>
+              <a:buFont typeface="Consolas" pitchFamily="49" charset="0"/>
+              <a:buChar char="–"/>
+              <a:defRPr sz="1600" kern="1200">
+                <a:solidFill>
+                  <a:schemeClr val="tx1"/>
+                </a:solidFill>
+                <a:latin typeface="+mj-lt"/>
+                <a:ea typeface="+mn-ea"/>
+                <a:cs typeface="+mn-cs"/>
+              </a:defRPr>
+            </a:lvl4pPr>
+            <a:lvl5pPr marL="1234440" indent="-228600" algn="l" defTabSz="914400" rtl="0" eaLnBrk="1" latinLnBrk="0" hangingPunct="1">
+              <a:lnSpc>
+                <a:spcPct val="90000"/>
+              </a:lnSpc>
+              <a:spcBef>
+                <a:spcPts val="600"/>
+              </a:spcBef>
+              <a:buSzPct val="80000"/>
+              <a:buFont typeface="Wingdings" pitchFamily="2" charset="2"/>
+              <a:buChar char="§"/>
+              <a:defRPr sz="1600" kern="1200">
+                <a:solidFill>
+                  <a:schemeClr val="tx1"/>
+                </a:solidFill>
+                <a:latin typeface="+mj-lt"/>
+                <a:ea typeface="+mn-ea"/>
+                <a:cs typeface="+mn-cs"/>
+              </a:defRPr>
+            </a:lvl5pPr>
+            <a:lvl6pPr marL="1463040" indent="-228600" algn="l" defTabSz="914400" rtl="0" eaLnBrk="1" latinLnBrk="0" hangingPunct="1">
+              <a:lnSpc>
+                <a:spcPct val="90000"/>
+              </a:lnSpc>
+              <a:spcBef>
+                <a:spcPts val="600"/>
+              </a:spcBef>
+              <a:buSzPct val="100000"/>
+              <a:buFont typeface="Consolas" pitchFamily="49" charset="0"/>
+              <a:buChar char="–"/>
+              <a:defRPr sz="1600" kern="1200" baseline="0">
+                <a:solidFill>
+                  <a:schemeClr val="tx1"/>
+                </a:solidFill>
+                <a:latin typeface="+mn-lt"/>
+                <a:ea typeface="+mn-ea"/>
+                <a:cs typeface="+mn-cs"/>
+              </a:defRPr>
+            </a:lvl6pPr>
+            <a:lvl7pPr marL="1691640" indent="-228600" algn="l" defTabSz="914400" rtl="0" eaLnBrk="1" latinLnBrk="0" hangingPunct="1">
+              <a:lnSpc>
+                <a:spcPct val="90000"/>
+              </a:lnSpc>
+              <a:spcBef>
+                <a:spcPts val="600"/>
+              </a:spcBef>
+              <a:buSzPct val="80000"/>
+              <a:buFont typeface="Wingdings" pitchFamily="2" charset="2"/>
+              <a:buChar char="§"/>
+              <a:defRPr sz="1600" kern="1200" baseline="0">
+                <a:solidFill>
+                  <a:schemeClr val="tx1"/>
+                </a:solidFill>
+                <a:latin typeface="+mn-lt"/>
+                <a:ea typeface="+mn-ea"/>
+                <a:cs typeface="+mn-cs"/>
+              </a:defRPr>
+            </a:lvl7pPr>
+            <a:lvl8pPr marL="1920240" indent="-228600" algn="l" defTabSz="914400" rtl="0" eaLnBrk="1" latinLnBrk="0" hangingPunct="1">
+              <a:lnSpc>
+                <a:spcPct val="90000"/>
+              </a:lnSpc>
+              <a:spcBef>
+                <a:spcPts val="600"/>
+              </a:spcBef>
+              <a:buSzPct val="100000"/>
+              <a:buFont typeface="Consolas" pitchFamily="49" charset="0"/>
+              <a:buChar char="–"/>
+              <a:defRPr sz="1600" kern="1200" baseline="0">
+                <a:solidFill>
+                  <a:schemeClr val="tx1"/>
+                </a:solidFill>
+                <a:latin typeface="+mn-lt"/>
+                <a:ea typeface="+mn-ea"/>
+                <a:cs typeface="+mn-cs"/>
+              </a:defRPr>
+            </a:lvl8pPr>
+            <a:lvl9pPr marL="2148840" indent="-228600" algn="l" defTabSz="914400" rtl="0" eaLnBrk="1" latinLnBrk="0" hangingPunct="1">
+              <a:lnSpc>
+                <a:spcPct val="90000"/>
+              </a:lnSpc>
+              <a:spcBef>
+                <a:spcPts val="600"/>
+              </a:spcBef>
+              <a:buSzPct val="80000"/>
+              <a:buFont typeface="Wingdings" pitchFamily="2" charset="2"/>
+              <a:buChar char="§"/>
+              <a:defRPr sz="1600" kern="1200" baseline="0">
+                <a:solidFill>
+                  <a:schemeClr val="tx1"/>
+                </a:solidFill>
+                <a:latin typeface="+mn-lt"/>
+                <a:ea typeface="+mn-ea"/>
+                <a:cs typeface="+mn-cs"/>
+              </a:defRPr>
+            </a:lvl9pPr>
+          </a:lstStyle>
+          <a:p>
+            <a:pPr>
+              <a:buFont typeface="Arial" panose="020B0604020202020204" pitchFamily="34" charset="0"/>
+              <a:buChar char="•"/>
+            </a:pPr>
+            <a:r>
+              <a:rPr lang="de-CH" dirty="0">
+                <a:solidFill>
+                  <a:schemeClr val="bg1"/>
+                </a:solidFill>
+                <a:latin typeface="Roboto" pitchFamily="2" charset="0"/>
+                <a:ea typeface="Roboto" pitchFamily="2" charset="0"/>
+              </a:rPr>
+              <a:t>Was lief </a:t>
+            </a:r>
+            <a:r>
+              <a:rPr lang="de-CH" dirty="0" smtClean="0">
+                <a:solidFill>
+                  <a:schemeClr val="bg1"/>
+                </a:solidFill>
+                <a:latin typeface="Roboto" pitchFamily="2" charset="0"/>
+                <a:ea typeface="Roboto" pitchFamily="2" charset="0"/>
+              </a:rPr>
+              <a:t>weniger gut?</a:t>
+            </a:r>
+            <a:endParaRPr lang="de-CH" dirty="0">
+              <a:solidFill>
+                <a:schemeClr val="bg1"/>
+              </a:solidFill>
+              <a:latin typeface="Roboto" pitchFamily="2" charset="0"/>
+              <a:ea typeface="Roboto" pitchFamily="2" charset="0"/>
+            </a:endParaRPr>
+          </a:p>
+          <a:p>
+            <a:pPr lvl="1">
+              <a:buFont typeface="Arial" panose="020B0604020202020204" pitchFamily="34" charset="0"/>
+              <a:buChar char="•"/>
+            </a:pPr>
+            <a:r>
+              <a:rPr lang="de-CH" dirty="0">
+                <a:solidFill>
+                  <a:schemeClr val="bg1"/>
+                </a:solidFill>
+                <a:latin typeface="Roboto" pitchFamily="2" charset="0"/>
+                <a:ea typeface="Roboto" pitchFamily="2" charset="0"/>
+              </a:rPr>
+              <a:t>Implementation</a:t>
+            </a:r>
+          </a:p>
+          <a:p>
+            <a:pPr lvl="2">
+              <a:buFont typeface="Arial" panose="020B0604020202020204" pitchFamily="34" charset="0"/>
+              <a:buChar char="•"/>
+            </a:pPr>
+            <a:r>
+              <a:rPr lang="de-CH" dirty="0">
+                <a:solidFill>
+                  <a:schemeClr val="bg1"/>
+                </a:solidFill>
+                <a:latin typeface="Roboto" pitchFamily="2" charset="0"/>
+                <a:ea typeface="Roboto" pitchFamily="2" charset="0"/>
+              </a:rPr>
+              <a:t>Viel Zeit in Teilaufgaben und </a:t>
+            </a:r>
+            <a:r>
+              <a:rPr lang="de-CH" dirty="0" err="1">
+                <a:solidFill>
+                  <a:schemeClr val="bg1"/>
+                </a:solidFill>
+                <a:latin typeface="Roboto" pitchFamily="2" charset="0"/>
+                <a:ea typeface="Roboto" pitchFamily="2" charset="0"/>
+              </a:rPr>
+              <a:t>Proj</a:t>
+            </a:r>
+            <a:r>
+              <a:rPr lang="de-CH" dirty="0">
+                <a:solidFill>
+                  <a:schemeClr val="bg1"/>
+                </a:solidFill>
+                <a:latin typeface="Roboto" pitchFamily="2" charset="0"/>
+                <a:ea typeface="Roboto" pitchFamily="2" charset="0"/>
+              </a:rPr>
+              <a:t>. </a:t>
+            </a:r>
+            <a:r>
+              <a:rPr lang="de-CH" dirty="0" err="1">
+                <a:solidFill>
+                  <a:schemeClr val="bg1"/>
+                </a:solidFill>
+                <a:latin typeface="Roboto" pitchFamily="2" charset="0"/>
+                <a:ea typeface="Roboto" pitchFamily="2" charset="0"/>
+              </a:rPr>
+              <a:t>Mgmt</a:t>
+            </a:r>
+            <a:r>
+              <a:rPr lang="de-CH" dirty="0">
+                <a:solidFill>
+                  <a:schemeClr val="bg1"/>
+                </a:solidFill>
+                <a:latin typeface="Roboto" pitchFamily="2" charset="0"/>
+                <a:ea typeface="Roboto" pitchFamily="2" charset="0"/>
+              </a:rPr>
+              <a:t> gesteckt</a:t>
+            </a:r>
+          </a:p>
+          <a:p>
+            <a:pPr lvl="2">
+              <a:buFont typeface="Arial" panose="020B0604020202020204" pitchFamily="34" charset="0"/>
+              <a:buChar char="•"/>
+            </a:pPr>
+            <a:r>
+              <a:rPr lang="de-CH" dirty="0">
+                <a:solidFill>
+                  <a:schemeClr val="bg1"/>
+                </a:solidFill>
+                <a:latin typeface="Roboto" pitchFamily="2" charset="0"/>
+                <a:ea typeface="Roboto" pitchFamily="2" charset="0"/>
+              </a:rPr>
+              <a:t>In der Verknüpfung der REST Schnittstelle mit dem GUI stecken geblieben</a:t>
+            </a:r>
+          </a:p>
+          <a:p>
+            <a:pPr lvl="1">
+              <a:buFont typeface="Arial" panose="020B0604020202020204" pitchFamily="34" charset="0"/>
+              <a:buChar char="•"/>
+            </a:pPr>
+            <a:r>
+              <a:rPr lang="de-CH" dirty="0">
+                <a:solidFill>
+                  <a:schemeClr val="bg1"/>
+                </a:solidFill>
+                <a:latin typeface="Roboto" pitchFamily="2" charset="0"/>
+                <a:ea typeface="Roboto" pitchFamily="2" charset="0"/>
+              </a:rPr>
+              <a:t>Reaktionszeiten</a:t>
+            </a:r>
+          </a:p>
+          <a:p>
+            <a:pPr lvl="1">
+              <a:buFont typeface="Arial" panose="020B0604020202020204" pitchFamily="34" charset="0"/>
+              <a:buChar char="•"/>
+            </a:pPr>
+            <a:r>
+              <a:rPr lang="de-CH" dirty="0">
+                <a:solidFill>
+                  <a:schemeClr val="bg1"/>
+                </a:solidFill>
+                <a:latin typeface="Roboto" pitchFamily="2" charset="0"/>
+                <a:ea typeface="Roboto" pitchFamily="2" charset="0"/>
+              </a:rPr>
+              <a:t>Meetings über Skype</a:t>
+            </a:r>
           </a:p>
         </p:txBody>
       </p:sp>
     </p:spTree>
     <p:extLst>
       <p:ext uri="{BB962C8B-B14F-4D97-AF65-F5344CB8AC3E}">
-        <p14:creationId xmlns:p14="http://schemas.microsoft.com/office/powerpoint/2010/main" val="1720590291"/>
+        <p14:creationId xmlns:p14="http://schemas.microsoft.com/office/powerpoint/2010/main" xmlns="" val="803250803"/>
       </p:ext>
     </p:extLst>
   </p:cSld>
   <p:clrMapOvr>
     <a:masterClrMapping/>
   </p:clrMapOvr>
-  <mc:AlternateContent xmlns:mc="http://schemas.openxmlformats.org/markup-compatibility/2006" xmlns:p14="http://schemas.microsoft.com/office/powerpoint/2010/main">
-    <mc:Choice Requires="p14">
+  <mc:AlternateContent xmlns:mc="http://schemas.openxmlformats.org/markup-compatibility/2006">
+    <mc:Choice xmlns:p14="http://schemas.microsoft.com/office/powerpoint/2010/main" xmlns="" Requires="p14">
       <p:transition spd="med" p14:dur="700">
         <p:fade/>
       </p:transition>
     </mc:Choice>
-    <mc:Fallback xmlns="">
+    <mc:Fallback>
       <p:transition spd="med">
         <p:fade/>
       </p:transition>
@@ -11563,6 +8751,158 @@
       </p:grpSpPr>
       <p:sp>
         <p:nvSpPr>
+          <p:cNvPr id="2" name="Titel 1"/>
+          <p:cNvSpPr>
+            <a:spLocks noGrp="1"/>
+          </p:cNvSpPr>
+          <p:nvPr>
+            <p:ph type="title"/>
+          </p:nvPr>
+        </p:nvSpPr>
+        <p:spPr/>
+        <p:txBody>
+          <a:bodyPr/>
+          <a:lstStyle/>
+          <a:p>
+            <a:r>
+              <a:rPr lang="de-CH" dirty="0" smtClean="0"/>
+              <a:t>Verbesserungsmassnahmen</a:t>
+            </a:r>
+            <a:endParaRPr lang="de-CH" dirty="0"/>
+          </a:p>
+        </p:txBody>
+      </p:sp>
+      <p:sp>
+        <p:nvSpPr>
+          <p:cNvPr id="3" name="Inhaltsplatzhalter 2"/>
+          <p:cNvSpPr>
+            <a:spLocks noGrp="1"/>
+          </p:cNvSpPr>
+          <p:nvPr>
+            <p:ph idx="1"/>
+          </p:nvPr>
+        </p:nvSpPr>
+        <p:spPr/>
+        <p:txBody>
+          <a:bodyPr>
+            <a:normAutofit/>
+          </a:bodyPr>
+          <a:lstStyle/>
+          <a:p>
+            <a:r>
+              <a:rPr lang="de-CH" dirty="0" smtClean="0"/>
+              <a:t>Initialisierung mehr Zeit aufwenden</a:t>
+            </a:r>
+          </a:p>
+          <a:p>
+            <a:r>
+              <a:rPr lang="de-CH" dirty="0" smtClean="0"/>
+              <a:t>Schneller ins «extreme </a:t>
+            </a:r>
+            <a:r>
+              <a:rPr lang="de-CH" dirty="0" err="1" smtClean="0"/>
+              <a:t>programming</a:t>
+            </a:r>
+            <a:r>
+              <a:rPr lang="de-CH" dirty="0" smtClean="0"/>
+              <a:t>» gehen</a:t>
+            </a:r>
+          </a:p>
+          <a:p>
+            <a:r>
+              <a:rPr lang="de-CH" dirty="0" smtClean="0"/>
+              <a:t>Kürzere Sprints vornehmen</a:t>
+            </a:r>
+          </a:p>
+          <a:p>
+            <a:r>
+              <a:rPr lang="de-CH" dirty="0" smtClean="0"/>
+              <a:t>Rasche Reaktionen bei Fragen an Teamkollegen</a:t>
+            </a:r>
+            <a:endParaRPr lang="de-CH" dirty="0"/>
+          </a:p>
+          <a:p>
+            <a:r>
+              <a:rPr lang="de-CH" dirty="0" smtClean="0"/>
+              <a:t>Verantwortungen besser verteilen</a:t>
+            </a:r>
+          </a:p>
+        </p:txBody>
+      </p:sp>
+      <p:sp>
+        <p:nvSpPr>
+          <p:cNvPr id="5" name="Inhaltsplatzhalter 4"/>
+          <p:cNvSpPr>
+            <a:spLocks noGrp="1"/>
+          </p:cNvSpPr>
+          <p:nvPr>
+            <p:ph idx="13"/>
+          </p:nvPr>
+        </p:nvSpPr>
+        <p:spPr/>
+        <p:txBody>
+          <a:bodyPr/>
+          <a:lstStyle/>
+          <a:p>
+            <a:r>
+              <a:rPr lang="de-CH" dirty="0" smtClean="0"/>
+              <a:t>Rückblick  - Verbesserungsmassnahmen.</a:t>
+            </a:r>
+            <a:endParaRPr lang="en-US" dirty="0"/>
+          </a:p>
+        </p:txBody>
+      </p:sp>
+    </p:spTree>
+    <p:extLst>
+      <p:ext uri="{BB962C8B-B14F-4D97-AF65-F5344CB8AC3E}">
+        <p14:creationId xmlns:p14="http://schemas.microsoft.com/office/powerpoint/2010/main" xmlns="" val="1720590291"/>
+      </p:ext>
+    </p:extLst>
+  </p:cSld>
+  <p:clrMapOvr>
+    <a:masterClrMapping/>
+  </p:clrMapOvr>
+  <mc:AlternateContent xmlns:mc="http://schemas.openxmlformats.org/markup-compatibility/2006">
+    <mc:Choice xmlns:p14="http://schemas.microsoft.com/office/powerpoint/2010/main" xmlns="" Requires="p14">
+      <p:transition spd="med" p14:dur="700">
+        <p:fade/>
+      </p:transition>
+    </mc:Choice>
+    <mc:Fallback>
+      <p:transition spd="med">
+        <p:fade/>
+      </p:transition>
+    </mc:Fallback>
+  </mc:AlternateContent>
+  <p:timing>
+    <p:tnLst>
+      <p:par>
+        <p:cTn id="1" dur="indefinite" restart="never" nodeType="tmRoot"/>
+      </p:par>
+    </p:tnLst>
+  </p:timing>
+</p:sld>
+</file>
+
+<file path=ppt/slides/slide22.xml><?xml version="1.0" encoding="utf-8"?>
+<p:sld xmlns:a="http://schemas.openxmlformats.org/drawingml/2006/main" xmlns:r="http://schemas.openxmlformats.org/officeDocument/2006/relationships" xmlns:p="http://schemas.openxmlformats.org/presentationml/2006/main">
+  <p:cSld>
+    <p:spTree>
+      <p:nvGrpSpPr>
+        <p:cNvPr id="1" name=""/>
+        <p:cNvGrpSpPr/>
+        <p:nvPr/>
+      </p:nvGrpSpPr>
+      <p:grpSpPr>
+        <a:xfrm>
+          <a:off x="0" y="0"/>
+          <a:ext cx="0" cy="0"/>
+          <a:chOff x="0" y="0"/>
+          <a:chExt cx="0" cy="0"/>
+        </a:xfrm>
+      </p:grpSpPr>
+      <p:sp>
+        <p:nvSpPr>
           <p:cNvPr id="9" name="Titel 8"/>
           <p:cNvSpPr>
             <a:spLocks noGrp="1"/>
@@ -11660,13 +9000,13 @@
   <p:clrMapOvr>
     <a:masterClrMapping/>
   </p:clrMapOvr>
-  <mc:AlternateContent xmlns:mc="http://schemas.openxmlformats.org/markup-compatibility/2006" xmlns:p14="http://schemas.microsoft.com/office/powerpoint/2010/main">
-    <mc:Choice Requires="p14">
+  <mc:AlternateContent xmlns:mc="http://schemas.openxmlformats.org/markup-compatibility/2006">
+    <mc:Choice xmlns:p14="http://schemas.microsoft.com/office/powerpoint/2010/main" xmlns="" Requires="p14">
       <p:transition spd="med" p14:dur="700">
         <p:fade/>
       </p:transition>
     </mc:Choice>
-    <mc:Fallback xmlns="">
+    <mc:Fallback>
       <p:transition spd="med">
         <p:fade/>
       </p:transition>
@@ -11757,7 +9097,7 @@
           <a:blip r:embed="rId2" cstate="print">
             <a:extLst>
               <a:ext uri="{28A0092B-C50C-407E-A947-70E740481C1C}">
-                <a14:useLocalDpi xmlns:a14="http://schemas.microsoft.com/office/drawing/2010/main" val="0"/>
+                <a14:useLocalDpi xmlns:a14="http://schemas.microsoft.com/office/drawing/2010/main" xmlns="" val="0"/>
               </a:ext>
             </a:extLst>
           </a:blip>
@@ -11777,7 +9117,7 @@
           <a:noFill/>
           <a:extLst>
             <a:ext uri="{909E8E84-426E-40DD-AFC4-6F175D3DCCD1}">
-              <a14:hiddenFill xmlns:a14="http://schemas.microsoft.com/office/drawing/2010/main">
+              <a14:hiddenFill xmlns:a14="http://schemas.microsoft.com/office/drawing/2010/main" xmlns="">
                 <a:solidFill>
                   <a:srgbClr val="FFFFFF"/>
                 </a:solidFill>
@@ -11833,20 +9173,20 @@
     </p:spTree>
     <p:extLst>
       <p:ext uri="{BB962C8B-B14F-4D97-AF65-F5344CB8AC3E}">
-        <p14:creationId xmlns:p14="http://schemas.microsoft.com/office/powerpoint/2010/main" val="1761193173"/>
+        <p14:creationId xmlns:p14="http://schemas.microsoft.com/office/powerpoint/2010/main" xmlns="" val="1761193173"/>
       </p:ext>
     </p:extLst>
   </p:cSld>
   <p:clrMapOvr>
     <a:masterClrMapping/>
   </p:clrMapOvr>
-  <mc:AlternateContent xmlns:mc="http://schemas.openxmlformats.org/markup-compatibility/2006" xmlns:p14="http://schemas.microsoft.com/office/powerpoint/2010/main">
-    <mc:Choice Requires="p14">
+  <mc:AlternateContent xmlns:mc="http://schemas.openxmlformats.org/markup-compatibility/2006">
+    <mc:Choice xmlns:p14="http://schemas.microsoft.com/office/powerpoint/2010/main" xmlns="" Requires="p14">
       <p:transition spd="med" p14:dur="700">
         <p:fade/>
       </p:transition>
     </mc:Choice>
-    <mc:Fallback xmlns="">
+    <mc:Fallback>
       <p:transition spd="med">
         <p:fade/>
       </p:transition>
@@ -12000,20 +9340,20 @@
     </p:spTree>
     <p:extLst>
       <p:ext uri="{BB962C8B-B14F-4D97-AF65-F5344CB8AC3E}">
-        <p14:creationId xmlns:p14="http://schemas.microsoft.com/office/powerpoint/2010/main" val="3990477609"/>
+        <p14:creationId xmlns:p14="http://schemas.microsoft.com/office/powerpoint/2010/main" xmlns="" val="3990477609"/>
       </p:ext>
     </p:extLst>
   </p:cSld>
   <p:clrMapOvr>
     <a:masterClrMapping/>
   </p:clrMapOvr>
-  <mc:AlternateContent xmlns:mc="http://schemas.openxmlformats.org/markup-compatibility/2006" xmlns:p14="http://schemas.microsoft.com/office/powerpoint/2010/main">
-    <mc:Choice Requires="p14">
+  <mc:AlternateContent xmlns:mc="http://schemas.openxmlformats.org/markup-compatibility/2006">
+    <mc:Choice xmlns:p14="http://schemas.microsoft.com/office/powerpoint/2010/main" xmlns="" Requires="p14">
       <p:transition spd="med" p14:dur="700">
         <p:fade/>
       </p:transition>
     </mc:Choice>
-    <mc:Fallback xmlns="">
+    <mc:Fallback>
       <p:transition spd="med">
         <p:fade/>
       </p:transition>
@@ -12156,20 +9496,20 @@
     </p:spTree>
     <p:extLst>
       <p:ext uri="{BB962C8B-B14F-4D97-AF65-F5344CB8AC3E}">
-        <p14:creationId xmlns:p14="http://schemas.microsoft.com/office/powerpoint/2010/main" val="893170643"/>
+        <p14:creationId xmlns:p14="http://schemas.microsoft.com/office/powerpoint/2010/main" xmlns="" val="893170643"/>
       </p:ext>
     </p:extLst>
   </p:cSld>
   <p:clrMapOvr>
     <a:masterClrMapping/>
   </p:clrMapOvr>
-  <mc:AlternateContent xmlns:mc="http://schemas.openxmlformats.org/markup-compatibility/2006" xmlns:p14="http://schemas.microsoft.com/office/powerpoint/2010/main">
-    <mc:Choice Requires="p14">
+  <mc:AlternateContent xmlns:mc="http://schemas.openxmlformats.org/markup-compatibility/2006">
+    <mc:Choice xmlns:p14="http://schemas.microsoft.com/office/powerpoint/2010/main" xmlns="" Requires="p14">
       <p:transition spd="med" p14:dur="700">
         <p:fade/>
       </p:transition>
     </mc:Choice>
-    <mc:Fallback xmlns="">
+    <mc:Fallback>
       <p:transition spd="med">
         <p:fade/>
       </p:transition>
@@ -12313,7 +9653,7 @@
           <p:nvPr/>
         </p:nvPicPr>
         <p:blipFill>
-          <a:blip r:embed="rId3"/>
+          <a:blip r:embed="rId3" cstate="print"/>
           <a:stretch>
             <a:fillRect/>
           </a:stretch>
@@ -12331,20 +9671,20 @@
     </p:spTree>
     <p:extLst>
       <p:ext uri="{BB962C8B-B14F-4D97-AF65-F5344CB8AC3E}">
-        <p14:creationId xmlns:p14="http://schemas.microsoft.com/office/powerpoint/2010/main" val="2562901813"/>
+        <p14:creationId xmlns:p14="http://schemas.microsoft.com/office/powerpoint/2010/main" xmlns="" val="2562901813"/>
       </p:ext>
     </p:extLst>
   </p:cSld>
   <p:clrMapOvr>
     <a:masterClrMapping/>
   </p:clrMapOvr>
-  <mc:AlternateContent xmlns:mc="http://schemas.openxmlformats.org/markup-compatibility/2006" xmlns:p14="http://schemas.microsoft.com/office/powerpoint/2010/main">
-    <mc:Choice Requires="p14">
+  <mc:AlternateContent xmlns:mc="http://schemas.openxmlformats.org/markup-compatibility/2006">
+    <mc:Choice xmlns:p14="http://schemas.microsoft.com/office/powerpoint/2010/main" xmlns="" Requires="p14">
       <p:transition spd="med" p14:dur="700">
         <p:fade/>
       </p:transition>
     </mc:Choice>
-    <mc:Fallback xmlns="">
+    <mc:Fallback>
       <p:transition spd="med">
         <p:fade/>
       </p:transition>
@@ -12521,20 +9861,20 @@
     </p:spTree>
     <p:extLst>
       <p:ext uri="{BB962C8B-B14F-4D97-AF65-F5344CB8AC3E}">
-        <p14:creationId xmlns:p14="http://schemas.microsoft.com/office/powerpoint/2010/main" val="687508315"/>
+        <p14:creationId xmlns:p14="http://schemas.microsoft.com/office/powerpoint/2010/main" xmlns="" val="687508315"/>
       </p:ext>
     </p:extLst>
   </p:cSld>
   <p:clrMapOvr>
     <a:masterClrMapping/>
   </p:clrMapOvr>
-  <mc:AlternateContent xmlns:mc="http://schemas.openxmlformats.org/markup-compatibility/2006" xmlns:p14="http://schemas.microsoft.com/office/powerpoint/2010/main">
-    <mc:Choice Requires="p14">
+  <mc:AlternateContent xmlns:mc="http://schemas.openxmlformats.org/markup-compatibility/2006">
+    <mc:Choice xmlns:p14="http://schemas.microsoft.com/office/powerpoint/2010/main" xmlns="" Requires="p14">
       <p:transition spd="med" p14:dur="700">
         <p:fade/>
       </p:transition>
     </mc:Choice>
-    <mc:Fallback xmlns="">
+    <mc:Fallback>
       <p:transition spd="med">
         <p:fade/>
       </p:transition>
@@ -12659,7 +9999,6 @@
               <a:rPr lang="de-CH" dirty="0" smtClean="0"/>
               <a:t>Views</a:t>
             </a:r>
-            <a:endParaRPr lang="de-CH" dirty="0" smtClean="0"/>
           </a:p>
           <a:p>
             <a:pPr lvl="1"/>
@@ -12719,20 +10058,20 @@
     </p:spTree>
     <p:extLst>
       <p:ext uri="{BB962C8B-B14F-4D97-AF65-F5344CB8AC3E}">
-        <p14:creationId xmlns:p14="http://schemas.microsoft.com/office/powerpoint/2010/main" val="1812615666"/>
+        <p14:creationId xmlns:p14="http://schemas.microsoft.com/office/powerpoint/2010/main" xmlns="" val="1812615666"/>
       </p:ext>
     </p:extLst>
   </p:cSld>
   <p:clrMapOvr>
     <a:masterClrMapping/>
   </p:clrMapOvr>
-  <mc:AlternateContent xmlns:mc="http://schemas.openxmlformats.org/markup-compatibility/2006" xmlns:p14="http://schemas.microsoft.com/office/powerpoint/2010/main">
-    <mc:Choice Requires="p14">
+  <mc:AlternateContent xmlns:mc="http://schemas.openxmlformats.org/markup-compatibility/2006">
+    <mc:Choice xmlns:p14="http://schemas.microsoft.com/office/powerpoint/2010/main" xmlns="" Requires="p14">
       <p:transition spd="med" p14:dur="700">
         <p:fade/>
       </p:transition>
     </mc:Choice>
-    <mc:Fallback xmlns="">
+    <mc:Fallback>
       <p:transition spd="med">
         <p:fade/>
       </p:transition>
@@ -12859,7 +10198,7 @@
           <p:nvPr/>
         </p:nvPicPr>
         <p:blipFill>
-          <a:blip r:embed="rId2"/>
+          <a:blip r:embed="rId2" cstate="print"/>
           <a:stretch>
             <a:fillRect/>
           </a:stretch>
@@ -12883,7 +10222,7 @@
           <p:nvPr/>
         </p:nvPicPr>
         <p:blipFill>
-          <a:blip r:embed="rId3"/>
+          <a:blip r:embed="rId3" cstate="print"/>
           <a:stretch>
             <a:fillRect/>
           </a:stretch>
@@ -12907,7 +10246,7 @@
           <p:nvPr/>
         </p:nvPicPr>
         <p:blipFill>
-          <a:blip r:embed="rId4"/>
+          <a:blip r:embed="rId4" cstate="print"/>
           <a:stretch>
             <a:fillRect/>
           </a:stretch>
@@ -12931,7 +10270,7 @@
           <p:nvPr/>
         </p:nvPicPr>
         <p:blipFill>
-          <a:blip r:embed="rId5"/>
+          <a:blip r:embed="rId5" cstate="print"/>
           <a:stretch>
             <a:fillRect/>
           </a:stretch>
@@ -12955,7 +10294,7 @@
           <p:nvPr/>
         </p:nvPicPr>
         <p:blipFill>
-          <a:blip r:embed="rId6"/>
+          <a:blip r:embed="rId6" cstate="print"/>
           <a:stretch>
             <a:fillRect/>
           </a:stretch>
@@ -12973,20 +10312,20 @@
     </p:spTree>
     <p:extLst>
       <p:ext uri="{BB962C8B-B14F-4D97-AF65-F5344CB8AC3E}">
-        <p14:creationId xmlns:p14="http://schemas.microsoft.com/office/powerpoint/2010/main" val="3994489142"/>
+        <p14:creationId xmlns:p14="http://schemas.microsoft.com/office/powerpoint/2010/main" xmlns="" val="3994489142"/>
       </p:ext>
     </p:extLst>
   </p:cSld>
   <p:clrMapOvr>
     <a:masterClrMapping/>
   </p:clrMapOvr>
-  <mc:AlternateContent xmlns:mc="http://schemas.openxmlformats.org/markup-compatibility/2006" xmlns:p14="http://schemas.microsoft.com/office/powerpoint/2010/main">
-    <mc:Choice Requires="p14">
+  <mc:AlternateContent xmlns:mc="http://schemas.openxmlformats.org/markup-compatibility/2006">
+    <mc:Choice xmlns:p14="http://schemas.microsoft.com/office/powerpoint/2010/main" xmlns="" Requires="p14">
       <p:transition spd="med" p14:dur="700">
         <p:fade/>
       </p:transition>
     </mc:Choice>
-    <mc:Fallback xmlns="">
+    <mc:Fallback>
       <p:transition spd="med">
         <p:fade/>
       </p:transition>

--- a/docs/Präsentation/Project-Presentation.pptx
+++ b/docs/Präsentation/Project-Presentation.pptx
@@ -5,10 +5,10 @@
     <p:sldMasterId id="2147483660" r:id="rId2"/>
   </p:sldMasterIdLst>
   <p:notesMasterIdLst>
-    <p:notesMasterId r:id="rId25"/>
+    <p:notesMasterId r:id="rId26"/>
   </p:notesMasterIdLst>
   <p:handoutMasterIdLst>
-    <p:handoutMasterId r:id="rId26"/>
+    <p:handoutMasterId r:id="rId27"/>
   </p:handoutMasterIdLst>
   <p:sldIdLst>
     <p:sldId id="256" r:id="rId3"/>
@@ -31,8 +31,9 @@
     <p:sldId id="280" r:id="rId20"/>
     <p:sldId id="259" r:id="rId21"/>
     <p:sldId id="276" r:id="rId22"/>
-    <p:sldId id="270" r:id="rId23"/>
-    <p:sldId id="269" r:id="rId24"/>
+    <p:sldId id="281" r:id="rId23"/>
+    <p:sldId id="270" r:id="rId24"/>
+    <p:sldId id="269" r:id="rId25"/>
   </p:sldIdLst>
   <p:sldSz cx="12188825" cy="6858000"/>
   <p:notesSz cx="6858000" cy="9144000"/>
@@ -133,7 +134,7 @@
   </p:defaultTextStyle>
   <p:extLst>
     <p:ext uri="{EFAFB233-063F-42B5-8137-9DF3F51BA10A}">
-      <p15:sldGuideLst xmlns:p15="http://schemas.microsoft.com/office/powerpoint/2012/main" xmlns="">
+      <p15:sldGuideLst xmlns="" xmlns:p15="http://schemas.microsoft.com/office/powerpoint/2012/main">
         <p15:guide id="1" orient="horz" pos="2160">
           <p15:clr>
             <a:srgbClr val="A4A3A4"/>
@@ -197,7 +198,7 @@
       </p15:sldGuideLst>
     </p:ext>
     <p:ext uri="{2D200454-40CA-4A62-9FC3-DE9A4176ACB9}">
-      <p15:notesGuideLst xmlns:p15="http://schemas.microsoft.com/office/powerpoint/2012/main" xmlns="">
+      <p15:notesGuideLst xmlns="" xmlns:p15="http://schemas.microsoft.com/office/powerpoint/2012/main">
         <p15:guide id="1" orient="horz" pos="2880">
           <p15:clr>
             <a:srgbClr val="A4A3A4"/>
@@ -227,7 +228,7 @@
     <p:text>UI Bild</p:text>
     <p:extLst>
       <p:ext uri="{C676402C-5697-4E1C-873F-D02D1690AC5C}">
-        <p15:threadingInfo xmlns:p15="http://schemas.microsoft.com/office/powerpoint/2012/main" xmlns="" timeZoneBias="-120"/>
+        <p15:threadingInfo xmlns="" xmlns:p15="http://schemas.microsoft.com/office/powerpoint/2012/main" timeZoneBias="-120"/>
       </p:ext>
     </p:extLst>
   </p:cm>
@@ -241,7 +242,7 @@
     <p:text>UI BILD</p:text>
     <p:extLst>
       <p:ext uri="{C676402C-5697-4E1C-873F-D02D1690AC5C}">
-        <p15:threadingInfo xmlns:p15="http://schemas.microsoft.com/office/powerpoint/2012/main" xmlns="" timeZoneBias="-120"/>
+        <p15:threadingInfo xmlns="" xmlns:p15="http://schemas.microsoft.com/office/powerpoint/2012/main" timeZoneBias="-120"/>
       </p:ext>
     </p:extLst>
   </p:cm>
@@ -331,7 +332,7 @@
             <a:fld id="{784AA43A-3F76-4A13-9CD6-36134EB429E3}" type="datetimeFigureOut">
               <a:rPr lang="de-DE"/>
               <a:pPr/>
-              <a:t>06.07.2015</a:t>
+              <a:t>07.07.2015</a:t>
             </a:fld>
             <a:endParaRPr dirty="0"/>
           </a:p>
@@ -407,7 +408,7 @@
     </p:spTree>
     <p:extLst>
       <p:ext uri="{BB962C8B-B14F-4D97-AF65-F5344CB8AC3E}">
-        <p14:creationId xmlns:p14="http://schemas.microsoft.com/office/powerpoint/2010/main" xmlns="" val="405139585"/>
+        <p14:creationId xmlns="" xmlns:p14="http://schemas.microsoft.com/office/powerpoint/2010/main" val="405139585"/>
       </p:ext>
     </p:extLst>
   </p:cSld>
@@ -498,7 +499,7 @@
             <a:fld id="{5F674A4F-2B7A-4ECB-A400-260B2FFC03C1}" type="datetimeFigureOut">
               <a:rPr lang="de-DE"/>
               <a:pPr/>
-              <a:t>06.07.2015</a:t>
+              <a:t>07.07.2015</a:t>
             </a:fld>
             <a:endParaRPr dirty="0"/>
           </a:p>
@@ -666,7 +667,7 @@
     </p:spTree>
     <p:extLst>
       <p:ext uri="{BB962C8B-B14F-4D97-AF65-F5344CB8AC3E}">
-        <p14:creationId xmlns:p14="http://schemas.microsoft.com/office/powerpoint/2010/main" xmlns="" val="2411570515"/>
+        <p14:creationId xmlns="" xmlns:p14="http://schemas.microsoft.com/office/powerpoint/2010/main" val="2411570515"/>
       </p:ext>
     </p:extLst>
   </p:cSld>
@@ -950,7 +951,7 @@
     </p:spTree>
     <p:extLst>
       <p:ext uri="{BB962C8B-B14F-4D97-AF65-F5344CB8AC3E}">
-        <p14:creationId xmlns:p14="http://schemas.microsoft.com/office/powerpoint/2010/main" xmlns="" val="674356654"/>
+        <p14:creationId xmlns="" xmlns:p14="http://schemas.microsoft.com/office/powerpoint/2010/main" val="674356654"/>
       </p:ext>
     </p:extLst>
   </p:cSld>
@@ -958,7 +959,7 @@
     <a:masterClrMapping/>
   </p:clrMapOvr>
   <mc:AlternateContent xmlns:mc="http://schemas.openxmlformats.org/markup-compatibility/2006">
-    <mc:Choice xmlns:p14="http://schemas.microsoft.com/office/powerpoint/2010/main" xmlns="" Requires="p14">
+    <mc:Choice xmlns="" xmlns:p14="http://schemas.microsoft.com/office/powerpoint/2010/main" Requires="p14">
       <p:transition spd="med" p14:dur="700">
         <p:fade/>
       </p:transition>
@@ -1195,7 +1196,7 @@
             <a:fld id="{9AFE8FB1-0A7A-443E-AAF7-31D4FA1AA312}" type="datetimeFigureOut">
               <a:rPr lang="de-DE" noProof="0" smtClean="0"/>
               <a:pPr/>
-              <a:t>06.07.2015</a:t>
+              <a:t>07.07.2015</a:t>
             </a:fld>
             <a:endParaRPr lang="de-DE" noProof="0" dirty="0"/>
           </a:p>
@@ -1564,7 +1565,7 @@
     </p:spTree>
     <p:extLst>
       <p:ext uri="{BB962C8B-B14F-4D97-AF65-F5344CB8AC3E}">
-        <p14:creationId xmlns:p14="http://schemas.microsoft.com/office/powerpoint/2010/main" xmlns="" val="2614472672"/>
+        <p14:creationId xmlns="" xmlns:p14="http://schemas.microsoft.com/office/powerpoint/2010/main" val="2614472672"/>
       </p:ext>
     </p:extLst>
   </p:cSld>
@@ -1572,7 +1573,7 @@
     <a:masterClrMapping/>
   </p:clrMapOvr>
   <mc:AlternateContent xmlns:mc="http://schemas.openxmlformats.org/markup-compatibility/2006">
-    <mc:Choice xmlns:p14="http://schemas.microsoft.com/office/powerpoint/2010/main" xmlns="" Requires="p14">
+    <mc:Choice xmlns="" xmlns:p14="http://schemas.microsoft.com/office/powerpoint/2010/main" Requires="p14">
       <p:transition spd="med" p14:dur="700">
         <p:fade/>
       </p:transition>
@@ -1809,7 +1810,7 @@
             <a:fld id="{9AFE8FB1-0A7A-443E-AAF7-31D4FA1AA312}" type="datetimeFigureOut">
               <a:rPr lang="de-DE" noProof="0" smtClean="0"/>
               <a:pPr/>
-              <a:t>06.07.2015</a:t>
+              <a:t>07.07.2015</a:t>
             </a:fld>
             <a:endParaRPr lang="de-DE" noProof="0" dirty="0"/>
           </a:p>
@@ -2178,7 +2179,7 @@
     </p:spTree>
     <p:extLst>
       <p:ext uri="{BB962C8B-B14F-4D97-AF65-F5344CB8AC3E}">
-        <p14:creationId xmlns:p14="http://schemas.microsoft.com/office/powerpoint/2010/main" xmlns="" val="2614472672"/>
+        <p14:creationId xmlns="" xmlns:p14="http://schemas.microsoft.com/office/powerpoint/2010/main" val="2614472672"/>
       </p:ext>
     </p:extLst>
   </p:cSld>
@@ -2186,7 +2187,7 @@
     <a:masterClrMapping/>
   </p:clrMapOvr>
   <mc:AlternateContent xmlns:mc="http://schemas.openxmlformats.org/markup-compatibility/2006">
-    <mc:Choice xmlns:p14="http://schemas.microsoft.com/office/powerpoint/2010/main" xmlns="" Requires="p14">
+    <mc:Choice xmlns="" xmlns:p14="http://schemas.microsoft.com/office/powerpoint/2010/main" Requires="p14">
       <p:transition spd="med" p14:dur="700">
         <p:fade/>
       </p:transition>
@@ -2423,7 +2424,7 @@
             <a:fld id="{9AFE8FB1-0A7A-443E-AAF7-31D4FA1AA312}" type="datetimeFigureOut">
               <a:rPr lang="de-DE" noProof="0" smtClean="0"/>
               <a:pPr/>
-              <a:t>06.07.2015</a:t>
+              <a:t>07.07.2015</a:t>
             </a:fld>
             <a:endParaRPr lang="de-DE" noProof="0" dirty="0"/>
           </a:p>
@@ -2792,7 +2793,7 @@
     </p:spTree>
     <p:extLst>
       <p:ext uri="{BB962C8B-B14F-4D97-AF65-F5344CB8AC3E}">
-        <p14:creationId xmlns:p14="http://schemas.microsoft.com/office/powerpoint/2010/main" xmlns="" val="2614472672"/>
+        <p14:creationId xmlns="" xmlns:p14="http://schemas.microsoft.com/office/powerpoint/2010/main" val="2614472672"/>
       </p:ext>
     </p:extLst>
   </p:cSld>
@@ -2800,7 +2801,7 @@
     <a:masterClrMapping/>
   </p:clrMapOvr>
   <mc:AlternateContent xmlns:mc="http://schemas.openxmlformats.org/markup-compatibility/2006">
-    <mc:Choice xmlns:p14="http://schemas.microsoft.com/office/powerpoint/2010/main" xmlns="" Requires="p14">
+    <mc:Choice xmlns="" xmlns:p14="http://schemas.microsoft.com/office/powerpoint/2010/main" Requires="p14">
       <p:transition spd="med" p14:dur="700">
         <p:fade/>
       </p:transition>
@@ -3040,7 +3041,7 @@
             <a:fld id="{9AFE8FB1-0A7A-443E-AAF7-31D4FA1AA312}" type="datetimeFigureOut">
               <a:rPr lang="de-DE" noProof="0" smtClean="0"/>
               <a:pPr/>
-              <a:t>06.07.2015</a:t>
+              <a:t>07.07.2015</a:t>
             </a:fld>
             <a:endParaRPr lang="de-DE" noProof="0" dirty="0"/>
           </a:p>
@@ -3409,7 +3410,7 @@
     </p:spTree>
     <p:extLst>
       <p:ext uri="{BB962C8B-B14F-4D97-AF65-F5344CB8AC3E}">
-        <p14:creationId xmlns:p14="http://schemas.microsoft.com/office/powerpoint/2010/main" xmlns="" val="2614472672"/>
+        <p14:creationId xmlns="" xmlns:p14="http://schemas.microsoft.com/office/powerpoint/2010/main" val="2614472672"/>
       </p:ext>
     </p:extLst>
   </p:cSld>
@@ -3417,7 +3418,7 @@
     <a:masterClrMapping/>
   </p:clrMapOvr>
   <mc:AlternateContent xmlns:mc="http://schemas.openxmlformats.org/markup-compatibility/2006">
-    <mc:Choice xmlns:p14="http://schemas.microsoft.com/office/powerpoint/2010/main" xmlns="" Requires="p14">
+    <mc:Choice xmlns="" xmlns:p14="http://schemas.microsoft.com/office/powerpoint/2010/main" Requires="p14">
       <p:transition spd="med" p14:dur="700">
         <p:fade/>
       </p:transition>
@@ -3654,7 +3655,7 @@
             <a:fld id="{9AFE8FB1-0A7A-443E-AAF7-31D4FA1AA312}" type="datetimeFigureOut">
               <a:rPr lang="de-DE" noProof="0" smtClean="0"/>
               <a:pPr/>
-              <a:t>06.07.2015</a:t>
+              <a:t>07.07.2015</a:t>
             </a:fld>
             <a:endParaRPr lang="de-DE" noProof="0" dirty="0"/>
           </a:p>
@@ -4023,7 +4024,7 @@
     </p:spTree>
     <p:extLst>
       <p:ext uri="{BB962C8B-B14F-4D97-AF65-F5344CB8AC3E}">
-        <p14:creationId xmlns:p14="http://schemas.microsoft.com/office/powerpoint/2010/main" xmlns="" val="2614472672"/>
+        <p14:creationId xmlns="" xmlns:p14="http://schemas.microsoft.com/office/powerpoint/2010/main" val="2614472672"/>
       </p:ext>
     </p:extLst>
   </p:cSld>
@@ -4031,7 +4032,7 @@
     <a:masterClrMapping/>
   </p:clrMapOvr>
   <mc:AlternateContent xmlns:mc="http://schemas.openxmlformats.org/markup-compatibility/2006">
-    <mc:Choice xmlns:p14="http://schemas.microsoft.com/office/powerpoint/2010/main" xmlns="" Requires="p14">
+    <mc:Choice xmlns="" xmlns:p14="http://schemas.microsoft.com/office/powerpoint/2010/main" Requires="p14">
       <p:transition spd="med" p14:dur="700">
         <p:fade/>
       </p:transition>
@@ -4268,7 +4269,7 @@
             <a:fld id="{9AFE8FB1-0A7A-443E-AAF7-31D4FA1AA312}" type="datetimeFigureOut">
               <a:rPr lang="de-DE" noProof="0" smtClean="0"/>
               <a:pPr/>
-              <a:t>06.07.2015</a:t>
+              <a:t>07.07.2015</a:t>
             </a:fld>
             <a:endParaRPr lang="de-DE" noProof="0" dirty="0"/>
           </a:p>
@@ -4637,7 +4638,7 @@
     </p:spTree>
     <p:extLst>
       <p:ext uri="{BB962C8B-B14F-4D97-AF65-F5344CB8AC3E}">
-        <p14:creationId xmlns:p14="http://schemas.microsoft.com/office/powerpoint/2010/main" xmlns="" val="2614472672"/>
+        <p14:creationId xmlns="" xmlns:p14="http://schemas.microsoft.com/office/powerpoint/2010/main" val="2614472672"/>
       </p:ext>
     </p:extLst>
   </p:cSld>
@@ -4645,7 +4646,7 @@
     <a:masterClrMapping/>
   </p:clrMapOvr>
   <mc:AlternateContent xmlns:mc="http://schemas.openxmlformats.org/markup-compatibility/2006">
-    <mc:Choice xmlns:p14="http://schemas.microsoft.com/office/powerpoint/2010/main" xmlns="" Requires="p14">
+    <mc:Choice xmlns="" xmlns:p14="http://schemas.microsoft.com/office/powerpoint/2010/main" Requires="p14">
       <p:transition spd="med" p14:dur="700">
         <p:fade/>
       </p:transition>
@@ -4865,7 +4866,7 @@
             <a:fld id="{9AFE8FB1-0A7A-443E-AAF7-31D4FA1AA312}" type="datetimeFigureOut">
               <a:rPr lang="de-DE" noProof="0" smtClean="0"/>
               <a:pPr/>
-              <a:t>06.07.2015</a:t>
+              <a:t>07.07.2015</a:t>
             </a:fld>
             <a:endParaRPr lang="de-DE" noProof="0" dirty="0"/>
           </a:p>
@@ -4944,7 +4945,7 @@
     </p:spTree>
     <p:extLst>
       <p:ext uri="{BB962C8B-B14F-4D97-AF65-F5344CB8AC3E}">
-        <p14:creationId xmlns:p14="http://schemas.microsoft.com/office/powerpoint/2010/main" xmlns="" val="3697668095"/>
+        <p14:creationId xmlns="" xmlns:p14="http://schemas.microsoft.com/office/powerpoint/2010/main" val="3697668095"/>
       </p:ext>
     </p:extLst>
   </p:cSld>
@@ -4952,7 +4953,7 @@
     <a:masterClrMapping/>
   </p:clrMapOvr>
   <mc:AlternateContent xmlns:mc="http://schemas.openxmlformats.org/markup-compatibility/2006">
-    <mc:Choice xmlns:p14="http://schemas.microsoft.com/office/powerpoint/2010/main" xmlns="" Requires="p14">
+    <mc:Choice xmlns="" xmlns:p14="http://schemas.microsoft.com/office/powerpoint/2010/main" Requires="p14">
       <p:transition spd="med" p14:dur="700">
         <p:fade/>
       </p:transition>
@@ -5130,7 +5131,7 @@
             <a:fld id="{9AFE8FB1-0A7A-443E-AAF7-31D4FA1AA312}" type="datetimeFigureOut">
               <a:rPr lang="de-DE" noProof="0" smtClean="0"/>
               <a:pPr/>
-              <a:t>06.07.2015</a:t>
+              <a:t>07.07.2015</a:t>
             </a:fld>
             <a:endParaRPr lang="de-DE" noProof="0" dirty="0"/>
           </a:p>
@@ -5218,7 +5219,7 @@
     </p:spTree>
     <p:extLst>
       <p:ext uri="{BB962C8B-B14F-4D97-AF65-F5344CB8AC3E}">
-        <p14:creationId xmlns:p14="http://schemas.microsoft.com/office/powerpoint/2010/main" xmlns="" val="535636480"/>
+        <p14:creationId xmlns="" xmlns:p14="http://schemas.microsoft.com/office/powerpoint/2010/main" val="535636480"/>
       </p:ext>
     </p:extLst>
   </p:cSld>
@@ -5234,7 +5235,7 @@
     <p:sldLayoutId id="2147483668" r:id="rId8"/>
   </p:sldLayoutIdLst>
   <mc:AlternateContent xmlns:mc="http://schemas.openxmlformats.org/markup-compatibility/2006">
-    <mc:Choice xmlns:p14="http://schemas.microsoft.com/office/powerpoint/2010/main" xmlns="" Requires="p14">
+    <mc:Choice xmlns="" xmlns:p14="http://schemas.microsoft.com/office/powerpoint/2010/main" Requires="p14">
       <p:transition spd="med" p14:dur="700">
         <p:fade/>
       </p:transition>
@@ -5815,7 +5816,7 @@
     </p:spTree>
     <p:extLst>
       <p:ext uri="{BB962C8B-B14F-4D97-AF65-F5344CB8AC3E}">
-        <p14:creationId xmlns:p14="http://schemas.microsoft.com/office/powerpoint/2010/main" xmlns="" val="791001320"/>
+        <p14:creationId xmlns="" xmlns:p14="http://schemas.microsoft.com/office/powerpoint/2010/main" val="791001320"/>
       </p:ext>
     </p:extLst>
   </p:cSld>
@@ -5823,7 +5824,7 @@
     <a:masterClrMapping/>
   </p:clrMapOvr>
   <mc:AlternateContent xmlns:mc="http://schemas.openxmlformats.org/markup-compatibility/2006">
-    <mc:Choice xmlns:p14="http://schemas.microsoft.com/office/powerpoint/2010/main" xmlns="" Requires="p14">
+    <mc:Choice xmlns="" xmlns:p14="http://schemas.microsoft.com/office/powerpoint/2010/main" Requires="p14">
       <p:transition spd="med" p14:dur="700">
         <p:fade/>
       </p:transition>
@@ -5968,7 +5969,7 @@
     </p:spTree>
     <p:extLst>
       <p:ext uri="{BB962C8B-B14F-4D97-AF65-F5344CB8AC3E}">
-        <p14:creationId xmlns:p14="http://schemas.microsoft.com/office/powerpoint/2010/main" xmlns="" val="3353599290"/>
+        <p14:creationId xmlns="" xmlns:p14="http://schemas.microsoft.com/office/powerpoint/2010/main" val="3353599290"/>
       </p:ext>
     </p:extLst>
   </p:cSld>
@@ -5976,7 +5977,7 @@
     <a:masterClrMapping/>
   </p:clrMapOvr>
   <mc:AlternateContent xmlns:mc="http://schemas.openxmlformats.org/markup-compatibility/2006">
-    <mc:Choice xmlns:p14="http://schemas.microsoft.com/office/powerpoint/2010/main" xmlns="" Requires="p14">
+    <mc:Choice xmlns="" xmlns:p14="http://schemas.microsoft.com/office/powerpoint/2010/main" Requires="p14">
       <p:transition spd="med" p14:dur="700">
         <p:fade/>
       </p:transition>
@@ -6122,7 +6123,7 @@
     </p:spTree>
     <p:extLst>
       <p:ext uri="{BB962C8B-B14F-4D97-AF65-F5344CB8AC3E}">
-        <p14:creationId xmlns:p14="http://schemas.microsoft.com/office/powerpoint/2010/main" xmlns="" val="2272683450"/>
+        <p14:creationId xmlns="" xmlns:p14="http://schemas.microsoft.com/office/powerpoint/2010/main" val="2272683450"/>
       </p:ext>
     </p:extLst>
   </p:cSld>
@@ -6130,7 +6131,7 @@
     <a:masterClrMapping/>
   </p:clrMapOvr>
   <mc:AlternateContent xmlns:mc="http://schemas.openxmlformats.org/markup-compatibility/2006">
-    <mc:Choice xmlns:p14="http://schemas.microsoft.com/office/powerpoint/2010/main" xmlns="" Requires="p14">
+    <mc:Choice xmlns="" xmlns:p14="http://schemas.microsoft.com/office/powerpoint/2010/main" Requires="p14">
       <p:transition spd="med" p14:dur="700">
         <p:fade/>
       </p:transition>
@@ -6278,7 +6279,7 @@
     <a:masterClrMapping/>
   </p:clrMapOvr>
   <mc:AlternateContent xmlns:mc="http://schemas.openxmlformats.org/markup-compatibility/2006">
-    <mc:Choice xmlns:p14="http://schemas.microsoft.com/office/powerpoint/2010/main" xmlns="" Requires="p14">
+    <mc:Choice xmlns="" xmlns:p14="http://schemas.microsoft.com/office/powerpoint/2010/main" Requires="p14">
       <p:transition spd="med" p14:dur="700">
         <p:fade/>
       </p:transition>
@@ -6443,7 +6444,7 @@
     <a:masterClrMapping/>
   </p:clrMapOvr>
   <mc:AlternateContent xmlns:mc="http://schemas.openxmlformats.org/markup-compatibility/2006">
-    <mc:Choice xmlns:p14="http://schemas.microsoft.com/office/powerpoint/2010/main" xmlns="" Requires="p14">
+    <mc:Choice xmlns="" xmlns:p14="http://schemas.microsoft.com/office/powerpoint/2010/main" Requires="p14">
       <p:transition spd="med" p14:dur="700">
         <p:fade/>
       </p:transition>
@@ -6589,7 +6590,7 @@
     <a:masterClrMapping/>
   </p:clrMapOvr>
   <mc:AlternateContent xmlns:mc="http://schemas.openxmlformats.org/markup-compatibility/2006">
-    <mc:Choice xmlns:p14="http://schemas.microsoft.com/office/powerpoint/2010/main" xmlns="" Requires="p14">
+    <mc:Choice xmlns="" xmlns:p14="http://schemas.microsoft.com/office/powerpoint/2010/main" Requires="p14">
       <p:transition spd="med" p14:dur="700">
         <p:fade/>
       </p:transition>
@@ -7072,7 +7073,7 @@
     <a:masterClrMapping/>
   </p:clrMapOvr>
   <mc:AlternateContent xmlns:mc="http://schemas.openxmlformats.org/markup-compatibility/2006">
-    <mc:Choice xmlns:p14="http://schemas.microsoft.com/office/powerpoint/2010/main" xmlns="" Requires="p14">
+    <mc:Choice xmlns="" xmlns:p14="http://schemas.microsoft.com/office/powerpoint/2010/main" Requires="p14">
       <p:transition spd="med" p14:dur="700">
         <p:fade/>
       </p:transition>
@@ -7206,7 +7207,7 @@
     <a:masterClrMapping/>
   </p:clrMapOvr>
   <mc:AlternateContent xmlns:mc="http://schemas.openxmlformats.org/markup-compatibility/2006">
-    <mc:Choice xmlns:p14="http://schemas.microsoft.com/office/powerpoint/2010/main" xmlns="" Requires="p14">
+    <mc:Choice xmlns="" xmlns:p14="http://schemas.microsoft.com/office/powerpoint/2010/main" Requires="p14">
       <p:transition spd="med" p14:dur="700">
         <p:fade/>
       </p:transition>
@@ -7323,7 +7324,7 @@
     </p:spTree>
     <p:extLst>
       <p:ext uri="{BB962C8B-B14F-4D97-AF65-F5344CB8AC3E}">
-        <p14:creationId xmlns:p14="http://schemas.microsoft.com/office/powerpoint/2010/main" xmlns="" val="1913460396"/>
+        <p14:creationId xmlns="" xmlns:p14="http://schemas.microsoft.com/office/powerpoint/2010/main" val="1913460396"/>
       </p:ext>
     </p:extLst>
   </p:cSld>
@@ -7331,7 +7332,7 @@
     <a:masterClrMapping/>
   </p:clrMapOvr>
   <mc:AlternateContent xmlns:mc="http://schemas.openxmlformats.org/markup-compatibility/2006">
-    <mc:Choice xmlns:p14="http://schemas.microsoft.com/office/powerpoint/2010/main" xmlns="" Requires="p14">
+    <mc:Choice xmlns="" xmlns:p14="http://schemas.microsoft.com/office/powerpoint/2010/main" Requires="p14">
       <p:transition spd="med" p14:dur="700">
         <p:fade/>
       </p:transition>
@@ -7419,11 +7420,7 @@
             </a:pPr>
             <a:r>
               <a:rPr lang="en-US" dirty="0" smtClean="0"/>
-              <a:t>07-06 </a:t>
-            </a:r>
-            <a:r>
-              <a:rPr lang="en-US" dirty="0" smtClean="0"/>
-              <a:t>23:47:51.685    4372-4372/</a:t>
+              <a:t>07-06 23:47:51.685    4372-4372/</a:t>
             </a:r>
             <a:r>
               <a:rPr lang="en-US" dirty="0" err="1" smtClean="0"/>
@@ -7471,11 +7468,7 @@
             <a:pPr lvl="1"/>
             <a:r>
               <a:rPr lang="de-CH" dirty="0" smtClean="0"/>
-              <a:t>K</a:t>
-            </a:r>
-            <a:r>
-              <a:rPr lang="de-CH" dirty="0" smtClean="0"/>
-              <a:t>alendereintrag</a:t>
+              <a:t>Kalendereintrag</a:t>
             </a:r>
             <a:endParaRPr lang="en-US" dirty="0"/>
           </a:p>
@@ -7506,7 +7499,7 @@
     <a:masterClrMapping/>
   </p:clrMapOvr>
   <mc:AlternateContent xmlns:mc="http://schemas.openxmlformats.org/markup-compatibility/2006">
-    <mc:Choice xmlns:p14="http://schemas.microsoft.com/office/powerpoint/2010/main" xmlns="" Requires="p14">
+    <mc:Choice xmlns="" xmlns:p14="http://schemas.microsoft.com/office/powerpoint/2010/main" Requires="p14">
       <p:transition spd="med" p14:dur="700">
         <p:fade/>
       </p:transition>
@@ -7517,6 +7510,13 @@
       </p:transition>
     </mc:Fallback>
   </mc:AlternateContent>
+  <p:timing>
+    <p:tnLst>
+      <p:par>
+        <p:cTn id="1" dur="indefinite" restart="never" nodeType="tmRoot"/>
+      </p:par>
+    </p:tnLst>
+  </p:timing>
 </p:sld>
 </file>
 
@@ -7894,7 +7894,7 @@
           <a:blip r:embed="rId2" cstate="print">
             <a:extLst>
               <a:ext uri="{28A0092B-C50C-407E-A947-70E740481C1C}">
-                <a14:useLocalDpi xmlns:a14="http://schemas.microsoft.com/office/drawing/2010/main" xmlns="" val="0"/>
+                <a14:useLocalDpi xmlns="" xmlns:a14="http://schemas.microsoft.com/office/drawing/2010/main" val="0"/>
               </a:ext>
             </a:extLst>
           </a:blip>
@@ -7914,7 +7914,7 @@
           <a:noFill/>
           <a:extLst>
             <a:ext uri="{909E8E84-426E-40DD-AFC4-6F175D3DCCD1}">
-              <a14:hiddenFill xmlns:a14="http://schemas.microsoft.com/office/drawing/2010/main" xmlns="">
+              <a14:hiddenFill xmlns="" xmlns:a14="http://schemas.microsoft.com/office/drawing/2010/main">
                 <a:solidFill>
                   <a:srgbClr val="FFFFFF"/>
                 </a:solidFill>
@@ -7935,7 +7935,7 @@
           <a:blip r:embed="rId3" cstate="print">
             <a:extLst>
               <a:ext uri="{28A0092B-C50C-407E-A947-70E740481C1C}">
-                <a14:useLocalDpi xmlns:a14="http://schemas.microsoft.com/office/drawing/2010/main" xmlns="" val="0"/>
+                <a14:useLocalDpi xmlns="" xmlns:a14="http://schemas.microsoft.com/office/drawing/2010/main" val="0"/>
               </a:ext>
             </a:extLst>
           </a:blip>
@@ -7955,7 +7955,7 @@
           <a:noFill/>
           <a:extLst>
             <a:ext uri="{909E8E84-426E-40DD-AFC4-6F175D3DCCD1}">
-              <a14:hiddenFill xmlns:a14="http://schemas.microsoft.com/office/drawing/2010/main" xmlns="">
+              <a14:hiddenFill xmlns="" xmlns:a14="http://schemas.microsoft.com/office/drawing/2010/main">
                 <a:solidFill>
                   <a:srgbClr val="FFFFFF"/>
                 </a:solidFill>
@@ -7991,7 +7991,7 @@
     </p:spTree>
     <p:extLst>
       <p:ext uri="{BB962C8B-B14F-4D97-AF65-F5344CB8AC3E}">
-        <p14:creationId xmlns:p14="http://schemas.microsoft.com/office/powerpoint/2010/main" xmlns="" val="1720590291"/>
+        <p14:creationId xmlns="" xmlns:p14="http://schemas.microsoft.com/office/powerpoint/2010/main" val="1720590291"/>
       </p:ext>
     </p:extLst>
   </p:cSld>
@@ -7999,7 +7999,7 @@
     <a:masterClrMapping/>
   </p:clrMapOvr>
   <mc:AlternateContent xmlns:mc="http://schemas.openxmlformats.org/markup-compatibility/2006">
-    <mc:Choice xmlns:p14="http://schemas.microsoft.com/office/powerpoint/2010/main" xmlns="" Requires="p14">
+    <mc:Choice xmlns="" xmlns:p14="http://schemas.microsoft.com/office/powerpoint/2010/main" Requires="p14">
       <p:transition spd="med" p14:dur="700">
         <p:fade/>
       </p:transition>
@@ -8170,7 +8170,7 @@
     </p:spTree>
     <p:extLst>
       <p:ext uri="{BB962C8B-B14F-4D97-AF65-F5344CB8AC3E}">
-        <p14:creationId xmlns:p14="http://schemas.microsoft.com/office/powerpoint/2010/main" xmlns="" val="1991746133"/>
+        <p14:creationId xmlns="" xmlns:p14="http://schemas.microsoft.com/office/powerpoint/2010/main" val="1991746133"/>
       </p:ext>
     </p:extLst>
   </p:cSld>
@@ -8178,7 +8178,7 @@
     <a:masterClrMapping/>
   </p:clrMapOvr>
   <mc:AlternateContent xmlns:mc="http://schemas.openxmlformats.org/markup-compatibility/2006">
-    <mc:Choice xmlns:p14="http://schemas.microsoft.com/office/powerpoint/2010/main" xmlns="" Requires="p14">
+    <mc:Choice xmlns="" xmlns:p14="http://schemas.microsoft.com/office/powerpoint/2010/main" Requires="p14">
       <p:transition spd="med" p14:dur="700">
         <p:fade/>
       </p:transition>
@@ -8703,7 +8703,7 @@
     </p:spTree>
     <p:extLst>
       <p:ext uri="{BB962C8B-B14F-4D97-AF65-F5344CB8AC3E}">
-        <p14:creationId xmlns:p14="http://schemas.microsoft.com/office/powerpoint/2010/main" xmlns="" val="803250803"/>
+        <p14:creationId xmlns="" xmlns:p14="http://schemas.microsoft.com/office/powerpoint/2010/main" val="803250803"/>
       </p:ext>
     </p:extLst>
   </p:cSld>
@@ -8711,7 +8711,7 @@
     <a:masterClrMapping/>
   </p:clrMapOvr>
   <mc:AlternateContent xmlns:mc="http://schemas.openxmlformats.org/markup-compatibility/2006">
-    <mc:Choice xmlns:p14="http://schemas.microsoft.com/office/powerpoint/2010/main" xmlns="" Requires="p14">
+    <mc:Choice xmlns="" xmlns:p14="http://schemas.microsoft.com/office/powerpoint/2010/main" Requires="p14">
       <p:transition spd="med" p14:dur="700">
         <p:fade/>
       </p:transition>
@@ -8766,104 +8766,255 @@
           <a:p>
             <a:r>
               <a:rPr lang="de-CH" dirty="0" smtClean="0"/>
-              <a:t>Verbesserungsmassnahmen</a:t>
-            </a:r>
-            <a:endParaRPr lang="de-CH" dirty="0"/>
-          </a:p>
-        </p:txBody>
-      </p:sp>
-      <p:sp>
-        <p:nvSpPr>
-          <p:cNvPr id="3" name="Inhaltsplatzhalter 2"/>
-          <p:cNvSpPr>
-            <a:spLocks noGrp="1"/>
-          </p:cNvSpPr>
+              <a:t>Aufwand</a:t>
+            </a:r>
+            <a:endParaRPr lang="en-US" dirty="0"/>
+          </a:p>
+        </p:txBody>
+      </p:sp>
+      <p:sp>
+        <p:nvSpPr>
+          <p:cNvPr id="4" name="Inhaltsplatzhalter 3"/>
+          <p:cNvSpPr>
+            <a:spLocks noGrp="1"/>
+          </p:cNvSpPr>
+          <p:nvPr>
+            <p:ph idx="13"/>
+          </p:nvPr>
+        </p:nvSpPr>
+        <p:spPr/>
+        <p:txBody>
+          <a:bodyPr/>
+          <a:lstStyle/>
+          <a:p>
+            <a:endParaRPr lang="en-US"/>
+          </a:p>
+        </p:txBody>
+      </p:sp>
+      <p:pic>
+        <p:nvPicPr>
+          <p:cNvPr id="1026" name="Picture 2"/>
+          <p:cNvPicPr>
+            <a:picLocks noGrp="1" noChangeAspect="1" noChangeArrowheads="1"/>
+          </p:cNvPicPr>
           <p:nvPr>
             <p:ph idx="1"/>
           </p:nvPr>
-        </p:nvSpPr>
-        <p:spPr/>
-        <p:txBody>
-          <a:bodyPr>
-            <a:normAutofit/>
+        </p:nvPicPr>
+        <p:blipFill>
+          <a:blip r:embed="rId2" cstate="print"/>
+          <a:srcRect/>
+          <a:stretch>
+            <a:fillRect/>
+          </a:stretch>
+        </p:blipFill>
+        <p:spPr bwMode="auto">
+          <a:xfrm>
+            <a:off x="1557908" y="1556791"/>
+            <a:ext cx="6912308" cy="4248473"/>
+          </a:xfrm>
+          <a:prstGeom prst="rect">
+            <a:avLst/>
+          </a:prstGeom>
+          <a:noFill/>
+          <a:ln w="9525">
+            <a:noFill/>
+            <a:miter lim="800000"/>
+            <a:headEnd/>
+            <a:tailEnd/>
+          </a:ln>
+        </p:spPr>
+      </p:pic>
+      <p:sp>
+        <p:nvSpPr>
+          <p:cNvPr id="6" name="Rechteck 5"/>
+          <p:cNvSpPr/>
+          <p:nvPr/>
+        </p:nvSpPr>
+        <p:spPr>
+          <a:xfrm>
+            <a:off x="8470676" y="1628800"/>
+            <a:ext cx="2267416" cy="369332"/>
+          </a:xfrm>
+          <a:prstGeom prst="rect">
+            <a:avLst/>
+          </a:prstGeom>
+        </p:spPr>
+        <p:txBody>
+          <a:bodyPr wrap="none">
+            <a:spAutoFit/>
           </a:bodyPr>
           <a:lstStyle/>
           <a:p>
             <a:r>
-              <a:rPr lang="de-CH" dirty="0" smtClean="0"/>
-              <a:t>Initialisierung mehr Zeit aufwenden</a:t>
-            </a:r>
-          </a:p>
-          <a:p>
-            <a:r>
-              <a:rPr lang="de-CH" dirty="0" smtClean="0"/>
-              <a:t>Schneller ins «extreme </a:t>
-            </a:r>
-            <a:r>
-              <a:rPr lang="de-CH" dirty="0" err="1" smtClean="0"/>
-              <a:t>programming</a:t>
-            </a:r>
-            <a:r>
-              <a:rPr lang="de-CH" dirty="0" smtClean="0"/>
-              <a:t>» gehen</a:t>
-            </a:r>
-          </a:p>
-          <a:p>
-            <a:r>
-              <a:rPr lang="de-CH" dirty="0" smtClean="0"/>
-              <a:t>Kürzere Sprints vornehmen</a:t>
-            </a:r>
-          </a:p>
-          <a:p>
-            <a:r>
-              <a:rPr lang="de-CH" dirty="0" smtClean="0"/>
-              <a:t>Rasche Reaktionen bei Fragen an Teamkollegen</a:t>
-            </a:r>
-            <a:endParaRPr lang="de-CH" dirty="0"/>
-          </a:p>
-          <a:p>
-            <a:r>
-              <a:rPr lang="de-CH" dirty="0" smtClean="0"/>
-              <a:t>Verantwortungen besser verteilen</a:t>
-            </a:r>
-          </a:p>
-        </p:txBody>
-      </p:sp>
-      <p:sp>
-        <p:nvSpPr>
-          <p:cNvPr id="5" name="Inhaltsplatzhalter 4"/>
-          <p:cNvSpPr>
-            <a:spLocks noGrp="1"/>
-          </p:cNvSpPr>
-          <p:nvPr>
-            <p:ph idx="13"/>
-          </p:nvPr>
-        </p:nvSpPr>
-        <p:spPr/>
-        <p:txBody>
-          <a:bodyPr/>
-          <a:lstStyle/>
-          <a:p>
-            <a:r>
-              <a:rPr lang="de-CH" dirty="0" smtClean="0"/>
-              <a:t>Rückblick  - Verbesserungsmassnahmen.</a:t>
-            </a:r>
-            <a:endParaRPr lang="en-US" dirty="0"/>
+              <a:rPr lang="en-US" dirty="0" err="1" smtClean="0">
+                <a:solidFill>
+                  <a:schemeClr val="bg1"/>
+                </a:solidFill>
+              </a:rPr>
+              <a:t>Mutierte</a:t>
+            </a:r>
+            <a:r>
+              <a:rPr lang="en-US" dirty="0" smtClean="0">
+                <a:solidFill>
+                  <a:schemeClr val="bg1"/>
+                </a:solidFill>
+              </a:rPr>
+              <a:t> </a:t>
+            </a:r>
+            <a:r>
+              <a:rPr lang="en-US" dirty="0" err="1" smtClean="0">
+                <a:solidFill>
+                  <a:schemeClr val="bg1"/>
+                </a:solidFill>
+              </a:rPr>
+              <a:t>Zeilen</a:t>
+            </a:r>
+            <a:r>
+              <a:rPr lang="en-US" dirty="0" smtClean="0">
+                <a:solidFill>
+                  <a:schemeClr val="bg1"/>
+                </a:solidFill>
+              </a:rPr>
+              <a:t> 14204</a:t>
+            </a:r>
+            <a:endParaRPr lang="en-US" dirty="0">
+              <a:solidFill>
+                <a:schemeClr val="bg1"/>
+              </a:solidFill>
+            </a:endParaRPr>
+          </a:p>
+        </p:txBody>
+      </p:sp>
+      <p:sp>
+        <p:nvSpPr>
+          <p:cNvPr id="7" name="Rechteck 6"/>
+          <p:cNvSpPr/>
+          <p:nvPr/>
+        </p:nvSpPr>
+        <p:spPr>
+          <a:xfrm>
+            <a:off x="8470676" y="2060848"/>
+            <a:ext cx="2641364" cy="369332"/>
+          </a:xfrm>
+          <a:prstGeom prst="rect">
+            <a:avLst/>
+          </a:prstGeom>
+        </p:spPr>
+        <p:txBody>
+          <a:bodyPr wrap="none">
+            <a:spAutoFit/>
+          </a:bodyPr>
+          <a:lstStyle/>
+          <a:p>
+            <a:r>
+              <a:rPr lang="en-US" dirty="0" err="1" smtClean="0">
+                <a:solidFill>
+                  <a:schemeClr val="bg1"/>
+                </a:solidFill>
+              </a:rPr>
+              <a:t>Zeit</a:t>
+            </a:r>
+            <a:r>
+              <a:rPr lang="en-US" dirty="0" smtClean="0">
+                <a:solidFill>
+                  <a:schemeClr val="bg1"/>
+                </a:solidFill>
+              </a:rPr>
+              <a:t> pro </a:t>
+            </a:r>
+            <a:r>
+              <a:rPr lang="en-US" dirty="0" err="1" smtClean="0">
+                <a:solidFill>
+                  <a:schemeClr val="bg1"/>
+                </a:solidFill>
+              </a:rPr>
+              <a:t>Zeile</a:t>
+            </a:r>
+            <a:r>
+              <a:rPr lang="en-US" dirty="0" smtClean="0">
+                <a:solidFill>
+                  <a:schemeClr val="bg1"/>
+                </a:solidFill>
+              </a:rPr>
+              <a:t>  3 </a:t>
+            </a:r>
+            <a:r>
+              <a:rPr lang="en-US" dirty="0" err="1" smtClean="0">
+                <a:solidFill>
+                  <a:schemeClr val="bg1"/>
+                </a:solidFill>
+              </a:rPr>
+              <a:t>Sekunden</a:t>
+            </a:r>
+            <a:endParaRPr lang="en-US" dirty="0">
+              <a:solidFill>
+                <a:schemeClr val="bg1"/>
+              </a:solidFill>
+            </a:endParaRPr>
+          </a:p>
+        </p:txBody>
+      </p:sp>
+      <p:sp>
+        <p:nvSpPr>
+          <p:cNvPr id="8" name="Rechteck 7"/>
+          <p:cNvSpPr/>
+          <p:nvPr/>
+        </p:nvSpPr>
+        <p:spPr>
+          <a:xfrm>
+            <a:off x="8470676" y="2492896"/>
+            <a:ext cx="2995500" cy="369332"/>
+          </a:xfrm>
+          <a:prstGeom prst="rect">
+            <a:avLst/>
+          </a:prstGeom>
+        </p:spPr>
+        <p:txBody>
+          <a:bodyPr wrap="none">
+            <a:spAutoFit/>
+          </a:bodyPr>
+          <a:lstStyle/>
+          <a:p>
+            <a:r>
+              <a:rPr lang="en-US" dirty="0" err="1" smtClean="0">
+                <a:solidFill>
+                  <a:schemeClr val="bg1"/>
+                </a:solidFill>
+              </a:rPr>
+              <a:t>Entwicklungszeit</a:t>
+            </a:r>
+            <a:r>
+              <a:rPr lang="en-US" dirty="0" smtClean="0">
+                <a:solidFill>
+                  <a:schemeClr val="bg1"/>
+                </a:solidFill>
+              </a:rPr>
+              <a:t>  710 </a:t>
+            </a:r>
+            <a:r>
+              <a:rPr lang="en-US" dirty="0" err="1" smtClean="0">
+                <a:solidFill>
+                  <a:schemeClr val="bg1"/>
+                </a:solidFill>
+              </a:rPr>
+              <a:t>Studen</a:t>
+            </a:r>
+            <a:endParaRPr lang="en-US" dirty="0">
+              <a:solidFill>
+                <a:schemeClr val="bg1"/>
+              </a:solidFill>
+            </a:endParaRPr>
           </a:p>
         </p:txBody>
       </p:sp>
     </p:spTree>
-    <p:extLst>
-      <p:ext uri="{BB962C8B-B14F-4D97-AF65-F5344CB8AC3E}">
-        <p14:creationId xmlns:p14="http://schemas.microsoft.com/office/powerpoint/2010/main" xmlns="" val="1720590291"/>
-      </p:ext>
-    </p:extLst>
   </p:cSld>
   <p:clrMapOvr>
     <a:masterClrMapping/>
   </p:clrMapOvr>
   <mc:AlternateContent xmlns:mc="http://schemas.openxmlformats.org/markup-compatibility/2006">
-    <mc:Choice xmlns:p14="http://schemas.microsoft.com/office/powerpoint/2010/main" xmlns="" Requires="p14">
+    <mc:Choice xmlns="" xmlns:p14="http://schemas.microsoft.com/office/powerpoint/2010/main" Requires="p14">
       <p:transition spd="med" p14:dur="700">
         <p:fade/>
       </p:transition>
@@ -8903,6 +9054,158 @@
       </p:grpSpPr>
       <p:sp>
         <p:nvSpPr>
+          <p:cNvPr id="2" name="Titel 1"/>
+          <p:cNvSpPr>
+            <a:spLocks noGrp="1"/>
+          </p:cNvSpPr>
+          <p:nvPr>
+            <p:ph type="title"/>
+          </p:nvPr>
+        </p:nvSpPr>
+        <p:spPr/>
+        <p:txBody>
+          <a:bodyPr/>
+          <a:lstStyle/>
+          <a:p>
+            <a:r>
+              <a:rPr lang="de-CH" dirty="0" smtClean="0"/>
+              <a:t>Verbesserungsmassnahmen</a:t>
+            </a:r>
+            <a:endParaRPr lang="de-CH" dirty="0"/>
+          </a:p>
+        </p:txBody>
+      </p:sp>
+      <p:sp>
+        <p:nvSpPr>
+          <p:cNvPr id="3" name="Inhaltsplatzhalter 2"/>
+          <p:cNvSpPr>
+            <a:spLocks noGrp="1"/>
+          </p:cNvSpPr>
+          <p:nvPr>
+            <p:ph idx="1"/>
+          </p:nvPr>
+        </p:nvSpPr>
+        <p:spPr/>
+        <p:txBody>
+          <a:bodyPr>
+            <a:normAutofit/>
+          </a:bodyPr>
+          <a:lstStyle/>
+          <a:p>
+            <a:r>
+              <a:rPr lang="de-CH" dirty="0" smtClean="0"/>
+              <a:t>Initialisierung mehr Zeit aufwenden</a:t>
+            </a:r>
+          </a:p>
+          <a:p>
+            <a:r>
+              <a:rPr lang="de-CH" dirty="0" smtClean="0"/>
+              <a:t>Schneller ins «extreme </a:t>
+            </a:r>
+            <a:r>
+              <a:rPr lang="de-CH" dirty="0" err="1" smtClean="0"/>
+              <a:t>programming</a:t>
+            </a:r>
+            <a:r>
+              <a:rPr lang="de-CH" dirty="0" smtClean="0"/>
+              <a:t>» gehen</a:t>
+            </a:r>
+          </a:p>
+          <a:p>
+            <a:r>
+              <a:rPr lang="de-CH" dirty="0" smtClean="0"/>
+              <a:t>Kürzere Sprints vornehmen</a:t>
+            </a:r>
+          </a:p>
+          <a:p>
+            <a:r>
+              <a:rPr lang="de-CH" dirty="0" smtClean="0"/>
+              <a:t>Rasche Reaktionen bei Fragen an Teamkollegen</a:t>
+            </a:r>
+            <a:endParaRPr lang="de-CH" dirty="0"/>
+          </a:p>
+          <a:p>
+            <a:r>
+              <a:rPr lang="de-CH" dirty="0" smtClean="0"/>
+              <a:t>Verantwortungen besser verteilen</a:t>
+            </a:r>
+          </a:p>
+        </p:txBody>
+      </p:sp>
+      <p:sp>
+        <p:nvSpPr>
+          <p:cNvPr id="5" name="Inhaltsplatzhalter 4"/>
+          <p:cNvSpPr>
+            <a:spLocks noGrp="1"/>
+          </p:cNvSpPr>
+          <p:nvPr>
+            <p:ph idx="13"/>
+          </p:nvPr>
+        </p:nvSpPr>
+        <p:spPr/>
+        <p:txBody>
+          <a:bodyPr/>
+          <a:lstStyle/>
+          <a:p>
+            <a:r>
+              <a:rPr lang="de-CH" dirty="0" smtClean="0"/>
+              <a:t>Rückblick  - Verbesserungsmassnahmen.</a:t>
+            </a:r>
+            <a:endParaRPr lang="en-US" dirty="0"/>
+          </a:p>
+        </p:txBody>
+      </p:sp>
+    </p:spTree>
+    <p:extLst>
+      <p:ext uri="{BB962C8B-B14F-4D97-AF65-F5344CB8AC3E}">
+        <p14:creationId xmlns="" xmlns:p14="http://schemas.microsoft.com/office/powerpoint/2010/main" val="1720590291"/>
+      </p:ext>
+    </p:extLst>
+  </p:cSld>
+  <p:clrMapOvr>
+    <a:masterClrMapping/>
+  </p:clrMapOvr>
+  <mc:AlternateContent xmlns:mc="http://schemas.openxmlformats.org/markup-compatibility/2006">
+    <mc:Choice xmlns="" xmlns:p14="http://schemas.microsoft.com/office/powerpoint/2010/main" Requires="p14">
+      <p:transition spd="med" p14:dur="700">
+        <p:fade/>
+      </p:transition>
+    </mc:Choice>
+    <mc:Fallback>
+      <p:transition spd="med">
+        <p:fade/>
+      </p:transition>
+    </mc:Fallback>
+  </mc:AlternateContent>
+  <p:timing>
+    <p:tnLst>
+      <p:par>
+        <p:cTn id="1" dur="indefinite" restart="never" nodeType="tmRoot"/>
+      </p:par>
+    </p:tnLst>
+  </p:timing>
+</p:sld>
+</file>
+
+<file path=ppt/slides/slide23.xml><?xml version="1.0" encoding="utf-8"?>
+<p:sld xmlns:a="http://schemas.openxmlformats.org/drawingml/2006/main" xmlns:r="http://schemas.openxmlformats.org/officeDocument/2006/relationships" xmlns:p="http://schemas.openxmlformats.org/presentationml/2006/main">
+  <p:cSld>
+    <p:spTree>
+      <p:nvGrpSpPr>
+        <p:cNvPr id="1" name=""/>
+        <p:cNvGrpSpPr/>
+        <p:nvPr/>
+      </p:nvGrpSpPr>
+      <p:grpSpPr>
+        <a:xfrm>
+          <a:off x="0" y="0"/>
+          <a:ext cx="0" cy="0"/>
+          <a:chOff x="0" y="0"/>
+          <a:chExt cx="0" cy="0"/>
+        </a:xfrm>
+      </p:grpSpPr>
+      <p:sp>
+        <p:nvSpPr>
           <p:cNvPr id="9" name="Titel 8"/>
           <p:cNvSpPr>
             <a:spLocks noGrp="1"/>
@@ -9001,7 +9304,7 @@
     <a:masterClrMapping/>
   </p:clrMapOvr>
   <mc:AlternateContent xmlns:mc="http://schemas.openxmlformats.org/markup-compatibility/2006">
-    <mc:Choice xmlns:p14="http://schemas.microsoft.com/office/powerpoint/2010/main" xmlns="" Requires="p14">
+    <mc:Choice xmlns="" xmlns:p14="http://schemas.microsoft.com/office/powerpoint/2010/main" Requires="p14">
       <p:transition spd="med" p14:dur="700">
         <p:fade/>
       </p:transition>
@@ -9097,7 +9400,7 @@
           <a:blip r:embed="rId2" cstate="print">
             <a:extLst>
               <a:ext uri="{28A0092B-C50C-407E-A947-70E740481C1C}">
-                <a14:useLocalDpi xmlns:a14="http://schemas.microsoft.com/office/drawing/2010/main" xmlns="" val="0"/>
+                <a14:useLocalDpi xmlns="" xmlns:a14="http://schemas.microsoft.com/office/drawing/2010/main" val="0"/>
               </a:ext>
             </a:extLst>
           </a:blip>
@@ -9117,7 +9420,7 @@
           <a:noFill/>
           <a:extLst>
             <a:ext uri="{909E8E84-426E-40DD-AFC4-6F175D3DCCD1}">
-              <a14:hiddenFill xmlns:a14="http://schemas.microsoft.com/office/drawing/2010/main" xmlns="">
+              <a14:hiddenFill xmlns="" xmlns:a14="http://schemas.microsoft.com/office/drawing/2010/main">
                 <a:solidFill>
                   <a:srgbClr val="FFFFFF"/>
                 </a:solidFill>
@@ -9173,7 +9476,7 @@
     </p:spTree>
     <p:extLst>
       <p:ext uri="{BB962C8B-B14F-4D97-AF65-F5344CB8AC3E}">
-        <p14:creationId xmlns:p14="http://schemas.microsoft.com/office/powerpoint/2010/main" xmlns="" val="1761193173"/>
+        <p14:creationId xmlns="" xmlns:p14="http://schemas.microsoft.com/office/powerpoint/2010/main" val="1761193173"/>
       </p:ext>
     </p:extLst>
   </p:cSld>
@@ -9181,7 +9484,7 @@
     <a:masterClrMapping/>
   </p:clrMapOvr>
   <mc:AlternateContent xmlns:mc="http://schemas.openxmlformats.org/markup-compatibility/2006">
-    <mc:Choice xmlns:p14="http://schemas.microsoft.com/office/powerpoint/2010/main" xmlns="" Requires="p14">
+    <mc:Choice xmlns="" xmlns:p14="http://schemas.microsoft.com/office/powerpoint/2010/main" Requires="p14">
       <p:transition spd="med" p14:dur="700">
         <p:fade/>
       </p:transition>
@@ -9340,7 +9643,7 @@
     </p:spTree>
     <p:extLst>
       <p:ext uri="{BB962C8B-B14F-4D97-AF65-F5344CB8AC3E}">
-        <p14:creationId xmlns:p14="http://schemas.microsoft.com/office/powerpoint/2010/main" xmlns="" val="3990477609"/>
+        <p14:creationId xmlns="" xmlns:p14="http://schemas.microsoft.com/office/powerpoint/2010/main" val="3990477609"/>
       </p:ext>
     </p:extLst>
   </p:cSld>
@@ -9348,7 +9651,7 @@
     <a:masterClrMapping/>
   </p:clrMapOvr>
   <mc:AlternateContent xmlns:mc="http://schemas.openxmlformats.org/markup-compatibility/2006">
-    <mc:Choice xmlns:p14="http://schemas.microsoft.com/office/powerpoint/2010/main" xmlns="" Requires="p14">
+    <mc:Choice xmlns="" xmlns:p14="http://schemas.microsoft.com/office/powerpoint/2010/main" Requires="p14">
       <p:transition spd="med" p14:dur="700">
         <p:fade/>
       </p:transition>
@@ -9496,7 +9799,7 @@
     </p:spTree>
     <p:extLst>
       <p:ext uri="{BB962C8B-B14F-4D97-AF65-F5344CB8AC3E}">
-        <p14:creationId xmlns:p14="http://schemas.microsoft.com/office/powerpoint/2010/main" xmlns="" val="893170643"/>
+        <p14:creationId xmlns="" xmlns:p14="http://schemas.microsoft.com/office/powerpoint/2010/main" val="893170643"/>
       </p:ext>
     </p:extLst>
   </p:cSld>
@@ -9504,7 +9807,7 @@
     <a:masterClrMapping/>
   </p:clrMapOvr>
   <mc:AlternateContent xmlns:mc="http://schemas.openxmlformats.org/markup-compatibility/2006">
-    <mc:Choice xmlns:p14="http://schemas.microsoft.com/office/powerpoint/2010/main" xmlns="" Requires="p14">
+    <mc:Choice xmlns="" xmlns:p14="http://schemas.microsoft.com/office/powerpoint/2010/main" Requires="p14">
       <p:transition spd="med" p14:dur="700">
         <p:fade/>
       </p:transition>
@@ -9671,7 +9974,7 @@
     </p:spTree>
     <p:extLst>
       <p:ext uri="{BB962C8B-B14F-4D97-AF65-F5344CB8AC3E}">
-        <p14:creationId xmlns:p14="http://schemas.microsoft.com/office/powerpoint/2010/main" xmlns="" val="2562901813"/>
+        <p14:creationId xmlns="" xmlns:p14="http://schemas.microsoft.com/office/powerpoint/2010/main" val="2562901813"/>
       </p:ext>
     </p:extLst>
   </p:cSld>
@@ -9679,7 +9982,7 @@
     <a:masterClrMapping/>
   </p:clrMapOvr>
   <mc:AlternateContent xmlns:mc="http://schemas.openxmlformats.org/markup-compatibility/2006">
-    <mc:Choice xmlns:p14="http://schemas.microsoft.com/office/powerpoint/2010/main" xmlns="" Requires="p14">
+    <mc:Choice xmlns="" xmlns:p14="http://schemas.microsoft.com/office/powerpoint/2010/main" Requires="p14">
       <p:transition spd="med" p14:dur="700">
         <p:fade/>
       </p:transition>
@@ -9861,7 +10164,7 @@
     </p:spTree>
     <p:extLst>
       <p:ext uri="{BB962C8B-B14F-4D97-AF65-F5344CB8AC3E}">
-        <p14:creationId xmlns:p14="http://schemas.microsoft.com/office/powerpoint/2010/main" xmlns="" val="687508315"/>
+        <p14:creationId xmlns="" xmlns:p14="http://schemas.microsoft.com/office/powerpoint/2010/main" val="687508315"/>
       </p:ext>
     </p:extLst>
   </p:cSld>
@@ -9869,7 +10172,7 @@
     <a:masterClrMapping/>
   </p:clrMapOvr>
   <mc:AlternateContent xmlns:mc="http://schemas.openxmlformats.org/markup-compatibility/2006">
-    <mc:Choice xmlns:p14="http://schemas.microsoft.com/office/powerpoint/2010/main" xmlns="" Requires="p14">
+    <mc:Choice xmlns="" xmlns:p14="http://schemas.microsoft.com/office/powerpoint/2010/main" Requires="p14">
       <p:transition spd="med" p14:dur="700">
         <p:fade/>
       </p:transition>
@@ -10058,7 +10361,7 @@
     </p:spTree>
     <p:extLst>
       <p:ext uri="{BB962C8B-B14F-4D97-AF65-F5344CB8AC3E}">
-        <p14:creationId xmlns:p14="http://schemas.microsoft.com/office/powerpoint/2010/main" xmlns="" val="1812615666"/>
+        <p14:creationId xmlns="" xmlns:p14="http://schemas.microsoft.com/office/powerpoint/2010/main" val="1812615666"/>
       </p:ext>
     </p:extLst>
   </p:cSld>
@@ -10066,7 +10369,7 @@
     <a:masterClrMapping/>
   </p:clrMapOvr>
   <mc:AlternateContent xmlns:mc="http://schemas.openxmlformats.org/markup-compatibility/2006">
-    <mc:Choice xmlns:p14="http://schemas.microsoft.com/office/powerpoint/2010/main" xmlns="" Requires="p14">
+    <mc:Choice xmlns="" xmlns:p14="http://schemas.microsoft.com/office/powerpoint/2010/main" Requires="p14">
       <p:transition spd="med" p14:dur="700">
         <p:fade/>
       </p:transition>
@@ -10312,7 +10615,7 @@
     </p:spTree>
     <p:extLst>
       <p:ext uri="{BB962C8B-B14F-4D97-AF65-F5344CB8AC3E}">
-        <p14:creationId xmlns:p14="http://schemas.microsoft.com/office/powerpoint/2010/main" xmlns="" val="3994489142"/>
+        <p14:creationId xmlns="" xmlns:p14="http://schemas.microsoft.com/office/powerpoint/2010/main" val="3994489142"/>
       </p:ext>
     </p:extLst>
   </p:cSld>
@@ -10320,7 +10623,7 @@
     <a:masterClrMapping/>
   </p:clrMapOvr>
   <mc:AlternateContent xmlns:mc="http://schemas.openxmlformats.org/markup-compatibility/2006">
-    <mc:Choice xmlns:p14="http://schemas.microsoft.com/office/powerpoint/2010/main" xmlns="" Requires="p14">
+    <mc:Choice xmlns="" xmlns:p14="http://schemas.microsoft.com/office/powerpoint/2010/main" Requires="p14">
       <p:transition spd="med" p14:dur="700">
         <p:fade/>
       </p:transition>
